--- a/week 10/Test of Significance.pptx
+++ b/week 10/Test of Significance.pptx
@@ -5,27 +5,23 @@
     <p:sldMasterId id="2147483648" r:id="rId4"/>
   </p:sldMasterIdLst>
   <p:notesMasterIdLst>
-    <p:notesMasterId r:id="rId23"/>
+    <p:notesMasterId r:id="rId19"/>
   </p:notesMasterIdLst>
   <p:sldIdLst>
     <p:sldId id="257" r:id="rId5"/>
     <p:sldId id="283" r:id="rId6"/>
     <p:sldId id="299" r:id="rId7"/>
-    <p:sldId id="328" r:id="rId8"/>
-    <p:sldId id="315" r:id="rId9"/>
-    <p:sldId id="313" r:id="rId10"/>
-    <p:sldId id="314" r:id="rId11"/>
-    <p:sldId id="317" r:id="rId12"/>
-    <p:sldId id="326" r:id="rId13"/>
-    <p:sldId id="318" r:id="rId14"/>
-    <p:sldId id="319" r:id="rId15"/>
-    <p:sldId id="320" r:id="rId16"/>
-    <p:sldId id="321" r:id="rId17"/>
-    <p:sldId id="322" r:id="rId18"/>
-    <p:sldId id="323" r:id="rId19"/>
-    <p:sldId id="324" r:id="rId20"/>
-    <p:sldId id="327" r:id="rId21"/>
-    <p:sldId id="312" r:id="rId22"/>
+    <p:sldId id="329" r:id="rId8"/>
+    <p:sldId id="330" r:id="rId9"/>
+    <p:sldId id="332" r:id="rId10"/>
+    <p:sldId id="333" r:id="rId11"/>
+    <p:sldId id="336" r:id="rId12"/>
+    <p:sldId id="335" r:id="rId13"/>
+    <p:sldId id="337" r:id="rId14"/>
+    <p:sldId id="339" r:id="rId15"/>
+    <p:sldId id="334" r:id="rId16"/>
+    <p:sldId id="338" r:id="rId17"/>
+    <p:sldId id="331" r:id="rId18"/>
   </p:sldIdLst>
   <p:sldSz cx="12192000" cy="6858000"/>
   <p:notesSz cx="6858000" cy="9144000"/>
@@ -222,7 +218,7 @@
           <a:p>
             <a:fld id="{F666E1FD-E7A0-497B-BBC0-740BAAC97C64}" type="datetimeFigureOut">
               <a:rPr lang="en-PH" smtClean="0"/>
-              <a:t>10/23/23</a:t>
+              <a:t>23/10/2023</a:t>
             </a:fld>
             <a:endParaRPr lang="en-PH"/>
           </a:p>
@@ -648,7 +644,7 @@
     </p:spTree>
     <p:extLst>
       <p:ext uri="{BB962C8B-B14F-4D97-AF65-F5344CB8AC3E}">
-        <p14:creationId xmlns:p14="http://schemas.microsoft.com/office/powerpoint/2010/main" val="3920545033"/>
+        <p14:creationId xmlns:p14="http://schemas.microsoft.com/office/powerpoint/2010/main" val="360354879"/>
       </p:ext>
     </p:extLst>
   </p:cSld>
@@ -732,7 +728,7 @@
     </p:spTree>
     <p:extLst>
       <p:ext uri="{BB962C8B-B14F-4D97-AF65-F5344CB8AC3E}">
-        <p14:creationId xmlns:p14="http://schemas.microsoft.com/office/powerpoint/2010/main" val="2535610284"/>
+        <p14:creationId xmlns:p14="http://schemas.microsoft.com/office/powerpoint/2010/main" val="1719743963"/>
       </p:ext>
     </p:extLst>
   </p:cSld>
@@ -816,7 +812,7 @@
     </p:spTree>
     <p:extLst>
       <p:ext uri="{BB962C8B-B14F-4D97-AF65-F5344CB8AC3E}">
-        <p14:creationId xmlns:p14="http://schemas.microsoft.com/office/powerpoint/2010/main" val="810162655"/>
+        <p14:creationId xmlns:p14="http://schemas.microsoft.com/office/powerpoint/2010/main" val="1615291102"/>
       </p:ext>
     </p:extLst>
   </p:cSld>
@@ -900,7 +896,7 @@
     </p:spTree>
     <p:extLst>
       <p:ext uri="{BB962C8B-B14F-4D97-AF65-F5344CB8AC3E}">
-        <p14:creationId xmlns:p14="http://schemas.microsoft.com/office/powerpoint/2010/main" val="4242996330"/>
+        <p14:creationId xmlns:p14="http://schemas.microsoft.com/office/powerpoint/2010/main" val="3361937685"/>
       </p:ext>
     </p:extLst>
   </p:cSld>
@@ -984,343 +980,7 @@
     </p:spTree>
     <p:extLst>
       <p:ext uri="{BB962C8B-B14F-4D97-AF65-F5344CB8AC3E}">
-        <p14:creationId xmlns:p14="http://schemas.microsoft.com/office/powerpoint/2010/main" val="2835910549"/>
-      </p:ext>
-    </p:extLst>
-  </p:cSld>
-  <p:clrMapOvr>
-    <a:masterClrMapping/>
-  </p:clrMapOvr>
-</p:notes>
-</file>
-
-<file path=ppt/notesSlides/notesSlide15.xml><?xml version="1.0" encoding="utf-8"?>
-<p:notes xmlns:a="http://schemas.openxmlformats.org/drawingml/2006/main" xmlns:r="http://schemas.openxmlformats.org/officeDocument/2006/relationships" xmlns:p="http://schemas.openxmlformats.org/presentationml/2006/main">
-  <p:cSld>
-    <p:spTree>
-      <p:nvGrpSpPr>
-        <p:cNvPr id="1" name=""/>
-        <p:cNvGrpSpPr/>
-        <p:nvPr/>
-      </p:nvGrpSpPr>
-      <p:grpSpPr>
-        <a:xfrm>
-          <a:off x="0" y="0"/>
-          <a:ext cx="0" cy="0"/>
-          <a:chOff x="0" y="0"/>
-          <a:chExt cx="0" cy="0"/>
-        </a:xfrm>
-      </p:grpSpPr>
-      <p:sp>
-        <p:nvSpPr>
-          <p:cNvPr id="2" name="Slide Image Placeholder 1"/>
-          <p:cNvSpPr>
-            <a:spLocks noGrp="1" noRot="1" noChangeAspect="1"/>
-          </p:cNvSpPr>
-          <p:nvPr>
-            <p:ph type="sldImg"/>
-          </p:nvPr>
-        </p:nvSpPr>
-        <p:spPr/>
-      </p:sp>
-      <p:sp>
-        <p:nvSpPr>
-          <p:cNvPr id="3" name="Notes Placeholder 2"/>
-          <p:cNvSpPr>
-            <a:spLocks noGrp="1"/>
-          </p:cNvSpPr>
-          <p:nvPr>
-            <p:ph type="body" idx="1"/>
-          </p:nvPr>
-        </p:nvSpPr>
-        <p:spPr/>
-        <p:txBody>
-          <a:bodyPr/>
-          <a:lstStyle/>
-          <a:p>
-            <a:endParaRPr lang="en-PH" dirty="0"/>
-          </a:p>
-        </p:txBody>
-      </p:sp>
-      <p:sp>
-        <p:nvSpPr>
-          <p:cNvPr id="4" name="Slide Number Placeholder 3"/>
-          <p:cNvSpPr>
-            <a:spLocks noGrp="1"/>
-          </p:cNvSpPr>
-          <p:nvPr>
-            <p:ph type="sldNum" sz="quarter" idx="5"/>
-          </p:nvPr>
-        </p:nvSpPr>
-        <p:spPr/>
-        <p:txBody>
-          <a:bodyPr/>
-          <a:lstStyle/>
-          <a:p>
-            <a:fld id="{FE90CCE9-4AAE-4E1F-85AD-521A406D6524}" type="slidenum">
-              <a:rPr lang="en-PH" smtClean="0"/>
-              <a:t>15</a:t>
-            </a:fld>
-            <a:endParaRPr lang="en-PH"/>
-          </a:p>
-        </p:txBody>
-      </p:sp>
-    </p:spTree>
-    <p:extLst>
-      <p:ext uri="{BB962C8B-B14F-4D97-AF65-F5344CB8AC3E}">
-        <p14:creationId xmlns:p14="http://schemas.microsoft.com/office/powerpoint/2010/main" val="2203925127"/>
-      </p:ext>
-    </p:extLst>
-  </p:cSld>
-  <p:clrMapOvr>
-    <a:masterClrMapping/>
-  </p:clrMapOvr>
-</p:notes>
-</file>
-
-<file path=ppt/notesSlides/notesSlide16.xml><?xml version="1.0" encoding="utf-8"?>
-<p:notes xmlns:a="http://schemas.openxmlformats.org/drawingml/2006/main" xmlns:r="http://schemas.openxmlformats.org/officeDocument/2006/relationships" xmlns:p="http://schemas.openxmlformats.org/presentationml/2006/main">
-  <p:cSld>
-    <p:spTree>
-      <p:nvGrpSpPr>
-        <p:cNvPr id="1" name=""/>
-        <p:cNvGrpSpPr/>
-        <p:nvPr/>
-      </p:nvGrpSpPr>
-      <p:grpSpPr>
-        <a:xfrm>
-          <a:off x="0" y="0"/>
-          <a:ext cx="0" cy="0"/>
-          <a:chOff x="0" y="0"/>
-          <a:chExt cx="0" cy="0"/>
-        </a:xfrm>
-      </p:grpSpPr>
-      <p:sp>
-        <p:nvSpPr>
-          <p:cNvPr id="2" name="Slide Image Placeholder 1"/>
-          <p:cNvSpPr>
-            <a:spLocks noGrp="1" noRot="1" noChangeAspect="1"/>
-          </p:cNvSpPr>
-          <p:nvPr>
-            <p:ph type="sldImg"/>
-          </p:nvPr>
-        </p:nvSpPr>
-        <p:spPr/>
-      </p:sp>
-      <p:sp>
-        <p:nvSpPr>
-          <p:cNvPr id="3" name="Notes Placeholder 2"/>
-          <p:cNvSpPr>
-            <a:spLocks noGrp="1"/>
-          </p:cNvSpPr>
-          <p:nvPr>
-            <p:ph type="body" idx="1"/>
-          </p:nvPr>
-        </p:nvSpPr>
-        <p:spPr/>
-        <p:txBody>
-          <a:bodyPr/>
-          <a:lstStyle/>
-          <a:p>
-            <a:endParaRPr lang="en-PH" dirty="0"/>
-          </a:p>
-        </p:txBody>
-      </p:sp>
-      <p:sp>
-        <p:nvSpPr>
-          <p:cNvPr id="4" name="Slide Number Placeholder 3"/>
-          <p:cNvSpPr>
-            <a:spLocks noGrp="1"/>
-          </p:cNvSpPr>
-          <p:nvPr>
-            <p:ph type="sldNum" sz="quarter" idx="5"/>
-          </p:nvPr>
-        </p:nvSpPr>
-        <p:spPr/>
-        <p:txBody>
-          <a:bodyPr/>
-          <a:lstStyle/>
-          <a:p>
-            <a:fld id="{FE90CCE9-4AAE-4E1F-85AD-521A406D6524}" type="slidenum">
-              <a:rPr lang="en-PH" smtClean="0"/>
-              <a:t>16</a:t>
-            </a:fld>
-            <a:endParaRPr lang="en-PH"/>
-          </a:p>
-        </p:txBody>
-      </p:sp>
-    </p:spTree>
-    <p:extLst>
-      <p:ext uri="{BB962C8B-B14F-4D97-AF65-F5344CB8AC3E}">
-        <p14:creationId xmlns:p14="http://schemas.microsoft.com/office/powerpoint/2010/main" val="3924716120"/>
-      </p:ext>
-    </p:extLst>
-  </p:cSld>
-  <p:clrMapOvr>
-    <a:masterClrMapping/>
-  </p:clrMapOvr>
-</p:notes>
-</file>
-
-<file path=ppt/notesSlides/notesSlide17.xml><?xml version="1.0" encoding="utf-8"?>
-<p:notes xmlns:a="http://schemas.openxmlformats.org/drawingml/2006/main" xmlns:r="http://schemas.openxmlformats.org/officeDocument/2006/relationships" xmlns:p="http://schemas.openxmlformats.org/presentationml/2006/main">
-  <p:cSld>
-    <p:spTree>
-      <p:nvGrpSpPr>
-        <p:cNvPr id="1" name=""/>
-        <p:cNvGrpSpPr/>
-        <p:nvPr/>
-      </p:nvGrpSpPr>
-      <p:grpSpPr>
-        <a:xfrm>
-          <a:off x="0" y="0"/>
-          <a:ext cx="0" cy="0"/>
-          <a:chOff x="0" y="0"/>
-          <a:chExt cx="0" cy="0"/>
-        </a:xfrm>
-      </p:grpSpPr>
-      <p:sp>
-        <p:nvSpPr>
-          <p:cNvPr id="2" name="Slide Image Placeholder 1"/>
-          <p:cNvSpPr>
-            <a:spLocks noGrp="1" noRot="1" noChangeAspect="1"/>
-          </p:cNvSpPr>
-          <p:nvPr>
-            <p:ph type="sldImg"/>
-          </p:nvPr>
-        </p:nvSpPr>
-        <p:spPr/>
-      </p:sp>
-      <p:sp>
-        <p:nvSpPr>
-          <p:cNvPr id="3" name="Notes Placeholder 2"/>
-          <p:cNvSpPr>
-            <a:spLocks noGrp="1"/>
-          </p:cNvSpPr>
-          <p:nvPr>
-            <p:ph type="body" idx="1"/>
-          </p:nvPr>
-        </p:nvSpPr>
-        <p:spPr/>
-        <p:txBody>
-          <a:bodyPr/>
-          <a:lstStyle/>
-          <a:p>
-            <a:endParaRPr lang="en-PH" dirty="0"/>
-          </a:p>
-        </p:txBody>
-      </p:sp>
-      <p:sp>
-        <p:nvSpPr>
-          <p:cNvPr id="4" name="Slide Number Placeholder 3"/>
-          <p:cNvSpPr>
-            <a:spLocks noGrp="1"/>
-          </p:cNvSpPr>
-          <p:nvPr>
-            <p:ph type="sldNum" sz="quarter" idx="5"/>
-          </p:nvPr>
-        </p:nvSpPr>
-        <p:spPr/>
-        <p:txBody>
-          <a:bodyPr/>
-          <a:lstStyle/>
-          <a:p>
-            <a:fld id="{FE90CCE9-4AAE-4E1F-85AD-521A406D6524}" type="slidenum">
-              <a:rPr lang="en-PH" smtClean="0"/>
-              <a:t>17</a:t>
-            </a:fld>
-            <a:endParaRPr lang="en-PH"/>
-          </a:p>
-        </p:txBody>
-      </p:sp>
-    </p:spTree>
-    <p:extLst>
-      <p:ext uri="{BB962C8B-B14F-4D97-AF65-F5344CB8AC3E}">
-        <p14:creationId xmlns:p14="http://schemas.microsoft.com/office/powerpoint/2010/main" val="1977913566"/>
-      </p:ext>
-    </p:extLst>
-  </p:cSld>
-  <p:clrMapOvr>
-    <a:masterClrMapping/>
-  </p:clrMapOvr>
-</p:notes>
-</file>
-
-<file path=ppt/notesSlides/notesSlide18.xml><?xml version="1.0" encoding="utf-8"?>
-<p:notes xmlns:a="http://schemas.openxmlformats.org/drawingml/2006/main" xmlns:r="http://schemas.openxmlformats.org/officeDocument/2006/relationships" xmlns:p="http://schemas.openxmlformats.org/presentationml/2006/main">
-  <p:cSld>
-    <p:spTree>
-      <p:nvGrpSpPr>
-        <p:cNvPr id="1" name=""/>
-        <p:cNvGrpSpPr/>
-        <p:nvPr/>
-      </p:nvGrpSpPr>
-      <p:grpSpPr>
-        <a:xfrm>
-          <a:off x="0" y="0"/>
-          <a:ext cx="0" cy="0"/>
-          <a:chOff x="0" y="0"/>
-          <a:chExt cx="0" cy="0"/>
-        </a:xfrm>
-      </p:grpSpPr>
-      <p:sp>
-        <p:nvSpPr>
-          <p:cNvPr id="2" name="Slide Image Placeholder 1"/>
-          <p:cNvSpPr>
-            <a:spLocks noGrp="1" noRot="1" noChangeAspect="1"/>
-          </p:cNvSpPr>
-          <p:nvPr>
-            <p:ph type="sldImg"/>
-          </p:nvPr>
-        </p:nvSpPr>
-        <p:spPr/>
-      </p:sp>
-      <p:sp>
-        <p:nvSpPr>
-          <p:cNvPr id="3" name="Notes Placeholder 2"/>
-          <p:cNvSpPr>
-            <a:spLocks noGrp="1"/>
-          </p:cNvSpPr>
-          <p:nvPr>
-            <p:ph type="body" idx="1"/>
-          </p:nvPr>
-        </p:nvSpPr>
-        <p:spPr/>
-        <p:txBody>
-          <a:bodyPr/>
-          <a:lstStyle/>
-          <a:p>
-            <a:endParaRPr lang="en-PH" dirty="0"/>
-          </a:p>
-        </p:txBody>
-      </p:sp>
-      <p:sp>
-        <p:nvSpPr>
-          <p:cNvPr id="4" name="Slide Number Placeholder 3"/>
-          <p:cNvSpPr>
-            <a:spLocks noGrp="1"/>
-          </p:cNvSpPr>
-          <p:nvPr>
-            <p:ph type="sldNum" sz="quarter" idx="5"/>
-          </p:nvPr>
-        </p:nvSpPr>
-        <p:spPr/>
-        <p:txBody>
-          <a:bodyPr/>
-          <a:lstStyle/>
-          <a:p>
-            <a:fld id="{FE90CCE9-4AAE-4E1F-85AD-521A406D6524}" type="slidenum">
-              <a:rPr lang="en-PH" smtClean="0"/>
-              <a:t>18</a:t>
-            </a:fld>
-            <a:endParaRPr lang="en-PH"/>
-          </a:p>
-        </p:txBody>
-      </p:sp>
-    </p:spTree>
-    <p:extLst>
-      <p:ext uri="{BB962C8B-B14F-4D97-AF65-F5344CB8AC3E}">
-        <p14:creationId xmlns:p14="http://schemas.microsoft.com/office/powerpoint/2010/main" val="509437496"/>
+        <p14:creationId xmlns:p14="http://schemas.microsoft.com/office/powerpoint/2010/main" val="4241614334"/>
       </p:ext>
     </p:extLst>
   </p:cSld>
@@ -1572,7 +1232,7 @@
     </p:spTree>
     <p:extLst>
       <p:ext uri="{BB962C8B-B14F-4D97-AF65-F5344CB8AC3E}">
-        <p14:creationId xmlns:p14="http://schemas.microsoft.com/office/powerpoint/2010/main" val="1536920618"/>
+        <p14:creationId xmlns:p14="http://schemas.microsoft.com/office/powerpoint/2010/main" val="2607673286"/>
       </p:ext>
     </p:extLst>
   </p:cSld>
@@ -1656,7 +1316,7 @@
     </p:spTree>
     <p:extLst>
       <p:ext uri="{BB962C8B-B14F-4D97-AF65-F5344CB8AC3E}">
-        <p14:creationId xmlns:p14="http://schemas.microsoft.com/office/powerpoint/2010/main" val="1729739905"/>
+        <p14:creationId xmlns:p14="http://schemas.microsoft.com/office/powerpoint/2010/main" val="1169336545"/>
       </p:ext>
     </p:extLst>
   </p:cSld>
@@ -1740,7 +1400,7 @@
     </p:spTree>
     <p:extLst>
       <p:ext uri="{BB962C8B-B14F-4D97-AF65-F5344CB8AC3E}">
-        <p14:creationId xmlns:p14="http://schemas.microsoft.com/office/powerpoint/2010/main" val="1017262626"/>
+        <p14:creationId xmlns:p14="http://schemas.microsoft.com/office/powerpoint/2010/main" val="661832790"/>
       </p:ext>
     </p:extLst>
   </p:cSld>
@@ -1824,7 +1484,7 @@
     </p:spTree>
     <p:extLst>
       <p:ext uri="{BB962C8B-B14F-4D97-AF65-F5344CB8AC3E}">
-        <p14:creationId xmlns:p14="http://schemas.microsoft.com/office/powerpoint/2010/main" val="4035587933"/>
+        <p14:creationId xmlns:p14="http://schemas.microsoft.com/office/powerpoint/2010/main" val="3146837381"/>
       </p:ext>
     </p:extLst>
   </p:cSld>
@@ -1908,7 +1568,7 @@
     </p:spTree>
     <p:extLst>
       <p:ext uri="{BB962C8B-B14F-4D97-AF65-F5344CB8AC3E}">
-        <p14:creationId xmlns:p14="http://schemas.microsoft.com/office/powerpoint/2010/main" val="3174531531"/>
+        <p14:creationId xmlns:p14="http://schemas.microsoft.com/office/powerpoint/2010/main" val="1986353231"/>
       </p:ext>
     </p:extLst>
   </p:cSld>
@@ -1992,7 +1652,7 @@
     </p:spTree>
     <p:extLst>
       <p:ext uri="{BB962C8B-B14F-4D97-AF65-F5344CB8AC3E}">
-        <p14:creationId xmlns:p14="http://schemas.microsoft.com/office/powerpoint/2010/main" val="3612204159"/>
+        <p14:creationId xmlns:p14="http://schemas.microsoft.com/office/powerpoint/2010/main" val="2671781897"/>
       </p:ext>
     </p:extLst>
   </p:cSld>
@@ -2151,7 +1811,7 @@
           <a:p>
             <a:fld id="{0CCF0B81-6BD8-4C65-9459-815598C5F1F4}" type="datetimeFigureOut">
               <a:rPr lang="en-PH" smtClean="0"/>
-              <a:t>10/23/23</a:t>
+              <a:t>23/10/2023</a:t>
             </a:fld>
             <a:endParaRPr lang="en-PH"/>
           </a:p>
@@ -2351,7 +2011,7 @@
           <a:p>
             <a:fld id="{0CCF0B81-6BD8-4C65-9459-815598C5F1F4}" type="datetimeFigureOut">
               <a:rPr lang="en-PH" smtClean="0"/>
-              <a:t>10/23/23</a:t>
+              <a:t>23/10/2023</a:t>
             </a:fld>
             <a:endParaRPr lang="en-PH"/>
           </a:p>
@@ -2561,7 +2221,7 @@
           <a:p>
             <a:fld id="{0CCF0B81-6BD8-4C65-9459-815598C5F1F4}" type="datetimeFigureOut">
               <a:rPr lang="en-PH" smtClean="0"/>
-              <a:t>10/23/23</a:t>
+              <a:t>23/10/2023</a:t>
             </a:fld>
             <a:endParaRPr lang="en-PH"/>
           </a:p>
@@ -2761,7 +2421,7 @@
           <a:p>
             <a:fld id="{0CCF0B81-6BD8-4C65-9459-815598C5F1F4}" type="datetimeFigureOut">
               <a:rPr lang="en-PH" smtClean="0"/>
-              <a:t>10/23/23</a:t>
+              <a:t>23/10/2023</a:t>
             </a:fld>
             <a:endParaRPr lang="en-PH"/>
           </a:p>
@@ -3037,7 +2697,7 @@
           <a:p>
             <a:fld id="{0CCF0B81-6BD8-4C65-9459-815598C5F1F4}" type="datetimeFigureOut">
               <a:rPr lang="en-PH" smtClean="0"/>
-              <a:t>10/23/23</a:t>
+              <a:t>23/10/2023</a:t>
             </a:fld>
             <a:endParaRPr lang="en-PH"/>
           </a:p>
@@ -3305,7 +2965,7 @@
           <a:p>
             <a:fld id="{0CCF0B81-6BD8-4C65-9459-815598C5F1F4}" type="datetimeFigureOut">
               <a:rPr lang="en-PH" smtClean="0"/>
-              <a:t>10/23/23</a:t>
+              <a:t>23/10/2023</a:t>
             </a:fld>
             <a:endParaRPr lang="en-PH"/>
           </a:p>
@@ -3720,7 +3380,7 @@
           <a:p>
             <a:fld id="{0CCF0B81-6BD8-4C65-9459-815598C5F1F4}" type="datetimeFigureOut">
               <a:rPr lang="en-PH" smtClean="0"/>
-              <a:t>10/23/23</a:t>
+              <a:t>23/10/2023</a:t>
             </a:fld>
             <a:endParaRPr lang="en-PH"/>
           </a:p>
@@ -3862,7 +3522,7 @@
           <a:p>
             <a:fld id="{0CCF0B81-6BD8-4C65-9459-815598C5F1F4}" type="datetimeFigureOut">
               <a:rPr lang="en-PH" smtClean="0"/>
-              <a:t>10/23/23</a:t>
+              <a:t>23/10/2023</a:t>
             </a:fld>
             <a:endParaRPr lang="en-PH"/>
           </a:p>
@@ -3975,7 +3635,7 @@
           <a:p>
             <a:fld id="{0CCF0B81-6BD8-4C65-9459-815598C5F1F4}" type="datetimeFigureOut">
               <a:rPr lang="en-PH" smtClean="0"/>
-              <a:t>10/23/23</a:t>
+              <a:t>23/10/2023</a:t>
             </a:fld>
             <a:endParaRPr lang="en-PH"/>
           </a:p>
@@ -4288,7 +3948,7 @@
           <a:p>
             <a:fld id="{0CCF0B81-6BD8-4C65-9459-815598C5F1F4}" type="datetimeFigureOut">
               <a:rPr lang="en-PH" smtClean="0"/>
-              <a:t>10/23/23</a:t>
+              <a:t>23/10/2023</a:t>
             </a:fld>
             <a:endParaRPr lang="en-PH"/>
           </a:p>
@@ -4577,7 +4237,7 @@
           <a:p>
             <a:fld id="{0CCF0B81-6BD8-4C65-9459-815598C5F1F4}" type="datetimeFigureOut">
               <a:rPr lang="en-PH" smtClean="0"/>
-              <a:t>10/23/23</a:t>
+              <a:t>23/10/2023</a:t>
             </a:fld>
             <a:endParaRPr lang="en-PH"/>
           </a:p>
@@ -4820,7 +4480,7 @@
           <a:p>
             <a:fld id="{0CCF0B81-6BD8-4C65-9459-815598C5F1F4}" type="datetimeFigureOut">
               <a:rPr lang="en-PH" smtClean="0"/>
-              <a:t>10/23/23</a:t>
+              <a:t>23/10/2023</a:t>
             </a:fld>
             <a:endParaRPr lang="en-PH"/>
           </a:p>
@@ -5504,42 +5164,6 @@
       </p:sp>
       <p:sp>
         <p:nvSpPr>
-          <p:cNvPr id="38" name="Title 1">
-            <a:extLst>
-              <a:ext uri="{FF2B5EF4-FFF2-40B4-BE49-F238E27FC236}">
-                <a16:creationId xmlns:a16="http://schemas.microsoft.com/office/drawing/2014/main" id="{85194D96-4E26-6A5A-5AB5-02AFD53E7543}"/>
-              </a:ext>
-            </a:extLst>
-          </p:cNvPr>
-          <p:cNvSpPr>
-            <a:spLocks noGrp="1"/>
-          </p:cNvSpPr>
-          <p:nvPr>
-            <p:ph type="ctrTitle"/>
-          </p:nvPr>
-        </p:nvSpPr>
-        <p:spPr>
-          <a:xfrm>
-            <a:off x="1128386" y="415731"/>
-            <a:ext cx="9935227" cy="718459"/>
-          </a:xfrm>
-        </p:spPr>
-        <p:txBody>
-          <a:bodyPr>
-            <a:noAutofit/>
-          </a:bodyPr>
-          <a:lstStyle/>
-          <a:p>
-            <a:r>
-              <a:rPr lang="en-US" sz="5000" b="1" dirty="0"/>
-              <a:t>Inferential statistics</a:t>
-            </a:r>
-            <a:endParaRPr lang="en-PH" sz="5000" b="1" dirty="0"/>
-          </a:p>
-        </p:txBody>
-      </p:sp>
-      <p:sp>
-        <p:nvSpPr>
           <p:cNvPr id="39" name="Footer Placeholder 3">
             <a:extLst>
               <a:ext uri="{FF2B5EF4-FFF2-40B4-BE49-F238E27FC236}">
@@ -5582,10 +5206,10 @@
       </p:sp>
       <p:pic>
         <p:nvPicPr>
-          <p:cNvPr id="3" name="Picture 2" descr="A black map of the philippines&#10;&#10;Description automatically generated">
-            <a:extLst>
-              <a:ext uri="{FF2B5EF4-FFF2-40B4-BE49-F238E27FC236}">
-                <a16:creationId xmlns:a16="http://schemas.microsoft.com/office/drawing/2014/main" id="{91F95CA6-DB93-DD63-A487-E04355716B0C}"/>
+          <p:cNvPr id="7" name="Picture 6" descr="A poster with a plant growing out of the ground&#10;&#10;Description automatically generated">
+            <a:extLst>
+              <a:ext uri="{FF2B5EF4-FFF2-40B4-BE49-F238E27FC236}">
+                <a16:creationId xmlns:a16="http://schemas.microsoft.com/office/drawing/2014/main" id="{BC2E7218-AC19-F130-0716-0305FA851E4B}"/>
               </a:ext>
             </a:extLst>
           </p:cNvPr>
@@ -5608,398 +5232,24 @@
         </p:blipFill>
         <p:spPr>
           <a:xfrm>
-            <a:off x="7077075" y="1351338"/>
-            <a:ext cx="4290585" cy="4290585"/>
+            <a:off x="1996488" y="291210"/>
+            <a:ext cx="8199023" cy="5466015"/>
           </a:xfrm>
           <a:prstGeom prst="rect">
             <a:avLst/>
           </a:prstGeom>
         </p:spPr>
       </p:pic>
-      <p:sp>
-        <p:nvSpPr>
-          <p:cNvPr id="6" name="TextBox 5">
-            <a:extLst>
-              <a:ext uri="{FF2B5EF4-FFF2-40B4-BE49-F238E27FC236}">
-                <a16:creationId xmlns:a16="http://schemas.microsoft.com/office/drawing/2014/main" id="{4E3C48C9-07B5-7123-088D-40F21BDEBBA0}"/>
-              </a:ext>
-            </a:extLst>
-          </p:cNvPr>
-          <p:cNvSpPr txBox="1"/>
-          <p:nvPr/>
-        </p:nvSpPr>
-        <p:spPr>
-          <a:xfrm>
-            <a:off x="1128386" y="1388145"/>
-            <a:ext cx="4967614" cy="553998"/>
-          </a:xfrm>
-          <a:prstGeom prst="rect">
-            <a:avLst/>
-          </a:prstGeom>
-          <a:noFill/>
-        </p:spPr>
-        <p:txBody>
-          <a:bodyPr wrap="square" rtlCol="0">
-            <a:spAutoFit/>
-          </a:bodyPr>
-          <a:lstStyle/>
-          <a:p>
-            <a:r>
-              <a:rPr lang="en-US" sz="3000" b="1" dirty="0">
-                <a:solidFill>
-                  <a:srgbClr val="0070C0"/>
-                </a:solidFill>
-              </a:rPr>
-              <a:t>Total Population:  </a:t>
-            </a:r>
-            <a:r>
-              <a:rPr lang="en-US" sz="3000" b="1" dirty="0"/>
-              <a:t>113 million</a:t>
-            </a:r>
-            <a:endParaRPr lang="en-PH" sz="3000" b="1" dirty="0"/>
-          </a:p>
-        </p:txBody>
-      </p:sp>
-      <p:grpSp>
-        <p:nvGrpSpPr>
-          <p:cNvPr id="4" name="Group 3">
-            <a:extLst>
-              <a:ext uri="{FF2B5EF4-FFF2-40B4-BE49-F238E27FC236}">
-                <a16:creationId xmlns:a16="http://schemas.microsoft.com/office/drawing/2014/main" id="{2F8941C5-7C93-5F9D-F725-FC00E5B5B10F}"/>
-              </a:ext>
-            </a:extLst>
-          </p:cNvPr>
-          <p:cNvGrpSpPr/>
-          <p:nvPr/>
-        </p:nvGrpSpPr>
-        <p:grpSpPr>
-          <a:xfrm>
-            <a:off x="1128386" y="2015634"/>
-            <a:ext cx="5483648" cy="1938992"/>
-            <a:chOff x="1128386" y="2015634"/>
-            <a:chExt cx="5483648" cy="1938992"/>
-          </a:xfrm>
-        </p:grpSpPr>
-        <p:sp>
-          <p:nvSpPr>
-            <p:cNvPr id="7" name="TextBox 6">
-              <a:extLst>
-                <a:ext uri="{FF2B5EF4-FFF2-40B4-BE49-F238E27FC236}">
-                  <a16:creationId xmlns:a16="http://schemas.microsoft.com/office/drawing/2014/main" id="{B9DFF426-F5CD-23C9-B39E-58D6862A8EA6}"/>
-                </a:ext>
-              </a:extLst>
-            </p:cNvPr>
-            <p:cNvSpPr txBox="1"/>
-            <p:nvPr/>
-          </p:nvSpPr>
-          <p:spPr>
-            <a:xfrm>
-              <a:off x="1128386" y="2015634"/>
-              <a:ext cx="3986540" cy="1938992"/>
-            </a:xfrm>
-            <a:prstGeom prst="rect">
-              <a:avLst/>
-            </a:prstGeom>
-            <a:noFill/>
-          </p:spPr>
-          <p:txBody>
-            <a:bodyPr wrap="square" rtlCol="0">
-              <a:spAutoFit/>
-            </a:bodyPr>
-            <a:lstStyle/>
-            <a:p>
-              <a:r>
-                <a:rPr lang="en-US" sz="3000" b="1" dirty="0">
-                  <a:solidFill>
-                    <a:srgbClr val="0070C0"/>
-                  </a:solidFill>
-                </a:rPr>
-                <a:t>General Question</a:t>
-              </a:r>
-              <a:r>
-                <a:rPr lang="en-US" sz="3000" dirty="0">
-                  <a:solidFill>
-                    <a:srgbClr val="0070C0"/>
-                  </a:solidFill>
-                </a:rPr>
-                <a:t>: </a:t>
-              </a:r>
-            </a:p>
-            <a:p>
-              <a:r>
-                <a:rPr lang="en-US" sz="3000" dirty="0"/>
-                <a:t>How many people in the </a:t>
-              </a:r>
-              <a:r>
-                <a:rPr lang="en-US" sz="3000" dirty="0" err="1"/>
-                <a:t>philippines</a:t>
-              </a:r>
-              <a:r>
-                <a:rPr lang="en-US" sz="3000" dirty="0"/>
-                <a:t> like </a:t>
-              </a:r>
-              <a:r>
-                <a:rPr lang="en-US" sz="3000" b="1" dirty="0">
-                  <a:solidFill>
-                    <a:srgbClr val="FFC000"/>
-                  </a:solidFill>
-                </a:rPr>
-                <a:t>mangoes?</a:t>
-              </a:r>
-              <a:endParaRPr lang="en-PH" sz="3000" b="1" dirty="0">
-                <a:solidFill>
-                  <a:srgbClr val="FFC000"/>
-                </a:solidFill>
-              </a:endParaRPr>
-            </a:p>
-          </p:txBody>
-        </p:sp>
-        <p:pic>
-          <p:nvPicPr>
-            <p:cNvPr id="8" name="Picture 7">
-              <a:extLst>
-                <a:ext uri="{FF2B5EF4-FFF2-40B4-BE49-F238E27FC236}">
-                  <a16:creationId xmlns:a16="http://schemas.microsoft.com/office/drawing/2014/main" id="{1AF5CF9D-0850-7B36-85EF-19A19EA1A3C8}"/>
-                </a:ext>
-              </a:extLst>
-            </p:cNvPr>
-            <p:cNvPicPr>
-              <a:picLocks noChangeAspect="1"/>
-            </p:cNvPicPr>
-            <p:nvPr/>
-          </p:nvPicPr>
-          <p:blipFill>
-            <a:blip r:embed="rId5">
-              <a:extLst>
-                <a:ext uri="{28A0092B-C50C-407E-A947-70E740481C1C}">
-                  <a14:useLocalDpi xmlns:a14="http://schemas.microsoft.com/office/drawing/2010/main" val="0"/>
-                </a:ext>
-              </a:extLst>
-            </a:blip>
-            <a:stretch>
-              <a:fillRect/>
-            </a:stretch>
-          </p:blipFill>
-          <p:spPr>
-            <a:xfrm>
-              <a:off x="5218015" y="2242846"/>
-              <a:ext cx="1394019" cy="1394019"/>
-            </a:xfrm>
-            <a:prstGeom prst="rect">
-              <a:avLst/>
-            </a:prstGeom>
-          </p:spPr>
-        </p:pic>
-      </p:grpSp>
-      <p:sp>
-        <p:nvSpPr>
-          <p:cNvPr id="2" name="TextBox 1">
-            <a:extLst>
-              <a:ext uri="{FF2B5EF4-FFF2-40B4-BE49-F238E27FC236}">
-                <a16:creationId xmlns:a16="http://schemas.microsoft.com/office/drawing/2014/main" id="{A37F908C-D49E-C06E-81AB-315DEE0E5204}"/>
-              </a:ext>
-            </a:extLst>
-          </p:cNvPr>
-          <p:cNvSpPr txBox="1"/>
-          <p:nvPr/>
-        </p:nvSpPr>
-        <p:spPr>
-          <a:xfrm>
-            <a:off x="1128386" y="4142166"/>
-            <a:ext cx="6586864" cy="1477328"/>
-          </a:xfrm>
-          <a:prstGeom prst="rect">
-            <a:avLst/>
-          </a:prstGeom>
-          <a:noFill/>
-        </p:spPr>
-        <p:txBody>
-          <a:bodyPr wrap="square" rtlCol="0">
-            <a:spAutoFit/>
-          </a:bodyPr>
-          <a:lstStyle/>
-          <a:p>
-            <a:r>
-              <a:rPr lang="en-US" sz="3000" b="1" dirty="0">
-                <a:solidFill>
-                  <a:srgbClr val="FF0000"/>
-                </a:solidFill>
-              </a:rPr>
-              <a:t>It would be unreasonable to ask all 113 million people in the </a:t>
-            </a:r>
-            <a:r>
-              <a:rPr lang="en-US" sz="3000" b="1" dirty="0" err="1">
-                <a:solidFill>
-                  <a:srgbClr val="FF0000"/>
-                </a:solidFill>
-              </a:rPr>
-              <a:t>philippines</a:t>
-            </a:r>
-            <a:r>
-              <a:rPr lang="en-US" sz="3000" b="1" dirty="0">
-                <a:solidFill>
-                  <a:srgbClr val="FF0000"/>
-                </a:solidFill>
-              </a:rPr>
-              <a:t> if they like mangoes </a:t>
-            </a:r>
-            <a:endParaRPr lang="en-PH" sz="3000" b="1" dirty="0">
-              <a:solidFill>
-                <a:srgbClr val="FF0000"/>
-              </a:solidFill>
-            </a:endParaRPr>
-          </a:p>
-        </p:txBody>
-      </p:sp>
     </p:spTree>
     <p:extLst>
       <p:ext uri="{BB962C8B-B14F-4D97-AF65-F5344CB8AC3E}">
-        <p14:creationId xmlns:p14="http://schemas.microsoft.com/office/powerpoint/2010/main" val="730229530"/>
+        <p14:creationId xmlns:p14="http://schemas.microsoft.com/office/powerpoint/2010/main" val="2185071703"/>
       </p:ext>
     </p:extLst>
   </p:cSld>
   <p:clrMapOvr>
     <a:masterClrMapping/>
   </p:clrMapOvr>
-  <p:timing>
-    <p:tnLst>
-      <p:par>
-        <p:cTn id="1" dur="indefinite" restart="never" nodeType="tmRoot">
-          <p:childTnLst>
-            <p:seq concurrent="1" nextAc="seek">
-              <p:cTn id="2" dur="indefinite" nodeType="mainSeq">
-                <p:childTnLst>
-                  <p:par>
-                    <p:cTn id="3" fill="hold">
-                      <p:stCondLst>
-                        <p:cond delay="indefinite"/>
-                      </p:stCondLst>
-                      <p:childTnLst>
-                        <p:par>
-                          <p:cTn id="4" fill="hold">
-                            <p:stCondLst>
-                              <p:cond delay="0"/>
-                            </p:stCondLst>
-                            <p:childTnLst>
-                              <p:par>
-                                <p:cTn id="5" presetID="14" presetClass="entr" presetSubtype="10" fill="hold" nodeType="clickEffect">
-                                  <p:stCondLst>
-                                    <p:cond delay="0"/>
-                                  </p:stCondLst>
-                                  <p:childTnLst>
-                                    <p:set>
-                                      <p:cBhvr>
-                                        <p:cTn id="6" dur="1" fill="hold">
-                                          <p:stCondLst>
-                                            <p:cond delay="0"/>
-                                          </p:stCondLst>
-                                        </p:cTn>
-                                        <p:tgtEl>
-                                          <p:spTgt spid="4"/>
-                                        </p:tgtEl>
-                                        <p:attrNameLst>
-                                          <p:attrName>style.visibility</p:attrName>
-                                        </p:attrNameLst>
-                                      </p:cBhvr>
-                                      <p:to>
-                                        <p:strVal val="visible"/>
-                                      </p:to>
-                                    </p:set>
-                                    <p:animEffect transition="in" filter="randombar(horizontal)">
-                                      <p:cBhvr>
-                                        <p:cTn id="7" dur="500"/>
-                                        <p:tgtEl>
-                                          <p:spTgt spid="4"/>
-                                        </p:tgtEl>
-                                      </p:cBhvr>
-                                    </p:animEffect>
-                                  </p:childTnLst>
-                                </p:cTn>
-                              </p:par>
-                            </p:childTnLst>
-                          </p:cTn>
-                        </p:par>
-                      </p:childTnLst>
-                    </p:cTn>
-                  </p:par>
-                  <p:par>
-                    <p:cTn id="8" fill="hold">
-                      <p:stCondLst>
-                        <p:cond delay="indefinite"/>
-                      </p:stCondLst>
-                      <p:childTnLst>
-                        <p:par>
-                          <p:cTn id="9" fill="hold">
-                            <p:stCondLst>
-                              <p:cond delay="0"/>
-                            </p:stCondLst>
-                            <p:childTnLst>
-                              <p:par>
-                                <p:cTn id="10" presetID="14" presetClass="entr" presetSubtype="10" fill="hold" grpId="0" nodeType="clickEffect">
-                                  <p:stCondLst>
-                                    <p:cond delay="0"/>
-                                  </p:stCondLst>
-                                  <p:childTnLst>
-                                    <p:set>
-                                      <p:cBhvr>
-                                        <p:cTn id="11" dur="1" fill="hold">
-                                          <p:stCondLst>
-                                            <p:cond delay="0"/>
-                                          </p:stCondLst>
-                                        </p:cTn>
-                                        <p:tgtEl>
-                                          <p:spTgt spid="2"/>
-                                        </p:tgtEl>
-                                        <p:attrNameLst>
-                                          <p:attrName>style.visibility</p:attrName>
-                                        </p:attrNameLst>
-                                      </p:cBhvr>
-                                      <p:to>
-                                        <p:strVal val="visible"/>
-                                      </p:to>
-                                    </p:set>
-                                    <p:animEffect transition="in" filter="randombar(horizontal)">
-                                      <p:cBhvr>
-                                        <p:cTn id="12" dur="500"/>
-                                        <p:tgtEl>
-                                          <p:spTgt spid="2"/>
-                                        </p:tgtEl>
-                                      </p:cBhvr>
-                                    </p:animEffect>
-                                  </p:childTnLst>
-                                </p:cTn>
-                              </p:par>
-                            </p:childTnLst>
-                          </p:cTn>
-                        </p:par>
-                      </p:childTnLst>
-                    </p:cTn>
-                  </p:par>
-                </p:childTnLst>
-              </p:cTn>
-              <p:prevCondLst>
-                <p:cond evt="onPrev" delay="0">
-                  <p:tgtEl>
-                    <p:sldTgt/>
-                  </p:tgtEl>
-                </p:cond>
-              </p:prevCondLst>
-              <p:nextCondLst>
-                <p:cond evt="onNext" delay="0">
-                  <p:tgtEl>
-                    <p:sldTgt/>
-                  </p:tgtEl>
-                </p:cond>
-              </p:nextCondLst>
-            </p:seq>
-          </p:childTnLst>
-        </p:cTn>
-      </p:par>
-    </p:tnLst>
-    <p:bldLst>
-      <p:bldP spid="2" grpId="0"/>
-    </p:bldLst>
-  </p:timing>
 </p:sld>
 </file>
 
@@ -6137,7 +5387,7 @@
           <a:p>
             <a:r>
               <a:rPr lang="en-US" sz="5000" b="1" dirty="0"/>
-              <a:t>Inferential statistics</a:t>
+              <a:t>Court Trial Example</a:t>
             </a:r>
             <a:endParaRPr lang="en-PH" sz="5000" b="1" dirty="0"/>
           </a:p>
@@ -6185,12 +5435,56 @@
           </a:p>
         </p:txBody>
       </p:sp>
+      <p:sp>
+        <p:nvSpPr>
+          <p:cNvPr id="4" name="TextBox 3">
+            <a:extLst>
+              <a:ext uri="{FF2B5EF4-FFF2-40B4-BE49-F238E27FC236}">
+                <a16:creationId xmlns:a16="http://schemas.microsoft.com/office/drawing/2014/main" id="{4203C0C4-7C82-D208-A8B3-1AE6E9099A3C}"/>
+              </a:ext>
+            </a:extLst>
+          </p:cNvPr>
+          <p:cNvSpPr txBox="1"/>
+          <p:nvPr/>
+        </p:nvSpPr>
+        <p:spPr>
+          <a:xfrm>
+            <a:off x="639918" y="1354768"/>
+            <a:ext cx="11140404" cy="1477328"/>
+          </a:xfrm>
+          <a:prstGeom prst="rect">
+            <a:avLst/>
+          </a:prstGeom>
+          <a:noFill/>
+        </p:spPr>
+        <p:txBody>
+          <a:bodyPr wrap="square" rtlCol="0">
+            <a:spAutoFit/>
+          </a:bodyPr>
+          <a:lstStyle/>
+          <a:p>
+            <a:r>
+              <a:rPr lang="en-US" sz="3000" dirty="0"/>
+              <a:t>The process of testing hypotheses can be compared to court trials.</a:t>
+            </a:r>
+          </a:p>
+          <a:p>
+            <a:r>
+              <a:rPr lang="en-US" sz="3000" dirty="0"/>
+              <a:t>A person comes into court charged with a crime. </a:t>
+            </a:r>
+          </a:p>
+          <a:p>
+            <a:endParaRPr lang="en-PH" sz="3000" dirty="0"/>
+          </a:p>
+        </p:txBody>
+      </p:sp>
       <p:pic>
         <p:nvPicPr>
-          <p:cNvPr id="3" name="Picture 2" descr="A black map of the philippines&#10;&#10;Description automatically generated">
-            <a:extLst>
-              <a:ext uri="{FF2B5EF4-FFF2-40B4-BE49-F238E27FC236}">
-                <a16:creationId xmlns:a16="http://schemas.microsoft.com/office/drawing/2014/main" id="{91F95CA6-DB93-DD63-A487-E04355716B0C}"/>
+          <p:cNvPr id="3" name="Picture 2" descr="A person sitting at a desk&#10;&#10;Description automatically generated">
+            <a:extLst>
+              <a:ext uri="{FF2B5EF4-FFF2-40B4-BE49-F238E27FC236}">
+                <a16:creationId xmlns:a16="http://schemas.microsoft.com/office/drawing/2014/main" id="{EA82693E-380E-7EA1-CB9D-141726E57914}"/>
               </a:ext>
             </a:extLst>
           </p:cNvPr>
@@ -6213,268 +5507,31 @@
         </p:blipFill>
         <p:spPr>
           <a:xfrm>
-            <a:off x="7521741" y="1328909"/>
-            <a:ext cx="4290585" cy="4290585"/>
+            <a:off x="4041738" y="2672733"/>
+            <a:ext cx="4108522" cy="3081392"/>
           </a:xfrm>
           <a:prstGeom prst="rect">
             <a:avLst/>
           </a:prstGeom>
-        </p:spPr>
-      </p:pic>
-      <p:sp>
-        <p:nvSpPr>
-          <p:cNvPr id="6" name="TextBox 5">
-            <a:extLst>
-              <a:ext uri="{FF2B5EF4-FFF2-40B4-BE49-F238E27FC236}">
-                <a16:creationId xmlns:a16="http://schemas.microsoft.com/office/drawing/2014/main" id="{4E3C48C9-07B5-7123-088D-40F21BDEBBA0}"/>
-              </a:ext>
-            </a:extLst>
-          </p:cNvPr>
-          <p:cNvSpPr txBox="1"/>
-          <p:nvPr/>
-        </p:nvSpPr>
-        <p:spPr>
-          <a:xfrm>
-            <a:off x="1128386" y="3603063"/>
-            <a:ext cx="4967614" cy="1477328"/>
-          </a:xfrm>
-          <a:prstGeom prst="rect">
-            <a:avLst/>
-          </a:prstGeom>
-          <a:noFill/>
-        </p:spPr>
-        <p:txBody>
-          <a:bodyPr wrap="square" rtlCol="0">
-            <a:spAutoFit/>
-          </a:bodyPr>
-          <a:lstStyle/>
-          <a:p>
-            <a:r>
-              <a:rPr lang="en-US" sz="3000" dirty="0"/>
-              <a:t>To answer this, it would be better if we asked only a </a:t>
-            </a:r>
-            <a:r>
-              <a:rPr lang="en-US" sz="3000" b="1" dirty="0">
-                <a:solidFill>
-                  <a:srgbClr val="00B0F0"/>
-                </a:solidFill>
-              </a:rPr>
-              <a:t>small sample of the population</a:t>
-            </a:r>
-            <a:endParaRPr lang="en-PH" sz="3000" b="1" dirty="0">
-              <a:solidFill>
-                <a:srgbClr val="00B0F0"/>
-              </a:solidFill>
-            </a:endParaRPr>
-          </a:p>
-        </p:txBody>
-      </p:sp>
-      <p:sp>
-        <p:nvSpPr>
-          <p:cNvPr id="7" name="TextBox 6">
-            <a:extLst>
-              <a:ext uri="{FF2B5EF4-FFF2-40B4-BE49-F238E27FC236}">
-                <a16:creationId xmlns:a16="http://schemas.microsoft.com/office/drawing/2014/main" id="{B9DFF426-F5CD-23C9-B39E-58D6862A8EA6}"/>
-              </a:ext>
-            </a:extLst>
-          </p:cNvPr>
-          <p:cNvSpPr txBox="1"/>
-          <p:nvPr/>
-        </p:nvSpPr>
-        <p:spPr>
-          <a:xfrm>
-            <a:off x="1128386" y="1238506"/>
-            <a:ext cx="3986540" cy="1938992"/>
-          </a:xfrm>
-          <a:prstGeom prst="rect">
-            <a:avLst/>
-          </a:prstGeom>
-          <a:noFill/>
-        </p:spPr>
-        <p:txBody>
-          <a:bodyPr wrap="square" rtlCol="0">
-            <a:spAutoFit/>
-          </a:bodyPr>
-          <a:lstStyle/>
-          <a:p>
-            <a:r>
-              <a:rPr lang="en-US" sz="3000" b="1" dirty="0">
-                <a:solidFill>
-                  <a:srgbClr val="0070C0"/>
-                </a:solidFill>
-              </a:rPr>
-              <a:t>General Question</a:t>
-            </a:r>
-            <a:r>
-              <a:rPr lang="en-US" sz="3000" dirty="0">
-                <a:solidFill>
-                  <a:srgbClr val="0070C0"/>
-                </a:solidFill>
-              </a:rPr>
-              <a:t>: </a:t>
-            </a:r>
-          </a:p>
-          <a:p>
-            <a:r>
-              <a:rPr lang="en-US" sz="3000" dirty="0"/>
-              <a:t>How many people in the </a:t>
-            </a:r>
-            <a:r>
-              <a:rPr lang="en-US" sz="3000" dirty="0" err="1"/>
-              <a:t>philippines</a:t>
-            </a:r>
-            <a:r>
-              <a:rPr lang="en-US" sz="3000" dirty="0"/>
-              <a:t> like </a:t>
-            </a:r>
-            <a:r>
-              <a:rPr lang="en-US" sz="3000" b="1" dirty="0">
-                <a:solidFill>
-                  <a:srgbClr val="FFC000"/>
-                </a:solidFill>
-              </a:rPr>
-              <a:t>mangoes?</a:t>
-            </a:r>
-            <a:endParaRPr lang="en-PH" sz="3000" b="1" dirty="0">
-              <a:solidFill>
-                <a:srgbClr val="FFC000"/>
-              </a:solidFill>
-            </a:endParaRPr>
-          </a:p>
-        </p:txBody>
-      </p:sp>
-      <p:pic>
-        <p:nvPicPr>
-          <p:cNvPr id="8" name="Picture 7">
-            <a:extLst>
-              <a:ext uri="{FF2B5EF4-FFF2-40B4-BE49-F238E27FC236}">
-                <a16:creationId xmlns:a16="http://schemas.microsoft.com/office/drawing/2014/main" id="{1AF5CF9D-0850-7B36-85EF-19A19EA1A3C8}"/>
-              </a:ext>
-            </a:extLst>
-          </p:cNvPr>
-          <p:cNvPicPr>
-            <a:picLocks noChangeAspect="1"/>
-          </p:cNvPicPr>
-          <p:nvPr/>
-        </p:nvPicPr>
-        <p:blipFill>
-          <a:blip r:embed="rId5">
-            <a:extLst>
-              <a:ext uri="{28A0092B-C50C-407E-A947-70E740481C1C}">
-                <a14:useLocalDpi xmlns:a14="http://schemas.microsoft.com/office/drawing/2010/main" val="0"/>
-              </a:ext>
-            </a:extLst>
-          </a:blip>
-          <a:stretch>
-            <a:fillRect/>
-          </a:stretch>
-        </p:blipFill>
-        <p:spPr>
-          <a:xfrm>
-            <a:off x="4990080" y="1640889"/>
-            <a:ext cx="1394019" cy="1394019"/>
-          </a:xfrm>
-          <a:prstGeom prst="rect">
-            <a:avLst/>
-          </a:prstGeom>
+          <a:effectLst>
+            <a:outerShdw blurRad="50800" dist="38100" dir="2700000" algn="tl" rotWithShape="0">
+              <a:prstClr val="black">
+                <a:alpha val="40000"/>
+              </a:prstClr>
+            </a:outerShdw>
+          </a:effectLst>
         </p:spPr>
       </p:pic>
     </p:spTree>
     <p:extLst>
       <p:ext uri="{BB962C8B-B14F-4D97-AF65-F5344CB8AC3E}">
-        <p14:creationId xmlns:p14="http://schemas.microsoft.com/office/powerpoint/2010/main" val="1633092824"/>
+        <p14:creationId xmlns:p14="http://schemas.microsoft.com/office/powerpoint/2010/main" val="504419690"/>
       </p:ext>
     </p:extLst>
   </p:cSld>
   <p:clrMapOvr>
     <a:masterClrMapping/>
   </p:clrMapOvr>
-  <p:timing>
-    <p:tnLst>
-      <p:par>
-        <p:cTn id="1" dur="indefinite" restart="never" nodeType="tmRoot">
-          <p:childTnLst>
-            <p:seq concurrent="1" nextAc="seek">
-              <p:cTn id="2" dur="indefinite" nodeType="mainSeq">
-                <p:childTnLst>
-                  <p:par>
-                    <p:cTn id="3" fill="hold">
-                      <p:stCondLst>
-                        <p:cond delay="indefinite"/>
-                      </p:stCondLst>
-                      <p:childTnLst>
-                        <p:par>
-                          <p:cTn id="4" fill="hold">
-                            <p:stCondLst>
-                              <p:cond delay="0"/>
-                            </p:stCondLst>
-                            <p:childTnLst>
-                              <p:par>
-                                <p:cTn id="5" presetID="14" presetClass="entr" presetSubtype="10" fill="hold" grpId="0" nodeType="clickEffect">
-                                  <p:stCondLst>
-                                    <p:cond delay="0"/>
-                                  </p:stCondLst>
-                                  <p:childTnLst>
-                                    <p:set>
-                                      <p:cBhvr>
-                                        <p:cTn id="6" dur="1" fill="hold">
-                                          <p:stCondLst>
-                                            <p:cond delay="0"/>
-                                          </p:stCondLst>
-                                        </p:cTn>
-                                        <p:tgtEl>
-                                          <p:spTgt spid="6"/>
-                                        </p:tgtEl>
-                                        <p:attrNameLst>
-                                          <p:attrName>style.visibility</p:attrName>
-                                        </p:attrNameLst>
-                                      </p:cBhvr>
-                                      <p:to>
-                                        <p:strVal val="visible"/>
-                                      </p:to>
-                                    </p:set>
-                                    <p:animEffect transition="in" filter="randombar(horizontal)">
-                                      <p:cBhvr>
-                                        <p:cTn id="7" dur="500"/>
-                                        <p:tgtEl>
-                                          <p:spTgt spid="6"/>
-                                        </p:tgtEl>
-                                      </p:cBhvr>
-                                    </p:animEffect>
-                                  </p:childTnLst>
-                                </p:cTn>
-                              </p:par>
-                            </p:childTnLst>
-                          </p:cTn>
-                        </p:par>
-                      </p:childTnLst>
-                    </p:cTn>
-                  </p:par>
-                </p:childTnLst>
-              </p:cTn>
-              <p:prevCondLst>
-                <p:cond evt="onPrev" delay="0">
-                  <p:tgtEl>
-                    <p:sldTgt/>
-                  </p:tgtEl>
-                </p:cond>
-              </p:prevCondLst>
-              <p:nextCondLst>
-                <p:cond evt="onNext" delay="0">
-                  <p:tgtEl>
-                    <p:sldTgt/>
-                  </p:tgtEl>
-                </p:cond>
-              </p:nextCondLst>
-            </p:seq>
-          </p:childTnLst>
-        </p:cTn>
-      </p:par>
-    </p:tnLst>
-    <p:bldLst>
-      <p:bldP spid="6" grpId="0"/>
-    </p:bldLst>
-  </p:timing>
 </p:sld>
 </file>
 
@@ -6612,7 +5669,7 @@
           <a:p>
             <a:r>
               <a:rPr lang="en-US" sz="5000" b="1" dirty="0"/>
-              <a:t>Inferential statistics</a:t>
+              <a:t>Court Trial Example</a:t>
             </a:r>
             <a:endParaRPr lang="en-PH" sz="5000" b="1" dirty="0"/>
           </a:p>
@@ -6660,12 +5717,72 @@
           </a:p>
         </p:txBody>
       </p:sp>
+      <p:sp>
+        <p:nvSpPr>
+          <p:cNvPr id="4" name="TextBox 3">
+            <a:extLst>
+              <a:ext uri="{FF2B5EF4-FFF2-40B4-BE49-F238E27FC236}">
+                <a16:creationId xmlns:a16="http://schemas.microsoft.com/office/drawing/2014/main" id="{4203C0C4-7C82-D208-A8B3-1AE6E9099A3C}"/>
+              </a:ext>
+            </a:extLst>
+          </p:cNvPr>
+          <p:cNvSpPr txBox="1"/>
+          <p:nvPr/>
+        </p:nvSpPr>
+        <p:spPr>
+          <a:xfrm>
+            <a:off x="639918" y="1354768"/>
+            <a:ext cx="11140404" cy="1015663"/>
+          </a:xfrm>
+          <a:prstGeom prst="rect">
+            <a:avLst/>
+          </a:prstGeom>
+          <a:noFill/>
+        </p:spPr>
+        <p:txBody>
+          <a:bodyPr wrap="square" rtlCol="0">
+            <a:spAutoFit/>
+          </a:bodyPr>
+          <a:lstStyle/>
+          <a:p>
+            <a:r>
+              <a:rPr lang="en-US" sz="3000" dirty="0"/>
+              <a:t>A jury must decide whether the person is </a:t>
+            </a:r>
+            <a:r>
+              <a:rPr lang="en-US" sz="3000" b="1" dirty="0">
+                <a:solidFill>
+                  <a:srgbClr val="00B0F0"/>
+                </a:solidFill>
+              </a:rPr>
+              <a:t>not guilty (null hypothesis) </a:t>
+            </a:r>
+            <a:r>
+              <a:rPr lang="en-US" sz="3000" dirty="0"/>
+              <a:t>or </a:t>
+            </a:r>
+            <a:r>
+              <a:rPr lang="en-US" sz="3000" b="1" dirty="0">
+                <a:solidFill>
+                  <a:srgbClr val="00B050"/>
+                </a:solidFill>
+              </a:rPr>
+              <a:t>guilty (alternative hypothesis). </a:t>
+            </a:r>
+            <a:endParaRPr lang="en-PH" sz="3000" b="1" dirty="0">
+              <a:solidFill>
+                <a:srgbClr val="00B050"/>
+              </a:solidFill>
+            </a:endParaRPr>
+          </a:p>
+        </p:txBody>
+      </p:sp>
       <p:pic>
         <p:nvPicPr>
-          <p:cNvPr id="3" name="Picture 2" descr="A black map of the philippines&#10;&#10;Description automatically generated">
-            <a:extLst>
-              <a:ext uri="{FF2B5EF4-FFF2-40B4-BE49-F238E27FC236}">
-                <a16:creationId xmlns:a16="http://schemas.microsoft.com/office/drawing/2014/main" id="{91F95CA6-DB93-DD63-A487-E04355716B0C}"/>
+          <p:cNvPr id="9" name="Picture 8" descr="A person in a suit speaking into a microphone&#10;&#10;Description automatically generated">
+            <a:extLst>
+              <a:ext uri="{FF2B5EF4-FFF2-40B4-BE49-F238E27FC236}">
+                <a16:creationId xmlns:a16="http://schemas.microsoft.com/office/drawing/2014/main" id="{9F258C01-E13E-C655-B0D2-3A1DC30E3F58}"/>
               </a:ext>
             </a:extLst>
           </p:cNvPr>
@@ -6688,238 +5805,31 @@
         </p:blipFill>
         <p:spPr>
           <a:xfrm>
-            <a:off x="7521741" y="1328909"/>
-            <a:ext cx="4290585" cy="4290585"/>
+            <a:off x="3332166" y="2702938"/>
+            <a:ext cx="5527665" cy="2971120"/>
           </a:xfrm>
           <a:prstGeom prst="rect">
             <a:avLst/>
           </a:prstGeom>
+          <a:effectLst>
+            <a:outerShdw blurRad="50800" dist="38100" dir="2700000" algn="tl" rotWithShape="0">
+              <a:prstClr val="black">
+                <a:alpha val="40000"/>
+              </a:prstClr>
+            </a:outerShdw>
+          </a:effectLst>
         </p:spPr>
       </p:pic>
-      <p:sp>
-        <p:nvSpPr>
-          <p:cNvPr id="2" name="TextBox 1">
-            <a:extLst>
-              <a:ext uri="{FF2B5EF4-FFF2-40B4-BE49-F238E27FC236}">
-                <a16:creationId xmlns:a16="http://schemas.microsoft.com/office/drawing/2014/main" id="{C08E965C-C420-44A0-C351-38E6DCFED05B}"/>
-              </a:ext>
-            </a:extLst>
-          </p:cNvPr>
-          <p:cNvSpPr txBox="1"/>
-          <p:nvPr/>
-        </p:nvSpPr>
-        <p:spPr>
-          <a:xfrm>
-            <a:off x="1128386" y="1377238"/>
-            <a:ext cx="4967614" cy="553998"/>
-          </a:xfrm>
-          <a:prstGeom prst="rect">
-            <a:avLst/>
-          </a:prstGeom>
-          <a:noFill/>
-        </p:spPr>
-        <p:txBody>
-          <a:bodyPr wrap="square" rtlCol="0">
-            <a:spAutoFit/>
-          </a:bodyPr>
-          <a:lstStyle/>
-          <a:p>
-            <a:r>
-              <a:rPr lang="en-US" sz="3000" b="1" dirty="0">
-                <a:solidFill>
-                  <a:srgbClr val="0070C0"/>
-                </a:solidFill>
-              </a:rPr>
-              <a:t>Total Population:  </a:t>
-            </a:r>
-            <a:r>
-              <a:rPr lang="en-US" sz="3000" b="1" dirty="0"/>
-              <a:t>113 million</a:t>
-            </a:r>
-            <a:endParaRPr lang="en-PH" sz="3000" b="1" dirty="0"/>
-          </a:p>
-        </p:txBody>
-      </p:sp>
-      <p:pic>
-        <p:nvPicPr>
-          <p:cNvPr id="9" name="Picture 8" descr="A group of black people in a row&#10;&#10;Description automatically generated">
-            <a:extLst>
-              <a:ext uri="{FF2B5EF4-FFF2-40B4-BE49-F238E27FC236}">
-                <a16:creationId xmlns:a16="http://schemas.microsoft.com/office/drawing/2014/main" id="{5DA2BA83-251C-16DC-10F8-7E110326C8B6}"/>
-              </a:ext>
-            </a:extLst>
-          </p:cNvPr>
-          <p:cNvPicPr>
-            <a:picLocks noChangeAspect="1"/>
-          </p:cNvPicPr>
-          <p:nvPr/>
-        </p:nvPicPr>
-        <p:blipFill>
-          <a:blip r:embed="rId5">
-            <a:extLst>
-              <a:ext uri="{28A0092B-C50C-407E-A947-70E740481C1C}">
-                <a14:useLocalDpi xmlns:a14="http://schemas.microsoft.com/office/drawing/2010/main" val="0"/>
-              </a:ext>
-            </a:extLst>
-          </a:blip>
-          <a:stretch>
-            <a:fillRect/>
-          </a:stretch>
-        </p:blipFill>
-        <p:spPr>
-          <a:xfrm>
-            <a:off x="2346861" y="2104679"/>
-            <a:ext cx="2739723" cy="2954928"/>
-          </a:xfrm>
-          <a:prstGeom prst="rect">
-            <a:avLst/>
-          </a:prstGeom>
-        </p:spPr>
-      </p:pic>
-      <p:sp>
-        <p:nvSpPr>
-          <p:cNvPr id="10" name="TextBox 9">
-            <a:extLst>
-              <a:ext uri="{FF2B5EF4-FFF2-40B4-BE49-F238E27FC236}">
-                <a16:creationId xmlns:a16="http://schemas.microsoft.com/office/drawing/2014/main" id="{CD96CC7F-9382-7EED-5A08-20ED2F918700}"/>
-              </a:ext>
-            </a:extLst>
-          </p:cNvPr>
-          <p:cNvSpPr txBox="1"/>
-          <p:nvPr/>
-        </p:nvSpPr>
-        <p:spPr>
-          <a:xfrm>
-            <a:off x="1128386" y="5025656"/>
-            <a:ext cx="5998741" cy="553998"/>
-          </a:xfrm>
-          <a:prstGeom prst="rect">
-            <a:avLst/>
-          </a:prstGeom>
-          <a:noFill/>
-        </p:spPr>
-        <p:txBody>
-          <a:bodyPr wrap="square" rtlCol="0">
-            <a:spAutoFit/>
-          </a:bodyPr>
-          <a:lstStyle/>
-          <a:p>
-            <a:r>
-              <a:rPr lang="en-US" sz="3000" dirty="0"/>
-              <a:t>For example, let us sample </a:t>
-            </a:r>
-            <a:r>
-              <a:rPr lang="en-US" sz="3000" b="1" dirty="0">
-                <a:solidFill>
-                  <a:srgbClr val="00B0F0"/>
-                </a:solidFill>
-              </a:rPr>
-              <a:t>13 million</a:t>
-            </a:r>
-            <a:endParaRPr lang="en-PH" sz="3000" b="1" dirty="0">
-              <a:solidFill>
-                <a:srgbClr val="00B0F0"/>
-              </a:solidFill>
-            </a:endParaRPr>
-          </a:p>
-        </p:txBody>
-      </p:sp>
     </p:spTree>
     <p:extLst>
       <p:ext uri="{BB962C8B-B14F-4D97-AF65-F5344CB8AC3E}">
-        <p14:creationId xmlns:p14="http://schemas.microsoft.com/office/powerpoint/2010/main" val="2535680906"/>
+        <p14:creationId xmlns:p14="http://schemas.microsoft.com/office/powerpoint/2010/main" val="2990961721"/>
       </p:ext>
     </p:extLst>
   </p:cSld>
   <p:clrMapOvr>
     <a:masterClrMapping/>
   </p:clrMapOvr>
-  <p:timing>
-    <p:tnLst>
-      <p:par>
-        <p:cTn id="1" dur="indefinite" restart="never" nodeType="tmRoot">
-          <p:childTnLst>
-            <p:seq concurrent="1" nextAc="seek">
-              <p:cTn id="2" dur="indefinite" nodeType="mainSeq">
-                <p:childTnLst>
-                  <p:par>
-                    <p:cTn id="3" fill="hold">
-                      <p:stCondLst>
-                        <p:cond delay="indefinite"/>
-                      </p:stCondLst>
-                      <p:childTnLst>
-                        <p:par>
-                          <p:cTn id="4" fill="hold">
-                            <p:stCondLst>
-                              <p:cond delay="0"/>
-                            </p:stCondLst>
-                            <p:childTnLst>
-                              <p:par>
-                                <p:cTn id="5" presetID="14" presetClass="entr" presetSubtype="10" fill="hold" grpId="0" nodeType="clickEffect">
-                                  <p:stCondLst>
-                                    <p:cond delay="0"/>
-                                  </p:stCondLst>
-                                  <p:childTnLst>
-                                    <p:set>
-                                      <p:cBhvr>
-                                        <p:cTn id="6" dur="1" fill="hold">
-                                          <p:stCondLst>
-                                            <p:cond delay="0"/>
-                                          </p:stCondLst>
-                                        </p:cTn>
-                                        <p:tgtEl>
-                                          <p:spTgt spid="10"/>
-                                        </p:tgtEl>
-                                        <p:attrNameLst>
-                                          <p:attrName>style.visibility</p:attrName>
-                                        </p:attrNameLst>
-                                      </p:cBhvr>
-                                      <p:to>
-                                        <p:strVal val="visible"/>
-                                      </p:to>
-                                    </p:set>
-                                    <p:animEffect transition="in" filter="randombar(horizontal)">
-                                      <p:cBhvr>
-                                        <p:cTn id="7" dur="500"/>
-                                        <p:tgtEl>
-                                          <p:spTgt spid="10"/>
-                                        </p:tgtEl>
-                                      </p:cBhvr>
-                                    </p:animEffect>
-                                  </p:childTnLst>
-                                </p:cTn>
-                              </p:par>
-                            </p:childTnLst>
-                          </p:cTn>
-                        </p:par>
-                      </p:childTnLst>
-                    </p:cTn>
-                  </p:par>
-                </p:childTnLst>
-              </p:cTn>
-              <p:prevCondLst>
-                <p:cond evt="onPrev" delay="0">
-                  <p:tgtEl>
-                    <p:sldTgt/>
-                  </p:tgtEl>
-                </p:cond>
-              </p:prevCondLst>
-              <p:nextCondLst>
-                <p:cond evt="onNext" delay="0">
-                  <p:tgtEl>
-                    <p:sldTgt/>
-                  </p:tgtEl>
-                </p:cond>
-              </p:nextCondLst>
-            </p:seq>
-          </p:childTnLst>
-        </p:cTn>
-      </p:par>
-    </p:tnLst>
-    <p:bldLst>
-      <p:bldP spid="10" grpId="0"/>
-    </p:bldLst>
-  </p:timing>
 </p:sld>
 </file>
 
@@ -7057,7 +5967,7 @@
           <a:p>
             <a:r>
               <a:rPr lang="en-US" sz="5000" b="1" dirty="0"/>
-              <a:t>Inferential statistics</a:t>
+              <a:t>Court Trial Example</a:t>
             </a:r>
             <a:endParaRPr lang="en-PH" sz="5000" b="1" dirty="0"/>
           </a:p>
@@ -7105,58 +6015,22 @@
           </a:p>
         </p:txBody>
       </p:sp>
-      <p:pic>
-        <p:nvPicPr>
-          <p:cNvPr id="3" name="Picture 2" descr="A black map of the philippines&#10;&#10;Description automatically generated">
-            <a:extLst>
-              <a:ext uri="{FF2B5EF4-FFF2-40B4-BE49-F238E27FC236}">
-                <a16:creationId xmlns:a16="http://schemas.microsoft.com/office/drawing/2014/main" id="{91F95CA6-DB93-DD63-A487-E04355716B0C}"/>
-              </a:ext>
-            </a:extLst>
-          </p:cNvPr>
-          <p:cNvPicPr>
-            <a:picLocks noChangeAspect="1"/>
-          </p:cNvPicPr>
+      <p:sp>
+        <p:nvSpPr>
+          <p:cNvPr id="4" name="TextBox 3">
+            <a:extLst>
+              <a:ext uri="{FF2B5EF4-FFF2-40B4-BE49-F238E27FC236}">
+                <a16:creationId xmlns:a16="http://schemas.microsoft.com/office/drawing/2014/main" id="{4203C0C4-7C82-D208-A8B3-1AE6E9099A3C}"/>
+              </a:ext>
+            </a:extLst>
+          </p:cNvPr>
+          <p:cNvSpPr txBox="1"/>
           <p:nvPr/>
-        </p:nvPicPr>
-        <p:blipFill>
-          <a:blip r:embed="rId4">
-            <a:extLst>
-              <a:ext uri="{28A0092B-C50C-407E-A947-70E740481C1C}">
-                <a14:useLocalDpi xmlns:a14="http://schemas.microsoft.com/office/drawing/2010/main" val="0"/>
-              </a:ext>
-            </a:extLst>
-          </a:blip>
-          <a:stretch>
-            <a:fillRect/>
-          </a:stretch>
-        </p:blipFill>
+        </p:nvSpPr>
         <p:spPr>
           <a:xfrm>
-            <a:off x="7521741" y="1328909"/>
-            <a:ext cx="4290585" cy="4290585"/>
-          </a:xfrm>
-          <a:prstGeom prst="rect">
-            <a:avLst/>
-          </a:prstGeom>
-        </p:spPr>
-      </p:pic>
-      <p:sp>
-        <p:nvSpPr>
-          <p:cNvPr id="2" name="TextBox 1">
-            <a:extLst>
-              <a:ext uri="{FF2B5EF4-FFF2-40B4-BE49-F238E27FC236}">
-                <a16:creationId xmlns:a16="http://schemas.microsoft.com/office/drawing/2014/main" id="{C08E965C-C420-44A0-C351-38E6DCFED05B}"/>
-              </a:ext>
-            </a:extLst>
-          </p:cNvPr>
-          <p:cNvSpPr txBox="1"/>
-          <p:nvPr/>
-        </p:nvSpPr>
-        <p:spPr>
-          <a:xfrm>
-            <a:off x="1128386" y="1377238"/>
-            <a:ext cx="4891414" cy="553998"/>
+            <a:off x="639918" y="1354768"/>
+            <a:ext cx="11140404" cy="3785652"/>
           </a:xfrm>
           <a:prstGeom prst="rect">
             <a:avLst/>
@@ -7170,453 +6044,71 @@
           <a:lstStyle/>
           <a:p>
             <a:r>
+              <a:rPr lang="en-US" sz="3000" dirty="0"/>
+              <a:t>Even though the person is charged with the crime, at the beginning of the trial (and until the jury declares otherwise) the accused is assumed to be </a:t>
+            </a:r>
+            <a:r>
               <a:rPr lang="en-US" sz="3000" b="1" dirty="0">
                 <a:solidFill>
-                  <a:srgbClr val="0070C0"/>
+                  <a:srgbClr val="00B050"/>
                 </a:solidFill>
               </a:rPr>
-              <a:t>Total Population:  </a:t>
-            </a:r>
-            <a:r>
-              <a:rPr lang="en-US" sz="3000" b="1" dirty="0"/>
-              <a:t>113 million</a:t>
-            </a:r>
-            <a:endParaRPr lang="en-PH" sz="3000" b="1" dirty="0"/>
-          </a:p>
-        </p:txBody>
-      </p:sp>
-      <p:sp>
-        <p:nvSpPr>
-          <p:cNvPr id="4" name="TextBox 3">
-            <a:extLst>
-              <a:ext uri="{FF2B5EF4-FFF2-40B4-BE49-F238E27FC236}">
-                <a16:creationId xmlns:a16="http://schemas.microsoft.com/office/drawing/2014/main" id="{EF1550E3-FEE0-66CA-09DA-2038E63B6C03}"/>
-              </a:ext>
-            </a:extLst>
-          </p:cNvPr>
-          <p:cNvSpPr txBox="1"/>
-          <p:nvPr/>
-        </p:nvSpPr>
-        <p:spPr>
-          <a:xfrm>
-            <a:off x="1128386" y="2013815"/>
-            <a:ext cx="3910340" cy="553998"/>
-          </a:xfrm>
-          <a:prstGeom prst="rect">
-            <a:avLst/>
-          </a:prstGeom>
-          <a:noFill/>
-        </p:spPr>
-        <p:txBody>
-          <a:bodyPr wrap="square" rtlCol="0">
-            <a:spAutoFit/>
-          </a:bodyPr>
-          <a:lstStyle/>
-          <a:p>
+              <a:t>not guilty </a:t>
+            </a:r>
+            <a:r>
+              <a:rPr lang="en-US" sz="3000" dirty="0"/>
+              <a:t>of the crime. </a:t>
+            </a:r>
+          </a:p>
+          <a:p>
+            <a:endParaRPr lang="en-US" sz="3000" dirty="0"/>
+          </a:p>
+          <a:p>
+            <a:r>
+              <a:rPr lang="en-US" sz="3000" dirty="0"/>
+              <a:t>Only if overwhelming evidence of the person's guilt can be shown is the jury expected to declare the person</a:t>
+            </a:r>
             <a:r>
               <a:rPr lang="en-US" sz="3000" b="1" dirty="0">
                 <a:solidFill>
-                  <a:srgbClr val="0070C0"/>
+                  <a:srgbClr val="FF0000"/>
                 </a:solidFill>
               </a:rPr>
-              <a:t>Sample size:  </a:t>
-            </a:r>
-            <a:r>
-              <a:rPr lang="en-US" sz="3000" b="1" dirty="0"/>
-              <a:t>13 million</a:t>
-            </a:r>
-            <a:endParaRPr lang="en-PH" sz="3000" b="1" dirty="0"/>
-          </a:p>
-        </p:txBody>
-      </p:sp>
-      <p:grpSp>
-        <p:nvGrpSpPr>
-          <p:cNvPr id="7" name="Group 6">
-            <a:extLst>
-              <a:ext uri="{FF2B5EF4-FFF2-40B4-BE49-F238E27FC236}">
-                <a16:creationId xmlns:a16="http://schemas.microsoft.com/office/drawing/2014/main" id="{C116A07E-2ADB-4967-3761-4B58A3973BBE}"/>
-              </a:ext>
-            </a:extLst>
-          </p:cNvPr>
-          <p:cNvGrpSpPr/>
-          <p:nvPr/>
-        </p:nvGrpSpPr>
-        <p:grpSpPr>
-          <a:xfrm>
-            <a:off x="1128386" y="2723840"/>
-            <a:ext cx="6570904" cy="1015663"/>
-            <a:chOff x="1128386" y="2723840"/>
-            <a:chExt cx="6570904" cy="1015663"/>
-          </a:xfrm>
-        </p:grpSpPr>
-        <p:sp>
-          <p:nvSpPr>
-            <p:cNvPr id="10" name="TextBox 9">
-              <a:extLst>
-                <a:ext uri="{FF2B5EF4-FFF2-40B4-BE49-F238E27FC236}">
-                  <a16:creationId xmlns:a16="http://schemas.microsoft.com/office/drawing/2014/main" id="{CD96CC7F-9382-7EED-5A08-20ED2F918700}"/>
-                </a:ext>
-              </a:extLst>
-            </p:cNvPr>
-            <p:cNvSpPr txBox="1"/>
-            <p:nvPr/>
-          </p:nvSpPr>
-          <p:spPr>
-            <a:xfrm>
-              <a:off x="1128386" y="2723840"/>
-              <a:ext cx="5998741" cy="1015663"/>
-            </a:xfrm>
-            <a:prstGeom prst="rect">
-              <a:avLst/>
-            </a:prstGeom>
-            <a:noFill/>
-          </p:spPr>
-          <p:txBody>
-            <a:bodyPr wrap="square" rtlCol="0">
-              <a:spAutoFit/>
-            </a:bodyPr>
-            <a:lstStyle/>
-            <a:p>
-              <a:r>
-                <a:rPr lang="en-US" sz="3000" dirty="0"/>
-                <a:t>For example, </a:t>
-              </a:r>
-              <a:r>
-                <a:rPr lang="en-US" sz="3000" b="1" dirty="0">
-                  <a:solidFill>
-                    <a:srgbClr val="00B0F0"/>
-                  </a:solidFill>
-                </a:rPr>
-                <a:t>6.5 million </a:t>
-              </a:r>
-              <a:r>
-                <a:rPr lang="en-US" sz="3000" dirty="0"/>
-                <a:t>or half of our sample said they </a:t>
-              </a:r>
-              <a:r>
-                <a:rPr lang="en-US" sz="3000" b="1" dirty="0">
-                  <a:solidFill>
-                    <a:srgbClr val="FF0000"/>
-                  </a:solidFill>
-                </a:rPr>
-                <a:t>love</a:t>
-              </a:r>
-              <a:r>
-                <a:rPr lang="en-US" sz="3000" dirty="0"/>
-                <a:t> </a:t>
-              </a:r>
-              <a:r>
-                <a:rPr lang="en-US" sz="3000" b="1" dirty="0">
-                  <a:solidFill>
-                    <a:srgbClr val="FFC000"/>
-                  </a:solidFill>
-                </a:rPr>
-                <a:t>mangoes</a:t>
-              </a:r>
-              <a:r>
-                <a:rPr lang="en-US" sz="3000" dirty="0"/>
-                <a:t> </a:t>
-              </a:r>
-              <a:endParaRPr lang="en-PH" sz="3000" b="1" dirty="0">
-                <a:solidFill>
-                  <a:srgbClr val="00B0F0"/>
-                </a:solidFill>
-              </a:endParaRPr>
-            </a:p>
-          </p:txBody>
-        </p:sp>
-        <p:pic>
-          <p:nvPicPr>
-            <p:cNvPr id="6" name="Picture 5">
-              <a:extLst>
-                <a:ext uri="{FF2B5EF4-FFF2-40B4-BE49-F238E27FC236}">
-                  <a16:creationId xmlns:a16="http://schemas.microsoft.com/office/drawing/2014/main" id="{F710E5E0-F7E5-E971-4957-D2DB2C911219}"/>
-                </a:ext>
-              </a:extLst>
-            </p:cNvPr>
-            <p:cNvPicPr>
-              <a:picLocks noChangeAspect="1"/>
-            </p:cNvPicPr>
-            <p:nvPr/>
-          </p:nvPicPr>
-          <p:blipFill>
-            <a:blip r:embed="rId5">
-              <a:extLst>
-                <a:ext uri="{28A0092B-C50C-407E-A947-70E740481C1C}">
-                  <a14:useLocalDpi xmlns:a14="http://schemas.microsoft.com/office/drawing/2010/main" val="0"/>
-                </a:ext>
-              </a:extLst>
-            </a:blip>
-            <a:stretch>
-              <a:fillRect/>
-            </a:stretch>
-          </p:blipFill>
-          <p:spPr>
-            <a:xfrm>
-              <a:off x="6824934" y="2762510"/>
-              <a:ext cx="874356" cy="874356"/>
-            </a:xfrm>
-            <a:prstGeom prst="rect">
-              <a:avLst/>
-            </a:prstGeom>
-          </p:spPr>
-        </p:pic>
-      </p:grpSp>
-      <p:sp>
-        <p:nvSpPr>
-          <p:cNvPr id="11" name="TextBox 10">
-            <a:extLst>
-              <a:ext uri="{FF2B5EF4-FFF2-40B4-BE49-F238E27FC236}">
-                <a16:creationId xmlns:a16="http://schemas.microsoft.com/office/drawing/2014/main" id="{3BAE0844-F0F3-04AA-BFC0-B709D5DE2FDF}"/>
-              </a:ext>
-            </a:extLst>
-          </p:cNvPr>
-          <p:cNvSpPr txBox="1"/>
-          <p:nvPr/>
-        </p:nvSpPr>
-        <p:spPr>
-          <a:xfrm>
-            <a:off x="1128386" y="4092033"/>
-            <a:ext cx="5998741" cy="1477328"/>
-          </a:xfrm>
-          <a:prstGeom prst="rect">
-            <a:avLst/>
-          </a:prstGeom>
-          <a:noFill/>
-        </p:spPr>
-        <p:txBody>
-          <a:bodyPr wrap="square" rtlCol="0">
-            <a:spAutoFit/>
-          </a:bodyPr>
-          <a:lstStyle/>
-          <a:p>
+              <a:t> guilty</a:t>
+            </a:r>
             <a:r>
               <a:rPr lang="en-US" sz="3000" dirty="0"/>
-              <a:t>With this fact, we can use this information to </a:t>
+              <a:t>, otherwise the person is considered </a:t>
             </a:r>
             <a:r>
               <a:rPr lang="en-US" sz="3000" b="1" dirty="0">
                 <a:solidFill>
-                  <a:srgbClr val="0070C0"/>
+                  <a:srgbClr val="00B050"/>
                 </a:solidFill>
               </a:rPr>
-              <a:t>draw a conclusion </a:t>
-            </a:r>
-            <a:r>
-              <a:rPr lang="en-US" sz="3000" dirty="0"/>
-              <a:t>about the population! </a:t>
+              <a:t>not guilty.</a:t>
             </a:r>
             <a:endParaRPr lang="en-PH" sz="3000" b="1" dirty="0">
               <a:solidFill>
-                <a:srgbClr val="00B0F0"/>
+                <a:srgbClr val="00B050"/>
               </a:solidFill>
             </a:endParaRPr>
+          </a:p>
+          <a:p>
+            <a:endParaRPr lang="en-PH" sz="3000" dirty="0"/>
           </a:p>
         </p:txBody>
       </p:sp>
     </p:spTree>
     <p:extLst>
       <p:ext uri="{BB962C8B-B14F-4D97-AF65-F5344CB8AC3E}">
-        <p14:creationId xmlns:p14="http://schemas.microsoft.com/office/powerpoint/2010/main" val="3091685385"/>
+        <p14:creationId xmlns:p14="http://schemas.microsoft.com/office/powerpoint/2010/main" val="658970165"/>
       </p:ext>
     </p:extLst>
   </p:cSld>
   <p:clrMapOvr>
     <a:masterClrMapping/>
   </p:clrMapOvr>
-  <p:timing>
-    <p:tnLst>
-      <p:par>
-        <p:cTn id="1" dur="indefinite" restart="never" nodeType="tmRoot">
-          <p:childTnLst>
-            <p:seq concurrent="1" nextAc="seek">
-              <p:cTn id="2" dur="indefinite" nodeType="mainSeq">
-                <p:childTnLst>
-                  <p:par>
-                    <p:cTn id="3" fill="hold">
-                      <p:stCondLst>
-                        <p:cond delay="indefinite"/>
-                      </p:stCondLst>
-                      <p:childTnLst>
-                        <p:par>
-                          <p:cTn id="4" fill="hold">
-                            <p:stCondLst>
-                              <p:cond delay="0"/>
-                            </p:stCondLst>
-                            <p:childTnLst>
-                              <p:par>
-                                <p:cTn id="5" presetID="14" presetClass="entr" presetSubtype="10" fill="hold" grpId="0" nodeType="clickEffect">
-                                  <p:stCondLst>
-                                    <p:cond delay="0"/>
-                                  </p:stCondLst>
-                                  <p:childTnLst>
-                                    <p:set>
-                                      <p:cBhvr>
-                                        <p:cTn id="6" dur="1" fill="hold">
-                                          <p:stCondLst>
-                                            <p:cond delay="0"/>
-                                          </p:stCondLst>
-                                        </p:cTn>
-                                        <p:tgtEl>
-                                          <p:spTgt spid="4"/>
-                                        </p:tgtEl>
-                                        <p:attrNameLst>
-                                          <p:attrName>style.visibility</p:attrName>
-                                        </p:attrNameLst>
-                                      </p:cBhvr>
-                                      <p:to>
-                                        <p:strVal val="visible"/>
-                                      </p:to>
-                                    </p:set>
-                                    <p:animEffect transition="in" filter="randombar(horizontal)">
-                                      <p:cBhvr>
-                                        <p:cTn id="7" dur="500"/>
-                                        <p:tgtEl>
-                                          <p:spTgt spid="4"/>
-                                        </p:tgtEl>
-                                      </p:cBhvr>
-                                    </p:animEffect>
-                                  </p:childTnLst>
-                                </p:cTn>
-                              </p:par>
-                            </p:childTnLst>
-                          </p:cTn>
-                        </p:par>
-                      </p:childTnLst>
-                    </p:cTn>
-                  </p:par>
-                  <p:par>
-                    <p:cTn id="8" fill="hold">
-                      <p:stCondLst>
-                        <p:cond delay="indefinite"/>
-                      </p:stCondLst>
-                      <p:childTnLst>
-                        <p:par>
-                          <p:cTn id="9" fill="hold">
-                            <p:stCondLst>
-                              <p:cond delay="0"/>
-                            </p:stCondLst>
-                            <p:childTnLst>
-                              <p:par>
-                                <p:cTn id="10" presetID="14" presetClass="entr" presetSubtype="10" fill="hold" nodeType="clickEffect">
-                                  <p:stCondLst>
-                                    <p:cond delay="0"/>
-                                  </p:stCondLst>
-                                  <p:childTnLst>
-                                    <p:set>
-                                      <p:cBhvr>
-                                        <p:cTn id="11" dur="1" fill="hold">
-                                          <p:stCondLst>
-                                            <p:cond delay="0"/>
-                                          </p:stCondLst>
-                                        </p:cTn>
-                                        <p:tgtEl>
-                                          <p:spTgt spid="7"/>
-                                        </p:tgtEl>
-                                        <p:attrNameLst>
-                                          <p:attrName>style.visibility</p:attrName>
-                                        </p:attrNameLst>
-                                      </p:cBhvr>
-                                      <p:to>
-                                        <p:strVal val="visible"/>
-                                      </p:to>
-                                    </p:set>
-                                    <p:animEffect transition="in" filter="randombar(horizontal)">
-                                      <p:cBhvr>
-                                        <p:cTn id="12" dur="500"/>
-                                        <p:tgtEl>
-                                          <p:spTgt spid="7"/>
-                                        </p:tgtEl>
-                                      </p:cBhvr>
-                                    </p:animEffect>
-                                  </p:childTnLst>
-                                </p:cTn>
-                              </p:par>
-                            </p:childTnLst>
-                          </p:cTn>
-                        </p:par>
-                      </p:childTnLst>
-                    </p:cTn>
-                  </p:par>
-                  <p:par>
-                    <p:cTn id="13" fill="hold">
-                      <p:stCondLst>
-                        <p:cond delay="indefinite"/>
-                      </p:stCondLst>
-                      <p:childTnLst>
-                        <p:par>
-                          <p:cTn id="14" fill="hold">
-                            <p:stCondLst>
-                              <p:cond delay="0"/>
-                            </p:stCondLst>
-                            <p:childTnLst>
-                              <p:par>
-                                <p:cTn id="15" presetID="14" presetClass="entr" presetSubtype="10" fill="hold" grpId="0" nodeType="clickEffect">
-                                  <p:stCondLst>
-                                    <p:cond delay="0"/>
-                                  </p:stCondLst>
-                                  <p:childTnLst>
-                                    <p:set>
-                                      <p:cBhvr>
-                                        <p:cTn id="16" dur="1" fill="hold">
-                                          <p:stCondLst>
-                                            <p:cond delay="0"/>
-                                          </p:stCondLst>
-                                        </p:cTn>
-                                        <p:tgtEl>
-                                          <p:spTgt spid="11"/>
-                                        </p:tgtEl>
-                                        <p:attrNameLst>
-                                          <p:attrName>style.visibility</p:attrName>
-                                        </p:attrNameLst>
-                                      </p:cBhvr>
-                                      <p:to>
-                                        <p:strVal val="visible"/>
-                                      </p:to>
-                                    </p:set>
-                                    <p:animEffect transition="in" filter="randombar(horizontal)">
-                                      <p:cBhvr>
-                                        <p:cTn id="17" dur="500"/>
-                                        <p:tgtEl>
-                                          <p:spTgt spid="11"/>
-                                        </p:tgtEl>
-                                      </p:cBhvr>
-                                    </p:animEffect>
-                                  </p:childTnLst>
-                                </p:cTn>
-                              </p:par>
-                            </p:childTnLst>
-                          </p:cTn>
-                        </p:par>
-                      </p:childTnLst>
-                    </p:cTn>
-                  </p:par>
-                </p:childTnLst>
-              </p:cTn>
-              <p:prevCondLst>
-                <p:cond evt="onPrev" delay="0">
-                  <p:tgtEl>
-                    <p:sldTgt/>
-                  </p:tgtEl>
-                </p:cond>
-              </p:prevCondLst>
-              <p:nextCondLst>
-                <p:cond evt="onNext" delay="0">
-                  <p:tgtEl>
-                    <p:sldTgt/>
-                  </p:tgtEl>
-                </p:cond>
-              </p:nextCondLst>
-            </p:seq>
-          </p:childTnLst>
-        </p:cTn>
-      </p:par>
-    </p:tnLst>
-    <p:bldLst>
-      <p:bldP spid="4" grpId="0"/>
-      <p:bldP spid="11" grpId="0"/>
-    </p:bldLst>
-  </p:timing>
 </p:sld>
 </file>
 
@@ -7754,7 +6246,7 @@
           <a:p>
             <a:r>
               <a:rPr lang="en-US" sz="5000" b="1" dirty="0"/>
-              <a:t>Inferential statistics</a:t>
+              <a:t>Test of Significance</a:t>
             </a:r>
             <a:endParaRPr lang="en-PH" sz="5000" b="1" dirty="0"/>
           </a:p>
@@ -7802,58 +6294,22 @@
           </a:p>
         </p:txBody>
       </p:sp>
-      <p:pic>
-        <p:nvPicPr>
-          <p:cNvPr id="3" name="Picture 2" descr="A black map of the philippines&#10;&#10;Description automatically generated">
-            <a:extLst>
-              <a:ext uri="{FF2B5EF4-FFF2-40B4-BE49-F238E27FC236}">
-                <a16:creationId xmlns:a16="http://schemas.microsoft.com/office/drawing/2014/main" id="{91F95CA6-DB93-DD63-A487-E04355716B0C}"/>
-              </a:ext>
-            </a:extLst>
-          </p:cNvPr>
-          <p:cNvPicPr>
-            <a:picLocks noChangeAspect="1"/>
-          </p:cNvPicPr>
+      <p:sp>
+        <p:nvSpPr>
+          <p:cNvPr id="4" name="TextBox 3">
+            <a:extLst>
+              <a:ext uri="{FF2B5EF4-FFF2-40B4-BE49-F238E27FC236}">
+                <a16:creationId xmlns:a16="http://schemas.microsoft.com/office/drawing/2014/main" id="{4203C0C4-7C82-D208-A8B3-1AE6E9099A3C}"/>
+              </a:ext>
+            </a:extLst>
+          </p:cNvPr>
+          <p:cNvSpPr txBox="1"/>
           <p:nvPr/>
-        </p:nvPicPr>
-        <p:blipFill>
-          <a:blip r:embed="rId4">
-            <a:extLst>
-              <a:ext uri="{28A0092B-C50C-407E-A947-70E740481C1C}">
-                <a14:useLocalDpi xmlns:a14="http://schemas.microsoft.com/office/drawing/2010/main" val="0"/>
-              </a:ext>
-            </a:extLst>
-          </a:blip>
-          <a:stretch>
-            <a:fillRect/>
-          </a:stretch>
-        </p:blipFill>
+        </p:nvSpPr>
         <p:spPr>
           <a:xfrm>
-            <a:off x="7521741" y="1328909"/>
-            <a:ext cx="4290585" cy="4290585"/>
-          </a:xfrm>
-          <a:prstGeom prst="rect">
-            <a:avLst/>
-          </a:prstGeom>
-        </p:spPr>
-      </p:pic>
-      <p:sp>
-        <p:nvSpPr>
-          <p:cNvPr id="2" name="TextBox 1">
-            <a:extLst>
-              <a:ext uri="{FF2B5EF4-FFF2-40B4-BE49-F238E27FC236}">
-                <a16:creationId xmlns:a16="http://schemas.microsoft.com/office/drawing/2014/main" id="{C08E965C-C420-44A0-C351-38E6DCFED05B}"/>
-              </a:ext>
-            </a:extLst>
-          </p:cNvPr>
-          <p:cNvSpPr txBox="1"/>
-          <p:nvPr/>
-        </p:nvSpPr>
-        <p:spPr>
-          <a:xfrm>
-            <a:off x="1128386" y="1377238"/>
-            <a:ext cx="4891414" cy="553998"/>
+            <a:off x="639918" y="1354768"/>
+            <a:ext cx="10912162" cy="4247317"/>
           </a:xfrm>
           <a:prstGeom prst="rect">
             <a:avLst/>
@@ -7867,1078 +6323,8 @@
           <a:lstStyle/>
           <a:p>
             <a:r>
-              <a:rPr lang="en-US" sz="3000" b="1" dirty="0">
-                <a:solidFill>
-                  <a:srgbClr val="0070C0"/>
-                </a:solidFill>
-              </a:rPr>
-              <a:t>Total Population:  </a:t>
-            </a:r>
-            <a:r>
-              <a:rPr lang="en-US" sz="3000" b="1" dirty="0"/>
-              <a:t>113 million</a:t>
-            </a:r>
-            <a:endParaRPr lang="en-PH" sz="3000" b="1" dirty="0"/>
-          </a:p>
-        </p:txBody>
-      </p:sp>
-      <p:sp>
-        <p:nvSpPr>
-          <p:cNvPr id="4" name="TextBox 3">
-            <a:extLst>
-              <a:ext uri="{FF2B5EF4-FFF2-40B4-BE49-F238E27FC236}">
-                <a16:creationId xmlns:a16="http://schemas.microsoft.com/office/drawing/2014/main" id="{EF1550E3-FEE0-66CA-09DA-2038E63B6C03}"/>
-              </a:ext>
-            </a:extLst>
-          </p:cNvPr>
-          <p:cNvSpPr txBox="1"/>
-          <p:nvPr/>
-        </p:nvSpPr>
-        <p:spPr>
-          <a:xfrm>
-            <a:off x="1128386" y="2013815"/>
-            <a:ext cx="3910340" cy="553998"/>
-          </a:xfrm>
-          <a:prstGeom prst="rect">
-            <a:avLst/>
-          </a:prstGeom>
-          <a:noFill/>
-        </p:spPr>
-        <p:txBody>
-          <a:bodyPr wrap="square" rtlCol="0">
-            <a:spAutoFit/>
-          </a:bodyPr>
-          <a:lstStyle/>
-          <a:p>
-            <a:r>
-              <a:rPr lang="en-US" sz="3000" b="1" dirty="0">
-                <a:solidFill>
-                  <a:srgbClr val="0070C0"/>
-                </a:solidFill>
-              </a:rPr>
-              <a:t>Sample size:  </a:t>
-            </a:r>
-            <a:r>
-              <a:rPr lang="en-US" sz="3000" b="1" dirty="0"/>
-              <a:t>13 million</a:t>
-            </a:r>
-            <a:endParaRPr lang="en-PH" sz="3000" b="1" dirty="0"/>
-          </a:p>
-        </p:txBody>
-      </p:sp>
-      <p:grpSp>
-        <p:nvGrpSpPr>
-          <p:cNvPr id="7" name="Group 6">
-            <a:extLst>
-              <a:ext uri="{FF2B5EF4-FFF2-40B4-BE49-F238E27FC236}">
-                <a16:creationId xmlns:a16="http://schemas.microsoft.com/office/drawing/2014/main" id="{C116A07E-2ADB-4967-3761-4B58A3973BBE}"/>
-              </a:ext>
-            </a:extLst>
-          </p:cNvPr>
-          <p:cNvGrpSpPr/>
-          <p:nvPr/>
-        </p:nvGrpSpPr>
-        <p:grpSpPr>
-          <a:xfrm>
-            <a:off x="1128387" y="2723840"/>
-            <a:ext cx="5765769" cy="1015663"/>
-            <a:chOff x="1128387" y="2723840"/>
-            <a:chExt cx="5765769" cy="1015663"/>
-          </a:xfrm>
-        </p:grpSpPr>
-        <p:sp>
-          <p:nvSpPr>
-            <p:cNvPr id="10" name="TextBox 9">
-              <a:extLst>
-                <a:ext uri="{FF2B5EF4-FFF2-40B4-BE49-F238E27FC236}">
-                  <a16:creationId xmlns:a16="http://schemas.microsoft.com/office/drawing/2014/main" id="{CD96CC7F-9382-7EED-5A08-20ED2F918700}"/>
-                </a:ext>
-              </a:extLst>
-            </p:cNvPr>
-            <p:cNvSpPr txBox="1"/>
-            <p:nvPr/>
-          </p:nvSpPr>
-          <p:spPr>
-            <a:xfrm>
-              <a:off x="1128387" y="2723840"/>
-              <a:ext cx="4967614" cy="1015663"/>
-            </a:xfrm>
-            <a:prstGeom prst="rect">
-              <a:avLst/>
-            </a:prstGeom>
-            <a:noFill/>
-          </p:spPr>
-          <p:txBody>
-            <a:bodyPr wrap="square" rtlCol="0">
-              <a:spAutoFit/>
-            </a:bodyPr>
-            <a:lstStyle/>
-            <a:p>
-              <a:r>
-                <a:rPr lang="en-US" sz="3000" b="1" dirty="0">
-                  <a:solidFill>
-                    <a:srgbClr val="0070C0"/>
-                  </a:solidFill>
-                </a:rPr>
-                <a:t>Fact:</a:t>
-              </a:r>
-              <a:r>
-                <a:rPr lang="en-US" sz="3000" b="1" dirty="0">
-                  <a:solidFill>
-                    <a:srgbClr val="00B0F0"/>
-                  </a:solidFill>
-                </a:rPr>
-                <a:t> 6.5 million </a:t>
-              </a:r>
-              <a:r>
-                <a:rPr lang="en-US" sz="3000" dirty="0"/>
-                <a:t>said they </a:t>
-              </a:r>
-              <a:r>
-                <a:rPr lang="en-US" sz="3000" b="1" dirty="0">
-                  <a:solidFill>
-                    <a:srgbClr val="FF0000"/>
-                  </a:solidFill>
-                </a:rPr>
-                <a:t>love </a:t>
-              </a:r>
-              <a:r>
-                <a:rPr lang="en-US" sz="3000" b="1" dirty="0">
-                  <a:solidFill>
-                    <a:srgbClr val="FFC000"/>
-                  </a:solidFill>
-                </a:rPr>
-                <a:t>mangoes</a:t>
-              </a:r>
-              <a:r>
-                <a:rPr lang="en-US" sz="3000" dirty="0"/>
-                <a:t> </a:t>
-              </a:r>
-              <a:endParaRPr lang="en-PH" sz="3000" b="1" dirty="0">
-                <a:solidFill>
-                  <a:srgbClr val="00B0F0"/>
-                </a:solidFill>
-              </a:endParaRPr>
-            </a:p>
-          </p:txBody>
-        </p:sp>
-        <p:pic>
-          <p:nvPicPr>
-            <p:cNvPr id="6" name="Picture 5">
-              <a:extLst>
-                <a:ext uri="{FF2B5EF4-FFF2-40B4-BE49-F238E27FC236}">
-                  <a16:creationId xmlns:a16="http://schemas.microsoft.com/office/drawing/2014/main" id="{F710E5E0-F7E5-E971-4957-D2DB2C911219}"/>
-                </a:ext>
-              </a:extLst>
-            </p:cNvPr>
-            <p:cNvPicPr>
-              <a:picLocks noChangeAspect="1"/>
-            </p:cNvPicPr>
-            <p:nvPr/>
-          </p:nvPicPr>
-          <p:blipFill>
-            <a:blip r:embed="rId5">
-              <a:extLst>
-                <a:ext uri="{28A0092B-C50C-407E-A947-70E740481C1C}">
-                  <a14:useLocalDpi xmlns:a14="http://schemas.microsoft.com/office/drawing/2010/main" val="0"/>
-                </a:ext>
-              </a:extLst>
-            </a:blip>
-            <a:stretch>
-              <a:fillRect/>
-            </a:stretch>
-          </p:blipFill>
-          <p:spPr>
-            <a:xfrm>
-              <a:off x="6019800" y="2750634"/>
-              <a:ext cx="874356" cy="874356"/>
-            </a:xfrm>
-            <a:prstGeom prst="rect">
-              <a:avLst/>
-            </a:prstGeom>
-          </p:spPr>
-        </p:pic>
-      </p:grpSp>
-      <mc:AlternateContent xmlns:mc="http://schemas.openxmlformats.org/markup-compatibility/2006" xmlns:a14="http://schemas.microsoft.com/office/drawing/2010/main">
-        <mc:Choice Requires="a14">
-          <p:sp>
-            <p:nvSpPr>
-              <p:cNvPr id="11" name="TextBox 10">
-                <a:extLst>
-                  <a:ext uri="{FF2B5EF4-FFF2-40B4-BE49-F238E27FC236}">
-                    <a16:creationId xmlns:a16="http://schemas.microsoft.com/office/drawing/2014/main" id="{3BAE0844-F0F3-04AA-BFC0-B709D5DE2FDF}"/>
-                  </a:ext>
-                </a:extLst>
-              </p:cNvPr>
-              <p:cNvSpPr txBox="1"/>
-              <p:nvPr/>
-            </p:nvSpPr>
-            <p:spPr>
-              <a:xfrm>
-                <a:off x="1128386" y="3663264"/>
-                <a:ext cx="7005964" cy="2862322"/>
-              </a:xfrm>
-              <a:prstGeom prst="rect">
-                <a:avLst/>
-              </a:prstGeom>
-              <a:noFill/>
-            </p:spPr>
-            <p:txBody>
-              <a:bodyPr wrap="square" rtlCol="0">
-                <a:spAutoFit/>
-              </a:bodyPr>
-              <a:lstStyle/>
-              <a:p>
-                <a:r>
-                  <a:rPr lang="en-US" sz="3000" dirty="0"/>
-                  <a:t>For example, we can say that </a:t>
-                </a:r>
-                <a:r>
-                  <a:rPr lang="en-US" sz="3000" b="1" dirty="0">
-                    <a:solidFill>
-                      <a:srgbClr val="0070C0"/>
-                    </a:solidFill>
-                  </a:rPr>
-                  <a:t>50 percent</a:t>
-                </a:r>
-                <a:r>
-                  <a:rPr lang="en-US" sz="3000" dirty="0"/>
-                  <a:t> of the entire population maybe within a 5 percent margin of error</a:t>
-                </a:r>
-                <a:r>
-                  <a:rPr lang="en-US" sz="3000" b="1" dirty="0">
-                    <a:solidFill>
-                      <a:srgbClr val="FF0000"/>
-                    </a:solidFill>
-                  </a:rPr>
-                  <a:t> love mangoes</a:t>
-                </a:r>
-                <a:r>
-                  <a:rPr lang="en-US" sz="3000" dirty="0"/>
-                  <a:t>!</a:t>
-                </a:r>
-              </a:p>
-              <a:p>
-                <a:r>
-                  <a:rPr lang="en-US" sz="3000" b="1" dirty="0">
-                    <a:solidFill>
-                      <a:srgbClr val="00B0F0"/>
-                    </a:solidFill>
-                  </a:rPr>
-                  <a:t> </a:t>
-                </a:r>
-              </a:p>
-              <a:p>
-                <a:pPr/>
-                <a14:m>
-                  <m:oMathPara xmlns:m="http://schemas.openxmlformats.org/officeDocument/2006/math">
-                    <m:oMathParaPr>
-                      <m:jc m:val="centerGroup"/>
-                    </m:oMathParaPr>
-                    <m:oMath xmlns:m="http://schemas.openxmlformats.org/officeDocument/2006/math">
-                      <m:r>
-                        <a:rPr lang="en-US" sz="3000" b="1" i="0" smtClean="0">
-                          <a:solidFill>
-                            <a:schemeClr val="tx1"/>
-                          </a:solidFill>
-                          <a:latin typeface="Cambria Math" panose="02040503050406030204" pitchFamily="18" charset="0"/>
-                          <a:ea typeface="Cambria Math" panose="02040503050406030204" pitchFamily="18" charset="0"/>
-                        </a:rPr>
-                        <m:t>𝟓</m:t>
-                      </m:r>
-                      <m:r>
-                        <a:rPr lang="en-US" sz="3000" b="1" i="1" smtClean="0">
-                          <a:solidFill>
-                            <a:schemeClr val="tx1"/>
-                          </a:solidFill>
-                          <a:latin typeface="Cambria Math" panose="02040503050406030204" pitchFamily="18" charset="0"/>
-                          <a:ea typeface="Cambria Math" panose="02040503050406030204" pitchFamily="18" charset="0"/>
-                        </a:rPr>
-                        <m:t>𝟎</m:t>
-                      </m:r>
-                      <m:r>
-                        <a:rPr lang="en-US" sz="3000" b="1" i="1" smtClean="0">
-                          <a:solidFill>
-                            <a:schemeClr val="tx1"/>
-                          </a:solidFill>
-                          <a:latin typeface="Cambria Math" panose="02040503050406030204" pitchFamily="18" charset="0"/>
-                          <a:ea typeface="Cambria Math" panose="02040503050406030204" pitchFamily="18" charset="0"/>
-                        </a:rPr>
-                        <m:t>%±</m:t>
-                      </m:r>
-                      <m:r>
-                        <a:rPr lang="en-US" sz="3000" b="1" i="1" smtClean="0">
-                          <a:solidFill>
-                            <a:schemeClr val="tx1"/>
-                          </a:solidFill>
-                          <a:latin typeface="Cambria Math" panose="02040503050406030204" pitchFamily="18" charset="0"/>
-                          <a:ea typeface="Cambria Math" panose="02040503050406030204" pitchFamily="18" charset="0"/>
-                        </a:rPr>
-                        <m:t>𝟓</m:t>
-                      </m:r>
-                      <m:r>
-                        <a:rPr lang="en-US" sz="3000" b="1" i="1" smtClean="0">
-                          <a:solidFill>
-                            <a:schemeClr val="tx1"/>
-                          </a:solidFill>
-                          <a:latin typeface="Cambria Math" panose="02040503050406030204" pitchFamily="18" charset="0"/>
-                          <a:ea typeface="Cambria Math" panose="02040503050406030204" pitchFamily="18" charset="0"/>
-                        </a:rPr>
-                        <m:t>%</m:t>
-                      </m:r>
-                    </m:oMath>
-                  </m:oMathPara>
-                </a14:m>
-                <a:endParaRPr lang="en-US" sz="3000" b="1" dirty="0">
-                  <a:solidFill>
-                    <a:schemeClr val="tx1"/>
-                  </a:solidFill>
-                  <a:latin typeface="Cambria Math" panose="02040503050406030204" pitchFamily="18" charset="0"/>
-                  <a:ea typeface="Cambria Math" panose="02040503050406030204" pitchFamily="18" charset="0"/>
-                </a:endParaRPr>
-              </a:p>
-              <a:p>
-                <a:r>
-                  <a:rPr lang="en-PH" sz="3000" b="1" dirty="0">
-                    <a:solidFill>
-                      <a:srgbClr val="00B0F0"/>
-                    </a:solidFill>
-                  </a:rPr>
-                  <a:t> </a:t>
-                </a:r>
-              </a:p>
-            </p:txBody>
-          </p:sp>
-        </mc:Choice>
-        <mc:Fallback xmlns="">
-          <p:sp>
-            <p:nvSpPr>
-              <p:cNvPr id="11" name="TextBox 10">
-                <a:extLst>
-                  <a:ext uri="{FF2B5EF4-FFF2-40B4-BE49-F238E27FC236}">
-                    <a16:creationId xmlns:a16="http://schemas.microsoft.com/office/drawing/2014/main" id="{3BAE0844-F0F3-04AA-BFC0-B709D5DE2FDF}"/>
-                  </a:ext>
-                </a:extLst>
-              </p:cNvPr>
-              <p:cNvSpPr txBox="1">
-                <a:spLocks noRot="1" noChangeAspect="1" noMove="1" noResize="1" noEditPoints="1" noAdjustHandles="1" noChangeArrowheads="1" noChangeShapeType="1" noTextEdit="1"/>
-              </p:cNvSpPr>
-              <p:nvPr/>
-            </p:nvSpPr>
-            <p:spPr>
-              <a:xfrm>
-                <a:off x="1128386" y="3663264"/>
-                <a:ext cx="7005964" cy="2862322"/>
-              </a:xfrm>
-              <a:prstGeom prst="rect">
-                <a:avLst/>
-              </a:prstGeom>
-              <a:blipFill>
-                <a:blip r:embed="rId6"/>
-                <a:stretch>
-                  <a:fillRect l="-2002" t="-2559" r="-609"/>
-                </a:stretch>
-              </a:blipFill>
-            </p:spPr>
-            <p:txBody>
-              <a:bodyPr/>
-              <a:lstStyle/>
-              <a:p>
-                <a:r>
-                  <a:rPr lang="en-PH">
-                    <a:noFill/>
-                  </a:rPr>
-                  <a:t> </a:t>
-                </a:r>
-              </a:p>
-            </p:txBody>
-          </p:sp>
-        </mc:Fallback>
-      </mc:AlternateContent>
-    </p:spTree>
-    <p:extLst>
-      <p:ext uri="{BB962C8B-B14F-4D97-AF65-F5344CB8AC3E}">
-        <p14:creationId xmlns:p14="http://schemas.microsoft.com/office/powerpoint/2010/main" val="1976816045"/>
-      </p:ext>
-    </p:extLst>
-  </p:cSld>
-  <p:clrMapOvr>
-    <a:masterClrMapping/>
-  </p:clrMapOvr>
-  <p:timing>
-    <p:tnLst>
-      <p:par>
-        <p:cTn id="1" dur="indefinite" restart="never" nodeType="tmRoot">
-          <p:childTnLst>
-            <p:seq concurrent="1" nextAc="seek">
-              <p:cTn id="2" dur="indefinite" nodeType="mainSeq">
-                <p:childTnLst>
-                  <p:par>
-                    <p:cTn id="3" fill="hold">
-                      <p:stCondLst>
-                        <p:cond delay="indefinite"/>
-                      </p:stCondLst>
-                      <p:childTnLst>
-                        <p:par>
-                          <p:cTn id="4" fill="hold">
-                            <p:stCondLst>
-                              <p:cond delay="0"/>
-                            </p:stCondLst>
-                            <p:childTnLst>
-                              <p:par>
-                                <p:cTn id="5" presetID="14" presetClass="entr" presetSubtype="10" fill="hold" grpId="0" nodeType="clickEffect">
-                                  <p:stCondLst>
-                                    <p:cond delay="0"/>
-                                  </p:stCondLst>
-                                  <p:childTnLst>
-                                    <p:set>
-                                      <p:cBhvr>
-                                        <p:cTn id="6" dur="1" fill="hold">
-                                          <p:stCondLst>
-                                            <p:cond delay="0"/>
-                                          </p:stCondLst>
-                                        </p:cTn>
-                                        <p:tgtEl>
-                                          <p:spTgt spid="4"/>
-                                        </p:tgtEl>
-                                        <p:attrNameLst>
-                                          <p:attrName>style.visibility</p:attrName>
-                                        </p:attrNameLst>
-                                      </p:cBhvr>
-                                      <p:to>
-                                        <p:strVal val="visible"/>
-                                      </p:to>
-                                    </p:set>
-                                    <p:animEffect transition="in" filter="randombar(horizontal)">
-                                      <p:cBhvr>
-                                        <p:cTn id="7" dur="500"/>
-                                        <p:tgtEl>
-                                          <p:spTgt spid="4"/>
-                                        </p:tgtEl>
-                                      </p:cBhvr>
-                                    </p:animEffect>
-                                  </p:childTnLst>
-                                </p:cTn>
-                              </p:par>
-                            </p:childTnLst>
-                          </p:cTn>
-                        </p:par>
-                      </p:childTnLst>
-                    </p:cTn>
-                  </p:par>
-                  <p:par>
-                    <p:cTn id="8" fill="hold">
-                      <p:stCondLst>
-                        <p:cond delay="indefinite"/>
-                      </p:stCondLst>
-                      <p:childTnLst>
-                        <p:par>
-                          <p:cTn id="9" fill="hold">
-                            <p:stCondLst>
-                              <p:cond delay="0"/>
-                            </p:stCondLst>
-                            <p:childTnLst>
-                              <p:par>
-                                <p:cTn id="10" presetID="14" presetClass="entr" presetSubtype="10" fill="hold" nodeType="clickEffect">
-                                  <p:stCondLst>
-                                    <p:cond delay="0"/>
-                                  </p:stCondLst>
-                                  <p:childTnLst>
-                                    <p:set>
-                                      <p:cBhvr>
-                                        <p:cTn id="11" dur="1" fill="hold">
-                                          <p:stCondLst>
-                                            <p:cond delay="0"/>
-                                          </p:stCondLst>
-                                        </p:cTn>
-                                        <p:tgtEl>
-                                          <p:spTgt spid="7"/>
-                                        </p:tgtEl>
-                                        <p:attrNameLst>
-                                          <p:attrName>style.visibility</p:attrName>
-                                        </p:attrNameLst>
-                                      </p:cBhvr>
-                                      <p:to>
-                                        <p:strVal val="visible"/>
-                                      </p:to>
-                                    </p:set>
-                                    <p:animEffect transition="in" filter="randombar(horizontal)">
-                                      <p:cBhvr>
-                                        <p:cTn id="12" dur="500"/>
-                                        <p:tgtEl>
-                                          <p:spTgt spid="7"/>
-                                        </p:tgtEl>
-                                      </p:cBhvr>
-                                    </p:animEffect>
-                                  </p:childTnLst>
-                                </p:cTn>
-                              </p:par>
-                            </p:childTnLst>
-                          </p:cTn>
-                        </p:par>
-                      </p:childTnLst>
-                    </p:cTn>
-                  </p:par>
-                  <p:par>
-                    <p:cTn id="13" fill="hold">
-                      <p:stCondLst>
-                        <p:cond delay="indefinite"/>
-                      </p:stCondLst>
-                      <p:childTnLst>
-                        <p:par>
-                          <p:cTn id="14" fill="hold">
-                            <p:stCondLst>
-                              <p:cond delay="0"/>
-                            </p:stCondLst>
-                            <p:childTnLst>
-                              <p:par>
-                                <p:cTn id="15" presetID="14" presetClass="entr" presetSubtype="10" fill="hold" grpId="0" nodeType="clickEffect">
-                                  <p:stCondLst>
-                                    <p:cond delay="0"/>
-                                  </p:stCondLst>
-                                  <p:childTnLst>
-                                    <p:set>
-                                      <p:cBhvr>
-                                        <p:cTn id="16" dur="1" fill="hold">
-                                          <p:stCondLst>
-                                            <p:cond delay="0"/>
-                                          </p:stCondLst>
-                                        </p:cTn>
-                                        <p:tgtEl>
-                                          <p:spTgt spid="11"/>
-                                        </p:tgtEl>
-                                        <p:attrNameLst>
-                                          <p:attrName>style.visibility</p:attrName>
-                                        </p:attrNameLst>
-                                      </p:cBhvr>
-                                      <p:to>
-                                        <p:strVal val="visible"/>
-                                      </p:to>
-                                    </p:set>
-                                    <p:animEffect transition="in" filter="randombar(horizontal)">
-                                      <p:cBhvr>
-                                        <p:cTn id="17" dur="500"/>
-                                        <p:tgtEl>
-                                          <p:spTgt spid="11"/>
-                                        </p:tgtEl>
-                                      </p:cBhvr>
-                                    </p:animEffect>
-                                  </p:childTnLst>
-                                </p:cTn>
-                              </p:par>
-                            </p:childTnLst>
-                          </p:cTn>
-                        </p:par>
-                      </p:childTnLst>
-                    </p:cTn>
-                  </p:par>
-                </p:childTnLst>
-              </p:cTn>
-              <p:prevCondLst>
-                <p:cond evt="onPrev" delay="0">
-                  <p:tgtEl>
-                    <p:sldTgt/>
-                  </p:tgtEl>
-                </p:cond>
-              </p:prevCondLst>
-              <p:nextCondLst>
-                <p:cond evt="onNext" delay="0">
-                  <p:tgtEl>
-                    <p:sldTgt/>
-                  </p:tgtEl>
-                </p:cond>
-              </p:nextCondLst>
-            </p:seq>
-          </p:childTnLst>
-        </p:cTn>
-      </p:par>
-    </p:tnLst>
-    <p:bldLst>
-      <p:bldP spid="4" grpId="0"/>
-      <p:bldP spid="11" grpId="0"/>
-    </p:bldLst>
-  </p:timing>
-</p:sld>
-</file>
-
-<file path=ppt/slides/slide15.xml><?xml version="1.0" encoding="utf-8"?>
-<p:sld xmlns:a="http://schemas.openxmlformats.org/drawingml/2006/main" xmlns:r="http://schemas.openxmlformats.org/officeDocument/2006/relationships" xmlns:p="http://schemas.openxmlformats.org/presentationml/2006/main">
-  <p:cSld>
-    <p:bg>
-      <p:bgPr>
-        <a:blipFill dpi="0" rotWithShape="1">
-          <a:blip r:embed="rId3">
-            <a:alphaModFix amt="99000"/>
-            <a:lum/>
-          </a:blip>
-          <a:srcRect/>
-          <a:stretch>
-            <a:fillRect t="89000" r="85000" b="-1000"/>
-          </a:stretch>
-        </a:blipFill>
-        <a:effectLst/>
-      </p:bgPr>
-    </p:bg>
-    <p:spTree>
-      <p:nvGrpSpPr>
-        <p:cNvPr id="1" name=""/>
-        <p:cNvGrpSpPr/>
-        <p:nvPr/>
-      </p:nvGrpSpPr>
-      <p:grpSpPr>
-        <a:xfrm>
-          <a:off x="0" y="0"/>
-          <a:ext cx="0" cy="0"/>
-          <a:chOff x="0" y="0"/>
-          <a:chExt cx="0" cy="0"/>
-        </a:xfrm>
-      </p:grpSpPr>
-      <p:sp>
-        <p:nvSpPr>
-          <p:cNvPr id="5" name="Title 1">
-            <a:extLst>
-              <a:ext uri="{FF2B5EF4-FFF2-40B4-BE49-F238E27FC236}">
-                <a16:creationId xmlns:a16="http://schemas.microsoft.com/office/drawing/2014/main" id="{3444037F-B658-D82C-5DCA-53E8AA1493D7}"/>
-              </a:ext>
-            </a:extLst>
-          </p:cNvPr>
-          <p:cNvSpPr txBox="1">
-            <a:spLocks/>
-          </p:cNvSpPr>
-          <p:nvPr/>
-        </p:nvSpPr>
-        <p:spPr>
-          <a:xfrm>
-            <a:off x="1524000" y="1516449"/>
-            <a:ext cx="9144000" cy="4290585"/>
-          </a:xfrm>
-          <a:prstGeom prst="rect">
-            <a:avLst/>
-          </a:prstGeom>
-        </p:spPr>
-        <p:txBody>
-          <a:bodyPr vert="horz" lIns="91440" tIns="45720" rIns="91440" bIns="45720" rtlCol="0" anchor="b">
-            <a:normAutofit fontScale="97500"/>
-          </a:bodyPr>
-          <a:lstStyle>
-            <a:lvl1pPr algn="ctr" defTabSz="914400" rtl="0" eaLnBrk="1" latinLnBrk="0" hangingPunct="1">
-              <a:lnSpc>
-                <a:spcPct val="90000"/>
-              </a:lnSpc>
-              <a:spcBef>
-                <a:spcPct val="0"/>
-              </a:spcBef>
-              <a:buNone/>
-              <a:defRPr sz="6000" kern="1200">
-                <a:solidFill>
-                  <a:schemeClr val="tx1"/>
-                </a:solidFill>
-                <a:latin typeface="+mj-lt"/>
-                <a:ea typeface="+mj-ea"/>
-                <a:cs typeface="+mj-cs"/>
-              </a:defRPr>
-            </a:lvl1pPr>
-          </a:lstStyle>
-          <a:p>
-            <a:pPr algn="l"/>
-            <a:endParaRPr lang="en-US" sz="3100" dirty="0"/>
-          </a:p>
-          <a:p>
-            <a:pPr algn="l"/>
-            <a:endParaRPr lang="en-US" sz="3100" dirty="0"/>
-          </a:p>
-          <a:p>
-            <a:pPr algn="l"/>
-            <a:endParaRPr lang="en-US" sz="3100" dirty="0"/>
-          </a:p>
-          <a:p>
-            <a:pPr algn="l"/>
-            <a:endParaRPr lang="en-US" sz="3100" dirty="0"/>
-          </a:p>
-          <a:p>
-            <a:pPr algn="l"/>
-            <a:endParaRPr lang="en-US" sz="3000" dirty="0"/>
-          </a:p>
-          <a:p>
-            <a:pPr algn="l"/>
-            <a:endParaRPr lang="en-US" sz="3000" dirty="0"/>
-          </a:p>
-        </p:txBody>
-      </p:sp>
-      <p:sp>
-        <p:nvSpPr>
-          <p:cNvPr id="38" name="Title 1">
-            <a:extLst>
-              <a:ext uri="{FF2B5EF4-FFF2-40B4-BE49-F238E27FC236}">
-                <a16:creationId xmlns:a16="http://schemas.microsoft.com/office/drawing/2014/main" id="{85194D96-4E26-6A5A-5AB5-02AFD53E7543}"/>
-              </a:ext>
-            </a:extLst>
-          </p:cNvPr>
-          <p:cNvSpPr>
-            <a:spLocks noGrp="1"/>
-          </p:cNvSpPr>
-          <p:nvPr>
-            <p:ph type="ctrTitle"/>
-          </p:nvPr>
-        </p:nvSpPr>
-        <p:spPr>
-          <a:xfrm>
-            <a:off x="1128386" y="415731"/>
-            <a:ext cx="9935227" cy="718459"/>
-          </a:xfrm>
-        </p:spPr>
-        <p:txBody>
-          <a:bodyPr>
-            <a:noAutofit/>
-          </a:bodyPr>
-          <a:lstStyle/>
-          <a:p>
-            <a:r>
-              <a:rPr lang="en-US" sz="5000" b="1" dirty="0"/>
-              <a:t>Inferential statistics</a:t>
-            </a:r>
-            <a:endParaRPr lang="en-PH" sz="5000" b="1" dirty="0"/>
-          </a:p>
-        </p:txBody>
-      </p:sp>
-      <p:sp>
-        <p:nvSpPr>
-          <p:cNvPr id="39" name="Footer Placeholder 3">
-            <a:extLst>
-              <a:ext uri="{FF2B5EF4-FFF2-40B4-BE49-F238E27FC236}">
-                <a16:creationId xmlns:a16="http://schemas.microsoft.com/office/drawing/2014/main" id="{77EF4DA7-E5CF-896F-45E0-B1D58FD59B96}"/>
-              </a:ext>
-            </a:extLst>
-          </p:cNvPr>
-          <p:cNvSpPr>
-            <a:spLocks noGrp="1"/>
-          </p:cNvSpPr>
-          <p:nvPr>
-            <p:ph type="ftr" sz="quarter" idx="11"/>
-          </p:nvPr>
-        </p:nvSpPr>
-        <p:spPr>
-          <a:xfrm>
-            <a:off x="0" y="6139541"/>
-            <a:ext cx="12192000" cy="718459"/>
-          </a:xfrm>
-          <a:ln w="28575">
-            <a:solidFill>
-              <a:schemeClr val="accent5">
-                <a:lumMod val="50000"/>
-              </a:schemeClr>
-            </a:solidFill>
-          </a:ln>
-        </p:spPr>
-        <p:txBody>
-          <a:bodyPr/>
-          <a:lstStyle/>
-          <a:p>
-            <a:pPr lvl="1" algn="r"/>
-            <a:r>
-              <a:rPr lang="en-US" sz="1200" b="1" dirty="0"/>
-              <a:t>CCDATS1L</a:t>
-            </a:r>
-            <a:endParaRPr lang="en-PH" sz="1200" b="1" dirty="0"/>
-          </a:p>
-        </p:txBody>
-      </p:sp>
-      <p:pic>
-        <p:nvPicPr>
-          <p:cNvPr id="3" name="Picture 2" descr="A black map of the philippines&#10;&#10;Description automatically generated">
-            <a:extLst>
-              <a:ext uri="{FF2B5EF4-FFF2-40B4-BE49-F238E27FC236}">
-                <a16:creationId xmlns:a16="http://schemas.microsoft.com/office/drawing/2014/main" id="{91F95CA6-DB93-DD63-A487-E04355716B0C}"/>
-              </a:ext>
-            </a:extLst>
-          </p:cNvPr>
-          <p:cNvPicPr>
-            <a:picLocks noChangeAspect="1"/>
-          </p:cNvPicPr>
-          <p:nvPr/>
-        </p:nvPicPr>
-        <p:blipFill>
-          <a:blip r:embed="rId4">
-            <a:extLst>
-              <a:ext uri="{28A0092B-C50C-407E-A947-70E740481C1C}">
-                <a14:useLocalDpi xmlns:a14="http://schemas.microsoft.com/office/drawing/2010/main" val="0"/>
-              </a:ext>
-            </a:extLst>
-          </a:blip>
-          <a:stretch>
-            <a:fillRect/>
-          </a:stretch>
-        </p:blipFill>
-        <p:spPr>
-          <a:xfrm>
-            <a:off x="7521741" y="1328909"/>
-            <a:ext cx="4290585" cy="4290585"/>
-          </a:xfrm>
-          <a:prstGeom prst="rect">
-            <a:avLst/>
-          </a:prstGeom>
-        </p:spPr>
-      </p:pic>
-      <p:sp>
-        <p:nvSpPr>
-          <p:cNvPr id="2" name="TextBox 1">
-            <a:extLst>
-              <a:ext uri="{FF2B5EF4-FFF2-40B4-BE49-F238E27FC236}">
-                <a16:creationId xmlns:a16="http://schemas.microsoft.com/office/drawing/2014/main" id="{C08E965C-C420-44A0-C351-38E6DCFED05B}"/>
-              </a:ext>
-            </a:extLst>
-          </p:cNvPr>
-          <p:cNvSpPr txBox="1"/>
-          <p:nvPr/>
-        </p:nvSpPr>
-        <p:spPr>
-          <a:xfrm>
-            <a:off x="1128386" y="1377238"/>
-            <a:ext cx="4891414" cy="553998"/>
-          </a:xfrm>
-          <a:prstGeom prst="rect">
-            <a:avLst/>
-          </a:prstGeom>
-          <a:noFill/>
-        </p:spPr>
-        <p:txBody>
-          <a:bodyPr wrap="square" rtlCol="0">
-            <a:spAutoFit/>
-          </a:bodyPr>
-          <a:lstStyle/>
-          <a:p>
-            <a:r>
-              <a:rPr lang="en-US" sz="3000" b="1" dirty="0">
-                <a:solidFill>
-                  <a:srgbClr val="0070C0"/>
-                </a:solidFill>
-              </a:rPr>
-              <a:t>Total Population:  </a:t>
-            </a:r>
-            <a:r>
-              <a:rPr lang="en-US" sz="3000" b="1" dirty="0"/>
-              <a:t>113 million</a:t>
-            </a:r>
-            <a:endParaRPr lang="en-PH" sz="3000" b="1" dirty="0"/>
-          </a:p>
-        </p:txBody>
-      </p:sp>
-      <p:sp>
-        <p:nvSpPr>
-          <p:cNvPr id="4" name="TextBox 3">
-            <a:extLst>
-              <a:ext uri="{FF2B5EF4-FFF2-40B4-BE49-F238E27FC236}">
-                <a16:creationId xmlns:a16="http://schemas.microsoft.com/office/drawing/2014/main" id="{EF1550E3-FEE0-66CA-09DA-2038E63B6C03}"/>
-              </a:ext>
-            </a:extLst>
-          </p:cNvPr>
-          <p:cNvSpPr txBox="1"/>
-          <p:nvPr/>
-        </p:nvSpPr>
-        <p:spPr>
-          <a:xfrm>
-            <a:off x="1128386" y="2013815"/>
-            <a:ext cx="3910340" cy="553998"/>
-          </a:xfrm>
-          <a:prstGeom prst="rect">
-            <a:avLst/>
-          </a:prstGeom>
-          <a:noFill/>
-        </p:spPr>
-        <p:txBody>
-          <a:bodyPr wrap="square" rtlCol="0">
-            <a:spAutoFit/>
-          </a:bodyPr>
-          <a:lstStyle/>
-          <a:p>
-            <a:r>
-              <a:rPr lang="en-US" sz="3000" b="1" dirty="0">
-                <a:solidFill>
-                  <a:srgbClr val="0070C0"/>
-                </a:solidFill>
-              </a:rPr>
-              <a:t>Sample size:  </a:t>
-            </a:r>
-            <a:r>
-              <a:rPr lang="en-US" sz="3000" b="1" dirty="0"/>
-              <a:t>13 million</a:t>
-            </a:r>
-            <a:endParaRPr lang="en-PH" sz="3000" b="1" dirty="0"/>
-          </a:p>
-        </p:txBody>
-      </p:sp>
-      <p:grpSp>
-        <p:nvGrpSpPr>
-          <p:cNvPr id="7" name="Group 6">
-            <a:extLst>
-              <a:ext uri="{FF2B5EF4-FFF2-40B4-BE49-F238E27FC236}">
-                <a16:creationId xmlns:a16="http://schemas.microsoft.com/office/drawing/2014/main" id="{C116A07E-2ADB-4967-3761-4B58A3973BBE}"/>
-              </a:ext>
-            </a:extLst>
-          </p:cNvPr>
-          <p:cNvGrpSpPr/>
-          <p:nvPr/>
-        </p:nvGrpSpPr>
-        <p:grpSpPr>
-          <a:xfrm>
-            <a:off x="1128387" y="2723840"/>
-            <a:ext cx="5765769" cy="1015663"/>
-            <a:chOff x="1128387" y="2723840"/>
-            <a:chExt cx="5765769" cy="1015663"/>
-          </a:xfrm>
-        </p:grpSpPr>
-        <p:sp>
-          <p:nvSpPr>
-            <p:cNvPr id="10" name="TextBox 9">
-              <a:extLst>
-                <a:ext uri="{FF2B5EF4-FFF2-40B4-BE49-F238E27FC236}">
-                  <a16:creationId xmlns:a16="http://schemas.microsoft.com/office/drawing/2014/main" id="{CD96CC7F-9382-7EED-5A08-20ED2F918700}"/>
-                </a:ext>
-              </a:extLst>
-            </p:cNvPr>
-            <p:cNvSpPr txBox="1"/>
-            <p:nvPr/>
-          </p:nvSpPr>
-          <p:spPr>
-            <a:xfrm>
-              <a:off x="1128387" y="2723840"/>
-              <a:ext cx="4967614" cy="1015663"/>
-            </a:xfrm>
-            <a:prstGeom prst="rect">
-              <a:avLst/>
-            </a:prstGeom>
-            <a:noFill/>
-          </p:spPr>
-          <p:txBody>
-            <a:bodyPr wrap="square" rtlCol="0">
-              <a:spAutoFit/>
-            </a:bodyPr>
-            <a:lstStyle/>
-            <a:p>
-              <a:r>
-                <a:rPr lang="en-US" sz="3000" b="1" dirty="0">
-                  <a:solidFill>
-                    <a:srgbClr val="0070C0"/>
-                  </a:solidFill>
-                </a:rPr>
-                <a:t>Fact:</a:t>
-              </a:r>
-              <a:r>
-                <a:rPr lang="en-US" sz="3000" b="1" dirty="0">
-                  <a:solidFill>
-                    <a:srgbClr val="00B0F0"/>
-                  </a:solidFill>
-                </a:rPr>
-                <a:t> 6.5 million </a:t>
-              </a:r>
-              <a:r>
-                <a:rPr lang="en-US" sz="3000" dirty="0"/>
-                <a:t>said they </a:t>
-              </a:r>
-              <a:r>
-                <a:rPr lang="en-US" sz="3000" b="1" dirty="0">
-                  <a:solidFill>
-                    <a:srgbClr val="FF0000"/>
-                  </a:solidFill>
-                </a:rPr>
-                <a:t>love </a:t>
-              </a:r>
-              <a:r>
-                <a:rPr lang="en-US" sz="3000" b="1" dirty="0">
-                  <a:solidFill>
-                    <a:srgbClr val="FFC000"/>
-                  </a:solidFill>
-                </a:rPr>
-                <a:t>mangoes</a:t>
-              </a:r>
-              <a:r>
-                <a:rPr lang="en-US" sz="3000" dirty="0"/>
-                <a:t> </a:t>
-              </a:r>
-              <a:endParaRPr lang="en-PH" sz="3000" b="1" dirty="0">
-                <a:solidFill>
-                  <a:srgbClr val="00B0F0"/>
-                </a:solidFill>
-              </a:endParaRPr>
-            </a:p>
-          </p:txBody>
-        </p:sp>
-        <p:pic>
-          <p:nvPicPr>
-            <p:cNvPr id="6" name="Picture 5">
-              <a:extLst>
-                <a:ext uri="{FF2B5EF4-FFF2-40B4-BE49-F238E27FC236}">
-                  <a16:creationId xmlns:a16="http://schemas.microsoft.com/office/drawing/2014/main" id="{F710E5E0-F7E5-E971-4957-D2DB2C911219}"/>
-                </a:ext>
-              </a:extLst>
-            </p:cNvPr>
-            <p:cNvPicPr>
-              <a:picLocks noChangeAspect="1"/>
-            </p:cNvPicPr>
-            <p:nvPr/>
-          </p:nvPicPr>
-          <p:blipFill>
-            <a:blip r:embed="rId5">
-              <a:extLst>
-                <a:ext uri="{28A0092B-C50C-407E-A947-70E740481C1C}">
-                  <a14:useLocalDpi xmlns:a14="http://schemas.microsoft.com/office/drawing/2010/main" val="0"/>
-                </a:ext>
-              </a:extLst>
-            </a:blip>
-            <a:stretch>
-              <a:fillRect/>
-            </a:stretch>
-          </p:blipFill>
-          <p:spPr>
-            <a:xfrm>
-              <a:off x="6019800" y="2750634"/>
-              <a:ext cx="874356" cy="874356"/>
-            </a:xfrm>
-            <a:prstGeom prst="rect">
-              <a:avLst/>
-            </a:prstGeom>
-          </p:spPr>
-        </p:pic>
-      </p:grpSp>
-      <p:sp>
-        <p:nvSpPr>
-          <p:cNvPr id="11" name="TextBox 10">
-            <a:extLst>
-              <a:ext uri="{FF2B5EF4-FFF2-40B4-BE49-F238E27FC236}">
-                <a16:creationId xmlns:a16="http://schemas.microsoft.com/office/drawing/2014/main" id="{3BAE0844-F0F3-04AA-BFC0-B709D5DE2FDF}"/>
-              </a:ext>
-            </a:extLst>
-          </p:cNvPr>
-          <p:cNvSpPr txBox="1"/>
-          <p:nvPr/>
-        </p:nvSpPr>
-        <p:spPr>
-          <a:xfrm>
-            <a:off x="1128386" y="3775204"/>
-            <a:ext cx="6393355" cy="1477328"/>
-          </a:xfrm>
-          <a:prstGeom prst="rect">
-            <a:avLst/>
-          </a:prstGeom>
-          <a:noFill/>
-        </p:spPr>
-        <p:txBody>
-          <a:bodyPr wrap="square" rtlCol="0">
-            <a:spAutoFit/>
-          </a:bodyPr>
-          <a:lstStyle/>
-          <a:p>
-            <a:r>
-              <a:rPr lang="en-US" sz="3000" b="1" dirty="0">
-                <a:solidFill>
-                  <a:srgbClr val="0070C0"/>
-                </a:solidFill>
-              </a:rPr>
-              <a:t>Inference</a:t>
-            </a:r>
-            <a:r>
               <a:rPr lang="en-US" sz="3000" dirty="0"/>
-              <a:t>: </a:t>
+              <a:t>When conducting a significance test, the goal is to </a:t>
             </a:r>
             <a:r>
               <a:rPr lang="en-US" sz="3000" b="1" dirty="0">
@@ -8946,19 +6332,32 @@
                   <a:srgbClr val="00B0F0"/>
                 </a:solidFill>
               </a:rPr>
-              <a:t>50 percent</a:t>
-            </a:r>
-            <a:r>
-              <a:rPr lang="en-US" sz="3000" dirty="0">
+              <a:t>provide evidence to reject the null hypothesis</a:t>
+            </a:r>
+            <a:r>
+              <a:rPr lang="en-US" sz="3000" dirty="0"/>
+              <a:t>. </a:t>
+            </a:r>
+          </a:p>
+          <a:p>
+            <a:endParaRPr lang="en-US" sz="3000" dirty="0"/>
+          </a:p>
+          <a:p>
+            <a:r>
+              <a:rPr lang="en-US" sz="3000" dirty="0"/>
+              <a:t>If the evidence is strong enough to reject the </a:t>
+            </a:r>
+            <a:r>
+              <a:rPr lang="en-US" sz="3000" b="1" dirty="0">
                 <a:solidFill>
-                  <a:srgbClr val="00B0F0"/>
+                  <a:srgbClr val="00B050"/>
                 </a:solidFill>
               </a:rPr>
-              <a:t> </a:t>
+              <a:t>null hypothesis</a:t>
             </a:r>
             <a:r>
               <a:rPr lang="en-US" sz="3000" dirty="0"/>
-              <a:t>of the population within a 5 percent margin of error</a:t>
+              <a:t>, then the </a:t>
             </a:r>
             <a:r>
               <a:rPr lang="en-US" sz="3000" b="1" dirty="0">
@@ -8966,1713 +6365,44 @@
                   <a:srgbClr val="FF0000"/>
                 </a:solidFill>
               </a:rPr>
-              <a:t> love mangoes</a:t>
+              <a:t>alternative hypothesis </a:t>
             </a:r>
             <a:r>
               <a:rPr lang="en-US" sz="3000" dirty="0"/>
-              <a:t> </a:t>
-            </a:r>
-            <a:endParaRPr lang="en-PH" sz="3000" b="1" dirty="0">
-              <a:solidFill>
-                <a:srgbClr val="00B0F0"/>
-              </a:solidFill>
-            </a:endParaRPr>
-          </a:p>
-        </p:txBody>
-      </p:sp>
-      <p:sp>
-        <p:nvSpPr>
-          <p:cNvPr id="8" name="TextBox 7">
-            <a:extLst>
-              <a:ext uri="{FF2B5EF4-FFF2-40B4-BE49-F238E27FC236}">
-                <a16:creationId xmlns:a16="http://schemas.microsoft.com/office/drawing/2014/main" id="{986C6BE0-2321-0F7C-7FE8-12B9924DCE8F}"/>
-              </a:ext>
-            </a:extLst>
-          </p:cNvPr>
-          <p:cNvSpPr txBox="1"/>
-          <p:nvPr/>
-        </p:nvSpPr>
-        <p:spPr>
-          <a:xfrm>
-            <a:off x="1128386" y="5173630"/>
-            <a:ext cx="6186813" cy="1015663"/>
-          </a:xfrm>
-          <a:prstGeom prst="rect">
-            <a:avLst/>
-          </a:prstGeom>
-          <a:noFill/>
-        </p:spPr>
-        <p:txBody>
-          <a:bodyPr wrap="square" rtlCol="0">
-            <a:spAutoFit/>
-          </a:bodyPr>
-          <a:lstStyle/>
-          <a:p>
-            <a:r>
+              <a:t>can automatically be accepted.</a:t>
+            </a:r>
+          </a:p>
+          <a:p>
+            <a:br>
               <a:rPr lang="en-US" sz="3000" dirty="0"/>
-              <a:t>For example, let us say the confidence rate is </a:t>
+            </a:br>
+            <a:r>
+              <a:rPr lang="en-US" sz="3000" dirty="0"/>
+              <a:t>However, if the evidence is not strong enough, researchers fail to reject the </a:t>
             </a:r>
             <a:r>
               <a:rPr lang="en-US" sz="3000" b="1" dirty="0">
                 <a:solidFill>
-                  <a:srgbClr val="00B0F0"/>
+                  <a:srgbClr val="00B050"/>
                 </a:solidFill>
               </a:rPr>
-              <a:t>95%</a:t>
-            </a:r>
-            <a:endParaRPr lang="en-PH" sz="3000" b="1" dirty="0">
-              <a:solidFill>
-                <a:srgbClr val="00B0F0"/>
-              </a:solidFill>
-            </a:endParaRPr>
+              <a:t>null hypothesis</a:t>
+            </a:r>
+            <a:r>
+              <a:rPr lang="en-US" sz="3000" dirty="0"/>
+              <a:t>. </a:t>
+            </a:r>
+            <a:br>
+              <a:rPr lang="en-US" sz="3000" dirty="0"/>
+            </a:br>
+            <a:endParaRPr lang="en-PH" sz="3000" dirty="0"/>
           </a:p>
         </p:txBody>
       </p:sp>
     </p:spTree>
     <p:extLst>
       <p:ext uri="{BB962C8B-B14F-4D97-AF65-F5344CB8AC3E}">
-        <p14:creationId xmlns:p14="http://schemas.microsoft.com/office/powerpoint/2010/main" val="137806724"/>
-      </p:ext>
-    </p:extLst>
-  </p:cSld>
-  <p:clrMapOvr>
-    <a:masterClrMapping/>
-  </p:clrMapOvr>
-  <p:timing>
-    <p:tnLst>
-      <p:par>
-        <p:cTn id="1" dur="indefinite" restart="never" nodeType="tmRoot">
-          <p:childTnLst>
-            <p:seq concurrent="1" nextAc="seek">
-              <p:cTn id="2" dur="indefinite" nodeType="mainSeq">
-                <p:childTnLst>
-                  <p:par>
-                    <p:cTn id="3" fill="hold">
-                      <p:stCondLst>
-                        <p:cond delay="indefinite"/>
-                      </p:stCondLst>
-                      <p:childTnLst>
-                        <p:par>
-                          <p:cTn id="4" fill="hold">
-                            <p:stCondLst>
-                              <p:cond delay="0"/>
-                            </p:stCondLst>
-                            <p:childTnLst>
-                              <p:par>
-                                <p:cTn id="5" presetID="14" presetClass="entr" presetSubtype="10" fill="hold" grpId="0" nodeType="clickEffect">
-                                  <p:stCondLst>
-                                    <p:cond delay="0"/>
-                                  </p:stCondLst>
-                                  <p:childTnLst>
-                                    <p:set>
-                                      <p:cBhvr>
-                                        <p:cTn id="6" dur="1" fill="hold">
-                                          <p:stCondLst>
-                                            <p:cond delay="0"/>
-                                          </p:stCondLst>
-                                        </p:cTn>
-                                        <p:tgtEl>
-                                          <p:spTgt spid="4"/>
-                                        </p:tgtEl>
-                                        <p:attrNameLst>
-                                          <p:attrName>style.visibility</p:attrName>
-                                        </p:attrNameLst>
-                                      </p:cBhvr>
-                                      <p:to>
-                                        <p:strVal val="visible"/>
-                                      </p:to>
-                                    </p:set>
-                                    <p:animEffect transition="in" filter="randombar(horizontal)">
-                                      <p:cBhvr>
-                                        <p:cTn id="7" dur="500"/>
-                                        <p:tgtEl>
-                                          <p:spTgt spid="4"/>
-                                        </p:tgtEl>
-                                      </p:cBhvr>
-                                    </p:animEffect>
-                                  </p:childTnLst>
-                                </p:cTn>
-                              </p:par>
-                            </p:childTnLst>
-                          </p:cTn>
-                        </p:par>
-                      </p:childTnLst>
-                    </p:cTn>
-                  </p:par>
-                  <p:par>
-                    <p:cTn id="8" fill="hold">
-                      <p:stCondLst>
-                        <p:cond delay="indefinite"/>
-                      </p:stCondLst>
-                      <p:childTnLst>
-                        <p:par>
-                          <p:cTn id="9" fill="hold">
-                            <p:stCondLst>
-                              <p:cond delay="0"/>
-                            </p:stCondLst>
-                            <p:childTnLst>
-                              <p:par>
-                                <p:cTn id="10" presetID="14" presetClass="entr" presetSubtype="10" fill="hold" nodeType="clickEffect">
-                                  <p:stCondLst>
-                                    <p:cond delay="0"/>
-                                  </p:stCondLst>
-                                  <p:childTnLst>
-                                    <p:set>
-                                      <p:cBhvr>
-                                        <p:cTn id="11" dur="1" fill="hold">
-                                          <p:stCondLst>
-                                            <p:cond delay="0"/>
-                                          </p:stCondLst>
-                                        </p:cTn>
-                                        <p:tgtEl>
-                                          <p:spTgt spid="7"/>
-                                        </p:tgtEl>
-                                        <p:attrNameLst>
-                                          <p:attrName>style.visibility</p:attrName>
-                                        </p:attrNameLst>
-                                      </p:cBhvr>
-                                      <p:to>
-                                        <p:strVal val="visible"/>
-                                      </p:to>
-                                    </p:set>
-                                    <p:animEffect transition="in" filter="randombar(horizontal)">
-                                      <p:cBhvr>
-                                        <p:cTn id="12" dur="500"/>
-                                        <p:tgtEl>
-                                          <p:spTgt spid="7"/>
-                                        </p:tgtEl>
-                                      </p:cBhvr>
-                                    </p:animEffect>
-                                  </p:childTnLst>
-                                </p:cTn>
-                              </p:par>
-                            </p:childTnLst>
-                          </p:cTn>
-                        </p:par>
-                      </p:childTnLst>
-                    </p:cTn>
-                  </p:par>
-                  <p:par>
-                    <p:cTn id="13" fill="hold">
-                      <p:stCondLst>
-                        <p:cond delay="indefinite"/>
-                      </p:stCondLst>
-                      <p:childTnLst>
-                        <p:par>
-                          <p:cTn id="14" fill="hold">
-                            <p:stCondLst>
-                              <p:cond delay="0"/>
-                            </p:stCondLst>
-                            <p:childTnLst>
-                              <p:par>
-                                <p:cTn id="15" presetID="14" presetClass="entr" presetSubtype="10" fill="hold" grpId="0" nodeType="clickEffect">
-                                  <p:stCondLst>
-                                    <p:cond delay="0"/>
-                                  </p:stCondLst>
-                                  <p:childTnLst>
-                                    <p:set>
-                                      <p:cBhvr>
-                                        <p:cTn id="16" dur="1" fill="hold">
-                                          <p:stCondLst>
-                                            <p:cond delay="0"/>
-                                          </p:stCondLst>
-                                        </p:cTn>
-                                        <p:tgtEl>
-                                          <p:spTgt spid="11"/>
-                                        </p:tgtEl>
-                                        <p:attrNameLst>
-                                          <p:attrName>style.visibility</p:attrName>
-                                        </p:attrNameLst>
-                                      </p:cBhvr>
-                                      <p:to>
-                                        <p:strVal val="visible"/>
-                                      </p:to>
-                                    </p:set>
-                                    <p:animEffect transition="in" filter="randombar(horizontal)">
-                                      <p:cBhvr>
-                                        <p:cTn id="17" dur="500"/>
-                                        <p:tgtEl>
-                                          <p:spTgt spid="11"/>
-                                        </p:tgtEl>
-                                      </p:cBhvr>
-                                    </p:animEffect>
-                                  </p:childTnLst>
-                                </p:cTn>
-                              </p:par>
-                            </p:childTnLst>
-                          </p:cTn>
-                        </p:par>
-                      </p:childTnLst>
-                    </p:cTn>
-                  </p:par>
-                  <p:par>
-                    <p:cTn id="18" fill="hold">
-                      <p:stCondLst>
-                        <p:cond delay="indefinite"/>
-                      </p:stCondLst>
-                      <p:childTnLst>
-                        <p:par>
-                          <p:cTn id="19" fill="hold">
-                            <p:stCondLst>
-                              <p:cond delay="0"/>
-                            </p:stCondLst>
-                            <p:childTnLst>
-                              <p:par>
-                                <p:cTn id="20" presetID="14" presetClass="entr" presetSubtype="10" fill="hold" grpId="0" nodeType="clickEffect">
-                                  <p:stCondLst>
-                                    <p:cond delay="0"/>
-                                  </p:stCondLst>
-                                  <p:childTnLst>
-                                    <p:set>
-                                      <p:cBhvr>
-                                        <p:cTn id="21" dur="1" fill="hold">
-                                          <p:stCondLst>
-                                            <p:cond delay="0"/>
-                                          </p:stCondLst>
-                                        </p:cTn>
-                                        <p:tgtEl>
-                                          <p:spTgt spid="8"/>
-                                        </p:tgtEl>
-                                        <p:attrNameLst>
-                                          <p:attrName>style.visibility</p:attrName>
-                                        </p:attrNameLst>
-                                      </p:cBhvr>
-                                      <p:to>
-                                        <p:strVal val="visible"/>
-                                      </p:to>
-                                    </p:set>
-                                    <p:animEffect transition="in" filter="randombar(horizontal)">
-                                      <p:cBhvr>
-                                        <p:cTn id="22" dur="500"/>
-                                        <p:tgtEl>
-                                          <p:spTgt spid="8"/>
-                                        </p:tgtEl>
-                                      </p:cBhvr>
-                                    </p:animEffect>
-                                  </p:childTnLst>
-                                </p:cTn>
-                              </p:par>
-                            </p:childTnLst>
-                          </p:cTn>
-                        </p:par>
-                      </p:childTnLst>
-                    </p:cTn>
-                  </p:par>
-                </p:childTnLst>
-              </p:cTn>
-              <p:prevCondLst>
-                <p:cond evt="onPrev" delay="0">
-                  <p:tgtEl>
-                    <p:sldTgt/>
-                  </p:tgtEl>
-                </p:cond>
-              </p:prevCondLst>
-              <p:nextCondLst>
-                <p:cond evt="onNext" delay="0">
-                  <p:tgtEl>
-                    <p:sldTgt/>
-                  </p:tgtEl>
-                </p:cond>
-              </p:nextCondLst>
-            </p:seq>
-          </p:childTnLst>
-        </p:cTn>
-      </p:par>
-    </p:tnLst>
-    <p:bldLst>
-      <p:bldP spid="4" grpId="0"/>
-      <p:bldP spid="11" grpId="0"/>
-      <p:bldP spid="8" grpId="0"/>
-    </p:bldLst>
-  </p:timing>
-</p:sld>
-</file>
-
-<file path=ppt/slides/slide16.xml><?xml version="1.0" encoding="utf-8"?>
-<p:sld xmlns:a="http://schemas.openxmlformats.org/drawingml/2006/main" xmlns:r="http://schemas.openxmlformats.org/officeDocument/2006/relationships" xmlns:p="http://schemas.openxmlformats.org/presentationml/2006/main">
-  <p:cSld>
-    <p:bg>
-      <p:bgPr>
-        <a:blipFill dpi="0" rotWithShape="1">
-          <a:blip r:embed="rId3">
-            <a:alphaModFix amt="99000"/>
-            <a:lum/>
-          </a:blip>
-          <a:srcRect/>
-          <a:stretch>
-            <a:fillRect t="89000" r="85000" b="-1000"/>
-          </a:stretch>
-        </a:blipFill>
-        <a:effectLst/>
-      </p:bgPr>
-    </p:bg>
-    <p:spTree>
-      <p:nvGrpSpPr>
-        <p:cNvPr id="1" name=""/>
-        <p:cNvGrpSpPr/>
-        <p:nvPr/>
-      </p:nvGrpSpPr>
-      <p:grpSpPr>
-        <a:xfrm>
-          <a:off x="0" y="0"/>
-          <a:ext cx="0" cy="0"/>
-          <a:chOff x="0" y="0"/>
-          <a:chExt cx="0" cy="0"/>
-        </a:xfrm>
-      </p:grpSpPr>
-      <p:sp>
-        <p:nvSpPr>
-          <p:cNvPr id="5" name="Title 1">
-            <a:extLst>
-              <a:ext uri="{FF2B5EF4-FFF2-40B4-BE49-F238E27FC236}">
-                <a16:creationId xmlns:a16="http://schemas.microsoft.com/office/drawing/2014/main" id="{3444037F-B658-D82C-5DCA-53E8AA1493D7}"/>
-              </a:ext>
-            </a:extLst>
-          </p:cNvPr>
-          <p:cNvSpPr txBox="1">
-            <a:spLocks/>
-          </p:cNvSpPr>
-          <p:nvPr/>
-        </p:nvSpPr>
-        <p:spPr>
-          <a:xfrm>
-            <a:off x="1524000" y="1516449"/>
-            <a:ext cx="9144000" cy="4290585"/>
-          </a:xfrm>
-          <a:prstGeom prst="rect">
-            <a:avLst/>
-          </a:prstGeom>
-        </p:spPr>
-        <p:txBody>
-          <a:bodyPr vert="horz" lIns="91440" tIns="45720" rIns="91440" bIns="45720" rtlCol="0" anchor="b">
-            <a:normAutofit fontScale="97500"/>
-          </a:bodyPr>
-          <a:lstStyle>
-            <a:lvl1pPr algn="ctr" defTabSz="914400" rtl="0" eaLnBrk="1" latinLnBrk="0" hangingPunct="1">
-              <a:lnSpc>
-                <a:spcPct val="90000"/>
-              </a:lnSpc>
-              <a:spcBef>
-                <a:spcPct val="0"/>
-              </a:spcBef>
-              <a:buNone/>
-              <a:defRPr sz="6000" kern="1200">
-                <a:solidFill>
-                  <a:schemeClr val="tx1"/>
-                </a:solidFill>
-                <a:latin typeface="+mj-lt"/>
-                <a:ea typeface="+mj-ea"/>
-                <a:cs typeface="+mj-cs"/>
-              </a:defRPr>
-            </a:lvl1pPr>
-          </a:lstStyle>
-          <a:p>
-            <a:pPr algn="l"/>
-            <a:endParaRPr lang="en-US" sz="3100" dirty="0"/>
-          </a:p>
-          <a:p>
-            <a:pPr algn="l"/>
-            <a:endParaRPr lang="en-US" sz="3100" dirty="0"/>
-          </a:p>
-          <a:p>
-            <a:pPr algn="l"/>
-            <a:endParaRPr lang="en-US" sz="3100" dirty="0"/>
-          </a:p>
-          <a:p>
-            <a:pPr algn="l"/>
-            <a:endParaRPr lang="en-US" sz="3100" dirty="0"/>
-          </a:p>
-          <a:p>
-            <a:pPr algn="l"/>
-            <a:endParaRPr lang="en-US" sz="3000" dirty="0"/>
-          </a:p>
-          <a:p>
-            <a:pPr algn="l"/>
-            <a:endParaRPr lang="en-US" sz="3000" dirty="0"/>
-          </a:p>
-        </p:txBody>
-      </p:sp>
-      <p:sp>
-        <p:nvSpPr>
-          <p:cNvPr id="38" name="Title 1">
-            <a:extLst>
-              <a:ext uri="{FF2B5EF4-FFF2-40B4-BE49-F238E27FC236}">
-                <a16:creationId xmlns:a16="http://schemas.microsoft.com/office/drawing/2014/main" id="{85194D96-4E26-6A5A-5AB5-02AFD53E7543}"/>
-              </a:ext>
-            </a:extLst>
-          </p:cNvPr>
-          <p:cNvSpPr>
-            <a:spLocks noGrp="1"/>
-          </p:cNvSpPr>
-          <p:nvPr>
-            <p:ph type="ctrTitle"/>
-          </p:nvPr>
-        </p:nvSpPr>
-        <p:spPr>
-          <a:xfrm>
-            <a:off x="1128386" y="415731"/>
-            <a:ext cx="9935227" cy="718459"/>
-          </a:xfrm>
-        </p:spPr>
-        <p:txBody>
-          <a:bodyPr>
-            <a:noAutofit/>
-          </a:bodyPr>
-          <a:lstStyle/>
-          <a:p>
-            <a:r>
-              <a:rPr lang="en-US" sz="5000" b="1" dirty="0"/>
-              <a:t>Inferential statistics</a:t>
-            </a:r>
-            <a:endParaRPr lang="en-PH" sz="5000" b="1" dirty="0"/>
-          </a:p>
-        </p:txBody>
-      </p:sp>
-      <p:sp>
-        <p:nvSpPr>
-          <p:cNvPr id="39" name="Footer Placeholder 3">
-            <a:extLst>
-              <a:ext uri="{FF2B5EF4-FFF2-40B4-BE49-F238E27FC236}">
-                <a16:creationId xmlns:a16="http://schemas.microsoft.com/office/drawing/2014/main" id="{77EF4DA7-E5CF-896F-45E0-B1D58FD59B96}"/>
-              </a:ext>
-            </a:extLst>
-          </p:cNvPr>
-          <p:cNvSpPr>
-            <a:spLocks noGrp="1"/>
-          </p:cNvSpPr>
-          <p:nvPr>
-            <p:ph type="ftr" sz="quarter" idx="11"/>
-          </p:nvPr>
-        </p:nvSpPr>
-        <p:spPr>
-          <a:xfrm>
-            <a:off x="0" y="6139541"/>
-            <a:ext cx="12192000" cy="718459"/>
-          </a:xfrm>
-          <a:ln w="28575">
-            <a:solidFill>
-              <a:schemeClr val="accent5">
-                <a:lumMod val="50000"/>
-              </a:schemeClr>
-            </a:solidFill>
-          </a:ln>
-        </p:spPr>
-        <p:txBody>
-          <a:bodyPr/>
-          <a:lstStyle/>
-          <a:p>
-            <a:pPr lvl="1" algn="r"/>
-            <a:r>
-              <a:rPr lang="en-US" sz="1200" b="1" dirty="0"/>
-              <a:t>CCDATS1L</a:t>
-            </a:r>
-            <a:endParaRPr lang="en-PH" sz="1200" b="1" dirty="0"/>
-          </a:p>
-        </p:txBody>
-      </p:sp>
-      <p:pic>
-        <p:nvPicPr>
-          <p:cNvPr id="3" name="Picture 2" descr="A black map of the philippines&#10;&#10;Description automatically generated">
-            <a:extLst>
-              <a:ext uri="{FF2B5EF4-FFF2-40B4-BE49-F238E27FC236}">
-                <a16:creationId xmlns:a16="http://schemas.microsoft.com/office/drawing/2014/main" id="{91F95CA6-DB93-DD63-A487-E04355716B0C}"/>
-              </a:ext>
-            </a:extLst>
-          </p:cNvPr>
-          <p:cNvPicPr>
-            <a:picLocks noChangeAspect="1"/>
-          </p:cNvPicPr>
-          <p:nvPr/>
-        </p:nvPicPr>
-        <p:blipFill>
-          <a:blip r:embed="rId4">
-            <a:extLst>
-              <a:ext uri="{28A0092B-C50C-407E-A947-70E740481C1C}">
-                <a14:useLocalDpi xmlns:a14="http://schemas.microsoft.com/office/drawing/2010/main" val="0"/>
-              </a:ext>
-            </a:extLst>
-          </a:blip>
-          <a:stretch>
-            <a:fillRect/>
-          </a:stretch>
-        </p:blipFill>
-        <p:spPr>
-          <a:xfrm>
-            <a:off x="7521741" y="1328909"/>
-            <a:ext cx="4290585" cy="4290585"/>
-          </a:xfrm>
-          <a:prstGeom prst="rect">
-            <a:avLst/>
-          </a:prstGeom>
-        </p:spPr>
-      </p:pic>
-      <p:sp>
-        <p:nvSpPr>
-          <p:cNvPr id="2" name="TextBox 1">
-            <a:extLst>
-              <a:ext uri="{FF2B5EF4-FFF2-40B4-BE49-F238E27FC236}">
-                <a16:creationId xmlns:a16="http://schemas.microsoft.com/office/drawing/2014/main" id="{C08E965C-C420-44A0-C351-38E6DCFED05B}"/>
-              </a:ext>
-            </a:extLst>
-          </p:cNvPr>
-          <p:cNvSpPr txBox="1"/>
-          <p:nvPr/>
-        </p:nvSpPr>
-        <p:spPr>
-          <a:xfrm>
-            <a:off x="1128386" y="1377238"/>
-            <a:ext cx="4891414" cy="553998"/>
-          </a:xfrm>
-          <a:prstGeom prst="rect">
-            <a:avLst/>
-          </a:prstGeom>
-          <a:noFill/>
-        </p:spPr>
-        <p:txBody>
-          <a:bodyPr wrap="square" rtlCol="0">
-            <a:spAutoFit/>
-          </a:bodyPr>
-          <a:lstStyle/>
-          <a:p>
-            <a:r>
-              <a:rPr lang="en-US" sz="3000" b="1" dirty="0">
-                <a:solidFill>
-                  <a:srgbClr val="0070C0"/>
-                </a:solidFill>
-              </a:rPr>
-              <a:t>Total Population:  </a:t>
-            </a:r>
-            <a:r>
-              <a:rPr lang="en-US" sz="3000" b="1" dirty="0"/>
-              <a:t>113 million</a:t>
-            </a:r>
-            <a:endParaRPr lang="en-PH" sz="3000" b="1" dirty="0"/>
-          </a:p>
-        </p:txBody>
-      </p:sp>
-      <p:sp>
-        <p:nvSpPr>
-          <p:cNvPr id="8" name="TextBox 7">
-            <a:extLst>
-              <a:ext uri="{FF2B5EF4-FFF2-40B4-BE49-F238E27FC236}">
-                <a16:creationId xmlns:a16="http://schemas.microsoft.com/office/drawing/2014/main" id="{986C6BE0-2321-0F7C-7FE8-12B9924DCE8F}"/>
-              </a:ext>
-            </a:extLst>
-          </p:cNvPr>
-          <p:cNvSpPr txBox="1"/>
-          <p:nvPr/>
-        </p:nvSpPr>
-        <p:spPr>
-          <a:xfrm>
-            <a:off x="1128386" y="1943451"/>
-            <a:ext cx="6186813" cy="1015663"/>
-          </a:xfrm>
-          <a:prstGeom prst="rect">
-            <a:avLst/>
-          </a:prstGeom>
-          <a:noFill/>
-        </p:spPr>
-        <p:txBody>
-          <a:bodyPr wrap="square" rtlCol="0">
-            <a:spAutoFit/>
-          </a:bodyPr>
-          <a:lstStyle/>
-          <a:p>
-            <a:r>
-              <a:rPr lang="en-US" sz="3000" dirty="0"/>
-              <a:t>We can increase the confidence rate 95% </a:t>
-            </a:r>
-            <a:r>
-              <a:rPr lang="en-US" sz="3000" b="1" dirty="0">
-                <a:solidFill>
-                  <a:srgbClr val="00B0F0"/>
-                </a:solidFill>
-              </a:rPr>
-              <a:t>by increasing our sample size</a:t>
-            </a:r>
-            <a:endParaRPr lang="en-PH" sz="3000" b="1" dirty="0">
-              <a:solidFill>
-                <a:srgbClr val="00B0F0"/>
-              </a:solidFill>
-            </a:endParaRPr>
-          </a:p>
-        </p:txBody>
-      </p:sp>
-      <p:sp>
-        <p:nvSpPr>
-          <p:cNvPr id="9" name="TextBox 8">
-            <a:extLst>
-              <a:ext uri="{FF2B5EF4-FFF2-40B4-BE49-F238E27FC236}">
-                <a16:creationId xmlns:a16="http://schemas.microsoft.com/office/drawing/2014/main" id="{3EF3EA2B-D0E9-BB11-062A-AC553B50C332}"/>
-              </a:ext>
-            </a:extLst>
-          </p:cNvPr>
-          <p:cNvSpPr txBox="1"/>
-          <p:nvPr/>
-        </p:nvSpPr>
-        <p:spPr>
-          <a:xfrm>
-            <a:off x="1128386" y="3180201"/>
-            <a:ext cx="4205614" cy="553998"/>
-          </a:xfrm>
-          <a:prstGeom prst="rect">
-            <a:avLst/>
-          </a:prstGeom>
-          <a:noFill/>
-        </p:spPr>
-        <p:txBody>
-          <a:bodyPr wrap="square" rtlCol="0">
-            <a:spAutoFit/>
-          </a:bodyPr>
-          <a:lstStyle/>
-          <a:p>
-            <a:r>
-              <a:rPr lang="en-US" sz="3000" b="1" dirty="0">
-                <a:solidFill>
-                  <a:srgbClr val="0070C0"/>
-                </a:solidFill>
-              </a:rPr>
-              <a:t>Sample size:  </a:t>
-            </a:r>
-            <a:r>
-              <a:rPr lang="en-US" sz="3000" b="1" dirty="0"/>
-              <a:t>100 million</a:t>
-            </a:r>
-            <a:endParaRPr lang="en-PH" sz="3000" b="1" dirty="0"/>
-          </a:p>
-        </p:txBody>
-      </p:sp>
-      <mc:AlternateContent xmlns:mc="http://schemas.openxmlformats.org/markup-compatibility/2006" xmlns:a14="http://schemas.microsoft.com/office/drawing/2010/main">
-        <mc:Choice Requires="a14">
-          <p:sp>
-            <p:nvSpPr>
-              <p:cNvPr id="13" name="TextBox 12">
-                <a:extLst>
-                  <a:ext uri="{FF2B5EF4-FFF2-40B4-BE49-F238E27FC236}">
-                    <a16:creationId xmlns:a16="http://schemas.microsoft.com/office/drawing/2014/main" id="{ED3244F0-EF3C-D3F1-890B-80B88309C22D}"/>
-                  </a:ext>
-                </a:extLst>
-              </p:cNvPr>
-              <p:cNvSpPr txBox="1"/>
-              <p:nvPr/>
-            </p:nvSpPr>
-            <p:spPr>
-              <a:xfrm>
-                <a:off x="1140129" y="3897534"/>
-                <a:ext cx="2091064" cy="553998"/>
-              </a:xfrm>
-              <a:prstGeom prst="rect">
-                <a:avLst/>
-              </a:prstGeom>
-              <a:noFill/>
-            </p:spPr>
-            <p:txBody>
-              <a:bodyPr wrap="square">
-                <a:spAutoFit/>
-              </a:bodyPr>
-              <a:lstStyle/>
-              <a:p>
-                <a:r>
-                  <a:rPr lang="en-US" sz="3000" b="1" dirty="0">
-                    <a:ea typeface="Cambria Math" panose="02040503050406030204" pitchFamily="18" charset="0"/>
-                  </a:rPr>
-                  <a:t>90</a:t>
-                </a:r>
-                <a14:m>
-                  <m:oMath xmlns:m="http://schemas.openxmlformats.org/officeDocument/2006/math">
-                    <m:r>
-                      <a:rPr lang="en-US" sz="3000" b="1" i="1" smtClean="0">
-                        <a:solidFill>
-                          <a:schemeClr val="tx1"/>
-                        </a:solidFill>
-                        <a:latin typeface="Cambria Math" panose="02040503050406030204" pitchFamily="18" charset="0"/>
-                        <a:ea typeface="Cambria Math" panose="02040503050406030204" pitchFamily="18" charset="0"/>
-                      </a:rPr>
-                      <m:t>%±</m:t>
-                    </m:r>
-                    <m:r>
-                      <a:rPr lang="en-US" sz="3000" b="1" i="1" smtClean="0">
-                        <a:solidFill>
-                          <a:schemeClr val="tx1"/>
-                        </a:solidFill>
-                        <a:latin typeface="Cambria Math" panose="02040503050406030204" pitchFamily="18" charset="0"/>
-                        <a:ea typeface="Cambria Math" panose="02040503050406030204" pitchFamily="18" charset="0"/>
-                      </a:rPr>
-                      <m:t>𝟏</m:t>
-                    </m:r>
-                    <m:r>
-                      <a:rPr lang="en-US" sz="3000" b="1" i="1" smtClean="0">
-                        <a:solidFill>
-                          <a:schemeClr val="tx1"/>
-                        </a:solidFill>
-                        <a:latin typeface="Cambria Math" panose="02040503050406030204" pitchFamily="18" charset="0"/>
-                        <a:ea typeface="Cambria Math" panose="02040503050406030204" pitchFamily="18" charset="0"/>
-                      </a:rPr>
-                      <m:t>%</m:t>
-                    </m:r>
-                  </m:oMath>
-                </a14:m>
-                <a:endParaRPr lang="en-US" sz="3000" b="1" dirty="0">
-                  <a:solidFill>
-                    <a:schemeClr val="tx1"/>
-                  </a:solidFill>
-                  <a:latin typeface="Cambria Math" panose="02040503050406030204" pitchFamily="18" charset="0"/>
-                  <a:ea typeface="Cambria Math" panose="02040503050406030204" pitchFamily="18" charset="0"/>
-                </a:endParaRPr>
-              </a:p>
-            </p:txBody>
-          </p:sp>
-        </mc:Choice>
-        <mc:Fallback xmlns="">
-          <p:sp>
-            <p:nvSpPr>
-              <p:cNvPr id="13" name="TextBox 12">
-                <a:extLst>
-                  <a:ext uri="{FF2B5EF4-FFF2-40B4-BE49-F238E27FC236}">
-                    <a16:creationId xmlns:a16="http://schemas.microsoft.com/office/drawing/2014/main" id="{ED3244F0-EF3C-D3F1-890B-80B88309C22D}"/>
-                  </a:ext>
-                </a:extLst>
-              </p:cNvPr>
-              <p:cNvSpPr txBox="1">
-                <a:spLocks noRot="1" noChangeAspect="1" noMove="1" noResize="1" noEditPoints="1" noAdjustHandles="1" noChangeArrowheads="1" noChangeShapeType="1" noTextEdit="1"/>
-              </p:cNvSpPr>
-              <p:nvPr/>
-            </p:nvSpPr>
-            <p:spPr>
-              <a:xfrm>
-                <a:off x="1140129" y="3897534"/>
-                <a:ext cx="2091064" cy="553998"/>
-              </a:xfrm>
-              <a:prstGeom prst="rect">
-                <a:avLst/>
-              </a:prstGeom>
-              <a:blipFill>
-                <a:blip r:embed="rId5"/>
-                <a:stretch>
-                  <a:fillRect l="-6706" t="-13187" b="-34066"/>
-                </a:stretch>
-              </a:blipFill>
-            </p:spPr>
-            <p:txBody>
-              <a:bodyPr/>
-              <a:lstStyle/>
-              <a:p>
-                <a:r>
-                  <a:rPr lang="en-PH">
-                    <a:noFill/>
-                  </a:rPr>
-                  <a:t> </a:t>
-                </a:r>
-              </a:p>
-            </p:txBody>
-          </p:sp>
-        </mc:Fallback>
-      </mc:AlternateContent>
-    </p:spTree>
-    <p:extLst>
-      <p:ext uri="{BB962C8B-B14F-4D97-AF65-F5344CB8AC3E}">
-        <p14:creationId xmlns:p14="http://schemas.microsoft.com/office/powerpoint/2010/main" val="1320398925"/>
-      </p:ext>
-    </p:extLst>
-  </p:cSld>
-  <p:clrMapOvr>
-    <a:masterClrMapping/>
-  </p:clrMapOvr>
-  <p:timing>
-    <p:tnLst>
-      <p:par>
-        <p:cTn id="1" dur="indefinite" restart="never" nodeType="tmRoot">
-          <p:childTnLst>
-            <p:seq concurrent="1" nextAc="seek">
-              <p:cTn id="2" dur="indefinite" nodeType="mainSeq">
-                <p:childTnLst>
-                  <p:par>
-                    <p:cTn id="3" fill="hold">
-                      <p:stCondLst>
-                        <p:cond delay="indefinite"/>
-                      </p:stCondLst>
-                      <p:childTnLst>
-                        <p:par>
-                          <p:cTn id="4" fill="hold">
-                            <p:stCondLst>
-                              <p:cond delay="0"/>
-                            </p:stCondLst>
-                            <p:childTnLst>
-                              <p:par>
-                                <p:cTn id="5" presetID="14" presetClass="entr" presetSubtype="10" fill="hold" grpId="0" nodeType="clickEffect">
-                                  <p:stCondLst>
-                                    <p:cond delay="0"/>
-                                  </p:stCondLst>
-                                  <p:childTnLst>
-                                    <p:set>
-                                      <p:cBhvr>
-                                        <p:cTn id="6" dur="1" fill="hold">
-                                          <p:stCondLst>
-                                            <p:cond delay="0"/>
-                                          </p:stCondLst>
-                                        </p:cTn>
-                                        <p:tgtEl>
-                                          <p:spTgt spid="8"/>
-                                        </p:tgtEl>
-                                        <p:attrNameLst>
-                                          <p:attrName>style.visibility</p:attrName>
-                                        </p:attrNameLst>
-                                      </p:cBhvr>
-                                      <p:to>
-                                        <p:strVal val="visible"/>
-                                      </p:to>
-                                    </p:set>
-                                    <p:animEffect transition="in" filter="randombar(horizontal)">
-                                      <p:cBhvr>
-                                        <p:cTn id="7" dur="500"/>
-                                        <p:tgtEl>
-                                          <p:spTgt spid="8"/>
-                                        </p:tgtEl>
-                                      </p:cBhvr>
-                                    </p:animEffect>
-                                  </p:childTnLst>
-                                </p:cTn>
-                              </p:par>
-                            </p:childTnLst>
-                          </p:cTn>
-                        </p:par>
-                      </p:childTnLst>
-                    </p:cTn>
-                  </p:par>
-                  <p:par>
-                    <p:cTn id="8" fill="hold">
-                      <p:stCondLst>
-                        <p:cond delay="indefinite"/>
-                      </p:stCondLst>
-                      <p:childTnLst>
-                        <p:par>
-                          <p:cTn id="9" fill="hold">
-                            <p:stCondLst>
-                              <p:cond delay="0"/>
-                            </p:stCondLst>
-                            <p:childTnLst>
-                              <p:par>
-                                <p:cTn id="10" presetID="14" presetClass="entr" presetSubtype="10" fill="hold" grpId="0" nodeType="clickEffect">
-                                  <p:stCondLst>
-                                    <p:cond delay="0"/>
-                                  </p:stCondLst>
-                                  <p:childTnLst>
-                                    <p:set>
-                                      <p:cBhvr>
-                                        <p:cTn id="11" dur="1" fill="hold">
-                                          <p:stCondLst>
-                                            <p:cond delay="0"/>
-                                          </p:stCondLst>
-                                        </p:cTn>
-                                        <p:tgtEl>
-                                          <p:spTgt spid="9"/>
-                                        </p:tgtEl>
-                                        <p:attrNameLst>
-                                          <p:attrName>style.visibility</p:attrName>
-                                        </p:attrNameLst>
-                                      </p:cBhvr>
-                                      <p:to>
-                                        <p:strVal val="visible"/>
-                                      </p:to>
-                                    </p:set>
-                                    <p:animEffect transition="in" filter="randombar(horizontal)">
-                                      <p:cBhvr>
-                                        <p:cTn id="12" dur="500"/>
-                                        <p:tgtEl>
-                                          <p:spTgt spid="9"/>
-                                        </p:tgtEl>
-                                      </p:cBhvr>
-                                    </p:animEffect>
-                                  </p:childTnLst>
-                                </p:cTn>
-                              </p:par>
-                            </p:childTnLst>
-                          </p:cTn>
-                        </p:par>
-                      </p:childTnLst>
-                    </p:cTn>
-                  </p:par>
-                  <p:par>
-                    <p:cTn id="13" fill="hold">
-                      <p:stCondLst>
-                        <p:cond delay="indefinite"/>
-                      </p:stCondLst>
-                      <p:childTnLst>
-                        <p:par>
-                          <p:cTn id="14" fill="hold">
-                            <p:stCondLst>
-                              <p:cond delay="0"/>
-                            </p:stCondLst>
-                            <p:childTnLst>
-                              <p:par>
-                                <p:cTn id="15" presetID="14" presetClass="entr" presetSubtype="10" fill="hold" grpId="0" nodeType="clickEffect">
-                                  <p:stCondLst>
-                                    <p:cond delay="0"/>
-                                  </p:stCondLst>
-                                  <p:childTnLst>
-                                    <p:set>
-                                      <p:cBhvr>
-                                        <p:cTn id="16" dur="1" fill="hold">
-                                          <p:stCondLst>
-                                            <p:cond delay="0"/>
-                                          </p:stCondLst>
-                                        </p:cTn>
-                                        <p:tgtEl>
-                                          <p:spTgt spid="13"/>
-                                        </p:tgtEl>
-                                        <p:attrNameLst>
-                                          <p:attrName>style.visibility</p:attrName>
-                                        </p:attrNameLst>
-                                      </p:cBhvr>
-                                      <p:to>
-                                        <p:strVal val="visible"/>
-                                      </p:to>
-                                    </p:set>
-                                    <p:animEffect transition="in" filter="randombar(horizontal)">
-                                      <p:cBhvr>
-                                        <p:cTn id="17" dur="500"/>
-                                        <p:tgtEl>
-                                          <p:spTgt spid="13"/>
-                                        </p:tgtEl>
-                                      </p:cBhvr>
-                                    </p:animEffect>
-                                  </p:childTnLst>
-                                </p:cTn>
-                              </p:par>
-                            </p:childTnLst>
-                          </p:cTn>
-                        </p:par>
-                      </p:childTnLst>
-                    </p:cTn>
-                  </p:par>
-                </p:childTnLst>
-              </p:cTn>
-              <p:prevCondLst>
-                <p:cond evt="onPrev" delay="0">
-                  <p:tgtEl>
-                    <p:sldTgt/>
-                  </p:tgtEl>
-                </p:cond>
-              </p:prevCondLst>
-              <p:nextCondLst>
-                <p:cond evt="onNext" delay="0">
-                  <p:tgtEl>
-                    <p:sldTgt/>
-                  </p:tgtEl>
-                </p:cond>
-              </p:nextCondLst>
-            </p:seq>
-          </p:childTnLst>
-        </p:cTn>
-      </p:par>
-    </p:tnLst>
-    <p:bldLst>
-      <p:bldP spid="8" grpId="0"/>
-      <p:bldP spid="9" grpId="0"/>
-      <p:bldP spid="13" grpId="0"/>
-    </p:bldLst>
-  </p:timing>
-</p:sld>
-</file>
-
-<file path=ppt/slides/slide17.xml><?xml version="1.0" encoding="utf-8"?>
-<p:sld xmlns:a="http://schemas.openxmlformats.org/drawingml/2006/main" xmlns:r="http://schemas.openxmlformats.org/officeDocument/2006/relationships" xmlns:p="http://schemas.openxmlformats.org/presentationml/2006/main">
-  <p:cSld>
-    <p:bg>
-      <p:bgPr>
-        <a:blipFill dpi="0" rotWithShape="1">
-          <a:blip r:embed="rId3">
-            <a:alphaModFix amt="99000"/>
-            <a:lum/>
-          </a:blip>
-          <a:srcRect/>
-          <a:stretch>
-            <a:fillRect t="89000" r="85000" b="-1000"/>
-          </a:stretch>
-        </a:blipFill>
-        <a:effectLst/>
-      </p:bgPr>
-    </p:bg>
-    <p:spTree>
-      <p:nvGrpSpPr>
-        <p:cNvPr id="1" name=""/>
-        <p:cNvGrpSpPr/>
-        <p:nvPr/>
-      </p:nvGrpSpPr>
-      <p:grpSpPr>
-        <a:xfrm>
-          <a:off x="0" y="0"/>
-          <a:ext cx="0" cy="0"/>
-          <a:chOff x="0" y="0"/>
-          <a:chExt cx="0" cy="0"/>
-        </a:xfrm>
-      </p:grpSpPr>
-      <p:sp>
-        <p:nvSpPr>
-          <p:cNvPr id="5" name="Title 1">
-            <a:extLst>
-              <a:ext uri="{FF2B5EF4-FFF2-40B4-BE49-F238E27FC236}">
-                <a16:creationId xmlns:a16="http://schemas.microsoft.com/office/drawing/2014/main" id="{3444037F-B658-D82C-5DCA-53E8AA1493D7}"/>
-              </a:ext>
-            </a:extLst>
-          </p:cNvPr>
-          <p:cNvSpPr txBox="1">
-            <a:spLocks/>
-          </p:cNvSpPr>
-          <p:nvPr/>
-        </p:nvSpPr>
-        <p:spPr>
-          <a:xfrm>
-            <a:off x="1524000" y="1516449"/>
-            <a:ext cx="9144000" cy="4290585"/>
-          </a:xfrm>
-          <a:prstGeom prst="rect">
-            <a:avLst/>
-          </a:prstGeom>
-        </p:spPr>
-        <p:txBody>
-          <a:bodyPr vert="horz" lIns="91440" tIns="45720" rIns="91440" bIns="45720" rtlCol="0" anchor="b">
-            <a:normAutofit fontScale="97500"/>
-          </a:bodyPr>
-          <a:lstStyle>
-            <a:lvl1pPr algn="ctr" defTabSz="914400" rtl="0" eaLnBrk="1" latinLnBrk="0" hangingPunct="1">
-              <a:lnSpc>
-                <a:spcPct val="90000"/>
-              </a:lnSpc>
-              <a:spcBef>
-                <a:spcPct val="0"/>
-              </a:spcBef>
-              <a:buNone/>
-              <a:defRPr sz="6000" kern="1200">
-                <a:solidFill>
-                  <a:schemeClr val="tx1"/>
-                </a:solidFill>
-                <a:latin typeface="+mj-lt"/>
-                <a:ea typeface="+mj-ea"/>
-                <a:cs typeface="+mj-cs"/>
-              </a:defRPr>
-            </a:lvl1pPr>
-          </a:lstStyle>
-          <a:p>
-            <a:pPr algn="l"/>
-            <a:endParaRPr lang="en-US" sz="3100" dirty="0"/>
-          </a:p>
-          <a:p>
-            <a:pPr algn="l"/>
-            <a:endParaRPr lang="en-US" sz="3100" dirty="0"/>
-          </a:p>
-          <a:p>
-            <a:pPr algn="l"/>
-            <a:endParaRPr lang="en-US" sz="3100" dirty="0"/>
-          </a:p>
-          <a:p>
-            <a:pPr algn="l"/>
-            <a:endParaRPr lang="en-US" sz="3100" dirty="0"/>
-          </a:p>
-          <a:p>
-            <a:pPr algn="l"/>
-            <a:endParaRPr lang="en-US" sz="3000" dirty="0"/>
-          </a:p>
-          <a:p>
-            <a:pPr algn="l"/>
-            <a:endParaRPr lang="en-US" sz="3000" dirty="0"/>
-          </a:p>
-        </p:txBody>
-      </p:sp>
-      <p:sp>
-        <p:nvSpPr>
-          <p:cNvPr id="39" name="Footer Placeholder 3">
-            <a:extLst>
-              <a:ext uri="{FF2B5EF4-FFF2-40B4-BE49-F238E27FC236}">
-                <a16:creationId xmlns:a16="http://schemas.microsoft.com/office/drawing/2014/main" id="{77EF4DA7-E5CF-896F-45E0-B1D58FD59B96}"/>
-              </a:ext>
-            </a:extLst>
-          </p:cNvPr>
-          <p:cNvSpPr>
-            <a:spLocks noGrp="1"/>
-          </p:cNvSpPr>
-          <p:nvPr>
-            <p:ph type="ftr" sz="quarter" idx="11"/>
-          </p:nvPr>
-        </p:nvSpPr>
-        <p:spPr>
-          <a:xfrm>
-            <a:off x="0" y="6139541"/>
-            <a:ext cx="12192000" cy="718459"/>
-          </a:xfrm>
-          <a:ln w="28575">
-            <a:solidFill>
-              <a:schemeClr val="accent5">
-                <a:lumMod val="50000"/>
-              </a:schemeClr>
-            </a:solidFill>
-          </a:ln>
-        </p:spPr>
-        <p:txBody>
-          <a:bodyPr/>
-          <a:lstStyle/>
-          <a:p>
-            <a:pPr lvl="1" algn="r"/>
-            <a:r>
-              <a:rPr lang="en-US" sz="1200" b="1" dirty="0"/>
-              <a:t>CCDATS1L</a:t>
-            </a:r>
-            <a:endParaRPr lang="en-PH" sz="1200" b="1" dirty="0"/>
-          </a:p>
-        </p:txBody>
-      </p:sp>
-      <p:sp>
-        <p:nvSpPr>
-          <p:cNvPr id="2" name="Title 1">
-            <a:extLst>
-              <a:ext uri="{FF2B5EF4-FFF2-40B4-BE49-F238E27FC236}">
-                <a16:creationId xmlns:a16="http://schemas.microsoft.com/office/drawing/2014/main" id="{79EF1114-32BB-A28C-0B44-90073AA32F6C}"/>
-              </a:ext>
-            </a:extLst>
-          </p:cNvPr>
-          <p:cNvSpPr txBox="1">
-            <a:spLocks/>
-          </p:cNvSpPr>
-          <p:nvPr/>
-        </p:nvSpPr>
-        <p:spPr>
-          <a:xfrm>
-            <a:off x="459205" y="1283707"/>
-            <a:ext cx="11273589" cy="4290585"/>
-          </a:xfrm>
-          <a:prstGeom prst="rect">
-            <a:avLst/>
-          </a:prstGeom>
-        </p:spPr>
-        <p:txBody>
-          <a:bodyPr vert="horz" lIns="91440" tIns="45720" rIns="91440" bIns="45720" rtlCol="0" anchor="b">
-            <a:normAutofit fontScale="97500"/>
-          </a:bodyPr>
-          <a:lstStyle>
-            <a:lvl1pPr algn="ctr" defTabSz="914400" rtl="0" eaLnBrk="1" latinLnBrk="0" hangingPunct="1">
-              <a:lnSpc>
-                <a:spcPct val="90000"/>
-              </a:lnSpc>
-              <a:spcBef>
-                <a:spcPct val="0"/>
-              </a:spcBef>
-              <a:buNone/>
-              <a:defRPr sz="6000" kern="1200">
-                <a:solidFill>
-                  <a:schemeClr val="tx1"/>
-                </a:solidFill>
-                <a:latin typeface="+mj-lt"/>
-                <a:ea typeface="+mj-ea"/>
-                <a:cs typeface="+mj-cs"/>
-              </a:defRPr>
-            </a:lvl1pPr>
-          </a:lstStyle>
-          <a:p>
-            <a:pPr algn="l"/>
-            <a:endParaRPr lang="en-US" sz="2900" b="1" i="0" dirty="0">
-              <a:solidFill>
-                <a:srgbClr val="252C33"/>
-              </a:solidFill>
-              <a:effectLst/>
-              <a:latin typeface="Calibri Light (Headings)"/>
-            </a:endParaRPr>
-          </a:p>
-          <a:p>
-            <a:pPr marL="457200" indent="-457200" algn="l">
-              <a:buFont typeface="Wingdings" pitchFamily="2" charset="2"/>
-              <a:buChar char="Ø"/>
-            </a:pPr>
-            <a:r>
-              <a:rPr lang="en-US" sz="2900" b="1" dirty="0">
-                <a:latin typeface="Calibri Light (Headings)"/>
-              </a:rPr>
-              <a:t>What is Inferential Statistics?</a:t>
-            </a:r>
-          </a:p>
-          <a:p>
-            <a:pPr algn="l"/>
-            <a:endParaRPr lang="en-US" sz="2900" b="1" i="0" dirty="0">
-              <a:solidFill>
-                <a:schemeClr val="tx1">
-                  <a:lumMod val="50000"/>
-                  <a:lumOff val="50000"/>
-                </a:schemeClr>
-              </a:solidFill>
-              <a:effectLst/>
-              <a:latin typeface="Calibri Light (Headings)"/>
-            </a:endParaRPr>
-          </a:p>
-          <a:p>
-            <a:pPr marL="457200" indent="-457200" algn="l">
-              <a:buFont typeface="Wingdings" pitchFamily="2" charset="2"/>
-              <a:buChar char="Ø"/>
-            </a:pPr>
-            <a:r>
-              <a:rPr lang="en-US" sz="2900" b="1" i="0" dirty="0">
-                <a:solidFill>
-                  <a:schemeClr val="tx1">
-                    <a:lumMod val="50000"/>
-                    <a:lumOff val="50000"/>
-                  </a:schemeClr>
-                </a:solidFill>
-                <a:effectLst/>
-                <a:latin typeface="Calibri Light (Headings)"/>
-              </a:rPr>
-              <a:t>Example of Inferential Statistics</a:t>
-            </a:r>
-          </a:p>
-          <a:p>
-            <a:pPr marL="457200" indent="-457200" algn="l">
-              <a:buFont typeface="Wingdings" pitchFamily="2" charset="2"/>
-              <a:buChar char="Ø"/>
-            </a:pPr>
-            <a:endParaRPr lang="en-US" sz="2900" b="1" dirty="0">
-              <a:solidFill>
-                <a:schemeClr val="tx1">
-                  <a:lumMod val="50000"/>
-                  <a:lumOff val="50000"/>
-                </a:schemeClr>
-              </a:solidFill>
-              <a:latin typeface="Calibri Light (Headings)"/>
-            </a:endParaRPr>
-          </a:p>
-          <a:p>
-            <a:pPr marL="457200" indent="-457200" algn="l">
-              <a:buFont typeface="Wingdings" pitchFamily="2" charset="2"/>
-              <a:buChar char="Ø"/>
-            </a:pPr>
-            <a:r>
-              <a:rPr lang="en-US" sz="2900" b="1" dirty="0">
-                <a:solidFill>
-                  <a:schemeClr val="tx1">
-                    <a:lumMod val="50000"/>
-                    <a:lumOff val="50000"/>
-                  </a:schemeClr>
-                </a:solidFill>
-                <a:latin typeface="Calibri Light (Headings)"/>
-              </a:rPr>
-              <a:t>Types of Inferential Statistics</a:t>
-            </a:r>
-          </a:p>
-          <a:p>
-            <a:pPr marL="457200" indent="-457200" algn="l">
-              <a:buFont typeface="Wingdings" pitchFamily="2" charset="2"/>
-              <a:buChar char="Ø"/>
-            </a:pPr>
-            <a:endParaRPr lang="en-US" sz="2900" b="1" i="0" dirty="0">
-              <a:solidFill>
-                <a:schemeClr val="tx1">
-                  <a:lumMod val="50000"/>
-                  <a:lumOff val="50000"/>
-                </a:schemeClr>
-              </a:solidFill>
-              <a:effectLst/>
-              <a:latin typeface="Calibri Light (Headings)"/>
-            </a:endParaRPr>
-          </a:p>
-          <a:p>
-            <a:pPr algn="l"/>
-            <a:endParaRPr lang="en-US" sz="2900" b="1" dirty="0">
-              <a:solidFill>
-                <a:schemeClr val="tx1">
-                  <a:lumMod val="50000"/>
-                  <a:lumOff val="50000"/>
-                </a:schemeClr>
-              </a:solidFill>
-              <a:latin typeface="Calibri Light (Headings)"/>
-            </a:endParaRPr>
-          </a:p>
-          <a:p>
-            <a:pPr marL="457200" indent="-457200" algn="l">
-              <a:buFont typeface="Wingdings" pitchFamily="2" charset="2"/>
-              <a:buChar char="Ø"/>
-            </a:pPr>
-            <a:endParaRPr lang="en-US" sz="2500" b="1" dirty="0">
-              <a:solidFill>
-                <a:schemeClr val="tx1">
-                  <a:lumMod val="50000"/>
-                  <a:lumOff val="50000"/>
-                </a:schemeClr>
-              </a:solidFill>
-              <a:latin typeface="Calibri Light (Headings)"/>
-            </a:endParaRPr>
-          </a:p>
-          <a:p>
-            <a:pPr algn="l"/>
-            <a:endParaRPr lang="en-US" sz="2900" b="1" dirty="0">
-              <a:solidFill>
-                <a:schemeClr val="tx1">
-                  <a:lumMod val="50000"/>
-                  <a:lumOff val="50000"/>
-                </a:schemeClr>
-              </a:solidFill>
-              <a:latin typeface="Calibri Light (Headings)"/>
-            </a:endParaRPr>
-          </a:p>
-          <a:p>
-            <a:pPr algn="l"/>
-            <a:endParaRPr lang="en-US" sz="2900" b="1" dirty="0">
-              <a:solidFill>
-                <a:schemeClr val="tx1">
-                  <a:lumMod val="50000"/>
-                  <a:lumOff val="50000"/>
-                </a:schemeClr>
-              </a:solidFill>
-              <a:latin typeface="Calibri Light (Headings)"/>
-            </a:endParaRPr>
-          </a:p>
-          <a:p>
-            <a:pPr algn="l"/>
-            <a:endParaRPr lang="en-US" sz="2900" b="1" dirty="0">
-              <a:solidFill>
-                <a:schemeClr val="tx1">
-                  <a:lumMod val="50000"/>
-                  <a:lumOff val="50000"/>
-                </a:schemeClr>
-              </a:solidFill>
-              <a:latin typeface="Calibri Light (Headings)"/>
-            </a:endParaRPr>
-          </a:p>
-        </p:txBody>
-      </p:sp>
-      <p:pic>
-        <p:nvPicPr>
-          <p:cNvPr id="3" name="Graphic 2" descr="Checkmark with solid fill">
-            <a:extLst>
-              <a:ext uri="{FF2B5EF4-FFF2-40B4-BE49-F238E27FC236}">
-                <a16:creationId xmlns:a16="http://schemas.microsoft.com/office/drawing/2014/main" id="{FC9A62D3-977A-6BA6-3980-029605A0A182}"/>
-              </a:ext>
-            </a:extLst>
-          </p:cNvPr>
-          <p:cNvPicPr>
-            <a:picLocks noChangeAspect="1"/>
-          </p:cNvPicPr>
-          <p:nvPr/>
-        </p:nvPicPr>
-        <p:blipFill>
-          <a:blip r:embed="rId4">
-            <a:extLst>
-              <a:ext uri="{28A0092B-C50C-407E-A947-70E740481C1C}">
-                <a14:useLocalDpi xmlns:a14="http://schemas.microsoft.com/office/drawing/2010/main" val="0"/>
-              </a:ext>
-              <a:ext uri="{96DAC541-7B7A-43D3-8B79-37D633B846F1}">
-                <asvg:svgBlip xmlns:asvg="http://schemas.microsoft.com/office/drawing/2016/SVG/main" r:embed="rId5"/>
-              </a:ext>
-            </a:extLst>
-          </a:blip>
-          <a:stretch>
-            <a:fillRect/>
-          </a:stretch>
-        </p:blipFill>
-        <p:spPr>
-          <a:xfrm>
-            <a:off x="5236318" y="1063411"/>
-            <a:ext cx="673335" cy="673335"/>
-          </a:xfrm>
-          <a:prstGeom prst="rect">
-            <a:avLst/>
-          </a:prstGeom>
-        </p:spPr>
-      </p:pic>
-      <p:pic>
-        <p:nvPicPr>
-          <p:cNvPr id="4" name="Graphic 3" descr="Checkmark with solid fill">
-            <a:extLst>
-              <a:ext uri="{FF2B5EF4-FFF2-40B4-BE49-F238E27FC236}">
-                <a16:creationId xmlns:a16="http://schemas.microsoft.com/office/drawing/2014/main" id="{F2AD3438-969A-C3D3-8E31-4264C801EDB2}"/>
-              </a:ext>
-            </a:extLst>
-          </p:cNvPr>
-          <p:cNvPicPr>
-            <a:picLocks noChangeAspect="1"/>
-          </p:cNvPicPr>
-          <p:nvPr/>
-        </p:nvPicPr>
-        <p:blipFill>
-          <a:blip r:embed="rId4">
-            <a:extLst>
-              <a:ext uri="{28A0092B-C50C-407E-A947-70E740481C1C}">
-                <a14:useLocalDpi xmlns:a14="http://schemas.microsoft.com/office/drawing/2010/main" val="0"/>
-              </a:ext>
-              <a:ext uri="{96DAC541-7B7A-43D3-8B79-37D633B846F1}">
-                <asvg:svgBlip xmlns:asvg="http://schemas.microsoft.com/office/drawing/2016/SVG/main" r:embed="rId5"/>
-              </a:ext>
-            </a:extLst>
-          </a:blip>
-          <a:stretch>
-            <a:fillRect/>
-          </a:stretch>
-        </p:blipFill>
-        <p:spPr>
-          <a:xfrm>
-            <a:off x="5572985" y="1872166"/>
-            <a:ext cx="673335" cy="673335"/>
-          </a:xfrm>
-          <a:prstGeom prst="rect">
-            <a:avLst/>
-          </a:prstGeom>
-        </p:spPr>
-      </p:pic>
-    </p:spTree>
-    <p:extLst>
-      <p:ext uri="{BB962C8B-B14F-4D97-AF65-F5344CB8AC3E}">
-        <p14:creationId xmlns:p14="http://schemas.microsoft.com/office/powerpoint/2010/main" val="3913443656"/>
-      </p:ext>
-    </p:extLst>
-  </p:cSld>
-  <p:clrMapOvr>
-    <a:masterClrMapping/>
-  </p:clrMapOvr>
-</p:sld>
-</file>
-
-<file path=ppt/slides/slide18.xml><?xml version="1.0" encoding="utf-8"?>
-<p:sld xmlns:a="http://schemas.openxmlformats.org/drawingml/2006/main" xmlns:r="http://schemas.openxmlformats.org/officeDocument/2006/relationships" xmlns:p="http://schemas.openxmlformats.org/presentationml/2006/main">
-  <p:cSld>
-    <p:bg>
-      <p:bgPr>
-        <a:blipFill dpi="0" rotWithShape="1">
-          <a:blip r:embed="rId3">
-            <a:alphaModFix amt="99000"/>
-            <a:lum/>
-          </a:blip>
-          <a:srcRect/>
-          <a:stretch>
-            <a:fillRect t="89000" r="85000" b="-1000"/>
-          </a:stretch>
-        </a:blipFill>
-        <a:effectLst/>
-      </p:bgPr>
-    </p:bg>
-    <p:spTree>
-      <p:nvGrpSpPr>
-        <p:cNvPr id="1" name=""/>
-        <p:cNvGrpSpPr/>
-        <p:nvPr/>
-      </p:nvGrpSpPr>
-      <p:grpSpPr>
-        <a:xfrm>
-          <a:off x="0" y="0"/>
-          <a:ext cx="0" cy="0"/>
-          <a:chOff x="0" y="0"/>
-          <a:chExt cx="0" cy="0"/>
-        </a:xfrm>
-      </p:grpSpPr>
-      <p:sp>
-        <p:nvSpPr>
-          <p:cNvPr id="5" name="Title 1">
-            <a:extLst>
-              <a:ext uri="{FF2B5EF4-FFF2-40B4-BE49-F238E27FC236}">
-                <a16:creationId xmlns:a16="http://schemas.microsoft.com/office/drawing/2014/main" id="{3444037F-B658-D82C-5DCA-53E8AA1493D7}"/>
-              </a:ext>
-            </a:extLst>
-          </p:cNvPr>
-          <p:cNvSpPr txBox="1">
-            <a:spLocks/>
-          </p:cNvSpPr>
-          <p:nvPr/>
-        </p:nvSpPr>
-        <p:spPr>
-          <a:xfrm>
-            <a:off x="1524000" y="1516449"/>
-            <a:ext cx="9144000" cy="4290585"/>
-          </a:xfrm>
-          <a:prstGeom prst="rect">
-            <a:avLst/>
-          </a:prstGeom>
-        </p:spPr>
-        <p:txBody>
-          <a:bodyPr vert="horz" lIns="91440" tIns="45720" rIns="91440" bIns="45720" rtlCol="0" anchor="b">
-            <a:normAutofit fontScale="97500"/>
-          </a:bodyPr>
-          <a:lstStyle>
-            <a:lvl1pPr algn="ctr" defTabSz="914400" rtl="0" eaLnBrk="1" latinLnBrk="0" hangingPunct="1">
-              <a:lnSpc>
-                <a:spcPct val="90000"/>
-              </a:lnSpc>
-              <a:spcBef>
-                <a:spcPct val="0"/>
-              </a:spcBef>
-              <a:buNone/>
-              <a:defRPr sz="6000" kern="1200">
-                <a:solidFill>
-                  <a:schemeClr val="tx1"/>
-                </a:solidFill>
-                <a:latin typeface="+mj-lt"/>
-                <a:ea typeface="+mj-ea"/>
-                <a:cs typeface="+mj-cs"/>
-              </a:defRPr>
-            </a:lvl1pPr>
-          </a:lstStyle>
-          <a:p>
-            <a:pPr algn="l"/>
-            <a:endParaRPr lang="en-US" sz="3100" dirty="0"/>
-          </a:p>
-          <a:p>
-            <a:pPr algn="l"/>
-            <a:endParaRPr lang="en-US" sz="3100" dirty="0"/>
-          </a:p>
-          <a:p>
-            <a:pPr algn="l"/>
-            <a:endParaRPr lang="en-US" sz="3100" dirty="0"/>
-          </a:p>
-          <a:p>
-            <a:pPr algn="l"/>
-            <a:endParaRPr lang="en-US" sz="3100" dirty="0"/>
-          </a:p>
-          <a:p>
-            <a:pPr algn="l"/>
-            <a:endParaRPr lang="en-US" sz="3000" dirty="0"/>
-          </a:p>
-          <a:p>
-            <a:pPr algn="l"/>
-            <a:endParaRPr lang="en-US" sz="3000" dirty="0"/>
-          </a:p>
-        </p:txBody>
-      </p:sp>
-      <p:sp>
-        <p:nvSpPr>
-          <p:cNvPr id="38" name="Title 1">
-            <a:extLst>
-              <a:ext uri="{FF2B5EF4-FFF2-40B4-BE49-F238E27FC236}">
-                <a16:creationId xmlns:a16="http://schemas.microsoft.com/office/drawing/2014/main" id="{85194D96-4E26-6A5A-5AB5-02AFD53E7543}"/>
-              </a:ext>
-            </a:extLst>
-          </p:cNvPr>
-          <p:cNvSpPr>
-            <a:spLocks noGrp="1"/>
-          </p:cNvSpPr>
-          <p:nvPr>
-            <p:ph type="ctrTitle"/>
-          </p:nvPr>
-        </p:nvSpPr>
-        <p:spPr>
-          <a:xfrm>
-            <a:off x="1128386" y="415731"/>
-            <a:ext cx="9935227" cy="718459"/>
-          </a:xfrm>
-        </p:spPr>
-        <p:txBody>
-          <a:bodyPr>
-            <a:noAutofit/>
-          </a:bodyPr>
-          <a:lstStyle/>
-          <a:p>
-            <a:r>
-              <a:rPr lang="en-US" sz="5000" b="1" dirty="0"/>
-              <a:t>Inferential statistics</a:t>
-            </a:r>
-            <a:endParaRPr lang="en-PH" sz="5000" b="1" dirty="0"/>
-          </a:p>
-        </p:txBody>
-      </p:sp>
-      <p:sp>
-        <p:nvSpPr>
-          <p:cNvPr id="39" name="Footer Placeholder 3">
-            <a:extLst>
-              <a:ext uri="{FF2B5EF4-FFF2-40B4-BE49-F238E27FC236}">
-                <a16:creationId xmlns:a16="http://schemas.microsoft.com/office/drawing/2014/main" id="{77EF4DA7-E5CF-896F-45E0-B1D58FD59B96}"/>
-              </a:ext>
-            </a:extLst>
-          </p:cNvPr>
-          <p:cNvSpPr>
-            <a:spLocks noGrp="1"/>
-          </p:cNvSpPr>
-          <p:nvPr>
-            <p:ph type="ftr" sz="quarter" idx="11"/>
-          </p:nvPr>
-        </p:nvSpPr>
-        <p:spPr>
-          <a:xfrm>
-            <a:off x="0" y="6139541"/>
-            <a:ext cx="12192000" cy="718459"/>
-          </a:xfrm>
-          <a:ln w="28575">
-            <a:solidFill>
-              <a:schemeClr val="accent5">
-                <a:lumMod val="50000"/>
-              </a:schemeClr>
-            </a:solidFill>
-          </a:ln>
-        </p:spPr>
-        <p:txBody>
-          <a:bodyPr/>
-          <a:lstStyle/>
-          <a:p>
-            <a:pPr lvl="1" algn="r"/>
-            <a:r>
-              <a:rPr lang="en-US" sz="1200" b="1" dirty="0"/>
-              <a:t>CCDATS1L</a:t>
-            </a:r>
-            <a:endParaRPr lang="en-PH" sz="1200" b="1" dirty="0"/>
-          </a:p>
-        </p:txBody>
-      </p:sp>
-      <p:sp>
-        <p:nvSpPr>
-          <p:cNvPr id="4" name="TextBox 3">
-            <a:extLst>
-              <a:ext uri="{FF2B5EF4-FFF2-40B4-BE49-F238E27FC236}">
-                <a16:creationId xmlns:a16="http://schemas.microsoft.com/office/drawing/2014/main" id="{4203C0C4-7C82-D208-A8B3-1AE6E9099A3C}"/>
-              </a:ext>
-            </a:extLst>
-          </p:cNvPr>
-          <p:cNvSpPr txBox="1"/>
-          <p:nvPr/>
-        </p:nvSpPr>
-        <p:spPr>
-          <a:xfrm>
-            <a:off x="639918" y="1354768"/>
-            <a:ext cx="10912162" cy="1938992"/>
-          </a:xfrm>
-          <a:prstGeom prst="rect">
-            <a:avLst/>
-          </a:prstGeom>
-          <a:noFill/>
-        </p:spPr>
-        <p:txBody>
-          <a:bodyPr wrap="square" rtlCol="0">
-            <a:spAutoFit/>
-          </a:bodyPr>
-          <a:lstStyle/>
-          <a:p>
-            <a:pPr eaLnBrk="1" hangingPunct="1"/>
-            <a:r>
-              <a:rPr lang="en-US" sz="3000" dirty="0"/>
-              <a:t>There are two main types of inferential statistics, </a:t>
-            </a:r>
-          </a:p>
-          <a:p>
-            <a:pPr eaLnBrk="1" hangingPunct="1"/>
-            <a:endParaRPr lang="en-US" sz="3000" dirty="0"/>
-          </a:p>
-          <a:p>
-            <a:pPr marL="457200" indent="-457200" eaLnBrk="1" hangingPunct="1">
-              <a:buFont typeface="Arial" panose="020B0604020202020204" pitchFamily="34" charset="0"/>
-              <a:buChar char="•"/>
-            </a:pPr>
-            <a:r>
-              <a:rPr lang="en-US" sz="3000" dirty="0"/>
-              <a:t>Hypothesis testing</a:t>
-            </a:r>
-          </a:p>
-          <a:p>
-            <a:pPr marL="457200" indent="-457200" eaLnBrk="1" hangingPunct="1">
-              <a:buFont typeface="Arial" panose="020B0604020202020204" pitchFamily="34" charset="0"/>
-              <a:buChar char="•"/>
-            </a:pPr>
-            <a:r>
-              <a:rPr lang="en-US" sz="3000" dirty="0"/>
-              <a:t>Regression analysis</a:t>
-            </a:r>
-            <a:endParaRPr lang="en-PH" sz="3000" dirty="0"/>
-          </a:p>
-        </p:txBody>
-      </p:sp>
-    </p:spTree>
-    <p:extLst>
-      <p:ext uri="{BB962C8B-B14F-4D97-AF65-F5344CB8AC3E}">
-        <p14:creationId xmlns:p14="http://schemas.microsoft.com/office/powerpoint/2010/main" val="2064091172"/>
+        <p14:creationId xmlns:p14="http://schemas.microsoft.com/office/powerpoint/2010/main" val="3982310532"/>
       </p:ext>
     </p:extLst>
   </p:cSld>
@@ -11339,8 +7069,16 @@
           <a:lstStyle/>
           <a:p>
             <a:r>
+              <a:rPr lang="en-PH" sz="3000" b="1" dirty="0">
+                <a:solidFill>
+                  <a:srgbClr val="00B0F0"/>
+                </a:solidFill>
+              </a:rPr>
+              <a:t>Confidence intervals </a:t>
+            </a:r>
+            <a:r>
               <a:rPr lang="en-PH" sz="3000" dirty="0"/>
-              <a:t>Confidence intervals are one of the two most common types of statistical inference. </a:t>
+              <a:t>are one of the two most common types of statistical inference. </a:t>
             </a:r>
           </a:p>
           <a:p>
@@ -11349,7 +7087,19 @@
           <a:p>
             <a:r>
               <a:rPr lang="en-PH" sz="3000" dirty="0"/>
-              <a:t>Researchers use a confidence interval when their goal is to estimate a population parameter. </a:t>
+              <a:t>Researchers use a confidence interval when their goal is to </a:t>
+            </a:r>
+            <a:r>
+              <a:rPr lang="en-PH" sz="3000" b="1" dirty="0">
+                <a:solidFill>
+                  <a:srgbClr val="00B0F0"/>
+                </a:solidFill>
+              </a:rPr>
+              <a:t>estimate a population parameter</a:t>
+            </a:r>
+            <a:r>
+              <a:rPr lang="en-PH" sz="3000" dirty="0"/>
+              <a:t>. </a:t>
             </a:r>
           </a:p>
           <a:p>
@@ -11358,7 +7108,19 @@
           <a:p>
             <a:r>
               <a:rPr lang="en-PH" sz="3000" dirty="0"/>
-              <a:t>The second common type of inference, called a test of significance, has a different goal: to assess the evidence provided by data about some claim concerning a population. </a:t>
+              <a:t>The second common type of inference, called a </a:t>
+            </a:r>
+            <a:r>
+              <a:rPr lang="en-PH" sz="3000" b="1" dirty="0">
+                <a:solidFill>
+                  <a:srgbClr val="00B0F0"/>
+                </a:solidFill>
+              </a:rPr>
+              <a:t>test of significance</a:t>
+            </a:r>
+            <a:r>
+              <a:rPr lang="en-PH" sz="3000" dirty="0"/>
+              <a:t>, has a different goal: to assess the evidence provided by data about some claim concerning a population. </a:t>
             </a:r>
           </a:p>
         </p:txBody>
@@ -11382,7 +7144,7 @@
     <p:bg>
       <p:bgPr>
         <a:blipFill dpi="0" rotWithShape="1">
-          <a:blip r:embed="rId4">
+          <a:blip r:embed="rId3">
             <a:alphaModFix amt="99000"/>
             <a:lum/>
           </a:blip>
@@ -11573,7 +7335,7 @@
         <p:spPr>
           <a:xfrm>
             <a:off x="639918" y="1354768"/>
-            <a:ext cx="10912162" cy="4524315"/>
+            <a:ext cx="10912162" cy="2708434"/>
           </a:xfrm>
           <a:prstGeom prst="rect">
             <a:avLst/>
@@ -11587,32 +7349,45 @@
           <a:lstStyle/>
           <a:p>
             <a:r>
-              <a:rPr lang="en-PH" sz="3200" dirty="0"/>
-              <a:t> A test of significance is a formal procedure for comparing observed data with a claim (also called a hypothesis), the truth of which is being assessed. </a:t>
-            </a:r>
-          </a:p>
-          <a:p>
-            <a:endParaRPr lang="en-PH" sz="3200" dirty="0"/>
-          </a:p>
-          <a:p>
-            <a:r>
-              <a:rPr lang="en-PH" sz="3200" dirty="0"/>
-              <a:t>• The claim is a statement about a parameter, like the population proportion p or the population mean </a:t>
-            </a:r>
-            <a:r>
-              <a:rPr lang="el-GR" sz="3200" dirty="0"/>
-              <a:t>μ. </a:t>
-            </a:r>
-            <a:endParaRPr lang="en-US" sz="3200" dirty="0"/>
-          </a:p>
-          <a:p>
-            <a:r>
-              <a:rPr lang="el-GR" sz="3200" dirty="0"/>
-              <a:t>• </a:t>
-            </a:r>
-            <a:r>
-              <a:rPr lang="en-PH" sz="3200" dirty="0"/>
-              <a:t>The results of a significance test are expressed in terms of a probability that measures how well the data and the claim agree.</a:t>
+              <a:rPr lang="en-PH" sz="3000" dirty="0"/>
+              <a:t>The second common type of inference, called a </a:t>
+            </a:r>
+            <a:r>
+              <a:rPr lang="en-PH" sz="3000" b="1" dirty="0">
+                <a:solidFill>
+                  <a:srgbClr val="7030A0"/>
+                </a:solidFill>
+              </a:rPr>
+              <a:t>test of significance</a:t>
+            </a:r>
+            <a:r>
+              <a:rPr lang="en-PH" sz="3000" dirty="0"/>
+              <a:t>, has a </a:t>
+            </a:r>
+            <a:r>
+              <a:rPr lang="en-PH" sz="3000" b="1" dirty="0"/>
+              <a:t>different goal</a:t>
+            </a:r>
+            <a:r>
+              <a:rPr lang="en-PH" sz="3000" dirty="0"/>
+              <a:t>: </a:t>
+            </a:r>
+          </a:p>
+          <a:p>
+            <a:endParaRPr lang="en-PH" sz="3000" dirty="0"/>
+          </a:p>
+          <a:p>
+            <a:r>
+              <a:rPr lang="en-PH" sz="4000" b="1" i="1" dirty="0">
+                <a:solidFill>
+                  <a:srgbClr val="00B0F0"/>
+                </a:solidFill>
+              </a:rPr>
+              <a:t>To assess the evidence </a:t>
+            </a:r>
+            <a:r>
+              <a:rPr lang="en-PH" sz="4000" i="1" dirty="0"/>
+              <a:t>provided by data about some claim concerning a population. </a:t>
             </a:r>
           </a:p>
         </p:txBody>
@@ -11620,7 +7395,7 @@
     </p:spTree>
     <p:extLst>
       <p:ext uri="{BB962C8B-B14F-4D97-AF65-F5344CB8AC3E}">
-        <p14:creationId xmlns:p14="http://schemas.microsoft.com/office/powerpoint/2010/main" val="2372653068"/>
+        <p14:creationId xmlns:p14="http://schemas.microsoft.com/office/powerpoint/2010/main" val="4255843629"/>
       </p:ext>
     </p:extLst>
   </p:cSld>
@@ -11736,6 +7511,42 @@
       </p:sp>
       <p:sp>
         <p:nvSpPr>
+          <p:cNvPr id="38" name="Title 1">
+            <a:extLst>
+              <a:ext uri="{FF2B5EF4-FFF2-40B4-BE49-F238E27FC236}">
+                <a16:creationId xmlns:a16="http://schemas.microsoft.com/office/drawing/2014/main" id="{85194D96-4E26-6A5A-5AB5-02AFD53E7543}"/>
+              </a:ext>
+            </a:extLst>
+          </p:cNvPr>
+          <p:cNvSpPr>
+            <a:spLocks noGrp="1"/>
+          </p:cNvSpPr>
+          <p:nvPr>
+            <p:ph type="ctrTitle"/>
+          </p:nvPr>
+        </p:nvSpPr>
+        <p:spPr>
+          <a:xfrm>
+            <a:off x="1128386" y="415731"/>
+            <a:ext cx="9935227" cy="718459"/>
+          </a:xfrm>
+        </p:spPr>
+        <p:txBody>
+          <a:bodyPr>
+            <a:noAutofit/>
+          </a:bodyPr>
+          <a:lstStyle/>
+          <a:p>
+            <a:r>
+              <a:rPr lang="en-US" sz="5000" b="1" dirty="0"/>
+              <a:t>Test of Significance</a:t>
+            </a:r>
+            <a:endParaRPr lang="en-PH" sz="5000" b="1" dirty="0"/>
+          </a:p>
+        </p:txBody>
+      </p:sp>
+      <p:sp>
+        <p:nvSpPr>
           <p:cNvPr id="39" name="Footer Placeholder 3">
             <a:extLst>
               <a:ext uri="{FF2B5EF4-FFF2-40B4-BE49-F238E27FC236}">
@@ -11776,293 +7587,78 @@
           </a:p>
         </p:txBody>
       </p:sp>
-      <p:graphicFrame>
-        <p:nvGraphicFramePr>
-          <p:cNvPr id="2" name="Table 2">
-            <a:extLst>
-              <a:ext uri="{FF2B5EF4-FFF2-40B4-BE49-F238E27FC236}">
-                <a16:creationId xmlns:a16="http://schemas.microsoft.com/office/drawing/2014/main" id="{CD10FD8F-9276-3D7B-6D29-81A3479A53AC}"/>
-              </a:ext>
-            </a:extLst>
-          </p:cNvPr>
-          <p:cNvGraphicFramePr>
-            <a:graphicFrameLocks noGrp="1"/>
-          </p:cNvGraphicFramePr>
-          <p:nvPr>
-            <p:extLst>
-              <p:ext uri="{D42A27DB-BD31-4B8C-83A1-F6EECF244321}">
-                <p14:modId xmlns:p14="http://schemas.microsoft.com/office/powerpoint/2010/main" val="3576356838"/>
-              </p:ext>
-            </p:extLst>
-          </p:nvPr>
-        </p:nvGraphicFramePr>
-        <p:xfrm>
-          <a:off x="2031999" y="1466696"/>
-          <a:ext cx="8128000" cy="4090954"/>
-        </p:xfrm>
-        <a:graphic>
-          <a:graphicData uri="http://schemas.openxmlformats.org/drawingml/2006/table">
-            <a:tbl>
-              <a:tblPr firstRow="1" bandRow="1">
-                <a:tableStyleId>{7E9639D4-E3E2-4D34-9284-5A2195B3D0D7}</a:tableStyleId>
-              </a:tblPr>
-              <a:tblGrid>
-                <a:gridCol w="4064000">
-                  <a:extLst>
-                    <a:ext uri="{9D8B030D-6E8A-4147-A177-3AD203B41FA5}">
-                      <a16:colId xmlns:a16="http://schemas.microsoft.com/office/drawing/2014/main" val="1281454641"/>
-                    </a:ext>
-                  </a:extLst>
-                </a:gridCol>
-                <a:gridCol w="4064000">
-                  <a:extLst>
-                    <a:ext uri="{9D8B030D-6E8A-4147-A177-3AD203B41FA5}">
-                      <a16:colId xmlns:a16="http://schemas.microsoft.com/office/drawing/2014/main" val="2205891269"/>
-                    </a:ext>
-                  </a:extLst>
-                </a:gridCol>
-              </a:tblGrid>
-              <a:tr h="473280">
-                <a:tc>
-                  <a:txBody>
-                    <a:bodyPr/>
-                    <a:lstStyle/>
-                    <a:p>
-                      <a:pPr algn="ctr"/>
-                      <a:r>
-                        <a:rPr lang="en-US" dirty="0">
-                          <a:solidFill>
-                            <a:srgbClr val="00B050"/>
-                          </a:solidFill>
-                        </a:rPr>
-                        <a:t>Descriptive</a:t>
-                      </a:r>
-                      <a:endParaRPr lang="en-PH" dirty="0">
-                        <a:solidFill>
-                          <a:srgbClr val="00B050"/>
-                        </a:solidFill>
-                      </a:endParaRPr>
-                    </a:p>
-                  </a:txBody>
-                  <a:tcPr/>
-                </a:tc>
-                <a:tc>
-                  <a:txBody>
-                    <a:bodyPr/>
-                    <a:lstStyle/>
-                    <a:p>
-                      <a:pPr algn="ctr"/>
-                      <a:r>
-                        <a:rPr lang="en-US" dirty="0">
-                          <a:solidFill>
-                            <a:srgbClr val="FF0000"/>
-                          </a:solidFill>
-                        </a:rPr>
-                        <a:t>Inferential</a:t>
-                      </a:r>
-                      <a:endParaRPr lang="en-PH" dirty="0">
-                        <a:solidFill>
-                          <a:srgbClr val="FF0000"/>
-                        </a:solidFill>
-                      </a:endParaRPr>
-                    </a:p>
-                  </a:txBody>
-                  <a:tcPr/>
-                </a:tc>
-                <a:extLst>
-                  <a:ext uri="{0D108BD9-81ED-4DB2-BD59-A6C34878D82A}">
-                    <a16:rowId xmlns:a16="http://schemas.microsoft.com/office/drawing/2014/main" val="1230846369"/>
-                  </a:ext>
-                </a:extLst>
-              </a:tr>
-              <a:tr h="816894">
-                <a:tc>
-                  <a:txBody>
-                    <a:bodyPr/>
-                    <a:lstStyle/>
-                    <a:p>
-                      <a:pPr algn="ctr"/>
-                      <a:r>
-                        <a:rPr lang="en-US" dirty="0"/>
-                        <a:t>Organizing and summarizing data using numbers and graphs</a:t>
-                      </a:r>
-                      <a:endParaRPr lang="en-PH" dirty="0"/>
-                    </a:p>
-                  </a:txBody>
-                  <a:tcPr/>
-                </a:tc>
-                <a:tc>
-                  <a:txBody>
-                    <a:bodyPr/>
-                    <a:lstStyle/>
-                    <a:p>
-                      <a:pPr algn="ctr"/>
-                      <a:r>
-                        <a:rPr lang="en-US" dirty="0"/>
-                        <a:t>Using sample data to make an inference or draw conclusion of the population</a:t>
-                      </a:r>
-                      <a:endParaRPr lang="en-PH" dirty="0"/>
-                    </a:p>
-                  </a:txBody>
-                  <a:tcPr/>
-                </a:tc>
-                <a:extLst>
-                  <a:ext uri="{0D108BD9-81ED-4DB2-BD59-A6C34878D82A}">
-                    <a16:rowId xmlns:a16="http://schemas.microsoft.com/office/drawing/2014/main" val="2697153851"/>
-                  </a:ext>
-                </a:extLst>
-              </a:tr>
-              <a:tr h="1166992">
-                <a:tc>
-                  <a:txBody>
-                    <a:bodyPr/>
-                    <a:lstStyle/>
-                    <a:p>
-                      <a:pPr algn="ctr"/>
-                      <a:r>
-                        <a:rPr lang="en-US" dirty="0"/>
-                        <a:t>Bar Graphs, Histograms, Pie Charts</a:t>
-                      </a:r>
-                      <a:endParaRPr lang="en-PH" dirty="0"/>
-                    </a:p>
-                  </a:txBody>
-                  <a:tcPr/>
-                </a:tc>
-                <a:tc>
-                  <a:txBody>
-                    <a:bodyPr/>
-                    <a:lstStyle/>
-                    <a:p>
-                      <a:pPr algn="ctr"/>
-                      <a:r>
-                        <a:rPr lang="en-US" dirty="0"/>
-                        <a:t>Uses probability to determine how confident we can be that the conclusions we make are correct</a:t>
-                      </a:r>
-                      <a:endParaRPr lang="en-PH" dirty="0"/>
-                    </a:p>
-                  </a:txBody>
-                  <a:tcPr/>
-                </a:tc>
-                <a:extLst>
-                  <a:ext uri="{0D108BD9-81ED-4DB2-BD59-A6C34878D82A}">
-                    <a16:rowId xmlns:a16="http://schemas.microsoft.com/office/drawing/2014/main" val="2657003639"/>
-                  </a:ext>
-                </a:extLst>
-              </a:tr>
-              <a:tr h="816894">
-                <a:tc>
-                  <a:txBody>
-                    <a:bodyPr/>
-                    <a:lstStyle/>
-                    <a:p>
-                      <a:pPr algn="ctr"/>
-                      <a:r>
-                        <a:rPr lang="en-US" dirty="0"/>
-                        <a:t>Measures of Central Tendency: Mean Median and Mode</a:t>
-                      </a:r>
-                      <a:endParaRPr lang="en-PH" dirty="0"/>
-                    </a:p>
-                  </a:txBody>
-                  <a:tcPr/>
-                </a:tc>
-                <a:tc>
-                  <a:txBody>
-                    <a:bodyPr/>
-                    <a:lstStyle/>
-                    <a:p>
-                      <a:pPr algn="ctr"/>
-                      <a:r>
-                        <a:rPr lang="en-US" dirty="0"/>
-                        <a:t>Confidence Intervals and Margin of Error</a:t>
-                      </a:r>
-                      <a:endParaRPr lang="en-PH" dirty="0"/>
-                    </a:p>
-                  </a:txBody>
-                  <a:tcPr/>
-                </a:tc>
-                <a:extLst>
-                  <a:ext uri="{0D108BD9-81ED-4DB2-BD59-A6C34878D82A}">
-                    <a16:rowId xmlns:a16="http://schemas.microsoft.com/office/drawing/2014/main" val="2672484899"/>
-                  </a:ext>
-                </a:extLst>
-              </a:tr>
-              <a:tr h="816894">
-                <a:tc>
-                  <a:txBody>
-                    <a:bodyPr/>
-                    <a:lstStyle/>
-                    <a:p>
-                      <a:pPr algn="ctr"/>
-                      <a:r>
-                        <a:rPr lang="en-US" dirty="0"/>
-                        <a:t>Measures of Variability: Range, Variance and Standard Deviation</a:t>
-                      </a:r>
-                      <a:endParaRPr lang="en-PH" dirty="0"/>
-                    </a:p>
-                  </a:txBody>
-                  <a:tcPr/>
-                </a:tc>
-                <a:tc>
-                  <a:txBody>
-                    <a:bodyPr/>
-                    <a:lstStyle/>
-                    <a:p>
-                      <a:pPr algn="ctr"/>
-                      <a:endParaRPr lang="en-PH" dirty="0"/>
-                    </a:p>
-                  </a:txBody>
-                  <a:tcPr/>
-                </a:tc>
-                <a:extLst>
-                  <a:ext uri="{0D108BD9-81ED-4DB2-BD59-A6C34878D82A}">
-                    <a16:rowId xmlns:a16="http://schemas.microsoft.com/office/drawing/2014/main" val="3793933278"/>
-                  </a:ext>
-                </a:extLst>
-              </a:tr>
-            </a:tbl>
-          </a:graphicData>
-        </a:graphic>
-      </p:graphicFrame>
-      <p:sp>
-        <p:nvSpPr>
-          <p:cNvPr id="7" name="Title 1">
-            <a:extLst>
-              <a:ext uri="{FF2B5EF4-FFF2-40B4-BE49-F238E27FC236}">
-                <a16:creationId xmlns:a16="http://schemas.microsoft.com/office/drawing/2014/main" id="{F5AA1F84-C9DC-FADB-C2BC-7EE1E4A68C43}"/>
-              </a:ext>
-            </a:extLst>
-          </p:cNvPr>
-          <p:cNvSpPr>
-            <a:spLocks noGrp="1"/>
-          </p:cNvSpPr>
-          <p:nvPr>
-            <p:ph type="ctrTitle"/>
-          </p:nvPr>
+      <p:sp>
+        <p:nvSpPr>
+          <p:cNvPr id="4" name="TextBox 3">
+            <a:extLst>
+              <a:ext uri="{FF2B5EF4-FFF2-40B4-BE49-F238E27FC236}">
+                <a16:creationId xmlns:a16="http://schemas.microsoft.com/office/drawing/2014/main" id="{4203C0C4-7C82-D208-A8B3-1AE6E9099A3C}"/>
+              </a:ext>
+            </a:extLst>
+          </p:cNvPr>
+          <p:cNvSpPr txBox="1"/>
+          <p:nvPr/>
         </p:nvSpPr>
         <p:spPr>
           <a:xfrm>
-            <a:off x="1128386" y="415731"/>
-            <a:ext cx="9935227" cy="718459"/>
+            <a:off x="639918" y="1354768"/>
+            <a:ext cx="10912162" cy="3323987"/>
           </a:xfrm>
+          <a:prstGeom prst="rect">
+            <a:avLst/>
+          </a:prstGeom>
+          <a:noFill/>
         </p:spPr>
         <p:txBody>
-          <a:bodyPr>
-            <a:noAutofit/>
+          <a:bodyPr wrap="square" rtlCol="0">
+            <a:spAutoFit/>
           </a:bodyPr>
           <a:lstStyle/>
           <a:p>
             <a:r>
-              <a:rPr lang="en-US" sz="5000" b="1" dirty="0"/>
-              <a:t>Descriptive vs Inferential statistics</a:t>
-            </a:r>
-            <a:endParaRPr lang="en-PH" sz="5000" b="1" dirty="0"/>
+              <a:rPr lang="en-PH" sz="3000" dirty="0"/>
+              <a:t> A test of significance is a formal procedure for comparing observed data with a claim (</a:t>
+            </a:r>
+            <a:r>
+              <a:rPr lang="en-PH" sz="3000" b="1" dirty="0">
+                <a:solidFill>
+                  <a:srgbClr val="00B0F0"/>
+                </a:solidFill>
+              </a:rPr>
+              <a:t>also called a hypothesis</a:t>
+            </a:r>
+            <a:r>
+              <a:rPr lang="en-PH" sz="3000" dirty="0"/>
+              <a:t>), the truth of which is being assessed. </a:t>
+            </a:r>
+          </a:p>
+          <a:p>
+            <a:endParaRPr lang="en-PH" sz="3000" dirty="0"/>
+          </a:p>
+          <a:p>
+            <a:r>
+              <a:rPr lang="en-US" sz="3000" dirty="0"/>
+              <a:t>The first step in conducting a test of statistical significance is to </a:t>
+            </a:r>
+            <a:r>
+              <a:rPr lang="en-US" sz="3000" b="1" dirty="0">
+                <a:solidFill>
+                  <a:srgbClr val="7030A0"/>
+                </a:solidFill>
+              </a:rPr>
+              <a:t>state the hypothesis. </a:t>
+            </a:r>
+            <a:br>
+              <a:rPr lang="en-US" sz="3000" dirty="0"/>
+            </a:br>
+            <a:endParaRPr lang="en-PH" sz="3000" dirty="0"/>
           </a:p>
         </p:txBody>
       </p:sp>
     </p:spTree>
     <p:extLst>
       <p:ext uri="{BB962C8B-B14F-4D97-AF65-F5344CB8AC3E}">
-        <p14:creationId xmlns:p14="http://schemas.microsoft.com/office/powerpoint/2010/main" val="4066679257"/>
+        <p14:creationId xmlns:p14="http://schemas.microsoft.com/office/powerpoint/2010/main" val="2006914654"/>
       </p:ext>
     </p:extLst>
   </p:cSld>
@@ -12206,7 +7802,7 @@
           <a:p>
             <a:r>
               <a:rPr lang="en-US" sz="5000" b="1" dirty="0"/>
-              <a:t>Inferential statistics</a:t>
+              <a:t>Hypothesis Testing</a:t>
             </a:r>
             <a:endParaRPr lang="en-PH" sz="5000" b="1" dirty="0"/>
           </a:p>
@@ -12269,7 +7865,7 @@
         <p:spPr>
           <a:xfrm>
             <a:off x="639918" y="1354768"/>
-            <a:ext cx="10912162" cy="2862322"/>
+            <a:ext cx="11140404" cy="2400657"/>
           </a:xfrm>
           <a:prstGeom prst="rect">
             <a:avLst/>
@@ -12282,66 +7878,51 @@
           </a:bodyPr>
           <a:lstStyle/>
           <a:p>
-            <a:pPr eaLnBrk="1" hangingPunct="1"/>
             <a:r>
               <a:rPr lang="en-US" sz="3000" dirty="0"/>
-              <a:t>Inferential statistics can be defined as a field of statistics that uses analytical tools for drawing conclusions about a population by </a:t>
+              <a:t>In hypothesis testing, a decision between two alternatives must be made. </a:t>
+            </a:r>
+          </a:p>
+          <a:p>
+            <a:endParaRPr lang="en-US" sz="3000" dirty="0"/>
+          </a:p>
+          <a:p>
+            <a:r>
+              <a:rPr lang="en-US" sz="3000" dirty="0"/>
+              <a:t>One of which is called the </a:t>
             </a:r>
             <a:r>
               <a:rPr lang="en-US" sz="3000" b="1" dirty="0">
                 <a:solidFill>
-                  <a:srgbClr val="00B0F0"/>
+                  <a:srgbClr val="00B050"/>
                 </a:solidFill>
               </a:rPr>
-              <a:t>examining random samples</a:t>
+              <a:t>null hypothesis </a:t>
             </a:r>
             <a:r>
               <a:rPr lang="en-US" sz="3000" dirty="0"/>
-              <a:t>. </a:t>
-            </a:r>
-          </a:p>
-          <a:p>
-            <a:pPr eaLnBrk="1" hangingPunct="1"/>
-            <a:endParaRPr lang="en-US" sz="3000" dirty="0"/>
-          </a:p>
-          <a:p>
-            <a:pPr eaLnBrk="1" hangingPunct="1"/>
-            <a:r>
-              <a:rPr lang="en-US" sz="3000" dirty="0"/>
-              <a:t>The goal of inferential statistics is to </a:t>
+              <a:t>and the other the </a:t>
             </a:r>
             <a:r>
               <a:rPr lang="en-US" sz="3000" b="1" dirty="0">
                 <a:solidFill>
-                  <a:srgbClr val="00B0F0"/>
+                  <a:srgbClr val="FF0000"/>
                 </a:solidFill>
               </a:rPr>
-              <a:t>make generalizations </a:t>
-            </a:r>
-            <a:r>
-              <a:rPr lang="en-US" sz="3000" dirty="0"/>
-              <a:t>or</a:t>
-            </a:r>
-            <a:r>
-              <a:rPr lang="en-US" sz="3000" b="1" dirty="0">
-                <a:solidFill>
-                  <a:srgbClr val="00B0F0"/>
-                </a:solidFill>
-              </a:rPr>
-              <a:t> reasonable guesses about a population</a:t>
-            </a:r>
-            <a:r>
-              <a:rPr lang="en-US" sz="3000" dirty="0"/>
-              <a:t>. </a:t>
-            </a:r>
-            <a:endParaRPr lang="en-PH" sz="3000" dirty="0"/>
+              <a:t>alternative hypothesis</a:t>
+            </a:r>
+            <a:endParaRPr lang="en-PH" sz="3000" b="1" dirty="0">
+              <a:solidFill>
+                <a:srgbClr val="FF0000"/>
+              </a:solidFill>
+            </a:endParaRPr>
           </a:p>
         </p:txBody>
       </p:sp>
     </p:spTree>
     <p:extLst>
       <p:ext uri="{BB962C8B-B14F-4D97-AF65-F5344CB8AC3E}">
-        <p14:creationId xmlns:p14="http://schemas.microsoft.com/office/powerpoint/2010/main" val="2388714126"/>
+        <p14:creationId xmlns:p14="http://schemas.microsoft.com/office/powerpoint/2010/main" val="3258874737"/>
       </p:ext>
     </p:extLst>
   </p:cSld>
@@ -12485,7 +8066,7 @@
           <a:p>
             <a:r>
               <a:rPr lang="en-US" sz="5000" b="1" dirty="0"/>
-              <a:t>Inferential statistics</a:t>
+              <a:t>Null Hypothesis</a:t>
             </a:r>
             <a:endParaRPr lang="en-PH" sz="5000" b="1" dirty="0"/>
           </a:p>
@@ -12533,82 +8114,213 @@
           </a:p>
         </p:txBody>
       </p:sp>
-      <p:sp>
-        <p:nvSpPr>
-          <p:cNvPr id="4" name="TextBox 3">
-            <a:extLst>
-              <a:ext uri="{FF2B5EF4-FFF2-40B4-BE49-F238E27FC236}">
-                <a16:creationId xmlns:a16="http://schemas.microsoft.com/office/drawing/2014/main" id="{4203C0C4-7C82-D208-A8B3-1AE6E9099A3C}"/>
-              </a:ext>
-            </a:extLst>
-          </p:cNvPr>
-          <p:cNvSpPr txBox="1"/>
-          <p:nvPr/>
-        </p:nvSpPr>
-        <p:spPr>
-          <a:xfrm>
-            <a:off x="639918" y="1354768"/>
-            <a:ext cx="10912162" cy="2400657"/>
-          </a:xfrm>
-          <a:prstGeom prst="rect">
-            <a:avLst/>
-          </a:prstGeom>
-          <a:noFill/>
-        </p:spPr>
-        <p:txBody>
-          <a:bodyPr wrap="square" rtlCol="0">
-            <a:spAutoFit/>
-          </a:bodyPr>
-          <a:lstStyle/>
-          <a:p>
-            <a:pPr eaLnBrk="1" hangingPunct="1"/>
-            <a:r>
-              <a:rPr lang="en-US" sz="3000" dirty="0"/>
-              <a:t>With inferential statistics, it is important to use</a:t>
-            </a:r>
-            <a:r>
-              <a:rPr lang="en-US" sz="3000" b="1" dirty="0">
-                <a:solidFill>
-                  <a:srgbClr val="0070C0"/>
-                </a:solidFill>
-              </a:rPr>
-              <a:t> random and unbiased sampling methods</a:t>
-            </a:r>
-            <a:r>
-              <a:rPr lang="en-US" sz="3000" dirty="0"/>
-              <a:t>. </a:t>
-            </a:r>
-          </a:p>
-          <a:p>
-            <a:pPr eaLnBrk="1" hangingPunct="1"/>
-            <a:endParaRPr lang="en-US" sz="3000" dirty="0"/>
-          </a:p>
-          <a:p>
-            <a:pPr eaLnBrk="1" hangingPunct="1"/>
-            <a:r>
-              <a:rPr lang="en-US" sz="3000" dirty="0"/>
-              <a:t>If our sample is not representative of the population, then we </a:t>
-            </a:r>
-            <a:r>
-              <a:rPr lang="en-US" sz="3000" b="1" dirty="0">
-                <a:solidFill>
-                  <a:srgbClr val="0070C0"/>
-                </a:solidFill>
-              </a:rPr>
-              <a:t>cannot make valid statistical inferences or generalize</a:t>
-            </a:r>
-            <a:r>
-              <a:rPr lang="en-US" sz="3000" dirty="0"/>
-              <a:t>.</a:t>
-            </a:r>
-            <a:endParaRPr lang="en-PH" sz="3000" dirty="0"/>
-          </a:p>
-        </p:txBody>
-      </p:sp>
+      <mc:AlternateContent xmlns:mc="http://schemas.openxmlformats.org/markup-compatibility/2006">
+        <mc:Choice xmlns:a14="http://schemas.microsoft.com/office/drawing/2010/main" Requires="a14">
+          <p:sp>
+            <p:nvSpPr>
+              <p:cNvPr id="4" name="TextBox 3">
+                <a:extLst>
+                  <a:ext uri="{FF2B5EF4-FFF2-40B4-BE49-F238E27FC236}">
+                    <a16:creationId xmlns:a16="http://schemas.microsoft.com/office/drawing/2014/main" id="{4203C0C4-7C82-D208-A8B3-1AE6E9099A3C}"/>
+                  </a:ext>
+                </a:extLst>
+              </p:cNvPr>
+              <p:cNvSpPr txBox="1"/>
+              <p:nvPr/>
+            </p:nvSpPr>
+            <p:spPr>
+              <a:xfrm>
+                <a:off x="639918" y="1354768"/>
+                <a:ext cx="11140404" cy="3785652"/>
+              </a:xfrm>
+              <a:prstGeom prst="rect">
+                <a:avLst/>
+              </a:prstGeom>
+              <a:noFill/>
+            </p:spPr>
+            <p:txBody>
+              <a:bodyPr wrap="square" rtlCol="0">
+                <a:spAutoFit/>
+              </a:bodyPr>
+              <a:lstStyle/>
+              <a:p>
+                <a:r>
+                  <a:rPr lang="en-US" sz="3000" dirty="0"/>
+                  <a:t>The </a:t>
+                </a:r>
+                <a:r>
+                  <a:rPr lang="en-US" sz="3000" b="1" dirty="0">
+                    <a:solidFill>
+                      <a:srgbClr val="00B050"/>
+                    </a:solidFill>
+                  </a:rPr>
+                  <a:t>null hypothesis </a:t>
+                </a:r>
+                <a:r>
+                  <a:rPr lang="en-US" sz="3000" dirty="0"/>
+                  <a:t>is a form of hypothesis that is </a:t>
+                </a:r>
+                <a:r>
+                  <a:rPr lang="en-US" sz="3000" b="1" dirty="0">
+                    <a:solidFill>
+                      <a:srgbClr val="7030A0"/>
+                    </a:solidFill>
+                  </a:rPr>
+                  <a:t>deemed “true” </a:t>
+                </a:r>
+                <a:r>
+                  <a:rPr lang="en-US" sz="3000" dirty="0"/>
+                  <a:t>until proven wrong based on experimental data</a:t>
+                </a:r>
+                <a:r>
+                  <a:rPr lang="en-US" sz="3000" b="1" dirty="0">
+                    <a:solidFill>
+                      <a:srgbClr val="7030A0"/>
+                    </a:solidFill>
+                  </a:rPr>
+                  <a:t>.</a:t>
+                </a:r>
+              </a:p>
+              <a:p>
+                <a:endParaRPr lang="en-US" sz="3000" b="1" dirty="0">
+                  <a:solidFill>
+                    <a:srgbClr val="7030A0"/>
+                  </a:solidFill>
+                </a:endParaRPr>
+              </a:p>
+              <a:p>
+                <a:r>
+                  <a:rPr lang="en-US" sz="3000" dirty="0"/>
+                  <a:t>It is defined as the </a:t>
+                </a:r>
+                <a:r>
+                  <a:rPr lang="en-US" sz="3000" b="1" dirty="0">
+                    <a:solidFill>
+                      <a:srgbClr val="7030A0"/>
+                    </a:solidFill>
+                  </a:rPr>
+                  <a:t>commonly accepted fact </a:t>
+                </a:r>
+                <a:r>
+                  <a:rPr lang="en-US" sz="3000" b="1" dirty="0"/>
+                  <a:t>(such as the sky is blue) </a:t>
+                </a:r>
+                <a:r>
+                  <a:rPr lang="en-US" sz="3000" dirty="0"/>
+                  <a:t>and the researcher’s aim is to reject or nullify this fact.</a:t>
+                </a:r>
+              </a:p>
+              <a:p>
+                <a:endParaRPr lang="en-US" sz="3000" dirty="0"/>
+              </a:p>
+              <a:p>
+                <a:r>
+                  <a:rPr lang="en-US" sz="3000" dirty="0"/>
+                  <a:t>The notation that is typically used for the null hypothesis is </a:t>
+                </a:r>
+                <a14:m>
+                  <m:oMath xmlns:m="http://schemas.openxmlformats.org/officeDocument/2006/math">
+                    <m:sSub>
+                      <m:sSubPr>
+                        <m:ctrlPr>
+                          <a:rPr lang="en-US" sz="3000" b="1" i="1" smtClean="0">
+                            <a:solidFill>
+                              <a:srgbClr val="00B050"/>
+                            </a:solidFill>
+                            <a:latin typeface="Cambria Math" panose="02040503050406030204" pitchFamily="18" charset="0"/>
+                          </a:rPr>
+                        </m:ctrlPr>
+                      </m:sSubPr>
+                      <m:e>
+                        <m:r>
+                          <a:rPr lang="en-US" sz="3000" b="1" i="1" smtClean="0">
+                            <a:solidFill>
+                              <a:srgbClr val="00B050"/>
+                            </a:solidFill>
+                            <a:latin typeface="Cambria Math" panose="02040503050406030204" pitchFamily="18" charset="0"/>
+                          </a:rPr>
+                          <m:t>𝑯</m:t>
+                        </m:r>
+                      </m:e>
+                      <m:sub>
+                        <m:r>
+                          <a:rPr lang="en-US" sz="3000" b="1" i="1" smtClean="0">
+                            <a:solidFill>
+                              <a:srgbClr val="00B050"/>
+                            </a:solidFill>
+                            <a:latin typeface="Cambria Math" panose="02040503050406030204" pitchFamily="18" charset="0"/>
+                          </a:rPr>
+                          <m:t>𝒐</m:t>
+                        </m:r>
+                      </m:sub>
+                    </m:sSub>
+                  </m:oMath>
+                </a14:m>
+                <a:r>
+                  <a:rPr lang="en-US" sz="3000" dirty="0">
+                    <a:solidFill>
+                      <a:srgbClr val="00B050"/>
+                    </a:solidFill>
+                  </a:rPr>
+                  <a:t> </a:t>
+                </a:r>
+                <a:br>
+                  <a:rPr lang="en-US" sz="3000" dirty="0"/>
+                </a:br>
+                <a:endParaRPr lang="en-PH" sz="3000" dirty="0"/>
+              </a:p>
+            </p:txBody>
+          </p:sp>
+        </mc:Choice>
+        <mc:Fallback>
+          <p:sp>
+            <p:nvSpPr>
+              <p:cNvPr id="4" name="TextBox 3">
+                <a:extLst>
+                  <a:ext uri="{FF2B5EF4-FFF2-40B4-BE49-F238E27FC236}">
+                    <a16:creationId xmlns:a16="http://schemas.microsoft.com/office/drawing/2014/main" id="{4203C0C4-7C82-D208-A8B3-1AE6E9099A3C}"/>
+                  </a:ext>
+                </a:extLst>
+              </p:cNvPr>
+              <p:cNvSpPr txBox="1">
+                <a:spLocks noRot="1" noChangeAspect="1" noMove="1" noResize="1" noEditPoints="1" noAdjustHandles="1" noChangeArrowheads="1" noChangeShapeType="1" noTextEdit="1"/>
+              </p:cNvSpPr>
+              <p:nvPr/>
+            </p:nvSpPr>
+            <p:spPr>
+              <a:xfrm>
+                <a:off x="639918" y="1354768"/>
+                <a:ext cx="11140404" cy="3785652"/>
+              </a:xfrm>
+              <a:prstGeom prst="rect">
+                <a:avLst/>
+              </a:prstGeom>
+              <a:blipFill>
+                <a:blip r:embed="rId4"/>
+                <a:stretch>
+                  <a:fillRect l="-1314" t="-1932" r="-985"/>
+                </a:stretch>
+              </a:blipFill>
+            </p:spPr>
+            <p:txBody>
+              <a:bodyPr/>
+              <a:lstStyle/>
+              <a:p>
+                <a:r>
+                  <a:rPr lang="en-PH">
+                    <a:noFill/>
+                  </a:rPr>
+                  <a:t> </a:t>
+                </a:r>
+              </a:p>
+            </p:txBody>
+          </p:sp>
+        </mc:Fallback>
+      </mc:AlternateContent>
     </p:spTree>
     <p:extLst>
       <p:ext uri="{BB962C8B-B14F-4D97-AF65-F5344CB8AC3E}">
-        <p14:creationId xmlns:p14="http://schemas.microsoft.com/office/powerpoint/2010/main" val="2747347992"/>
+        <p14:creationId xmlns:p14="http://schemas.microsoft.com/office/powerpoint/2010/main" val="4210428131"/>
       </p:ext>
     </p:extLst>
   </p:cSld>
@@ -12724,42 +8436,6 @@
       </p:sp>
       <p:sp>
         <p:nvSpPr>
-          <p:cNvPr id="38" name="Title 1">
-            <a:extLst>
-              <a:ext uri="{FF2B5EF4-FFF2-40B4-BE49-F238E27FC236}">
-                <a16:creationId xmlns:a16="http://schemas.microsoft.com/office/drawing/2014/main" id="{85194D96-4E26-6A5A-5AB5-02AFD53E7543}"/>
-              </a:ext>
-            </a:extLst>
-          </p:cNvPr>
-          <p:cNvSpPr>
-            <a:spLocks noGrp="1"/>
-          </p:cNvSpPr>
-          <p:nvPr>
-            <p:ph type="ctrTitle"/>
-          </p:nvPr>
-        </p:nvSpPr>
-        <p:spPr>
-          <a:xfrm>
-            <a:off x="1128386" y="415731"/>
-            <a:ext cx="9935227" cy="718459"/>
-          </a:xfrm>
-        </p:spPr>
-        <p:txBody>
-          <a:bodyPr>
-            <a:noAutofit/>
-          </a:bodyPr>
-          <a:lstStyle/>
-          <a:p>
-            <a:r>
-              <a:rPr lang="en-US" sz="5000" b="1" dirty="0"/>
-              <a:t>Inferential statistics</a:t>
-            </a:r>
-            <a:endParaRPr lang="en-PH" sz="5000" b="1" dirty="0"/>
-          </a:p>
-        </p:txBody>
-      </p:sp>
-      <p:sp>
-        <p:nvSpPr>
           <p:cNvPr id="39" name="Footer Placeholder 3">
             <a:extLst>
               <a:ext uri="{FF2B5EF4-FFF2-40B4-BE49-F238E27FC236}">
@@ -12800,66 +8476,53 @@
           </a:p>
         </p:txBody>
       </p:sp>
-      <p:sp>
-        <p:nvSpPr>
-          <p:cNvPr id="4" name="TextBox 3">
-            <a:extLst>
-              <a:ext uri="{FF2B5EF4-FFF2-40B4-BE49-F238E27FC236}">
-                <a16:creationId xmlns:a16="http://schemas.microsoft.com/office/drawing/2014/main" id="{4203C0C4-7C82-D208-A8B3-1AE6E9099A3C}"/>
-              </a:ext>
-            </a:extLst>
-          </p:cNvPr>
-          <p:cNvSpPr txBox="1"/>
+      <p:pic>
+        <p:nvPicPr>
+          <p:cNvPr id="3" name="Picture 2" descr="A poster of a group of people playing music&#10;&#10;Description automatically generated with medium confidence">
+            <a:extLst>
+              <a:ext uri="{FF2B5EF4-FFF2-40B4-BE49-F238E27FC236}">
+                <a16:creationId xmlns:a16="http://schemas.microsoft.com/office/drawing/2014/main" id="{A2DF7275-E609-E593-DCE6-8831671226FB}"/>
+              </a:ext>
+            </a:extLst>
+          </p:cNvPr>
+          <p:cNvPicPr>
+            <a:picLocks noChangeAspect="1"/>
+          </p:cNvPicPr>
           <p:nvPr/>
-        </p:nvSpPr>
+        </p:nvPicPr>
+        <p:blipFill>
+          <a:blip r:embed="rId4">
+            <a:extLst>
+              <a:ext uri="{28A0092B-C50C-407E-A947-70E740481C1C}">
+                <a14:useLocalDpi xmlns:a14="http://schemas.microsoft.com/office/drawing/2010/main" val="0"/>
+              </a:ext>
+            </a:extLst>
+          </a:blip>
+          <a:stretch>
+            <a:fillRect/>
+          </a:stretch>
+        </p:blipFill>
         <p:spPr>
           <a:xfrm>
-            <a:off x="639918" y="1354768"/>
-            <a:ext cx="10912162" cy="2400657"/>
+            <a:off x="1812780" y="321706"/>
+            <a:ext cx="8566439" cy="5710959"/>
           </a:xfrm>
           <a:prstGeom prst="rect">
             <a:avLst/>
           </a:prstGeom>
-          <a:noFill/>
+          <a:effectLst>
+            <a:outerShdw blurRad="50800" dist="38100" dir="2700000" algn="tl" rotWithShape="0">
+              <a:prstClr val="black">
+                <a:alpha val="40000"/>
+              </a:prstClr>
+            </a:outerShdw>
+          </a:effectLst>
         </p:spPr>
-        <p:txBody>
-          <a:bodyPr wrap="square" rtlCol="0">
-            <a:spAutoFit/>
-          </a:bodyPr>
-          <a:lstStyle/>
-          <a:p>
-            <a:pPr marL="457200" indent="-457200" algn="l">
-              <a:buFont typeface="Wingdings" panose="05000000000000000000" pitchFamily="2" charset="2"/>
-              <a:buChar char="q"/>
-            </a:pPr>
-            <a:r>
-              <a:rPr lang="en-US" sz="3000" dirty="0"/>
-              <a:t>Making estimates about populations (for example, the mean SAT score of all 11th graders in the US).</a:t>
-            </a:r>
-          </a:p>
-          <a:p>
-            <a:pPr marL="457200" indent="-457200" algn="l">
-              <a:buFont typeface="Wingdings" panose="05000000000000000000" pitchFamily="2" charset="2"/>
-              <a:buChar char="q"/>
-            </a:pPr>
-            <a:endParaRPr lang="en-US" sz="3000" dirty="0"/>
-          </a:p>
-          <a:p>
-            <a:pPr marL="457200" indent="-457200" algn="l">
-              <a:buFont typeface="Wingdings" panose="05000000000000000000" pitchFamily="2" charset="2"/>
-              <a:buChar char="q"/>
-            </a:pPr>
-            <a:r>
-              <a:rPr lang="en-US" sz="3000" dirty="0"/>
-              <a:t>Testing hypotheses to draw conclusions about populations (for example, the relationship between SAT scores and family income).</a:t>
-            </a:r>
-          </a:p>
-        </p:txBody>
-      </p:sp>
+      </p:pic>
     </p:spTree>
     <p:extLst>
       <p:ext uri="{BB962C8B-B14F-4D97-AF65-F5344CB8AC3E}">
-        <p14:creationId xmlns:p14="http://schemas.microsoft.com/office/powerpoint/2010/main" val="1845687936"/>
+        <p14:creationId xmlns:p14="http://schemas.microsoft.com/office/powerpoint/2010/main" val="3265896283"/>
       </p:ext>
     </p:extLst>
   </p:cSld>
@@ -12975,6 +8638,42 @@
       </p:sp>
       <p:sp>
         <p:nvSpPr>
+          <p:cNvPr id="38" name="Title 1">
+            <a:extLst>
+              <a:ext uri="{FF2B5EF4-FFF2-40B4-BE49-F238E27FC236}">
+                <a16:creationId xmlns:a16="http://schemas.microsoft.com/office/drawing/2014/main" id="{85194D96-4E26-6A5A-5AB5-02AFD53E7543}"/>
+              </a:ext>
+            </a:extLst>
+          </p:cNvPr>
+          <p:cNvSpPr>
+            <a:spLocks noGrp="1"/>
+          </p:cNvSpPr>
+          <p:nvPr>
+            <p:ph type="ctrTitle"/>
+          </p:nvPr>
+        </p:nvSpPr>
+        <p:spPr>
+          <a:xfrm>
+            <a:off x="1128386" y="415731"/>
+            <a:ext cx="9935227" cy="718459"/>
+          </a:xfrm>
+        </p:spPr>
+        <p:txBody>
+          <a:bodyPr>
+            <a:noAutofit/>
+          </a:bodyPr>
+          <a:lstStyle/>
+          <a:p>
+            <a:r>
+              <a:rPr lang="en-US" sz="5000" b="1" dirty="0"/>
+              <a:t>Alternative Hypothesis</a:t>
+            </a:r>
+            <a:endParaRPr lang="en-PH" sz="5000" b="1" dirty="0"/>
+          </a:p>
+        </p:txBody>
+      </p:sp>
+      <p:sp>
+        <p:nvSpPr>
           <p:cNvPr id="39" name="Footer Placeholder 3">
             <a:extLst>
               <a:ext uri="{FF2B5EF4-FFF2-40B4-BE49-F238E27FC236}">
@@ -13015,263 +8714,162 @@
           </a:p>
         </p:txBody>
       </p:sp>
-      <p:sp>
-        <p:nvSpPr>
-          <p:cNvPr id="2" name="Title 1">
-            <a:extLst>
-              <a:ext uri="{FF2B5EF4-FFF2-40B4-BE49-F238E27FC236}">
-                <a16:creationId xmlns:a16="http://schemas.microsoft.com/office/drawing/2014/main" id="{79EF1114-32BB-A28C-0B44-90073AA32F6C}"/>
-              </a:ext>
-            </a:extLst>
-          </p:cNvPr>
-          <p:cNvSpPr txBox="1">
-            <a:spLocks/>
-          </p:cNvSpPr>
-          <p:nvPr/>
-        </p:nvSpPr>
-        <p:spPr>
-          <a:xfrm>
-            <a:off x="459205" y="1283707"/>
-            <a:ext cx="11273589" cy="4290585"/>
-          </a:xfrm>
-          <a:prstGeom prst="rect">
-            <a:avLst/>
-          </a:prstGeom>
-        </p:spPr>
-        <p:txBody>
-          <a:bodyPr vert="horz" lIns="91440" tIns="45720" rIns="91440" bIns="45720" rtlCol="0" anchor="b">
-            <a:normAutofit fontScale="97500"/>
-          </a:bodyPr>
-          <a:lstStyle>
-            <a:lvl1pPr algn="ctr" defTabSz="914400" rtl="0" eaLnBrk="1" latinLnBrk="0" hangingPunct="1">
-              <a:lnSpc>
-                <a:spcPct val="90000"/>
-              </a:lnSpc>
-              <a:spcBef>
-                <a:spcPct val="0"/>
-              </a:spcBef>
-              <a:buNone/>
-              <a:defRPr sz="6000" kern="1200">
-                <a:solidFill>
-                  <a:schemeClr val="tx1"/>
-                </a:solidFill>
-                <a:latin typeface="+mj-lt"/>
-                <a:ea typeface="+mj-ea"/>
-                <a:cs typeface="+mj-cs"/>
-              </a:defRPr>
-            </a:lvl1pPr>
-          </a:lstStyle>
-          <a:p>
-            <a:pPr algn="l"/>
-            <a:endParaRPr lang="en-US" sz="2900" b="1" i="0" dirty="0">
-              <a:solidFill>
-                <a:srgbClr val="252C33"/>
-              </a:solidFill>
-              <a:effectLst/>
-              <a:latin typeface="Calibri Light (Headings)"/>
-            </a:endParaRPr>
-          </a:p>
-          <a:p>
-            <a:pPr marL="457200" indent="-457200" algn="l">
-              <a:buFont typeface="Wingdings" pitchFamily="2" charset="2"/>
-              <a:buChar char="Ø"/>
-            </a:pPr>
-            <a:r>
-              <a:rPr lang="en-US" sz="2900" b="1" dirty="0">
-                <a:latin typeface="Calibri Light (Headings)"/>
-              </a:rPr>
-              <a:t>What is Inferential Statistics?</a:t>
-            </a:r>
-          </a:p>
-          <a:p>
-            <a:pPr algn="l"/>
-            <a:endParaRPr lang="en-US" sz="2900" b="1" i="0" dirty="0">
-              <a:solidFill>
-                <a:schemeClr val="tx1">
-                  <a:lumMod val="50000"/>
-                  <a:lumOff val="50000"/>
-                </a:schemeClr>
-              </a:solidFill>
-              <a:effectLst/>
-              <a:latin typeface="Calibri Light (Headings)"/>
-            </a:endParaRPr>
-          </a:p>
-          <a:p>
-            <a:pPr marL="457200" indent="-457200" algn="l">
-              <a:buFont typeface="Wingdings" pitchFamily="2" charset="2"/>
-              <a:buChar char="Ø"/>
-            </a:pPr>
-            <a:r>
-              <a:rPr lang="en-US" sz="2900" b="1" i="0" dirty="0">
-                <a:solidFill>
-                  <a:schemeClr val="tx1">
-                    <a:lumMod val="50000"/>
-                    <a:lumOff val="50000"/>
-                  </a:schemeClr>
-                </a:solidFill>
-                <a:effectLst/>
-                <a:latin typeface="Calibri Light (Headings)"/>
-              </a:rPr>
-              <a:t>Example of Inferential Statistics</a:t>
-            </a:r>
-          </a:p>
-          <a:p>
-            <a:pPr marL="457200" indent="-457200" algn="l">
-              <a:buFont typeface="Wingdings" pitchFamily="2" charset="2"/>
-              <a:buChar char="Ø"/>
-            </a:pPr>
-            <a:endParaRPr lang="en-US" sz="2900" b="1" dirty="0">
-              <a:solidFill>
-                <a:schemeClr val="tx1">
-                  <a:lumMod val="50000"/>
-                  <a:lumOff val="50000"/>
-                </a:schemeClr>
-              </a:solidFill>
-              <a:latin typeface="Calibri Light (Headings)"/>
-            </a:endParaRPr>
-          </a:p>
-          <a:p>
-            <a:pPr marL="457200" indent="-457200" algn="l">
-              <a:buFont typeface="Wingdings" pitchFamily="2" charset="2"/>
-              <a:buChar char="Ø"/>
-            </a:pPr>
-            <a:r>
-              <a:rPr lang="en-US" sz="2900" b="1" dirty="0">
-                <a:solidFill>
-                  <a:schemeClr val="tx1">
-                    <a:lumMod val="50000"/>
-                    <a:lumOff val="50000"/>
-                  </a:schemeClr>
-                </a:solidFill>
-                <a:latin typeface="Calibri Light (Headings)"/>
-              </a:rPr>
-              <a:t>Types of Inferential Statistics</a:t>
-            </a:r>
-          </a:p>
-          <a:p>
-            <a:pPr marL="457200" indent="-457200" algn="l">
-              <a:buFont typeface="Wingdings" pitchFamily="2" charset="2"/>
-              <a:buChar char="Ø"/>
-            </a:pPr>
-            <a:endParaRPr lang="en-US" sz="2900" b="1" i="0" dirty="0">
-              <a:solidFill>
-                <a:schemeClr val="tx1">
-                  <a:lumMod val="50000"/>
-                  <a:lumOff val="50000"/>
-                </a:schemeClr>
-              </a:solidFill>
-              <a:effectLst/>
-              <a:latin typeface="Calibri Light (Headings)"/>
-            </a:endParaRPr>
-          </a:p>
-          <a:p>
-            <a:pPr algn="l"/>
-            <a:endParaRPr lang="en-US" sz="2900" b="1" dirty="0">
-              <a:solidFill>
-                <a:schemeClr val="tx1">
-                  <a:lumMod val="50000"/>
-                  <a:lumOff val="50000"/>
-                </a:schemeClr>
-              </a:solidFill>
-              <a:latin typeface="Calibri Light (Headings)"/>
-            </a:endParaRPr>
-          </a:p>
-          <a:p>
-            <a:pPr marL="457200" indent="-457200" algn="l">
-              <a:buFont typeface="Wingdings" pitchFamily="2" charset="2"/>
-              <a:buChar char="Ø"/>
-            </a:pPr>
-            <a:endParaRPr lang="en-US" sz="2500" b="1" dirty="0">
-              <a:solidFill>
-                <a:schemeClr val="tx1">
-                  <a:lumMod val="50000"/>
-                  <a:lumOff val="50000"/>
-                </a:schemeClr>
-              </a:solidFill>
-              <a:latin typeface="Calibri Light (Headings)"/>
-            </a:endParaRPr>
-          </a:p>
-          <a:p>
-            <a:pPr algn="l"/>
-            <a:endParaRPr lang="en-US" sz="2900" b="1" dirty="0">
-              <a:solidFill>
-                <a:schemeClr val="tx1">
-                  <a:lumMod val="50000"/>
-                  <a:lumOff val="50000"/>
-                </a:schemeClr>
-              </a:solidFill>
-              <a:latin typeface="Calibri Light (Headings)"/>
-            </a:endParaRPr>
-          </a:p>
-          <a:p>
-            <a:pPr algn="l"/>
-            <a:endParaRPr lang="en-US" sz="2900" b="1" dirty="0">
-              <a:solidFill>
-                <a:schemeClr val="tx1">
-                  <a:lumMod val="50000"/>
-                  <a:lumOff val="50000"/>
-                </a:schemeClr>
-              </a:solidFill>
-              <a:latin typeface="Calibri Light (Headings)"/>
-            </a:endParaRPr>
-          </a:p>
-          <a:p>
-            <a:pPr algn="l"/>
-            <a:endParaRPr lang="en-US" sz="2900" b="1" dirty="0">
-              <a:solidFill>
-                <a:schemeClr val="tx1">
-                  <a:lumMod val="50000"/>
-                  <a:lumOff val="50000"/>
-                </a:schemeClr>
-              </a:solidFill>
-              <a:latin typeface="Calibri Light (Headings)"/>
-            </a:endParaRPr>
-          </a:p>
-        </p:txBody>
-      </p:sp>
-      <p:pic>
-        <p:nvPicPr>
-          <p:cNvPr id="3" name="Graphic 2" descr="Checkmark with solid fill">
-            <a:extLst>
-              <a:ext uri="{FF2B5EF4-FFF2-40B4-BE49-F238E27FC236}">
-                <a16:creationId xmlns:a16="http://schemas.microsoft.com/office/drawing/2014/main" id="{FC9A62D3-977A-6BA6-3980-029605A0A182}"/>
-              </a:ext>
-            </a:extLst>
-          </p:cNvPr>
-          <p:cNvPicPr>
-            <a:picLocks noChangeAspect="1"/>
-          </p:cNvPicPr>
-          <p:nvPr/>
-        </p:nvPicPr>
-        <p:blipFill>
-          <a:blip r:embed="rId4">
-            <a:extLst>
-              <a:ext uri="{28A0092B-C50C-407E-A947-70E740481C1C}">
-                <a14:useLocalDpi xmlns:a14="http://schemas.microsoft.com/office/drawing/2010/main" val="0"/>
-              </a:ext>
-              <a:ext uri="{96DAC541-7B7A-43D3-8B79-37D633B846F1}">
-                <asvg:svgBlip xmlns:asvg="http://schemas.microsoft.com/office/drawing/2016/SVG/main" r:embed="rId5"/>
-              </a:ext>
-            </a:extLst>
-          </a:blip>
-          <a:stretch>
-            <a:fillRect/>
-          </a:stretch>
-        </p:blipFill>
-        <p:spPr>
-          <a:xfrm>
-            <a:off x="5426818" y="1179781"/>
-            <a:ext cx="673335" cy="673335"/>
-          </a:xfrm>
-          <a:prstGeom prst="rect">
-            <a:avLst/>
-          </a:prstGeom>
-        </p:spPr>
-      </p:pic>
+      <mc:AlternateContent xmlns:mc="http://schemas.openxmlformats.org/markup-compatibility/2006">
+        <mc:Choice xmlns:a14="http://schemas.microsoft.com/office/drawing/2010/main" Requires="a14">
+          <p:sp>
+            <p:nvSpPr>
+              <p:cNvPr id="4" name="TextBox 3">
+                <a:extLst>
+                  <a:ext uri="{FF2B5EF4-FFF2-40B4-BE49-F238E27FC236}">
+                    <a16:creationId xmlns:a16="http://schemas.microsoft.com/office/drawing/2014/main" id="{4203C0C4-7C82-D208-A8B3-1AE6E9099A3C}"/>
+                  </a:ext>
+                </a:extLst>
+              </p:cNvPr>
+              <p:cNvSpPr txBox="1"/>
+              <p:nvPr/>
+            </p:nvSpPr>
+            <p:spPr>
+              <a:xfrm>
+                <a:off x="639918" y="1354768"/>
+                <a:ext cx="11140404" cy="2862322"/>
+              </a:xfrm>
+              <a:prstGeom prst="rect">
+                <a:avLst/>
+              </a:prstGeom>
+              <a:noFill/>
+            </p:spPr>
+            <p:txBody>
+              <a:bodyPr wrap="square" rtlCol="0">
+                <a:spAutoFit/>
+              </a:bodyPr>
+              <a:lstStyle/>
+              <a:p>
+                <a:r>
+                  <a:rPr lang="en-US" sz="3000" dirty="0"/>
+                  <a:t>The opposite of a null hypothesis is called the </a:t>
+                </a:r>
+                <a:r>
+                  <a:rPr lang="en-US" sz="3000" b="1" dirty="0">
+                    <a:solidFill>
+                      <a:srgbClr val="FF0000"/>
+                    </a:solidFill>
+                  </a:rPr>
+                  <a:t>alternative hypothesis</a:t>
+                </a:r>
+                <a:r>
+                  <a:rPr lang="en-US" sz="3000" dirty="0"/>
+                  <a:t>. </a:t>
+                </a:r>
+              </a:p>
+              <a:p>
+                <a:endParaRPr lang="en-US" sz="3000" dirty="0"/>
+              </a:p>
+              <a:p>
+                <a:r>
+                  <a:rPr lang="en-US" sz="3000" dirty="0"/>
+                  <a:t>The alternative hypothesis is the claim that researchers are actually trying to prove is true. </a:t>
+                </a:r>
+              </a:p>
+              <a:p>
+                <a:endParaRPr lang="en-US" sz="3000" dirty="0"/>
+              </a:p>
+              <a:p>
+                <a:r>
+                  <a:rPr lang="en-US" sz="3000" dirty="0"/>
+                  <a:t>The notation that is typically used for the alternative hypothesis is </a:t>
+                </a:r>
+                <a14:m>
+                  <m:oMath xmlns:m="http://schemas.openxmlformats.org/officeDocument/2006/math">
+                    <m:sSub>
+                      <m:sSubPr>
+                        <m:ctrlPr>
+                          <a:rPr lang="en-US" sz="3000" b="1" i="1" smtClean="0">
+                            <a:solidFill>
+                              <a:srgbClr val="FF0000"/>
+                            </a:solidFill>
+                            <a:latin typeface="Cambria Math" panose="02040503050406030204" pitchFamily="18" charset="0"/>
+                          </a:rPr>
+                        </m:ctrlPr>
+                      </m:sSubPr>
+                      <m:e>
+                        <m:r>
+                          <a:rPr lang="en-US" sz="3000" b="1" i="1" smtClean="0">
+                            <a:solidFill>
+                              <a:srgbClr val="FF0000"/>
+                            </a:solidFill>
+                            <a:latin typeface="Cambria Math" panose="02040503050406030204" pitchFamily="18" charset="0"/>
+                          </a:rPr>
+                          <m:t>𝑯</m:t>
+                        </m:r>
+                      </m:e>
+                      <m:sub>
+                        <m:r>
+                          <a:rPr lang="en-US" sz="3000" b="1" i="1" smtClean="0">
+                            <a:solidFill>
+                              <a:srgbClr val="FF0000"/>
+                            </a:solidFill>
+                            <a:latin typeface="Cambria Math" panose="02040503050406030204" pitchFamily="18" charset="0"/>
+                          </a:rPr>
+                          <m:t>𝒂</m:t>
+                        </m:r>
+                      </m:sub>
+                    </m:sSub>
+                  </m:oMath>
+                </a14:m>
+                <a:endParaRPr lang="en-PH" sz="3000" dirty="0"/>
+              </a:p>
+            </p:txBody>
+          </p:sp>
+        </mc:Choice>
+        <mc:Fallback>
+          <p:sp>
+            <p:nvSpPr>
+              <p:cNvPr id="4" name="TextBox 3">
+                <a:extLst>
+                  <a:ext uri="{FF2B5EF4-FFF2-40B4-BE49-F238E27FC236}">
+                    <a16:creationId xmlns:a16="http://schemas.microsoft.com/office/drawing/2014/main" id="{4203C0C4-7C82-D208-A8B3-1AE6E9099A3C}"/>
+                  </a:ext>
+                </a:extLst>
+              </p:cNvPr>
+              <p:cNvSpPr txBox="1">
+                <a:spLocks noRot="1" noChangeAspect="1" noMove="1" noResize="1" noEditPoints="1" noAdjustHandles="1" noChangeArrowheads="1" noChangeShapeType="1" noTextEdit="1"/>
+              </p:cNvSpPr>
+              <p:nvPr/>
+            </p:nvSpPr>
+            <p:spPr>
+              <a:xfrm>
+                <a:off x="639918" y="1354768"/>
+                <a:ext cx="11140404" cy="2862322"/>
+              </a:xfrm>
+              <a:prstGeom prst="rect">
+                <a:avLst/>
+              </a:prstGeom>
+              <a:blipFill>
+                <a:blip r:embed="rId4"/>
+                <a:stretch>
+                  <a:fillRect l="-1314" t="-2553" b="-5745"/>
+                </a:stretch>
+              </a:blipFill>
+            </p:spPr>
+            <p:txBody>
+              <a:bodyPr/>
+              <a:lstStyle/>
+              <a:p>
+                <a:r>
+                  <a:rPr lang="en-PH">
+                    <a:noFill/>
+                  </a:rPr>
+                  <a:t> </a:t>
+                </a:r>
+              </a:p>
+            </p:txBody>
+          </p:sp>
+        </mc:Fallback>
+      </mc:AlternateContent>
     </p:spTree>
     <p:extLst>
       <p:ext uri="{BB962C8B-B14F-4D97-AF65-F5344CB8AC3E}">
-        <p14:creationId xmlns:p14="http://schemas.microsoft.com/office/powerpoint/2010/main" val="3806726407"/>
+        <p14:creationId xmlns:p14="http://schemas.microsoft.com/office/powerpoint/2010/main" val="1507725930"/>
       </p:ext>
     </p:extLst>
   </p:cSld>
@@ -13872,21 +9470,6 @@
 </file>
 
 <file path=customXml/item1.xml><?xml version="1.0" encoding="utf-8"?>
-<p:properties xmlns:p="http://schemas.microsoft.com/office/2006/metadata/properties" xmlns:xsi="http://www.w3.org/2001/XMLSchema-instance" xmlns:pc="http://schemas.microsoft.com/office/infopath/2007/PartnerControls">
-  <documentManagement/>
-</p:properties>
-</file>
-
-<file path=customXml/item2.xml><?xml version="1.0" encoding="utf-8"?>
-<?mso-contentType ?>
-<FormTemplates xmlns="http://schemas.microsoft.com/sharepoint/v3/contenttype/forms">
-  <Display>DocumentLibraryForm</Display>
-  <Edit>DocumentLibraryForm</Edit>
-  <New>DocumentLibraryForm</New>
-</FormTemplates>
-</file>
-
-<file path=customXml/item3.xml><?xml version="1.0" encoding="utf-8"?>
 <ct:contentTypeSchema xmlns:ct="http://schemas.microsoft.com/office/2006/metadata/contentType" xmlns:ma="http://schemas.microsoft.com/office/2006/metadata/properties/metaAttributes" ct:_="" ma:_="" ma:contentTypeName="Document" ma:contentTypeID="0x0101007188BDCA587B344BBA6CB1A93FAE6998" ma:contentTypeVersion="2" ma:contentTypeDescription="Create a new document." ma:contentTypeScope="" ma:versionID="7a8e4b6720badb2566a0cfeddfaf2856">
   <xsd:schema xmlns:xsd="http://www.w3.org/2001/XMLSchema" xmlns:xs="http://www.w3.org/2001/XMLSchema" xmlns:p="http://schemas.microsoft.com/office/2006/metadata/properties" xmlns:ns2="ba111d12-426d-4af0-bcb6-460e36974645" targetNamespace="http://schemas.microsoft.com/office/2006/metadata/properties" ma:root="true" ma:fieldsID="989b05398519136c88ba0a8d54e3c3da" ns2:_="">
     <xsd:import namespace="ba111d12-426d-4af0-bcb6-460e36974645"/>
@@ -14018,24 +9601,22 @@
 </ct:contentTypeSchema>
 </file>
 
-<file path=customXml/itemProps1.xml><?xml version="1.0" encoding="utf-8"?>
-<ds:datastoreItem xmlns:ds="http://schemas.openxmlformats.org/officeDocument/2006/customXml" ds:itemID="{EA3362E2-FA54-4262-AE94-2FA98FF8142D}">
-  <ds:schemaRefs>
-    <ds:schemaRef ds:uri="http://schemas.microsoft.com/office/2006/metadata/properties"/>
-    <ds:schemaRef ds:uri="http://schemas.microsoft.com/office/infopath/2007/PartnerControls"/>
-  </ds:schemaRefs>
-</ds:datastoreItem>
+<file path=customXml/item2.xml><?xml version="1.0" encoding="utf-8"?>
+<?mso-contentType ?>
+<FormTemplates xmlns="http://schemas.microsoft.com/sharepoint/v3/contenttype/forms">
+  <Display>DocumentLibraryForm</Display>
+  <Edit>DocumentLibraryForm</Edit>
+  <New>DocumentLibraryForm</New>
+</FormTemplates>
 </file>
 
-<file path=customXml/itemProps2.xml><?xml version="1.0" encoding="utf-8"?>
-<ds:datastoreItem xmlns:ds="http://schemas.openxmlformats.org/officeDocument/2006/customXml" ds:itemID="{651370AF-26B9-4AFA-BA9D-5D4A7E1A6722}">
-  <ds:schemaRefs>
-    <ds:schemaRef ds:uri="http://schemas.microsoft.com/sharepoint/v3/contenttype/forms"/>
-  </ds:schemaRefs>
-</ds:datastoreItem>
+<file path=customXml/item3.xml><?xml version="1.0" encoding="utf-8"?>
+<p:properties xmlns:p="http://schemas.microsoft.com/office/2006/metadata/properties" xmlns:xsi="http://www.w3.org/2001/XMLSchema-instance" xmlns:pc="http://schemas.microsoft.com/office/infopath/2007/PartnerControls">
+  <documentManagement/>
+</p:properties>
 </file>
 
-<file path=customXml/itemProps3.xml><?xml version="1.0" encoding="utf-8"?>
+<file path=customXml/itemProps1.xml><?xml version="1.0" encoding="utf-8"?>
 <ds:datastoreItem xmlns:ds="http://schemas.openxmlformats.org/officeDocument/2006/customXml" ds:itemID="{3D61E20B-708A-4719-8C02-DA91A478A7AB}">
   <ds:schemaRefs>
     <ds:schemaRef ds:uri="http://schemas.microsoft.com/office/2006/metadata/contentType"/>
@@ -14051,4 +9632,21 @@
     <ds:schemaRef ds:uri="http://schemas.microsoft.com/internal/obd"/>
   </ds:schemaRefs>
 </ds:datastoreItem>
+</file>
+
+<file path=customXml/itemProps2.xml><?xml version="1.0" encoding="utf-8"?>
+<ds:datastoreItem xmlns:ds="http://schemas.openxmlformats.org/officeDocument/2006/customXml" ds:itemID="{651370AF-26B9-4AFA-BA9D-5D4A7E1A6722}">
+  <ds:schemaRefs>
+    <ds:schemaRef ds:uri="http://schemas.microsoft.com/sharepoint/v3/contenttype/forms"/>
+  </ds:schemaRefs>
+</ds:datastoreItem>
+</file>
+
+<file path=customXml/itemProps3.xml><?xml version="1.0" encoding="utf-8"?>
+<ds:datastoreItem xmlns:ds="http://schemas.openxmlformats.org/officeDocument/2006/customXml" ds:itemID="{EA3362E2-FA54-4262-AE94-2FA98FF8142D}">
+  <ds:schemaRefs>
+    <ds:schemaRef ds:uri="http://schemas.microsoft.com/office/2006/metadata/properties"/>
+    <ds:schemaRef ds:uri="http://schemas.microsoft.com/office/infopath/2007/PartnerControls"/>
+  </ds:schemaRefs>
+</ds:datastoreItem>
 </file>
--- a/week 10/Test of Significance.pptx
+++ b/week 10/Test of Significance.pptx
@@ -5,7 +5,7 @@
     <p:sldMasterId id="2147483648" r:id="rId4"/>
   </p:sldMasterIdLst>
   <p:notesMasterIdLst>
-    <p:notesMasterId r:id="rId19"/>
+    <p:notesMasterId r:id="rId24"/>
   </p:notesMasterIdLst>
   <p:sldIdLst>
     <p:sldId id="257" r:id="rId5"/>
@@ -22,6 +22,11 @@
     <p:sldId id="334" r:id="rId16"/>
     <p:sldId id="338" r:id="rId17"/>
     <p:sldId id="331" r:id="rId18"/>
+    <p:sldId id="340" r:id="rId19"/>
+    <p:sldId id="341" r:id="rId20"/>
+    <p:sldId id="342" r:id="rId21"/>
+    <p:sldId id="343" r:id="rId22"/>
+    <p:sldId id="344" r:id="rId23"/>
   </p:sldIdLst>
   <p:sldSz cx="12192000" cy="6858000"/>
   <p:notesSz cx="6858000" cy="9144000"/>
@@ -218,7 +223,7 @@
           <a:p>
             <a:fld id="{F666E1FD-E7A0-497B-BBC0-740BAAC97C64}" type="datetimeFigureOut">
               <a:rPr lang="en-PH" smtClean="0"/>
-              <a:t>23/10/2023</a:t>
+              <a:t>10/24/23</a:t>
             </a:fld>
             <a:endParaRPr lang="en-PH"/>
           </a:p>
@@ -990,6 +995,426 @@
 </p:notes>
 </file>
 
+<file path=ppt/notesSlides/notesSlide15.xml><?xml version="1.0" encoding="utf-8"?>
+<p:notes xmlns:a="http://schemas.openxmlformats.org/drawingml/2006/main" xmlns:r="http://schemas.openxmlformats.org/officeDocument/2006/relationships" xmlns:p="http://schemas.openxmlformats.org/presentationml/2006/main">
+  <p:cSld>
+    <p:spTree>
+      <p:nvGrpSpPr>
+        <p:cNvPr id="1" name=""/>
+        <p:cNvGrpSpPr/>
+        <p:nvPr/>
+      </p:nvGrpSpPr>
+      <p:grpSpPr>
+        <a:xfrm>
+          <a:off x="0" y="0"/>
+          <a:ext cx="0" cy="0"/>
+          <a:chOff x="0" y="0"/>
+          <a:chExt cx="0" cy="0"/>
+        </a:xfrm>
+      </p:grpSpPr>
+      <p:sp>
+        <p:nvSpPr>
+          <p:cNvPr id="2" name="Slide Image Placeholder 1"/>
+          <p:cNvSpPr>
+            <a:spLocks noGrp="1" noRot="1" noChangeAspect="1"/>
+          </p:cNvSpPr>
+          <p:nvPr>
+            <p:ph type="sldImg"/>
+          </p:nvPr>
+        </p:nvSpPr>
+        <p:spPr/>
+      </p:sp>
+      <p:sp>
+        <p:nvSpPr>
+          <p:cNvPr id="3" name="Notes Placeholder 2"/>
+          <p:cNvSpPr>
+            <a:spLocks noGrp="1"/>
+          </p:cNvSpPr>
+          <p:nvPr>
+            <p:ph type="body" idx="1"/>
+          </p:nvPr>
+        </p:nvSpPr>
+        <p:spPr/>
+        <p:txBody>
+          <a:bodyPr/>
+          <a:lstStyle/>
+          <a:p>
+            <a:endParaRPr lang="en-PH" dirty="0"/>
+          </a:p>
+        </p:txBody>
+      </p:sp>
+      <p:sp>
+        <p:nvSpPr>
+          <p:cNvPr id="4" name="Slide Number Placeholder 3"/>
+          <p:cNvSpPr>
+            <a:spLocks noGrp="1"/>
+          </p:cNvSpPr>
+          <p:nvPr>
+            <p:ph type="sldNum" sz="quarter" idx="5"/>
+          </p:nvPr>
+        </p:nvSpPr>
+        <p:spPr/>
+        <p:txBody>
+          <a:bodyPr/>
+          <a:lstStyle/>
+          <a:p>
+            <a:fld id="{FE90CCE9-4AAE-4E1F-85AD-521A406D6524}" type="slidenum">
+              <a:rPr lang="en-PH" smtClean="0"/>
+              <a:t>15</a:t>
+            </a:fld>
+            <a:endParaRPr lang="en-PH"/>
+          </a:p>
+        </p:txBody>
+      </p:sp>
+    </p:spTree>
+    <p:extLst>
+      <p:ext uri="{BB962C8B-B14F-4D97-AF65-F5344CB8AC3E}">
+        <p14:creationId xmlns:p14="http://schemas.microsoft.com/office/powerpoint/2010/main" val="1596897193"/>
+      </p:ext>
+    </p:extLst>
+  </p:cSld>
+  <p:clrMapOvr>
+    <a:masterClrMapping/>
+  </p:clrMapOvr>
+</p:notes>
+</file>
+
+<file path=ppt/notesSlides/notesSlide16.xml><?xml version="1.0" encoding="utf-8"?>
+<p:notes xmlns:a="http://schemas.openxmlformats.org/drawingml/2006/main" xmlns:r="http://schemas.openxmlformats.org/officeDocument/2006/relationships" xmlns:p="http://schemas.openxmlformats.org/presentationml/2006/main">
+  <p:cSld>
+    <p:spTree>
+      <p:nvGrpSpPr>
+        <p:cNvPr id="1" name=""/>
+        <p:cNvGrpSpPr/>
+        <p:nvPr/>
+      </p:nvGrpSpPr>
+      <p:grpSpPr>
+        <a:xfrm>
+          <a:off x="0" y="0"/>
+          <a:ext cx="0" cy="0"/>
+          <a:chOff x="0" y="0"/>
+          <a:chExt cx="0" cy="0"/>
+        </a:xfrm>
+      </p:grpSpPr>
+      <p:sp>
+        <p:nvSpPr>
+          <p:cNvPr id="2" name="Slide Image Placeholder 1"/>
+          <p:cNvSpPr>
+            <a:spLocks noGrp="1" noRot="1" noChangeAspect="1"/>
+          </p:cNvSpPr>
+          <p:nvPr>
+            <p:ph type="sldImg"/>
+          </p:nvPr>
+        </p:nvSpPr>
+        <p:spPr/>
+      </p:sp>
+      <p:sp>
+        <p:nvSpPr>
+          <p:cNvPr id="3" name="Notes Placeholder 2"/>
+          <p:cNvSpPr>
+            <a:spLocks noGrp="1"/>
+          </p:cNvSpPr>
+          <p:nvPr>
+            <p:ph type="body" idx="1"/>
+          </p:nvPr>
+        </p:nvSpPr>
+        <p:spPr/>
+        <p:txBody>
+          <a:bodyPr/>
+          <a:lstStyle/>
+          <a:p>
+            <a:endParaRPr lang="en-PH" dirty="0"/>
+          </a:p>
+        </p:txBody>
+      </p:sp>
+      <p:sp>
+        <p:nvSpPr>
+          <p:cNvPr id="4" name="Slide Number Placeholder 3"/>
+          <p:cNvSpPr>
+            <a:spLocks noGrp="1"/>
+          </p:cNvSpPr>
+          <p:nvPr>
+            <p:ph type="sldNum" sz="quarter" idx="5"/>
+          </p:nvPr>
+        </p:nvSpPr>
+        <p:spPr/>
+        <p:txBody>
+          <a:bodyPr/>
+          <a:lstStyle/>
+          <a:p>
+            <a:fld id="{FE90CCE9-4AAE-4E1F-85AD-521A406D6524}" type="slidenum">
+              <a:rPr lang="en-PH" smtClean="0"/>
+              <a:t>16</a:t>
+            </a:fld>
+            <a:endParaRPr lang="en-PH"/>
+          </a:p>
+        </p:txBody>
+      </p:sp>
+    </p:spTree>
+    <p:extLst>
+      <p:ext uri="{BB962C8B-B14F-4D97-AF65-F5344CB8AC3E}">
+        <p14:creationId xmlns:p14="http://schemas.microsoft.com/office/powerpoint/2010/main" val="836921790"/>
+      </p:ext>
+    </p:extLst>
+  </p:cSld>
+  <p:clrMapOvr>
+    <a:masterClrMapping/>
+  </p:clrMapOvr>
+</p:notes>
+</file>
+
+<file path=ppt/notesSlides/notesSlide17.xml><?xml version="1.0" encoding="utf-8"?>
+<p:notes xmlns:a="http://schemas.openxmlformats.org/drawingml/2006/main" xmlns:r="http://schemas.openxmlformats.org/officeDocument/2006/relationships" xmlns:p="http://schemas.openxmlformats.org/presentationml/2006/main">
+  <p:cSld>
+    <p:spTree>
+      <p:nvGrpSpPr>
+        <p:cNvPr id="1" name=""/>
+        <p:cNvGrpSpPr/>
+        <p:nvPr/>
+      </p:nvGrpSpPr>
+      <p:grpSpPr>
+        <a:xfrm>
+          <a:off x="0" y="0"/>
+          <a:ext cx="0" cy="0"/>
+          <a:chOff x="0" y="0"/>
+          <a:chExt cx="0" cy="0"/>
+        </a:xfrm>
+      </p:grpSpPr>
+      <p:sp>
+        <p:nvSpPr>
+          <p:cNvPr id="2" name="Slide Image Placeholder 1"/>
+          <p:cNvSpPr>
+            <a:spLocks noGrp="1" noRot="1" noChangeAspect="1"/>
+          </p:cNvSpPr>
+          <p:nvPr>
+            <p:ph type="sldImg"/>
+          </p:nvPr>
+        </p:nvSpPr>
+        <p:spPr/>
+      </p:sp>
+      <p:sp>
+        <p:nvSpPr>
+          <p:cNvPr id="3" name="Notes Placeholder 2"/>
+          <p:cNvSpPr>
+            <a:spLocks noGrp="1"/>
+          </p:cNvSpPr>
+          <p:nvPr>
+            <p:ph type="body" idx="1"/>
+          </p:nvPr>
+        </p:nvSpPr>
+        <p:spPr/>
+        <p:txBody>
+          <a:bodyPr/>
+          <a:lstStyle/>
+          <a:p>
+            <a:endParaRPr lang="en-PH" dirty="0"/>
+          </a:p>
+        </p:txBody>
+      </p:sp>
+      <p:sp>
+        <p:nvSpPr>
+          <p:cNvPr id="4" name="Slide Number Placeholder 3"/>
+          <p:cNvSpPr>
+            <a:spLocks noGrp="1"/>
+          </p:cNvSpPr>
+          <p:nvPr>
+            <p:ph type="sldNum" sz="quarter" idx="5"/>
+          </p:nvPr>
+        </p:nvSpPr>
+        <p:spPr/>
+        <p:txBody>
+          <a:bodyPr/>
+          <a:lstStyle/>
+          <a:p>
+            <a:fld id="{FE90CCE9-4AAE-4E1F-85AD-521A406D6524}" type="slidenum">
+              <a:rPr lang="en-PH" smtClean="0"/>
+              <a:t>17</a:t>
+            </a:fld>
+            <a:endParaRPr lang="en-PH"/>
+          </a:p>
+        </p:txBody>
+      </p:sp>
+    </p:spTree>
+    <p:extLst>
+      <p:ext uri="{BB962C8B-B14F-4D97-AF65-F5344CB8AC3E}">
+        <p14:creationId xmlns:p14="http://schemas.microsoft.com/office/powerpoint/2010/main" val="3070430770"/>
+      </p:ext>
+    </p:extLst>
+  </p:cSld>
+  <p:clrMapOvr>
+    <a:masterClrMapping/>
+  </p:clrMapOvr>
+</p:notes>
+</file>
+
+<file path=ppt/notesSlides/notesSlide18.xml><?xml version="1.0" encoding="utf-8"?>
+<p:notes xmlns:a="http://schemas.openxmlformats.org/drawingml/2006/main" xmlns:r="http://schemas.openxmlformats.org/officeDocument/2006/relationships" xmlns:p="http://schemas.openxmlformats.org/presentationml/2006/main">
+  <p:cSld>
+    <p:spTree>
+      <p:nvGrpSpPr>
+        <p:cNvPr id="1" name=""/>
+        <p:cNvGrpSpPr/>
+        <p:nvPr/>
+      </p:nvGrpSpPr>
+      <p:grpSpPr>
+        <a:xfrm>
+          <a:off x="0" y="0"/>
+          <a:ext cx="0" cy="0"/>
+          <a:chOff x="0" y="0"/>
+          <a:chExt cx="0" cy="0"/>
+        </a:xfrm>
+      </p:grpSpPr>
+      <p:sp>
+        <p:nvSpPr>
+          <p:cNvPr id="2" name="Slide Image Placeholder 1"/>
+          <p:cNvSpPr>
+            <a:spLocks noGrp="1" noRot="1" noChangeAspect="1"/>
+          </p:cNvSpPr>
+          <p:nvPr>
+            <p:ph type="sldImg"/>
+          </p:nvPr>
+        </p:nvSpPr>
+        <p:spPr/>
+      </p:sp>
+      <p:sp>
+        <p:nvSpPr>
+          <p:cNvPr id="3" name="Notes Placeholder 2"/>
+          <p:cNvSpPr>
+            <a:spLocks noGrp="1"/>
+          </p:cNvSpPr>
+          <p:nvPr>
+            <p:ph type="body" idx="1"/>
+          </p:nvPr>
+        </p:nvSpPr>
+        <p:spPr/>
+        <p:txBody>
+          <a:bodyPr/>
+          <a:lstStyle/>
+          <a:p>
+            <a:endParaRPr lang="en-PH" dirty="0"/>
+          </a:p>
+        </p:txBody>
+      </p:sp>
+      <p:sp>
+        <p:nvSpPr>
+          <p:cNvPr id="4" name="Slide Number Placeholder 3"/>
+          <p:cNvSpPr>
+            <a:spLocks noGrp="1"/>
+          </p:cNvSpPr>
+          <p:nvPr>
+            <p:ph type="sldNum" sz="quarter" idx="5"/>
+          </p:nvPr>
+        </p:nvSpPr>
+        <p:spPr/>
+        <p:txBody>
+          <a:bodyPr/>
+          <a:lstStyle/>
+          <a:p>
+            <a:fld id="{FE90CCE9-4AAE-4E1F-85AD-521A406D6524}" type="slidenum">
+              <a:rPr lang="en-PH" smtClean="0"/>
+              <a:t>18</a:t>
+            </a:fld>
+            <a:endParaRPr lang="en-PH"/>
+          </a:p>
+        </p:txBody>
+      </p:sp>
+    </p:spTree>
+    <p:extLst>
+      <p:ext uri="{BB962C8B-B14F-4D97-AF65-F5344CB8AC3E}">
+        <p14:creationId xmlns:p14="http://schemas.microsoft.com/office/powerpoint/2010/main" val="4148544300"/>
+      </p:ext>
+    </p:extLst>
+  </p:cSld>
+  <p:clrMapOvr>
+    <a:masterClrMapping/>
+  </p:clrMapOvr>
+</p:notes>
+</file>
+
+<file path=ppt/notesSlides/notesSlide19.xml><?xml version="1.0" encoding="utf-8"?>
+<p:notes xmlns:a="http://schemas.openxmlformats.org/drawingml/2006/main" xmlns:r="http://schemas.openxmlformats.org/officeDocument/2006/relationships" xmlns:p="http://schemas.openxmlformats.org/presentationml/2006/main">
+  <p:cSld>
+    <p:spTree>
+      <p:nvGrpSpPr>
+        <p:cNvPr id="1" name=""/>
+        <p:cNvGrpSpPr/>
+        <p:nvPr/>
+      </p:nvGrpSpPr>
+      <p:grpSpPr>
+        <a:xfrm>
+          <a:off x="0" y="0"/>
+          <a:ext cx="0" cy="0"/>
+          <a:chOff x="0" y="0"/>
+          <a:chExt cx="0" cy="0"/>
+        </a:xfrm>
+      </p:grpSpPr>
+      <p:sp>
+        <p:nvSpPr>
+          <p:cNvPr id="2" name="Slide Image Placeholder 1"/>
+          <p:cNvSpPr>
+            <a:spLocks noGrp="1" noRot="1" noChangeAspect="1"/>
+          </p:cNvSpPr>
+          <p:nvPr>
+            <p:ph type="sldImg"/>
+          </p:nvPr>
+        </p:nvSpPr>
+        <p:spPr/>
+      </p:sp>
+      <p:sp>
+        <p:nvSpPr>
+          <p:cNvPr id="3" name="Notes Placeholder 2"/>
+          <p:cNvSpPr>
+            <a:spLocks noGrp="1"/>
+          </p:cNvSpPr>
+          <p:nvPr>
+            <p:ph type="body" idx="1"/>
+          </p:nvPr>
+        </p:nvSpPr>
+        <p:spPr/>
+        <p:txBody>
+          <a:bodyPr/>
+          <a:lstStyle/>
+          <a:p>
+            <a:endParaRPr lang="en-PH" dirty="0"/>
+          </a:p>
+        </p:txBody>
+      </p:sp>
+      <p:sp>
+        <p:nvSpPr>
+          <p:cNvPr id="4" name="Slide Number Placeholder 3"/>
+          <p:cNvSpPr>
+            <a:spLocks noGrp="1"/>
+          </p:cNvSpPr>
+          <p:nvPr>
+            <p:ph type="sldNum" sz="quarter" idx="5"/>
+          </p:nvPr>
+        </p:nvSpPr>
+        <p:spPr/>
+        <p:txBody>
+          <a:bodyPr/>
+          <a:lstStyle/>
+          <a:p>
+            <a:fld id="{FE90CCE9-4AAE-4E1F-85AD-521A406D6524}" type="slidenum">
+              <a:rPr lang="en-PH" smtClean="0"/>
+              <a:t>19</a:t>
+            </a:fld>
+            <a:endParaRPr lang="en-PH"/>
+          </a:p>
+        </p:txBody>
+      </p:sp>
+    </p:spTree>
+    <p:extLst>
+      <p:ext uri="{BB962C8B-B14F-4D97-AF65-F5344CB8AC3E}">
+        <p14:creationId xmlns:p14="http://schemas.microsoft.com/office/powerpoint/2010/main" val="939303271"/>
+      </p:ext>
+    </p:extLst>
+  </p:cSld>
+  <p:clrMapOvr>
+    <a:masterClrMapping/>
+  </p:clrMapOvr>
+</p:notes>
+</file>
+
 <file path=ppt/notesSlides/notesSlide2.xml><?xml version="1.0" encoding="utf-8"?>
 <p:notes xmlns:a="http://schemas.openxmlformats.org/drawingml/2006/main" xmlns:r="http://schemas.openxmlformats.org/officeDocument/2006/relationships" xmlns:p="http://schemas.openxmlformats.org/presentationml/2006/main">
   <p:cSld>
@@ -1811,7 +2236,7 @@
           <a:p>
             <a:fld id="{0CCF0B81-6BD8-4C65-9459-815598C5F1F4}" type="datetimeFigureOut">
               <a:rPr lang="en-PH" smtClean="0"/>
-              <a:t>23/10/2023</a:t>
+              <a:t>10/24/23</a:t>
             </a:fld>
             <a:endParaRPr lang="en-PH"/>
           </a:p>
@@ -2011,7 +2436,7 @@
           <a:p>
             <a:fld id="{0CCF0B81-6BD8-4C65-9459-815598C5F1F4}" type="datetimeFigureOut">
               <a:rPr lang="en-PH" smtClean="0"/>
-              <a:t>23/10/2023</a:t>
+              <a:t>10/24/23</a:t>
             </a:fld>
             <a:endParaRPr lang="en-PH"/>
           </a:p>
@@ -2221,7 +2646,7 @@
           <a:p>
             <a:fld id="{0CCF0B81-6BD8-4C65-9459-815598C5F1F4}" type="datetimeFigureOut">
               <a:rPr lang="en-PH" smtClean="0"/>
-              <a:t>23/10/2023</a:t>
+              <a:t>10/24/23</a:t>
             </a:fld>
             <a:endParaRPr lang="en-PH"/>
           </a:p>
@@ -2421,7 +2846,7 @@
           <a:p>
             <a:fld id="{0CCF0B81-6BD8-4C65-9459-815598C5F1F4}" type="datetimeFigureOut">
               <a:rPr lang="en-PH" smtClean="0"/>
-              <a:t>23/10/2023</a:t>
+              <a:t>10/24/23</a:t>
             </a:fld>
             <a:endParaRPr lang="en-PH"/>
           </a:p>
@@ -2697,7 +3122,7 @@
           <a:p>
             <a:fld id="{0CCF0B81-6BD8-4C65-9459-815598C5F1F4}" type="datetimeFigureOut">
               <a:rPr lang="en-PH" smtClean="0"/>
-              <a:t>23/10/2023</a:t>
+              <a:t>10/24/23</a:t>
             </a:fld>
             <a:endParaRPr lang="en-PH"/>
           </a:p>
@@ -2965,7 +3390,7 @@
           <a:p>
             <a:fld id="{0CCF0B81-6BD8-4C65-9459-815598C5F1F4}" type="datetimeFigureOut">
               <a:rPr lang="en-PH" smtClean="0"/>
-              <a:t>23/10/2023</a:t>
+              <a:t>10/24/23</a:t>
             </a:fld>
             <a:endParaRPr lang="en-PH"/>
           </a:p>
@@ -3380,7 +3805,7 @@
           <a:p>
             <a:fld id="{0CCF0B81-6BD8-4C65-9459-815598C5F1F4}" type="datetimeFigureOut">
               <a:rPr lang="en-PH" smtClean="0"/>
-              <a:t>23/10/2023</a:t>
+              <a:t>10/24/23</a:t>
             </a:fld>
             <a:endParaRPr lang="en-PH"/>
           </a:p>
@@ -3522,7 +3947,7 @@
           <a:p>
             <a:fld id="{0CCF0B81-6BD8-4C65-9459-815598C5F1F4}" type="datetimeFigureOut">
               <a:rPr lang="en-PH" smtClean="0"/>
-              <a:t>23/10/2023</a:t>
+              <a:t>10/24/23</a:t>
             </a:fld>
             <a:endParaRPr lang="en-PH"/>
           </a:p>
@@ -3635,7 +4060,7 @@
           <a:p>
             <a:fld id="{0CCF0B81-6BD8-4C65-9459-815598C5F1F4}" type="datetimeFigureOut">
               <a:rPr lang="en-PH" smtClean="0"/>
-              <a:t>23/10/2023</a:t>
+              <a:t>10/24/23</a:t>
             </a:fld>
             <a:endParaRPr lang="en-PH"/>
           </a:p>
@@ -3948,7 +4373,7 @@
           <a:p>
             <a:fld id="{0CCF0B81-6BD8-4C65-9459-815598C5F1F4}" type="datetimeFigureOut">
               <a:rPr lang="en-PH" smtClean="0"/>
-              <a:t>23/10/2023</a:t>
+              <a:t>10/24/23</a:t>
             </a:fld>
             <a:endParaRPr lang="en-PH"/>
           </a:p>
@@ -4237,7 +4662,7 @@
           <a:p>
             <a:fld id="{0CCF0B81-6BD8-4C65-9459-815598C5F1F4}" type="datetimeFigureOut">
               <a:rPr lang="en-PH" smtClean="0"/>
-              <a:t>23/10/2023</a:t>
+              <a:t>10/24/23</a:t>
             </a:fld>
             <a:endParaRPr lang="en-PH"/>
           </a:p>
@@ -4480,7 +4905,7 @@
           <a:p>
             <a:fld id="{0CCF0B81-6BD8-4C65-9459-815598C5F1F4}" type="datetimeFigureOut">
               <a:rPr lang="en-PH" smtClean="0"/>
-              <a:t>23/10/2023</a:t>
+              <a:t>10/24/23</a:t>
             </a:fld>
             <a:endParaRPr lang="en-PH"/>
           </a:p>
@@ -6412,6 +6837,2335 @@
 </p:sld>
 </file>
 
+<file path=ppt/slides/slide15.xml><?xml version="1.0" encoding="utf-8"?>
+<p:sld xmlns:a="http://schemas.openxmlformats.org/drawingml/2006/main" xmlns:r="http://schemas.openxmlformats.org/officeDocument/2006/relationships" xmlns:p="http://schemas.openxmlformats.org/presentationml/2006/main">
+  <p:cSld>
+    <p:bg>
+      <p:bgPr>
+        <a:blipFill dpi="0" rotWithShape="1">
+          <a:blip r:embed="rId3">
+            <a:alphaModFix amt="99000"/>
+            <a:lum/>
+          </a:blip>
+          <a:srcRect/>
+          <a:stretch>
+            <a:fillRect t="89000" r="85000" b="-1000"/>
+          </a:stretch>
+        </a:blipFill>
+        <a:effectLst/>
+      </p:bgPr>
+    </p:bg>
+    <p:spTree>
+      <p:nvGrpSpPr>
+        <p:cNvPr id="1" name=""/>
+        <p:cNvGrpSpPr/>
+        <p:nvPr/>
+      </p:nvGrpSpPr>
+      <p:grpSpPr>
+        <a:xfrm>
+          <a:off x="0" y="0"/>
+          <a:ext cx="0" cy="0"/>
+          <a:chOff x="0" y="0"/>
+          <a:chExt cx="0" cy="0"/>
+        </a:xfrm>
+      </p:grpSpPr>
+      <p:sp>
+        <p:nvSpPr>
+          <p:cNvPr id="5" name="Title 1">
+            <a:extLst>
+              <a:ext uri="{FF2B5EF4-FFF2-40B4-BE49-F238E27FC236}">
+                <a16:creationId xmlns:a16="http://schemas.microsoft.com/office/drawing/2014/main" id="{3444037F-B658-D82C-5DCA-53E8AA1493D7}"/>
+              </a:ext>
+            </a:extLst>
+          </p:cNvPr>
+          <p:cNvSpPr txBox="1">
+            <a:spLocks/>
+          </p:cNvSpPr>
+          <p:nvPr/>
+        </p:nvSpPr>
+        <p:spPr>
+          <a:xfrm>
+            <a:off x="1524000" y="1516449"/>
+            <a:ext cx="9144000" cy="4290585"/>
+          </a:xfrm>
+          <a:prstGeom prst="rect">
+            <a:avLst/>
+          </a:prstGeom>
+        </p:spPr>
+        <p:txBody>
+          <a:bodyPr vert="horz" lIns="91440" tIns="45720" rIns="91440" bIns="45720" rtlCol="0" anchor="b">
+            <a:normAutofit fontScale="97500"/>
+          </a:bodyPr>
+          <a:lstStyle>
+            <a:lvl1pPr algn="ctr" defTabSz="914400" rtl="0" eaLnBrk="1" latinLnBrk="0" hangingPunct="1">
+              <a:lnSpc>
+                <a:spcPct val="90000"/>
+              </a:lnSpc>
+              <a:spcBef>
+                <a:spcPct val="0"/>
+              </a:spcBef>
+              <a:buNone/>
+              <a:defRPr sz="6000" kern="1200">
+                <a:solidFill>
+                  <a:schemeClr val="tx1"/>
+                </a:solidFill>
+                <a:latin typeface="+mj-lt"/>
+                <a:ea typeface="+mj-ea"/>
+                <a:cs typeface="+mj-cs"/>
+              </a:defRPr>
+            </a:lvl1pPr>
+          </a:lstStyle>
+          <a:p>
+            <a:pPr algn="l"/>
+            <a:endParaRPr lang="en-US" sz="3100" dirty="0"/>
+          </a:p>
+          <a:p>
+            <a:pPr algn="l"/>
+            <a:endParaRPr lang="en-US" sz="3100" dirty="0"/>
+          </a:p>
+          <a:p>
+            <a:pPr algn="l"/>
+            <a:endParaRPr lang="en-US" sz="3100" dirty="0"/>
+          </a:p>
+          <a:p>
+            <a:pPr algn="l"/>
+            <a:endParaRPr lang="en-US" sz="3100" dirty="0"/>
+          </a:p>
+          <a:p>
+            <a:pPr algn="l"/>
+            <a:endParaRPr lang="en-US" sz="3000" dirty="0"/>
+          </a:p>
+          <a:p>
+            <a:pPr algn="l"/>
+            <a:endParaRPr lang="en-US" sz="3000" dirty="0"/>
+          </a:p>
+        </p:txBody>
+      </p:sp>
+      <p:sp>
+        <p:nvSpPr>
+          <p:cNvPr id="38" name="Title 1">
+            <a:extLst>
+              <a:ext uri="{FF2B5EF4-FFF2-40B4-BE49-F238E27FC236}">
+                <a16:creationId xmlns:a16="http://schemas.microsoft.com/office/drawing/2014/main" id="{85194D96-4E26-6A5A-5AB5-02AFD53E7543}"/>
+              </a:ext>
+            </a:extLst>
+          </p:cNvPr>
+          <p:cNvSpPr>
+            <a:spLocks noGrp="1"/>
+          </p:cNvSpPr>
+          <p:nvPr>
+            <p:ph type="ctrTitle"/>
+          </p:nvPr>
+        </p:nvSpPr>
+        <p:spPr>
+          <a:xfrm>
+            <a:off x="1128386" y="415731"/>
+            <a:ext cx="9935227" cy="718459"/>
+          </a:xfrm>
+        </p:spPr>
+        <p:txBody>
+          <a:bodyPr>
+            <a:noAutofit/>
+          </a:bodyPr>
+          <a:lstStyle/>
+          <a:p>
+            <a:r>
+              <a:rPr lang="en-US" sz="5000" b="1" dirty="0"/>
+              <a:t>Example Problem</a:t>
+            </a:r>
+            <a:endParaRPr lang="en-PH" sz="5000" b="1" dirty="0"/>
+          </a:p>
+        </p:txBody>
+      </p:sp>
+      <p:sp>
+        <p:nvSpPr>
+          <p:cNvPr id="39" name="Footer Placeholder 3">
+            <a:extLst>
+              <a:ext uri="{FF2B5EF4-FFF2-40B4-BE49-F238E27FC236}">
+                <a16:creationId xmlns:a16="http://schemas.microsoft.com/office/drawing/2014/main" id="{77EF4DA7-E5CF-896F-45E0-B1D58FD59B96}"/>
+              </a:ext>
+            </a:extLst>
+          </p:cNvPr>
+          <p:cNvSpPr>
+            <a:spLocks noGrp="1"/>
+          </p:cNvSpPr>
+          <p:nvPr>
+            <p:ph type="ftr" sz="quarter" idx="11"/>
+          </p:nvPr>
+        </p:nvSpPr>
+        <p:spPr>
+          <a:xfrm>
+            <a:off x="0" y="6139541"/>
+            <a:ext cx="12192000" cy="718459"/>
+          </a:xfrm>
+          <a:ln w="28575">
+            <a:solidFill>
+              <a:schemeClr val="accent5">
+                <a:lumMod val="50000"/>
+              </a:schemeClr>
+            </a:solidFill>
+          </a:ln>
+        </p:spPr>
+        <p:txBody>
+          <a:bodyPr/>
+          <a:lstStyle/>
+          <a:p>
+            <a:pPr lvl="1" algn="r"/>
+            <a:r>
+              <a:rPr lang="en-US" sz="1200" b="1" dirty="0"/>
+              <a:t>CCDATS1L</a:t>
+            </a:r>
+            <a:endParaRPr lang="en-PH" sz="1200" b="1" dirty="0"/>
+          </a:p>
+        </p:txBody>
+      </p:sp>
+      <p:sp>
+        <p:nvSpPr>
+          <p:cNvPr id="4" name="TextBox 3">
+            <a:extLst>
+              <a:ext uri="{FF2B5EF4-FFF2-40B4-BE49-F238E27FC236}">
+                <a16:creationId xmlns:a16="http://schemas.microsoft.com/office/drawing/2014/main" id="{4203C0C4-7C82-D208-A8B3-1AE6E9099A3C}"/>
+              </a:ext>
+            </a:extLst>
+          </p:cNvPr>
+          <p:cNvSpPr txBox="1"/>
+          <p:nvPr/>
+        </p:nvSpPr>
+        <p:spPr>
+          <a:xfrm>
+            <a:off x="639918" y="1354768"/>
+            <a:ext cx="10912162" cy="1938992"/>
+          </a:xfrm>
+          <a:prstGeom prst="rect">
+            <a:avLst/>
+          </a:prstGeom>
+          <a:noFill/>
+        </p:spPr>
+        <p:txBody>
+          <a:bodyPr wrap="square" rtlCol="0">
+            <a:spAutoFit/>
+          </a:bodyPr>
+          <a:lstStyle/>
+          <a:p>
+            <a:r>
+              <a:rPr lang="en-PH" sz="3000" dirty="0"/>
+              <a:t>In the </a:t>
+            </a:r>
+            <a:r>
+              <a:rPr lang="en-PH" sz="3000" dirty="0" err="1"/>
+              <a:t>philipines</a:t>
+            </a:r>
+            <a:r>
+              <a:rPr lang="en-PH" sz="3000" dirty="0"/>
+              <a:t>, the mean height of male is </a:t>
+            </a:r>
+            <a:r>
+              <a:rPr lang="en-PH" sz="3000" b="1" dirty="0">
+                <a:solidFill>
+                  <a:srgbClr val="0070C0"/>
+                </a:solidFill>
+              </a:rPr>
+              <a:t>5’7’’</a:t>
+            </a:r>
+            <a:r>
+              <a:rPr lang="en-PH" sz="3000" b="1" dirty="0"/>
+              <a:t> </a:t>
+            </a:r>
+            <a:r>
+              <a:rPr lang="en-PH" sz="3000" dirty="0"/>
+              <a:t>with a standard deviation of </a:t>
+            </a:r>
+            <a:r>
+              <a:rPr lang="en-PH" sz="3000" b="1" dirty="0">
+                <a:solidFill>
+                  <a:srgbClr val="0070C0"/>
+                </a:solidFill>
+              </a:rPr>
+              <a:t>3.5″</a:t>
+            </a:r>
+            <a:r>
+              <a:rPr lang="en-PH" sz="3000" dirty="0"/>
+              <a:t>.</a:t>
+            </a:r>
+            <a:r>
+              <a:rPr lang="en-PH" sz="3000" b="1" dirty="0"/>
+              <a:t> </a:t>
+            </a:r>
+            <a:r>
+              <a:rPr lang="en-PH" sz="3000" dirty="0"/>
+              <a:t>What is the probability of finding a random sample of </a:t>
+            </a:r>
+            <a:r>
+              <a:rPr lang="en-PH" sz="3000" b="1" dirty="0">
+                <a:solidFill>
+                  <a:srgbClr val="0070C0"/>
+                </a:solidFill>
+              </a:rPr>
+              <a:t>50 males</a:t>
+            </a:r>
+            <a:r>
+              <a:rPr lang="en-PH" sz="3000" b="1" dirty="0"/>
+              <a:t> </a:t>
+            </a:r>
+            <a:r>
+              <a:rPr lang="en-PH" sz="3000" dirty="0"/>
+              <a:t>with a mean height of </a:t>
+            </a:r>
+            <a:r>
+              <a:rPr lang="en-PH" sz="3000" b="1" dirty="0">
+                <a:solidFill>
+                  <a:srgbClr val="0070C0"/>
+                </a:solidFill>
+              </a:rPr>
+              <a:t>7’0”</a:t>
+            </a:r>
+            <a:r>
+              <a:rPr lang="en-PH" sz="3000" dirty="0"/>
+              <a:t>, assuming the heights are normally distributed?</a:t>
+            </a:r>
+          </a:p>
+        </p:txBody>
+      </p:sp>
+    </p:spTree>
+    <p:extLst>
+      <p:ext uri="{BB962C8B-B14F-4D97-AF65-F5344CB8AC3E}">
+        <p14:creationId xmlns:p14="http://schemas.microsoft.com/office/powerpoint/2010/main" val="3129796038"/>
+      </p:ext>
+    </p:extLst>
+  </p:cSld>
+  <p:clrMapOvr>
+    <a:masterClrMapping/>
+  </p:clrMapOvr>
+</p:sld>
+</file>
+
+<file path=ppt/slides/slide16.xml><?xml version="1.0" encoding="utf-8"?>
+<p:sld xmlns:a="http://schemas.openxmlformats.org/drawingml/2006/main" xmlns:r="http://schemas.openxmlformats.org/officeDocument/2006/relationships" xmlns:p="http://schemas.openxmlformats.org/presentationml/2006/main">
+  <p:cSld>
+    <p:bg>
+      <p:bgPr>
+        <a:blipFill dpi="0" rotWithShape="1">
+          <a:blip r:embed="rId3">
+            <a:alphaModFix amt="99000"/>
+            <a:lum/>
+          </a:blip>
+          <a:srcRect/>
+          <a:stretch>
+            <a:fillRect t="89000" r="85000" b="-1000"/>
+          </a:stretch>
+        </a:blipFill>
+        <a:effectLst/>
+      </p:bgPr>
+    </p:bg>
+    <p:spTree>
+      <p:nvGrpSpPr>
+        <p:cNvPr id="1" name=""/>
+        <p:cNvGrpSpPr/>
+        <p:nvPr/>
+      </p:nvGrpSpPr>
+      <p:grpSpPr>
+        <a:xfrm>
+          <a:off x="0" y="0"/>
+          <a:ext cx="0" cy="0"/>
+          <a:chOff x="0" y="0"/>
+          <a:chExt cx="0" cy="0"/>
+        </a:xfrm>
+      </p:grpSpPr>
+      <p:sp>
+        <p:nvSpPr>
+          <p:cNvPr id="5" name="Title 1">
+            <a:extLst>
+              <a:ext uri="{FF2B5EF4-FFF2-40B4-BE49-F238E27FC236}">
+                <a16:creationId xmlns:a16="http://schemas.microsoft.com/office/drawing/2014/main" id="{3444037F-B658-D82C-5DCA-53E8AA1493D7}"/>
+              </a:ext>
+            </a:extLst>
+          </p:cNvPr>
+          <p:cNvSpPr txBox="1">
+            <a:spLocks/>
+          </p:cNvSpPr>
+          <p:nvPr/>
+        </p:nvSpPr>
+        <p:spPr>
+          <a:xfrm>
+            <a:off x="1524000" y="1516449"/>
+            <a:ext cx="9144000" cy="4290585"/>
+          </a:xfrm>
+          <a:prstGeom prst="rect">
+            <a:avLst/>
+          </a:prstGeom>
+        </p:spPr>
+        <p:txBody>
+          <a:bodyPr vert="horz" lIns="91440" tIns="45720" rIns="91440" bIns="45720" rtlCol="0" anchor="b">
+            <a:normAutofit fontScale="97500"/>
+          </a:bodyPr>
+          <a:lstStyle>
+            <a:lvl1pPr algn="ctr" defTabSz="914400" rtl="0" eaLnBrk="1" latinLnBrk="0" hangingPunct="1">
+              <a:lnSpc>
+                <a:spcPct val="90000"/>
+              </a:lnSpc>
+              <a:spcBef>
+                <a:spcPct val="0"/>
+              </a:spcBef>
+              <a:buNone/>
+              <a:defRPr sz="6000" kern="1200">
+                <a:solidFill>
+                  <a:schemeClr val="tx1"/>
+                </a:solidFill>
+                <a:latin typeface="+mj-lt"/>
+                <a:ea typeface="+mj-ea"/>
+                <a:cs typeface="+mj-cs"/>
+              </a:defRPr>
+            </a:lvl1pPr>
+          </a:lstStyle>
+          <a:p>
+            <a:pPr algn="l"/>
+            <a:endParaRPr lang="en-US" sz="3100" dirty="0"/>
+          </a:p>
+          <a:p>
+            <a:pPr algn="l"/>
+            <a:endParaRPr lang="en-US" sz="3100" dirty="0"/>
+          </a:p>
+          <a:p>
+            <a:pPr algn="l"/>
+            <a:endParaRPr lang="en-US" sz="3100" dirty="0"/>
+          </a:p>
+          <a:p>
+            <a:pPr algn="l"/>
+            <a:endParaRPr lang="en-US" sz="3100" dirty="0"/>
+          </a:p>
+          <a:p>
+            <a:pPr algn="l"/>
+            <a:endParaRPr lang="en-US" sz="3000" dirty="0"/>
+          </a:p>
+          <a:p>
+            <a:pPr algn="l"/>
+            <a:endParaRPr lang="en-US" sz="3000" dirty="0"/>
+          </a:p>
+        </p:txBody>
+      </p:sp>
+      <p:sp>
+        <p:nvSpPr>
+          <p:cNvPr id="38" name="Title 1">
+            <a:extLst>
+              <a:ext uri="{FF2B5EF4-FFF2-40B4-BE49-F238E27FC236}">
+                <a16:creationId xmlns:a16="http://schemas.microsoft.com/office/drawing/2014/main" id="{85194D96-4E26-6A5A-5AB5-02AFD53E7543}"/>
+              </a:ext>
+            </a:extLst>
+          </p:cNvPr>
+          <p:cNvSpPr>
+            <a:spLocks noGrp="1"/>
+          </p:cNvSpPr>
+          <p:nvPr>
+            <p:ph type="ctrTitle"/>
+          </p:nvPr>
+        </p:nvSpPr>
+        <p:spPr>
+          <a:xfrm>
+            <a:off x="1128386" y="415731"/>
+            <a:ext cx="9935227" cy="718459"/>
+          </a:xfrm>
+        </p:spPr>
+        <p:txBody>
+          <a:bodyPr>
+            <a:noAutofit/>
+          </a:bodyPr>
+          <a:lstStyle/>
+          <a:p>
+            <a:r>
+              <a:rPr lang="en-US" sz="5000" b="1" dirty="0"/>
+              <a:t>Example Problem</a:t>
+            </a:r>
+            <a:endParaRPr lang="en-PH" sz="5000" b="1" dirty="0"/>
+          </a:p>
+        </p:txBody>
+      </p:sp>
+      <p:sp>
+        <p:nvSpPr>
+          <p:cNvPr id="39" name="Footer Placeholder 3">
+            <a:extLst>
+              <a:ext uri="{FF2B5EF4-FFF2-40B4-BE49-F238E27FC236}">
+                <a16:creationId xmlns:a16="http://schemas.microsoft.com/office/drawing/2014/main" id="{77EF4DA7-E5CF-896F-45E0-B1D58FD59B96}"/>
+              </a:ext>
+            </a:extLst>
+          </p:cNvPr>
+          <p:cNvSpPr>
+            <a:spLocks noGrp="1"/>
+          </p:cNvSpPr>
+          <p:nvPr>
+            <p:ph type="ftr" sz="quarter" idx="11"/>
+          </p:nvPr>
+        </p:nvSpPr>
+        <p:spPr>
+          <a:xfrm>
+            <a:off x="0" y="6139541"/>
+            <a:ext cx="12192000" cy="718459"/>
+          </a:xfrm>
+          <a:ln w="28575">
+            <a:solidFill>
+              <a:schemeClr val="accent5">
+                <a:lumMod val="50000"/>
+              </a:schemeClr>
+            </a:solidFill>
+          </a:ln>
+        </p:spPr>
+        <p:txBody>
+          <a:bodyPr/>
+          <a:lstStyle/>
+          <a:p>
+            <a:pPr lvl="1" algn="r"/>
+            <a:r>
+              <a:rPr lang="en-US" sz="1200" b="1" dirty="0"/>
+              <a:t>CCDATS1L</a:t>
+            </a:r>
+            <a:endParaRPr lang="en-PH" sz="1200" b="1" dirty="0"/>
+          </a:p>
+        </p:txBody>
+      </p:sp>
+      <p:sp>
+        <p:nvSpPr>
+          <p:cNvPr id="4" name="TextBox 3">
+            <a:extLst>
+              <a:ext uri="{FF2B5EF4-FFF2-40B4-BE49-F238E27FC236}">
+                <a16:creationId xmlns:a16="http://schemas.microsoft.com/office/drawing/2014/main" id="{4203C0C4-7C82-D208-A8B3-1AE6E9099A3C}"/>
+              </a:ext>
+            </a:extLst>
+          </p:cNvPr>
+          <p:cNvSpPr txBox="1"/>
+          <p:nvPr/>
+        </p:nvSpPr>
+        <p:spPr>
+          <a:xfrm>
+            <a:off x="639918" y="1354768"/>
+            <a:ext cx="10912162" cy="1938992"/>
+          </a:xfrm>
+          <a:prstGeom prst="rect">
+            <a:avLst/>
+          </a:prstGeom>
+          <a:noFill/>
+        </p:spPr>
+        <p:txBody>
+          <a:bodyPr wrap="square" rtlCol="0">
+            <a:spAutoFit/>
+          </a:bodyPr>
+          <a:lstStyle/>
+          <a:p>
+            <a:r>
+              <a:rPr lang="en-PH" sz="2400" dirty="0"/>
+              <a:t>In the </a:t>
+            </a:r>
+            <a:r>
+              <a:rPr lang="en-PH" sz="2400" dirty="0" err="1"/>
+              <a:t>philippines</a:t>
+            </a:r>
+            <a:r>
+              <a:rPr lang="en-PH" sz="2400" dirty="0"/>
+              <a:t>, the average or mean height of males is </a:t>
+            </a:r>
+            <a:r>
+              <a:rPr lang="en-PH" sz="2400" b="1" dirty="0">
+                <a:solidFill>
+                  <a:srgbClr val="0070C0"/>
+                </a:solidFill>
+              </a:rPr>
+              <a:t>5’3’’</a:t>
+            </a:r>
+            <a:r>
+              <a:rPr lang="en-PH" sz="2400" b="1" dirty="0"/>
+              <a:t> or </a:t>
+            </a:r>
+            <a:r>
+              <a:rPr lang="en-PH" sz="2400" b="1" dirty="0">
+                <a:solidFill>
+                  <a:srgbClr val="0070C0"/>
+                </a:solidFill>
+              </a:rPr>
+              <a:t>63.6 inches </a:t>
+            </a:r>
+            <a:r>
+              <a:rPr lang="en-PH" sz="2400" dirty="0"/>
+              <a:t>with a standard deviation of </a:t>
+            </a:r>
+            <a:r>
+              <a:rPr lang="en-PH" sz="2400" b="1" dirty="0">
+                <a:solidFill>
+                  <a:srgbClr val="0070C0"/>
+                </a:solidFill>
+              </a:rPr>
+              <a:t>3.5″</a:t>
+            </a:r>
+            <a:r>
+              <a:rPr lang="en-PH" sz="2400" dirty="0"/>
+              <a:t>.</a:t>
+            </a:r>
+            <a:r>
+              <a:rPr lang="en-PH" sz="2400" b="1" dirty="0"/>
+              <a:t> </a:t>
+            </a:r>
+          </a:p>
+          <a:p>
+            <a:endParaRPr lang="en-PH" sz="2400" b="1" dirty="0"/>
+          </a:p>
+          <a:p>
+            <a:r>
+              <a:rPr lang="en-PH" sz="2400" dirty="0"/>
+              <a:t>What is the probability of finding a random sample of </a:t>
+            </a:r>
+            <a:r>
+              <a:rPr lang="en-PH" sz="2400" b="1" dirty="0">
+                <a:solidFill>
+                  <a:srgbClr val="0070C0"/>
+                </a:solidFill>
+              </a:rPr>
+              <a:t>16 males</a:t>
+            </a:r>
+            <a:r>
+              <a:rPr lang="en-PH" sz="2400" b="1" dirty="0"/>
+              <a:t> </a:t>
+            </a:r>
+            <a:r>
+              <a:rPr lang="en-PH" sz="2400" dirty="0"/>
+              <a:t>with a mean height of </a:t>
+            </a:r>
+            <a:r>
+              <a:rPr lang="en-PH" sz="2400" b="1" dirty="0">
+                <a:solidFill>
+                  <a:srgbClr val="0070C0"/>
+                </a:solidFill>
+              </a:rPr>
+              <a:t>7’0” </a:t>
+            </a:r>
+            <a:r>
+              <a:rPr lang="en-PH" sz="2400" b="1" dirty="0"/>
+              <a:t>or</a:t>
+            </a:r>
+            <a:r>
+              <a:rPr lang="en-PH" sz="2400" b="1" dirty="0">
+                <a:solidFill>
+                  <a:srgbClr val="0070C0"/>
+                </a:solidFill>
+              </a:rPr>
+              <a:t> 84 inches</a:t>
+            </a:r>
+            <a:r>
+              <a:rPr lang="en-PH" sz="2400" dirty="0"/>
+              <a:t>, assuming the heights are normally distributed?</a:t>
+            </a:r>
+          </a:p>
+        </p:txBody>
+      </p:sp>
+      <p:pic>
+        <p:nvPicPr>
+          <p:cNvPr id="6" name="Picture 5">
+            <a:extLst>
+              <a:ext uri="{FF2B5EF4-FFF2-40B4-BE49-F238E27FC236}">
+                <a16:creationId xmlns:a16="http://schemas.microsoft.com/office/drawing/2014/main" id="{A0EA6F7E-49D0-F79E-0977-1B756CF23CD2}"/>
+              </a:ext>
+            </a:extLst>
+          </p:cNvPr>
+          <p:cNvPicPr>
+            <a:picLocks noChangeAspect="1"/>
+          </p:cNvPicPr>
+          <p:nvPr/>
+        </p:nvPicPr>
+        <p:blipFill>
+          <a:blip r:embed="rId4">
+            <a:extLst>
+              <a:ext uri="{28A0092B-C50C-407E-A947-70E740481C1C}">
+                <a14:useLocalDpi xmlns:a14="http://schemas.microsoft.com/office/drawing/2010/main" val="0"/>
+              </a:ext>
+            </a:extLst>
+          </a:blip>
+          <a:stretch>
+            <a:fillRect/>
+          </a:stretch>
+        </p:blipFill>
+        <p:spPr>
+          <a:xfrm>
+            <a:off x="4376104" y="3476598"/>
+            <a:ext cx="3439792" cy="2576930"/>
+          </a:xfrm>
+          <a:prstGeom prst="rect">
+            <a:avLst/>
+          </a:prstGeom>
+          <a:effectLst>
+            <a:outerShdw blurRad="50800" dist="38100" dir="2700000" algn="tl" rotWithShape="0">
+              <a:prstClr val="black">
+                <a:alpha val="40000"/>
+              </a:prstClr>
+            </a:outerShdw>
+          </a:effectLst>
+        </p:spPr>
+      </p:pic>
+    </p:spTree>
+    <p:extLst>
+      <p:ext uri="{BB962C8B-B14F-4D97-AF65-F5344CB8AC3E}">
+        <p14:creationId xmlns:p14="http://schemas.microsoft.com/office/powerpoint/2010/main" val="768944259"/>
+      </p:ext>
+    </p:extLst>
+  </p:cSld>
+  <p:clrMapOvr>
+    <a:masterClrMapping/>
+  </p:clrMapOvr>
+</p:sld>
+</file>
+
+<file path=ppt/slides/slide17.xml><?xml version="1.0" encoding="utf-8"?>
+<p:sld xmlns:a="http://schemas.openxmlformats.org/drawingml/2006/main" xmlns:r="http://schemas.openxmlformats.org/officeDocument/2006/relationships" xmlns:p="http://schemas.openxmlformats.org/presentationml/2006/main">
+  <p:cSld>
+    <p:bg>
+      <p:bgPr>
+        <a:blipFill dpi="0" rotWithShape="1">
+          <a:blip r:embed="rId3">
+            <a:alphaModFix amt="99000"/>
+            <a:lum/>
+          </a:blip>
+          <a:srcRect/>
+          <a:stretch>
+            <a:fillRect t="89000" r="85000" b="-1000"/>
+          </a:stretch>
+        </a:blipFill>
+        <a:effectLst/>
+      </p:bgPr>
+    </p:bg>
+    <p:spTree>
+      <p:nvGrpSpPr>
+        <p:cNvPr id="1" name=""/>
+        <p:cNvGrpSpPr/>
+        <p:nvPr/>
+      </p:nvGrpSpPr>
+      <p:grpSpPr>
+        <a:xfrm>
+          <a:off x="0" y="0"/>
+          <a:ext cx="0" cy="0"/>
+          <a:chOff x="0" y="0"/>
+          <a:chExt cx="0" cy="0"/>
+        </a:xfrm>
+      </p:grpSpPr>
+      <p:sp>
+        <p:nvSpPr>
+          <p:cNvPr id="5" name="Title 1">
+            <a:extLst>
+              <a:ext uri="{FF2B5EF4-FFF2-40B4-BE49-F238E27FC236}">
+                <a16:creationId xmlns:a16="http://schemas.microsoft.com/office/drawing/2014/main" id="{3444037F-B658-D82C-5DCA-53E8AA1493D7}"/>
+              </a:ext>
+            </a:extLst>
+          </p:cNvPr>
+          <p:cNvSpPr txBox="1">
+            <a:spLocks/>
+          </p:cNvSpPr>
+          <p:nvPr/>
+        </p:nvSpPr>
+        <p:spPr>
+          <a:xfrm>
+            <a:off x="1524000" y="1516449"/>
+            <a:ext cx="9144000" cy="4290585"/>
+          </a:xfrm>
+          <a:prstGeom prst="rect">
+            <a:avLst/>
+          </a:prstGeom>
+        </p:spPr>
+        <p:txBody>
+          <a:bodyPr vert="horz" lIns="91440" tIns="45720" rIns="91440" bIns="45720" rtlCol="0" anchor="b">
+            <a:normAutofit fontScale="97500"/>
+          </a:bodyPr>
+          <a:lstStyle>
+            <a:lvl1pPr algn="ctr" defTabSz="914400" rtl="0" eaLnBrk="1" latinLnBrk="0" hangingPunct="1">
+              <a:lnSpc>
+                <a:spcPct val="90000"/>
+              </a:lnSpc>
+              <a:spcBef>
+                <a:spcPct val="0"/>
+              </a:spcBef>
+              <a:buNone/>
+              <a:defRPr sz="6000" kern="1200">
+                <a:solidFill>
+                  <a:schemeClr val="tx1"/>
+                </a:solidFill>
+                <a:latin typeface="+mj-lt"/>
+                <a:ea typeface="+mj-ea"/>
+                <a:cs typeface="+mj-cs"/>
+              </a:defRPr>
+            </a:lvl1pPr>
+          </a:lstStyle>
+          <a:p>
+            <a:pPr algn="l"/>
+            <a:endParaRPr lang="en-US" sz="3100" dirty="0"/>
+          </a:p>
+          <a:p>
+            <a:pPr algn="l"/>
+            <a:endParaRPr lang="en-US" sz="3100" dirty="0"/>
+          </a:p>
+          <a:p>
+            <a:pPr algn="l"/>
+            <a:endParaRPr lang="en-US" sz="3100" dirty="0"/>
+          </a:p>
+          <a:p>
+            <a:pPr algn="l"/>
+            <a:endParaRPr lang="en-US" sz="3100" dirty="0"/>
+          </a:p>
+          <a:p>
+            <a:pPr algn="l"/>
+            <a:endParaRPr lang="en-US" sz="3000" dirty="0"/>
+          </a:p>
+          <a:p>
+            <a:pPr algn="l"/>
+            <a:endParaRPr lang="en-US" sz="3000" dirty="0"/>
+          </a:p>
+        </p:txBody>
+      </p:sp>
+      <p:sp>
+        <p:nvSpPr>
+          <p:cNvPr id="38" name="Title 1">
+            <a:extLst>
+              <a:ext uri="{FF2B5EF4-FFF2-40B4-BE49-F238E27FC236}">
+                <a16:creationId xmlns:a16="http://schemas.microsoft.com/office/drawing/2014/main" id="{85194D96-4E26-6A5A-5AB5-02AFD53E7543}"/>
+              </a:ext>
+            </a:extLst>
+          </p:cNvPr>
+          <p:cNvSpPr>
+            <a:spLocks noGrp="1"/>
+          </p:cNvSpPr>
+          <p:nvPr>
+            <p:ph type="ctrTitle"/>
+          </p:nvPr>
+        </p:nvSpPr>
+        <p:spPr>
+          <a:xfrm>
+            <a:off x="1128386" y="415731"/>
+            <a:ext cx="9935227" cy="718459"/>
+          </a:xfrm>
+        </p:spPr>
+        <p:txBody>
+          <a:bodyPr>
+            <a:noAutofit/>
+          </a:bodyPr>
+          <a:lstStyle/>
+          <a:p>
+            <a:r>
+              <a:rPr lang="en-US" sz="5000" b="1" dirty="0"/>
+              <a:t>Step 1: Get the Z-Score</a:t>
+            </a:r>
+            <a:endParaRPr lang="en-PH" sz="5000" b="1" dirty="0"/>
+          </a:p>
+        </p:txBody>
+      </p:sp>
+      <p:sp>
+        <p:nvSpPr>
+          <p:cNvPr id="39" name="Footer Placeholder 3">
+            <a:extLst>
+              <a:ext uri="{FF2B5EF4-FFF2-40B4-BE49-F238E27FC236}">
+                <a16:creationId xmlns:a16="http://schemas.microsoft.com/office/drawing/2014/main" id="{77EF4DA7-E5CF-896F-45E0-B1D58FD59B96}"/>
+              </a:ext>
+            </a:extLst>
+          </p:cNvPr>
+          <p:cNvSpPr>
+            <a:spLocks noGrp="1"/>
+          </p:cNvSpPr>
+          <p:nvPr>
+            <p:ph type="ftr" sz="quarter" idx="11"/>
+          </p:nvPr>
+        </p:nvSpPr>
+        <p:spPr>
+          <a:xfrm>
+            <a:off x="0" y="6139541"/>
+            <a:ext cx="12192000" cy="718459"/>
+          </a:xfrm>
+          <a:ln w="28575">
+            <a:solidFill>
+              <a:schemeClr val="accent5">
+                <a:lumMod val="50000"/>
+              </a:schemeClr>
+            </a:solidFill>
+          </a:ln>
+        </p:spPr>
+        <p:txBody>
+          <a:bodyPr/>
+          <a:lstStyle/>
+          <a:p>
+            <a:pPr lvl="1" algn="r"/>
+            <a:r>
+              <a:rPr lang="en-US" sz="1200" b="1" dirty="0"/>
+              <a:t>CCDATS1L</a:t>
+            </a:r>
+            <a:endParaRPr lang="en-PH" sz="1200" b="1" dirty="0"/>
+          </a:p>
+        </p:txBody>
+      </p:sp>
+      <mc:AlternateContent xmlns:mc="http://schemas.openxmlformats.org/markup-compatibility/2006">
+        <mc:Choice xmlns:a14="http://schemas.microsoft.com/office/drawing/2010/main" Requires="a14">
+          <p:sp>
+            <p:nvSpPr>
+              <p:cNvPr id="4" name="TextBox 3">
+                <a:extLst>
+                  <a:ext uri="{FF2B5EF4-FFF2-40B4-BE49-F238E27FC236}">
+                    <a16:creationId xmlns:a16="http://schemas.microsoft.com/office/drawing/2014/main" id="{4203C0C4-7C82-D208-A8B3-1AE6E9099A3C}"/>
+                  </a:ext>
+                </a:extLst>
+              </p:cNvPr>
+              <p:cNvSpPr txBox="1"/>
+              <p:nvPr/>
+            </p:nvSpPr>
+            <p:spPr>
+              <a:xfrm>
+                <a:off x="639918" y="1354768"/>
+                <a:ext cx="10912162" cy="3959417"/>
+              </a:xfrm>
+              <a:prstGeom prst="rect">
+                <a:avLst/>
+              </a:prstGeom>
+              <a:noFill/>
+            </p:spPr>
+            <p:txBody>
+              <a:bodyPr wrap="square" rtlCol="0">
+                <a:spAutoFit/>
+              </a:bodyPr>
+              <a:lstStyle/>
+              <a:p>
+                <a:endParaRPr lang="en-PH" sz="2000" dirty="0"/>
+              </a:p>
+              <a:p>
+                <a14:m>
+                  <m:oMathPara xmlns:m="http://schemas.openxmlformats.org/officeDocument/2006/math">
+                    <m:oMathParaPr>
+                      <m:jc m:val="centerGroup"/>
+                    </m:oMathParaPr>
+                    <m:oMath xmlns:m="http://schemas.openxmlformats.org/officeDocument/2006/math">
+                      <m:r>
+                        <a:rPr lang="en-US" sz="4000" b="0" i="1" smtClean="0">
+                          <a:latin typeface="Cambria Math" panose="02040503050406030204" pitchFamily="18" charset="0"/>
+                        </a:rPr>
+                        <m:t>𝑧</m:t>
+                      </m:r>
+                      <m:r>
+                        <a:rPr lang="en-PH" sz="4000" i="1" smtClean="0">
+                          <a:latin typeface="Cambria Math" panose="02040503050406030204" pitchFamily="18" charset="0"/>
+                        </a:rPr>
+                        <m:t>=</m:t>
+                      </m:r>
+                      <m:r>
+                        <a:rPr lang="en-US" sz="4000" b="0" i="1" smtClean="0">
+                          <a:latin typeface="Cambria Math" panose="02040503050406030204" pitchFamily="18" charset="0"/>
+                        </a:rPr>
+                        <m:t> </m:t>
+                      </m:r>
+                      <m:f>
+                        <m:fPr>
+                          <m:ctrlPr>
+                            <a:rPr lang="en-US" sz="4000" b="0" i="1" smtClean="0">
+                              <a:latin typeface="Cambria Math" panose="02040503050406030204" pitchFamily="18" charset="0"/>
+                            </a:rPr>
+                          </m:ctrlPr>
+                        </m:fPr>
+                        <m:num>
+                          <m:acc>
+                            <m:accPr>
+                              <m:chr m:val="̅"/>
+                              <m:ctrlPr>
+                                <a:rPr lang="en-US" sz="4000" b="0" i="1" smtClean="0">
+                                  <a:latin typeface="Cambria Math" panose="02040503050406030204" pitchFamily="18" charset="0"/>
+                                </a:rPr>
+                              </m:ctrlPr>
+                            </m:accPr>
+                            <m:e>
+                              <m:r>
+                                <a:rPr lang="en-US" sz="4000" b="1" i="1" smtClean="0">
+                                  <a:solidFill>
+                                    <a:srgbClr val="7030A0"/>
+                                  </a:solidFill>
+                                  <a:latin typeface="Cambria Math" panose="02040503050406030204" pitchFamily="18" charset="0"/>
+                                </a:rPr>
+                                <m:t>𝒙</m:t>
+                              </m:r>
+                            </m:e>
+                          </m:acc>
+                          <m:r>
+                            <a:rPr lang="en-US" sz="4000" b="0" i="1" smtClean="0">
+                              <a:latin typeface="Cambria Math" panose="02040503050406030204" pitchFamily="18" charset="0"/>
+                            </a:rPr>
+                            <m:t> − </m:t>
+                          </m:r>
+                          <m:r>
+                            <a:rPr lang="en-US" sz="4000" b="1" i="1" smtClean="0">
+                              <a:solidFill>
+                                <a:srgbClr val="FFC000"/>
+                              </a:solidFill>
+                              <a:latin typeface="Cambria Math" panose="02040503050406030204" pitchFamily="18" charset="0"/>
+                              <a:ea typeface="Cambria Math" panose="02040503050406030204" pitchFamily="18" charset="0"/>
+                            </a:rPr>
+                            <m:t>𝝁</m:t>
+                          </m:r>
+                        </m:num>
+                        <m:den>
+                          <m:f>
+                            <m:fPr>
+                              <m:ctrlPr>
+                                <a:rPr lang="en-US" sz="4000" b="0" i="1" smtClean="0">
+                                  <a:latin typeface="Cambria Math" panose="02040503050406030204" pitchFamily="18" charset="0"/>
+                                </a:rPr>
+                              </m:ctrlPr>
+                            </m:fPr>
+                            <m:num>
+                              <m:r>
+                                <a:rPr lang="en-US" sz="4000" b="1" i="1" smtClean="0">
+                                  <a:solidFill>
+                                    <a:srgbClr val="0070C0"/>
+                                  </a:solidFill>
+                                  <a:latin typeface="Cambria Math" panose="02040503050406030204" pitchFamily="18" charset="0"/>
+                                  <a:ea typeface="Cambria Math" panose="02040503050406030204" pitchFamily="18" charset="0"/>
+                                </a:rPr>
+                                <m:t>𝝈</m:t>
+                              </m:r>
+                            </m:num>
+                            <m:den>
+                              <m:rad>
+                                <m:radPr>
+                                  <m:degHide m:val="on"/>
+                                  <m:ctrlPr>
+                                    <a:rPr lang="en-US" sz="4000" b="0" i="1" smtClean="0">
+                                      <a:latin typeface="Cambria Math" panose="02040503050406030204" pitchFamily="18" charset="0"/>
+                                    </a:rPr>
+                                  </m:ctrlPr>
+                                </m:radPr>
+                                <m:deg/>
+                                <m:e>
+                                  <m:r>
+                                    <a:rPr lang="en-US" sz="4000" b="1" i="1" smtClean="0">
+                                      <a:solidFill>
+                                        <a:srgbClr val="FF0000"/>
+                                      </a:solidFill>
+                                      <a:latin typeface="Cambria Math" panose="02040503050406030204" pitchFamily="18" charset="0"/>
+                                    </a:rPr>
+                                    <m:t>𝒏</m:t>
+                                  </m:r>
+                                </m:e>
+                              </m:rad>
+                            </m:den>
+                          </m:f>
+                        </m:den>
+                      </m:f>
+                    </m:oMath>
+                  </m:oMathPara>
+                </a14:m>
+                <a:endParaRPr lang="en-US" sz="4000" b="0" dirty="0"/>
+              </a:p>
+              <a:p>
+                <a:endParaRPr lang="en-PH" sz="2000" dirty="0"/>
+              </a:p>
+              <a:p>
+                <a:r>
+                  <a:rPr lang="en-PH" sz="2000" b="1" dirty="0"/>
+                  <a:t>Where: </a:t>
+                </a:r>
+              </a:p>
+              <a:p>
+                <a14:m>
+                  <m:oMath xmlns:m="http://schemas.openxmlformats.org/officeDocument/2006/math">
+                    <m:acc>
+                      <m:accPr>
+                        <m:chr m:val="̅"/>
+                        <m:ctrlPr>
+                          <a:rPr lang="en-US" sz="2000" b="1" i="1" smtClean="0">
+                            <a:solidFill>
+                              <a:srgbClr val="7030A0"/>
+                            </a:solidFill>
+                            <a:latin typeface="Cambria Math" panose="02040503050406030204" pitchFamily="18" charset="0"/>
+                          </a:rPr>
+                        </m:ctrlPr>
+                      </m:accPr>
+                      <m:e>
+                        <m:r>
+                          <a:rPr lang="en-US" sz="2000" b="1" i="1" smtClean="0">
+                            <a:solidFill>
+                              <a:srgbClr val="7030A0"/>
+                            </a:solidFill>
+                            <a:latin typeface="Cambria Math" panose="02040503050406030204" pitchFamily="18" charset="0"/>
+                          </a:rPr>
+                          <m:t>𝒙</m:t>
+                        </m:r>
+                      </m:e>
+                    </m:acc>
+                    <m:r>
+                      <a:rPr lang="en-US" sz="2000" b="1" i="1" smtClean="0">
+                        <a:solidFill>
+                          <a:srgbClr val="7030A0"/>
+                        </a:solidFill>
+                        <a:latin typeface="Cambria Math" panose="02040503050406030204" pitchFamily="18" charset="0"/>
+                      </a:rPr>
+                      <m:t> </m:t>
+                    </m:r>
+                  </m:oMath>
+                </a14:m>
+                <a:r>
+                  <a:rPr lang="en-PH" sz="2000" b="1" dirty="0">
+                    <a:solidFill>
+                      <a:srgbClr val="7030A0"/>
+                    </a:solidFill>
+                  </a:rPr>
+                  <a:t> </a:t>
+                </a:r>
+                <a:r>
+                  <a:rPr lang="en-PH" sz="2000" dirty="0"/>
+                  <a:t>is the </a:t>
+                </a:r>
+                <a:r>
+                  <a:rPr lang="en-PH" sz="2000" b="1" dirty="0"/>
+                  <a:t>Population mean height</a:t>
+                </a:r>
+              </a:p>
+              <a:p>
+                <a14:m>
+                  <m:oMath xmlns:m="http://schemas.openxmlformats.org/officeDocument/2006/math">
+                    <m:r>
+                      <a:rPr lang="en-US" sz="2000" b="1" i="1" smtClean="0">
+                        <a:solidFill>
+                          <a:srgbClr val="0070C0"/>
+                        </a:solidFill>
+                        <a:latin typeface="Cambria Math" panose="02040503050406030204" pitchFamily="18" charset="0"/>
+                        <a:ea typeface="Cambria Math" panose="02040503050406030204" pitchFamily="18" charset="0"/>
+                      </a:rPr>
+                      <m:t>𝝈</m:t>
+                    </m:r>
+                    <m:r>
+                      <a:rPr lang="en-US" sz="2000" i="1">
+                        <a:latin typeface="Cambria Math" panose="02040503050406030204" pitchFamily="18" charset="0"/>
+                        <a:ea typeface="Cambria Math" panose="02040503050406030204" pitchFamily="18" charset="0"/>
+                      </a:rPr>
+                      <m:t> </m:t>
+                    </m:r>
+                  </m:oMath>
+                </a14:m>
+                <a:r>
+                  <a:rPr lang="en-PH" sz="2000" dirty="0"/>
+                  <a:t>is the </a:t>
+                </a:r>
+                <a:r>
+                  <a:rPr lang="en-PH" sz="2000" b="1" dirty="0"/>
+                  <a:t>Population standard deviation</a:t>
+                </a:r>
+              </a:p>
+              <a:p>
+                <a14:m>
+                  <m:oMath xmlns:m="http://schemas.openxmlformats.org/officeDocument/2006/math">
+                    <m:r>
+                      <a:rPr lang="en-US" sz="2000" b="1" i="1" smtClean="0">
+                        <a:solidFill>
+                          <a:srgbClr val="FFC000"/>
+                        </a:solidFill>
+                        <a:latin typeface="Cambria Math" panose="02040503050406030204" pitchFamily="18" charset="0"/>
+                        <a:ea typeface="Cambria Math" panose="02040503050406030204" pitchFamily="18" charset="0"/>
+                      </a:rPr>
+                      <m:t>𝝁</m:t>
+                    </m:r>
+                    <m:r>
+                      <a:rPr lang="en-US" sz="2000" i="1">
+                        <a:latin typeface="Cambria Math" panose="02040503050406030204" pitchFamily="18" charset="0"/>
+                        <a:ea typeface="Cambria Math" panose="02040503050406030204" pitchFamily="18" charset="0"/>
+                      </a:rPr>
+                      <m:t> </m:t>
+                    </m:r>
+                  </m:oMath>
+                </a14:m>
+                <a:r>
+                  <a:rPr lang="en-PH" sz="2000" dirty="0"/>
+                  <a:t>is the </a:t>
+                </a:r>
+                <a:r>
+                  <a:rPr lang="en-PH" sz="2000" b="1" dirty="0"/>
+                  <a:t>sample mean</a:t>
+                </a:r>
+              </a:p>
+              <a:p>
+                <a14:m>
+                  <m:oMath xmlns:m="http://schemas.openxmlformats.org/officeDocument/2006/math">
+                    <m:r>
+                      <a:rPr lang="en-US" sz="2000" b="1" i="1" smtClean="0">
+                        <a:solidFill>
+                          <a:srgbClr val="FF0000"/>
+                        </a:solidFill>
+                        <a:latin typeface="Cambria Math" panose="02040503050406030204" pitchFamily="18" charset="0"/>
+                      </a:rPr>
+                      <m:t>𝒏</m:t>
+                    </m:r>
+                    <m:r>
+                      <a:rPr lang="en-US" sz="2000" i="1">
+                        <a:latin typeface="Cambria Math" panose="02040503050406030204" pitchFamily="18" charset="0"/>
+                      </a:rPr>
+                      <m:t> </m:t>
+                    </m:r>
+                    <m:r>
+                      <m:rPr>
+                        <m:sty m:val="p"/>
+                      </m:rPr>
+                      <a:rPr lang="en-US" sz="2000" b="0" i="0" smtClean="0">
+                        <a:latin typeface="Cambria Math" panose="02040503050406030204" pitchFamily="18" charset="0"/>
+                      </a:rPr>
+                      <m:t>is</m:t>
+                    </m:r>
+                    <m:r>
+                      <a:rPr lang="en-US" sz="2000" b="0" i="0" smtClean="0">
+                        <a:latin typeface="Cambria Math" panose="02040503050406030204" pitchFamily="18" charset="0"/>
+                      </a:rPr>
+                      <m:t> </m:t>
+                    </m:r>
+                    <m:r>
+                      <m:rPr>
+                        <m:sty m:val="p"/>
+                      </m:rPr>
+                      <a:rPr lang="en-US" sz="2000" b="0" i="0" smtClean="0">
+                        <a:latin typeface="Cambria Math" panose="02040503050406030204" pitchFamily="18" charset="0"/>
+                      </a:rPr>
+                      <m:t>the</m:t>
+                    </m:r>
+                    <m:r>
+                      <a:rPr lang="en-US" sz="2000" b="0" i="0" smtClean="0">
+                        <a:latin typeface="Cambria Math" panose="02040503050406030204" pitchFamily="18" charset="0"/>
+                      </a:rPr>
+                      <m:t> </m:t>
+                    </m:r>
+                    <m:r>
+                      <a:rPr lang="en-US" sz="2000" b="1" i="0" smtClean="0">
+                        <a:latin typeface="Cambria Math" panose="02040503050406030204" pitchFamily="18" charset="0"/>
+                      </a:rPr>
+                      <m:t>𝐬</m:t>
+                    </m:r>
+                  </m:oMath>
+                </a14:m>
+                <a:r>
+                  <a:rPr lang="en-PH" sz="2000" b="1" dirty="0"/>
+                  <a:t>ample size</a:t>
+                </a:r>
+              </a:p>
+            </p:txBody>
+          </p:sp>
+        </mc:Choice>
+        <mc:Fallback>
+          <p:sp>
+            <p:nvSpPr>
+              <p:cNvPr id="4" name="TextBox 3">
+                <a:extLst>
+                  <a:ext uri="{FF2B5EF4-FFF2-40B4-BE49-F238E27FC236}">
+                    <a16:creationId xmlns:a16="http://schemas.microsoft.com/office/drawing/2014/main" id="{4203C0C4-7C82-D208-A8B3-1AE6E9099A3C}"/>
+                  </a:ext>
+                </a:extLst>
+              </p:cNvPr>
+              <p:cNvSpPr txBox="1">
+                <a:spLocks noRot="1" noChangeAspect="1" noMove="1" noResize="1" noEditPoints="1" noAdjustHandles="1" noChangeArrowheads="1" noChangeShapeType="1" noTextEdit="1"/>
+              </p:cNvSpPr>
+              <p:nvPr/>
+            </p:nvSpPr>
+            <p:spPr>
+              <a:xfrm>
+                <a:off x="639918" y="1354768"/>
+                <a:ext cx="10912162" cy="3959417"/>
+              </a:xfrm>
+              <a:prstGeom prst="rect">
+                <a:avLst/>
+              </a:prstGeom>
+              <a:blipFill>
+                <a:blip r:embed="rId4"/>
+                <a:stretch>
+                  <a:fillRect l="-581" b="-1597"/>
+                </a:stretch>
+              </a:blipFill>
+            </p:spPr>
+            <p:txBody>
+              <a:bodyPr/>
+              <a:lstStyle/>
+              <a:p>
+                <a:r>
+                  <a:rPr lang="en-US">
+                    <a:noFill/>
+                  </a:rPr>
+                  <a:t> </a:t>
+                </a:r>
+              </a:p>
+            </p:txBody>
+          </p:sp>
+        </mc:Fallback>
+      </mc:AlternateContent>
+    </p:spTree>
+    <p:extLst>
+      <p:ext uri="{BB962C8B-B14F-4D97-AF65-F5344CB8AC3E}">
+        <p14:creationId xmlns:p14="http://schemas.microsoft.com/office/powerpoint/2010/main" val="899875560"/>
+      </p:ext>
+    </p:extLst>
+  </p:cSld>
+  <p:clrMapOvr>
+    <a:masterClrMapping/>
+  </p:clrMapOvr>
+</p:sld>
+</file>
+
+<file path=ppt/slides/slide18.xml><?xml version="1.0" encoding="utf-8"?>
+<p:sld xmlns:a="http://schemas.openxmlformats.org/drawingml/2006/main" xmlns:r="http://schemas.openxmlformats.org/officeDocument/2006/relationships" xmlns:p="http://schemas.openxmlformats.org/presentationml/2006/main">
+  <p:cSld>
+    <p:bg>
+      <p:bgPr>
+        <a:blipFill dpi="0" rotWithShape="1">
+          <a:blip r:embed="rId3">
+            <a:alphaModFix amt="99000"/>
+            <a:lum/>
+          </a:blip>
+          <a:srcRect/>
+          <a:stretch>
+            <a:fillRect t="89000" r="85000" b="-1000"/>
+          </a:stretch>
+        </a:blipFill>
+        <a:effectLst/>
+      </p:bgPr>
+    </p:bg>
+    <p:spTree>
+      <p:nvGrpSpPr>
+        <p:cNvPr id="1" name=""/>
+        <p:cNvGrpSpPr/>
+        <p:nvPr/>
+      </p:nvGrpSpPr>
+      <p:grpSpPr>
+        <a:xfrm>
+          <a:off x="0" y="0"/>
+          <a:ext cx="0" cy="0"/>
+          <a:chOff x="0" y="0"/>
+          <a:chExt cx="0" cy="0"/>
+        </a:xfrm>
+      </p:grpSpPr>
+      <p:sp>
+        <p:nvSpPr>
+          <p:cNvPr id="5" name="Title 1">
+            <a:extLst>
+              <a:ext uri="{FF2B5EF4-FFF2-40B4-BE49-F238E27FC236}">
+                <a16:creationId xmlns:a16="http://schemas.microsoft.com/office/drawing/2014/main" id="{3444037F-B658-D82C-5DCA-53E8AA1493D7}"/>
+              </a:ext>
+            </a:extLst>
+          </p:cNvPr>
+          <p:cNvSpPr txBox="1">
+            <a:spLocks/>
+          </p:cNvSpPr>
+          <p:nvPr/>
+        </p:nvSpPr>
+        <p:spPr>
+          <a:xfrm>
+            <a:off x="1524000" y="1516449"/>
+            <a:ext cx="9144000" cy="4290585"/>
+          </a:xfrm>
+          <a:prstGeom prst="rect">
+            <a:avLst/>
+          </a:prstGeom>
+        </p:spPr>
+        <p:txBody>
+          <a:bodyPr vert="horz" lIns="91440" tIns="45720" rIns="91440" bIns="45720" rtlCol="0" anchor="b">
+            <a:normAutofit fontScale="97500"/>
+          </a:bodyPr>
+          <a:lstStyle>
+            <a:lvl1pPr algn="ctr" defTabSz="914400" rtl="0" eaLnBrk="1" latinLnBrk="0" hangingPunct="1">
+              <a:lnSpc>
+                <a:spcPct val="90000"/>
+              </a:lnSpc>
+              <a:spcBef>
+                <a:spcPct val="0"/>
+              </a:spcBef>
+              <a:buNone/>
+              <a:defRPr sz="6000" kern="1200">
+                <a:solidFill>
+                  <a:schemeClr val="tx1"/>
+                </a:solidFill>
+                <a:latin typeface="+mj-lt"/>
+                <a:ea typeface="+mj-ea"/>
+                <a:cs typeface="+mj-cs"/>
+              </a:defRPr>
+            </a:lvl1pPr>
+          </a:lstStyle>
+          <a:p>
+            <a:pPr algn="l"/>
+            <a:endParaRPr lang="en-US" sz="3100" dirty="0"/>
+          </a:p>
+          <a:p>
+            <a:pPr algn="l"/>
+            <a:endParaRPr lang="en-US" sz="3100" dirty="0"/>
+          </a:p>
+          <a:p>
+            <a:pPr algn="l"/>
+            <a:endParaRPr lang="en-US" sz="3100" dirty="0"/>
+          </a:p>
+          <a:p>
+            <a:pPr algn="l"/>
+            <a:endParaRPr lang="en-US" sz="3100" dirty="0"/>
+          </a:p>
+          <a:p>
+            <a:pPr algn="l"/>
+            <a:endParaRPr lang="en-US" sz="3000" dirty="0"/>
+          </a:p>
+          <a:p>
+            <a:pPr algn="l"/>
+            <a:endParaRPr lang="en-US" sz="3000" dirty="0"/>
+          </a:p>
+        </p:txBody>
+      </p:sp>
+      <p:sp>
+        <p:nvSpPr>
+          <p:cNvPr id="38" name="Title 1">
+            <a:extLst>
+              <a:ext uri="{FF2B5EF4-FFF2-40B4-BE49-F238E27FC236}">
+                <a16:creationId xmlns:a16="http://schemas.microsoft.com/office/drawing/2014/main" id="{85194D96-4E26-6A5A-5AB5-02AFD53E7543}"/>
+              </a:ext>
+            </a:extLst>
+          </p:cNvPr>
+          <p:cNvSpPr>
+            <a:spLocks noGrp="1"/>
+          </p:cNvSpPr>
+          <p:nvPr>
+            <p:ph type="ctrTitle"/>
+          </p:nvPr>
+        </p:nvSpPr>
+        <p:spPr>
+          <a:xfrm>
+            <a:off x="1128386" y="415731"/>
+            <a:ext cx="9935227" cy="718459"/>
+          </a:xfrm>
+        </p:spPr>
+        <p:txBody>
+          <a:bodyPr>
+            <a:noAutofit/>
+          </a:bodyPr>
+          <a:lstStyle/>
+          <a:p>
+            <a:r>
+              <a:rPr lang="en-US" sz="5000" b="1" dirty="0"/>
+              <a:t>Step 1: Get the Z-Score</a:t>
+            </a:r>
+            <a:endParaRPr lang="en-PH" sz="5000" b="1" dirty="0"/>
+          </a:p>
+        </p:txBody>
+      </p:sp>
+      <p:sp>
+        <p:nvSpPr>
+          <p:cNvPr id="39" name="Footer Placeholder 3">
+            <a:extLst>
+              <a:ext uri="{FF2B5EF4-FFF2-40B4-BE49-F238E27FC236}">
+                <a16:creationId xmlns:a16="http://schemas.microsoft.com/office/drawing/2014/main" id="{77EF4DA7-E5CF-896F-45E0-B1D58FD59B96}"/>
+              </a:ext>
+            </a:extLst>
+          </p:cNvPr>
+          <p:cNvSpPr>
+            <a:spLocks noGrp="1"/>
+          </p:cNvSpPr>
+          <p:nvPr>
+            <p:ph type="ftr" sz="quarter" idx="11"/>
+          </p:nvPr>
+        </p:nvSpPr>
+        <p:spPr>
+          <a:xfrm>
+            <a:off x="0" y="6139541"/>
+            <a:ext cx="12192000" cy="718459"/>
+          </a:xfrm>
+          <a:ln w="28575">
+            <a:solidFill>
+              <a:schemeClr val="accent5">
+                <a:lumMod val="50000"/>
+              </a:schemeClr>
+            </a:solidFill>
+          </a:ln>
+        </p:spPr>
+        <p:txBody>
+          <a:bodyPr/>
+          <a:lstStyle/>
+          <a:p>
+            <a:pPr lvl="1" algn="r"/>
+            <a:r>
+              <a:rPr lang="en-US" sz="1200" b="1" dirty="0"/>
+              <a:t>CCDATS1L</a:t>
+            </a:r>
+            <a:endParaRPr lang="en-PH" sz="1200" b="1" dirty="0"/>
+          </a:p>
+        </p:txBody>
+      </p:sp>
+      <mc:AlternateContent xmlns:mc="http://schemas.openxmlformats.org/markup-compatibility/2006">
+        <mc:Choice xmlns:a14="http://schemas.microsoft.com/office/drawing/2010/main" Requires="a14">
+          <p:sp>
+            <p:nvSpPr>
+              <p:cNvPr id="4" name="TextBox 3">
+                <a:extLst>
+                  <a:ext uri="{FF2B5EF4-FFF2-40B4-BE49-F238E27FC236}">
+                    <a16:creationId xmlns:a16="http://schemas.microsoft.com/office/drawing/2014/main" id="{4203C0C4-7C82-D208-A8B3-1AE6E9099A3C}"/>
+                  </a:ext>
+                </a:extLst>
+              </p:cNvPr>
+              <p:cNvSpPr txBox="1"/>
+              <p:nvPr/>
+            </p:nvSpPr>
+            <p:spPr>
+              <a:xfrm>
+                <a:off x="639918" y="1354768"/>
+                <a:ext cx="10912162" cy="5280869"/>
+              </a:xfrm>
+              <a:prstGeom prst="rect">
+                <a:avLst/>
+              </a:prstGeom>
+              <a:noFill/>
+            </p:spPr>
+            <p:txBody>
+              <a:bodyPr wrap="square" rtlCol="0">
+                <a:spAutoFit/>
+              </a:bodyPr>
+              <a:lstStyle/>
+              <a:p>
+                <a14:m>
+                  <m:oMath xmlns:m="http://schemas.openxmlformats.org/officeDocument/2006/math">
+                    <m:acc>
+                      <m:accPr>
+                        <m:chr m:val="̅"/>
+                        <m:ctrlPr>
+                          <a:rPr lang="en-US" sz="2000" b="1" i="1" smtClean="0">
+                            <a:solidFill>
+                              <a:srgbClr val="7030A0"/>
+                            </a:solidFill>
+                            <a:latin typeface="Cambria Math" panose="02040503050406030204" pitchFamily="18" charset="0"/>
+                          </a:rPr>
+                        </m:ctrlPr>
+                      </m:accPr>
+                      <m:e>
+                        <m:r>
+                          <a:rPr lang="en-US" sz="2000" b="1" i="1" smtClean="0">
+                            <a:solidFill>
+                              <a:srgbClr val="7030A0"/>
+                            </a:solidFill>
+                            <a:latin typeface="Cambria Math" panose="02040503050406030204" pitchFamily="18" charset="0"/>
+                          </a:rPr>
+                          <m:t>𝒙</m:t>
+                        </m:r>
+                      </m:e>
+                    </m:acc>
+                    <m:r>
+                      <a:rPr lang="en-US" sz="2000" b="1" i="1" smtClean="0">
+                        <a:solidFill>
+                          <a:srgbClr val="7030A0"/>
+                        </a:solidFill>
+                        <a:latin typeface="Cambria Math" panose="02040503050406030204" pitchFamily="18" charset="0"/>
+                      </a:rPr>
+                      <m:t> </m:t>
+                    </m:r>
+                  </m:oMath>
+                </a14:m>
+                <a:r>
+                  <a:rPr lang="en-PH" sz="2000" dirty="0"/>
+                  <a:t>= 84 inches</a:t>
+                </a:r>
+              </a:p>
+              <a:p>
+                <a14:m>
+                  <m:oMath xmlns:m="http://schemas.openxmlformats.org/officeDocument/2006/math">
+                    <m:r>
+                      <a:rPr lang="en-US" sz="2000" b="1" i="1" smtClean="0">
+                        <a:solidFill>
+                          <a:srgbClr val="0070C0"/>
+                        </a:solidFill>
+                        <a:latin typeface="Cambria Math" panose="02040503050406030204" pitchFamily="18" charset="0"/>
+                        <a:ea typeface="Cambria Math" panose="02040503050406030204" pitchFamily="18" charset="0"/>
+                      </a:rPr>
+                      <m:t>𝝈</m:t>
+                    </m:r>
+                    <m:r>
+                      <a:rPr lang="en-US" sz="2000" b="1" i="1" smtClean="0">
+                        <a:solidFill>
+                          <a:srgbClr val="0070C0"/>
+                        </a:solidFill>
+                        <a:latin typeface="Cambria Math" panose="02040503050406030204" pitchFamily="18" charset="0"/>
+                        <a:ea typeface="Cambria Math" panose="02040503050406030204" pitchFamily="18" charset="0"/>
+                      </a:rPr>
+                      <m:t> </m:t>
+                    </m:r>
+                  </m:oMath>
+                </a14:m>
+                <a:r>
+                  <a:rPr lang="en-PH" sz="2000" dirty="0"/>
+                  <a:t>= 3.5</a:t>
+                </a:r>
+              </a:p>
+              <a:p>
+                <a14:m>
+                  <m:oMath xmlns:m="http://schemas.openxmlformats.org/officeDocument/2006/math">
+                    <m:r>
+                      <a:rPr lang="en-US" sz="2000" b="1" i="1" smtClean="0">
+                        <a:solidFill>
+                          <a:srgbClr val="FFC000"/>
+                        </a:solidFill>
+                        <a:latin typeface="Cambria Math" panose="02040503050406030204" pitchFamily="18" charset="0"/>
+                        <a:ea typeface="Cambria Math" panose="02040503050406030204" pitchFamily="18" charset="0"/>
+                      </a:rPr>
+                      <m:t>𝝁</m:t>
+                    </m:r>
+                    <m:r>
+                      <a:rPr lang="en-US" sz="2000" b="0" i="1" smtClean="0">
+                        <a:solidFill>
+                          <a:srgbClr val="FFC000"/>
+                        </a:solidFill>
+                        <a:latin typeface="Cambria Math" panose="02040503050406030204" pitchFamily="18" charset="0"/>
+                      </a:rPr>
+                      <m:t> </m:t>
+                    </m:r>
+                  </m:oMath>
+                </a14:m>
+                <a:r>
+                  <a:rPr lang="en-PH" sz="2000" dirty="0"/>
+                  <a:t>= 36.6 inches </a:t>
+                </a:r>
+              </a:p>
+              <a:p>
+                <a14:m>
+                  <m:oMath xmlns:m="http://schemas.openxmlformats.org/officeDocument/2006/math">
+                    <m:r>
+                      <a:rPr lang="en-US" sz="2000" b="1" i="1" smtClean="0">
+                        <a:solidFill>
+                          <a:srgbClr val="FF0000"/>
+                        </a:solidFill>
+                        <a:latin typeface="Cambria Math" panose="02040503050406030204" pitchFamily="18" charset="0"/>
+                      </a:rPr>
+                      <m:t>𝒏</m:t>
+                    </m:r>
+                    <m:r>
+                      <a:rPr lang="en-US" sz="2000" b="1" i="1" smtClean="0">
+                        <a:solidFill>
+                          <a:srgbClr val="FF0000"/>
+                        </a:solidFill>
+                        <a:latin typeface="Cambria Math" panose="02040503050406030204" pitchFamily="18" charset="0"/>
+                      </a:rPr>
+                      <m:t> </m:t>
+                    </m:r>
+                  </m:oMath>
+                </a14:m>
+                <a:r>
+                  <a:rPr lang="en-PH" sz="2000" dirty="0"/>
+                  <a:t>= 16</a:t>
+                </a:r>
+              </a:p>
+              <a:p>
+                <a:endParaRPr lang="en-PH" sz="2000" dirty="0"/>
+              </a:p>
+              <a:p>
+                <a:pPr/>
+                <a14:m>
+                  <m:oMathPara xmlns:m="http://schemas.openxmlformats.org/officeDocument/2006/math">
+                    <m:oMathParaPr>
+                      <m:jc m:val="centerGroup"/>
+                    </m:oMathParaPr>
+                    <m:oMath xmlns:m="http://schemas.openxmlformats.org/officeDocument/2006/math">
+                      <m:r>
+                        <a:rPr lang="en-US" sz="2000" b="0" i="1" smtClean="0">
+                          <a:latin typeface="Cambria Math" panose="02040503050406030204" pitchFamily="18" charset="0"/>
+                          <a:ea typeface="Cambria Math" panose="02040503050406030204" pitchFamily="18" charset="0"/>
+                        </a:rPr>
+                        <m:t>𝑧</m:t>
+                      </m:r>
+                      <m:r>
+                        <a:rPr lang="en-PH" sz="2000" i="1" smtClean="0">
+                          <a:latin typeface="Cambria Math" panose="02040503050406030204" pitchFamily="18" charset="0"/>
+                          <a:ea typeface="Cambria Math" panose="02040503050406030204" pitchFamily="18" charset="0"/>
+                        </a:rPr>
+                        <m:t>=</m:t>
+                      </m:r>
+                      <m:r>
+                        <a:rPr lang="en-US" sz="2000" b="0" i="1" smtClean="0">
+                          <a:latin typeface="Cambria Math" panose="02040503050406030204" pitchFamily="18" charset="0"/>
+                          <a:ea typeface="Cambria Math" panose="02040503050406030204" pitchFamily="18" charset="0"/>
+                        </a:rPr>
+                        <m:t> </m:t>
+                      </m:r>
+                      <m:f>
+                        <m:fPr>
+                          <m:ctrlPr>
+                            <a:rPr lang="en-US" sz="2000" b="0" i="1" smtClean="0">
+                              <a:latin typeface="Cambria Math" panose="02040503050406030204" pitchFamily="18" charset="0"/>
+                              <a:ea typeface="Cambria Math" panose="02040503050406030204" pitchFamily="18" charset="0"/>
+                            </a:rPr>
+                          </m:ctrlPr>
+                        </m:fPr>
+                        <m:num>
+                          <m:r>
+                            <a:rPr lang="en-US" sz="2000" b="1" i="1" smtClean="0">
+                              <a:latin typeface="Cambria Math" panose="02040503050406030204" pitchFamily="18" charset="0"/>
+                              <a:ea typeface="Cambria Math" panose="02040503050406030204" pitchFamily="18" charset="0"/>
+                            </a:rPr>
+                            <m:t>𝟖𝟒</m:t>
+                          </m:r>
+                          <m:r>
+                            <a:rPr lang="en-US" sz="2000" b="0" i="1" smtClean="0">
+                              <a:latin typeface="Cambria Math" panose="02040503050406030204" pitchFamily="18" charset="0"/>
+                              <a:ea typeface="Cambria Math" panose="02040503050406030204" pitchFamily="18" charset="0"/>
+                            </a:rPr>
+                            <m:t>−</m:t>
+                          </m:r>
+                          <m:r>
+                            <a:rPr lang="en-US" sz="2000" b="1" i="1" smtClean="0">
+                              <a:latin typeface="Cambria Math" panose="02040503050406030204" pitchFamily="18" charset="0"/>
+                              <a:ea typeface="Cambria Math" panose="02040503050406030204" pitchFamily="18" charset="0"/>
+                            </a:rPr>
+                            <m:t>𝟔𝟑</m:t>
+                          </m:r>
+                          <m:r>
+                            <a:rPr lang="en-US" sz="2000" b="1" i="1" smtClean="0">
+                              <a:latin typeface="Cambria Math" panose="02040503050406030204" pitchFamily="18" charset="0"/>
+                              <a:ea typeface="Cambria Math" panose="02040503050406030204" pitchFamily="18" charset="0"/>
+                            </a:rPr>
+                            <m:t>.</m:t>
+                          </m:r>
+                          <m:r>
+                            <a:rPr lang="en-US" sz="2000" b="1" i="1" smtClean="0">
+                              <a:latin typeface="Cambria Math" panose="02040503050406030204" pitchFamily="18" charset="0"/>
+                              <a:ea typeface="Cambria Math" panose="02040503050406030204" pitchFamily="18" charset="0"/>
+                            </a:rPr>
+                            <m:t>𝟔</m:t>
+                          </m:r>
+                        </m:num>
+                        <m:den>
+                          <m:f>
+                            <m:fPr>
+                              <m:ctrlPr>
+                                <a:rPr lang="en-US" sz="2000" b="0" i="1" smtClean="0">
+                                  <a:latin typeface="Cambria Math" panose="02040503050406030204" pitchFamily="18" charset="0"/>
+                                  <a:ea typeface="Cambria Math" panose="02040503050406030204" pitchFamily="18" charset="0"/>
+                                </a:rPr>
+                              </m:ctrlPr>
+                            </m:fPr>
+                            <m:num>
+                              <m:r>
+                                <a:rPr lang="en-US" sz="2000" b="1" i="1" smtClean="0">
+                                  <a:latin typeface="Cambria Math" panose="02040503050406030204" pitchFamily="18" charset="0"/>
+                                  <a:ea typeface="Cambria Math" panose="02040503050406030204" pitchFamily="18" charset="0"/>
+                                </a:rPr>
+                                <m:t>𝟑</m:t>
+                              </m:r>
+                              <m:r>
+                                <a:rPr lang="en-US" sz="2000" b="1" i="1" smtClean="0">
+                                  <a:latin typeface="Cambria Math" panose="02040503050406030204" pitchFamily="18" charset="0"/>
+                                  <a:ea typeface="Cambria Math" panose="02040503050406030204" pitchFamily="18" charset="0"/>
+                                </a:rPr>
+                                <m:t>.</m:t>
+                              </m:r>
+                              <m:r>
+                                <a:rPr lang="en-US" sz="2000" b="1" i="1" smtClean="0">
+                                  <a:latin typeface="Cambria Math" panose="02040503050406030204" pitchFamily="18" charset="0"/>
+                                  <a:ea typeface="Cambria Math" panose="02040503050406030204" pitchFamily="18" charset="0"/>
+                                </a:rPr>
+                                <m:t>𝟓</m:t>
+                              </m:r>
+                            </m:num>
+                            <m:den>
+                              <m:rad>
+                                <m:radPr>
+                                  <m:degHide m:val="on"/>
+                                  <m:ctrlPr>
+                                    <a:rPr lang="en-US" sz="2000" b="0" i="1" smtClean="0">
+                                      <a:latin typeface="Cambria Math" panose="02040503050406030204" pitchFamily="18" charset="0"/>
+                                      <a:ea typeface="Cambria Math" panose="02040503050406030204" pitchFamily="18" charset="0"/>
+                                    </a:rPr>
+                                  </m:ctrlPr>
+                                </m:radPr>
+                                <m:deg/>
+                                <m:e>
+                                  <m:r>
+                                    <a:rPr lang="en-US" sz="2000" b="1" i="1" smtClean="0">
+                                      <a:latin typeface="Cambria Math" panose="02040503050406030204" pitchFamily="18" charset="0"/>
+                                      <a:ea typeface="Cambria Math" panose="02040503050406030204" pitchFamily="18" charset="0"/>
+                                    </a:rPr>
+                                    <m:t>𝟏𝟔</m:t>
+                                  </m:r>
+                                </m:e>
+                              </m:rad>
+                            </m:den>
+                          </m:f>
+                        </m:den>
+                      </m:f>
+                    </m:oMath>
+                  </m:oMathPara>
+                </a14:m>
+                <a:endParaRPr lang="en-US" sz="2000" b="0" dirty="0">
+                  <a:solidFill>
+                    <a:srgbClr val="FF0000"/>
+                  </a:solidFill>
+                  <a:latin typeface="Cambria Math" panose="02040503050406030204" pitchFamily="18" charset="0"/>
+                  <a:ea typeface="Cambria Math" panose="02040503050406030204" pitchFamily="18" charset="0"/>
+                </a:endParaRPr>
+              </a:p>
+              <a:p>
+                <a:pPr/>
+                <a:endParaRPr lang="en-US" sz="2000" b="0" dirty="0">
+                  <a:solidFill>
+                    <a:srgbClr val="FF0000"/>
+                  </a:solidFill>
+                  <a:latin typeface="Cambria Math" panose="02040503050406030204" pitchFamily="18" charset="0"/>
+                  <a:ea typeface="Cambria Math" panose="02040503050406030204" pitchFamily="18" charset="0"/>
+                </a:endParaRPr>
+              </a:p>
+              <a:p>
+                <a:pPr/>
+                <a14:m>
+                  <m:oMathPara xmlns:m="http://schemas.openxmlformats.org/officeDocument/2006/math">
+                    <m:oMathParaPr>
+                      <m:jc m:val="centerGroup"/>
+                    </m:oMathParaPr>
+                    <m:oMath xmlns:m="http://schemas.openxmlformats.org/officeDocument/2006/math">
+                      <m:r>
+                        <a:rPr lang="en-US" sz="2000" b="0" i="1" smtClean="0">
+                          <a:latin typeface="Cambria Math" panose="02040503050406030204" pitchFamily="18" charset="0"/>
+                          <a:ea typeface="Cambria Math" panose="02040503050406030204" pitchFamily="18" charset="0"/>
+                        </a:rPr>
+                        <m:t>𝑧</m:t>
+                      </m:r>
+                      <m:r>
+                        <a:rPr lang="en-PH" sz="2000" i="1" smtClean="0">
+                          <a:latin typeface="Cambria Math" panose="02040503050406030204" pitchFamily="18" charset="0"/>
+                          <a:ea typeface="Cambria Math" panose="02040503050406030204" pitchFamily="18" charset="0"/>
+                        </a:rPr>
+                        <m:t>=</m:t>
+                      </m:r>
+                      <m:r>
+                        <a:rPr lang="en-US" sz="2000" b="0" i="1" smtClean="0">
+                          <a:latin typeface="Cambria Math" panose="02040503050406030204" pitchFamily="18" charset="0"/>
+                          <a:ea typeface="Cambria Math" panose="02040503050406030204" pitchFamily="18" charset="0"/>
+                        </a:rPr>
+                        <m:t> </m:t>
+                      </m:r>
+                      <m:f>
+                        <m:fPr>
+                          <m:ctrlPr>
+                            <a:rPr lang="en-US" sz="2000" b="0" i="1" smtClean="0">
+                              <a:latin typeface="Cambria Math" panose="02040503050406030204" pitchFamily="18" charset="0"/>
+                              <a:ea typeface="Cambria Math" panose="02040503050406030204" pitchFamily="18" charset="0"/>
+                            </a:rPr>
+                          </m:ctrlPr>
+                        </m:fPr>
+                        <m:num>
+                          <m:r>
+                            <a:rPr lang="en-US" sz="2000" b="0" i="1" smtClean="0">
+                              <a:latin typeface="Cambria Math" panose="02040503050406030204" pitchFamily="18" charset="0"/>
+                              <a:ea typeface="Cambria Math" panose="02040503050406030204" pitchFamily="18" charset="0"/>
+                            </a:rPr>
+                            <m:t>20.4</m:t>
+                          </m:r>
+                        </m:num>
+                        <m:den>
+                          <m:r>
+                            <a:rPr lang="en-US" sz="2000" b="0" i="1" smtClean="0">
+                              <a:latin typeface="Cambria Math" panose="02040503050406030204" pitchFamily="18" charset="0"/>
+                              <a:ea typeface="Cambria Math" panose="02040503050406030204" pitchFamily="18" charset="0"/>
+                            </a:rPr>
+                            <m:t>0.875</m:t>
+                          </m:r>
+                        </m:den>
+                      </m:f>
+                    </m:oMath>
+                  </m:oMathPara>
+                </a14:m>
+                <a:endParaRPr lang="en-US" sz="2000" b="0" dirty="0">
+                  <a:latin typeface="Cambria Math" panose="02040503050406030204" pitchFamily="18" charset="0"/>
+                  <a:ea typeface="Cambria Math" panose="02040503050406030204" pitchFamily="18" charset="0"/>
+                </a:endParaRPr>
+              </a:p>
+              <a:p>
+                <a:pPr/>
+                <a:endParaRPr lang="en-US" sz="2000" b="0" dirty="0">
+                  <a:solidFill>
+                    <a:srgbClr val="FF0000"/>
+                  </a:solidFill>
+                  <a:latin typeface="Cambria Math" panose="02040503050406030204" pitchFamily="18" charset="0"/>
+                  <a:ea typeface="Cambria Math" panose="02040503050406030204" pitchFamily="18" charset="0"/>
+                </a:endParaRPr>
+              </a:p>
+              <a:p>
+                <a:pPr/>
+                <a14:m>
+                  <m:oMathPara xmlns:m="http://schemas.openxmlformats.org/officeDocument/2006/math">
+                    <m:oMathParaPr>
+                      <m:jc m:val="centerGroup"/>
+                    </m:oMathParaPr>
+                    <m:oMath xmlns:m="http://schemas.openxmlformats.org/officeDocument/2006/math">
+                      <m:r>
+                        <a:rPr lang="en-US" sz="4000" b="1" i="1" smtClean="0">
+                          <a:solidFill>
+                            <a:srgbClr val="00B050"/>
+                          </a:solidFill>
+                          <a:latin typeface="Cambria Math" panose="02040503050406030204" pitchFamily="18" charset="0"/>
+                          <a:ea typeface="Cambria Math" panose="02040503050406030204" pitchFamily="18" charset="0"/>
+                        </a:rPr>
+                        <m:t>𝒛</m:t>
+                      </m:r>
+                      <m:r>
+                        <a:rPr lang="en-PH" sz="4000" b="1" i="1" smtClean="0">
+                          <a:solidFill>
+                            <a:srgbClr val="00B050"/>
+                          </a:solidFill>
+                          <a:latin typeface="Cambria Math" panose="02040503050406030204" pitchFamily="18" charset="0"/>
+                          <a:ea typeface="Cambria Math" panose="02040503050406030204" pitchFamily="18" charset="0"/>
+                        </a:rPr>
+                        <m:t>=</m:t>
+                      </m:r>
+                      <m:r>
+                        <a:rPr lang="en-US" sz="4000" b="1" i="1" smtClean="0">
+                          <a:solidFill>
+                            <a:srgbClr val="00B050"/>
+                          </a:solidFill>
+                          <a:latin typeface="Cambria Math" panose="02040503050406030204" pitchFamily="18" charset="0"/>
+                          <a:ea typeface="Cambria Math" panose="02040503050406030204" pitchFamily="18" charset="0"/>
+                        </a:rPr>
+                        <m:t>𝟐𝟑</m:t>
+                      </m:r>
+                      <m:r>
+                        <a:rPr lang="en-US" sz="4000" b="1" i="1" smtClean="0">
+                          <a:solidFill>
+                            <a:srgbClr val="00B050"/>
+                          </a:solidFill>
+                          <a:latin typeface="Cambria Math" panose="02040503050406030204" pitchFamily="18" charset="0"/>
+                          <a:ea typeface="Cambria Math" panose="02040503050406030204" pitchFamily="18" charset="0"/>
+                        </a:rPr>
+                        <m:t>.</m:t>
+                      </m:r>
+                      <m:r>
+                        <a:rPr lang="en-US" sz="4000" b="1" i="1" smtClean="0">
+                          <a:solidFill>
+                            <a:srgbClr val="00B050"/>
+                          </a:solidFill>
+                          <a:latin typeface="Cambria Math" panose="02040503050406030204" pitchFamily="18" charset="0"/>
+                          <a:ea typeface="Cambria Math" panose="02040503050406030204" pitchFamily="18" charset="0"/>
+                        </a:rPr>
+                        <m:t>𝟑𝟏𝟒</m:t>
+                      </m:r>
+                    </m:oMath>
+                  </m:oMathPara>
+                </a14:m>
+                <a:endParaRPr lang="en-US" sz="4000" b="1" dirty="0">
+                  <a:solidFill>
+                    <a:srgbClr val="00B050"/>
+                  </a:solidFill>
+                  <a:latin typeface="Cambria Math" panose="02040503050406030204" pitchFamily="18" charset="0"/>
+                  <a:ea typeface="Cambria Math" panose="02040503050406030204" pitchFamily="18" charset="0"/>
+                </a:endParaRPr>
+              </a:p>
+              <a:p>
+                <a:pPr/>
+                <a:endParaRPr lang="en-US" sz="4000" b="0" dirty="0"/>
+              </a:p>
+              <a:p>
+                <a:endParaRPr lang="en-PH" sz="2000" dirty="0"/>
+              </a:p>
+            </p:txBody>
+          </p:sp>
+        </mc:Choice>
+        <mc:Fallback>
+          <p:sp>
+            <p:nvSpPr>
+              <p:cNvPr id="4" name="TextBox 3">
+                <a:extLst>
+                  <a:ext uri="{FF2B5EF4-FFF2-40B4-BE49-F238E27FC236}">
+                    <a16:creationId xmlns:a16="http://schemas.microsoft.com/office/drawing/2014/main" id="{4203C0C4-7C82-D208-A8B3-1AE6E9099A3C}"/>
+                  </a:ext>
+                </a:extLst>
+              </p:cNvPr>
+              <p:cNvSpPr txBox="1">
+                <a:spLocks noRot="1" noChangeAspect="1" noMove="1" noResize="1" noEditPoints="1" noAdjustHandles="1" noChangeArrowheads="1" noChangeShapeType="1" noTextEdit="1"/>
+              </p:cNvSpPr>
+              <p:nvPr/>
+            </p:nvSpPr>
+            <p:spPr>
+              <a:xfrm>
+                <a:off x="639918" y="1354768"/>
+                <a:ext cx="10912162" cy="5280869"/>
+              </a:xfrm>
+              <a:prstGeom prst="rect">
+                <a:avLst/>
+              </a:prstGeom>
+              <a:blipFill>
+                <a:blip r:embed="rId4"/>
+                <a:stretch>
+                  <a:fillRect t="-480"/>
+                </a:stretch>
+              </a:blipFill>
+            </p:spPr>
+            <p:txBody>
+              <a:bodyPr/>
+              <a:lstStyle/>
+              <a:p>
+                <a:r>
+                  <a:rPr lang="en-US">
+                    <a:noFill/>
+                  </a:rPr>
+                  <a:t> </a:t>
+                </a:r>
+              </a:p>
+            </p:txBody>
+          </p:sp>
+        </mc:Fallback>
+      </mc:AlternateContent>
+    </p:spTree>
+    <p:extLst>
+      <p:ext uri="{BB962C8B-B14F-4D97-AF65-F5344CB8AC3E}">
+        <p14:creationId xmlns:p14="http://schemas.microsoft.com/office/powerpoint/2010/main" val="2946206974"/>
+      </p:ext>
+    </p:extLst>
+  </p:cSld>
+  <p:clrMapOvr>
+    <a:masterClrMapping/>
+  </p:clrMapOvr>
+</p:sld>
+</file>
+
+<file path=ppt/slides/slide19.xml><?xml version="1.0" encoding="utf-8"?>
+<p:sld xmlns:a="http://schemas.openxmlformats.org/drawingml/2006/main" xmlns:r="http://schemas.openxmlformats.org/officeDocument/2006/relationships" xmlns:p="http://schemas.openxmlformats.org/presentationml/2006/main">
+  <p:cSld>
+    <p:bg>
+      <p:bgPr>
+        <a:blipFill dpi="0" rotWithShape="1">
+          <a:blip r:embed="rId3">
+            <a:alphaModFix amt="99000"/>
+            <a:lum/>
+          </a:blip>
+          <a:srcRect/>
+          <a:stretch>
+            <a:fillRect t="89000" r="85000" b="-1000"/>
+          </a:stretch>
+        </a:blipFill>
+        <a:effectLst/>
+      </p:bgPr>
+    </p:bg>
+    <p:spTree>
+      <p:nvGrpSpPr>
+        <p:cNvPr id="1" name=""/>
+        <p:cNvGrpSpPr/>
+        <p:nvPr/>
+      </p:nvGrpSpPr>
+      <p:grpSpPr>
+        <a:xfrm>
+          <a:off x="0" y="0"/>
+          <a:ext cx="0" cy="0"/>
+          <a:chOff x="0" y="0"/>
+          <a:chExt cx="0" cy="0"/>
+        </a:xfrm>
+      </p:grpSpPr>
+      <p:sp>
+        <p:nvSpPr>
+          <p:cNvPr id="5" name="Title 1">
+            <a:extLst>
+              <a:ext uri="{FF2B5EF4-FFF2-40B4-BE49-F238E27FC236}">
+                <a16:creationId xmlns:a16="http://schemas.microsoft.com/office/drawing/2014/main" id="{3444037F-B658-D82C-5DCA-53E8AA1493D7}"/>
+              </a:ext>
+            </a:extLst>
+          </p:cNvPr>
+          <p:cNvSpPr txBox="1">
+            <a:spLocks/>
+          </p:cNvSpPr>
+          <p:nvPr/>
+        </p:nvSpPr>
+        <p:spPr>
+          <a:xfrm>
+            <a:off x="1524000" y="1516449"/>
+            <a:ext cx="9144000" cy="4290585"/>
+          </a:xfrm>
+          <a:prstGeom prst="rect">
+            <a:avLst/>
+          </a:prstGeom>
+        </p:spPr>
+        <p:txBody>
+          <a:bodyPr vert="horz" lIns="91440" tIns="45720" rIns="91440" bIns="45720" rtlCol="0" anchor="b">
+            <a:normAutofit fontScale="97500"/>
+          </a:bodyPr>
+          <a:lstStyle>
+            <a:lvl1pPr algn="ctr" defTabSz="914400" rtl="0" eaLnBrk="1" latinLnBrk="0" hangingPunct="1">
+              <a:lnSpc>
+                <a:spcPct val="90000"/>
+              </a:lnSpc>
+              <a:spcBef>
+                <a:spcPct val="0"/>
+              </a:spcBef>
+              <a:buNone/>
+              <a:defRPr sz="6000" kern="1200">
+                <a:solidFill>
+                  <a:schemeClr val="tx1"/>
+                </a:solidFill>
+                <a:latin typeface="+mj-lt"/>
+                <a:ea typeface="+mj-ea"/>
+                <a:cs typeface="+mj-cs"/>
+              </a:defRPr>
+            </a:lvl1pPr>
+          </a:lstStyle>
+          <a:p>
+            <a:pPr algn="l"/>
+            <a:endParaRPr lang="en-US" sz="3100" dirty="0"/>
+          </a:p>
+          <a:p>
+            <a:pPr algn="l"/>
+            <a:endParaRPr lang="en-US" sz="3100" dirty="0"/>
+          </a:p>
+          <a:p>
+            <a:pPr algn="l"/>
+            <a:endParaRPr lang="en-US" sz="3100" dirty="0"/>
+          </a:p>
+          <a:p>
+            <a:pPr algn="l"/>
+            <a:endParaRPr lang="en-US" sz="3100" dirty="0"/>
+          </a:p>
+          <a:p>
+            <a:pPr algn="l"/>
+            <a:endParaRPr lang="en-US" sz="3000" dirty="0"/>
+          </a:p>
+          <a:p>
+            <a:pPr algn="l"/>
+            <a:endParaRPr lang="en-US" sz="3000" dirty="0"/>
+          </a:p>
+        </p:txBody>
+      </p:sp>
+      <p:sp>
+        <p:nvSpPr>
+          <p:cNvPr id="38" name="Title 1">
+            <a:extLst>
+              <a:ext uri="{FF2B5EF4-FFF2-40B4-BE49-F238E27FC236}">
+                <a16:creationId xmlns:a16="http://schemas.microsoft.com/office/drawing/2014/main" id="{85194D96-4E26-6A5A-5AB5-02AFD53E7543}"/>
+              </a:ext>
+            </a:extLst>
+          </p:cNvPr>
+          <p:cNvSpPr>
+            <a:spLocks noGrp="1"/>
+          </p:cNvSpPr>
+          <p:nvPr>
+            <p:ph type="ctrTitle"/>
+          </p:nvPr>
+        </p:nvSpPr>
+        <p:spPr>
+          <a:xfrm>
+            <a:off x="1128386" y="415731"/>
+            <a:ext cx="9935227" cy="718459"/>
+          </a:xfrm>
+        </p:spPr>
+        <p:txBody>
+          <a:bodyPr>
+            <a:noAutofit/>
+          </a:bodyPr>
+          <a:lstStyle/>
+          <a:p>
+            <a:r>
+              <a:rPr lang="en-US" sz="5000" b="1" dirty="0"/>
+              <a:t>Step 2: Get the p-value</a:t>
+            </a:r>
+            <a:endParaRPr lang="en-PH" sz="5000" b="1" dirty="0"/>
+          </a:p>
+        </p:txBody>
+      </p:sp>
+      <p:sp>
+        <p:nvSpPr>
+          <p:cNvPr id="39" name="Footer Placeholder 3">
+            <a:extLst>
+              <a:ext uri="{FF2B5EF4-FFF2-40B4-BE49-F238E27FC236}">
+                <a16:creationId xmlns:a16="http://schemas.microsoft.com/office/drawing/2014/main" id="{77EF4DA7-E5CF-896F-45E0-B1D58FD59B96}"/>
+              </a:ext>
+            </a:extLst>
+          </p:cNvPr>
+          <p:cNvSpPr>
+            <a:spLocks noGrp="1"/>
+          </p:cNvSpPr>
+          <p:nvPr>
+            <p:ph type="ftr" sz="quarter" idx="11"/>
+          </p:nvPr>
+        </p:nvSpPr>
+        <p:spPr>
+          <a:xfrm>
+            <a:off x="0" y="6139541"/>
+            <a:ext cx="12192000" cy="718459"/>
+          </a:xfrm>
+          <a:ln w="28575">
+            <a:solidFill>
+              <a:schemeClr val="accent5">
+                <a:lumMod val="50000"/>
+              </a:schemeClr>
+            </a:solidFill>
+          </a:ln>
+        </p:spPr>
+        <p:txBody>
+          <a:bodyPr/>
+          <a:lstStyle/>
+          <a:p>
+            <a:pPr lvl="1" algn="r"/>
+            <a:r>
+              <a:rPr lang="en-US" sz="1200" b="1" dirty="0"/>
+              <a:t>CCDATS1L</a:t>
+            </a:r>
+            <a:endParaRPr lang="en-PH" sz="1200" b="1" dirty="0"/>
+          </a:p>
+        </p:txBody>
+      </p:sp>
+      <mc:AlternateContent xmlns:mc="http://schemas.openxmlformats.org/markup-compatibility/2006">
+        <mc:Choice xmlns:a14="http://schemas.microsoft.com/office/drawing/2010/main" Requires="a14">
+          <p:sp>
+            <p:nvSpPr>
+              <p:cNvPr id="4" name="TextBox 3">
+                <a:extLst>
+                  <a:ext uri="{FF2B5EF4-FFF2-40B4-BE49-F238E27FC236}">
+                    <a16:creationId xmlns:a16="http://schemas.microsoft.com/office/drawing/2014/main" id="{4203C0C4-7C82-D208-A8B3-1AE6E9099A3C}"/>
+                  </a:ext>
+                </a:extLst>
+              </p:cNvPr>
+              <p:cNvSpPr txBox="1"/>
+              <p:nvPr/>
+            </p:nvSpPr>
+            <p:spPr>
+              <a:xfrm>
+                <a:off x="639918" y="1354768"/>
+                <a:ext cx="10912162" cy="2554545"/>
+              </a:xfrm>
+              <a:prstGeom prst="rect">
+                <a:avLst/>
+              </a:prstGeom>
+              <a:noFill/>
+            </p:spPr>
+            <p:txBody>
+              <a:bodyPr wrap="square" rtlCol="0">
+                <a:spAutoFit/>
+              </a:bodyPr>
+              <a:lstStyle/>
+              <a:p>
+                <a:endParaRPr lang="en-US" sz="2000" b="0" dirty="0">
+                  <a:solidFill>
+                    <a:srgbClr val="FF0000"/>
+                  </a:solidFill>
+                  <a:latin typeface="Cambria Math" panose="02040503050406030204" pitchFamily="18" charset="0"/>
+                  <a:ea typeface="Cambria Math" panose="02040503050406030204" pitchFamily="18" charset="0"/>
+                </a:endParaRPr>
+              </a:p>
+              <a:p>
+                <a:pPr/>
+                <a14:m>
+                  <m:oMathPara xmlns:m="http://schemas.openxmlformats.org/officeDocument/2006/math">
+                    <m:oMathParaPr>
+                      <m:jc m:val="centerGroup"/>
+                    </m:oMathParaPr>
+                    <m:oMath xmlns:m="http://schemas.openxmlformats.org/officeDocument/2006/math">
+                      <m:r>
+                        <a:rPr lang="en-US" sz="4000" b="1" i="1" smtClean="0">
+                          <a:solidFill>
+                            <a:srgbClr val="00B050"/>
+                          </a:solidFill>
+                          <a:latin typeface="Cambria Math" panose="02040503050406030204" pitchFamily="18" charset="0"/>
+                          <a:ea typeface="Cambria Math" panose="02040503050406030204" pitchFamily="18" charset="0"/>
+                        </a:rPr>
+                        <m:t>𝒛</m:t>
+                      </m:r>
+                      <m:r>
+                        <a:rPr lang="en-PH" sz="4000" b="1" i="1" smtClean="0">
+                          <a:solidFill>
+                            <a:srgbClr val="00B050"/>
+                          </a:solidFill>
+                          <a:latin typeface="Cambria Math" panose="02040503050406030204" pitchFamily="18" charset="0"/>
+                          <a:ea typeface="Cambria Math" panose="02040503050406030204" pitchFamily="18" charset="0"/>
+                        </a:rPr>
+                        <m:t>=</m:t>
+                      </m:r>
+                      <m:r>
+                        <a:rPr lang="en-US" sz="4000" b="1" i="1" smtClean="0">
+                          <a:solidFill>
+                            <a:srgbClr val="00B050"/>
+                          </a:solidFill>
+                          <a:latin typeface="Cambria Math" panose="02040503050406030204" pitchFamily="18" charset="0"/>
+                          <a:ea typeface="Cambria Math" panose="02040503050406030204" pitchFamily="18" charset="0"/>
+                        </a:rPr>
+                        <m:t>𝟐𝟑</m:t>
+                      </m:r>
+                      <m:r>
+                        <a:rPr lang="en-US" sz="4000" b="1" i="1" smtClean="0">
+                          <a:solidFill>
+                            <a:srgbClr val="00B050"/>
+                          </a:solidFill>
+                          <a:latin typeface="Cambria Math" panose="02040503050406030204" pitchFamily="18" charset="0"/>
+                          <a:ea typeface="Cambria Math" panose="02040503050406030204" pitchFamily="18" charset="0"/>
+                        </a:rPr>
+                        <m:t>.</m:t>
+                      </m:r>
+                      <m:r>
+                        <a:rPr lang="en-US" sz="4000" b="1" i="1" smtClean="0">
+                          <a:solidFill>
+                            <a:srgbClr val="00B050"/>
+                          </a:solidFill>
+                          <a:latin typeface="Cambria Math" panose="02040503050406030204" pitchFamily="18" charset="0"/>
+                          <a:ea typeface="Cambria Math" panose="02040503050406030204" pitchFamily="18" charset="0"/>
+                        </a:rPr>
+                        <m:t>𝟑𝟏𝟒</m:t>
+                      </m:r>
+                    </m:oMath>
+                  </m:oMathPara>
+                </a14:m>
+                <a:endParaRPr lang="en-US" sz="4000" b="1" dirty="0">
+                  <a:solidFill>
+                    <a:srgbClr val="00B050"/>
+                  </a:solidFill>
+                  <a:latin typeface="Cambria Math" panose="02040503050406030204" pitchFamily="18" charset="0"/>
+                  <a:ea typeface="Cambria Math" panose="02040503050406030204" pitchFamily="18" charset="0"/>
+                </a:endParaRPr>
+              </a:p>
+              <a:p>
+                <a:endParaRPr lang="en-US" sz="4000" b="0"/>
+              </a:p>
+              <a:p>
+                <a:endParaRPr lang="en-US" sz="4000" b="0" dirty="0"/>
+              </a:p>
+              <a:p>
+                <a:endParaRPr lang="en-PH" sz="2000" dirty="0"/>
+              </a:p>
+            </p:txBody>
+          </p:sp>
+        </mc:Choice>
+        <mc:Fallback>
+          <p:sp>
+            <p:nvSpPr>
+              <p:cNvPr id="4" name="TextBox 3">
+                <a:extLst>
+                  <a:ext uri="{FF2B5EF4-FFF2-40B4-BE49-F238E27FC236}">
+                    <a16:creationId xmlns:a16="http://schemas.microsoft.com/office/drawing/2014/main" id="{4203C0C4-7C82-D208-A8B3-1AE6E9099A3C}"/>
+                  </a:ext>
+                </a:extLst>
+              </p:cNvPr>
+              <p:cNvSpPr txBox="1">
+                <a:spLocks noRot="1" noChangeAspect="1" noMove="1" noResize="1" noEditPoints="1" noAdjustHandles="1" noChangeArrowheads="1" noChangeShapeType="1" noTextEdit="1"/>
+              </p:cNvSpPr>
+              <p:nvPr/>
+            </p:nvSpPr>
+            <p:spPr>
+              <a:xfrm>
+                <a:off x="639918" y="1354768"/>
+                <a:ext cx="10912162" cy="2554545"/>
+              </a:xfrm>
+              <a:prstGeom prst="rect">
+                <a:avLst/>
+              </a:prstGeom>
+              <a:blipFill>
+                <a:blip r:embed="rId4"/>
+                <a:stretch>
+                  <a:fillRect/>
+                </a:stretch>
+              </a:blipFill>
+            </p:spPr>
+            <p:txBody>
+              <a:bodyPr/>
+              <a:lstStyle/>
+              <a:p>
+                <a:r>
+                  <a:rPr lang="en-US">
+                    <a:noFill/>
+                  </a:rPr>
+                  <a:t> </a:t>
+                </a:r>
+              </a:p>
+            </p:txBody>
+          </p:sp>
+        </mc:Fallback>
+      </mc:AlternateContent>
+    </p:spTree>
+    <p:extLst>
+      <p:ext uri="{BB962C8B-B14F-4D97-AF65-F5344CB8AC3E}">
+        <p14:creationId xmlns:p14="http://schemas.microsoft.com/office/powerpoint/2010/main" val="3172986339"/>
+      </p:ext>
+    </p:extLst>
+  </p:cSld>
+  <p:clrMapOvr>
+    <a:masterClrMapping/>
+  </p:clrMapOvr>
+</p:sld>
+</file>
+
 <file path=ppt/slides/slide2.xml><?xml version="1.0" encoding="utf-8"?>
 <p:sld xmlns:a="http://schemas.openxmlformats.org/drawingml/2006/main" xmlns:r="http://schemas.openxmlformats.org/officeDocument/2006/relationships" xmlns:p="http://schemas.openxmlformats.org/presentationml/2006/main">
   <p:cSld>
@@ -8114,8 +10868,8 @@
           </a:p>
         </p:txBody>
       </p:sp>
-      <mc:AlternateContent xmlns:mc="http://schemas.openxmlformats.org/markup-compatibility/2006">
-        <mc:Choice xmlns:a14="http://schemas.microsoft.com/office/drawing/2010/main" Requires="a14">
+      <mc:AlternateContent xmlns:mc="http://schemas.openxmlformats.org/markup-compatibility/2006" xmlns:a14="http://schemas.microsoft.com/office/drawing/2010/main">
+        <mc:Choice Requires="a14">
           <p:sp>
             <p:nvSpPr>
               <p:cNvPr id="4" name="TextBox 3">
@@ -8272,7 +11026,7 @@
             </p:txBody>
           </p:sp>
         </mc:Choice>
-        <mc:Fallback>
+        <mc:Fallback xmlns="">
           <p:sp>
             <p:nvSpPr>
               <p:cNvPr id="4" name="TextBox 3">
@@ -8714,8 +11468,8 @@
           </a:p>
         </p:txBody>
       </p:sp>
-      <mc:AlternateContent xmlns:mc="http://schemas.openxmlformats.org/markup-compatibility/2006">
-        <mc:Choice xmlns:a14="http://schemas.microsoft.com/office/drawing/2010/main" Requires="a14">
+      <mc:AlternateContent xmlns:mc="http://schemas.openxmlformats.org/markup-compatibility/2006" xmlns:a14="http://schemas.microsoft.com/office/drawing/2010/main">
+        <mc:Choice Requires="a14">
           <p:sp>
             <p:nvSpPr>
               <p:cNvPr id="4" name="TextBox 3">
@@ -8821,7 +11575,7 @@
             </p:txBody>
           </p:sp>
         </mc:Choice>
-        <mc:Fallback>
+        <mc:Fallback xmlns="">
           <p:sp>
             <p:nvSpPr>
               <p:cNvPr id="4" name="TextBox 3">
@@ -9470,6 +12224,15 @@
 </file>
 
 <file path=customXml/item1.xml><?xml version="1.0" encoding="utf-8"?>
+<?mso-contentType ?>
+<FormTemplates xmlns="http://schemas.microsoft.com/sharepoint/v3/contenttype/forms">
+  <Display>DocumentLibraryForm</Display>
+  <Edit>DocumentLibraryForm</Edit>
+  <New>DocumentLibraryForm</New>
+</FormTemplates>
+</file>
+
+<file path=customXml/item2.xml><?xml version="1.0" encoding="utf-8"?>
 <ct:contentTypeSchema xmlns:ct="http://schemas.microsoft.com/office/2006/metadata/contentType" xmlns:ma="http://schemas.microsoft.com/office/2006/metadata/properties/metaAttributes" ct:_="" ma:_="" ma:contentTypeName="Document" ma:contentTypeID="0x0101007188BDCA587B344BBA6CB1A93FAE6998" ma:contentTypeVersion="2" ma:contentTypeDescription="Create a new document." ma:contentTypeScope="" ma:versionID="7a8e4b6720badb2566a0cfeddfaf2856">
   <xsd:schema xmlns:xsd="http://www.w3.org/2001/XMLSchema" xmlns:xs="http://www.w3.org/2001/XMLSchema" xmlns:p="http://schemas.microsoft.com/office/2006/metadata/properties" xmlns:ns2="ba111d12-426d-4af0-bcb6-460e36974645" targetNamespace="http://schemas.microsoft.com/office/2006/metadata/properties" ma:root="true" ma:fieldsID="989b05398519136c88ba0a8d54e3c3da" ns2:_="">
     <xsd:import namespace="ba111d12-426d-4af0-bcb6-460e36974645"/>
@@ -9601,15 +12364,6 @@
 </ct:contentTypeSchema>
 </file>
 
-<file path=customXml/item2.xml><?xml version="1.0" encoding="utf-8"?>
-<?mso-contentType ?>
-<FormTemplates xmlns="http://schemas.microsoft.com/sharepoint/v3/contenttype/forms">
-  <Display>DocumentLibraryForm</Display>
-  <Edit>DocumentLibraryForm</Edit>
-  <New>DocumentLibraryForm</New>
-</FormTemplates>
-</file>
-
 <file path=customXml/item3.xml><?xml version="1.0" encoding="utf-8"?>
 <p:properties xmlns:p="http://schemas.microsoft.com/office/2006/metadata/properties" xmlns:xsi="http://www.w3.org/2001/XMLSchema-instance" xmlns:pc="http://schemas.microsoft.com/office/infopath/2007/PartnerControls">
   <documentManagement/>
@@ -9617,6 +12371,14 @@
 </file>
 
 <file path=customXml/itemProps1.xml><?xml version="1.0" encoding="utf-8"?>
+<ds:datastoreItem xmlns:ds="http://schemas.openxmlformats.org/officeDocument/2006/customXml" ds:itemID="{651370AF-26B9-4AFA-BA9D-5D4A7E1A6722}">
+  <ds:schemaRefs>
+    <ds:schemaRef ds:uri="http://schemas.microsoft.com/sharepoint/v3/contenttype/forms"/>
+  </ds:schemaRefs>
+</ds:datastoreItem>
+</file>
+
+<file path=customXml/itemProps2.xml><?xml version="1.0" encoding="utf-8"?>
 <ds:datastoreItem xmlns:ds="http://schemas.openxmlformats.org/officeDocument/2006/customXml" ds:itemID="{3D61E20B-708A-4719-8C02-DA91A478A7AB}">
   <ds:schemaRefs>
     <ds:schemaRef ds:uri="http://schemas.microsoft.com/office/2006/metadata/contentType"/>
@@ -9634,14 +12396,6 @@
 </ds:datastoreItem>
 </file>
 
-<file path=customXml/itemProps2.xml><?xml version="1.0" encoding="utf-8"?>
-<ds:datastoreItem xmlns:ds="http://schemas.openxmlformats.org/officeDocument/2006/customXml" ds:itemID="{651370AF-26B9-4AFA-BA9D-5D4A7E1A6722}">
-  <ds:schemaRefs>
-    <ds:schemaRef ds:uri="http://schemas.microsoft.com/sharepoint/v3/contenttype/forms"/>
-  </ds:schemaRefs>
-</ds:datastoreItem>
-</file>
-
 <file path=customXml/itemProps3.xml><?xml version="1.0" encoding="utf-8"?>
 <ds:datastoreItem xmlns:ds="http://schemas.openxmlformats.org/officeDocument/2006/customXml" ds:itemID="{EA3362E2-FA54-4262-AE94-2FA98FF8142D}">
   <ds:schemaRefs>

--- a/week 10/Test of Significance.pptx
+++ b/week 10/Test of Significance.pptx
@@ -5,7 +5,7 @@
     <p:sldMasterId id="2147483648" r:id="rId4"/>
   </p:sldMasterIdLst>
   <p:notesMasterIdLst>
-    <p:notesMasterId r:id="rId24"/>
+    <p:notesMasterId r:id="rId32"/>
   </p:notesMasterIdLst>
   <p:sldIdLst>
     <p:sldId id="257" r:id="rId5"/>
@@ -14,19 +14,27 @@
     <p:sldId id="329" r:id="rId8"/>
     <p:sldId id="330" r:id="rId9"/>
     <p:sldId id="332" r:id="rId10"/>
-    <p:sldId id="333" r:id="rId11"/>
-    <p:sldId id="336" r:id="rId12"/>
-    <p:sldId id="335" r:id="rId13"/>
-    <p:sldId id="337" r:id="rId14"/>
-    <p:sldId id="339" r:id="rId15"/>
-    <p:sldId id="334" r:id="rId16"/>
-    <p:sldId id="338" r:id="rId17"/>
-    <p:sldId id="331" r:id="rId18"/>
-    <p:sldId id="340" r:id="rId19"/>
-    <p:sldId id="341" r:id="rId20"/>
-    <p:sldId id="342" r:id="rId21"/>
-    <p:sldId id="343" r:id="rId22"/>
-    <p:sldId id="344" r:id="rId23"/>
+    <p:sldId id="348" r:id="rId11"/>
+    <p:sldId id="347" r:id="rId12"/>
+    <p:sldId id="333" r:id="rId13"/>
+    <p:sldId id="336" r:id="rId14"/>
+    <p:sldId id="335" r:id="rId15"/>
+    <p:sldId id="337" r:id="rId16"/>
+    <p:sldId id="339" r:id="rId17"/>
+    <p:sldId id="334" r:id="rId18"/>
+    <p:sldId id="338" r:id="rId19"/>
+    <p:sldId id="349" r:id="rId20"/>
+    <p:sldId id="331" r:id="rId21"/>
+    <p:sldId id="341" r:id="rId22"/>
+    <p:sldId id="350" r:id="rId23"/>
+    <p:sldId id="351" r:id="rId24"/>
+    <p:sldId id="352" r:id="rId25"/>
+    <p:sldId id="342" r:id="rId26"/>
+    <p:sldId id="343" r:id="rId27"/>
+    <p:sldId id="344" r:id="rId28"/>
+    <p:sldId id="346" r:id="rId29"/>
+    <p:sldId id="353" r:id="rId30"/>
+    <p:sldId id="354" r:id="rId31"/>
   </p:sldIdLst>
   <p:sldSz cx="12192000" cy="6858000"/>
   <p:notesSz cx="6858000" cy="9144000"/>
@@ -223,7 +231,7 @@
           <a:p>
             <a:fld id="{F666E1FD-E7A0-497B-BBC0-740BAAC97C64}" type="datetimeFigureOut">
               <a:rPr lang="en-PH" smtClean="0"/>
-              <a:t>10/24/23</a:t>
+              <a:t>11/3/23</a:t>
             </a:fld>
             <a:endParaRPr lang="en-PH"/>
           </a:p>
@@ -649,7 +657,7 @@
     </p:spTree>
     <p:extLst>
       <p:ext uri="{BB962C8B-B14F-4D97-AF65-F5344CB8AC3E}">
-        <p14:creationId xmlns:p14="http://schemas.microsoft.com/office/powerpoint/2010/main" val="360354879"/>
+        <p14:creationId xmlns:p14="http://schemas.microsoft.com/office/powerpoint/2010/main" val="1986353231"/>
       </p:ext>
     </p:extLst>
   </p:cSld>
@@ -733,7 +741,7 @@
     </p:spTree>
     <p:extLst>
       <p:ext uri="{BB962C8B-B14F-4D97-AF65-F5344CB8AC3E}">
-        <p14:creationId xmlns:p14="http://schemas.microsoft.com/office/powerpoint/2010/main" val="1719743963"/>
+        <p14:creationId xmlns:p14="http://schemas.microsoft.com/office/powerpoint/2010/main" val="2671781897"/>
       </p:ext>
     </p:extLst>
   </p:cSld>
@@ -817,7 +825,7 @@
     </p:spTree>
     <p:extLst>
       <p:ext uri="{BB962C8B-B14F-4D97-AF65-F5344CB8AC3E}">
-        <p14:creationId xmlns:p14="http://schemas.microsoft.com/office/powerpoint/2010/main" val="1615291102"/>
+        <p14:creationId xmlns:p14="http://schemas.microsoft.com/office/powerpoint/2010/main" val="360354879"/>
       </p:ext>
     </p:extLst>
   </p:cSld>
@@ -901,7 +909,7 @@
     </p:spTree>
     <p:extLst>
       <p:ext uri="{BB962C8B-B14F-4D97-AF65-F5344CB8AC3E}">
-        <p14:creationId xmlns:p14="http://schemas.microsoft.com/office/powerpoint/2010/main" val="3361937685"/>
+        <p14:creationId xmlns:p14="http://schemas.microsoft.com/office/powerpoint/2010/main" val="1719743963"/>
       </p:ext>
     </p:extLst>
   </p:cSld>
@@ -985,7 +993,7 @@
     </p:spTree>
     <p:extLst>
       <p:ext uri="{BB962C8B-B14F-4D97-AF65-F5344CB8AC3E}">
-        <p14:creationId xmlns:p14="http://schemas.microsoft.com/office/powerpoint/2010/main" val="4241614334"/>
+        <p14:creationId xmlns:p14="http://schemas.microsoft.com/office/powerpoint/2010/main" val="1615291102"/>
       </p:ext>
     </p:extLst>
   </p:cSld>
@@ -1069,7 +1077,7 @@
     </p:spTree>
     <p:extLst>
       <p:ext uri="{BB962C8B-B14F-4D97-AF65-F5344CB8AC3E}">
-        <p14:creationId xmlns:p14="http://schemas.microsoft.com/office/powerpoint/2010/main" val="1596897193"/>
+        <p14:creationId xmlns:p14="http://schemas.microsoft.com/office/powerpoint/2010/main" val="3361937685"/>
       </p:ext>
     </p:extLst>
   </p:cSld>
@@ -1153,7 +1161,7 @@
     </p:spTree>
     <p:extLst>
       <p:ext uri="{BB962C8B-B14F-4D97-AF65-F5344CB8AC3E}">
-        <p14:creationId xmlns:p14="http://schemas.microsoft.com/office/powerpoint/2010/main" val="836921790"/>
+        <p14:creationId xmlns:p14="http://schemas.microsoft.com/office/powerpoint/2010/main" val="1595644056"/>
       </p:ext>
     </p:extLst>
   </p:cSld>
@@ -1237,7 +1245,7 @@
     </p:spTree>
     <p:extLst>
       <p:ext uri="{BB962C8B-B14F-4D97-AF65-F5344CB8AC3E}">
-        <p14:creationId xmlns:p14="http://schemas.microsoft.com/office/powerpoint/2010/main" val="3070430770"/>
+        <p14:creationId xmlns:p14="http://schemas.microsoft.com/office/powerpoint/2010/main" val="4241614334"/>
       </p:ext>
     </p:extLst>
   </p:cSld>
@@ -1321,7 +1329,7 @@
     </p:spTree>
     <p:extLst>
       <p:ext uri="{BB962C8B-B14F-4D97-AF65-F5344CB8AC3E}">
-        <p14:creationId xmlns:p14="http://schemas.microsoft.com/office/powerpoint/2010/main" val="4148544300"/>
+        <p14:creationId xmlns:p14="http://schemas.microsoft.com/office/powerpoint/2010/main" val="836921790"/>
       </p:ext>
     </p:extLst>
   </p:cSld>
@@ -1405,7 +1413,7 @@
     </p:spTree>
     <p:extLst>
       <p:ext uri="{BB962C8B-B14F-4D97-AF65-F5344CB8AC3E}">
-        <p14:creationId xmlns:p14="http://schemas.microsoft.com/office/powerpoint/2010/main" val="939303271"/>
+        <p14:creationId xmlns:p14="http://schemas.microsoft.com/office/powerpoint/2010/main" val="845433612"/>
       </p:ext>
     </p:extLst>
   </p:cSld>
@@ -1490,6 +1498,678 @@
     <p:extLst>
       <p:ext uri="{BB962C8B-B14F-4D97-AF65-F5344CB8AC3E}">
         <p14:creationId xmlns:p14="http://schemas.microsoft.com/office/powerpoint/2010/main" val="1022805588"/>
+      </p:ext>
+    </p:extLst>
+  </p:cSld>
+  <p:clrMapOvr>
+    <a:masterClrMapping/>
+  </p:clrMapOvr>
+</p:notes>
+</file>
+
+<file path=ppt/notesSlides/notesSlide20.xml><?xml version="1.0" encoding="utf-8"?>
+<p:notes xmlns:a="http://schemas.openxmlformats.org/drawingml/2006/main" xmlns:r="http://schemas.openxmlformats.org/officeDocument/2006/relationships" xmlns:p="http://schemas.openxmlformats.org/presentationml/2006/main">
+  <p:cSld>
+    <p:spTree>
+      <p:nvGrpSpPr>
+        <p:cNvPr id="1" name=""/>
+        <p:cNvGrpSpPr/>
+        <p:nvPr/>
+      </p:nvGrpSpPr>
+      <p:grpSpPr>
+        <a:xfrm>
+          <a:off x="0" y="0"/>
+          <a:ext cx="0" cy="0"/>
+          <a:chOff x="0" y="0"/>
+          <a:chExt cx="0" cy="0"/>
+        </a:xfrm>
+      </p:grpSpPr>
+      <p:sp>
+        <p:nvSpPr>
+          <p:cNvPr id="2" name="Slide Image Placeholder 1"/>
+          <p:cNvSpPr>
+            <a:spLocks noGrp="1" noRot="1" noChangeAspect="1"/>
+          </p:cNvSpPr>
+          <p:nvPr>
+            <p:ph type="sldImg"/>
+          </p:nvPr>
+        </p:nvSpPr>
+        <p:spPr/>
+      </p:sp>
+      <p:sp>
+        <p:nvSpPr>
+          <p:cNvPr id="3" name="Notes Placeholder 2"/>
+          <p:cNvSpPr>
+            <a:spLocks noGrp="1"/>
+          </p:cNvSpPr>
+          <p:nvPr>
+            <p:ph type="body" idx="1"/>
+          </p:nvPr>
+        </p:nvSpPr>
+        <p:spPr/>
+        <p:txBody>
+          <a:bodyPr/>
+          <a:lstStyle/>
+          <a:p>
+            <a:endParaRPr lang="en-PH" dirty="0"/>
+          </a:p>
+        </p:txBody>
+      </p:sp>
+      <p:sp>
+        <p:nvSpPr>
+          <p:cNvPr id="4" name="Slide Number Placeholder 3"/>
+          <p:cNvSpPr>
+            <a:spLocks noGrp="1"/>
+          </p:cNvSpPr>
+          <p:nvPr>
+            <p:ph type="sldNum" sz="quarter" idx="5"/>
+          </p:nvPr>
+        </p:nvSpPr>
+        <p:spPr/>
+        <p:txBody>
+          <a:bodyPr/>
+          <a:lstStyle/>
+          <a:p>
+            <a:fld id="{FE90CCE9-4AAE-4E1F-85AD-521A406D6524}" type="slidenum">
+              <a:rPr lang="en-PH" smtClean="0"/>
+              <a:t>20</a:t>
+            </a:fld>
+            <a:endParaRPr lang="en-PH"/>
+          </a:p>
+        </p:txBody>
+      </p:sp>
+    </p:spTree>
+    <p:extLst>
+      <p:ext uri="{BB962C8B-B14F-4D97-AF65-F5344CB8AC3E}">
+        <p14:creationId xmlns:p14="http://schemas.microsoft.com/office/powerpoint/2010/main" val="466560029"/>
+      </p:ext>
+    </p:extLst>
+  </p:cSld>
+  <p:clrMapOvr>
+    <a:masterClrMapping/>
+  </p:clrMapOvr>
+</p:notes>
+</file>
+
+<file path=ppt/notesSlides/notesSlide21.xml><?xml version="1.0" encoding="utf-8"?>
+<p:notes xmlns:a="http://schemas.openxmlformats.org/drawingml/2006/main" xmlns:r="http://schemas.openxmlformats.org/officeDocument/2006/relationships" xmlns:p="http://schemas.openxmlformats.org/presentationml/2006/main">
+  <p:cSld>
+    <p:spTree>
+      <p:nvGrpSpPr>
+        <p:cNvPr id="1" name=""/>
+        <p:cNvGrpSpPr/>
+        <p:nvPr/>
+      </p:nvGrpSpPr>
+      <p:grpSpPr>
+        <a:xfrm>
+          <a:off x="0" y="0"/>
+          <a:ext cx="0" cy="0"/>
+          <a:chOff x="0" y="0"/>
+          <a:chExt cx="0" cy="0"/>
+        </a:xfrm>
+      </p:grpSpPr>
+      <p:sp>
+        <p:nvSpPr>
+          <p:cNvPr id="2" name="Slide Image Placeholder 1"/>
+          <p:cNvSpPr>
+            <a:spLocks noGrp="1" noRot="1" noChangeAspect="1"/>
+          </p:cNvSpPr>
+          <p:nvPr>
+            <p:ph type="sldImg"/>
+          </p:nvPr>
+        </p:nvSpPr>
+        <p:spPr/>
+      </p:sp>
+      <p:sp>
+        <p:nvSpPr>
+          <p:cNvPr id="3" name="Notes Placeholder 2"/>
+          <p:cNvSpPr>
+            <a:spLocks noGrp="1"/>
+          </p:cNvSpPr>
+          <p:nvPr>
+            <p:ph type="body" idx="1"/>
+          </p:nvPr>
+        </p:nvSpPr>
+        <p:spPr/>
+        <p:txBody>
+          <a:bodyPr/>
+          <a:lstStyle/>
+          <a:p>
+            <a:endParaRPr lang="en-PH" dirty="0"/>
+          </a:p>
+        </p:txBody>
+      </p:sp>
+      <p:sp>
+        <p:nvSpPr>
+          <p:cNvPr id="4" name="Slide Number Placeholder 3"/>
+          <p:cNvSpPr>
+            <a:spLocks noGrp="1"/>
+          </p:cNvSpPr>
+          <p:nvPr>
+            <p:ph type="sldNum" sz="quarter" idx="5"/>
+          </p:nvPr>
+        </p:nvSpPr>
+        <p:spPr/>
+        <p:txBody>
+          <a:bodyPr/>
+          <a:lstStyle/>
+          <a:p>
+            <a:fld id="{FE90CCE9-4AAE-4E1F-85AD-521A406D6524}" type="slidenum">
+              <a:rPr lang="en-PH" smtClean="0"/>
+              <a:t>21</a:t>
+            </a:fld>
+            <a:endParaRPr lang="en-PH"/>
+          </a:p>
+        </p:txBody>
+      </p:sp>
+    </p:spTree>
+    <p:extLst>
+      <p:ext uri="{BB962C8B-B14F-4D97-AF65-F5344CB8AC3E}">
+        <p14:creationId xmlns:p14="http://schemas.microsoft.com/office/powerpoint/2010/main" val="1588583301"/>
+      </p:ext>
+    </p:extLst>
+  </p:cSld>
+  <p:clrMapOvr>
+    <a:masterClrMapping/>
+  </p:clrMapOvr>
+</p:notes>
+</file>
+
+<file path=ppt/notesSlides/notesSlide22.xml><?xml version="1.0" encoding="utf-8"?>
+<p:notes xmlns:a="http://schemas.openxmlformats.org/drawingml/2006/main" xmlns:r="http://schemas.openxmlformats.org/officeDocument/2006/relationships" xmlns:p="http://schemas.openxmlformats.org/presentationml/2006/main">
+  <p:cSld>
+    <p:spTree>
+      <p:nvGrpSpPr>
+        <p:cNvPr id="1" name=""/>
+        <p:cNvGrpSpPr/>
+        <p:nvPr/>
+      </p:nvGrpSpPr>
+      <p:grpSpPr>
+        <a:xfrm>
+          <a:off x="0" y="0"/>
+          <a:ext cx="0" cy="0"/>
+          <a:chOff x="0" y="0"/>
+          <a:chExt cx="0" cy="0"/>
+        </a:xfrm>
+      </p:grpSpPr>
+      <p:sp>
+        <p:nvSpPr>
+          <p:cNvPr id="2" name="Slide Image Placeholder 1"/>
+          <p:cNvSpPr>
+            <a:spLocks noGrp="1" noRot="1" noChangeAspect="1"/>
+          </p:cNvSpPr>
+          <p:nvPr>
+            <p:ph type="sldImg"/>
+          </p:nvPr>
+        </p:nvSpPr>
+        <p:spPr/>
+      </p:sp>
+      <p:sp>
+        <p:nvSpPr>
+          <p:cNvPr id="3" name="Notes Placeholder 2"/>
+          <p:cNvSpPr>
+            <a:spLocks noGrp="1"/>
+          </p:cNvSpPr>
+          <p:nvPr>
+            <p:ph type="body" idx="1"/>
+          </p:nvPr>
+        </p:nvSpPr>
+        <p:spPr/>
+        <p:txBody>
+          <a:bodyPr/>
+          <a:lstStyle/>
+          <a:p>
+            <a:endParaRPr lang="en-PH" dirty="0"/>
+          </a:p>
+        </p:txBody>
+      </p:sp>
+      <p:sp>
+        <p:nvSpPr>
+          <p:cNvPr id="4" name="Slide Number Placeholder 3"/>
+          <p:cNvSpPr>
+            <a:spLocks noGrp="1"/>
+          </p:cNvSpPr>
+          <p:nvPr>
+            <p:ph type="sldNum" sz="quarter" idx="5"/>
+          </p:nvPr>
+        </p:nvSpPr>
+        <p:spPr/>
+        <p:txBody>
+          <a:bodyPr/>
+          <a:lstStyle/>
+          <a:p>
+            <a:fld id="{FE90CCE9-4AAE-4E1F-85AD-521A406D6524}" type="slidenum">
+              <a:rPr lang="en-PH" smtClean="0"/>
+              <a:t>22</a:t>
+            </a:fld>
+            <a:endParaRPr lang="en-PH"/>
+          </a:p>
+        </p:txBody>
+      </p:sp>
+    </p:spTree>
+    <p:extLst>
+      <p:ext uri="{BB962C8B-B14F-4D97-AF65-F5344CB8AC3E}">
+        <p14:creationId xmlns:p14="http://schemas.microsoft.com/office/powerpoint/2010/main" val="3070430770"/>
+      </p:ext>
+    </p:extLst>
+  </p:cSld>
+  <p:clrMapOvr>
+    <a:masterClrMapping/>
+  </p:clrMapOvr>
+</p:notes>
+</file>
+
+<file path=ppt/notesSlides/notesSlide23.xml><?xml version="1.0" encoding="utf-8"?>
+<p:notes xmlns:a="http://schemas.openxmlformats.org/drawingml/2006/main" xmlns:r="http://schemas.openxmlformats.org/officeDocument/2006/relationships" xmlns:p="http://schemas.openxmlformats.org/presentationml/2006/main">
+  <p:cSld>
+    <p:spTree>
+      <p:nvGrpSpPr>
+        <p:cNvPr id="1" name=""/>
+        <p:cNvGrpSpPr/>
+        <p:nvPr/>
+      </p:nvGrpSpPr>
+      <p:grpSpPr>
+        <a:xfrm>
+          <a:off x="0" y="0"/>
+          <a:ext cx="0" cy="0"/>
+          <a:chOff x="0" y="0"/>
+          <a:chExt cx="0" cy="0"/>
+        </a:xfrm>
+      </p:grpSpPr>
+      <p:sp>
+        <p:nvSpPr>
+          <p:cNvPr id="2" name="Slide Image Placeholder 1"/>
+          <p:cNvSpPr>
+            <a:spLocks noGrp="1" noRot="1" noChangeAspect="1"/>
+          </p:cNvSpPr>
+          <p:nvPr>
+            <p:ph type="sldImg"/>
+          </p:nvPr>
+        </p:nvSpPr>
+        <p:spPr/>
+      </p:sp>
+      <p:sp>
+        <p:nvSpPr>
+          <p:cNvPr id="3" name="Notes Placeholder 2"/>
+          <p:cNvSpPr>
+            <a:spLocks noGrp="1"/>
+          </p:cNvSpPr>
+          <p:nvPr>
+            <p:ph type="body" idx="1"/>
+          </p:nvPr>
+        </p:nvSpPr>
+        <p:spPr/>
+        <p:txBody>
+          <a:bodyPr/>
+          <a:lstStyle/>
+          <a:p>
+            <a:endParaRPr lang="en-PH" dirty="0"/>
+          </a:p>
+        </p:txBody>
+      </p:sp>
+      <p:sp>
+        <p:nvSpPr>
+          <p:cNvPr id="4" name="Slide Number Placeholder 3"/>
+          <p:cNvSpPr>
+            <a:spLocks noGrp="1"/>
+          </p:cNvSpPr>
+          <p:nvPr>
+            <p:ph type="sldNum" sz="quarter" idx="5"/>
+          </p:nvPr>
+        </p:nvSpPr>
+        <p:spPr/>
+        <p:txBody>
+          <a:bodyPr/>
+          <a:lstStyle/>
+          <a:p>
+            <a:fld id="{FE90CCE9-4AAE-4E1F-85AD-521A406D6524}" type="slidenum">
+              <a:rPr lang="en-PH" smtClean="0"/>
+              <a:t>23</a:t>
+            </a:fld>
+            <a:endParaRPr lang="en-PH"/>
+          </a:p>
+        </p:txBody>
+      </p:sp>
+    </p:spTree>
+    <p:extLst>
+      <p:ext uri="{BB962C8B-B14F-4D97-AF65-F5344CB8AC3E}">
+        <p14:creationId xmlns:p14="http://schemas.microsoft.com/office/powerpoint/2010/main" val="4148544300"/>
+      </p:ext>
+    </p:extLst>
+  </p:cSld>
+  <p:clrMapOvr>
+    <a:masterClrMapping/>
+  </p:clrMapOvr>
+</p:notes>
+</file>
+
+<file path=ppt/notesSlides/notesSlide24.xml><?xml version="1.0" encoding="utf-8"?>
+<p:notes xmlns:a="http://schemas.openxmlformats.org/drawingml/2006/main" xmlns:r="http://schemas.openxmlformats.org/officeDocument/2006/relationships" xmlns:p="http://schemas.openxmlformats.org/presentationml/2006/main">
+  <p:cSld>
+    <p:spTree>
+      <p:nvGrpSpPr>
+        <p:cNvPr id="1" name=""/>
+        <p:cNvGrpSpPr/>
+        <p:nvPr/>
+      </p:nvGrpSpPr>
+      <p:grpSpPr>
+        <a:xfrm>
+          <a:off x="0" y="0"/>
+          <a:ext cx="0" cy="0"/>
+          <a:chOff x="0" y="0"/>
+          <a:chExt cx="0" cy="0"/>
+        </a:xfrm>
+      </p:grpSpPr>
+      <p:sp>
+        <p:nvSpPr>
+          <p:cNvPr id="2" name="Slide Image Placeholder 1"/>
+          <p:cNvSpPr>
+            <a:spLocks noGrp="1" noRot="1" noChangeAspect="1"/>
+          </p:cNvSpPr>
+          <p:nvPr>
+            <p:ph type="sldImg"/>
+          </p:nvPr>
+        </p:nvSpPr>
+        <p:spPr/>
+      </p:sp>
+      <p:sp>
+        <p:nvSpPr>
+          <p:cNvPr id="3" name="Notes Placeholder 2"/>
+          <p:cNvSpPr>
+            <a:spLocks noGrp="1"/>
+          </p:cNvSpPr>
+          <p:nvPr>
+            <p:ph type="body" idx="1"/>
+          </p:nvPr>
+        </p:nvSpPr>
+        <p:spPr/>
+        <p:txBody>
+          <a:bodyPr/>
+          <a:lstStyle/>
+          <a:p>
+            <a:endParaRPr lang="en-PH" dirty="0"/>
+          </a:p>
+        </p:txBody>
+      </p:sp>
+      <p:sp>
+        <p:nvSpPr>
+          <p:cNvPr id="4" name="Slide Number Placeholder 3"/>
+          <p:cNvSpPr>
+            <a:spLocks noGrp="1"/>
+          </p:cNvSpPr>
+          <p:nvPr>
+            <p:ph type="sldNum" sz="quarter" idx="5"/>
+          </p:nvPr>
+        </p:nvSpPr>
+        <p:spPr/>
+        <p:txBody>
+          <a:bodyPr/>
+          <a:lstStyle/>
+          <a:p>
+            <a:fld id="{FE90CCE9-4AAE-4E1F-85AD-521A406D6524}" type="slidenum">
+              <a:rPr lang="en-PH" smtClean="0"/>
+              <a:t>24</a:t>
+            </a:fld>
+            <a:endParaRPr lang="en-PH"/>
+          </a:p>
+        </p:txBody>
+      </p:sp>
+    </p:spTree>
+    <p:extLst>
+      <p:ext uri="{BB962C8B-B14F-4D97-AF65-F5344CB8AC3E}">
+        <p14:creationId xmlns:p14="http://schemas.microsoft.com/office/powerpoint/2010/main" val="939303271"/>
+      </p:ext>
+    </p:extLst>
+  </p:cSld>
+  <p:clrMapOvr>
+    <a:masterClrMapping/>
+  </p:clrMapOvr>
+</p:notes>
+</file>
+
+<file path=ppt/notesSlides/notesSlide25.xml><?xml version="1.0" encoding="utf-8"?>
+<p:notes xmlns:a="http://schemas.openxmlformats.org/drawingml/2006/main" xmlns:r="http://schemas.openxmlformats.org/officeDocument/2006/relationships" xmlns:p="http://schemas.openxmlformats.org/presentationml/2006/main">
+  <p:cSld>
+    <p:spTree>
+      <p:nvGrpSpPr>
+        <p:cNvPr id="1" name=""/>
+        <p:cNvGrpSpPr/>
+        <p:nvPr/>
+      </p:nvGrpSpPr>
+      <p:grpSpPr>
+        <a:xfrm>
+          <a:off x="0" y="0"/>
+          <a:ext cx="0" cy="0"/>
+          <a:chOff x="0" y="0"/>
+          <a:chExt cx="0" cy="0"/>
+        </a:xfrm>
+      </p:grpSpPr>
+      <p:sp>
+        <p:nvSpPr>
+          <p:cNvPr id="2" name="Slide Image Placeholder 1"/>
+          <p:cNvSpPr>
+            <a:spLocks noGrp="1" noRot="1" noChangeAspect="1"/>
+          </p:cNvSpPr>
+          <p:nvPr>
+            <p:ph type="sldImg"/>
+          </p:nvPr>
+        </p:nvSpPr>
+        <p:spPr/>
+      </p:sp>
+      <p:sp>
+        <p:nvSpPr>
+          <p:cNvPr id="3" name="Notes Placeholder 2"/>
+          <p:cNvSpPr>
+            <a:spLocks noGrp="1"/>
+          </p:cNvSpPr>
+          <p:nvPr>
+            <p:ph type="body" idx="1"/>
+          </p:nvPr>
+        </p:nvSpPr>
+        <p:spPr/>
+        <p:txBody>
+          <a:bodyPr/>
+          <a:lstStyle/>
+          <a:p>
+            <a:endParaRPr lang="en-PH" dirty="0"/>
+          </a:p>
+        </p:txBody>
+      </p:sp>
+      <p:sp>
+        <p:nvSpPr>
+          <p:cNvPr id="4" name="Slide Number Placeholder 3"/>
+          <p:cNvSpPr>
+            <a:spLocks noGrp="1"/>
+          </p:cNvSpPr>
+          <p:nvPr>
+            <p:ph type="sldNum" sz="quarter" idx="5"/>
+          </p:nvPr>
+        </p:nvSpPr>
+        <p:spPr/>
+        <p:txBody>
+          <a:bodyPr/>
+          <a:lstStyle/>
+          <a:p>
+            <a:fld id="{FE90CCE9-4AAE-4E1F-85AD-521A406D6524}" type="slidenum">
+              <a:rPr lang="en-PH" smtClean="0"/>
+              <a:t>25</a:t>
+            </a:fld>
+            <a:endParaRPr lang="en-PH"/>
+          </a:p>
+        </p:txBody>
+      </p:sp>
+    </p:spTree>
+    <p:extLst>
+      <p:ext uri="{BB962C8B-B14F-4D97-AF65-F5344CB8AC3E}">
+        <p14:creationId xmlns:p14="http://schemas.microsoft.com/office/powerpoint/2010/main" val="895079208"/>
+      </p:ext>
+    </p:extLst>
+  </p:cSld>
+  <p:clrMapOvr>
+    <a:masterClrMapping/>
+  </p:clrMapOvr>
+</p:notes>
+</file>
+
+<file path=ppt/notesSlides/notesSlide26.xml><?xml version="1.0" encoding="utf-8"?>
+<p:notes xmlns:a="http://schemas.openxmlformats.org/drawingml/2006/main" xmlns:r="http://schemas.openxmlformats.org/officeDocument/2006/relationships" xmlns:p="http://schemas.openxmlformats.org/presentationml/2006/main">
+  <p:cSld>
+    <p:spTree>
+      <p:nvGrpSpPr>
+        <p:cNvPr id="1" name=""/>
+        <p:cNvGrpSpPr/>
+        <p:nvPr/>
+      </p:nvGrpSpPr>
+      <p:grpSpPr>
+        <a:xfrm>
+          <a:off x="0" y="0"/>
+          <a:ext cx="0" cy="0"/>
+          <a:chOff x="0" y="0"/>
+          <a:chExt cx="0" cy="0"/>
+        </a:xfrm>
+      </p:grpSpPr>
+      <p:sp>
+        <p:nvSpPr>
+          <p:cNvPr id="2" name="Slide Image Placeholder 1"/>
+          <p:cNvSpPr>
+            <a:spLocks noGrp="1" noRot="1" noChangeAspect="1"/>
+          </p:cNvSpPr>
+          <p:nvPr>
+            <p:ph type="sldImg"/>
+          </p:nvPr>
+        </p:nvSpPr>
+        <p:spPr/>
+      </p:sp>
+      <p:sp>
+        <p:nvSpPr>
+          <p:cNvPr id="3" name="Notes Placeholder 2"/>
+          <p:cNvSpPr>
+            <a:spLocks noGrp="1"/>
+          </p:cNvSpPr>
+          <p:nvPr>
+            <p:ph type="body" idx="1"/>
+          </p:nvPr>
+        </p:nvSpPr>
+        <p:spPr/>
+        <p:txBody>
+          <a:bodyPr/>
+          <a:lstStyle/>
+          <a:p>
+            <a:endParaRPr lang="en-PH" dirty="0"/>
+          </a:p>
+        </p:txBody>
+      </p:sp>
+      <p:sp>
+        <p:nvSpPr>
+          <p:cNvPr id="4" name="Slide Number Placeholder 3"/>
+          <p:cNvSpPr>
+            <a:spLocks noGrp="1"/>
+          </p:cNvSpPr>
+          <p:nvPr>
+            <p:ph type="sldNum" sz="quarter" idx="5"/>
+          </p:nvPr>
+        </p:nvSpPr>
+        <p:spPr/>
+        <p:txBody>
+          <a:bodyPr/>
+          <a:lstStyle/>
+          <a:p>
+            <a:fld id="{FE90CCE9-4AAE-4E1F-85AD-521A406D6524}" type="slidenum">
+              <a:rPr lang="en-PH" smtClean="0"/>
+              <a:t>26</a:t>
+            </a:fld>
+            <a:endParaRPr lang="en-PH"/>
+          </a:p>
+        </p:txBody>
+      </p:sp>
+    </p:spTree>
+    <p:extLst>
+      <p:ext uri="{BB962C8B-B14F-4D97-AF65-F5344CB8AC3E}">
+        <p14:creationId xmlns:p14="http://schemas.microsoft.com/office/powerpoint/2010/main" val="3415368175"/>
+      </p:ext>
+    </p:extLst>
+  </p:cSld>
+  <p:clrMapOvr>
+    <a:masterClrMapping/>
+  </p:clrMapOvr>
+</p:notes>
+</file>
+
+<file path=ppt/notesSlides/notesSlide27.xml><?xml version="1.0" encoding="utf-8"?>
+<p:notes xmlns:a="http://schemas.openxmlformats.org/drawingml/2006/main" xmlns:r="http://schemas.openxmlformats.org/officeDocument/2006/relationships" xmlns:p="http://schemas.openxmlformats.org/presentationml/2006/main">
+  <p:cSld>
+    <p:spTree>
+      <p:nvGrpSpPr>
+        <p:cNvPr id="1" name=""/>
+        <p:cNvGrpSpPr/>
+        <p:nvPr/>
+      </p:nvGrpSpPr>
+      <p:grpSpPr>
+        <a:xfrm>
+          <a:off x="0" y="0"/>
+          <a:ext cx="0" cy="0"/>
+          <a:chOff x="0" y="0"/>
+          <a:chExt cx="0" cy="0"/>
+        </a:xfrm>
+      </p:grpSpPr>
+      <p:sp>
+        <p:nvSpPr>
+          <p:cNvPr id="2" name="Slide Image Placeholder 1"/>
+          <p:cNvSpPr>
+            <a:spLocks noGrp="1" noRot="1" noChangeAspect="1"/>
+          </p:cNvSpPr>
+          <p:nvPr>
+            <p:ph type="sldImg"/>
+          </p:nvPr>
+        </p:nvSpPr>
+        <p:spPr/>
+      </p:sp>
+      <p:sp>
+        <p:nvSpPr>
+          <p:cNvPr id="3" name="Notes Placeholder 2"/>
+          <p:cNvSpPr>
+            <a:spLocks noGrp="1"/>
+          </p:cNvSpPr>
+          <p:nvPr>
+            <p:ph type="body" idx="1"/>
+          </p:nvPr>
+        </p:nvSpPr>
+        <p:spPr/>
+        <p:txBody>
+          <a:bodyPr/>
+          <a:lstStyle/>
+          <a:p>
+            <a:endParaRPr lang="en-PH" dirty="0"/>
+          </a:p>
+        </p:txBody>
+      </p:sp>
+      <p:sp>
+        <p:nvSpPr>
+          <p:cNvPr id="4" name="Slide Number Placeholder 3"/>
+          <p:cNvSpPr>
+            <a:spLocks noGrp="1"/>
+          </p:cNvSpPr>
+          <p:nvPr>
+            <p:ph type="sldNum" sz="quarter" idx="5"/>
+          </p:nvPr>
+        </p:nvSpPr>
+        <p:spPr/>
+        <p:txBody>
+          <a:bodyPr/>
+          <a:lstStyle/>
+          <a:p>
+            <a:fld id="{FE90CCE9-4AAE-4E1F-85AD-521A406D6524}" type="slidenum">
+              <a:rPr lang="en-PH" smtClean="0"/>
+              <a:t>27</a:t>
+            </a:fld>
+            <a:endParaRPr lang="en-PH"/>
+          </a:p>
+        </p:txBody>
+      </p:sp>
+    </p:spTree>
+    <p:extLst>
+      <p:ext uri="{BB962C8B-B14F-4D97-AF65-F5344CB8AC3E}">
+        <p14:creationId xmlns:p14="http://schemas.microsoft.com/office/powerpoint/2010/main" val="882353362"/>
       </p:ext>
     </p:extLst>
   </p:cSld>
@@ -1909,7 +2589,7 @@
     </p:spTree>
     <p:extLst>
       <p:ext uri="{BB962C8B-B14F-4D97-AF65-F5344CB8AC3E}">
-        <p14:creationId xmlns:p14="http://schemas.microsoft.com/office/powerpoint/2010/main" val="3146837381"/>
+        <p14:creationId xmlns:p14="http://schemas.microsoft.com/office/powerpoint/2010/main" val="3455880479"/>
       </p:ext>
     </p:extLst>
   </p:cSld>
@@ -1993,7 +2673,7 @@
     </p:spTree>
     <p:extLst>
       <p:ext uri="{BB962C8B-B14F-4D97-AF65-F5344CB8AC3E}">
-        <p14:creationId xmlns:p14="http://schemas.microsoft.com/office/powerpoint/2010/main" val="1986353231"/>
+        <p14:creationId xmlns:p14="http://schemas.microsoft.com/office/powerpoint/2010/main" val="2673313443"/>
       </p:ext>
     </p:extLst>
   </p:cSld>
@@ -2077,7 +2757,7 @@
     </p:spTree>
     <p:extLst>
       <p:ext uri="{BB962C8B-B14F-4D97-AF65-F5344CB8AC3E}">
-        <p14:creationId xmlns:p14="http://schemas.microsoft.com/office/powerpoint/2010/main" val="2671781897"/>
+        <p14:creationId xmlns:p14="http://schemas.microsoft.com/office/powerpoint/2010/main" val="3146837381"/>
       </p:ext>
     </p:extLst>
   </p:cSld>
@@ -2236,7 +2916,7 @@
           <a:p>
             <a:fld id="{0CCF0B81-6BD8-4C65-9459-815598C5F1F4}" type="datetimeFigureOut">
               <a:rPr lang="en-PH" smtClean="0"/>
-              <a:t>10/24/23</a:t>
+              <a:t>11/3/23</a:t>
             </a:fld>
             <a:endParaRPr lang="en-PH"/>
           </a:p>
@@ -2436,7 +3116,7 @@
           <a:p>
             <a:fld id="{0CCF0B81-6BD8-4C65-9459-815598C5F1F4}" type="datetimeFigureOut">
               <a:rPr lang="en-PH" smtClean="0"/>
-              <a:t>10/24/23</a:t>
+              <a:t>11/3/23</a:t>
             </a:fld>
             <a:endParaRPr lang="en-PH"/>
           </a:p>
@@ -2646,7 +3326,7 @@
           <a:p>
             <a:fld id="{0CCF0B81-6BD8-4C65-9459-815598C5F1F4}" type="datetimeFigureOut">
               <a:rPr lang="en-PH" smtClean="0"/>
-              <a:t>10/24/23</a:t>
+              <a:t>11/3/23</a:t>
             </a:fld>
             <a:endParaRPr lang="en-PH"/>
           </a:p>
@@ -2846,7 +3526,7 @@
           <a:p>
             <a:fld id="{0CCF0B81-6BD8-4C65-9459-815598C5F1F4}" type="datetimeFigureOut">
               <a:rPr lang="en-PH" smtClean="0"/>
-              <a:t>10/24/23</a:t>
+              <a:t>11/3/23</a:t>
             </a:fld>
             <a:endParaRPr lang="en-PH"/>
           </a:p>
@@ -3122,7 +3802,7 @@
           <a:p>
             <a:fld id="{0CCF0B81-6BD8-4C65-9459-815598C5F1F4}" type="datetimeFigureOut">
               <a:rPr lang="en-PH" smtClean="0"/>
-              <a:t>10/24/23</a:t>
+              <a:t>11/3/23</a:t>
             </a:fld>
             <a:endParaRPr lang="en-PH"/>
           </a:p>
@@ -3390,7 +4070,7 @@
           <a:p>
             <a:fld id="{0CCF0B81-6BD8-4C65-9459-815598C5F1F4}" type="datetimeFigureOut">
               <a:rPr lang="en-PH" smtClean="0"/>
-              <a:t>10/24/23</a:t>
+              <a:t>11/3/23</a:t>
             </a:fld>
             <a:endParaRPr lang="en-PH"/>
           </a:p>
@@ -3805,7 +4485,7 @@
           <a:p>
             <a:fld id="{0CCF0B81-6BD8-4C65-9459-815598C5F1F4}" type="datetimeFigureOut">
               <a:rPr lang="en-PH" smtClean="0"/>
-              <a:t>10/24/23</a:t>
+              <a:t>11/3/23</a:t>
             </a:fld>
             <a:endParaRPr lang="en-PH"/>
           </a:p>
@@ -3947,7 +4627,7 @@
           <a:p>
             <a:fld id="{0CCF0B81-6BD8-4C65-9459-815598C5F1F4}" type="datetimeFigureOut">
               <a:rPr lang="en-PH" smtClean="0"/>
-              <a:t>10/24/23</a:t>
+              <a:t>11/3/23</a:t>
             </a:fld>
             <a:endParaRPr lang="en-PH"/>
           </a:p>
@@ -4060,7 +4740,7 @@
           <a:p>
             <a:fld id="{0CCF0B81-6BD8-4C65-9459-815598C5F1F4}" type="datetimeFigureOut">
               <a:rPr lang="en-PH" smtClean="0"/>
-              <a:t>10/24/23</a:t>
+              <a:t>11/3/23</a:t>
             </a:fld>
             <a:endParaRPr lang="en-PH"/>
           </a:p>
@@ -4373,7 +5053,7 @@
           <a:p>
             <a:fld id="{0CCF0B81-6BD8-4C65-9459-815598C5F1F4}" type="datetimeFigureOut">
               <a:rPr lang="en-PH" smtClean="0"/>
-              <a:t>10/24/23</a:t>
+              <a:t>11/3/23</a:t>
             </a:fld>
             <a:endParaRPr lang="en-PH"/>
           </a:p>
@@ -4662,7 +5342,7 @@
           <a:p>
             <a:fld id="{0CCF0B81-6BD8-4C65-9459-815598C5F1F4}" type="datetimeFigureOut">
               <a:rPr lang="en-PH" smtClean="0"/>
-              <a:t>10/24/23</a:t>
+              <a:t>11/3/23</a:t>
             </a:fld>
             <a:endParaRPr lang="en-PH"/>
           </a:p>
@@ -4905,7 +5585,7 @@
           <a:p>
             <a:fld id="{0CCF0B81-6BD8-4C65-9459-815598C5F1F4}" type="datetimeFigureOut">
               <a:rPr lang="en-PH" smtClean="0"/>
-              <a:t>10/24/23</a:t>
+              <a:t>11/3/23</a:t>
             </a:fld>
             <a:endParaRPr lang="en-PH"/>
           </a:p>
@@ -5631,10 +6311,10 @@
       </p:sp>
       <p:pic>
         <p:nvPicPr>
-          <p:cNvPr id="7" name="Picture 6" descr="A poster with a plant growing out of the ground&#10;&#10;Description automatically generated">
-            <a:extLst>
-              <a:ext uri="{FF2B5EF4-FFF2-40B4-BE49-F238E27FC236}">
-                <a16:creationId xmlns:a16="http://schemas.microsoft.com/office/drawing/2014/main" id="{BC2E7218-AC19-F130-0716-0305FA851E4B}"/>
+          <p:cNvPr id="3" name="Picture 2" descr="A poster of a group of people playing music&#10;&#10;Description automatically generated with medium confidence">
+            <a:extLst>
+              <a:ext uri="{FF2B5EF4-FFF2-40B4-BE49-F238E27FC236}">
+                <a16:creationId xmlns:a16="http://schemas.microsoft.com/office/drawing/2014/main" id="{A2DF7275-E609-E593-DCE6-8831671226FB}"/>
               </a:ext>
             </a:extLst>
           </p:cNvPr>
@@ -5657,18 +6337,25 @@
         </p:blipFill>
         <p:spPr>
           <a:xfrm>
-            <a:off x="1996488" y="291210"/>
-            <a:ext cx="8199023" cy="5466015"/>
+            <a:off x="1812780" y="321706"/>
+            <a:ext cx="8566439" cy="5710959"/>
           </a:xfrm>
           <a:prstGeom prst="rect">
             <a:avLst/>
           </a:prstGeom>
+          <a:effectLst>
+            <a:outerShdw blurRad="50800" dist="38100" dir="2700000" algn="tl" rotWithShape="0">
+              <a:prstClr val="black">
+                <a:alpha val="40000"/>
+              </a:prstClr>
+            </a:outerShdw>
+          </a:effectLst>
         </p:spPr>
       </p:pic>
     </p:spTree>
     <p:extLst>
       <p:ext uri="{BB962C8B-B14F-4D97-AF65-F5344CB8AC3E}">
-        <p14:creationId xmlns:p14="http://schemas.microsoft.com/office/powerpoint/2010/main" val="2185071703"/>
+        <p14:creationId xmlns:p14="http://schemas.microsoft.com/office/powerpoint/2010/main" val="3265896283"/>
       </p:ext>
     </p:extLst>
   </p:cSld>
@@ -5812,7 +6499,7 @@
           <a:p>
             <a:r>
               <a:rPr lang="en-US" sz="5000" b="1" dirty="0"/>
-              <a:t>Court Trial Example</a:t>
+              <a:t>Alternative Hypothesis</a:t>
             </a:r>
             <a:endParaRPr lang="en-PH" sz="5000" b="1" dirty="0"/>
           </a:p>
@@ -5860,97 +6547,174 @@
           </a:p>
         </p:txBody>
       </p:sp>
-      <p:sp>
-        <p:nvSpPr>
-          <p:cNvPr id="4" name="TextBox 3">
-            <a:extLst>
-              <a:ext uri="{FF2B5EF4-FFF2-40B4-BE49-F238E27FC236}">
-                <a16:creationId xmlns:a16="http://schemas.microsoft.com/office/drawing/2014/main" id="{4203C0C4-7C82-D208-A8B3-1AE6E9099A3C}"/>
-              </a:ext>
-            </a:extLst>
-          </p:cNvPr>
-          <p:cNvSpPr txBox="1"/>
-          <p:nvPr/>
-        </p:nvSpPr>
-        <p:spPr>
-          <a:xfrm>
-            <a:off x="639918" y="1354768"/>
-            <a:ext cx="11140404" cy="1477328"/>
-          </a:xfrm>
-          <a:prstGeom prst="rect">
-            <a:avLst/>
-          </a:prstGeom>
-          <a:noFill/>
-        </p:spPr>
-        <p:txBody>
-          <a:bodyPr wrap="square" rtlCol="0">
-            <a:spAutoFit/>
-          </a:bodyPr>
-          <a:lstStyle/>
-          <a:p>
-            <a:r>
-              <a:rPr lang="en-US" sz="3000" dirty="0"/>
-              <a:t>The process of testing hypotheses can be compared to court trials.</a:t>
-            </a:r>
-          </a:p>
-          <a:p>
-            <a:r>
-              <a:rPr lang="en-US" sz="3000" dirty="0"/>
-              <a:t>A person comes into court charged with a crime. </a:t>
-            </a:r>
-          </a:p>
-          <a:p>
-            <a:endParaRPr lang="en-PH" sz="3000" dirty="0"/>
-          </a:p>
-        </p:txBody>
-      </p:sp>
-      <p:pic>
-        <p:nvPicPr>
-          <p:cNvPr id="3" name="Picture 2" descr="A person sitting at a desk&#10;&#10;Description automatically generated">
-            <a:extLst>
-              <a:ext uri="{FF2B5EF4-FFF2-40B4-BE49-F238E27FC236}">
-                <a16:creationId xmlns:a16="http://schemas.microsoft.com/office/drawing/2014/main" id="{EA82693E-380E-7EA1-CB9D-141726E57914}"/>
-              </a:ext>
-            </a:extLst>
-          </p:cNvPr>
-          <p:cNvPicPr>
-            <a:picLocks noChangeAspect="1"/>
-          </p:cNvPicPr>
-          <p:nvPr/>
-        </p:nvPicPr>
-        <p:blipFill>
-          <a:blip r:embed="rId4">
-            <a:extLst>
-              <a:ext uri="{28A0092B-C50C-407E-A947-70E740481C1C}">
-                <a14:useLocalDpi xmlns:a14="http://schemas.microsoft.com/office/drawing/2010/main" val="0"/>
-              </a:ext>
-            </a:extLst>
-          </a:blip>
-          <a:stretch>
-            <a:fillRect/>
-          </a:stretch>
-        </p:blipFill>
-        <p:spPr>
-          <a:xfrm>
-            <a:off x="4041738" y="2672733"/>
-            <a:ext cx="4108522" cy="3081392"/>
-          </a:xfrm>
-          <a:prstGeom prst="rect">
-            <a:avLst/>
-          </a:prstGeom>
-          <a:effectLst>
-            <a:outerShdw blurRad="50800" dist="38100" dir="2700000" algn="tl" rotWithShape="0">
-              <a:prstClr val="black">
-                <a:alpha val="40000"/>
-              </a:prstClr>
-            </a:outerShdw>
-          </a:effectLst>
-        </p:spPr>
-      </p:pic>
+      <mc:AlternateContent xmlns:mc="http://schemas.openxmlformats.org/markup-compatibility/2006" xmlns:a14="http://schemas.microsoft.com/office/drawing/2010/main">
+        <mc:Choice Requires="a14">
+          <p:sp>
+            <p:nvSpPr>
+              <p:cNvPr id="4" name="TextBox 3">
+                <a:extLst>
+                  <a:ext uri="{FF2B5EF4-FFF2-40B4-BE49-F238E27FC236}">
+                    <a16:creationId xmlns:a16="http://schemas.microsoft.com/office/drawing/2014/main" id="{4203C0C4-7C82-D208-A8B3-1AE6E9099A3C}"/>
+                  </a:ext>
+                </a:extLst>
+              </p:cNvPr>
+              <p:cNvSpPr txBox="1"/>
+              <p:nvPr/>
+            </p:nvSpPr>
+            <p:spPr>
+              <a:xfrm>
+                <a:off x="639918" y="1354768"/>
+                <a:ext cx="11140404" cy="2862322"/>
+              </a:xfrm>
+              <a:prstGeom prst="rect">
+                <a:avLst/>
+              </a:prstGeom>
+              <a:noFill/>
+            </p:spPr>
+            <p:txBody>
+              <a:bodyPr wrap="square" rtlCol="0">
+                <a:spAutoFit/>
+              </a:bodyPr>
+              <a:lstStyle/>
+              <a:p>
+                <a:r>
+                  <a:rPr lang="en-US" sz="3000" dirty="0"/>
+                  <a:t>The opposite of a null hypothesis is called the </a:t>
+                </a:r>
+                <a:r>
+                  <a:rPr lang="en-US" sz="3000" b="1" dirty="0">
+                    <a:solidFill>
+                      <a:srgbClr val="FF0000"/>
+                    </a:solidFill>
+                  </a:rPr>
+                  <a:t>alternative hypothesis</a:t>
+                </a:r>
+                <a:r>
+                  <a:rPr lang="en-US" sz="3000" dirty="0"/>
+                  <a:t>. </a:t>
+                </a:r>
+              </a:p>
+              <a:p>
+                <a:endParaRPr lang="en-US" sz="3000" dirty="0"/>
+              </a:p>
+              <a:p>
+                <a:r>
+                  <a:rPr lang="en-US" sz="3000" dirty="0"/>
+                  <a:t>The alternative hypothesis is the </a:t>
+                </a:r>
+                <a:r>
+                  <a:rPr lang="en-US" sz="3000" b="1" dirty="0">
+                    <a:solidFill>
+                      <a:srgbClr val="00B0F0"/>
+                    </a:solidFill>
+                  </a:rPr>
+                  <a:t>claim that researchers are actually trying to prove is true</a:t>
+                </a:r>
+                <a:r>
+                  <a:rPr lang="en-US" sz="3000" dirty="0"/>
+                  <a:t>. </a:t>
+                </a:r>
+              </a:p>
+              <a:p>
+                <a:endParaRPr lang="en-US" sz="3000" dirty="0"/>
+              </a:p>
+              <a:p>
+                <a:r>
+                  <a:rPr lang="en-US" sz="3000" dirty="0"/>
+                  <a:t>The notation that is typically used for the alternative hypothesis is </a:t>
+                </a:r>
+                <a14:m>
+                  <m:oMath xmlns:m="http://schemas.openxmlformats.org/officeDocument/2006/math">
+                    <m:sSub>
+                      <m:sSubPr>
+                        <m:ctrlPr>
+                          <a:rPr lang="en-US" sz="3000" b="1" i="1" smtClean="0">
+                            <a:solidFill>
+                              <a:srgbClr val="FF0000"/>
+                            </a:solidFill>
+                            <a:latin typeface="Cambria Math" panose="02040503050406030204" pitchFamily="18" charset="0"/>
+                          </a:rPr>
+                        </m:ctrlPr>
+                      </m:sSubPr>
+                      <m:e>
+                        <m:r>
+                          <a:rPr lang="en-US" sz="3000" b="1" i="1" smtClean="0">
+                            <a:solidFill>
+                              <a:srgbClr val="FF0000"/>
+                            </a:solidFill>
+                            <a:latin typeface="Cambria Math" panose="02040503050406030204" pitchFamily="18" charset="0"/>
+                          </a:rPr>
+                          <m:t>𝑯</m:t>
+                        </m:r>
+                      </m:e>
+                      <m:sub>
+                        <m:r>
+                          <a:rPr lang="en-US" sz="3000" b="1" i="1" smtClean="0">
+                            <a:solidFill>
+                              <a:srgbClr val="FF0000"/>
+                            </a:solidFill>
+                            <a:latin typeface="Cambria Math" panose="02040503050406030204" pitchFamily="18" charset="0"/>
+                          </a:rPr>
+                          <m:t>𝒂</m:t>
+                        </m:r>
+                      </m:sub>
+                    </m:sSub>
+                  </m:oMath>
+                </a14:m>
+                <a:endParaRPr lang="en-PH" sz="3000" dirty="0"/>
+              </a:p>
+            </p:txBody>
+          </p:sp>
+        </mc:Choice>
+        <mc:Fallback xmlns="">
+          <p:sp>
+            <p:nvSpPr>
+              <p:cNvPr id="4" name="TextBox 3">
+                <a:extLst>
+                  <a:ext uri="{FF2B5EF4-FFF2-40B4-BE49-F238E27FC236}">
+                    <a16:creationId xmlns:a16="http://schemas.microsoft.com/office/drawing/2014/main" id="{4203C0C4-7C82-D208-A8B3-1AE6E9099A3C}"/>
+                  </a:ext>
+                </a:extLst>
+              </p:cNvPr>
+              <p:cNvSpPr txBox="1">
+                <a:spLocks noRot="1" noChangeAspect="1" noMove="1" noResize="1" noEditPoints="1" noAdjustHandles="1" noChangeArrowheads="1" noChangeShapeType="1" noTextEdit="1"/>
+              </p:cNvSpPr>
+              <p:nvPr/>
+            </p:nvSpPr>
+            <p:spPr>
+              <a:xfrm>
+                <a:off x="639918" y="1354768"/>
+                <a:ext cx="11140404" cy="2862322"/>
+              </a:xfrm>
+              <a:prstGeom prst="rect">
+                <a:avLst/>
+              </a:prstGeom>
+              <a:blipFill>
+                <a:blip r:embed="rId4"/>
+                <a:stretch>
+                  <a:fillRect l="-1253" t="-2643" b="-5286"/>
+                </a:stretch>
+              </a:blipFill>
+            </p:spPr>
+            <p:txBody>
+              <a:bodyPr/>
+              <a:lstStyle/>
+              <a:p>
+                <a:r>
+                  <a:rPr lang="en-US">
+                    <a:noFill/>
+                  </a:rPr>
+                  <a:t> </a:t>
+                </a:r>
+              </a:p>
+            </p:txBody>
+          </p:sp>
+        </mc:Fallback>
+      </mc:AlternateContent>
     </p:spTree>
     <p:extLst>
       <p:ext uri="{BB962C8B-B14F-4D97-AF65-F5344CB8AC3E}">
-        <p14:creationId xmlns:p14="http://schemas.microsoft.com/office/powerpoint/2010/main" val="504419690"/>
+        <p14:creationId xmlns:p14="http://schemas.microsoft.com/office/powerpoint/2010/main" val="1507725930"/>
       </p:ext>
     </p:extLst>
   </p:cSld>
@@ -6066,42 +6830,6 @@
       </p:sp>
       <p:sp>
         <p:nvSpPr>
-          <p:cNvPr id="38" name="Title 1">
-            <a:extLst>
-              <a:ext uri="{FF2B5EF4-FFF2-40B4-BE49-F238E27FC236}">
-                <a16:creationId xmlns:a16="http://schemas.microsoft.com/office/drawing/2014/main" id="{85194D96-4E26-6A5A-5AB5-02AFD53E7543}"/>
-              </a:ext>
-            </a:extLst>
-          </p:cNvPr>
-          <p:cNvSpPr>
-            <a:spLocks noGrp="1"/>
-          </p:cNvSpPr>
-          <p:nvPr>
-            <p:ph type="ctrTitle"/>
-          </p:nvPr>
-        </p:nvSpPr>
-        <p:spPr>
-          <a:xfrm>
-            <a:off x="1128386" y="415731"/>
-            <a:ext cx="9935227" cy="718459"/>
-          </a:xfrm>
-        </p:spPr>
-        <p:txBody>
-          <a:bodyPr>
-            <a:noAutofit/>
-          </a:bodyPr>
-          <a:lstStyle/>
-          <a:p>
-            <a:r>
-              <a:rPr lang="en-US" sz="5000" b="1" dirty="0"/>
-              <a:t>Court Trial Example</a:t>
-            </a:r>
-            <a:endParaRPr lang="en-PH" sz="5000" b="1" dirty="0"/>
-          </a:p>
-        </p:txBody>
-      </p:sp>
-      <p:sp>
-        <p:nvSpPr>
           <p:cNvPr id="39" name="Footer Placeholder 3">
             <a:extLst>
               <a:ext uri="{FF2B5EF4-FFF2-40B4-BE49-F238E27FC236}">
@@ -6142,72 +6870,12 @@
           </a:p>
         </p:txBody>
       </p:sp>
-      <p:sp>
-        <p:nvSpPr>
-          <p:cNvPr id="4" name="TextBox 3">
-            <a:extLst>
-              <a:ext uri="{FF2B5EF4-FFF2-40B4-BE49-F238E27FC236}">
-                <a16:creationId xmlns:a16="http://schemas.microsoft.com/office/drawing/2014/main" id="{4203C0C4-7C82-D208-A8B3-1AE6E9099A3C}"/>
-              </a:ext>
-            </a:extLst>
-          </p:cNvPr>
-          <p:cNvSpPr txBox="1"/>
-          <p:nvPr/>
-        </p:nvSpPr>
-        <p:spPr>
-          <a:xfrm>
-            <a:off x="639918" y="1354768"/>
-            <a:ext cx="11140404" cy="1015663"/>
-          </a:xfrm>
-          <a:prstGeom prst="rect">
-            <a:avLst/>
-          </a:prstGeom>
-          <a:noFill/>
-        </p:spPr>
-        <p:txBody>
-          <a:bodyPr wrap="square" rtlCol="0">
-            <a:spAutoFit/>
-          </a:bodyPr>
-          <a:lstStyle/>
-          <a:p>
-            <a:r>
-              <a:rPr lang="en-US" sz="3000" dirty="0"/>
-              <a:t>A jury must decide whether the person is </a:t>
-            </a:r>
-            <a:r>
-              <a:rPr lang="en-US" sz="3000" b="1" dirty="0">
-                <a:solidFill>
-                  <a:srgbClr val="00B0F0"/>
-                </a:solidFill>
-              </a:rPr>
-              <a:t>not guilty (null hypothesis) </a:t>
-            </a:r>
-            <a:r>
-              <a:rPr lang="en-US" sz="3000" dirty="0"/>
-              <a:t>or </a:t>
-            </a:r>
-            <a:r>
-              <a:rPr lang="en-US" sz="3000" b="1" dirty="0">
-                <a:solidFill>
-                  <a:srgbClr val="00B050"/>
-                </a:solidFill>
-              </a:rPr>
-              <a:t>guilty (alternative hypothesis). </a:t>
-            </a:r>
-            <a:endParaRPr lang="en-PH" sz="3000" b="1" dirty="0">
-              <a:solidFill>
-                <a:srgbClr val="00B050"/>
-              </a:solidFill>
-            </a:endParaRPr>
-          </a:p>
-        </p:txBody>
-      </p:sp>
       <p:pic>
         <p:nvPicPr>
-          <p:cNvPr id="9" name="Picture 8" descr="A person in a suit speaking into a microphone&#10;&#10;Description automatically generated">
-            <a:extLst>
-              <a:ext uri="{FF2B5EF4-FFF2-40B4-BE49-F238E27FC236}">
-                <a16:creationId xmlns:a16="http://schemas.microsoft.com/office/drawing/2014/main" id="{9F258C01-E13E-C655-B0D2-3A1DC30E3F58}"/>
+          <p:cNvPr id="7" name="Picture 6" descr="A poster with a plant growing out of the ground&#10;&#10;Description automatically generated">
+            <a:extLst>
+              <a:ext uri="{FF2B5EF4-FFF2-40B4-BE49-F238E27FC236}">
+                <a16:creationId xmlns:a16="http://schemas.microsoft.com/office/drawing/2014/main" id="{BC2E7218-AC19-F130-0716-0305FA851E4B}"/>
               </a:ext>
             </a:extLst>
           </p:cNvPr>
@@ -6230,25 +6898,18 @@
         </p:blipFill>
         <p:spPr>
           <a:xfrm>
-            <a:off x="3332166" y="2702938"/>
-            <a:ext cx="5527665" cy="2971120"/>
+            <a:off x="1996488" y="291210"/>
+            <a:ext cx="8199023" cy="5466015"/>
           </a:xfrm>
           <a:prstGeom prst="rect">
             <a:avLst/>
           </a:prstGeom>
-          <a:effectLst>
-            <a:outerShdw blurRad="50800" dist="38100" dir="2700000" algn="tl" rotWithShape="0">
-              <a:prstClr val="black">
-                <a:alpha val="40000"/>
-              </a:prstClr>
-            </a:outerShdw>
-          </a:effectLst>
         </p:spPr>
       </p:pic>
     </p:spTree>
     <p:extLst>
       <p:ext uri="{BB962C8B-B14F-4D97-AF65-F5344CB8AC3E}">
-        <p14:creationId xmlns:p14="http://schemas.microsoft.com/office/powerpoint/2010/main" val="2990961721"/>
+        <p14:creationId xmlns:p14="http://schemas.microsoft.com/office/powerpoint/2010/main" val="2185071703"/>
       </p:ext>
     </p:extLst>
   </p:cSld>
@@ -6455,7 +7116,7 @@
         <p:spPr>
           <a:xfrm>
             <a:off x="639918" y="1354768"/>
-            <a:ext cx="11140404" cy="3785652"/>
+            <a:ext cx="11140404" cy="1477328"/>
           </a:xfrm>
           <a:prstGeom prst="rect">
             <a:avLst/>
@@ -6470,64 +7131,67 @@
           <a:p>
             <a:r>
               <a:rPr lang="en-US" sz="3000" dirty="0"/>
-              <a:t>Even though the person is charged with the crime, at the beginning of the trial (and until the jury declares otherwise) the accused is assumed to be </a:t>
-            </a:r>
-            <a:r>
-              <a:rPr lang="en-US" sz="3000" b="1" dirty="0">
-                <a:solidFill>
-                  <a:srgbClr val="00B050"/>
-                </a:solidFill>
-              </a:rPr>
-              <a:t>not guilty </a:t>
-            </a:r>
+              <a:t>The process of testing hypotheses can be compared to court trials.</a:t>
+            </a:r>
+          </a:p>
+          <a:p>
             <a:r>
               <a:rPr lang="en-US" sz="3000" dirty="0"/>
-              <a:t>of the crime. </a:t>
-            </a:r>
-          </a:p>
-          <a:p>
-            <a:endParaRPr lang="en-US" sz="3000" dirty="0"/>
-          </a:p>
-          <a:p>
-            <a:r>
-              <a:rPr lang="en-US" sz="3000" dirty="0"/>
-              <a:t>Only if overwhelming evidence of the person's guilt can be shown is the jury expected to declare the person</a:t>
-            </a:r>
-            <a:r>
-              <a:rPr lang="en-US" sz="3000" b="1" dirty="0">
-                <a:solidFill>
-                  <a:srgbClr val="FF0000"/>
-                </a:solidFill>
-              </a:rPr>
-              <a:t> guilty</a:t>
-            </a:r>
-            <a:r>
-              <a:rPr lang="en-US" sz="3000" dirty="0"/>
-              <a:t>, otherwise the person is considered </a:t>
-            </a:r>
-            <a:r>
-              <a:rPr lang="en-US" sz="3000" b="1" dirty="0">
-                <a:solidFill>
-                  <a:srgbClr val="00B050"/>
-                </a:solidFill>
-              </a:rPr>
-              <a:t>not guilty.</a:t>
-            </a:r>
-            <a:endParaRPr lang="en-PH" sz="3000" b="1" dirty="0">
-              <a:solidFill>
-                <a:srgbClr val="00B050"/>
-              </a:solidFill>
-            </a:endParaRPr>
+              <a:t>A person comes into court charged with a crime. </a:t>
+            </a:r>
           </a:p>
           <a:p>
             <a:endParaRPr lang="en-PH" sz="3000" dirty="0"/>
           </a:p>
         </p:txBody>
       </p:sp>
+      <p:pic>
+        <p:nvPicPr>
+          <p:cNvPr id="3" name="Picture 2" descr="A person sitting at a desk&#10;&#10;Description automatically generated">
+            <a:extLst>
+              <a:ext uri="{FF2B5EF4-FFF2-40B4-BE49-F238E27FC236}">
+                <a16:creationId xmlns:a16="http://schemas.microsoft.com/office/drawing/2014/main" id="{EA82693E-380E-7EA1-CB9D-141726E57914}"/>
+              </a:ext>
+            </a:extLst>
+          </p:cNvPr>
+          <p:cNvPicPr>
+            <a:picLocks noChangeAspect="1"/>
+          </p:cNvPicPr>
+          <p:nvPr/>
+        </p:nvPicPr>
+        <p:blipFill>
+          <a:blip r:embed="rId4">
+            <a:extLst>
+              <a:ext uri="{28A0092B-C50C-407E-A947-70E740481C1C}">
+                <a14:useLocalDpi xmlns:a14="http://schemas.microsoft.com/office/drawing/2010/main" val="0"/>
+              </a:ext>
+            </a:extLst>
+          </a:blip>
+          <a:stretch>
+            <a:fillRect/>
+          </a:stretch>
+        </p:blipFill>
+        <p:spPr>
+          <a:xfrm>
+            <a:off x="4041738" y="2672733"/>
+            <a:ext cx="4108522" cy="3081392"/>
+          </a:xfrm>
+          <a:prstGeom prst="rect">
+            <a:avLst/>
+          </a:prstGeom>
+          <a:effectLst>
+            <a:outerShdw blurRad="50800" dist="38100" dir="2700000" algn="tl" rotWithShape="0">
+              <a:prstClr val="black">
+                <a:alpha val="40000"/>
+              </a:prstClr>
+            </a:outerShdw>
+          </a:effectLst>
+        </p:spPr>
+      </p:pic>
     </p:spTree>
     <p:extLst>
       <p:ext uri="{BB962C8B-B14F-4D97-AF65-F5344CB8AC3E}">
-        <p14:creationId xmlns:p14="http://schemas.microsoft.com/office/powerpoint/2010/main" val="658970165"/>
+        <p14:creationId xmlns:p14="http://schemas.microsoft.com/office/powerpoint/2010/main" val="504419690"/>
       </p:ext>
     </p:extLst>
   </p:cSld>
@@ -6585,7 +7249,7 @@
         </p:nvSpPr>
         <p:spPr>
           <a:xfrm>
-            <a:off x="1524000" y="1516449"/>
+            <a:off x="1524000" y="1528806"/>
             <a:ext cx="9144000" cy="4290585"/>
           </a:xfrm>
           <a:prstGeom prst="rect">
@@ -6671,7 +7335,7 @@
           <a:p>
             <a:r>
               <a:rPr lang="en-US" sz="5000" b="1" dirty="0"/>
-              <a:t>Test of Significance</a:t>
+              <a:t>Court Trial Example</a:t>
             </a:r>
             <a:endParaRPr lang="en-PH" sz="5000" b="1" dirty="0"/>
           </a:p>
@@ -6734,7 +7398,7 @@
         <p:spPr>
           <a:xfrm>
             <a:off x="639918" y="1354768"/>
-            <a:ext cx="10912162" cy="4247317"/>
+            <a:ext cx="11140404" cy="1015663"/>
           </a:xfrm>
           <a:prstGeom prst="rect">
             <a:avLst/>
@@ -6749,28 +7413,7 @@
           <a:p>
             <a:r>
               <a:rPr lang="en-US" sz="3000" dirty="0"/>
-              <a:t>When conducting a significance test, the goal is to </a:t>
-            </a:r>
-            <a:r>
-              <a:rPr lang="en-US" sz="3000" b="1" dirty="0">
-                <a:solidFill>
-                  <a:srgbClr val="00B0F0"/>
-                </a:solidFill>
-              </a:rPr>
-              <a:t>provide evidence to reject the null hypothesis</a:t>
-            </a:r>
-            <a:r>
-              <a:rPr lang="en-US" sz="3000" dirty="0"/>
-              <a:t>. </a:t>
-            </a:r>
-          </a:p>
-          <a:p>
-            <a:endParaRPr lang="en-US" sz="3000" dirty="0"/>
-          </a:p>
-          <a:p>
-            <a:r>
-              <a:rPr lang="en-US" sz="3000" dirty="0"/>
-              <a:t>If the evidence is strong enough to reject the </a:t>
+              <a:t>A jury must decide whether the person is </a:t>
             </a:r>
             <a:r>
               <a:rPr lang="en-US" sz="3000" b="1" dirty="0">
@@ -6778,11 +7421,11 @@
                   <a:srgbClr val="00B050"/>
                 </a:solidFill>
               </a:rPr>
-              <a:t>null hypothesis</a:t>
+              <a:t>not guilty (null hypothesis) </a:t>
             </a:r>
             <a:r>
               <a:rPr lang="en-US" sz="3000" dirty="0"/>
-              <a:t>, then the </a:t>
+              <a:t>or </a:t>
             </a:r>
             <a:r>
               <a:rPr lang="en-US" sz="3000" b="1" dirty="0">
@@ -6790,44 +7433,63 @@
                   <a:srgbClr val="FF0000"/>
                 </a:solidFill>
               </a:rPr>
-              <a:t>alternative hypothesis </a:t>
-            </a:r>
-            <a:r>
-              <a:rPr lang="en-US" sz="3000" dirty="0"/>
-              <a:t>can automatically be accepted.</a:t>
-            </a:r>
-          </a:p>
-          <a:p>
-            <a:br>
-              <a:rPr lang="en-US" sz="3000" dirty="0"/>
-            </a:br>
-            <a:r>
-              <a:rPr lang="en-US" sz="3000" dirty="0"/>
-              <a:t>However, if the evidence is not strong enough, researchers fail to reject the </a:t>
-            </a:r>
-            <a:r>
-              <a:rPr lang="en-US" sz="3000" b="1" dirty="0">
-                <a:solidFill>
-                  <a:srgbClr val="00B050"/>
-                </a:solidFill>
-              </a:rPr>
-              <a:t>null hypothesis</a:t>
-            </a:r>
-            <a:r>
-              <a:rPr lang="en-US" sz="3000" dirty="0"/>
-              <a:t>. </a:t>
-            </a:r>
-            <a:br>
-              <a:rPr lang="en-US" sz="3000" dirty="0"/>
-            </a:br>
-            <a:endParaRPr lang="en-PH" sz="3000" dirty="0"/>
-          </a:p>
-        </p:txBody>
-      </p:sp>
+              <a:t>guilty (alternative hypothesis). </a:t>
+            </a:r>
+            <a:endParaRPr lang="en-PH" sz="3000" b="1" dirty="0">
+              <a:solidFill>
+                <a:srgbClr val="FF0000"/>
+              </a:solidFill>
+            </a:endParaRPr>
+          </a:p>
+        </p:txBody>
+      </p:sp>
+      <p:pic>
+        <p:nvPicPr>
+          <p:cNvPr id="9" name="Picture 8" descr="A person in a suit speaking into a microphone&#10;&#10;Description automatically generated">
+            <a:extLst>
+              <a:ext uri="{FF2B5EF4-FFF2-40B4-BE49-F238E27FC236}">
+                <a16:creationId xmlns:a16="http://schemas.microsoft.com/office/drawing/2014/main" id="{9F258C01-E13E-C655-B0D2-3A1DC30E3F58}"/>
+              </a:ext>
+            </a:extLst>
+          </p:cNvPr>
+          <p:cNvPicPr>
+            <a:picLocks noChangeAspect="1"/>
+          </p:cNvPicPr>
+          <p:nvPr/>
+        </p:nvPicPr>
+        <p:blipFill>
+          <a:blip r:embed="rId4">
+            <a:extLst>
+              <a:ext uri="{28A0092B-C50C-407E-A947-70E740481C1C}">
+                <a14:useLocalDpi xmlns:a14="http://schemas.microsoft.com/office/drawing/2010/main" val="0"/>
+              </a:ext>
+            </a:extLst>
+          </a:blip>
+          <a:stretch>
+            <a:fillRect/>
+          </a:stretch>
+        </p:blipFill>
+        <p:spPr>
+          <a:xfrm>
+            <a:off x="3332166" y="2702938"/>
+            <a:ext cx="5527665" cy="2971120"/>
+          </a:xfrm>
+          <a:prstGeom prst="rect">
+            <a:avLst/>
+          </a:prstGeom>
+          <a:effectLst>
+            <a:outerShdw blurRad="50800" dist="38100" dir="2700000" algn="tl" rotWithShape="0">
+              <a:prstClr val="black">
+                <a:alpha val="40000"/>
+              </a:prstClr>
+            </a:outerShdw>
+          </a:effectLst>
+        </p:spPr>
+      </p:pic>
     </p:spTree>
     <p:extLst>
       <p:ext uri="{BB962C8B-B14F-4D97-AF65-F5344CB8AC3E}">
-        <p14:creationId xmlns:p14="http://schemas.microsoft.com/office/powerpoint/2010/main" val="3982310532"/>
+        <p14:creationId xmlns:p14="http://schemas.microsoft.com/office/powerpoint/2010/main" val="2990961721"/>
       </p:ext>
     </p:extLst>
   </p:cSld>
@@ -6971,7 +7633,7 @@
           <a:p>
             <a:r>
               <a:rPr lang="en-US" sz="5000" b="1" dirty="0"/>
-              <a:t>Example Problem</a:t>
+              <a:t>Court Trial Example</a:t>
             </a:r>
             <a:endParaRPr lang="en-PH" sz="5000" b="1" dirty="0"/>
           </a:p>
@@ -7034,7 +7696,7 @@
         <p:spPr>
           <a:xfrm>
             <a:off x="639918" y="1354768"/>
-            <a:ext cx="10912162" cy="1938992"/>
+            <a:ext cx="11140404" cy="3785652"/>
           </a:xfrm>
           <a:prstGeom prst="rect">
             <a:avLst/>
@@ -7048,88 +7710,65 @@
           <a:lstStyle/>
           <a:p>
             <a:r>
-              <a:rPr lang="en-PH" sz="3000" dirty="0"/>
-              <a:t>In the </a:t>
-            </a:r>
-            <a:r>
-              <a:rPr lang="en-PH" sz="3000" dirty="0" err="1"/>
-              <a:t>philipines</a:t>
-            </a:r>
-            <a:r>
-              <a:rPr lang="en-PH" sz="3000" dirty="0"/>
-              <a:t>, the mean height of male is </a:t>
-            </a:r>
-            <a:r>
-              <a:rPr lang="en-PH" sz="3000" b="1" dirty="0">
+              <a:rPr lang="en-US" sz="3000" dirty="0"/>
+              <a:t>Even though the person is charged with the crime, at the beginning of the trial (and until the jury declares otherwise) the accused is assumed to be </a:t>
+            </a:r>
+            <a:r>
+              <a:rPr lang="en-US" sz="3000" b="1" dirty="0">
                 <a:solidFill>
-                  <a:srgbClr val="0070C0"/>
+                  <a:srgbClr val="00B050"/>
                 </a:solidFill>
               </a:rPr>
-              <a:t>5’7’’</a:t>
-            </a:r>
-            <a:r>
-              <a:rPr lang="en-PH" sz="3000" b="1" dirty="0"/>
-              <a:t> </a:t>
-            </a:r>
-            <a:r>
-              <a:rPr lang="en-PH" sz="3000" dirty="0"/>
-              <a:t>with a standard deviation of </a:t>
-            </a:r>
-            <a:r>
-              <a:rPr lang="en-PH" sz="3000" b="1" dirty="0">
+              <a:t>not guilty </a:t>
+            </a:r>
+            <a:r>
+              <a:rPr lang="en-US" sz="3000" dirty="0"/>
+              <a:t>of the crime. </a:t>
+            </a:r>
+          </a:p>
+          <a:p>
+            <a:endParaRPr lang="en-US" sz="3000" dirty="0"/>
+          </a:p>
+          <a:p>
+            <a:r>
+              <a:rPr lang="en-US" sz="3000" dirty="0"/>
+              <a:t>Only if overwhelming evidence of the person's guilt can be shown is the jury expected to declare the person</a:t>
+            </a:r>
+            <a:r>
+              <a:rPr lang="en-US" sz="3000" b="1" dirty="0">
                 <a:solidFill>
-                  <a:srgbClr val="0070C0"/>
+                  <a:srgbClr val="FF0000"/>
                 </a:solidFill>
               </a:rPr>
-              <a:t>3.5″</a:t>
-            </a:r>
-            <a:r>
-              <a:rPr lang="en-PH" sz="3000" dirty="0"/>
-              <a:t>.</a:t>
-            </a:r>
-            <a:r>
-              <a:rPr lang="en-PH" sz="3000" b="1" dirty="0"/>
-              <a:t> </a:t>
-            </a:r>
-            <a:r>
-              <a:rPr lang="en-PH" sz="3000" dirty="0"/>
-              <a:t>What is the probability of finding a random sample of </a:t>
-            </a:r>
-            <a:r>
-              <a:rPr lang="en-PH" sz="3000" b="1" dirty="0">
+              <a:t> guilty</a:t>
+            </a:r>
+            <a:r>
+              <a:rPr lang="en-US" sz="3000" dirty="0"/>
+              <a:t>, otherwise the person is considered </a:t>
+            </a:r>
+            <a:r>
+              <a:rPr lang="en-US" sz="3000" b="1" dirty="0">
                 <a:solidFill>
-                  <a:srgbClr val="0070C0"/>
+                  <a:srgbClr val="00B050"/>
                 </a:solidFill>
               </a:rPr>
-              <a:t>50 males</a:t>
-            </a:r>
-            <a:r>
-              <a:rPr lang="en-PH" sz="3000" b="1" dirty="0"/>
-              <a:t> </a:t>
-            </a:r>
-            <a:r>
-              <a:rPr lang="en-PH" sz="3000" dirty="0"/>
-              <a:t>with a mean height of </a:t>
-            </a:r>
-            <a:r>
-              <a:rPr lang="en-PH" sz="3000" b="1" dirty="0">
-                <a:solidFill>
-                  <a:srgbClr val="0070C0"/>
-                </a:solidFill>
-              </a:rPr>
-              <a:t>7’0”</a:t>
-            </a:r>
-            <a:r>
-              <a:rPr lang="en-PH" sz="3000" dirty="0"/>
-              <a:t>, assuming the heights are normally distributed?</a:t>
-            </a:r>
+              <a:t>not guilty.</a:t>
+            </a:r>
+            <a:endParaRPr lang="en-PH" sz="3000" b="1" dirty="0">
+              <a:solidFill>
+                <a:srgbClr val="00B050"/>
+              </a:solidFill>
+            </a:endParaRPr>
+          </a:p>
+          <a:p>
+            <a:endParaRPr lang="en-PH" sz="3000" dirty="0"/>
           </a:p>
         </p:txBody>
       </p:sp>
     </p:spTree>
     <p:extLst>
       <p:ext uri="{BB962C8B-B14F-4D97-AF65-F5344CB8AC3E}">
-        <p14:creationId xmlns:p14="http://schemas.microsoft.com/office/powerpoint/2010/main" val="3129796038"/>
+        <p14:creationId xmlns:p14="http://schemas.microsoft.com/office/powerpoint/2010/main" val="658970165"/>
       </p:ext>
     </p:extLst>
   </p:cSld>
@@ -7273,7 +7912,7 @@
           <a:p>
             <a:r>
               <a:rPr lang="en-US" sz="5000" b="1" dirty="0"/>
-              <a:t>Example Problem</a:t>
+              <a:t>Hand Sanitizer Example</a:t>
             </a:r>
             <a:endParaRPr lang="en-PH" sz="5000" b="1" dirty="0"/>
           </a:p>
@@ -7321,185 +7960,260 @@
           </a:p>
         </p:txBody>
       </p:sp>
-      <p:sp>
-        <p:nvSpPr>
-          <p:cNvPr id="4" name="TextBox 3">
-            <a:extLst>
-              <a:ext uri="{FF2B5EF4-FFF2-40B4-BE49-F238E27FC236}">
-                <a16:creationId xmlns:a16="http://schemas.microsoft.com/office/drawing/2014/main" id="{4203C0C4-7C82-D208-A8B3-1AE6E9099A3C}"/>
-              </a:ext>
-            </a:extLst>
-          </p:cNvPr>
-          <p:cNvSpPr txBox="1"/>
-          <p:nvPr/>
-        </p:nvSpPr>
-        <p:spPr>
-          <a:xfrm>
-            <a:off x="639918" y="1354768"/>
-            <a:ext cx="10912162" cy="1938992"/>
-          </a:xfrm>
-          <a:prstGeom prst="rect">
-            <a:avLst/>
-          </a:prstGeom>
-          <a:noFill/>
-        </p:spPr>
-        <p:txBody>
-          <a:bodyPr wrap="square" rtlCol="0">
-            <a:spAutoFit/>
-          </a:bodyPr>
-          <a:lstStyle/>
-          <a:p>
-            <a:r>
-              <a:rPr lang="en-PH" sz="2400" dirty="0"/>
-              <a:t>In the </a:t>
-            </a:r>
-            <a:r>
-              <a:rPr lang="en-PH" sz="2400" dirty="0" err="1"/>
-              <a:t>philippines</a:t>
-            </a:r>
-            <a:r>
-              <a:rPr lang="en-PH" sz="2400" dirty="0"/>
-              <a:t>, the average or mean height of males is </a:t>
-            </a:r>
-            <a:r>
-              <a:rPr lang="en-PH" sz="2400" b="1" dirty="0">
-                <a:solidFill>
-                  <a:srgbClr val="0070C0"/>
-                </a:solidFill>
-              </a:rPr>
-              <a:t>5’3’’</a:t>
-            </a:r>
-            <a:r>
-              <a:rPr lang="en-PH" sz="2400" b="1" dirty="0"/>
-              <a:t> or </a:t>
-            </a:r>
-            <a:r>
-              <a:rPr lang="en-PH" sz="2400" b="1" dirty="0">
-                <a:solidFill>
-                  <a:srgbClr val="0070C0"/>
-                </a:solidFill>
-              </a:rPr>
-              <a:t>63.6 inches </a:t>
-            </a:r>
-            <a:r>
-              <a:rPr lang="en-PH" sz="2400" dirty="0"/>
-              <a:t>with a standard deviation of </a:t>
-            </a:r>
-            <a:r>
-              <a:rPr lang="en-PH" sz="2400" b="1" dirty="0">
-                <a:solidFill>
-                  <a:srgbClr val="0070C0"/>
-                </a:solidFill>
-              </a:rPr>
-              <a:t>3.5″</a:t>
-            </a:r>
-            <a:r>
-              <a:rPr lang="en-PH" sz="2400" dirty="0"/>
-              <a:t>.</a:t>
-            </a:r>
-            <a:r>
-              <a:rPr lang="en-PH" sz="2400" b="1" dirty="0"/>
-              <a:t> </a:t>
-            </a:r>
-          </a:p>
-          <a:p>
-            <a:endParaRPr lang="en-PH" sz="2400" b="1" dirty="0"/>
-          </a:p>
-          <a:p>
-            <a:r>
-              <a:rPr lang="en-PH" sz="2400" dirty="0"/>
-              <a:t>What is the probability of finding a random sample of </a:t>
-            </a:r>
-            <a:r>
-              <a:rPr lang="en-PH" sz="2400" b="1" dirty="0">
-                <a:solidFill>
-                  <a:srgbClr val="0070C0"/>
-                </a:solidFill>
-              </a:rPr>
-              <a:t>16 males</a:t>
-            </a:r>
-            <a:r>
-              <a:rPr lang="en-PH" sz="2400" b="1" dirty="0"/>
-              <a:t> </a:t>
-            </a:r>
-            <a:r>
-              <a:rPr lang="en-PH" sz="2400" dirty="0"/>
-              <a:t>with a mean height of </a:t>
-            </a:r>
-            <a:r>
-              <a:rPr lang="en-PH" sz="2400" b="1" dirty="0">
-                <a:solidFill>
-                  <a:srgbClr val="0070C0"/>
-                </a:solidFill>
-              </a:rPr>
-              <a:t>7’0” </a:t>
-            </a:r>
-            <a:r>
-              <a:rPr lang="en-PH" sz="2400" b="1" dirty="0"/>
-              <a:t>or</a:t>
-            </a:r>
-            <a:r>
-              <a:rPr lang="en-PH" sz="2400" b="1" dirty="0">
-                <a:solidFill>
-                  <a:srgbClr val="0070C0"/>
-                </a:solidFill>
-              </a:rPr>
-              <a:t> 84 inches</a:t>
-            </a:r>
-            <a:r>
-              <a:rPr lang="en-PH" sz="2400" dirty="0"/>
-              <a:t>, assuming the heights are normally distributed?</a:t>
-            </a:r>
-          </a:p>
-        </p:txBody>
-      </p:sp>
-      <p:pic>
-        <p:nvPicPr>
-          <p:cNvPr id="6" name="Picture 5">
-            <a:extLst>
-              <a:ext uri="{FF2B5EF4-FFF2-40B4-BE49-F238E27FC236}">
-                <a16:creationId xmlns:a16="http://schemas.microsoft.com/office/drawing/2014/main" id="{A0EA6F7E-49D0-F79E-0977-1B756CF23CD2}"/>
-              </a:ext>
-            </a:extLst>
-          </p:cNvPr>
-          <p:cNvPicPr>
-            <a:picLocks noChangeAspect="1"/>
-          </p:cNvPicPr>
-          <p:nvPr/>
-        </p:nvPicPr>
-        <p:blipFill>
-          <a:blip r:embed="rId4">
-            <a:extLst>
-              <a:ext uri="{28A0092B-C50C-407E-A947-70E740481C1C}">
-                <a14:useLocalDpi xmlns:a14="http://schemas.microsoft.com/office/drawing/2010/main" val="0"/>
-              </a:ext>
-            </a:extLst>
-          </a:blip>
-          <a:stretch>
-            <a:fillRect/>
-          </a:stretch>
-        </p:blipFill>
-        <p:spPr>
-          <a:xfrm>
-            <a:off x="4376104" y="3476598"/>
-            <a:ext cx="3439792" cy="2576930"/>
-          </a:xfrm>
-          <a:prstGeom prst="rect">
-            <a:avLst/>
-          </a:prstGeom>
-          <a:effectLst>
-            <a:outerShdw blurRad="50800" dist="38100" dir="2700000" algn="tl" rotWithShape="0">
-              <a:prstClr val="black">
-                <a:alpha val="40000"/>
-              </a:prstClr>
-            </a:outerShdw>
-          </a:effectLst>
-        </p:spPr>
-      </p:pic>
+      <mc:AlternateContent xmlns:mc="http://schemas.openxmlformats.org/markup-compatibility/2006" xmlns:a14="http://schemas.microsoft.com/office/drawing/2010/main">
+        <mc:Choice Requires="a14">
+          <p:sp>
+            <p:nvSpPr>
+              <p:cNvPr id="4" name="TextBox 3">
+                <a:extLst>
+                  <a:ext uri="{FF2B5EF4-FFF2-40B4-BE49-F238E27FC236}">
+                    <a16:creationId xmlns:a16="http://schemas.microsoft.com/office/drawing/2014/main" id="{4203C0C4-7C82-D208-A8B3-1AE6E9099A3C}"/>
+                  </a:ext>
+                </a:extLst>
+              </p:cNvPr>
+              <p:cNvSpPr txBox="1"/>
+              <p:nvPr/>
+            </p:nvSpPr>
+            <p:spPr>
+              <a:xfrm>
+                <a:off x="639918" y="1354768"/>
+                <a:ext cx="11140404" cy="3785652"/>
+              </a:xfrm>
+              <a:prstGeom prst="rect">
+                <a:avLst/>
+              </a:prstGeom>
+              <a:noFill/>
+            </p:spPr>
+            <p:txBody>
+              <a:bodyPr wrap="square" rtlCol="0">
+                <a:spAutoFit/>
+              </a:bodyPr>
+              <a:lstStyle/>
+              <a:p>
+                <a:pPr algn="l"/>
+                <a:r>
+                  <a:rPr lang="en-PH" sz="3000" dirty="0"/>
+                  <a:t>A sanitizer manufacturer claims that its product </a:t>
+                </a:r>
+                <a:r>
+                  <a:rPr lang="en-PH" sz="3000" b="1" dirty="0">
+                    <a:solidFill>
+                      <a:srgbClr val="00B0F0"/>
+                    </a:solidFill>
+                  </a:rPr>
+                  <a:t>kills 95 percent of germs on average</a:t>
+                </a:r>
+                <a:r>
+                  <a:rPr lang="en-PH" sz="3000" dirty="0"/>
+                  <a:t>. </a:t>
+                </a:r>
+              </a:p>
+              <a:p>
+                <a:pPr algn="l"/>
+                <a:endParaRPr lang="en-PH" sz="3000" dirty="0"/>
+              </a:p>
+              <a:p>
+                <a:pPr algn="l"/>
+                <a:r>
+                  <a:rPr lang="en-PH" sz="3000" dirty="0"/>
+                  <a:t>To put this company's claim to the test, create a </a:t>
+                </a:r>
+                <a:r>
+                  <a:rPr lang="en-PH" sz="3000" b="1" dirty="0">
+                    <a:solidFill>
+                      <a:srgbClr val="00B050"/>
+                    </a:solidFill>
+                  </a:rPr>
+                  <a:t>null</a:t>
+                </a:r>
+                <a:r>
+                  <a:rPr lang="en-PH" sz="3000" dirty="0"/>
+                  <a:t> and </a:t>
+                </a:r>
+                <a:r>
+                  <a:rPr lang="en-PH" sz="3000" b="1" dirty="0">
+                    <a:solidFill>
+                      <a:srgbClr val="FF0000"/>
+                    </a:solidFill>
+                  </a:rPr>
+                  <a:t>alternate hypothesis</a:t>
+                </a:r>
+                <a:r>
+                  <a:rPr lang="en-PH" sz="3000" dirty="0"/>
+                  <a:t>.</a:t>
+                </a:r>
+              </a:p>
+              <a:p>
+                <a:pPr algn="l"/>
+                <a:endParaRPr lang="en-PH" sz="3000" dirty="0"/>
+              </a:p>
+              <a:p>
+                <a:pPr algn="l"/>
+                <a:r>
+                  <a:rPr lang="en-PH" sz="3000" dirty="0"/>
+                  <a:t>Null Hypothesis </a:t>
+                </a:r>
+                <a14:m>
+                  <m:oMath xmlns:m="http://schemas.openxmlformats.org/officeDocument/2006/math">
+                    <m:sSub>
+                      <m:sSubPr>
+                        <m:ctrlPr>
+                          <a:rPr lang="en-US" sz="3000" b="1" i="1" smtClean="0">
+                            <a:solidFill>
+                              <a:srgbClr val="00B050"/>
+                            </a:solidFill>
+                            <a:latin typeface="Cambria Math" panose="02040503050406030204" pitchFamily="18" charset="0"/>
+                          </a:rPr>
+                        </m:ctrlPr>
+                      </m:sSubPr>
+                      <m:e>
+                        <m:r>
+                          <a:rPr lang="en-US" sz="3000" b="1" i="1" smtClean="0">
+                            <a:solidFill>
+                              <a:srgbClr val="00B050"/>
+                            </a:solidFill>
+                            <a:latin typeface="Cambria Math" panose="02040503050406030204" pitchFamily="18" charset="0"/>
+                          </a:rPr>
+                          <m:t>𝑯</m:t>
+                        </m:r>
+                      </m:e>
+                      <m:sub>
+                        <m:r>
+                          <a:rPr lang="en-US" sz="3000" b="1" i="1" smtClean="0">
+                            <a:solidFill>
+                              <a:srgbClr val="00B050"/>
+                            </a:solidFill>
+                            <a:latin typeface="Cambria Math" panose="02040503050406030204" pitchFamily="18" charset="0"/>
+                          </a:rPr>
+                          <m:t>𝒐</m:t>
+                        </m:r>
+                      </m:sub>
+                    </m:sSub>
+                  </m:oMath>
+                </a14:m>
+                <a:r>
+                  <a:rPr lang="en-US" sz="3000" dirty="0">
+                    <a:solidFill>
+                      <a:srgbClr val="00B050"/>
+                    </a:solidFill>
+                  </a:rPr>
+                  <a:t> </a:t>
+                </a:r>
+                <a:r>
+                  <a:rPr lang="en-PH" sz="3000" dirty="0"/>
+                  <a:t>: Average is 95%.</a:t>
+                </a:r>
+              </a:p>
+              <a:p>
+                <a:pPr algn="l"/>
+                <a:r>
+                  <a:rPr lang="en-PH" sz="3000" dirty="0"/>
+                  <a:t>Alternative Hypothesis </a:t>
+                </a:r>
+                <a14:m>
+                  <m:oMath xmlns:m="http://schemas.openxmlformats.org/officeDocument/2006/math">
+                    <m:sSub>
+                      <m:sSubPr>
+                        <m:ctrlPr>
+                          <a:rPr lang="en-US" sz="3000" b="1" i="1" smtClean="0">
+                            <a:solidFill>
+                              <a:srgbClr val="FF0000"/>
+                            </a:solidFill>
+                            <a:latin typeface="Cambria Math" panose="02040503050406030204" pitchFamily="18" charset="0"/>
+                          </a:rPr>
+                        </m:ctrlPr>
+                      </m:sSubPr>
+                      <m:e>
+                        <m:r>
+                          <a:rPr lang="en-US" sz="3000" b="1" i="1" smtClean="0">
+                            <a:solidFill>
+                              <a:srgbClr val="FF0000"/>
+                            </a:solidFill>
+                            <a:latin typeface="Cambria Math" panose="02040503050406030204" pitchFamily="18" charset="0"/>
+                          </a:rPr>
+                          <m:t>𝑯</m:t>
+                        </m:r>
+                      </m:e>
+                      <m:sub>
+                        <m:r>
+                          <a:rPr lang="en-US" sz="3000" b="1" i="1" smtClean="0">
+                            <a:solidFill>
+                              <a:srgbClr val="FF0000"/>
+                            </a:solidFill>
+                            <a:latin typeface="Cambria Math" panose="02040503050406030204" pitchFamily="18" charset="0"/>
+                          </a:rPr>
+                          <m:t>𝒂</m:t>
+                        </m:r>
+                      </m:sub>
+                    </m:sSub>
+                    <m:r>
+                      <a:rPr lang="en-US" sz="3000" b="1" i="1" smtClean="0">
+                        <a:solidFill>
+                          <a:srgbClr val="FF0000"/>
+                        </a:solidFill>
+                        <a:latin typeface="Cambria Math" panose="02040503050406030204" pitchFamily="18" charset="0"/>
+                      </a:rPr>
+                      <m:t> </m:t>
+                    </m:r>
+                  </m:oMath>
+                </a14:m>
+                <a:r>
+                  <a:rPr lang="en-PH" sz="3000" dirty="0"/>
+                  <a:t>: The average is less than 95%.</a:t>
+                </a:r>
+              </a:p>
+            </p:txBody>
+          </p:sp>
+        </mc:Choice>
+        <mc:Fallback xmlns="">
+          <p:sp>
+            <p:nvSpPr>
+              <p:cNvPr id="4" name="TextBox 3">
+                <a:extLst>
+                  <a:ext uri="{FF2B5EF4-FFF2-40B4-BE49-F238E27FC236}">
+                    <a16:creationId xmlns:a16="http://schemas.microsoft.com/office/drawing/2014/main" id="{4203C0C4-7C82-D208-A8B3-1AE6E9099A3C}"/>
+                  </a:ext>
+                </a:extLst>
+              </p:cNvPr>
+              <p:cNvSpPr txBox="1">
+                <a:spLocks noRot="1" noChangeAspect="1" noMove="1" noResize="1" noEditPoints="1" noAdjustHandles="1" noChangeArrowheads="1" noChangeShapeType="1" noTextEdit="1"/>
+              </p:cNvSpPr>
+              <p:nvPr/>
+            </p:nvSpPr>
+            <p:spPr>
+              <a:xfrm>
+                <a:off x="639918" y="1354768"/>
+                <a:ext cx="11140404" cy="3785652"/>
+              </a:xfrm>
+              <a:prstGeom prst="rect">
+                <a:avLst/>
+              </a:prstGeom>
+              <a:blipFill>
+                <a:blip r:embed="rId4"/>
+                <a:stretch>
+                  <a:fillRect l="-1253" t="-2007" b="-4013"/>
+                </a:stretch>
+              </a:blipFill>
+            </p:spPr>
+            <p:txBody>
+              <a:bodyPr/>
+              <a:lstStyle/>
+              <a:p>
+                <a:r>
+                  <a:rPr lang="en-US">
+                    <a:noFill/>
+                  </a:rPr>
+                  <a:t> </a:t>
+                </a:r>
+              </a:p>
+            </p:txBody>
+          </p:sp>
+        </mc:Fallback>
+      </mc:AlternateContent>
     </p:spTree>
     <p:extLst>
       <p:ext uri="{BB962C8B-B14F-4D97-AF65-F5344CB8AC3E}">
-        <p14:creationId xmlns:p14="http://schemas.microsoft.com/office/powerpoint/2010/main" val="768944259"/>
+        <p14:creationId xmlns:p14="http://schemas.microsoft.com/office/powerpoint/2010/main" val="2024636820"/>
       </p:ext>
     </p:extLst>
   </p:cSld>
@@ -7643,7 +8357,7 @@
           <a:p>
             <a:r>
               <a:rPr lang="en-US" sz="5000" b="1" dirty="0"/>
-              <a:t>Step 1: Get the Z-Score</a:t>
+              <a:t>Test of Significance</a:t>
             </a:r>
             <a:endParaRPr lang="en-PH" sz="5000" b="1" dirty="0"/>
           </a:p>
@@ -7691,8 +8405,2012 @@
           </a:p>
         </p:txBody>
       </p:sp>
-      <mc:AlternateContent xmlns:mc="http://schemas.openxmlformats.org/markup-compatibility/2006">
-        <mc:Choice xmlns:a14="http://schemas.microsoft.com/office/drawing/2010/main" Requires="a14">
+      <p:sp>
+        <p:nvSpPr>
+          <p:cNvPr id="4" name="TextBox 3">
+            <a:extLst>
+              <a:ext uri="{FF2B5EF4-FFF2-40B4-BE49-F238E27FC236}">
+                <a16:creationId xmlns:a16="http://schemas.microsoft.com/office/drawing/2014/main" id="{4203C0C4-7C82-D208-A8B3-1AE6E9099A3C}"/>
+              </a:ext>
+            </a:extLst>
+          </p:cNvPr>
+          <p:cNvSpPr txBox="1"/>
+          <p:nvPr/>
+        </p:nvSpPr>
+        <p:spPr>
+          <a:xfrm>
+            <a:off x="639918" y="1354768"/>
+            <a:ext cx="10912162" cy="4247317"/>
+          </a:xfrm>
+          <a:prstGeom prst="rect">
+            <a:avLst/>
+          </a:prstGeom>
+          <a:noFill/>
+        </p:spPr>
+        <p:txBody>
+          <a:bodyPr wrap="square" rtlCol="0">
+            <a:spAutoFit/>
+          </a:bodyPr>
+          <a:lstStyle/>
+          <a:p>
+            <a:r>
+              <a:rPr lang="en-US" sz="3000" dirty="0"/>
+              <a:t>When conducting a significance test, the goal is to </a:t>
+            </a:r>
+            <a:r>
+              <a:rPr lang="en-US" sz="3000" b="1" dirty="0">
+                <a:solidFill>
+                  <a:srgbClr val="00B0F0"/>
+                </a:solidFill>
+              </a:rPr>
+              <a:t>provide evidence to reject the null hypothesis</a:t>
+            </a:r>
+            <a:r>
+              <a:rPr lang="en-US" sz="3000" dirty="0"/>
+              <a:t>. </a:t>
+            </a:r>
+          </a:p>
+          <a:p>
+            <a:endParaRPr lang="en-US" sz="3000" dirty="0"/>
+          </a:p>
+          <a:p>
+            <a:r>
+              <a:rPr lang="en-US" sz="3000" dirty="0"/>
+              <a:t>If the evidence is strong enough to reject the </a:t>
+            </a:r>
+            <a:r>
+              <a:rPr lang="en-US" sz="3000" b="1" dirty="0">
+                <a:solidFill>
+                  <a:srgbClr val="00B050"/>
+                </a:solidFill>
+              </a:rPr>
+              <a:t>null hypothesis</a:t>
+            </a:r>
+            <a:r>
+              <a:rPr lang="en-US" sz="3000" dirty="0"/>
+              <a:t>, then the </a:t>
+            </a:r>
+            <a:r>
+              <a:rPr lang="en-US" sz="3000" b="1" dirty="0">
+                <a:solidFill>
+                  <a:srgbClr val="FF0000"/>
+                </a:solidFill>
+              </a:rPr>
+              <a:t>alternative hypothesis </a:t>
+            </a:r>
+            <a:r>
+              <a:rPr lang="en-US" sz="3000" dirty="0"/>
+              <a:t>can automatically be accepted.</a:t>
+            </a:r>
+          </a:p>
+          <a:p>
+            <a:br>
+              <a:rPr lang="en-US" sz="3000" dirty="0"/>
+            </a:br>
+            <a:r>
+              <a:rPr lang="en-US" sz="3000" dirty="0"/>
+              <a:t>However, if the evidence is not strong enough, researchers fail to reject the </a:t>
+            </a:r>
+            <a:r>
+              <a:rPr lang="en-US" sz="3000" b="1" dirty="0">
+                <a:solidFill>
+                  <a:srgbClr val="00B050"/>
+                </a:solidFill>
+              </a:rPr>
+              <a:t>null hypothesis</a:t>
+            </a:r>
+            <a:r>
+              <a:rPr lang="en-US" sz="3000" dirty="0"/>
+              <a:t>. </a:t>
+            </a:r>
+            <a:br>
+              <a:rPr lang="en-US" sz="3000" dirty="0"/>
+            </a:br>
+            <a:endParaRPr lang="en-PH" sz="3000" dirty="0"/>
+          </a:p>
+        </p:txBody>
+      </p:sp>
+    </p:spTree>
+    <p:extLst>
+      <p:ext uri="{BB962C8B-B14F-4D97-AF65-F5344CB8AC3E}">
+        <p14:creationId xmlns:p14="http://schemas.microsoft.com/office/powerpoint/2010/main" val="3982310532"/>
+      </p:ext>
+    </p:extLst>
+  </p:cSld>
+  <p:clrMapOvr>
+    <a:masterClrMapping/>
+  </p:clrMapOvr>
+</p:sld>
+</file>
+
+<file path=ppt/slides/slide18.xml><?xml version="1.0" encoding="utf-8"?>
+<p:sld xmlns:a="http://schemas.openxmlformats.org/drawingml/2006/main" xmlns:r="http://schemas.openxmlformats.org/officeDocument/2006/relationships" xmlns:p="http://schemas.openxmlformats.org/presentationml/2006/main">
+  <p:cSld>
+    <p:bg>
+      <p:bgPr>
+        <a:blipFill dpi="0" rotWithShape="1">
+          <a:blip r:embed="rId3">
+            <a:alphaModFix amt="99000"/>
+            <a:lum/>
+          </a:blip>
+          <a:srcRect/>
+          <a:stretch>
+            <a:fillRect t="89000" r="85000" b="-1000"/>
+          </a:stretch>
+        </a:blipFill>
+        <a:effectLst/>
+      </p:bgPr>
+    </p:bg>
+    <p:spTree>
+      <p:nvGrpSpPr>
+        <p:cNvPr id="1" name=""/>
+        <p:cNvGrpSpPr/>
+        <p:nvPr/>
+      </p:nvGrpSpPr>
+      <p:grpSpPr>
+        <a:xfrm>
+          <a:off x="0" y="0"/>
+          <a:ext cx="0" cy="0"/>
+          <a:chOff x="0" y="0"/>
+          <a:chExt cx="0" cy="0"/>
+        </a:xfrm>
+      </p:grpSpPr>
+      <p:sp>
+        <p:nvSpPr>
+          <p:cNvPr id="5" name="Title 1">
+            <a:extLst>
+              <a:ext uri="{FF2B5EF4-FFF2-40B4-BE49-F238E27FC236}">
+                <a16:creationId xmlns:a16="http://schemas.microsoft.com/office/drawing/2014/main" id="{3444037F-B658-D82C-5DCA-53E8AA1493D7}"/>
+              </a:ext>
+            </a:extLst>
+          </p:cNvPr>
+          <p:cNvSpPr txBox="1">
+            <a:spLocks/>
+          </p:cNvSpPr>
+          <p:nvPr/>
+        </p:nvSpPr>
+        <p:spPr>
+          <a:xfrm>
+            <a:off x="1524000" y="1516449"/>
+            <a:ext cx="9144000" cy="4290585"/>
+          </a:xfrm>
+          <a:prstGeom prst="rect">
+            <a:avLst/>
+          </a:prstGeom>
+        </p:spPr>
+        <p:txBody>
+          <a:bodyPr vert="horz" lIns="91440" tIns="45720" rIns="91440" bIns="45720" rtlCol="0" anchor="b">
+            <a:normAutofit fontScale="97500"/>
+          </a:bodyPr>
+          <a:lstStyle>
+            <a:lvl1pPr algn="ctr" defTabSz="914400" rtl="0" eaLnBrk="1" latinLnBrk="0" hangingPunct="1">
+              <a:lnSpc>
+                <a:spcPct val="90000"/>
+              </a:lnSpc>
+              <a:spcBef>
+                <a:spcPct val="0"/>
+              </a:spcBef>
+              <a:buNone/>
+              <a:defRPr sz="6000" kern="1200">
+                <a:solidFill>
+                  <a:schemeClr val="tx1"/>
+                </a:solidFill>
+                <a:latin typeface="+mj-lt"/>
+                <a:ea typeface="+mj-ea"/>
+                <a:cs typeface="+mj-cs"/>
+              </a:defRPr>
+            </a:lvl1pPr>
+          </a:lstStyle>
+          <a:p>
+            <a:pPr algn="l"/>
+            <a:endParaRPr lang="en-US" sz="3100" dirty="0"/>
+          </a:p>
+          <a:p>
+            <a:pPr algn="l"/>
+            <a:endParaRPr lang="en-US" sz="3100" dirty="0"/>
+          </a:p>
+          <a:p>
+            <a:pPr algn="l"/>
+            <a:endParaRPr lang="en-US" sz="3100" dirty="0"/>
+          </a:p>
+          <a:p>
+            <a:pPr algn="l"/>
+            <a:endParaRPr lang="en-US" sz="3100" dirty="0"/>
+          </a:p>
+          <a:p>
+            <a:pPr algn="l"/>
+            <a:endParaRPr lang="en-US" sz="3000" dirty="0"/>
+          </a:p>
+          <a:p>
+            <a:pPr algn="l"/>
+            <a:endParaRPr lang="en-US" sz="3000" dirty="0"/>
+          </a:p>
+        </p:txBody>
+      </p:sp>
+      <p:sp>
+        <p:nvSpPr>
+          <p:cNvPr id="38" name="Title 1">
+            <a:extLst>
+              <a:ext uri="{FF2B5EF4-FFF2-40B4-BE49-F238E27FC236}">
+                <a16:creationId xmlns:a16="http://schemas.microsoft.com/office/drawing/2014/main" id="{85194D96-4E26-6A5A-5AB5-02AFD53E7543}"/>
+              </a:ext>
+            </a:extLst>
+          </p:cNvPr>
+          <p:cNvSpPr>
+            <a:spLocks noGrp="1"/>
+          </p:cNvSpPr>
+          <p:nvPr>
+            <p:ph type="ctrTitle"/>
+          </p:nvPr>
+        </p:nvSpPr>
+        <p:spPr>
+          <a:xfrm>
+            <a:off x="1128386" y="415731"/>
+            <a:ext cx="9935227" cy="718459"/>
+          </a:xfrm>
+        </p:spPr>
+        <p:txBody>
+          <a:bodyPr>
+            <a:noAutofit/>
+          </a:bodyPr>
+          <a:lstStyle/>
+          <a:p>
+            <a:r>
+              <a:rPr lang="en-US" sz="5000" b="1" dirty="0"/>
+              <a:t>Steps of Hypothesis Testing</a:t>
+            </a:r>
+            <a:endParaRPr lang="en-PH" sz="5000" b="1" dirty="0"/>
+          </a:p>
+        </p:txBody>
+      </p:sp>
+      <p:sp>
+        <p:nvSpPr>
+          <p:cNvPr id="39" name="Footer Placeholder 3">
+            <a:extLst>
+              <a:ext uri="{FF2B5EF4-FFF2-40B4-BE49-F238E27FC236}">
+                <a16:creationId xmlns:a16="http://schemas.microsoft.com/office/drawing/2014/main" id="{77EF4DA7-E5CF-896F-45E0-B1D58FD59B96}"/>
+              </a:ext>
+            </a:extLst>
+          </p:cNvPr>
+          <p:cNvSpPr>
+            <a:spLocks noGrp="1"/>
+          </p:cNvSpPr>
+          <p:nvPr>
+            <p:ph type="ftr" sz="quarter" idx="11"/>
+          </p:nvPr>
+        </p:nvSpPr>
+        <p:spPr>
+          <a:xfrm>
+            <a:off x="0" y="6139541"/>
+            <a:ext cx="12192000" cy="718459"/>
+          </a:xfrm>
+          <a:ln w="28575">
+            <a:solidFill>
+              <a:schemeClr val="accent5">
+                <a:lumMod val="50000"/>
+              </a:schemeClr>
+            </a:solidFill>
+          </a:ln>
+        </p:spPr>
+        <p:txBody>
+          <a:bodyPr/>
+          <a:lstStyle/>
+          <a:p>
+            <a:pPr lvl="1" algn="r"/>
+            <a:r>
+              <a:rPr lang="en-US" sz="1200" b="1" dirty="0"/>
+              <a:t>CCDATS1L</a:t>
+            </a:r>
+            <a:endParaRPr lang="en-PH" sz="1200" b="1" dirty="0"/>
+          </a:p>
+        </p:txBody>
+      </p:sp>
+      <p:sp>
+        <p:nvSpPr>
+          <p:cNvPr id="4" name="TextBox 3">
+            <a:extLst>
+              <a:ext uri="{FF2B5EF4-FFF2-40B4-BE49-F238E27FC236}">
+                <a16:creationId xmlns:a16="http://schemas.microsoft.com/office/drawing/2014/main" id="{4203C0C4-7C82-D208-A8B3-1AE6E9099A3C}"/>
+              </a:ext>
+            </a:extLst>
+          </p:cNvPr>
+          <p:cNvSpPr txBox="1"/>
+          <p:nvPr/>
+        </p:nvSpPr>
+        <p:spPr>
+          <a:xfrm>
+            <a:off x="639918" y="1354768"/>
+            <a:ext cx="10912162" cy="2862322"/>
+          </a:xfrm>
+          <a:prstGeom prst="rect">
+            <a:avLst/>
+          </a:prstGeom>
+          <a:noFill/>
+        </p:spPr>
+        <p:txBody>
+          <a:bodyPr wrap="square" rtlCol="0">
+            <a:spAutoFit/>
+          </a:bodyPr>
+          <a:lstStyle/>
+          <a:p>
+            <a:r>
+              <a:rPr lang="en-PH" sz="3000" dirty="0"/>
+              <a:t>In the Philippines, the average height of males is </a:t>
+            </a:r>
+            <a:r>
+              <a:rPr lang="en-PH" sz="3000" b="1" dirty="0">
+                <a:solidFill>
+                  <a:srgbClr val="00B0F0"/>
+                </a:solidFill>
+              </a:rPr>
+              <a:t>5’4’’ or 64.8 inches</a:t>
+            </a:r>
+            <a:r>
+              <a:rPr lang="en-PH" sz="3000" dirty="0"/>
+              <a:t> with a </a:t>
+            </a:r>
+            <a:r>
+              <a:rPr lang="en-PH" sz="3000" b="1" dirty="0">
+                <a:solidFill>
+                  <a:srgbClr val="7030A0"/>
+                </a:solidFill>
+              </a:rPr>
+              <a:t>standard deviation of 2</a:t>
+            </a:r>
+            <a:r>
+              <a:rPr lang="en-PH" sz="3000" dirty="0"/>
+              <a:t>. </a:t>
+            </a:r>
+          </a:p>
+          <a:p>
+            <a:endParaRPr lang="en-PH" sz="3000" dirty="0"/>
+          </a:p>
+          <a:p>
+            <a:r>
+              <a:rPr lang="en-PH" sz="3000" dirty="0"/>
+              <a:t>We conducted a study to determine if this is true so we gather a sample of </a:t>
+            </a:r>
+            <a:r>
+              <a:rPr lang="en-PH" sz="3000" b="1" dirty="0">
+                <a:solidFill>
+                  <a:srgbClr val="FFC000"/>
+                </a:solidFill>
+              </a:rPr>
+              <a:t>100 males </a:t>
+            </a:r>
+            <a:r>
+              <a:rPr lang="en-PH" sz="3000" dirty="0"/>
+              <a:t>and determine that their average height is</a:t>
+            </a:r>
+            <a:r>
+              <a:rPr lang="en-PH" sz="3000" b="1" dirty="0">
+                <a:solidFill>
+                  <a:srgbClr val="00B0F0"/>
+                </a:solidFill>
+              </a:rPr>
+              <a:t> 5’5” or 66 inches.</a:t>
+            </a:r>
+            <a:endParaRPr lang="en-PH" sz="3000" dirty="0"/>
+          </a:p>
+        </p:txBody>
+      </p:sp>
+    </p:spTree>
+    <p:extLst>
+      <p:ext uri="{BB962C8B-B14F-4D97-AF65-F5344CB8AC3E}">
+        <p14:creationId xmlns:p14="http://schemas.microsoft.com/office/powerpoint/2010/main" val="768944259"/>
+      </p:ext>
+    </p:extLst>
+  </p:cSld>
+  <p:clrMapOvr>
+    <a:masterClrMapping/>
+  </p:clrMapOvr>
+</p:sld>
+</file>
+
+<file path=ppt/slides/slide19.xml><?xml version="1.0" encoding="utf-8"?>
+<p:sld xmlns:a="http://schemas.openxmlformats.org/drawingml/2006/main" xmlns:r="http://schemas.openxmlformats.org/officeDocument/2006/relationships" xmlns:p="http://schemas.openxmlformats.org/presentationml/2006/main">
+  <p:cSld>
+    <p:bg>
+      <p:bgPr>
+        <a:blipFill dpi="0" rotWithShape="1">
+          <a:blip r:embed="rId3">
+            <a:alphaModFix amt="99000"/>
+            <a:lum/>
+          </a:blip>
+          <a:srcRect/>
+          <a:stretch>
+            <a:fillRect t="89000" r="85000" b="-1000"/>
+          </a:stretch>
+        </a:blipFill>
+        <a:effectLst/>
+      </p:bgPr>
+    </p:bg>
+    <p:spTree>
+      <p:nvGrpSpPr>
+        <p:cNvPr id="1" name=""/>
+        <p:cNvGrpSpPr/>
+        <p:nvPr/>
+      </p:nvGrpSpPr>
+      <p:grpSpPr>
+        <a:xfrm>
+          <a:off x="0" y="0"/>
+          <a:ext cx="0" cy="0"/>
+          <a:chOff x="0" y="0"/>
+          <a:chExt cx="0" cy="0"/>
+        </a:xfrm>
+      </p:grpSpPr>
+      <p:sp>
+        <p:nvSpPr>
+          <p:cNvPr id="5" name="Title 1">
+            <a:extLst>
+              <a:ext uri="{FF2B5EF4-FFF2-40B4-BE49-F238E27FC236}">
+                <a16:creationId xmlns:a16="http://schemas.microsoft.com/office/drawing/2014/main" id="{3444037F-B658-D82C-5DCA-53E8AA1493D7}"/>
+              </a:ext>
+            </a:extLst>
+          </p:cNvPr>
+          <p:cNvSpPr txBox="1">
+            <a:spLocks/>
+          </p:cNvSpPr>
+          <p:nvPr/>
+        </p:nvSpPr>
+        <p:spPr>
+          <a:xfrm>
+            <a:off x="1524000" y="1516449"/>
+            <a:ext cx="9144000" cy="4290585"/>
+          </a:xfrm>
+          <a:prstGeom prst="rect">
+            <a:avLst/>
+          </a:prstGeom>
+        </p:spPr>
+        <p:txBody>
+          <a:bodyPr vert="horz" lIns="91440" tIns="45720" rIns="91440" bIns="45720" rtlCol="0" anchor="b">
+            <a:normAutofit fontScale="97500"/>
+          </a:bodyPr>
+          <a:lstStyle>
+            <a:lvl1pPr algn="ctr" defTabSz="914400" rtl="0" eaLnBrk="1" latinLnBrk="0" hangingPunct="1">
+              <a:lnSpc>
+                <a:spcPct val="90000"/>
+              </a:lnSpc>
+              <a:spcBef>
+                <a:spcPct val="0"/>
+              </a:spcBef>
+              <a:buNone/>
+              <a:defRPr sz="6000" kern="1200">
+                <a:solidFill>
+                  <a:schemeClr val="tx1"/>
+                </a:solidFill>
+                <a:latin typeface="+mj-lt"/>
+                <a:ea typeface="+mj-ea"/>
+                <a:cs typeface="+mj-cs"/>
+              </a:defRPr>
+            </a:lvl1pPr>
+          </a:lstStyle>
+          <a:p>
+            <a:pPr algn="l"/>
+            <a:endParaRPr lang="en-US" sz="3100" dirty="0"/>
+          </a:p>
+          <a:p>
+            <a:pPr algn="l"/>
+            <a:endParaRPr lang="en-US" sz="3100" dirty="0"/>
+          </a:p>
+          <a:p>
+            <a:pPr algn="l"/>
+            <a:endParaRPr lang="en-US" sz="3100" dirty="0"/>
+          </a:p>
+          <a:p>
+            <a:pPr algn="l"/>
+            <a:endParaRPr lang="en-US" sz="3100" dirty="0"/>
+          </a:p>
+          <a:p>
+            <a:pPr algn="l"/>
+            <a:endParaRPr lang="en-US" sz="3000" dirty="0"/>
+          </a:p>
+          <a:p>
+            <a:pPr algn="l"/>
+            <a:endParaRPr lang="en-US" sz="3000" dirty="0"/>
+          </a:p>
+        </p:txBody>
+      </p:sp>
+      <p:sp>
+        <p:nvSpPr>
+          <p:cNvPr id="38" name="Title 1">
+            <a:extLst>
+              <a:ext uri="{FF2B5EF4-FFF2-40B4-BE49-F238E27FC236}">
+                <a16:creationId xmlns:a16="http://schemas.microsoft.com/office/drawing/2014/main" id="{85194D96-4E26-6A5A-5AB5-02AFD53E7543}"/>
+              </a:ext>
+            </a:extLst>
+          </p:cNvPr>
+          <p:cNvSpPr>
+            <a:spLocks noGrp="1"/>
+          </p:cNvSpPr>
+          <p:nvPr>
+            <p:ph type="ctrTitle"/>
+          </p:nvPr>
+        </p:nvSpPr>
+        <p:spPr>
+          <a:xfrm>
+            <a:off x="1128386" y="415731"/>
+            <a:ext cx="9935227" cy="718459"/>
+          </a:xfrm>
+        </p:spPr>
+        <p:txBody>
+          <a:bodyPr>
+            <a:noAutofit/>
+          </a:bodyPr>
+          <a:lstStyle/>
+          <a:p>
+            <a:r>
+              <a:rPr lang="en-US" sz="3500" b="1" dirty="0"/>
+              <a:t>Step 1: Specify your Null and Alternate Hypothesis</a:t>
+            </a:r>
+            <a:endParaRPr lang="en-PH" sz="3500" b="1" dirty="0"/>
+          </a:p>
+        </p:txBody>
+      </p:sp>
+      <p:sp>
+        <p:nvSpPr>
+          <p:cNvPr id="39" name="Footer Placeholder 3">
+            <a:extLst>
+              <a:ext uri="{FF2B5EF4-FFF2-40B4-BE49-F238E27FC236}">
+                <a16:creationId xmlns:a16="http://schemas.microsoft.com/office/drawing/2014/main" id="{77EF4DA7-E5CF-896F-45E0-B1D58FD59B96}"/>
+              </a:ext>
+            </a:extLst>
+          </p:cNvPr>
+          <p:cNvSpPr>
+            <a:spLocks noGrp="1"/>
+          </p:cNvSpPr>
+          <p:nvPr>
+            <p:ph type="ftr" sz="quarter" idx="11"/>
+          </p:nvPr>
+        </p:nvSpPr>
+        <p:spPr>
+          <a:xfrm>
+            <a:off x="0" y="6139541"/>
+            <a:ext cx="12192000" cy="718459"/>
+          </a:xfrm>
+          <a:ln w="28575">
+            <a:solidFill>
+              <a:schemeClr val="accent5">
+                <a:lumMod val="50000"/>
+              </a:schemeClr>
+            </a:solidFill>
+          </a:ln>
+        </p:spPr>
+        <p:txBody>
+          <a:bodyPr/>
+          <a:lstStyle/>
+          <a:p>
+            <a:pPr lvl="1" algn="r"/>
+            <a:r>
+              <a:rPr lang="en-US" sz="1200" b="1" dirty="0"/>
+              <a:t>CCDATS1L</a:t>
+            </a:r>
+            <a:endParaRPr lang="en-PH" sz="1200" b="1" dirty="0"/>
+          </a:p>
+        </p:txBody>
+      </p:sp>
+      <mc:AlternateContent xmlns:mc="http://schemas.openxmlformats.org/markup-compatibility/2006" xmlns:a14="http://schemas.microsoft.com/office/drawing/2010/main">
+        <mc:Choice Requires="a14">
+          <p:sp>
+            <p:nvSpPr>
+              <p:cNvPr id="4" name="TextBox 3">
+                <a:extLst>
+                  <a:ext uri="{FF2B5EF4-FFF2-40B4-BE49-F238E27FC236}">
+                    <a16:creationId xmlns:a16="http://schemas.microsoft.com/office/drawing/2014/main" id="{4203C0C4-7C82-D208-A8B3-1AE6E9099A3C}"/>
+                  </a:ext>
+                </a:extLst>
+              </p:cNvPr>
+              <p:cNvSpPr txBox="1"/>
+              <p:nvPr/>
+            </p:nvSpPr>
+            <p:spPr>
+              <a:xfrm>
+                <a:off x="639918" y="1354768"/>
+                <a:ext cx="10912162" cy="1938992"/>
+              </a:xfrm>
+              <a:prstGeom prst="rect">
+                <a:avLst/>
+              </a:prstGeom>
+              <a:noFill/>
+            </p:spPr>
+            <p:txBody>
+              <a:bodyPr wrap="square" rtlCol="0">
+                <a:spAutoFit/>
+              </a:bodyPr>
+              <a:lstStyle/>
+              <a:p>
+                <a:pPr algn="l"/>
+                <a:r>
+                  <a:rPr lang="en-PH" sz="3000" dirty="0"/>
+                  <a:t>Null Hypothesis </a:t>
+                </a:r>
+                <a14:m>
+                  <m:oMath xmlns:m="http://schemas.openxmlformats.org/officeDocument/2006/math">
+                    <m:sSub>
+                      <m:sSubPr>
+                        <m:ctrlPr>
+                          <a:rPr lang="en-US" sz="3000" b="1" i="1" smtClean="0">
+                            <a:solidFill>
+                              <a:srgbClr val="00B050"/>
+                            </a:solidFill>
+                            <a:latin typeface="Cambria Math" panose="02040503050406030204" pitchFamily="18" charset="0"/>
+                          </a:rPr>
+                        </m:ctrlPr>
+                      </m:sSubPr>
+                      <m:e>
+                        <m:r>
+                          <a:rPr lang="en-US" sz="3000" b="1" i="1" smtClean="0">
+                            <a:solidFill>
+                              <a:srgbClr val="00B050"/>
+                            </a:solidFill>
+                            <a:latin typeface="Cambria Math" panose="02040503050406030204" pitchFamily="18" charset="0"/>
+                          </a:rPr>
+                          <m:t>𝑯</m:t>
+                        </m:r>
+                      </m:e>
+                      <m:sub>
+                        <m:r>
+                          <a:rPr lang="en-US" sz="3000" b="1" i="1" smtClean="0">
+                            <a:solidFill>
+                              <a:srgbClr val="00B050"/>
+                            </a:solidFill>
+                            <a:latin typeface="Cambria Math" panose="02040503050406030204" pitchFamily="18" charset="0"/>
+                          </a:rPr>
+                          <m:t>𝒐</m:t>
+                        </m:r>
+                      </m:sub>
+                    </m:sSub>
+                  </m:oMath>
+                </a14:m>
+                <a:r>
+                  <a:rPr lang="en-US" sz="3000" dirty="0">
+                    <a:solidFill>
+                      <a:srgbClr val="00B050"/>
+                    </a:solidFill>
+                  </a:rPr>
+                  <a:t> </a:t>
+                </a:r>
+                <a:r>
+                  <a:rPr lang="en-PH" sz="3000" dirty="0"/>
+                  <a:t>: The average is height of males is 5’4”</a:t>
+                </a:r>
+              </a:p>
+              <a:p>
+                <a:pPr algn="l"/>
+                <a:endParaRPr lang="en-PH" sz="3000" dirty="0"/>
+              </a:p>
+              <a:p>
+                <a:r>
+                  <a:rPr lang="en-PH" sz="3000" dirty="0"/>
+                  <a:t>Alternative Hypothesis </a:t>
+                </a:r>
+                <a14:m>
+                  <m:oMath xmlns:m="http://schemas.openxmlformats.org/officeDocument/2006/math">
+                    <m:sSub>
+                      <m:sSubPr>
+                        <m:ctrlPr>
+                          <a:rPr lang="en-US" sz="3000" b="1" i="1" smtClean="0">
+                            <a:solidFill>
+                              <a:srgbClr val="FF0000"/>
+                            </a:solidFill>
+                            <a:latin typeface="Cambria Math" panose="02040503050406030204" pitchFamily="18" charset="0"/>
+                          </a:rPr>
+                        </m:ctrlPr>
+                      </m:sSubPr>
+                      <m:e>
+                        <m:r>
+                          <a:rPr lang="en-US" sz="3000" b="1" i="1" smtClean="0">
+                            <a:solidFill>
+                              <a:srgbClr val="FF0000"/>
+                            </a:solidFill>
+                            <a:latin typeface="Cambria Math" panose="02040503050406030204" pitchFamily="18" charset="0"/>
+                          </a:rPr>
+                          <m:t>𝑯</m:t>
+                        </m:r>
+                      </m:e>
+                      <m:sub>
+                        <m:r>
+                          <a:rPr lang="en-US" sz="3000" b="1" i="1" smtClean="0">
+                            <a:solidFill>
+                              <a:srgbClr val="FF0000"/>
+                            </a:solidFill>
+                            <a:latin typeface="Cambria Math" panose="02040503050406030204" pitchFamily="18" charset="0"/>
+                          </a:rPr>
+                          <m:t>𝒂</m:t>
+                        </m:r>
+                      </m:sub>
+                    </m:sSub>
+                    <m:r>
+                      <a:rPr lang="en-US" sz="3000" b="1" i="1" smtClean="0">
+                        <a:solidFill>
+                          <a:srgbClr val="FF0000"/>
+                        </a:solidFill>
+                        <a:latin typeface="Cambria Math" panose="02040503050406030204" pitchFamily="18" charset="0"/>
+                      </a:rPr>
+                      <m:t> </m:t>
+                    </m:r>
+                  </m:oMath>
+                </a14:m>
+                <a:r>
+                  <a:rPr lang="en-PH" sz="3000" dirty="0"/>
+                  <a:t>: The average is height of males is greater than 5’4”</a:t>
+                </a:r>
+              </a:p>
+            </p:txBody>
+          </p:sp>
+        </mc:Choice>
+        <mc:Fallback xmlns="">
+          <p:sp>
+            <p:nvSpPr>
+              <p:cNvPr id="4" name="TextBox 3">
+                <a:extLst>
+                  <a:ext uri="{FF2B5EF4-FFF2-40B4-BE49-F238E27FC236}">
+                    <a16:creationId xmlns:a16="http://schemas.microsoft.com/office/drawing/2014/main" id="{4203C0C4-7C82-D208-A8B3-1AE6E9099A3C}"/>
+                  </a:ext>
+                </a:extLst>
+              </p:cNvPr>
+              <p:cNvSpPr txBox="1">
+                <a:spLocks noRot="1" noChangeAspect="1" noMove="1" noResize="1" noEditPoints="1" noAdjustHandles="1" noChangeArrowheads="1" noChangeShapeType="1" noTextEdit="1"/>
+              </p:cNvSpPr>
+              <p:nvPr/>
+            </p:nvSpPr>
+            <p:spPr>
+              <a:xfrm>
+                <a:off x="639918" y="1354768"/>
+                <a:ext cx="10912162" cy="1938992"/>
+              </a:xfrm>
+              <a:prstGeom prst="rect">
+                <a:avLst/>
+              </a:prstGeom>
+              <a:blipFill>
+                <a:blip r:embed="rId4"/>
+                <a:stretch>
+                  <a:fillRect l="-1279" t="-3896" r="-349" b="-8442"/>
+                </a:stretch>
+              </a:blipFill>
+            </p:spPr>
+            <p:txBody>
+              <a:bodyPr/>
+              <a:lstStyle/>
+              <a:p>
+                <a:r>
+                  <a:rPr lang="en-US">
+                    <a:noFill/>
+                  </a:rPr>
+                  <a:t> </a:t>
+                </a:r>
+              </a:p>
+            </p:txBody>
+          </p:sp>
+        </mc:Fallback>
+      </mc:AlternateContent>
+    </p:spTree>
+    <p:extLst>
+      <p:ext uri="{BB962C8B-B14F-4D97-AF65-F5344CB8AC3E}">
+        <p14:creationId xmlns:p14="http://schemas.microsoft.com/office/powerpoint/2010/main" val="953020989"/>
+      </p:ext>
+    </p:extLst>
+  </p:cSld>
+  <p:clrMapOvr>
+    <a:masterClrMapping/>
+  </p:clrMapOvr>
+</p:sld>
+</file>
+
+<file path=ppt/slides/slide2.xml><?xml version="1.0" encoding="utf-8"?>
+<p:sld xmlns:a="http://schemas.openxmlformats.org/drawingml/2006/main" xmlns:r="http://schemas.openxmlformats.org/officeDocument/2006/relationships" xmlns:p="http://schemas.openxmlformats.org/presentationml/2006/main">
+  <p:cSld>
+    <p:bg>
+      <p:bgPr>
+        <a:blipFill dpi="0" rotWithShape="1">
+          <a:blip r:embed="rId3">
+            <a:alphaModFix amt="99000"/>
+            <a:lum/>
+          </a:blip>
+          <a:srcRect/>
+          <a:stretch>
+            <a:fillRect t="89000" r="85000" b="-1000"/>
+          </a:stretch>
+        </a:blipFill>
+        <a:effectLst/>
+      </p:bgPr>
+    </p:bg>
+    <p:spTree>
+      <p:nvGrpSpPr>
+        <p:cNvPr id="1" name=""/>
+        <p:cNvGrpSpPr/>
+        <p:nvPr/>
+      </p:nvGrpSpPr>
+      <p:grpSpPr>
+        <a:xfrm>
+          <a:off x="0" y="0"/>
+          <a:ext cx="0" cy="0"/>
+          <a:chOff x="0" y="0"/>
+          <a:chExt cx="0" cy="0"/>
+        </a:xfrm>
+      </p:grpSpPr>
+      <p:sp>
+        <p:nvSpPr>
+          <p:cNvPr id="5" name="Title 1">
+            <a:extLst>
+              <a:ext uri="{FF2B5EF4-FFF2-40B4-BE49-F238E27FC236}">
+                <a16:creationId xmlns:a16="http://schemas.microsoft.com/office/drawing/2014/main" id="{3444037F-B658-D82C-5DCA-53E8AA1493D7}"/>
+              </a:ext>
+            </a:extLst>
+          </p:cNvPr>
+          <p:cNvSpPr txBox="1">
+            <a:spLocks/>
+          </p:cNvSpPr>
+          <p:nvPr/>
+        </p:nvSpPr>
+        <p:spPr>
+          <a:xfrm>
+            <a:off x="1524000" y="1516449"/>
+            <a:ext cx="9144000" cy="4290585"/>
+          </a:xfrm>
+          <a:prstGeom prst="rect">
+            <a:avLst/>
+          </a:prstGeom>
+        </p:spPr>
+        <p:txBody>
+          <a:bodyPr vert="horz" lIns="91440" tIns="45720" rIns="91440" bIns="45720" rtlCol="0" anchor="b">
+            <a:normAutofit fontScale="97500"/>
+          </a:bodyPr>
+          <a:lstStyle>
+            <a:lvl1pPr algn="ctr" defTabSz="914400" rtl="0" eaLnBrk="1" latinLnBrk="0" hangingPunct="1">
+              <a:lnSpc>
+                <a:spcPct val="90000"/>
+              </a:lnSpc>
+              <a:spcBef>
+                <a:spcPct val="0"/>
+              </a:spcBef>
+              <a:buNone/>
+              <a:defRPr sz="6000" kern="1200">
+                <a:solidFill>
+                  <a:schemeClr val="tx1"/>
+                </a:solidFill>
+                <a:latin typeface="+mj-lt"/>
+                <a:ea typeface="+mj-ea"/>
+                <a:cs typeface="+mj-cs"/>
+              </a:defRPr>
+            </a:lvl1pPr>
+          </a:lstStyle>
+          <a:p>
+            <a:pPr algn="l"/>
+            <a:endParaRPr lang="en-US" sz="3100" dirty="0"/>
+          </a:p>
+          <a:p>
+            <a:pPr algn="l"/>
+            <a:endParaRPr lang="en-US" sz="3100" dirty="0"/>
+          </a:p>
+          <a:p>
+            <a:pPr algn="l"/>
+            <a:endParaRPr lang="en-US" sz="3100" dirty="0"/>
+          </a:p>
+          <a:p>
+            <a:pPr algn="l"/>
+            <a:endParaRPr lang="en-US" sz="3100" dirty="0"/>
+          </a:p>
+          <a:p>
+            <a:pPr algn="l"/>
+            <a:endParaRPr lang="en-US" sz="3000" dirty="0"/>
+          </a:p>
+          <a:p>
+            <a:pPr algn="l"/>
+            <a:endParaRPr lang="en-US" sz="3000" dirty="0"/>
+          </a:p>
+        </p:txBody>
+      </p:sp>
+      <p:sp>
+        <p:nvSpPr>
+          <p:cNvPr id="39" name="Footer Placeholder 3">
+            <a:extLst>
+              <a:ext uri="{FF2B5EF4-FFF2-40B4-BE49-F238E27FC236}">
+                <a16:creationId xmlns:a16="http://schemas.microsoft.com/office/drawing/2014/main" id="{77EF4DA7-E5CF-896F-45E0-B1D58FD59B96}"/>
+              </a:ext>
+            </a:extLst>
+          </p:cNvPr>
+          <p:cNvSpPr>
+            <a:spLocks noGrp="1"/>
+          </p:cNvSpPr>
+          <p:nvPr>
+            <p:ph type="ftr" sz="quarter" idx="11"/>
+          </p:nvPr>
+        </p:nvSpPr>
+        <p:spPr>
+          <a:xfrm>
+            <a:off x="0" y="6139541"/>
+            <a:ext cx="12192000" cy="718459"/>
+          </a:xfrm>
+          <a:ln w="28575">
+            <a:solidFill>
+              <a:schemeClr val="accent5">
+                <a:lumMod val="50000"/>
+              </a:schemeClr>
+            </a:solidFill>
+          </a:ln>
+        </p:spPr>
+        <p:txBody>
+          <a:bodyPr/>
+          <a:lstStyle/>
+          <a:p>
+            <a:pPr lvl="1" algn="r"/>
+            <a:r>
+              <a:rPr lang="en-US" sz="1200" b="1" dirty="0"/>
+              <a:t>CCDATS1L</a:t>
+            </a:r>
+            <a:endParaRPr lang="en-PH" sz="1200" b="1" dirty="0"/>
+          </a:p>
+        </p:txBody>
+      </p:sp>
+      <p:sp>
+        <p:nvSpPr>
+          <p:cNvPr id="2" name="Title 1">
+            <a:extLst>
+              <a:ext uri="{FF2B5EF4-FFF2-40B4-BE49-F238E27FC236}">
+                <a16:creationId xmlns:a16="http://schemas.microsoft.com/office/drawing/2014/main" id="{79EF1114-32BB-A28C-0B44-90073AA32F6C}"/>
+              </a:ext>
+            </a:extLst>
+          </p:cNvPr>
+          <p:cNvSpPr txBox="1">
+            <a:spLocks/>
+          </p:cNvSpPr>
+          <p:nvPr/>
+        </p:nvSpPr>
+        <p:spPr>
+          <a:xfrm>
+            <a:off x="459205" y="1283707"/>
+            <a:ext cx="11273589" cy="4290585"/>
+          </a:xfrm>
+          <a:prstGeom prst="rect">
+            <a:avLst/>
+          </a:prstGeom>
+        </p:spPr>
+        <p:txBody>
+          <a:bodyPr vert="horz" lIns="91440" tIns="45720" rIns="91440" bIns="45720" rtlCol="0" anchor="b">
+            <a:normAutofit fontScale="97500"/>
+          </a:bodyPr>
+          <a:lstStyle>
+            <a:lvl1pPr algn="ctr" defTabSz="914400" rtl="0" eaLnBrk="1" latinLnBrk="0" hangingPunct="1">
+              <a:lnSpc>
+                <a:spcPct val="90000"/>
+              </a:lnSpc>
+              <a:spcBef>
+                <a:spcPct val="0"/>
+              </a:spcBef>
+              <a:buNone/>
+              <a:defRPr sz="6000" kern="1200">
+                <a:solidFill>
+                  <a:schemeClr val="tx1"/>
+                </a:solidFill>
+                <a:latin typeface="+mj-lt"/>
+                <a:ea typeface="+mj-ea"/>
+                <a:cs typeface="+mj-cs"/>
+              </a:defRPr>
+            </a:lvl1pPr>
+          </a:lstStyle>
+          <a:p>
+            <a:pPr algn="l"/>
+            <a:endParaRPr lang="en-US" sz="2900" b="1" i="0" dirty="0">
+              <a:solidFill>
+                <a:srgbClr val="252C33"/>
+              </a:solidFill>
+              <a:effectLst/>
+              <a:latin typeface="Calibri Light (Headings)"/>
+            </a:endParaRPr>
+          </a:p>
+          <a:p>
+            <a:pPr marL="457200" indent="-457200" algn="l">
+              <a:buFont typeface="Wingdings" pitchFamily="2" charset="2"/>
+              <a:buChar char="Ø"/>
+            </a:pPr>
+            <a:r>
+              <a:rPr lang="en-US" sz="2900" b="1" dirty="0">
+                <a:latin typeface="Calibri Light (Headings)"/>
+              </a:rPr>
+              <a:t>Recap of Statistical Inference</a:t>
+            </a:r>
+          </a:p>
+          <a:p>
+            <a:pPr algn="l"/>
+            <a:endParaRPr lang="en-US" sz="2900" b="1" i="0" dirty="0">
+              <a:solidFill>
+                <a:schemeClr val="tx1">
+                  <a:lumMod val="50000"/>
+                  <a:lumOff val="50000"/>
+                </a:schemeClr>
+              </a:solidFill>
+              <a:effectLst/>
+              <a:latin typeface="Calibri Light (Headings)"/>
+            </a:endParaRPr>
+          </a:p>
+          <a:p>
+            <a:pPr marL="457200" indent="-457200" algn="l">
+              <a:buFont typeface="Wingdings" pitchFamily="2" charset="2"/>
+              <a:buChar char="Ø"/>
+            </a:pPr>
+            <a:r>
+              <a:rPr lang="en-US" sz="2900" b="1" i="0" dirty="0">
+                <a:solidFill>
+                  <a:schemeClr val="tx1">
+                    <a:lumMod val="50000"/>
+                    <a:lumOff val="50000"/>
+                  </a:schemeClr>
+                </a:solidFill>
+                <a:effectLst/>
+                <a:latin typeface="Calibri Light (Headings)"/>
+              </a:rPr>
+              <a:t>Test of Significance and Hypothesis Testing</a:t>
+            </a:r>
+          </a:p>
+          <a:p>
+            <a:pPr marL="457200" indent="-457200" algn="l">
+              <a:buFont typeface="Wingdings" pitchFamily="2" charset="2"/>
+              <a:buChar char="Ø"/>
+            </a:pPr>
+            <a:endParaRPr lang="en-US" sz="2900" b="1" dirty="0">
+              <a:solidFill>
+                <a:schemeClr val="tx1">
+                  <a:lumMod val="50000"/>
+                  <a:lumOff val="50000"/>
+                </a:schemeClr>
+              </a:solidFill>
+              <a:latin typeface="Calibri Light (Headings)"/>
+            </a:endParaRPr>
+          </a:p>
+          <a:p>
+            <a:pPr marL="457200" indent="-457200" algn="l">
+              <a:buFont typeface="Wingdings" pitchFamily="2" charset="2"/>
+              <a:buChar char="Ø"/>
+            </a:pPr>
+            <a:r>
+              <a:rPr lang="en-US" sz="2900" b="1" dirty="0">
+                <a:solidFill>
+                  <a:schemeClr val="tx1">
+                    <a:lumMod val="50000"/>
+                    <a:lumOff val="50000"/>
+                  </a:schemeClr>
+                </a:solidFill>
+                <a:latin typeface="Calibri Light (Headings)"/>
+              </a:rPr>
+              <a:t>Null and Alternate Hypothesis</a:t>
+            </a:r>
+          </a:p>
+          <a:p>
+            <a:pPr marL="457200" indent="-457200" algn="l">
+              <a:buFont typeface="Wingdings" pitchFamily="2" charset="2"/>
+              <a:buChar char="Ø"/>
+            </a:pPr>
+            <a:endParaRPr lang="en-US" sz="2900" b="1" dirty="0">
+              <a:solidFill>
+                <a:schemeClr val="tx1">
+                  <a:lumMod val="50000"/>
+                  <a:lumOff val="50000"/>
+                </a:schemeClr>
+              </a:solidFill>
+              <a:latin typeface="Calibri Light (Headings)"/>
+            </a:endParaRPr>
+          </a:p>
+          <a:p>
+            <a:pPr marL="457200" indent="-457200" algn="l">
+              <a:buFont typeface="Wingdings" pitchFamily="2" charset="2"/>
+              <a:buChar char="Ø"/>
+            </a:pPr>
+            <a:r>
+              <a:rPr lang="en-US" sz="2900" b="1" dirty="0">
+                <a:solidFill>
+                  <a:schemeClr val="tx1">
+                    <a:lumMod val="50000"/>
+                    <a:lumOff val="50000"/>
+                  </a:schemeClr>
+                </a:solidFill>
+                <a:latin typeface="Calibri Light (Headings)"/>
+              </a:rPr>
+              <a:t>Steps of Hypothesis Testing</a:t>
+            </a:r>
+          </a:p>
+          <a:p>
+            <a:pPr marL="457200" indent="-457200" algn="l">
+              <a:buFont typeface="Wingdings" pitchFamily="2" charset="2"/>
+              <a:buChar char="Ø"/>
+            </a:pPr>
+            <a:endParaRPr lang="en-US" sz="2900" b="1" dirty="0">
+              <a:solidFill>
+                <a:schemeClr val="tx1">
+                  <a:lumMod val="50000"/>
+                  <a:lumOff val="50000"/>
+                </a:schemeClr>
+              </a:solidFill>
+              <a:latin typeface="Calibri Light (Headings)"/>
+            </a:endParaRPr>
+          </a:p>
+          <a:p>
+            <a:pPr marL="457200" indent="-457200" algn="l">
+              <a:buFont typeface="Wingdings" pitchFamily="2" charset="2"/>
+              <a:buChar char="Ø"/>
+            </a:pPr>
+            <a:endParaRPr lang="en-US" sz="2900" b="1" dirty="0">
+              <a:solidFill>
+                <a:schemeClr val="tx1">
+                  <a:lumMod val="50000"/>
+                  <a:lumOff val="50000"/>
+                </a:schemeClr>
+              </a:solidFill>
+              <a:latin typeface="Calibri Light (Headings)"/>
+            </a:endParaRPr>
+          </a:p>
+          <a:p>
+            <a:pPr marL="457200" indent="-457200" algn="l">
+              <a:buFont typeface="Wingdings" pitchFamily="2" charset="2"/>
+              <a:buChar char="Ø"/>
+            </a:pPr>
+            <a:endParaRPr lang="en-US" sz="2900" b="1" dirty="0">
+              <a:solidFill>
+                <a:schemeClr val="tx1">
+                  <a:lumMod val="50000"/>
+                  <a:lumOff val="50000"/>
+                </a:schemeClr>
+              </a:solidFill>
+              <a:latin typeface="Calibri Light (Headings)"/>
+            </a:endParaRPr>
+          </a:p>
+          <a:p>
+            <a:pPr marL="457200" indent="-457200" algn="l">
+              <a:buFont typeface="Wingdings" pitchFamily="2" charset="2"/>
+              <a:buChar char="Ø"/>
+            </a:pPr>
+            <a:endParaRPr lang="en-US" sz="2900" b="1" dirty="0">
+              <a:solidFill>
+                <a:schemeClr val="tx1">
+                  <a:lumMod val="50000"/>
+                  <a:lumOff val="50000"/>
+                </a:schemeClr>
+              </a:solidFill>
+              <a:latin typeface="Calibri Light (Headings)"/>
+            </a:endParaRPr>
+          </a:p>
+        </p:txBody>
+      </p:sp>
+      <p:sp>
+        <p:nvSpPr>
+          <p:cNvPr id="7" name="Title 1">
+            <a:extLst>
+              <a:ext uri="{FF2B5EF4-FFF2-40B4-BE49-F238E27FC236}">
+                <a16:creationId xmlns:a16="http://schemas.microsoft.com/office/drawing/2014/main" id="{F9F68FD0-4734-F88A-26AE-8BD1D795B778}"/>
+              </a:ext>
+            </a:extLst>
+          </p:cNvPr>
+          <p:cNvSpPr>
+            <a:spLocks noGrp="1"/>
+          </p:cNvSpPr>
+          <p:nvPr>
+            <p:ph type="ctrTitle"/>
+          </p:nvPr>
+        </p:nvSpPr>
+        <p:spPr>
+          <a:xfrm>
+            <a:off x="459205" y="359228"/>
+            <a:ext cx="9935227" cy="718459"/>
+          </a:xfrm>
+        </p:spPr>
+        <p:txBody>
+          <a:bodyPr>
+            <a:noAutofit/>
+          </a:bodyPr>
+          <a:lstStyle/>
+          <a:p>
+            <a:pPr algn="l"/>
+            <a:r>
+              <a:rPr lang="en-US" sz="4500" b="1" dirty="0"/>
+              <a:t>Outline</a:t>
+            </a:r>
+            <a:endParaRPr lang="en-PH" sz="4500" b="1" dirty="0"/>
+          </a:p>
+        </p:txBody>
+      </p:sp>
+    </p:spTree>
+    <p:extLst>
+      <p:ext uri="{BB962C8B-B14F-4D97-AF65-F5344CB8AC3E}">
+        <p14:creationId xmlns:p14="http://schemas.microsoft.com/office/powerpoint/2010/main" val="1181416942"/>
+      </p:ext>
+    </p:extLst>
+  </p:cSld>
+  <p:clrMapOvr>
+    <a:masterClrMapping/>
+  </p:clrMapOvr>
+</p:sld>
+</file>
+
+<file path=ppt/slides/slide20.xml><?xml version="1.0" encoding="utf-8"?>
+<p:sld xmlns:a="http://schemas.openxmlformats.org/drawingml/2006/main" xmlns:r="http://schemas.openxmlformats.org/officeDocument/2006/relationships" xmlns:p="http://schemas.openxmlformats.org/presentationml/2006/main">
+  <p:cSld>
+    <p:bg>
+      <p:bgPr>
+        <a:blipFill dpi="0" rotWithShape="1">
+          <a:blip r:embed="rId3">
+            <a:alphaModFix amt="99000"/>
+            <a:lum/>
+          </a:blip>
+          <a:srcRect/>
+          <a:stretch>
+            <a:fillRect t="89000" r="85000" b="-1000"/>
+          </a:stretch>
+        </a:blipFill>
+        <a:effectLst/>
+      </p:bgPr>
+    </p:bg>
+    <p:spTree>
+      <p:nvGrpSpPr>
+        <p:cNvPr id="1" name=""/>
+        <p:cNvGrpSpPr/>
+        <p:nvPr/>
+      </p:nvGrpSpPr>
+      <p:grpSpPr>
+        <a:xfrm>
+          <a:off x="0" y="0"/>
+          <a:ext cx="0" cy="0"/>
+          <a:chOff x="0" y="0"/>
+          <a:chExt cx="0" cy="0"/>
+        </a:xfrm>
+      </p:grpSpPr>
+      <p:sp>
+        <p:nvSpPr>
+          <p:cNvPr id="5" name="Title 1">
+            <a:extLst>
+              <a:ext uri="{FF2B5EF4-FFF2-40B4-BE49-F238E27FC236}">
+                <a16:creationId xmlns:a16="http://schemas.microsoft.com/office/drawing/2014/main" id="{3444037F-B658-D82C-5DCA-53E8AA1493D7}"/>
+              </a:ext>
+            </a:extLst>
+          </p:cNvPr>
+          <p:cNvSpPr txBox="1">
+            <a:spLocks/>
+          </p:cNvSpPr>
+          <p:nvPr/>
+        </p:nvSpPr>
+        <p:spPr>
+          <a:xfrm>
+            <a:off x="1524000" y="1516449"/>
+            <a:ext cx="9144000" cy="4290585"/>
+          </a:xfrm>
+          <a:prstGeom prst="rect">
+            <a:avLst/>
+          </a:prstGeom>
+        </p:spPr>
+        <p:txBody>
+          <a:bodyPr vert="horz" lIns="91440" tIns="45720" rIns="91440" bIns="45720" rtlCol="0" anchor="b">
+            <a:normAutofit fontScale="97500"/>
+          </a:bodyPr>
+          <a:lstStyle>
+            <a:lvl1pPr algn="ctr" defTabSz="914400" rtl="0" eaLnBrk="1" latinLnBrk="0" hangingPunct="1">
+              <a:lnSpc>
+                <a:spcPct val="90000"/>
+              </a:lnSpc>
+              <a:spcBef>
+                <a:spcPct val="0"/>
+              </a:spcBef>
+              <a:buNone/>
+              <a:defRPr sz="6000" kern="1200">
+                <a:solidFill>
+                  <a:schemeClr val="tx1"/>
+                </a:solidFill>
+                <a:latin typeface="+mj-lt"/>
+                <a:ea typeface="+mj-ea"/>
+                <a:cs typeface="+mj-cs"/>
+              </a:defRPr>
+            </a:lvl1pPr>
+          </a:lstStyle>
+          <a:p>
+            <a:pPr algn="l"/>
+            <a:endParaRPr lang="en-US" sz="3100" dirty="0"/>
+          </a:p>
+          <a:p>
+            <a:pPr algn="l"/>
+            <a:endParaRPr lang="en-US" sz="3100" dirty="0"/>
+          </a:p>
+          <a:p>
+            <a:pPr algn="l"/>
+            <a:endParaRPr lang="en-US" sz="3100" dirty="0"/>
+          </a:p>
+          <a:p>
+            <a:pPr algn="l"/>
+            <a:endParaRPr lang="en-US" sz="3100" dirty="0"/>
+          </a:p>
+          <a:p>
+            <a:pPr algn="l"/>
+            <a:endParaRPr lang="en-US" sz="3000" dirty="0"/>
+          </a:p>
+          <a:p>
+            <a:pPr algn="l"/>
+            <a:endParaRPr lang="en-US" sz="3000" dirty="0"/>
+          </a:p>
+        </p:txBody>
+      </p:sp>
+      <p:sp>
+        <p:nvSpPr>
+          <p:cNvPr id="38" name="Title 1">
+            <a:extLst>
+              <a:ext uri="{FF2B5EF4-FFF2-40B4-BE49-F238E27FC236}">
+                <a16:creationId xmlns:a16="http://schemas.microsoft.com/office/drawing/2014/main" id="{85194D96-4E26-6A5A-5AB5-02AFD53E7543}"/>
+              </a:ext>
+            </a:extLst>
+          </p:cNvPr>
+          <p:cNvSpPr>
+            <a:spLocks noGrp="1"/>
+          </p:cNvSpPr>
+          <p:nvPr>
+            <p:ph type="ctrTitle"/>
+          </p:nvPr>
+        </p:nvSpPr>
+        <p:spPr>
+          <a:xfrm>
+            <a:off x="1128386" y="415731"/>
+            <a:ext cx="9935227" cy="718459"/>
+          </a:xfrm>
+        </p:spPr>
+        <p:txBody>
+          <a:bodyPr>
+            <a:noAutofit/>
+          </a:bodyPr>
+          <a:lstStyle/>
+          <a:p>
+            <a:r>
+              <a:rPr lang="en-US" sz="3500" b="1" dirty="0"/>
+              <a:t>Step 2: Gather your data</a:t>
+            </a:r>
+            <a:endParaRPr lang="en-PH" sz="3500" b="1" dirty="0"/>
+          </a:p>
+        </p:txBody>
+      </p:sp>
+      <p:sp>
+        <p:nvSpPr>
+          <p:cNvPr id="39" name="Footer Placeholder 3">
+            <a:extLst>
+              <a:ext uri="{FF2B5EF4-FFF2-40B4-BE49-F238E27FC236}">
+                <a16:creationId xmlns:a16="http://schemas.microsoft.com/office/drawing/2014/main" id="{77EF4DA7-E5CF-896F-45E0-B1D58FD59B96}"/>
+              </a:ext>
+            </a:extLst>
+          </p:cNvPr>
+          <p:cNvSpPr>
+            <a:spLocks noGrp="1"/>
+          </p:cNvSpPr>
+          <p:nvPr>
+            <p:ph type="ftr" sz="quarter" idx="11"/>
+          </p:nvPr>
+        </p:nvSpPr>
+        <p:spPr>
+          <a:xfrm>
+            <a:off x="0" y="6139541"/>
+            <a:ext cx="12192000" cy="718459"/>
+          </a:xfrm>
+          <a:ln w="28575">
+            <a:solidFill>
+              <a:schemeClr val="accent5">
+                <a:lumMod val="50000"/>
+              </a:schemeClr>
+            </a:solidFill>
+          </a:ln>
+        </p:spPr>
+        <p:txBody>
+          <a:bodyPr/>
+          <a:lstStyle/>
+          <a:p>
+            <a:pPr lvl="1" algn="r"/>
+            <a:r>
+              <a:rPr lang="en-US" sz="1200" b="1" dirty="0"/>
+              <a:t>CCDATS1L</a:t>
+            </a:r>
+            <a:endParaRPr lang="en-PH" sz="1200" b="1" dirty="0"/>
+          </a:p>
+        </p:txBody>
+      </p:sp>
+      <p:sp>
+        <p:nvSpPr>
+          <p:cNvPr id="4" name="TextBox 3">
+            <a:extLst>
+              <a:ext uri="{FF2B5EF4-FFF2-40B4-BE49-F238E27FC236}">
+                <a16:creationId xmlns:a16="http://schemas.microsoft.com/office/drawing/2014/main" id="{4203C0C4-7C82-D208-A8B3-1AE6E9099A3C}"/>
+              </a:ext>
+            </a:extLst>
+          </p:cNvPr>
+          <p:cNvSpPr txBox="1"/>
+          <p:nvPr/>
+        </p:nvSpPr>
+        <p:spPr>
+          <a:xfrm>
+            <a:off x="639918" y="1354768"/>
+            <a:ext cx="10912162" cy="3323987"/>
+          </a:xfrm>
+          <a:prstGeom prst="rect">
+            <a:avLst/>
+          </a:prstGeom>
+          <a:noFill/>
+        </p:spPr>
+        <p:txBody>
+          <a:bodyPr wrap="square" rtlCol="0">
+            <a:spAutoFit/>
+          </a:bodyPr>
+          <a:lstStyle/>
+          <a:p>
+            <a:pPr algn="l"/>
+            <a:r>
+              <a:rPr lang="en-US" sz="3000" dirty="0"/>
+              <a:t>After specifying our null and alternate hypothesis, we must gather data. </a:t>
+            </a:r>
+          </a:p>
+          <a:p>
+            <a:pPr algn="l"/>
+            <a:endParaRPr lang="en-US" sz="3000" dirty="0"/>
+          </a:p>
+          <a:p>
+            <a:pPr algn="l"/>
+            <a:r>
+              <a:rPr lang="en-US" sz="3000" dirty="0"/>
+              <a:t>In a real world setting, sampling must be done </a:t>
+            </a:r>
+            <a:r>
+              <a:rPr lang="en-US" sz="3000" b="1" dirty="0">
+                <a:solidFill>
+                  <a:srgbClr val="00B0F0"/>
+                </a:solidFill>
+              </a:rPr>
+              <a:t>randomly</a:t>
+            </a:r>
+            <a:r>
+              <a:rPr lang="en-US" sz="3000" dirty="0"/>
+              <a:t>. </a:t>
+            </a:r>
+          </a:p>
+          <a:p>
+            <a:pPr algn="l"/>
+            <a:endParaRPr lang="en-US" sz="3000" dirty="0"/>
+          </a:p>
+          <a:p>
+            <a:pPr algn="l"/>
+            <a:r>
+              <a:rPr lang="en-US" sz="3000" dirty="0"/>
+              <a:t>This refers to recording the height of 100 males from </a:t>
+            </a:r>
+            <a:r>
+              <a:rPr lang="en-US" sz="3000" b="1" dirty="0">
+                <a:solidFill>
+                  <a:srgbClr val="00B0F0"/>
+                </a:solidFill>
+              </a:rPr>
+              <a:t>different parts of the country.</a:t>
+            </a:r>
+            <a:endParaRPr lang="en-PH" sz="3000" b="1" dirty="0">
+              <a:solidFill>
+                <a:srgbClr val="00B0F0"/>
+              </a:solidFill>
+            </a:endParaRPr>
+          </a:p>
+        </p:txBody>
+      </p:sp>
+    </p:spTree>
+    <p:extLst>
+      <p:ext uri="{BB962C8B-B14F-4D97-AF65-F5344CB8AC3E}">
+        <p14:creationId xmlns:p14="http://schemas.microsoft.com/office/powerpoint/2010/main" val="298144205"/>
+      </p:ext>
+    </p:extLst>
+  </p:cSld>
+  <p:clrMapOvr>
+    <a:masterClrMapping/>
+  </p:clrMapOvr>
+</p:sld>
+</file>
+
+<file path=ppt/slides/slide21.xml><?xml version="1.0" encoding="utf-8"?>
+<p:sld xmlns:a="http://schemas.openxmlformats.org/drawingml/2006/main" xmlns:r="http://schemas.openxmlformats.org/officeDocument/2006/relationships" xmlns:p="http://schemas.openxmlformats.org/presentationml/2006/main">
+  <p:cSld>
+    <p:bg>
+      <p:bgPr>
+        <a:blipFill dpi="0" rotWithShape="1">
+          <a:blip r:embed="rId3">
+            <a:alphaModFix amt="99000"/>
+            <a:lum/>
+          </a:blip>
+          <a:srcRect/>
+          <a:stretch>
+            <a:fillRect t="89000" r="85000" b="-1000"/>
+          </a:stretch>
+        </a:blipFill>
+        <a:effectLst/>
+      </p:bgPr>
+    </p:bg>
+    <p:spTree>
+      <p:nvGrpSpPr>
+        <p:cNvPr id="1" name=""/>
+        <p:cNvGrpSpPr/>
+        <p:nvPr/>
+      </p:nvGrpSpPr>
+      <p:grpSpPr>
+        <a:xfrm>
+          <a:off x="0" y="0"/>
+          <a:ext cx="0" cy="0"/>
+          <a:chOff x="0" y="0"/>
+          <a:chExt cx="0" cy="0"/>
+        </a:xfrm>
+      </p:grpSpPr>
+      <p:sp>
+        <p:nvSpPr>
+          <p:cNvPr id="5" name="Title 1">
+            <a:extLst>
+              <a:ext uri="{FF2B5EF4-FFF2-40B4-BE49-F238E27FC236}">
+                <a16:creationId xmlns:a16="http://schemas.microsoft.com/office/drawing/2014/main" id="{3444037F-B658-D82C-5DCA-53E8AA1493D7}"/>
+              </a:ext>
+            </a:extLst>
+          </p:cNvPr>
+          <p:cNvSpPr txBox="1">
+            <a:spLocks/>
+          </p:cNvSpPr>
+          <p:nvPr/>
+        </p:nvSpPr>
+        <p:spPr>
+          <a:xfrm>
+            <a:off x="1524000" y="1516449"/>
+            <a:ext cx="9144000" cy="4290585"/>
+          </a:xfrm>
+          <a:prstGeom prst="rect">
+            <a:avLst/>
+          </a:prstGeom>
+        </p:spPr>
+        <p:txBody>
+          <a:bodyPr vert="horz" lIns="91440" tIns="45720" rIns="91440" bIns="45720" rtlCol="0" anchor="b">
+            <a:normAutofit fontScale="97500"/>
+          </a:bodyPr>
+          <a:lstStyle>
+            <a:lvl1pPr algn="ctr" defTabSz="914400" rtl="0" eaLnBrk="1" latinLnBrk="0" hangingPunct="1">
+              <a:lnSpc>
+                <a:spcPct val="90000"/>
+              </a:lnSpc>
+              <a:spcBef>
+                <a:spcPct val="0"/>
+              </a:spcBef>
+              <a:buNone/>
+              <a:defRPr sz="6000" kern="1200">
+                <a:solidFill>
+                  <a:schemeClr val="tx1"/>
+                </a:solidFill>
+                <a:latin typeface="+mj-lt"/>
+                <a:ea typeface="+mj-ea"/>
+                <a:cs typeface="+mj-cs"/>
+              </a:defRPr>
+            </a:lvl1pPr>
+          </a:lstStyle>
+          <a:p>
+            <a:pPr algn="l"/>
+            <a:endParaRPr lang="en-US" sz="3100" dirty="0"/>
+          </a:p>
+          <a:p>
+            <a:pPr algn="l"/>
+            <a:endParaRPr lang="en-US" sz="3100" dirty="0"/>
+          </a:p>
+          <a:p>
+            <a:pPr algn="l"/>
+            <a:endParaRPr lang="en-US" sz="3100" dirty="0"/>
+          </a:p>
+          <a:p>
+            <a:pPr algn="l"/>
+            <a:endParaRPr lang="en-US" sz="3100" dirty="0"/>
+          </a:p>
+          <a:p>
+            <a:pPr algn="l"/>
+            <a:endParaRPr lang="en-US" sz="3000" dirty="0"/>
+          </a:p>
+          <a:p>
+            <a:pPr algn="l"/>
+            <a:endParaRPr lang="en-US" sz="3000" dirty="0"/>
+          </a:p>
+        </p:txBody>
+      </p:sp>
+      <p:sp>
+        <p:nvSpPr>
+          <p:cNvPr id="38" name="Title 1">
+            <a:extLst>
+              <a:ext uri="{FF2B5EF4-FFF2-40B4-BE49-F238E27FC236}">
+                <a16:creationId xmlns:a16="http://schemas.microsoft.com/office/drawing/2014/main" id="{85194D96-4E26-6A5A-5AB5-02AFD53E7543}"/>
+              </a:ext>
+            </a:extLst>
+          </p:cNvPr>
+          <p:cNvSpPr>
+            <a:spLocks noGrp="1"/>
+          </p:cNvSpPr>
+          <p:nvPr>
+            <p:ph type="ctrTitle"/>
+          </p:nvPr>
+        </p:nvSpPr>
+        <p:spPr>
+          <a:xfrm>
+            <a:off x="1128386" y="415731"/>
+            <a:ext cx="9935227" cy="718459"/>
+          </a:xfrm>
+        </p:spPr>
+        <p:txBody>
+          <a:bodyPr>
+            <a:noAutofit/>
+          </a:bodyPr>
+          <a:lstStyle/>
+          <a:p>
+            <a:r>
+              <a:rPr lang="en-US" sz="3500" b="1" dirty="0"/>
+              <a:t>Step 3: Conduct a statistical test</a:t>
+            </a:r>
+            <a:endParaRPr lang="en-PH" sz="3500" b="1" dirty="0"/>
+          </a:p>
+        </p:txBody>
+      </p:sp>
+      <p:sp>
+        <p:nvSpPr>
+          <p:cNvPr id="39" name="Footer Placeholder 3">
+            <a:extLst>
+              <a:ext uri="{FF2B5EF4-FFF2-40B4-BE49-F238E27FC236}">
+                <a16:creationId xmlns:a16="http://schemas.microsoft.com/office/drawing/2014/main" id="{77EF4DA7-E5CF-896F-45E0-B1D58FD59B96}"/>
+              </a:ext>
+            </a:extLst>
+          </p:cNvPr>
+          <p:cNvSpPr>
+            <a:spLocks noGrp="1"/>
+          </p:cNvSpPr>
+          <p:nvPr>
+            <p:ph type="ftr" sz="quarter" idx="11"/>
+          </p:nvPr>
+        </p:nvSpPr>
+        <p:spPr>
+          <a:xfrm>
+            <a:off x="0" y="6139541"/>
+            <a:ext cx="12192000" cy="718459"/>
+          </a:xfrm>
+          <a:ln w="28575">
+            <a:solidFill>
+              <a:schemeClr val="accent5">
+                <a:lumMod val="50000"/>
+              </a:schemeClr>
+            </a:solidFill>
+          </a:ln>
+        </p:spPr>
+        <p:txBody>
+          <a:bodyPr/>
+          <a:lstStyle/>
+          <a:p>
+            <a:pPr lvl="1" algn="r"/>
+            <a:r>
+              <a:rPr lang="en-US" sz="1200" b="1" dirty="0"/>
+              <a:t>CCDATS1L</a:t>
+            </a:r>
+            <a:endParaRPr lang="en-PH" sz="1200" b="1" dirty="0"/>
+          </a:p>
+        </p:txBody>
+      </p:sp>
+      <p:sp>
+        <p:nvSpPr>
+          <p:cNvPr id="4" name="TextBox 3">
+            <a:extLst>
+              <a:ext uri="{FF2B5EF4-FFF2-40B4-BE49-F238E27FC236}">
+                <a16:creationId xmlns:a16="http://schemas.microsoft.com/office/drawing/2014/main" id="{4203C0C4-7C82-D208-A8B3-1AE6E9099A3C}"/>
+              </a:ext>
+            </a:extLst>
+          </p:cNvPr>
+          <p:cNvSpPr txBox="1"/>
+          <p:nvPr/>
+        </p:nvSpPr>
+        <p:spPr>
+          <a:xfrm>
+            <a:off x="639918" y="1354768"/>
+            <a:ext cx="10912162" cy="3785652"/>
+          </a:xfrm>
+          <a:prstGeom prst="rect">
+            <a:avLst/>
+          </a:prstGeom>
+          <a:noFill/>
+        </p:spPr>
+        <p:txBody>
+          <a:bodyPr wrap="square" rtlCol="0">
+            <a:spAutoFit/>
+          </a:bodyPr>
+          <a:lstStyle/>
+          <a:p>
+            <a:r>
+              <a:rPr lang="en-PH" sz="3000" dirty="0"/>
+              <a:t>To determine whether a discovery or relationship is statistically significant, hypothesis testing uses a </a:t>
+            </a:r>
+            <a:r>
+              <a:rPr lang="en-PH" sz="3000" b="1" dirty="0">
+                <a:solidFill>
+                  <a:srgbClr val="00B0F0"/>
+                </a:solidFill>
+              </a:rPr>
+              <a:t>z-test</a:t>
+            </a:r>
+            <a:r>
+              <a:rPr lang="en-PH" sz="3000" dirty="0"/>
+              <a:t>. </a:t>
+            </a:r>
+          </a:p>
+          <a:p>
+            <a:endParaRPr lang="en-PH" sz="3000" dirty="0"/>
+          </a:p>
+          <a:p>
+            <a:r>
+              <a:rPr lang="en-PH" sz="3000" dirty="0"/>
+              <a:t>It usually checks to see if the two means</a:t>
+            </a:r>
+            <a:r>
+              <a:rPr lang="en-PH" sz="3000" b="1" dirty="0"/>
+              <a:t>, </a:t>
+            </a:r>
+            <a:r>
+              <a:rPr lang="en-PH" sz="3000" dirty="0"/>
+              <a:t>the</a:t>
+            </a:r>
+            <a:r>
+              <a:rPr lang="en-PH" sz="3000" b="1" dirty="0"/>
+              <a:t> </a:t>
+            </a:r>
+            <a:r>
+              <a:rPr lang="en-PH" sz="3000" b="1" dirty="0">
+                <a:solidFill>
+                  <a:srgbClr val="00B0F0"/>
+                </a:solidFill>
+              </a:rPr>
+              <a:t>population mean </a:t>
+            </a:r>
+            <a:r>
+              <a:rPr lang="en-PH" sz="3000" dirty="0"/>
+              <a:t>and the </a:t>
+            </a:r>
+            <a:r>
+              <a:rPr lang="en-PH" sz="3000" b="1" dirty="0">
+                <a:solidFill>
+                  <a:srgbClr val="00B0F0"/>
+                </a:solidFill>
+              </a:rPr>
+              <a:t>sample mean</a:t>
+            </a:r>
+            <a:r>
+              <a:rPr lang="en-PH" sz="3000" b="1" dirty="0"/>
+              <a:t>, </a:t>
+            </a:r>
+            <a:r>
+              <a:rPr lang="en-PH" sz="3000" dirty="0"/>
+              <a:t>are the same.</a:t>
+            </a:r>
+          </a:p>
+          <a:p>
+            <a:endParaRPr lang="en-PH" sz="3000" dirty="0"/>
+          </a:p>
+          <a:p>
+            <a:r>
+              <a:rPr lang="en-PH" sz="3000" b="1" dirty="0"/>
+              <a:t>Note: </a:t>
+            </a:r>
+            <a:r>
+              <a:rPr lang="en-PH" sz="3000" dirty="0"/>
+              <a:t>Only when the population </a:t>
+            </a:r>
+            <a:r>
+              <a:rPr lang="en-PH" sz="3000" b="1" dirty="0">
+                <a:solidFill>
+                  <a:srgbClr val="7030A0"/>
+                </a:solidFill>
+              </a:rPr>
+              <a:t>standard deviation is known </a:t>
+            </a:r>
+            <a:r>
+              <a:rPr lang="en-PH" sz="3000" dirty="0"/>
+              <a:t>and the </a:t>
+            </a:r>
+            <a:r>
+              <a:rPr lang="en-PH" sz="3000" b="1" dirty="0">
+                <a:solidFill>
+                  <a:srgbClr val="7030A0"/>
+                </a:solidFill>
+              </a:rPr>
+              <a:t>sample size is 30 data points or more</a:t>
+            </a:r>
+            <a:r>
+              <a:rPr lang="en-PH" sz="3000" dirty="0"/>
+              <a:t>, can a z-test be applied.</a:t>
+            </a:r>
+          </a:p>
+        </p:txBody>
+      </p:sp>
+    </p:spTree>
+    <p:extLst>
+      <p:ext uri="{BB962C8B-B14F-4D97-AF65-F5344CB8AC3E}">
+        <p14:creationId xmlns:p14="http://schemas.microsoft.com/office/powerpoint/2010/main" val="2785936493"/>
+      </p:ext>
+    </p:extLst>
+  </p:cSld>
+  <p:clrMapOvr>
+    <a:masterClrMapping/>
+  </p:clrMapOvr>
+</p:sld>
+</file>
+
+<file path=ppt/slides/slide22.xml><?xml version="1.0" encoding="utf-8"?>
+<p:sld xmlns:a="http://schemas.openxmlformats.org/drawingml/2006/main" xmlns:r="http://schemas.openxmlformats.org/officeDocument/2006/relationships" xmlns:p="http://schemas.openxmlformats.org/presentationml/2006/main">
+  <p:cSld>
+    <p:bg>
+      <p:bgPr>
+        <a:blipFill dpi="0" rotWithShape="1">
+          <a:blip r:embed="rId3">
+            <a:alphaModFix amt="99000"/>
+            <a:lum/>
+          </a:blip>
+          <a:srcRect/>
+          <a:stretch>
+            <a:fillRect t="89000" r="85000" b="-1000"/>
+          </a:stretch>
+        </a:blipFill>
+        <a:effectLst/>
+      </p:bgPr>
+    </p:bg>
+    <p:spTree>
+      <p:nvGrpSpPr>
+        <p:cNvPr id="1" name=""/>
+        <p:cNvGrpSpPr/>
+        <p:nvPr/>
+      </p:nvGrpSpPr>
+      <p:grpSpPr>
+        <a:xfrm>
+          <a:off x="0" y="0"/>
+          <a:ext cx="0" cy="0"/>
+          <a:chOff x="0" y="0"/>
+          <a:chExt cx="0" cy="0"/>
+        </a:xfrm>
+      </p:grpSpPr>
+      <p:sp>
+        <p:nvSpPr>
+          <p:cNvPr id="5" name="Title 1">
+            <a:extLst>
+              <a:ext uri="{FF2B5EF4-FFF2-40B4-BE49-F238E27FC236}">
+                <a16:creationId xmlns:a16="http://schemas.microsoft.com/office/drawing/2014/main" id="{3444037F-B658-D82C-5DCA-53E8AA1493D7}"/>
+              </a:ext>
+            </a:extLst>
+          </p:cNvPr>
+          <p:cNvSpPr txBox="1">
+            <a:spLocks/>
+          </p:cNvSpPr>
+          <p:nvPr/>
+        </p:nvSpPr>
+        <p:spPr>
+          <a:xfrm>
+            <a:off x="1524000" y="1516449"/>
+            <a:ext cx="9144000" cy="4290585"/>
+          </a:xfrm>
+          <a:prstGeom prst="rect">
+            <a:avLst/>
+          </a:prstGeom>
+        </p:spPr>
+        <p:txBody>
+          <a:bodyPr vert="horz" lIns="91440" tIns="45720" rIns="91440" bIns="45720" rtlCol="0" anchor="b">
+            <a:normAutofit fontScale="97500"/>
+          </a:bodyPr>
+          <a:lstStyle>
+            <a:lvl1pPr algn="ctr" defTabSz="914400" rtl="0" eaLnBrk="1" latinLnBrk="0" hangingPunct="1">
+              <a:lnSpc>
+                <a:spcPct val="90000"/>
+              </a:lnSpc>
+              <a:spcBef>
+                <a:spcPct val="0"/>
+              </a:spcBef>
+              <a:buNone/>
+              <a:defRPr sz="6000" kern="1200">
+                <a:solidFill>
+                  <a:schemeClr val="tx1"/>
+                </a:solidFill>
+                <a:latin typeface="+mj-lt"/>
+                <a:ea typeface="+mj-ea"/>
+                <a:cs typeface="+mj-cs"/>
+              </a:defRPr>
+            </a:lvl1pPr>
+          </a:lstStyle>
+          <a:p>
+            <a:pPr algn="l"/>
+            <a:endParaRPr lang="en-US" sz="3100" dirty="0"/>
+          </a:p>
+          <a:p>
+            <a:pPr algn="l"/>
+            <a:endParaRPr lang="en-US" sz="3100" dirty="0"/>
+          </a:p>
+          <a:p>
+            <a:pPr algn="l"/>
+            <a:endParaRPr lang="en-US" sz="3100" dirty="0"/>
+          </a:p>
+          <a:p>
+            <a:pPr algn="l"/>
+            <a:endParaRPr lang="en-US" sz="3100" dirty="0"/>
+          </a:p>
+          <a:p>
+            <a:pPr algn="l"/>
+            <a:endParaRPr lang="en-US" sz="3000" dirty="0"/>
+          </a:p>
+          <a:p>
+            <a:pPr algn="l"/>
+            <a:endParaRPr lang="en-US" sz="3000" dirty="0"/>
+          </a:p>
+        </p:txBody>
+      </p:sp>
+      <p:sp>
+        <p:nvSpPr>
+          <p:cNvPr id="38" name="Title 1">
+            <a:extLst>
+              <a:ext uri="{FF2B5EF4-FFF2-40B4-BE49-F238E27FC236}">
+                <a16:creationId xmlns:a16="http://schemas.microsoft.com/office/drawing/2014/main" id="{85194D96-4E26-6A5A-5AB5-02AFD53E7543}"/>
+              </a:ext>
+            </a:extLst>
+          </p:cNvPr>
+          <p:cNvSpPr>
+            <a:spLocks noGrp="1"/>
+          </p:cNvSpPr>
+          <p:nvPr>
+            <p:ph type="ctrTitle"/>
+          </p:nvPr>
+        </p:nvSpPr>
+        <p:spPr>
+          <a:xfrm>
+            <a:off x="1128386" y="415731"/>
+            <a:ext cx="9935227" cy="718459"/>
+          </a:xfrm>
+        </p:spPr>
+        <p:txBody>
+          <a:bodyPr>
+            <a:noAutofit/>
+          </a:bodyPr>
+          <a:lstStyle/>
+          <a:p>
+            <a:r>
+              <a:rPr lang="en-US" sz="3500" b="1" dirty="0"/>
+              <a:t>Step 3: Conduct a statistical test</a:t>
+            </a:r>
+            <a:endParaRPr lang="en-PH" sz="3500" b="1" dirty="0"/>
+          </a:p>
+        </p:txBody>
+      </p:sp>
+      <p:sp>
+        <p:nvSpPr>
+          <p:cNvPr id="39" name="Footer Placeholder 3">
+            <a:extLst>
+              <a:ext uri="{FF2B5EF4-FFF2-40B4-BE49-F238E27FC236}">
+                <a16:creationId xmlns:a16="http://schemas.microsoft.com/office/drawing/2014/main" id="{77EF4DA7-E5CF-896F-45E0-B1D58FD59B96}"/>
+              </a:ext>
+            </a:extLst>
+          </p:cNvPr>
+          <p:cNvSpPr>
+            <a:spLocks noGrp="1"/>
+          </p:cNvSpPr>
+          <p:nvPr>
+            <p:ph type="ftr" sz="quarter" idx="11"/>
+          </p:nvPr>
+        </p:nvSpPr>
+        <p:spPr>
+          <a:xfrm>
+            <a:off x="0" y="6139541"/>
+            <a:ext cx="12192000" cy="718459"/>
+          </a:xfrm>
+          <a:ln w="28575">
+            <a:solidFill>
+              <a:schemeClr val="accent5">
+                <a:lumMod val="50000"/>
+              </a:schemeClr>
+            </a:solidFill>
+          </a:ln>
+        </p:spPr>
+        <p:txBody>
+          <a:bodyPr/>
+          <a:lstStyle/>
+          <a:p>
+            <a:pPr lvl="1" algn="r"/>
+            <a:r>
+              <a:rPr lang="en-US" sz="1200" b="1" dirty="0"/>
+              <a:t>CCDATS1L</a:t>
+            </a:r>
+            <a:endParaRPr lang="en-PH" sz="1200" b="1" dirty="0"/>
+          </a:p>
+        </p:txBody>
+      </p:sp>
+      <mc:AlternateContent xmlns:mc="http://schemas.openxmlformats.org/markup-compatibility/2006" xmlns:a14="http://schemas.microsoft.com/office/drawing/2010/main">
+        <mc:Choice Requires="a14">
           <p:sp>
             <p:nvSpPr>
               <p:cNvPr id="4" name="TextBox 3">
@@ -7724,6 +10442,7 @@
                 <a:endParaRPr lang="en-PH" sz="2000" dirty="0"/>
               </a:p>
               <a:p>
+                <a:pPr/>
                 <a14:m>
                   <m:oMathPara xmlns:m="http://schemas.openxmlformats.org/officeDocument/2006/math">
                     <m:oMathParaPr>
@@ -8038,7 +10757,7 @@
             </p:txBody>
           </p:sp>
         </mc:Choice>
-        <mc:Fallback>
+        <mc:Fallback xmlns="">
           <p:sp>
             <p:nvSpPr>
               <p:cNvPr id="4" name="TextBox 3">
@@ -8096,7 +10815,7 @@
 </p:sld>
 </file>
 
-<file path=ppt/slides/slide18.xml><?xml version="1.0" encoding="utf-8"?>
+<file path=ppt/slides/slide23.xml><?xml version="1.0" encoding="utf-8"?>
 <p:sld xmlns:a="http://schemas.openxmlformats.org/drawingml/2006/main" xmlns:r="http://schemas.openxmlformats.org/officeDocument/2006/relationships" xmlns:p="http://schemas.openxmlformats.org/presentationml/2006/main">
   <p:cSld>
     <p:bg>
@@ -8229,10 +10948,10 @@
           <a:lstStyle/>
           <a:p>
             <a:r>
-              <a:rPr lang="en-US" sz="5000" b="1" dirty="0"/>
-              <a:t>Step 1: Get the Z-Score</a:t>
-            </a:r>
-            <a:endParaRPr lang="en-PH" sz="5000" b="1" dirty="0"/>
+              <a:rPr lang="en-US" sz="3500" b="1" dirty="0"/>
+              <a:t>Step 3: Conduct a statistical test</a:t>
+            </a:r>
+            <a:endParaRPr lang="en-PH" sz="3500" b="1" dirty="0"/>
           </a:p>
         </p:txBody>
       </p:sp>
@@ -8278,8 +10997,8 @@
           </a:p>
         </p:txBody>
       </p:sp>
-      <mc:AlternateContent xmlns:mc="http://schemas.openxmlformats.org/markup-compatibility/2006">
-        <mc:Choice xmlns:a14="http://schemas.microsoft.com/office/drawing/2010/main" Requires="a14">
+      <mc:AlternateContent xmlns:mc="http://schemas.openxmlformats.org/markup-compatibility/2006" xmlns:a14="http://schemas.microsoft.com/office/drawing/2010/main">
+        <mc:Choice Requires="a14">
           <p:sp>
             <p:nvSpPr>
               <p:cNvPr id="4" name="TextBox 3">
@@ -8295,7 +11014,7 @@
             <p:spPr>
               <a:xfrm>
                 <a:off x="639918" y="1354768"/>
-                <a:ext cx="10912162" cy="5280869"/>
+                <a:ext cx="10912162" cy="4690130"/>
               </a:xfrm>
               <a:prstGeom prst="rect">
                 <a:avLst/>
@@ -8314,47 +11033,53 @@
                       <m:accPr>
                         <m:chr m:val="̅"/>
                         <m:ctrlPr>
-                          <a:rPr lang="en-US" sz="2000" b="1" i="1" smtClean="0">
+                          <a:rPr lang="en-US" sz="3000" b="1" i="1" smtClean="0">
                             <a:solidFill>
                               <a:srgbClr val="7030A0"/>
                             </a:solidFill>
                             <a:latin typeface="Cambria Math" panose="02040503050406030204" pitchFamily="18" charset="0"/>
+                            <a:ea typeface="Cambria Math" panose="02040503050406030204" pitchFamily="18" charset="0"/>
                           </a:rPr>
                         </m:ctrlPr>
                       </m:accPr>
                       <m:e>
                         <m:r>
-                          <a:rPr lang="en-US" sz="2000" b="1" i="1" smtClean="0">
+                          <a:rPr lang="en-US" sz="3000" b="1" i="1" smtClean="0">
                             <a:solidFill>
                               <a:srgbClr val="7030A0"/>
                             </a:solidFill>
                             <a:latin typeface="Cambria Math" panose="02040503050406030204" pitchFamily="18" charset="0"/>
+                            <a:ea typeface="Cambria Math" panose="02040503050406030204" pitchFamily="18" charset="0"/>
                           </a:rPr>
                           <m:t>𝒙</m:t>
                         </m:r>
                       </m:e>
                     </m:acc>
                     <m:r>
-                      <a:rPr lang="en-US" sz="2000" b="1" i="1" smtClean="0">
+                      <a:rPr lang="en-US" sz="3000" b="1" i="1" smtClean="0">
                         <a:solidFill>
                           <a:srgbClr val="7030A0"/>
                         </a:solidFill>
                         <a:latin typeface="Cambria Math" panose="02040503050406030204" pitchFamily="18" charset="0"/>
+                        <a:ea typeface="Cambria Math" panose="02040503050406030204" pitchFamily="18" charset="0"/>
                       </a:rPr>
                       <m:t> </m:t>
                     </m:r>
                   </m:oMath>
                 </a14:m>
                 <a:r>
-                  <a:rPr lang="en-PH" sz="2000" dirty="0"/>
-                  <a:t>= 84 inches</a:t>
+                  <a:rPr lang="en-PH" sz="3000" dirty="0">
+                    <a:latin typeface="Cambria Math" panose="02040503050406030204" pitchFamily="18" charset="0"/>
+                    <a:ea typeface="Cambria Math" panose="02040503050406030204" pitchFamily="18" charset="0"/>
+                  </a:rPr>
+                  <a:t>= 66 inches</a:t>
                 </a:r>
               </a:p>
               <a:p>
                 <a14:m>
                   <m:oMath xmlns:m="http://schemas.openxmlformats.org/officeDocument/2006/math">
                     <m:r>
-                      <a:rPr lang="en-US" sz="2000" b="1" i="1" smtClean="0">
+                      <a:rPr lang="en-US" sz="3000" b="1" i="1" smtClean="0">
                         <a:solidFill>
                           <a:srgbClr val="0070C0"/>
                         </a:solidFill>
@@ -8364,7 +11089,7 @@
                       <m:t>𝝈</m:t>
                     </m:r>
                     <m:r>
-                      <a:rPr lang="en-US" sz="2000" b="1" i="1" smtClean="0">
+                      <a:rPr lang="en-US" sz="3000" b="1" i="1" smtClean="0">
                         <a:solidFill>
                           <a:srgbClr val="0070C0"/>
                         </a:solidFill>
@@ -8376,15 +11101,18 @@
                   </m:oMath>
                 </a14:m>
                 <a:r>
-                  <a:rPr lang="en-PH" sz="2000" dirty="0"/>
-                  <a:t>= 3.5</a:t>
+                  <a:rPr lang="en-PH" sz="3000" dirty="0">
+                    <a:latin typeface="Cambria Math" panose="02040503050406030204" pitchFamily="18" charset="0"/>
+                    <a:ea typeface="Cambria Math" panose="02040503050406030204" pitchFamily="18" charset="0"/>
+                  </a:rPr>
+                  <a:t>= 2</a:t>
                 </a:r>
               </a:p>
               <a:p>
                 <a14:m>
                   <m:oMath xmlns:m="http://schemas.openxmlformats.org/officeDocument/2006/math">
                     <m:r>
-                      <a:rPr lang="en-US" sz="2000" b="1" i="1" smtClean="0">
+                      <a:rPr lang="en-US" sz="3000" b="1" i="1" smtClean="0">
                         <a:solidFill>
                           <a:srgbClr val="FFC000"/>
                         </a:solidFill>
@@ -8394,51 +11122,57 @@
                       <m:t>𝝁</m:t>
                     </m:r>
                     <m:r>
-                      <a:rPr lang="en-US" sz="2000" b="0" i="1" smtClean="0">
+                      <a:rPr lang="en-US" sz="3000" b="0" i="1" smtClean="0">
                         <a:solidFill>
                           <a:srgbClr val="FFC000"/>
                         </a:solidFill>
                         <a:latin typeface="Cambria Math" panose="02040503050406030204" pitchFamily="18" charset="0"/>
+                        <a:ea typeface="Cambria Math" panose="02040503050406030204" pitchFamily="18" charset="0"/>
                       </a:rPr>
                       <m:t> </m:t>
                     </m:r>
                   </m:oMath>
                 </a14:m>
                 <a:r>
-                  <a:rPr lang="en-PH" sz="2000" dirty="0"/>
-                  <a:t>= 36.6 inches </a:t>
+                  <a:rPr lang="en-PH" sz="3000" dirty="0">
+                    <a:latin typeface="Cambria Math" panose="02040503050406030204" pitchFamily="18" charset="0"/>
+                    <a:ea typeface="Cambria Math" panose="02040503050406030204" pitchFamily="18" charset="0"/>
+                  </a:rPr>
+                  <a:t>= 64.8 inches </a:t>
                 </a:r>
               </a:p>
               <a:p>
                 <a14:m>
                   <m:oMath xmlns:m="http://schemas.openxmlformats.org/officeDocument/2006/math">
                     <m:r>
-                      <a:rPr lang="en-US" sz="2000" b="1" i="1" smtClean="0">
+                      <a:rPr lang="en-US" sz="3000" b="1" i="1" smtClean="0">
                         <a:solidFill>
                           <a:srgbClr val="FF0000"/>
                         </a:solidFill>
                         <a:latin typeface="Cambria Math" panose="02040503050406030204" pitchFamily="18" charset="0"/>
+                        <a:ea typeface="Cambria Math" panose="02040503050406030204" pitchFamily="18" charset="0"/>
                       </a:rPr>
                       <m:t>𝒏</m:t>
                     </m:r>
                     <m:r>
-                      <a:rPr lang="en-US" sz="2000" b="1" i="1" smtClean="0">
+                      <a:rPr lang="en-US" sz="3000" b="1" i="1" smtClean="0">
                         <a:solidFill>
                           <a:srgbClr val="FF0000"/>
                         </a:solidFill>
                         <a:latin typeface="Cambria Math" panose="02040503050406030204" pitchFamily="18" charset="0"/>
+                        <a:ea typeface="Cambria Math" panose="02040503050406030204" pitchFamily="18" charset="0"/>
                       </a:rPr>
                       <m:t> </m:t>
                     </m:r>
                   </m:oMath>
                 </a14:m>
                 <a:r>
-                  <a:rPr lang="en-PH" sz="2000" dirty="0"/>
-                  <a:t>= 16</a:t>
+                  <a:rPr lang="en-PH" sz="3000" dirty="0">
+                    <a:latin typeface="Cambria Math" panose="02040503050406030204" pitchFamily="18" charset="0"/>
+                    <a:ea typeface="Cambria Math" panose="02040503050406030204" pitchFamily="18" charset="0"/>
+                  </a:rPr>
+                  <a:t>= 100	</a:t>
                 </a:r>
-              </a:p>
-              <a:p>
-                <a:endParaRPr lang="en-PH" sz="2000" dirty="0"/>
               </a:p>
               <a:p>
                 <a:pPr/>
@@ -8449,21 +11183,21 @@
                     </m:oMathParaPr>
                     <m:oMath xmlns:m="http://schemas.openxmlformats.org/officeDocument/2006/math">
                       <m:r>
-                        <a:rPr lang="en-US" sz="2000" b="0" i="1" smtClean="0">
+                        <a:rPr lang="en-US" sz="3000" b="0" i="1" smtClean="0">
                           <a:latin typeface="Cambria Math" panose="02040503050406030204" pitchFamily="18" charset="0"/>
                           <a:ea typeface="Cambria Math" panose="02040503050406030204" pitchFamily="18" charset="0"/>
                         </a:rPr>
                         <m:t>𝑧</m:t>
                       </m:r>
                       <m:r>
-                        <a:rPr lang="en-PH" sz="2000" i="1" smtClean="0">
+                        <a:rPr lang="en-PH" sz="3000" i="1" smtClean="0">
                           <a:latin typeface="Cambria Math" panose="02040503050406030204" pitchFamily="18" charset="0"/>
                           <a:ea typeface="Cambria Math" panose="02040503050406030204" pitchFamily="18" charset="0"/>
                         </a:rPr>
                         <m:t>=</m:t>
                       </m:r>
                       <m:r>
-                        <a:rPr lang="en-US" sz="2000" b="0" i="1" smtClean="0">
+                        <a:rPr lang="en-US" sz="3000" b="0" i="1" smtClean="0">
                           <a:latin typeface="Cambria Math" panose="02040503050406030204" pitchFamily="18" charset="0"/>
                           <a:ea typeface="Cambria Math" panose="02040503050406030204" pitchFamily="18" charset="0"/>
                         </a:rPr>
@@ -8472,7 +11206,7 @@
                       <m:f>
                         <m:fPr>
                           <m:ctrlPr>
-                            <a:rPr lang="en-US" sz="2000" b="0" i="1" smtClean="0">
+                            <a:rPr lang="en-US" sz="3000" b="0" i="1" smtClean="0">
                               <a:latin typeface="Cambria Math" panose="02040503050406030204" pitchFamily="18" charset="0"/>
                               <a:ea typeface="Cambria Math" panose="02040503050406030204" pitchFamily="18" charset="0"/>
                             </a:rPr>
@@ -8480,46 +11214,58 @@
                         </m:fPr>
                         <m:num>
                           <m:r>
-                            <a:rPr lang="en-US" sz="2000" b="1" i="1" smtClean="0">
+                            <a:rPr lang="en-US" sz="3000" b="1" i="1" smtClean="0">
+                              <a:solidFill>
+                                <a:srgbClr val="7030A0"/>
+                              </a:solidFill>
                               <a:latin typeface="Cambria Math" panose="02040503050406030204" pitchFamily="18" charset="0"/>
                               <a:ea typeface="Cambria Math" panose="02040503050406030204" pitchFamily="18" charset="0"/>
                             </a:rPr>
-                            <m:t>𝟖𝟒</m:t>
+                            <m:t>𝟔𝟔</m:t>
                           </m:r>
                           <m:r>
-                            <a:rPr lang="en-US" sz="2000" b="0" i="1" smtClean="0">
+                            <a:rPr lang="en-US" sz="3000" b="0" i="1" smtClean="0">
                               <a:latin typeface="Cambria Math" panose="02040503050406030204" pitchFamily="18" charset="0"/>
                               <a:ea typeface="Cambria Math" panose="02040503050406030204" pitchFamily="18" charset="0"/>
                             </a:rPr>
                             <m:t>−</m:t>
                           </m:r>
                           <m:r>
-                            <a:rPr lang="en-US" sz="2000" b="1" i="1" smtClean="0">
+                            <a:rPr lang="en-US" sz="3000" b="1" i="1" smtClean="0">
+                              <a:solidFill>
+                                <a:srgbClr val="FFC000"/>
+                              </a:solidFill>
                               <a:latin typeface="Cambria Math" panose="02040503050406030204" pitchFamily="18" charset="0"/>
                               <a:ea typeface="Cambria Math" panose="02040503050406030204" pitchFamily="18" charset="0"/>
                             </a:rPr>
-                            <m:t>𝟔𝟑</m:t>
+                            <m:t>𝟔𝟒</m:t>
                           </m:r>
                           <m:r>
-                            <a:rPr lang="en-US" sz="2000" b="1" i="1" smtClean="0">
+                            <a:rPr lang="en-US" sz="3000" b="1" i="1" smtClean="0">
+                              <a:solidFill>
+                                <a:srgbClr val="FFC000"/>
+                              </a:solidFill>
                               <a:latin typeface="Cambria Math" panose="02040503050406030204" pitchFamily="18" charset="0"/>
                               <a:ea typeface="Cambria Math" panose="02040503050406030204" pitchFamily="18" charset="0"/>
                             </a:rPr>
                             <m:t>.</m:t>
                           </m:r>
                           <m:r>
-                            <a:rPr lang="en-US" sz="2000" b="1" i="1" smtClean="0">
+                            <a:rPr lang="en-US" sz="3000" b="1" i="1" smtClean="0">
+                              <a:solidFill>
+                                <a:srgbClr val="FFC000"/>
+                              </a:solidFill>
                               <a:latin typeface="Cambria Math" panose="02040503050406030204" pitchFamily="18" charset="0"/>
                               <a:ea typeface="Cambria Math" panose="02040503050406030204" pitchFamily="18" charset="0"/>
                             </a:rPr>
-                            <m:t>𝟔</m:t>
+                            <m:t>𝟖</m:t>
                           </m:r>
                         </m:num>
                         <m:den>
                           <m:f>
                             <m:fPr>
                               <m:ctrlPr>
-                                <a:rPr lang="en-US" sz="2000" b="0" i="1" smtClean="0">
+                                <a:rPr lang="en-US" sz="3000" b="0" i="1" smtClean="0">
                                   <a:latin typeface="Cambria Math" panose="02040503050406030204" pitchFamily="18" charset="0"/>
                                   <a:ea typeface="Cambria Math" panose="02040503050406030204" pitchFamily="18" charset="0"/>
                                 </a:rPr>
@@ -8527,25 +11273,14 @@
                             </m:fPr>
                             <m:num>
                               <m:r>
-                                <a:rPr lang="en-US" sz="2000" b="1" i="1" smtClean="0">
+                                <a:rPr lang="en-US" sz="3000" b="1" i="1" smtClean="0">
+                                  <a:solidFill>
+                                    <a:srgbClr val="0070C0"/>
+                                  </a:solidFill>
                                   <a:latin typeface="Cambria Math" panose="02040503050406030204" pitchFamily="18" charset="0"/>
                                   <a:ea typeface="Cambria Math" panose="02040503050406030204" pitchFamily="18" charset="0"/>
                                 </a:rPr>
-                                <m:t>𝟑</m:t>
-                              </m:r>
-                              <m:r>
-                                <a:rPr lang="en-US" sz="2000" b="1" i="1" smtClean="0">
-                                  <a:latin typeface="Cambria Math" panose="02040503050406030204" pitchFamily="18" charset="0"/>
-                                  <a:ea typeface="Cambria Math" panose="02040503050406030204" pitchFamily="18" charset="0"/>
-                                </a:rPr>
-                                <m:t>.</m:t>
-                              </m:r>
-                              <m:r>
-                                <a:rPr lang="en-US" sz="2000" b="1" i="1" smtClean="0">
-                                  <a:latin typeface="Cambria Math" panose="02040503050406030204" pitchFamily="18" charset="0"/>
-                                  <a:ea typeface="Cambria Math" panose="02040503050406030204" pitchFamily="18" charset="0"/>
-                                </a:rPr>
-                                <m:t>𝟓</m:t>
+                                <m:t>𝟐</m:t>
                               </m:r>
                             </m:num>
                             <m:den>
@@ -8553,7 +11288,7 @@
                                 <m:radPr>
                                   <m:degHide m:val="on"/>
                                   <m:ctrlPr>
-                                    <a:rPr lang="en-US" sz="2000" b="0" i="1" smtClean="0">
+                                    <a:rPr lang="en-US" sz="3000" b="0" i="1" smtClean="0">
                                       <a:latin typeface="Cambria Math" panose="02040503050406030204" pitchFamily="18" charset="0"/>
                                       <a:ea typeface="Cambria Math" panose="02040503050406030204" pitchFamily="18" charset="0"/>
                                     </a:rPr>
@@ -8562,11 +11297,14 @@
                                 <m:deg/>
                                 <m:e>
                                   <m:r>
-                                    <a:rPr lang="en-US" sz="2000" b="1" i="1" smtClean="0">
+                                    <a:rPr lang="en-US" sz="3000" b="1" i="1" smtClean="0">
+                                      <a:solidFill>
+                                        <a:srgbClr val="FF0000"/>
+                                      </a:solidFill>
                                       <a:latin typeface="Cambria Math" panose="02040503050406030204" pitchFamily="18" charset="0"/>
                                       <a:ea typeface="Cambria Math" panose="02040503050406030204" pitchFamily="18" charset="0"/>
                                     </a:rPr>
-                                    <m:t>𝟏𝟔</m:t>
+                                    <m:t>𝟏𝟎𝟎</m:t>
                                   </m:r>
                                 </m:e>
                               </m:rad>
@@ -8577,17 +11315,13 @@
                     </m:oMath>
                   </m:oMathPara>
                 </a14:m>
-                <a:endParaRPr lang="en-US" sz="2000" b="0" dirty="0">
-                  <a:solidFill>
-                    <a:srgbClr val="FF0000"/>
-                  </a:solidFill>
+                <a:endParaRPr lang="en-US" sz="3000" b="0" dirty="0">
                   <a:latin typeface="Cambria Math" panose="02040503050406030204" pitchFamily="18" charset="0"/>
                   <a:ea typeface="Cambria Math" panose="02040503050406030204" pitchFamily="18" charset="0"/>
                 </a:endParaRPr>
               </a:p>
               <a:p>
-                <a:pPr/>
-                <a:endParaRPr lang="en-US" sz="2000" b="0" dirty="0">
+                <a:endParaRPr lang="en-US" sz="3000" b="0" dirty="0">
                   <a:solidFill>
                     <a:srgbClr val="FF0000"/>
                   </a:solidFill>
@@ -8604,82 +11338,7 @@
                     </m:oMathParaPr>
                     <m:oMath xmlns:m="http://schemas.openxmlformats.org/officeDocument/2006/math">
                       <m:r>
-                        <a:rPr lang="en-US" sz="2000" b="0" i="1" smtClean="0">
-                          <a:latin typeface="Cambria Math" panose="02040503050406030204" pitchFamily="18" charset="0"/>
-                          <a:ea typeface="Cambria Math" panose="02040503050406030204" pitchFamily="18" charset="0"/>
-                        </a:rPr>
-                        <m:t>𝑧</m:t>
-                      </m:r>
-                      <m:r>
-                        <a:rPr lang="en-PH" sz="2000" i="1" smtClean="0">
-                          <a:latin typeface="Cambria Math" panose="02040503050406030204" pitchFamily="18" charset="0"/>
-                          <a:ea typeface="Cambria Math" panose="02040503050406030204" pitchFamily="18" charset="0"/>
-                        </a:rPr>
-                        <m:t>=</m:t>
-                      </m:r>
-                      <m:r>
-                        <a:rPr lang="en-US" sz="2000" b="0" i="1" smtClean="0">
-                          <a:latin typeface="Cambria Math" panose="02040503050406030204" pitchFamily="18" charset="0"/>
-                          <a:ea typeface="Cambria Math" panose="02040503050406030204" pitchFamily="18" charset="0"/>
-                        </a:rPr>
-                        <m:t> </m:t>
-                      </m:r>
-                      <m:f>
-                        <m:fPr>
-                          <m:ctrlPr>
-                            <a:rPr lang="en-US" sz="2000" b="0" i="1" smtClean="0">
-                              <a:latin typeface="Cambria Math" panose="02040503050406030204" pitchFamily="18" charset="0"/>
-                              <a:ea typeface="Cambria Math" panose="02040503050406030204" pitchFamily="18" charset="0"/>
-                            </a:rPr>
-                          </m:ctrlPr>
-                        </m:fPr>
-                        <m:num>
-                          <m:r>
-                            <a:rPr lang="en-US" sz="2000" b="0" i="1" smtClean="0">
-                              <a:latin typeface="Cambria Math" panose="02040503050406030204" pitchFamily="18" charset="0"/>
-                              <a:ea typeface="Cambria Math" panose="02040503050406030204" pitchFamily="18" charset="0"/>
-                            </a:rPr>
-                            <m:t>20.4</m:t>
-                          </m:r>
-                        </m:num>
-                        <m:den>
-                          <m:r>
-                            <a:rPr lang="en-US" sz="2000" b="0" i="1" smtClean="0">
-                              <a:latin typeface="Cambria Math" panose="02040503050406030204" pitchFamily="18" charset="0"/>
-                              <a:ea typeface="Cambria Math" panose="02040503050406030204" pitchFamily="18" charset="0"/>
-                            </a:rPr>
-                            <m:t>0.875</m:t>
-                          </m:r>
-                        </m:den>
-                      </m:f>
-                    </m:oMath>
-                  </m:oMathPara>
-                </a14:m>
-                <a:endParaRPr lang="en-US" sz="2000" b="0" dirty="0">
-                  <a:latin typeface="Cambria Math" panose="02040503050406030204" pitchFamily="18" charset="0"/>
-                  <a:ea typeface="Cambria Math" panose="02040503050406030204" pitchFamily="18" charset="0"/>
-                </a:endParaRPr>
-              </a:p>
-              <a:p>
-                <a:pPr/>
-                <a:endParaRPr lang="en-US" sz="2000" b="0" dirty="0">
-                  <a:solidFill>
-                    <a:srgbClr val="FF0000"/>
-                  </a:solidFill>
-                  <a:latin typeface="Cambria Math" panose="02040503050406030204" pitchFamily="18" charset="0"/>
-                  <a:ea typeface="Cambria Math" panose="02040503050406030204" pitchFamily="18" charset="0"/>
-                </a:endParaRPr>
-              </a:p>
-              <a:p>
-                <a:pPr/>
-                <a14:m>
-                  <m:oMathPara xmlns:m="http://schemas.openxmlformats.org/officeDocument/2006/math">
-                    <m:oMathParaPr>
-                      <m:jc m:val="centerGroup"/>
-                    </m:oMathParaPr>
-                    <m:oMath xmlns:m="http://schemas.openxmlformats.org/officeDocument/2006/math">
-                      <m:r>
-                        <a:rPr lang="en-US" sz="4000" b="1" i="1" smtClean="0">
+                        <a:rPr lang="en-US" sz="3000" b="1" i="1" smtClean="0">
                           <a:solidFill>
                             <a:srgbClr val="00B050"/>
                           </a:solidFill>
@@ -8689,7 +11348,7 @@
                         <m:t>𝒛</m:t>
                       </m:r>
                       <m:r>
-                        <a:rPr lang="en-PH" sz="4000" b="1" i="1" smtClean="0">
+                        <a:rPr lang="en-PH" sz="3000" b="1" i="1" smtClean="0">
                           <a:solidFill>
                             <a:srgbClr val="00B050"/>
                           </a:solidFill>
@@ -8699,17 +11358,17 @@
                         <m:t>=</m:t>
                       </m:r>
                       <m:r>
-                        <a:rPr lang="en-US" sz="4000" b="1" i="1" smtClean="0">
+                        <a:rPr lang="en-US" sz="3000" b="1" i="1" smtClean="0">
                           <a:solidFill>
                             <a:srgbClr val="00B050"/>
                           </a:solidFill>
                           <a:latin typeface="Cambria Math" panose="02040503050406030204" pitchFamily="18" charset="0"/>
                           <a:ea typeface="Cambria Math" panose="02040503050406030204" pitchFamily="18" charset="0"/>
                         </a:rPr>
-                        <m:t>𝟐𝟑</m:t>
+                        <m:t>𝟔</m:t>
                       </m:r>
                       <m:r>
-                        <a:rPr lang="en-US" sz="4000" b="1" i="1" smtClean="0">
+                        <a:rPr lang="en-US" sz="3000" b="1" i="1" smtClean="0">
                           <a:solidFill>
                             <a:srgbClr val="00B050"/>
                           </a:solidFill>
@@ -8719,37 +11378,33 @@
                         <m:t>.</m:t>
                       </m:r>
                       <m:r>
-                        <a:rPr lang="en-US" sz="4000" b="1" i="1" smtClean="0">
+                        <a:rPr lang="en-US" sz="3000" b="1" i="1" smtClean="0">
                           <a:solidFill>
                             <a:srgbClr val="00B050"/>
                           </a:solidFill>
                           <a:latin typeface="Cambria Math" panose="02040503050406030204" pitchFamily="18" charset="0"/>
                           <a:ea typeface="Cambria Math" panose="02040503050406030204" pitchFamily="18" charset="0"/>
                         </a:rPr>
-                        <m:t>𝟑𝟏𝟒</m:t>
+                        <m:t>𝟎𝟎</m:t>
                       </m:r>
                     </m:oMath>
                   </m:oMathPara>
                 </a14:m>
-                <a:endParaRPr lang="en-US" sz="4000" b="1" dirty="0">
-                  <a:solidFill>
-                    <a:srgbClr val="00B050"/>
-                  </a:solidFill>
+                <a:endParaRPr lang="en-US" sz="3000" b="0" dirty="0">
                   <a:latin typeface="Cambria Math" panose="02040503050406030204" pitchFamily="18" charset="0"/>
                   <a:ea typeface="Cambria Math" panose="02040503050406030204" pitchFamily="18" charset="0"/>
                 </a:endParaRPr>
               </a:p>
               <a:p>
-                <a:pPr/>
-                <a:endParaRPr lang="en-US" sz="4000" b="0" dirty="0"/>
-              </a:p>
-              <a:p>
-                <a:endParaRPr lang="en-PH" sz="2000" dirty="0"/>
+                <a:endParaRPr lang="en-PH" sz="3000" dirty="0">
+                  <a:latin typeface="Cambria Math" panose="02040503050406030204" pitchFamily="18" charset="0"/>
+                  <a:ea typeface="Cambria Math" panose="02040503050406030204" pitchFamily="18" charset="0"/>
+                </a:endParaRPr>
               </a:p>
             </p:txBody>
           </p:sp>
         </mc:Choice>
-        <mc:Fallback>
+        <mc:Fallback xmlns="">
           <p:sp>
             <p:nvSpPr>
               <p:cNvPr id="4" name="TextBox 3">
@@ -8767,7 +11422,7 @@
             <p:spPr>
               <a:xfrm>
                 <a:off x="639918" y="1354768"/>
-                <a:ext cx="10912162" cy="5280869"/>
+                <a:ext cx="10912162" cy="4690130"/>
               </a:xfrm>
               <a:prstGeom prst="rect">
                 <a:avLst/>
@@ -8775,7 +11430,7 @@
               <a:blipFill>
                 <a:blip r:embed="rId4"/>
                 <a:stretch>
-                  <a:fillRect t="-480"/>
+                  <a:fillRect l="-349" t="-1617"/>
                 </a:stretch>
               </a:blipFill>
             </p:spPr>
@@ -8807,7 +11462,7 @@
 </p:sld>
 </file>
 
-<file path=ppt/slides/slide19.xml><?xml version="1.0" encoding="utf-8"?>
+<file path=ppt/slides/slide24.xml><?xml version="1.0" encoding="utf-8"?>
 <p:sld xmlns:a="http://schemas.openxmlformats.org/drawingml/2006/main" xmlns:r="http://schemas.openxmlformats.org/officeDocument/2006/relationships" xmlns:p="http://schemas.openxmlformats.org/presentationml/2006/main">
   <p:cSld>
     <p:bg>
@@ -8939,11 +11594,20 @@
           </a:bodyPr>
           <a:lstStyle/>
           <a:p>
-            <a:r>
-              <a:rPr lang="en-US" sz="5000" b="1" dirty="0"/>
-              <a:t>Step 2: Get the p-value</a:t>
-            </a:r>
-            <a:endParaRPr lang="en-PH" sz="5000" b="1" dirty="0"/>
+            <a:pPr algn="l"/>
+            <a:r>
+              <a:rPr lang="en-US" sz="3500" b="1" dirty="0"/>
+              <a:t>Step 4: </a:t>
+            </a:r>
+            <a:r>
+              <a:rPr lang="en-PH" sz="3500" b="1" i="0" u="none" strike="noStrike" dirty="0">
+                <a:solidFill>
+                  <a:srgbClr val="272C37"/>
+                </a:solidFill>
+                <a:effectLst/>
+              </a:rPr>
+              <a:t>Determine Rejection Of Your Null Hypothesis</a:t>
+            </a:r>
           </a:p>
         </p:txBody>
       </p:sp>
@@ -8989,170 +11653,167 @@
           </a:p>
         </p:txBody>
       </p:sp>
-      <mc:AlternateContent xmlns:mc="http://schemas.openxmlformats.org/markup-compatibility/2006">
-        <mc:Choice xmlns:a14="http://schemas.microsoft.com/office/drawing/2010/main" Requires="a14">
-          <p:sp>
-            <p:nvSpPr>
-              <p:cNvPr id="4" name="TextBox 3">
-                <a:extLst>
-                  <a:ext uri="{FF2B5EF4-FFF2-40B4-BE49-F238E27FC236}">
-                    <a16:creationId xmlns:a16="http://schemas.microsoft.com/office/drawing/2014/main" id="{4203C0C4-7C82-D208-A8B3-1AE6E9099A3C}"/>
-                  </a:ext>
-                </a:extLst>
-              </p:cNvPr>
-              <p:cNvSpPr txBox="1"/>
-              <p:nvPr/>
-            </p:nvSpPr>
-            <p:spPr>
-              <a:xfrm>
-                <a:off x="639918" y="1354768"/>
-                <a:ext cx="10912162" cy="2554545"/>
-              </a:xfrm>
-              <a:prstGeom prst="rect">
-                <a:avLst/>
-              </a:prstGeom>
-              <a:noFill/>
-            </p:spPr>
-            <p:txBody>
-              <a:bodyPr wrap="square" rtlCol="0">
-                <a:spAutoFit/>
-              </a:bodyPr>
-              <a:lstStyle/>
-              <a:p>
-                <a:endParaRPr lang="en-US" sz="2000" b="0" dirty="0">
-                  <a:solidFill>
-                    <a:srgbClr val="FF0000"/>
-                  </a:solidFill>
-                  <a:latin typeface="Cambria Math" panose="02040503050406030204" pitchFamily="18" charset="0"/>
-                  <a:ea typeface="Cambria Math" panose="02040503050406030204" pitchFamily="18" charset="0"/>
-                </a:endParaRPr>
-              </a:p>
-              <a:p>
-                <a:pPr/>
-                <a14:m>
-                  <m:oMathPara xmlns:m="http://schemas.openxmlformats.org/officeDocument/2006/math">
-                    <m:oMathParaPr>
-                      <m:jc m:val="centerGroup"/>
-                    </m:oMathParaPr>
-                    <m:oMath xmlns:m="http://schemas.openxmlformats.org/officeDocument/2006/math">
-                      <m:r>
-                        <a:rPr lang="en-US" sz="4000" b="1" i="1" smtClean="0">
-                          <a:solidFill>
-                            <a:srgbClr val="00B050"/>
-                          </a:solidFill>
-                          <a:latin typeface="Cambria Math" panose="02040503050406030204" pitchFamily="18" charset="0"/>
-                          <a:ea typeface="Cambria Math" panose="02040503050406030204" pitchFamily="18" charset="0"/>
-                        </a:rPr>
-                        <m:t>𝒛</m:t>
-                      </m:r>
-                      <m:r>
-                        <a:rPr lang="en-PH" sz="4000" b="1" i="1" smtClean="0">
-                          <a:solidFill>
-                            <a:srgbClr val="00B050"/>
-                          </a:solidFill>
-                          <a:latin typeface="Cambria Math" panose="02040503050406030204" pitchFamily="18" charset="0"/>
-                          <a:ea typeface="Cambria Math" panose="02040503050406030204" pitchFamily="18" charset="0"/>
-                        </a:rPr>
-                        <m:t>=</m:t>
-                      </m:r>
-                      <m:r>
-                        <a:rPr lang="en-US" sz="4000" b="1" i="1" smtClean="0">
-                          <a:solidFill>
-                            <a:srgbClr val="00B050"/>
-                          </a:solidFill>
-                          <a:latin typeface="Cambria Math" panose="02040503050406030204" pitchFamily="18" charset="0"/>
-                          <a:ea typeface="Cambria Math" panose="02040503050406030204" pitchFamily="18" charset="0"/>
-                        </a:rPr>
-                        <m:t>𝟐𝟑</m:t>
-                      </m:r>
-                      <m:r>
-                        <a:rPr lang="en-US" sz="4000" b="1" i="1" smtClean="0">
-                          <a:solidFill>
-                            <a:srgbClr val="00B050"/>
-                          </a:solidFill>
-                          <a:latin typeface="Cambria Math" panose="02040503050406030204" pitchFamily="18" charset="0"/>
-                          <a:ea typeface="Cambria Math" panose="02040503050406030204" pitchFamily="18" charset="0"/>
-                        </a:rPr>
-                        <m:t>.</m:t>
-                      </m:r>
-                      <m:r>
-                        <a:rPr lang="en-US" sz="4000" b="1" i="1" smtClean="0">
-                          <a:solidFill>
-                            <a:srgbClr val="00B050"/>
-                          </a:solidFill>
-                          <a:latin typeface="Cambria Math" panose="02040503050406030204" pitchFamily="18" charset="0"/>
-                          <a:ea typeface="Cambria Math" panose="02040503050406030204" pitchFamily="18" charset="0"/>
-                        </a:rPr>
-                        <m:t>𝟑𝟏𝟒</m:t>
-                      </m:r>
-                    </m:oMath>
-                  </m:oMathPara>
-                </a14:m>
-                <a:endParaRPr lang="en-US" sz="4000" b="1" dirty="0">
-                  <a:solidFill>
-                    <a:srgbClr val="00B050"/>
-                  </a:solidFill>
-                  <a:latin typeface="Cambria Math" panose="02040503050406030204" pitchFamily="18" charset="0"/>
-                  <a:ea typeface="Cambria Math" panose="02040503050406030204" pitchFamily="18" charset="0"/>
-                </a:endParaRPr>
-              </a:p>
-              <a:p>
-                <a:endParaRPr lang="en-US" sz="4000" b="0"/>
-              </a:p>
-              <a:p>
-                <a:endParaRPr lang="en-US" sz="4000" b="0" dirty="0"/>
-              </a:p>
-              <a:p>
-                <a:endParaRPr lang="en-PH" sz="2000" dirty="0"/>
-              </a:p>
-            </p:txBody>
-          </p:sp>
-        </mc:Choice>
-        <mc:Fallback>
-          <p:sp>
-            <p:nvSpPr>
-              <p:cNvPr id="4" name="TextBox 3">
-                <a:extLst>
-                  <a:ext uri="{FF2B5EF4-FFF2-40B4-BE49-F238E27FC236}">
-                    <a16:creationId xmlns:a16="http://schemas.microsoft.com/office/drawing/2014/main" id="{4203C0C4-7C82-D208-A8B3-1AE6E9099A3C}"/>
-                  </a:ext>
-                </a:extLst>
-              </p:cNvPr>
-              <p:cNvSpPr txBox="1">
-                <a:spLocks noRot="1" noChangeAspect="1" noMove="1" noResize="1" noEditPoints="1" noAdjustHandles="1" noChangeArrowheads="1" noChangeShapeType="1" noTextEdit="1"/>
-              </p:cNvSpPr>
-              <p:nvPr/>
-            </p:nvSpPr>
-            <p:spPr>
-              <a:xfrm>
-                <a:off x="639918" y="1354768"/>
-                <a:ext cx="10912162" cy="2554545"/>
-              </a:xfrm>
-              <a:prstGeom prst="rect">
-                <a:avLst/>
-              </a:prstGeom>
-              <a:blipFill>
-                <a:blip r:embed="rId4"/>
-                <a:stretch>
-                  <a:fillRect/>
-                </a:stretch>
-              </a:blipFill>
-            </p:spPr>
-            <p:txBody>
-              <a:bodyPr/>
-              <a:lstStyle/>
-              <a:p>
-                <a:r>
-                  <a:rPr lang="en-US">
-                    <a:noFill/>
-                  </a:rPr>
-                  <a:t> </a:t>
-                </a:r>
-              </a:p>
-            </p:txBody>
-          </p:sp>
-        </mc:Fallback>
-      </mc:AlternateContent>
+      <p:sp>
+        <p:nvSpPr>
+          <p:cNvPr id="6" name="TextBox 5">
+            <a:extLst>
+              <a:ext uri="{FF2B5EF4-FFF2-40B4-BE49-F238E27FC236}">
+                <a16:creationId xmlns:a16="http://schemas.microsoft.com/office/drawing/2014/main" id="{CC78F53B-24F1-300B-1CC2-4CFB2B613806}"/>
+              </a:ext>
+            </a:extLst>
+          </p:cNvPr>
+          <p:cNvSpPr txBox="1"/>
+          <p:nvPr/>
+        </p:nvSpPr>
+        <p:spPr>
+          <a:xfrm>
+            <a:off x="429109" y="1271623"/>
+            <a:ext cx="11333779" cy="5170646"/>
+          </a:xfrm>
+          <a:prstGeom prst="rect">
+            <a:avLst/>
+          </a:prstGeom>
+          <a:noFill/>
+        </p:spPr>
+        <p:txBody>
+          <a:bodyPr wrap="square" rtlCol="0">
+            <a:spAutoFit/>
+          </a:bodyPr>
+          <a:lstStyle/>
+          <a:p>
+            <a:pPr algn="l"/>
+            <a:r>
+              <a:rPr lang="en-PH" sz="3000" dirty="0"/>
+              <a:t>A </a:t>
+            </a:r>
+            <a:r>
+              <a:rPr lang="en-PH" sz="3000" b="1" dirty="0"/>
+              <a:t>p-value </a:t>
+            </a:r>
+            <a:r>
+              <a:rPr lang="en-PH" sz="3000" dirty="0"/>
+              <a:t>is</a:t>
+            </a:r>
+            <a:r>
+              <a:rPr lang="en-PH" sz="3000" b="1" dirty="0"/>
+              <a:t> </a:t>
+            </a:r>
+            <a:r>
+              <a:rPr lang="en-PH" sz="3000" dirty="0"/>
+              <a:t>used in hypothesis testing to help you </a:t>
+            </a:r>
+            <a:r>
+              <a:rPr lang="en-PH" sz="3000" b="1" dirty="0">
+                <a:solidFill>
+                  <a:srgbClr val="00B050"/>
+                </a:solidFill>
+              </a:rPr>
+              <a:t>support</a:t>
+            </a:r>
+            <a:r>
+              <a:rPr lang="en-PH" sz="3000" dirty="0"/>
+              <a:t> or </a:t>
+            </a:r>
+            <a:r>
+              <a:rPr lang="en-PH" sz="3000" b="1" dirty="0">
+                <a:solidFill>
+                  <a:srgbClr val="FF0000"/>
+                </a:solidFill>
+              </a:rPr>
+              <a:t>reject</a:t>
+            </a:r>
+            <a:r>
+              <a:rPr lang="en-PH" sz="3000" dirty="0"/>
+              <a:t> the </a:t>
+            </a:r>
+            <a:r>
+              <a:rPr lang="en-PH" sz="3000" b="1" dirty="0">
+                <a:solidFill>
+                  <a:srgbClr val="00B0F0"/>
+                </a:solidFill>
+              </a:rPr>
+              <a:t>null hypothesis</a:t>
+            </a:r>
+            <a:r>
+              <a:rPr lang="en-PH" sz="3000" dirty="0"/>
+              <a:t>. </a:t>
+            </a:r>
+          </a:p>
+          <a:p>
+            <a:pPr algn="l"/>
+            <a:endParaRPr lang="en-PH" sz="3000" dirty="0"/>
+          </a:p>
+          <a:p>
+            <a:pPr algn="l"/>
+            <a:r>
+              <a:rPr lang="en-PH" sz="3000" dirty="0"/>
+              <a:t>The </a:t>
+            </a:r>
+            <a:r>
+              <a:rPr lang="en-PH" sz="3000" b="1" dirty="0"/>
+              <a:t>p-value</a:t>
+            </a:r>
+            <a:r>
+              <a:rPr lang="en-PH" sz="3000" dirty="0"/>
+              <a:t> is the evidence against a null hypothesis. </a:t>
+            </a:r>
+            <a:r>
+              <a:rPr lang="en-PH" sz="3000" b="1" dirty="0">
+                <a:solidFill>
+                  <a:srgbClr val="00B0F0"/>
+                </a:solidFill>
+              </a:rPr>
+              <a:t>The smaller the p-value</a:t>
+            </a:r>
+            <a:r>
+              <a:rPr lang="en-PH" sz="3000" dirty="0"/>
+              <a:t>, the stronger the evidence that you should </a:t>
+            </a:r>
+            <a:r>
+              <a:rPr lang="en-PH" sz="3000" b="1" dirty="0">
+                <a:solidFill>
+                  <a:srgbClr val="FF0000"/>
+                </a:solidFill>
+              </a:rPr>
+              <a:t>reject the null hypothesis</a:t>
+            </a:r>
+            <a:r>
+              <a:rPr lang="en-PH" sz="3000" dirty="0"/>
+              <a:t>.</a:t>
+            </a:r>
+          </a:p>
+          <a:p>
+            <a:pPr algn="l"/>
+            <a:endParaRPr lang="en-PH" sz="3000" dirty="0"/>
+          </a:p>
+          <a:p>
+            <a:pPr algn="l"/>
+            <a:r>
+              <a:rPr lang="en-PH" sz="3000" dirty="0"/>
+              <a:t>p-values are expressed as decimals although it may be easier to understand what they are if you convert them to a percentage. For example, a p value of </a:t>
+            </a:r>
+            <a:r>
+              <a:rPr lang="en-PH" sz="3000" b="1" dirty="0"/>
+              <a:t>0.0254</a:t>
+            </a:r>
+            <a:r>
+              <a:rPr lang="en-PH" sz="3000" dirty="0"/>
+              <a:t> is </a:t>
+            </a:r>
+            <a:r>
+              <a:rPr lang="en-PH" sz="3000" b="1" dirty="0"/>
+              <a:t>2.54%</a:t>
+            </a:r>
+            <a:r>
+              <a:rPr lang="en-PH" sz="3000" dirty="0"/>
+              <a:t>.</a:t>
+            </a:r>
+          </a:p>
+          <a:p>
+            <a:endParaRPr lang="en-PH" sz="3000" dirty="0"/>
+          </a:p>
+        </p:txBody>
+      </p:sp>
     </p:spTree>
     <p:extLst>
       <p:ext uri="{BB962C8B-B14F-4D97-AF65-F5344CB8AC3E}">
@@ -9166,7 +11827,7 @@
 </p:sld>
 </file>
 
-<file path=ppt/slides/slide2.xml><?xml version="1.0" encoding="utf-8"?>
+<file path=ppt/slides/slide25.xml><?xml version="1.0" encoding="utf-8"?>
 <p:sld xmlns:a="http://schemas.openxmlformats.org/drawingml/2006/main" xmlns:r="http://schemas.openxmlformats.org/officeDocument/2006/relationships" xmlns:p="http://schemas.openxmlformats.org/presentationml/2006/main">
   <p:cSld>
     <p:bg>
@@ -9272,6 +11933,51 @@
       </p:sp>
       <p:sp>
         <p:nvSpPr>
+          <p:cNvPr id="38" name="Title 1">
+            <a:extLst>
+              <a:ext uri="{FF2B5EF4-FFF2-40B4-BE49-F238E27FC236}">
+                <a16:creationId xmlns:a16="http://schemas.microsoft.com/office/drawing/2014/main" id="{85194D96-4E26-6A5A-5AB5-02AFD53E7543}"/>
+              </a:ext>
+            </a:extLst>
+          </p:cNvPr>
+          <p:cNvSpPr>
+            <a:spLocks noGrp="1"/>
+          </p:cNvSpPr>
+          <p:nvPr>
+            <p:ph type="ctrTitle"/>
+          </p:nvPr>
+        </p:nvSpPr>
+        <p:spPr>
+          <a:xfrm>
+            <a:off x="1128386" y="415731"/>
+            <a:ext cx="9935227" cy="718459"/>
+          </a:xfrm>
+        </p:spPr>
+        <p:txBody>
+          <a:bodyPr>
+            <a:noAutofit/>
+          </a:bodyPr>
+          <a:lstStyle/>
+          <a:p>
+            <a:r>
+              <a:rPr lang="en-US" sz="3500" b="1" dirty="0"/>
+              <a:t>Step 4: </a:t>
+            </a:r>
+            <a:r>
+              <a:rPr lang="en-PH" sz="3500" b="1" i="0" u="none" strike="noStrike" dirty="0">
+                <a:solidFill>
+                  <a:srgbClr val="272C37"/>
+                </a:solidFill>
+                <a:effectLst/>
+              </a:rPr>
+              <a:t>Determine Rejection Of Your Null Hypothesis</a:t>
+            </a:r>
+            <a:endParaRPr lang="en-PH" sz="3500" b="1" dirty="0"/>
+          </a:p>
+        </p:txBody>
+      </p:sp>
+      <p:sp>
+        <p:nvSpPr>
           <p:cNvPr id="39" name="Footer Placeholder 3">
             <a:extLst>
               <a:ext uri="{FF2B5EF4-FFF2-40B4-BE49-F238E27FC236}">
@@ -9314,10 +12020,142 @@
       </p:sp>
       <p:sp>
         <p:nvSpPr>
-          <p:cNvPr id="2" name="Title 1">
-            <a:extLst>
-              <a:ext uri="{FF2B5EF4-FFF2-40B4-BE49-F238E27FC236}">
-                <a16:creationId xmlns:a16="http://schemas.microsoft.com/office/drawing/2014/main" id="{79EF1114-32BB-A28C-0B44-90073AA32F6C}"/>
+          <p:cNvPr id="4" name="TextBox 3">
+            <a:extLst>
+              <a:ext uri="{FF2B5EF4-FFF2-40B4-BE49-F238E27FC236}">
+                <a16:creationId xmlns:a16="http://schemas.microsoft.com/office/drawing/2014/main" id="{4203C0C4-7C82-D208-A8B3-1AE6E9099A3C}"/>
+              </a:ext>
+            </a:extLst>
+          </p:cNvPr>
+          <p:cNvSpPr txBox="1"/>
+          <p:nvPr/>
+        </p:nvSpPr>
+        <p:spPr>
+          <a:xfrm>
+            <a:off x="639917" y="1354768"/>
+            <a:ext cx="11333779" cy="2400657"/>
+          </a:xfrm>
+          <a:prstGeom prst="rect">
+            <a:avLst/>
+          </a:prstGeom>
+          <a:noFill/>
+        </p:spPr>
+        <p:txBody>
+          <a:bodyPr wrap="square" rtlCol="0">
+            <a:spAutoFit/>
+          </a:bodyPr>
+          <a:lstStyle/>
+          <a:p>
+            <a:pPr algn="l"/>
+            <a:r>
+              <a:rPr lang="en-PH" sz="3000" dirty="0"/>
+              <a:t>A </a:t>
+            </a:r>
+            <a:r>
+              <a:rPr lang="en-PH" sz="3000" b="1" dirty="0"/>
+              <a:t>small p (≤ 0.05), </a:t>
+            </a:r>
+            <a:r>
+              <a:rPr lang="en-PH" sz="3000" dirty="0"/>
+              <a:t>reject the </a:t>
+            </a:r>
+            <a:r>
+              <a:rPr lang="en-PH" sz="3000" b="1" dirty="0">
+                <a:solidFill>
+                  <a:srgbClr val="FF0000"/>
+                </a:solidFill>
+              </a:rPr>
+              <a:t>null hypothesis</a:t>
+            </a:r>
+            <a:r>
+              <a:rPr lang="en-PH" sz="3000" dirty="0"/>
+              <a:t>. This is strong evidence that the null hypothesis is invalid.</a:t>
+            </a:r>
+          </a:p>
+          <a:p>
+            <a:pPr algn="l"/>
+            <a:endParaRPr lang="en-PH" sz="3000" dirty="0"/>
+          </a:p>
+          <a:p>
+            <a:pPr algn="l"/>
+            <a:r>
+              <a:rPr lang="en-PH" sz="3000" dirty="0"/>
+              <a:t>A </a:t>
+            </a:r>
+            <a:r>
+              <a:rPr lang="en-PH" sz="3000" b="1" dirty="0"/>
+              <a:t>large p (&gt; 0.05) </a:t>
+            </a:r>
+            <a:r>
+              <a:rPr lang="en-PH" sz="3000" dirty="0"/>
+              <a:t>means the </a:t>
+            </a:r>
+            <a:r>
+              <a:rPr lang="en-PH" sz="3000" b="1" dirty="0">
+                <a:solidFill>
+                  <a:srgbClr val="00B050"/>
+                </a:solidFill>
+              </a:rPr>
+              <a:t>alternate hypothesis </a:t>
+            </a:r>
+            <a:r>
+              <a:rPr lang="en-PH" sz="3000" dirty="0"/>
+              <a:t>is weak, so you do not reject the null hypothesis.</a:t>
+            </a:r>
+          </a:p>
+        </p:txBody>
+      </p:sp>
+    </p:spTree>
+    <p:extLst>
+      <p:ext uri="{BB962C8B-B14F-4D97-AF65-F5344CB8AC3E}">
+        <p14:creationId xmlns:p14="http://schemas.microsoft.com/office/powerpoint/2010/main" val="1642260779"/>
+      </p:ext>
+    </p:extLst>
+  </p:cSld>
+  <p:clrMapOvr>
+    <a:masterClrMapping/>
+  </p:clrMapOvr>
+</p:sld>
+</file>
+
+<file path=ppt/slides/slide26.xml><?xml version="1.0" encoding="utf-8"?>
+<p:sld xmlns:a="http://schemas.openxmlformats.org/drawingml/2006/main" xmlns:r="http://schemas.openxmlformats.org/officeDocument/2006/relationships" xmlns:p="http://schemas.openxmlformats.org/presentationml/2006/main">
+  <p:cSld>
+    <p:bg>
+      <p:bgPr>
+        <a:blipFill dpi="0" rotWithShape="1">
+          <a:blip r:embed="rId3">
+            <a:alphaModFix amt="99000"/>
+            <a:lum/>
+          </a:blip>
+          <a:srcRect/>
+          <a:stretch>
+            <a:fillRect t="89000" r="85000" b="-1000"/>
+          </a:stretch>
+        </a:blipFill>
+        <a:effectLst/>
+      </p:bgPr>
+    </p:bg>
+    <p:spTree>
+      <p:nvGrpSpPr>
+        <p:cNvPr id="1" name=""/>
+        <p:cNvGrpSpPr/>
+        <p:nvPr/>
+      </p:nvGrpSpPr>
+      <p:grpSpPr>
+        <a:xfrm>
+          <a:off x="0" y="0"/>
+          <a:ext cx="0" cy="0"/>
+          <a:chOff x="0" y="0"/>
+          <a:chExt cx="0" cy="0"/>
+        </a:xfrm>
+      </p:grpSpPr>
+      <p:sp>
+        <p:nvSpPr>
+          <p:cNvPr id="5" name="Title 1">
+            <a:extLst>
+              <a:ext uri="{FF2B5EF4-FFF2-40B4-BE49-F238E27FC236}">
+                <a16:creationId xmlns:a16="http://schemas.microsoft.com/office/drawing/2014/main" id="{3444037F-B658-D82C-5DCA-53E8AA1493D7}"/>
               </a:ext>
             </a:extLst>
           </p:cNvPr>
@@ -9328,8 +12166,8 @@
         </p:nvSpPr>
         <p:spPr>
           <a:xfrm>
-            <a:off x="459205" y="1283707"/>
-            <a:ext cx="11273589" cy="4290585"/>
+            <a:off x="1524000" y="1516449"/>
+            <a:ext cx="9144000" cy="4290585"/>
           </a:xfrm>
           <a:prstGeom prst="rect">
             <a:avLst/>
@@ -9337,7 +12175,7 @@
         </p:spPr>
         <p:txBody>
           <a:bodyPr vert="horz" lIns="91440" tIns="45720" rIns="91440" bIns="45720" rtlCol="0" anchor="b">
-            <a:normAutofit fontScale="97500" lnSpcReduction="10000"/>
+            <a:normAutofit fontScale="97500"/>
           </a:bodyPr>
           <a:lstStyle>
             <a:lvl1pPr algn="ctr" defTabSz="914400" rtl="0" eaLnBrk="1" latinLnBrk="0" hangingPunct="1">
@@ -9360,214 +12198,36 @@
           </a:lstStyle>
           <a:p>
             <a:pPr algn="l"/>
-            <a:endParaRPr lang="en-US" sz="2900" b="1" i="0" dirty="0">
-              <a:solidFill>
-                <a:srgbClr val="252C33"/>
-              </a:solidFill>
-              <a:effectLst/>
-              <a:latin typeface="Calibri Light (Headings)"/>
-            </a:endParaRPr>
-          </a:p>
-          <a:p>
-            <a:pPr marL="457200" indent="-457200" algn="l">
-              <a:buFont typeface="Wingdings" pitchFamily="2" charset="2"/>
-              <a:buChar char="Ø"/>
-            </a:pPr>
-            <a:r>
-              <a:rPr lang="en-US" sz="2900" b="1" dirty="0">
-                <a:latin typeface="Calibri Light (Headings)"/>
-              </a:rPr>
-              <a:t>Why do we need to do Test of Significance?</a:t>
-            </a:r>
-          </a:p>
-          <a:p>
-            <a:pPr algn="l"/>
-            <a:endParaRPr lang="en-US" sz="2900" b="1" i="0" dirty="0">
-              <a:solidFill>
-                <a:schemeClr val="tx1">
-                  <a:lumMod val="50000"/>
-                  <a:lumOff val="50000"/>
-                </a:schemeClr>
-              </a:solidFill>
-              <a:effectLst/>
-              <a:latin typeface="Calibri Light (Headings)"/>
-            </a:endParaRPr>
-          </a:p>
-          <a:p>
-            <a:pPr marL="457200" indent="-457200" algn="l">
-              <a:buFont typeface="Wingdings" pitchFamily="2" charset="2"/>
-              <a:buChar char="Ø"/>
-            </a:pPr>
-            <a:r>
-              <a:rPr lang="en-US" sz="2900" b="1" i="0" dirty="0">
-                <a:solidFill>
-                  <a:schemeClr val="tx1">
-                    <a:lumMod val="50000"/>
-                    <a:lumOff val="50000"/>
-                  </a:schemeClr>
-                </a:solidFill>
-                <a:effectLst/>
-                <a:latin typeface="Calibri Light (Headings)"/>
-              </a:rPr>
-              <a:t>Parts of a Significance Tests</a:t>
-            </a:r>
-          </a:p>
-          <a:p>
-            <a:pPr marL="457200" indent="-457200" algn="l">
-              <a:buFont typeface="Wingdings" pitchFamily="2" charset="2"/>
-              <a:buChar char="Ø"/>
-            </a:pPr>
-            <a:endParaRPr lang="en-US" sz="2900" b="1" dirty="0">
-              <a:solidFill>
-                <a:schemeClr val="tx1">
-                  <a:lumMod val="50000"/>
-                  <a:lumOff val="50000"/>
-                </a:schemeClr>
-              </a:solidFill>
-              <a:latin typeface="Calibri Light (Headings)"/>
-            </a:endParaRPr>
-          </a:p>
-          <a:p>
-            <a:pPr marL="457200" indent="-457200" algn="l">
-              <a:buFont typeface="Wingdings" pitchFamily="2" charset="2"/>
-              <a:buChar char="Ø"/>
-            </a:pPr>
-            <a:r>
-              <a:rPr lang="en-US" sz="2900" b="1" dirty="0">
-                <a:solidFill>
-                  <a:schemeClr val="tx1">
-                    <a:lumMod val="50000"/>
-                    <a:lumOff val="50000"/>
-                  </a:schemeClr>
-                </a:solidFill>
-                <a:latin typeface="Calibri Light (Headings)"/>
-              </a:rPr>
-              <a:t>Stating Hypothesis</a:t>
-            </a:r>
-          </a:p>
-          <a:p>
-            <a:pPr marL="457200" indent="-457200" algn="l">
-              <a:buFont typeface="Wingdings" pitchFamily="2" charset="2"/>
-              <a:buChar char="Ø"/>
-            </a:pPr>
-            <a:endParaRPr lang="en-US" sz="2900" b="1" dirty="0">
-              <a:solidFill>
-                <a:schemeClr val="tx1">
-                  <a:lumMod val="50000"/>
-                  <a:lumOff val="50000"/>
-                </a:schemeClr>
-              </a:solidFill>
-              <a:latin typeface="Calibri Light (Headings)"/>
-            </a:endParaRPr>
-          </a:p>
-          <a:p>
-            <a:pPr marL="457200" indent="-457200" algn="l">
-              <a:buFont typeface="Wingdings" pitchFamily="2" charset="2"/>
-              <a:buChar char="Ø"/>
-            </a:pPr>
-            <a:r>
-              <a:rPr lang="en-US" sz="2900" b="1" dirty="0">
-                <a:solidFill>
-                  <a:schemeClr val="tx1">
-                    <a:lumMod val="50000"/>
-                    <a:lumOff val="50000"/>
-                  </a:schemeClr>
-                </a:solidFill>
-                <a:latin typeface="Calibri Light (Headings)"/>
-              </a:rPr>
-              <a:t>Define P-value</a:t>
-            </a:r>
-          </a:p>
-          <a:p>
-            <a:pPr marL="457200" indent="-457200" algn="l">
-              <a:buFont typeface="Wingdings" pitchFamily="2" charset="2"/>
-              <a:buChar char="Ø"/>
-            </a:pPr>
-            <a:endParaRPr lang="en-US" sz="2900" b="1" dirty="0">
-              <a:solidFill>
-                <a:schemeClr val="tx1">
-                  <a:lumMod val="50000"/>
-                  <a:lumOff val="50000"/>
-                </a:schemeClr>
-              </a:solidFill>
-              <a:latin typeface="Calibri Light (Headings)"/>
-            </a:endParaRPr>
-          </a:p>
-          <a:p>
-            <a:pPr marL="457200" indent="-457200" algn="l">
-              <a:buFont typeface="Wingdings" pitchFamily="2" charset="2"/>
-              <a:buChar char="Ø"/>
-            </a:pPr>
-            <a:r>
-              <a:rPr lang="en-US" sz="2900" b="1" dirty="0">
-                <a:solidFill>
-                  <a:schemeClr val="tx1">
-                    <a:lumMod val="50000"/>
-                    <a:lumOff val="50000"/>
-                  </a:schemeClr>
-                </a:solidFill>
-                <a:latin typeface="Calibri Light (Headings)"/>
-              </a:rPr>
-              <a:t>Conduct and interpret a significance test</a:t>
-            </a:r>
-          </a:p>
-          <a:p>
-            <a:pPr marL="457200" indent="-457200" algn="l">
-              <a:buFont typeface="Wingdings" pitchFamily="2" charset="2"/>
-              <a:buChar char="Ø"/>
-            </a:pPr>
-            <a:endParaRPr lang="en-US" sz="2900" b="1" dirty="0">
-              <a:solidFill>
-                <a:schemeClr val="tx1">
-                  <a:lumMod val="50000"/>
-                  <a:lumOff val="50000"/>
-                </a:schemeClr>
-              </a:solidFill>
-              <a:latin typeface="Calibri Light (Headings)"/>
-            </a:endParaRPr>
-          </a:p>
-          <a:p>
-            <a:pPr marL="457200" indent="-457200" algn="l">
-              <a:buFont typeface="Wingdings" pitchFamily="2" charset="2"/>
-              <a:buChar char="Ø"/>
-            </a:pPr>
-            <a:r>
-              <a:rPr lang="en-US" sz="2900" b="1" dirty="0">
-                <a:solidFill>
-                  <a:schemeClr val="tx1">
-                    <a:lumMod val="50000"/>
-                    <a:lumOff val="50000"/>
-                  </a:schemeClr>
-                </a:solidFill>
-                <a:latin typeface="Calibri Light (Headings)"/>
-              </a:rPr>
-              <a:t>Determine significance</a:t>
-            </a:r>
-          </a:p>
-          <a:p>
-            <a:pPr marL="457200" indent="-457200" algn="l">
-              <a:buFont typeface="Wingdings" pitchFamily="2" charset="2"/>
-              <a:buChar char="Ø"/>
-            </a:pPr>
-            <a:endParaRPr lang="en-US" sz="2900" b="1" i="0" dirty="0">
-              <a:solidFill>
-                <a:schemeClr val="tx1">
-                  <a:lumMod val="50000"/>
-                  <a:lumOff val="50000"/>
-                </a:schemeClr>
-              </a:solidFill>
-              <a:effectLst/>
-              <a:latin typeface="Calibri Light (Headings)"/>
-            </a:endParaRPr>
-          </a:p>
-        </p:txBody>
-      </p:sp>
-      <p:sp>
-        <p:nvSpPr>
-          <p:cNvPr id="7" name="Title 1">
-            <a:extLst>
-              <a:ext uri="{FF2B5EF4-FFF2-40B4-BE49-F238E27FC236}">
-                <a16:creationId xmlns:a16="http://schemas.microsoft.com/office/drawing/2014/main" id="{F9F68FD0-4734-F88A-26AE-8BD1D795B778}"/>
+            <a:endParaRPr lang="en-US" sz="3100" dirty="0"/>
+          </a:p>
+          <a:p>
+            <a:pPr algn="l"/>
+            <a:endParaRPr lang="en-US" sz="3100" dirty="0"/>
+          </a:p>
+          <a:p>
+            <a:pPr algn="l"/>
+            <a:endParaRPr lang="en-US" sz="3100" dirty="0"/>
+          </a:p>
+          <a:p>
+            <a:pPr algn="l"/>
+            <a:endParaRPr lang="en-US" sz="3100" dirty="0"/>
+          </a:p>
+          <a:p>
+            <a:pPr algn="l"/>
+            <a:endParaRPr lang="en-US" sz="3000" dirty="0"/>
+          </a:p>
+          <a:p>
+            <a:pPr algn="l"/>
+            <a:endParaRPr lang="en-US" sz="3000" dirty="0"/>
+          </a:p>
+        </p:txBody>
+      </p:sp>
+      <p:sp>
+        <p:nvSpPr>
+          <p:cNvPr id="38" name="Title 1">
+            <a:extLst>
+              <a:ext uri="{FF2B5EF4-FFF2-40B4-BE49-F238E27FC236}">
+                <a16:creationId xmlns:a16="http://schemas.microsoft.com/office/drawing/2014/main" id="{85194D96-4E26-6A5A-5AB5-02AFD53E7543}"/>
               </a:ext>
             </a:extLst>
           </p:cNvPr>
@@ -9580,7 +12240,7 @@
         </p:nvSpPr>
         <p:spPr>
           <a:xfrm>
-            <a:off x="459205" y="359228"/>
+            <a:off x="1128386" y="415731"/>
             <a:ext cx="9935227" cy="718459"/>
           </a:xfrm>
         </p:spPr>
@@ -9590,19 +12250,388 @@
           </a:bodyPr>
           <a:lstStyle/>
           <a:p>
-            <a:pPr algn="l"/>
-            <a:r>
-              <a:rPr lang="en-US" sz="4500" b="1" dirty="0"/>
-              <a:t>Outline</a:t>
-            </a:r>
-            <a:endParaRPr lang="en-PH" sz="4500" b="1" dirty="0"/>
+            <a:r>
+              <a:rPr lang="en-US" sz="3500" b="1" dirty="0"/>
+              <a:t>Step 4: </a:t>
+            </a:r>
+            <a:r>
+              <a:rPr lang="en-PH" sz="3500" b="1" i="0" u="none" strike="noStrike" dirty="0">
+                <a:solidFill>
+                  <a:srgbClr val="272C37"/>
+                </a:solidFill>
+                <a:effectLst/>
+              </a:rPr>
+              <a:t>Present your Results</a:t>
+            </a:r>
+            <a:endParaRPr lang="en-PH" sz="3500" b="1" dirty="0"/>
+          </a:p>
+        </p:txBody>
+      </p:sp>
+      <p:sp>
+        <p:nvSpPr>
+          <p:cNvPr id="39" name="Footer Placeholder 3">
+            <a:extLst>
+              <a:ext uri="{FF2B5EF4-FFF2-40B4-BE49-F238E27FC236}">
+                <a16:creationId xmlns:a16="http://schemas.microsoft.com/office/drawing/2014/main" id="{77EF4DA7-E5CF-896F-45E0-B1D58FD59B96}"/>
+              </a:ext>
+            </a:extLst>
+          </p:cNvPr>
+          <p:cNvSpPr>
+            <a:spLocks noGrp="1"/>
+          </p:cNvSpPr>
+          <p:nvPr>
+            <p:ph type="ftr" sz="quarter" idx="11"/>
+          </p:nvPr>
+        </p:nvSpPr>
+        <p:spPr>
+          <a:xfrm>
+            <a:off x="0" y="6139541"/>
+            <a:ext cx="12192000" cy="718459"/>
+          </a:xfrm>
+          <a:ln w="28575">
+            <a:solidFill>
+              <a:schemeClr val="accent5">
+                <a:lumMod val="50000"/>
+              </a:schemeClr>
+            </a:solidFill>
+          </a:ln>
+        </p:spPr>
+        <p:txBody>
+          <a:bodyPr/>
+          <a:lstStyle/>
+          <a:p>
+            <a:pPr lvl="1" algn="r"/>
+            <a:r>
+              <a:rPr lang="en-US" sz="1200" b="1" dirty="0"/>
+              <a:t>CCDATS1L</a:t>
+            </a:r>
+            <a:endParaRPr lang="en-PH" sz="1200" b="1" dirty="0"/>
+          </a:p>
+        </p:txBody>
+      </p:sp>
+      <p:sp>
+        <p:nvSpPr>
+          <p:cNvPr id="4" name="TextBox 3">
+            <a:extLst>
+              <a:ext uri="{FF2B5EF4-FFF2-40B4-BE49-F238E27FC236}">
+                <a16:creationId xmlns:a16="http://schemas.microsoft.com/office/drawing/2014/main" id="{4203C0C4-7C82-D208-A8B3-1AE6E9099A3C}"/>
+              </a:ext>
+            </a:extLst>
+          </p:cNvPr>
+          <p:cNvSpPr txBox="1"/>
+          <p:nvPr/>
+        </p:nvSpPr>
+        <p:spPr>
+          <a:xfrm>
+            <a:off x="639917" y="1354768"/>
+            <a:ext cx="11333779" cy="1477328"/>
+          </a:xfrm>
+          <a:prstGeom prst="rect">
+            <a:avLst/>
+          </a:prstGeom>
+          <a:noFill/>
+        </p:spPr>
+        <p:txBody>
+          <a:bodyPr wrap="square" rtlCol="0">
+            <a:spAutoFit/>
+          </a:bodyPr>
+          <a:lstStyle/>
+          <a:p>
+            <a:pPr algn="l"/>
+            <a:r>
+              <a:rPr lang="en-PH" sz="3000" dirty="0"/>
+              <a:t>We will reject the </a:t>
+            </a:r>
+            <a:r>
+              <a:rPr lang="en-PH" sz="3000" b="1" dirty="0">
+                <a:solidFill>
+                  <a:srgbClr val="00B050"/>
+                </a:solidFill>
+              </a:rPr>
+              <a:t>null hypothesis </a:t>
+            </a:r>
+            <a:r>
+              <a:rPr lang="en-PH" sz="3000" dirty="0"/>
+              <a:t>as the </a:t>
+            </a:r>
+            <a:r>
+              <a:rPr lang="en-PH" sz="3000" b="1" dirty="0">
+                <a:solidFill>
+                  <a:srgbClr val="7030A0"/>
+                </a:solidFill>
+              </a:rPr>
+              <a:t>p-value</a:t>
+            </a:r>
+            <a:r>
+              <a:rPr lang="en-PH" sz="3000" dirty="0"/>
+              <a:t> of is </a:t>
+            </a:r>
+            <a:r>
+              <a:rPr lang="en-PH" sz="3000" b="1" dirty="0">
+                <a:solidFill>
+                  <a:srgbClr val="00B0F0"/>
+                </a:solidFill>
+              </a:rPr>
+              <a:t>less than 0.0001 </a:t>
+            </a:r>
+          </a:p>
+          <a:p>
+            <a:pPr algn="l"/>
+            <a:r>
+              <a:rPr lang="en-PH" sz="3000" dirty="0"/>
+              <a:t>and conclude that there is evidence to suggest that the average height of men in the Philippines is greater than </a:t>
+            </a:r>
+            <a:r>
+              <a:rPr lang="en-PH" sz="3000" b="1" dirty="0"/>
+              <a:t>5'4".</a:t>
+            </a:r>
           </a:p>
         </p:txBody>
       </p:sp>
     </p:spTree>
     <p:extLst>
       <p:ext uri="{BB962C8B-B14F-4D97-AF65-F5344CB8AC3E}">
-        <p14:creationId xmlns:p14="http://schemas.microsoft.com/office/powerpoint/2010/main" val="1181416942"/>
+        <p14:creationId xmlns:p14="http://schemas.microsoft.com/office/powerpoint/2010/main" val="543884130"/>
+      </p:ext>
+    </p:extLst>
+  </p:cSld>
+  <p:clrMapOvr>
+    <a:masterClrMapping/>
+  </p:clrMapOvr>
+</p:sld>
+</file>
+
+<file path=ppt/slides/slide27.xml><?xml version="1.0" encoding="utf-8"?>
+<p:sld xmlns:a="http://schemas.openxmlformats.org/drawingml/2006/main" xmlns:r="http://schemas.openxmlformats.org/officeDocument/2006/relationships" xmlns:p="http://schemas.openxmlformats.org/presentationml/2006/main">
+  <p:cSld>
+    <p:bg>
+      <p:bgPr>
+        <a:blipFill dpi="0" rotWithShape="1">
+          <a:blip r:embed="rId3">
+            <a:alphaModFix amt="99000"/>
+            <a:lum/>
+          </a:blip>
+          <a:srcRect/>
+          <a:stretch>
+            <a:fillRect t="89000" r="85000" b="-1000"/>
+          </a:stretch>
+        </a:blipFill>
+        <a:effectLst/>
+      </p:bgPr>
+    </p:bg>
+    <p:spTree>
+      <p:nvGrpSpPr>
+        <p:cNvPr id="1" name=""/>
+        <p:cNvGrpSpPr/>
+        <p:nvPr/>
+      </p:nvGrpSpPr>
+      <p:grpSpPr>
+        <a:xfrm>
+          <a:off x="0" y="0"/>
+          <a:ext cx="0" cy="0"/>
+          <a:chOff x="0" y="0"/>
+          <a:chExt cx="0" cy="0"/>
+        </a:xfrm>
+      </p:grpSpPr>
+      <p:sp>
+        <p:nvSpPr>
+          <p:cNvPr id="5" name="Title 1">
+            <a:extLst>
+              <a:ext uri="{FF2B5EF4-FFF2-40B4-BE49-F238E27FC236}">
+                <a16:creationId xmlns:a16="http://schemas.microsoft.com/office/drawing/2014/main" id="{3444037F-B658-D82C-5DCA-53E8AA1493D7}"/>
+              </a:ext>
+            </a:extLst>
+          </p:cNvPr>
+          <p:cNvSpPr txBox="1">
+            <a:spLocks/>
+          </p:cNvSpPr>
+          <p:nvPr/>
+        </p:nvSpPr>
+        <p:spPr>
+          <a:xfrm>
+            <a:off x="1524000" y="1516449"/>
+            <a:ext cx="9144000" cy="4290585"/>
+          </a:xfrm>
+          <a:prstGeom prst="rect">
+            <a:avLst/>
+          </a:prstGeom>
+        </p:spPr>
+        <p:txBody>
+          <a:bodyPr vert="horz" lIns="91440" tIns="45720" rIns="91440" bIns="45720" rtlCol="0" anchor="b">
+            <a:normAutofit fontScale="97500"/>
+          </a:bodyPr>
+          <a:lstStyle>
+            <a:lvl1pPr algn="ctr" defTabSz="914400" rtl="0" eaLnBrk="1" latinLnBrk="0" hangingPunct="1">
+              <a:lnSpc>
+                <a:spcPct val="90000"/>
+              </a:lnSpc>
+              <a:spcBef>
+                <a:spcPct val="0"/>
+              </a:spcBef>
+              <a:buNone/>
+              <a:defRPr sz="6000" kern="1200">
+                <a:solidFill>
+                  <a:schemeClr val="tx1"/>
+                </a:solidFill>
+                <a:latin typeface="+mj-lt"/>
+                <a:ea typeface="+mj-ea"/>
+                <a:cs typeface="+mj-cs"/>
+              </a:defRPr>
+            </a:lvl1pPr>
+          </a:lstStyle>
+          <a:p>
+            <a:pPr algn="l"/>
+            <a:endParaRPr lang="en-US" sz="3100" dirty="0"/>
+          </a:p>
+          <a:p>
+            <a:pPr algn="l"/>
+            <a:endParaRPr lang="en-US" sz="3100" dirty="0"/>
+          </a:p>
+          <a:p>
+            <a:pPr algn="l"/>
+            <a:endParaRPr lang="en-US" sz="3100" dirty="0"/>
+          </a:p>
+          <a:p>
+            <a:pPr algn="l"/>
+            <a:endParaRPr lang="en-US" sz="3100" dirty="0"/>
+          </a:p>
+          <a:p>
+            <a:pPr algn="l"/>
+            <a:endParaRPr lang="en-US" sz="3000" dirty="0"/>
+          </a:p>
+          <a:p>
+            <a:pPr algn="l"/>
+            <a:endParaRPr lang="en-US" sz="3000" dirty="0"/>
+          </a:p>
+        </p:txBody>
+      </p:sp>
+      <p:sp>
+        <p:nvSpPr>
+          <p:cNvPr id="38" name="Title 1">
+            <a:extLst>
+              <a:ext uri="{FF2B5EF4-FFF2-40B4-BE49-F238E27FC236}">
+                <a16:creationId xmlns:a16="http://schemas.microsoft.com/office/drawing/2014/main" id="{85194D96-4E26-6A5A-5AB5-02AFD53E7543}"/>
+              </a:ext>
+            </a:extLst>
+          </p:cNvPr>
+          <p:cNvSpPr>
+            <a:spLocks noGrp="1"/>
+          </p:cNvSpPr>
+          <p:nvPr>
+            <p:ph type="ctrTitle"/>
+          </p:nvPr>
+        </p:nvSpPr>
+        <p:spPr>
+          <a:xfrm>
+            <a:off x="1128386" y="415731"/>
+            <a:ext cx="9935227" cy="718459"/>
+          </a:xfrm>
+        </p:spPr>
+        <p:txBody>
+          <a:bodyPr>
+            <a:noAutofit/>
+          </a:bodyPr>
+          <a:lstStyle/>
+          <a:p>
+            <a:r>
+              <a:rPr lang="en-US" sz="5000" b="1" dirty="0"/>
+              <a:t>Other Examples</a:t>
+            </a:r>
+            <a:endParaRPr lang="en-PH" sz="5000" b="1" dirty="0"/>
+          </a:p>
+        </p:txBody>
+      </p:sp>
+      <p:sp>
+        <p:nvSpPr>
+          <p:cNvPr id="39" name="Footer Placeholder 3">
+            <a:extLst>
+              <a:ext uri="{FF2B5EF4-FFF2-40B4-BE49-F238E27FC236}">
+                <a16:creationId xmlns:a16="http://schemas.microsoft.com/office/drawing/2014/main" id="{77EF4DA7-E5CF-896F-45E0-B1D58FD59B96}"/>
+              </a:ext>
+            </a:extLst>
+          </p:cNvPr>
+          <p:cNvSpPr>
+            <a:spLocks noGrp="1"/>
+          </p:cNvSpPr>
+          <p:nvPr>
+            <p:ph type="ftr" sz="quarter" idx="11"/>
+          </p:nvPr>
+        </p:nvSpPr>
+        <p:spPr>
+          <a:xfrm>
+            <a:off x="0" y="6139541"/>
+            <a:ext cx="12192000" cy="718459"/>
+          </a:xfrm>
+          <a:ln w="28575">
+            <a:solidFill>
+              <a:schemeClr val="accent5">
+                <a:lumMod val="50000"/>
+              </a:schemeClr>
+            </a:solidFill>
+          </a:ln>
+        </p:spPr>
+        <p:txBody>
+          <a:bodyPr/>
+          <a:lstStyle/>
+          <a:p>
+            <a:pPr lvl="1" algn="r"/>
+            <a:r>
+              <a:rPr lang="en-US" sz="1200" b="1" dirty="0"/>
+              <a:t>CCDATS1L</a:t>
+            </a:r>
+            <a:endParaRPr lang="en-PH" sz="1200" b="1" dirty="0"/>
+          </a:p>
+        </p:txBody>
+      </p:sp>
+      <p:sp>
+        <p:nvSpPr>
+          <p:cNvPr id="4" name="TextBox 3">
+            <a:extLst>
+              <a:ext uri="{FF2B5EF4-FFF2-40B4-BE49-F238E27FC236}">
+                <a16:creationId xmlns:a16="http://schemas.microsoft.com/office/drawing/2014/main" id="{4203C0C4-7C82-D208-A8B3-1AE6E9099A3C}"/>
+              </a:ext>
+            </a:extLst>
+          </p:cNvPr>
+          <p:cNvSpPr txBox="1"/>
+          <p:nvPr/>
+        </p:nvSpPr>
+        <p:spPr>
+          <a:xfrm>
+            <a:off x="639917" y="1354768"/>
+            <a:ext cx="11333779" cy="1015663"/>
+          </a:xfrm>
+          <a:prstGeom prst="rect">
+            <a:avLst/>
+          </a:prstGeom>
+          <a:noFill/>
+        </p:spPr>
+        <p:txBody>
+          <a:bodyPr wrap="square" rtlCol="0">
+            <a:spAutoFit/>
+          </a:bodyPr>
+          <a:lstStyle/>
+          <a:p>
+            <a:pPr algn="l"/>
+            <a:r>
+              <a:rPr lang="en-PH" sz="3000" dirty="0"/>
+              <a:t>https://</a:t>
+            </a:r>
+            <a:r>
+              <a:rPr lang="en-PH" sz="3000" dirty="0" err="1"/>
+              <a:t>online.stat.psu.edu</a:t>
+            </a:r>
+            <a:r>
+              <a:rPr lang="en-PH" sz="3000" dirty="0"/>
+              <a:t>/stat200/lesson/9/9.2/9.2.2/9.2.2.1/9.2.2.1.3</a:t>
+            </a:r>
+            <a:endParaRPr lang="en-PH" sz="3000" b="1" dirty="0"/>
+          </a:p>
+        </p:txBody>
+      </p:sp>
+    </p:spTree>
+    <p:extLst>
+      <p:ext uri="{BB962C8B-B14F-4D97-AF65-F5344CB8AC3E}">
+        <p14:creationId xmlns:p14="http://schemas.microsoft.com/office/powerpoint/2010/main" val="3993707324"/>
       </p:ext>
     </p:extLst>
   </p:cSld>
@@ -9809,7 +12838,7 @@
         <p:spPr>
           <a:xfrm>
             <a:off x="639918" y="1354768"/>
-            <a:ext cx="10912162" cy="4247317"/>
+            <a:ext cx="10912162" cy="2400657"/>
           </a:xfrm>
           <a:prstGeom prst="rect">
             <a:avLst/>
@@ -9854,27 +12883,6 @@
             <a:r>
               <a:rPr lang="en-PH" sz="3000" dirty="0"/>
               <a:t>. </a:t>
-            </a:r>
-          </a:p>
-          <a:p>
-            <a:endParaRPr lang="en-PH" sz="3000" dirty="0"/>
-          </a:p>
-          <a:p>
-            <a:r>
-              <a:rPr lang="en-PH" sz="3000" dirty="0"/>
-              <a:t>The second common type of inference, called a </a:t>
-            </a:r>
-            <a:r>
-              <a:rPr lang="en-PH" sz="3000" b="1" dirty="0">
-                <a:solidFill>
-                  <a:srgbClr val="00B0F0"/>
-                </a:solidFill>
-              </a:rPr>
-              <a:t>test of significance</a:t>
-            </a:r>
-            <a:r>
-              <a:rPr lang="en-PH" sz="3000" dirty="0"/>
-              <a:t>, has a different goal: to assess the evidence provided by data about some claim concerning a population. </a:t>
             </a:r>
           </a:p>
         </p:txBody>
@@ -10116,15 +13124,7 @@
             </a:r>
             <a:r>
               <a:rPr lang="en-PH" sz="3000" dirty="0"/>
-              <a:t>, has a </a:t>
-            </a:r>
-            <a:r>
-              <a:rPr lang="en-PH" sz="3000" b="1" dirty="0"/>
-              <a:t>different goal</a:t>
-            </a:r>
-            <a:r>
-              <a:rPr lang="en-PH" sz="3000" dirty="0"/>
-              <a:t>: </a:t>
+              <a:t>, has a different goal: </a:t>
             </a:r>
           </a:p>
           <a:p>
@@ -10371,7 +13371,7 @@
           <a:p>
             <a:r>
               <a:rPr lang="en-PH" sz="3000" dirty="0"/>
-              <a:t> A test of significance is a formal procedure for comparing observed data with a claim (</a:t>
+              <a:t>A test of significance is a formal procedure for comparing observed data with a claim (</a:t>
             </a:r>
             <a:r>
               <a:rPr lang="en-PH" sz="3000" b="1" dirty="0">
@@ -10619,7 +13619,7 @@
         <p:spPr>
           <a:xfrm>
             <a:off x="639918" y="1354768"/>
-            <a:ext cx="11140404" cy="2400657"/>
+            <a:ext cx="11140404" cy="3785652"/>
           </a:xfrm>
           <a:prstGeom prst="rect">
             <a:avLst/>
@@ -10633,43 +13633,51 @@
           <a:lstStyle/>
           <a:p>
             <a:r>
-              <a:rPr lang="en-US" sz="3000" dirty="0"/>
-              <a:t>In hypothesis testing, a decision between two alternatives must be made. </a:t>
-            </a:r>
-          </a:p>
-          <a:p>
-            <a:endParaRPr lang="en-US" sz="3000" dirty="0"/>
-          </a:p>
-          <a:p>
-            <a:r>
-              <a:rPr lang="en-US" sz="3000" dirty="0"/>
-              <a:t>One of which is called the </a:t>
-            </a:r>
-            <a:r>
-              <a:rPr lang="en-US" sz="3000" b="1" dirty="0">
-                <a:solidFill>
-                  <a:srgbClr val="00B050"/>
-                </a:solidFill>
-              </a:rPr>
-              <a:t>null hypothesis </a:t>
-            </a:r>
-            <a:r>
-              <a:rPr lang="en-US" sz="3000" dirty="0"/>
-              <a:t>and the other the </a:t>
-            </a:r>
-            <a:r>
-              <a:rPr lang="en-US" sz="3000" b="1" dirty="0">
+              <a:rPr lang="en-PH" sz="3000" dirty="0"/>
+              <a:t>In today’s data-driven world, decisions are based on data all the time</a:t>
+            </a:r>
+          </a:p>
+          <a:p>
+            <a:endParaRPr lang="en-PH" sz="3000" dirty="0"/>
+          </a:p>
+          <a:p>
+            <a:r>
+              <a:rPr lang="en-PH" sz="3000" dirty="0"/>
+              <a:t>Hypothesis plays a crucial role in that process, whether it may be making business decisions, in the health sector, academia, or in quality improvement. </a:t>
+            </a:r>
+          </a:p>
+          <a:p>
+            <a:endParaRPr lang="en-PH" sz="3000" dirty="0"/>
+          </a:p>
+          <a:p>
+            <a:r>
+              <a:rPr lang="en-PH" sz="3000" dirty="0"/>
+              <a:t>Without hypothesis and hypothesis tests, you risk drawing the </a:t>
+            </a:r>
+            <a:r>
+              <a:rPr lang="en-PH" sz="3000" b="1" dirty="0">
                 <a:solidFill>
                   <a:srgbClr val="FF0000"/>
                 </a:solidFill>
               </a:rPr>
-              <a:t>alternative hypothesis</a:t>
-            </a:r>
-            <a:endParaRPr lang="en-PH" sz="3000" b="1" dirty="0">
-              <a:solidFill>
-                <a:srgbClr val="FF0000"/>
-              </a:solidFill>
-            </a:endParaRPr>
+              <a:t>wrong conclusions </a:t>
+            </a:r>
+            <a:r>
+              <a:rPr lang="en-PH" sz="3000" dirty="0"/>
+              <a:t>and </a:t>
+            </a:r>
+            <a:r>
+              <a:rPr lang="en-PH" sz="3000" b="1" dirty="0">
+                <a:solidFill>
+                  <a:srgbClr val="FF0000"/>
+                </a:solidFill>
+              </a:rPr>
+              <a:t>making bad decisions</a:t>
+            </a:r>
+            <a:r>
+              <a:rPr lang="en-PH" sz="3000" dirty="0"/>
+              <a:t>.</a:t>
+            </a:r>
           </a:p>
         </p:txBody>
       </p:sp>
@@ -10820,6 +13828,559 @@
           <a:p>
             <a:r>
               <a:rPr lang="en-US" sz="5000" b="1" dirty="0"/>
+              <a:t>Hypothesis Testing</a:t>
+            </a:r>
+            <a:endParaRPr lang="en-PH" sz="5000" b="1" dirty="0"/>
+          </a:p>
+        </p:txBody>
+      </p:sp>
+      <p:sp>
+        <p:nvSpPr>
+          <p:cNvPr id="39" name="Footer Placeholder 3">
+            <a:extLst>
+              <a:ext uri="{FF2B5EF4-FFF2-40B4-BE49-F238E27FC236}">
+                <a16:creationId xmlns:a16="http://schemas.microsoft.com/office/drawing/2014/main" id="{77EF4DA7-E5CF-896F-45E0-B1D58FD59B96}"/>
+              </a:ext>
+            </a:extLst>
+          </p:cNvPr>
+          <p:cNvSpPr>
+            <a:spLocks noGrp="1"/>
+          </p:cNvSpPr>
+          <p:nvPr>
+            <p:ph type="ftr" sz="quarter" idx="11"/>
+          </p:nvPr>
+        </p:nvSpPr>
+        <p:spPr>
+          <a:xfrm>
+            <a:off x="0" y="6139541"/>
+            <a:ext cx="12192000" cy="718459"/>
+          </a:xfrm>
+          <a:ln w="28575">
+            <a:solidFill>
+              <a:schemeClr val="accent5">
+                <a:lumMod val="50000"/>
+              </a:schemeClr>
+            </a:solidFill>
+          </a:ln>
+        </p:spPr>
+        <p:txBody>
+          <a:bodyPr/>
+          <a:lstStyle/>
+          <a:p>
+            <a:pPr lvl="1" algn="r"/>
+            <a:r>
+              <a:rPr lang="en-US" sz="1200" b="1" dirty="0"/>
+              <a:t>CCDATS1L</a:t>
+            </a:r>
+            <a:endParaRPr lang="en-PH" sz="1200" b="1" dirty="0"/>
+          </a:p>
+        </p:txBody>
+      </p:sp>
+      <p:sp>
+        <p:nvSpPr>
+          <p:cNvPr id="4" name="TextBox 3">
+            <a:extLst>
+              <a:ext uri="{FF2B5EF4-FFF2-40B4-BE49-F238E27FC236}">
+                <a16:creationId xmlns:a16="http://schemas.microsoft.com/office/drawing/2014/main" id="{4203C0C4-7C82-D208-A8B3-1AE6E9099A3C}"/>
+              </a:ext>
+            </a:extLst>
+          </p:cNvPr>
+          <p:cNvSpPr txBox="1"/>
+          <p:nvPr/>
+        </p:nvSpPr>
+        <p:spPr>
+          <a:xfrm>
+            <a:off x="639918" y="1354768"/>
+            <a:ext cx="11140404" cy="5170646"/>
+          </a:xfrm>
+          <a:prstGeom prst="rect">
+            <a:avLst/>
+          </a:prstGeom>
+          <a:noFill/>
+        </p:spPr>
+        <p:txBody>
+          <a:bodyPr wrap="square" rtlCol="0">
+            <a:spAutoFit/>
+          </a:bodyPr>
+          <a:lstStyle/>
+          <a:p>
+            <a:r>
+              <a:rPr lang="en-PH" sz="3000" dirty="0"/>
+              <a:t>Hypothesis Testing </a:t>
+            </a:r>
+            <a:r>
+              <a:rPr lang="en-PH" sz="3000" b="1" dirty="0"/>
+              <a:t>puts our assumptions about a population parameter to the test</a:t>
+            </a:r>
+            <a:r>
+              <a:rPr lang="en-PH" sz="3000" dirty="0"/>
+              <a:t>. </a:t>
+            </a:r>
+          </a:p>
+          <a:p>
+            <a:endParaRPr lang="en-PH" sz="3000" dirty="0"/>
+          </a:p>
+          <a:p>
+            <a:r>
+              <a:rPr lang="en-PH" sz="3000" dirty="0"/>
+              <a:t>It is used to estimate the relationship between two statistical variables. Real life examples include:</a:t>
+            </a:r>
+          </a:p>
+          <a:p>
+            <a:endParaRPr lang="en-PH" sz="3000" dirty="0"/>
+          </a:p>
+          <a:p>
+            <a:pPr marL="457200" indent="-457200" algn="l">
+              <a:buFont typeface="Arial" panose="020B0604020202020204" pitchFamily="34" charset="0"/>
+              <a:buChar char="•"/>
+            </a:pPr>
+            <a:r>
+              <a:rPr lang="en-PH" sz="3000" dirty="0"/>
+              <a:t>A teacher assumes that 60% of his college's students come from lower-middle-class families.</a:t>
+            </a:r>
+          </a:p>
+          <a:p>
+            <a:pPr marL="457200" indent="-457200" algn="l">
+              <a:buFont typeface="Arial" panose="020B0604020202020204" pitchFamily="34" charset="0"/>
+              <a:buChar char="•"/>
+            </a:pPr>
+            <a:r>
+              <a:rPr lang="en-PH" sz="3000" dirty="0"/>
+              <a:t>A doctor believes that 3D (Diet, Dose, and Discipline) is 90% effective for diabetic patients.</a:t>
+            </a:r>
+          </a:p>
+          <a:p>
+            <a:endParaRPr lang="en-PH" sz="3000" dirty="0"/>
+          </a:p>
+        </p:txBody>
+      </p:sp>
+    </p:spTree>
+    <p:extLst>
+      <p:ext uri="{BB962C8B-B14F-4D97-AF65-F5344CB8AC3E}">
+        <p14:creationId xmlns:p14="http://schemas.microsoft.com/office/powerpoint/2010/main" val="3120370545"/>
+      </p:ext>
+    </p:extLst>
+  </p:cSld>
+  <p:clrMapOvr>
+    <a:masterClrMapping/>
+  </p:clrMapOvr>
+</p:sld>
+</file>
+
+<file path=ppt/slides/slide8.xml><?xml version="1.0" encoding="utf-8"?>
+<p:sld xmlns:a="http://schemas.openxmlformats.org/drawingml/2006/main" xmlns:r="http://schemas.openxmlformats.org/officeDocument/2006/relationships" xmlns:p="http://schemas.openxmlformats.org/presentationml/2006/main">
+  <p:cSld>
+    <p:bg>
+      <p:bgPr>
+        <a:blipFill dpi="0" rotWithShape="1">
+          <a:blip r:embed="rId3">
+            <a:alphaModFix amt="99000"/>
+            <a:lum/>
+          </a:blip>
+          <a:srcRect/>
+          <a:stretch>
+            <a:fillRect t="89000" r="85000" b="-1000"/>
+          </a:stretch>
+        </a:blipFill>
+        <a:effectLst/>
+      </p:bgPr>
+    </p:bg>
+    <p:spTree>
+      <p:nvGrpSpPr>
+        <p:cNvPr id="1" name=""/>
+        <p:cNvGrpSpPr/>
+        <p:nvPr/>
+      </p:nvGrpSpPr>
+      <p:grpSpPr>
+        <a:xfrm>
+          <a:off x="0" y="0"/>
+          <a:ext cx="0" cy="0"/>
+          <a:chOff x="0" y="0"/>
+          <a:chExt cx="0" cy="0"/>
+        </a:xfrm>
+      </p:grpSpPr>
+      <p:sp>
+        <p:nvSpPr>
+          <p:cNvPr id="5" name="Title 1">
+            <a:extLst>
+              <a:ext uri="{FF2B5EF4-FFF2-40B4-BE49-F238E27FC236}">
+                <a16:creationId xmlns:a16="http://schemas.microsoft.com/office/drawing/2014/main" id="{3444037F-B658-D82C-5DCA-53E8AA1493D7}"/>
+              </a:ext>
+            </a:extLst>
+          </p:cNvPr>
+          <p:cNvSpPr txBox="1">
+            <a:spLocks/>
+          </p:cNvSpPr>
+          <p:nvPr/>
+        </p:nvSpPr>
+        <p:spPr>
+          <a:xfrm>
+            <a:off x="1524000" y="1516449"/>
+            <a:ext cx="9144000" cy="4290585"/>
+          </a:xfrm>
+          <a:prstGeom prst="rect">
+            <a:avLst/>
+          </a:prstGeom>
+        </p:spPr>
+        <p:txBody>
+          <a:bodyPr vert="horz" lIns="91440" tIns="45720" rIns="91440" bIns="45720" rtlCol="0" anchor="b">
+            <a:normAutofit fontScale="97500"/>
+          </a:bodyPr>
+          <a:lstStyle>
+            <a:lvl1pPr algn="ctr" defTabSz="914400" rtl="0" eaLnBrk="1" latinLnBrk="0" hangingPunct="1">
+              <a:lnSpc>
+                <a:spcPct val="90000"/>
+              </a:lnSpc>
+              <a:spcBef>
+                <a:spcPct val="0"/>
+              </a:spcBef>
+              <a:buNone/>
+              <a:defRPr sz="6000" kern="1200">
+                <a:solidFill>
+                  <a:schemeClr val="tx1"/>
+                </a:solidFill>
+                <a:latin typeface="+mj-lt"/>
+                <a:ea typeface="+mj-ea"/>
+                <a:cs typeface="+mj-cs"/>
+              </a:defRPr>
+            </a:lvl1pPr>
+          </a:lstStyle>
+          <a:p>
+            <a:pPr algn="l"/>
+            <a:endParaRPr lang="en-US" sz="3100" dirty="0"/>
+          </a:p>
+          <a:p>
+            <a:pPr algn="l"/>
+            <a:endParaRPr lang="en-US" sz="3100" dirty="0"/>
+          </a:p>
+          <a:p>
+            <a:pPr algn="l"/>
+            <a:endParaRPr lang="en-US" sz="3100" dirty="0"/>
+          </a:p>
+          <a:p>
+            <a:pPr algn="l"/>
+            <a:endParaRPr lang="en-US" sz="3100" dirty="0"/>
+          </a:p>
+          <a:p>
+            <a:pPr algn="l"/>
+            <a:endParaRPr lang="en-US" sz="3000" dirty="0"/>
+          </a:p>
+          <a:p>
+            <a:pPr algn="l"/>
+            <a:endParaRPr lang="en-US" sz="3000" dirty="0"/>
+          </a:p>
+        </p:txBody>
+      </p:sp>
+      <p:sp>
+        <p:nvSpPr>
+          <p:cNvPr id="38" name="Title 1">
+            <a:extLst>
+              <a:ext uri="{FF2B5EF4-FFF2-40B4-BE49-F238E27FC236}">
+                <a16:creationId xmlns:a16="http://schemas.microsoft.com/office/drawing/2014/main" id="{85194D96-4E26-6A5A-5AB5-02AFD53E7543}"/>
+              </a:ext>
+            </a:extLst>
+          </p:cNvPr>
+          <p:cNvSpPr>
+            <a:spLocks noGrp="1"/>
+          </p:cNvSpPr>
+          <p:nvPr>
+            <p:ph type="ctrTitle"/>
+          </p:nvPr>
+        </p:nvSpPr>
+        <p:spPr>
+          <a:xfrm>
+            <a:off x="1128386" y="415731"/>
+            <a:ext cx="9935227" cy="718459"/>
+          </a:xfrm>
+        </p:spPr>
+        <p:txBody>
+          <a:bodyPr>
+            <a:noAutofit/>
+          </a:bodyPr>
+          <a:lstStyle/>
+          <a:p>
+            <a:r>
+              <a:rPr lang="en-US" sz="5000" b="1" dirty="0"/>
+              <a:t>How Hypothesis Testing Works?</a:t>
+            </a:r>
+            <a:endParaRPr lang="en-PH" sz="5000" b="1" dirty="0"/>
+          </a:p>
+        </p:txBody>
+      </p:sp>
+      <p:sp>
+        <p:nvSpPr>
+          <p:cNvPr id="39" name="Footer Placeholder 3">
+            <a:extLst>
+              <a:ext uri="{FF2B5EF4-FFF2-40B4-BE49-F238E27FC236}">
+                <a16:creationId xmlns:a16="http://schemas.microsoft.com/office/drawing/2014/main" id="{77EF4DA7-E5CF-896F-45E0-B1D58FD59B96}"/>
+              </a:ext>
+            </a:extLst>
+          </p:cNvPr>
+          <p:cNvSpPr>
+            <a:spLocks noGrp="1"/>
+          </p:cNvSpPr>
+          <p:nvPr>
+            <p:ph type="ftr" sz="quarter" idx="11"/>
+          </p:nvPr>
+        </p:nvSpPr>
+        <p:spPr>
+          <a:xfrm>
+            <a:off x="0" y="6139541"/>
+            <a:ext cx="12192000" cy="718459"/>
+          </a:xfrm>
+          <a:ln w="28575">
+            <a:solidFill>
+              <a:schemeClr val="accent5">
+                <a:lumMod val="50000"/>
+              </a:schemeClr>
+            </a:solidFill>
+          </a:ln>
+        </p:spPr>
+        <p:txBody>
+          <a:bodyPr/>
+          <a:lstStyle/>
+          <a:p>
+            <a:pPr lvl="1" algn="r"/>
+            <a:r>
+              <a:rPr lang="en-US" sz="1200" b="1" dirty="0"/>
+              <a:t>CCDATS1L</a:t>
+            </a:r>
+            <a:endParaRPr lang="en-PH" sz="1200" b="1" dirty="0"/>
+          </a:p>
+        </p:txBody>
+      </p:sp>
+      <p:sp>
+        <p:nvSpPr>
+          <p:cNvPr id="4" name="TextBox 3">
+            <a:extLst>
+              <a:ext uri="{FF2B5EF4-FFF2-40B4-BE49-F238E27FC236}">
+                <a16:creationId xmlns:a16="http://schemas.microsoft.com/office/drawing/2014/main" id="{4203C0C4-7C82-D208-A8B3-1AE6E9099A3C}"/>
+              </a:ext>
+            </a:extLst>
+          </p:cNvPr>
+          <p:cNvSpPr txBox="1"/>
+          <p:nvPr/>
+        </p:nvSpPr>
+        <p:spPr>
+          <a:xfrm>
+            <a:off x="639918" y="1354768"/>
+            <a:ext cx="11140404" cy="3785652"/>
+          </a:xfrm>
+          <a:prstGeom prst="rect">
+            <a:avLst/>
+          </a:prstGeom>
+          <a:noFill/>
+        </p:spPr>
+        <p:txBody>
+          <a:bodyPr wrap="square" rtlCol="0">
+            <a:spAutoFit/>
+          </a:bodyPr>
+          <a:lstStyle/>
+          <a:p>
+            <a:r>
+              <a:rPr lang="en-PH" sz="3000" dirty="0"/>
+              <a:t>Measurements and analyses are conducted on a </a:t>
+            </a:r>
+            <a:r>
+              <a:rPr lang="en-PH" sz="3000" b="1" dirty="0">
+                <a:solidFill>
+                  <a:srgbClr val="00B0F0"/>
+                </a:solidFill>
+              </a:rPr>
+              <a:t>random sample </a:t>
+            </a:r>
+            <a:r>
+              <a:rPr lang="en-PH" sz="3000" dirty="0"/>
+              <a:t>of the population to test a theory.</a:t>
+            </a:r>
+          </a:p>
+          <a:p>
+            <a:endParaRPr lang="en-PH" sz="3000" dirty="0"/>
+          </a:p>
+          <a:p>
+            <a:r>
+              <a:rPr lang="en-US" sz="3000" dirty="0"/>
+              <a:t>In hypothesis testing, a decision between two alternatives must be made. </a:t>
+            </a:r>
+          </a:p>
+          <a:p>
+            <a:endParaRPr lang="en-US" sz="3000" dirty="0"/>
+          </a:p>
+          <a:p>
+            <a:r>
+              <a:rPr lang="en-US" sz="3000" dirty="0"/>
+              <a:t>One of which is called the </a:t>
+            </a:r>
+            <a:r>
+              <a:rPr lang="en-US" sz="3000" b="1" dirty="0">
+                <a:solidFill>
+                  <a:srgbClr val="00B050"/>
+                </a:solidFill>
+              </a:rPr>
+              <a:t>null hypothesis </a:t>
+            </a:r>
+            <a:r>
+              <a:rPr lang="en-US" sz="3000" dirty="0"/>
+              <a:t>and the other the </a:t>
+            </a:r>
+            <a:r>
+              <a:rPr lang="en-US" sz="3000" b="1" dirty="0">
+                <a:solidFill>
+                  <a:srgbClr val="FF0000"/>
+                </a:solidFill>
+              </a:rPr>
+              <a:t>alternative hypothesis</a:t>
+            </a:r>
+          </a:p>
+        </p:txBody>
+      </p:sp>
+    </p:spTree>
+    <p:extLst>
+      <p:ext uri="{BB962C8B-B14F-4D97-AF65-F5344CB8AC3E}">
+        <p14:creationId xmlns:p14="http://schemas.microsoft.com/office/powerpoint/2010/main" val="193917823"/>
+      </p:ext>
+    </p:extLst>
+  </p:cSld>
+  <p:clrMapOvr>
+    <a:masterClrMapping/>
+  </p:clrMapOvr>
+</p:sld>
+</file>
+
+<file path=ppt/slides/slide9.xml><?xml version="1.0" encoding="utf-8"?>
+<p:sld xmlns:a="http://schemas.openxmlformats.org/drawingml/2006/main" xmlns:r="http://schemas.openxmlformats.org/officeDocument/2006/relationships" xmlns:p="http://schemas.openxmlformats.org/presentationml/2006/main">
+  <p:cSld>
+    <p:bg>
+      <p:bgPr>
+        <a:blipFill dpi="0" rotWithShape="1">
+          <a:blip r:embed="rId3">
+            <a:alphaModFix amt="99000"/>
+            <a:lum/>
+          </a:blip>
+          <a:srcRect/>
+          <a:stretch>
+            <a:fillRect t="89000" r="85000" b="-1000"/>
+          </a:stretch>
+        </a:blipFill>
+        <a:effectLst/>
+      </p:bgPr>
+    </p:bg>
+    <p:spTree>
+      <p:nvGrpSpPr>
+        <p:cNvPr id="1" name=""/>
+        <p:cNvGrpSpPr/>
+        <p:nvPr/>
+      </p:nvGrpSpPr>
+      <p:grpSpPr>
+        <a:xfrm>
+          <a:off x="0" y="0"/>
+          <a:ext cx="0" cy="0"/>
+          <a:chOff x="0" y="0"/>
+          <a:chExt cx="0" cy="0"/>
+        </a:xfrm>
+      </p:grpSpPr>
+      <p:sp>
+        <p:nvSpPr>
+          <p:cNvPr id="5" name="Title 1">
+            <a:extLst>
+              <a:ext uri="{FF2B5EF4-FFF2-40B4-BE49-F238E27FC236}">
+                <a16:creationId xmlns:a16="http://schemas.microsoft.com/office/drawing/2014/main" id="{3444037F-B658-D82C-5DCA-53E8AA1493D7}"/>
+              </a:ext>
+            </a:extLst>
+          </p:cNvPr>
+          <p:cNvSpPr txBox="1">
+            <a:spLocks/>
+          </p:cNvSpPr>
+          <p:nvPr/>
+        </p:nvSpPr>
+        <p:spPr>
+          <a:xfrm>
+            <a:off x="1524000" y="1516449"/>
+            <a:ext cx="9144000" cy="4290585"/>
+          </a:xfrm>
+          <a:prstGeom prst="rect">
+            <a:avLst/>
+          </a:prstGeom>
+        </p:spPr>
+        <p:txBody>
+          <a:bodyPr vert="horz" lIns="91440" tIns="45720" rIns="91440" bIns="45720" rtlCol="0" anchor="b">
+            <a:normAutofit fontScale="97500"/>
+          </a:bodyPr>
+          <a:lstStyle>
+            <a:lvl1pPr algn="ctr" defTabSz="914400" rtl="0" eaLnBrk="1" latinLnBrk="0" hangingPunct="1">
+              <a:lnSpc>
+                <a:spcPct val="90000"/>
+              </a:lnSpc>
+              <a:spcBef>
+                <a:spcPct val="0"/>
+              </a:spcBef>
+              <a:buNone/>
+              <a:defRPr sz="6000" kern="1200">
+                <a:solidFill>
+                  <a:schemeClr val="tx1"/>
+                </a:solidFill>
+                <a:latin typeface="+mj-lt"/>
+                <a:ea typeface="+mj-ea"/>
+                <a:cs typeface="+mj-cs"/>
+              </a:defRPr>
+            </a:lvl1pPr>
+          </a:lstStyle>
+          <a:p>
+            <a:pPr algn="l"/>
+            <a:endParaRPr lang="en-US" sz="3100" dirty="0"/>
+          </a:p>
+          <a:p>
+            <a:pPr algn="l"/>
+            <a:endParaRPr lang="en-US" sz="3100" dirty="0"/>
+          </a:p>
+          <a:p>
+            <a:pPr algn="l"/>
+            <a:endParaRPr lang="en-US" sz="3100" dirty="0"/>
+          </a:p>
+          <a:p>
+            <a:pPr algn="l"/>
+            <a:endParaRPr lang="en-US" sz="3100" dirty="0"/>
+          </a:p>
+          <a:p>
+            <a:pPr algn="l"/>
+            <a:endParaRPr lang="en-US" sz="3000" dirty="0"/>
+          </a:p>
+          <a:p>
+            <a:pPr algn="l"/>
+            <a:endParaRPr lang="en-US" sz="3000" dirty="0"/>
+          </a:p>
+        </p:txBody>
+      </p:sp>
+      <p:sp>
+        <p:nvSpPr>
+          <p:cNvPr id="38" name="Title 1">
+            <a:extLst>
+              <a:ext uri="{FF2B5EF4-FFF2-40B4-BE49-F238E27FC236}">
+                <a16:creationId xmlns:a16="http://schemas.microsoft.com/office/drawing/2014/main" id="{85194D96-4E26-6A5A-5AB5-02AFD53E7543}"/>
+              </a:ext>
+            </a:extLst>
+          </p:cNvPr>
+          <p:cNvSpPr>
+            <a:spLocks noGrp="1"/>
+          </p:cNvSpPr>
+          <p:nvPr>
+            <p:ph type="ctrTitle"/>
+          </p:nvPr>
+        </p:nvSpPr>
+        <p:spPr>
+          <a:xfrm>
+            <a:off x="1128386" y="415731"/>
+            <a:ext cx="9935227" cy="718459"/>
+          </a:xfrm>
+        </p:spPr>
+        <p:txBody>
+          <a:bodyPr>
+            <a:noAutofit/>
+          </a:bodyPr>
+          <a:lstStyle/>
+          <a:p>
+            <a:r>
+              <a:rPr lang="en-US" sz="5000" b="1" dirty="0"/>
               <a:t>Null Hypothesis</a:t>
             </a:r>
             <a:endParaRPr lang="en-PH" sz="5000" b="1" dirty="0"/>
@@ -10912,7 +14473,7 @@
                 </a:r>
                 <a:r>
                   <a:rPr lang="en-US" sz="3000" dirty="0"/>
-                  <a:t>is a form of hypothesis that is </a:t>
+                  <a:t>is a form of hypothesis that is deemed</a:t>
                 </a:r>
                 <a:r>
                   <a:rPr lang="en-US" sz="3000" b="1" dirty="0">
@@ -10920,7 +14481,7 @@
                       <a:srgbClr val="7030A0"/>
                     </a:solidFill>
                   </a:rPr>
-                  <a:t>deemed “true” </a:t>
+                  <a:t> “true” </a:t>
                 </a:r>
                 <a:r>
                   <a:rPr lang="en-US" sz="3000" dirty="0"/>
@@ -10961,7 +14522,19 @@
                 </a:r>
                 <a:r>
                   <a:rPr lang="en-US" sz="3000" dirty="0"/>
-                  <a:t>and the researcher’s aim is to reject or nullify this fact.</a:t>
+                  <a:t>and the </a:t>
+                </a:r>
+                <a:r>
+                  <a:rPr lang="en-US" sz="3000" b="1" dirty="0">
+                    <a:solidFill>
+                      <a:srgbClr val="00B0F0"/>
+                    </a:solidFill>
+                  </a:rPr>
+                  <a:t>researcher’s aim is to reject or nullify this fact</a:t>
+                </a:r>
+                <a:r>
+                  <a:rPr lang="en-US" sz="3000" dirty="0"/>
+                  <a:t>.</a:t>
                 </a:r>
               </a:p>
               <a:p>
@@ -11052,7 +14625,7 @@
               <a:blipFill>
                 <a:blip r:embed="rId4"/>
                 <a:stretch>
-                  <a:fillRect l="-1314" t="-1932" r="-985"/>
+                  <a:fillRect l="-1253" t="-2007" r="-1595"/>
                 </a:stretch>
               </a:blipFill>
             </p:spPr>
@@ -11061,7 +14634,7 @@
               <a:lstStyle/>
               <a:p>
                 <a:r>
-                  <a:rPr lang="en-PH">
+                  <a:rPr lang="en-US">
                     <a:noFill/>
                   </a:rPr>
                   <a:t> </a:t>
@@ -11075,555 +14648,6 @@
     <p:extLst>
       <p:ext uri="{BB962C8B-B14F-4D97-AF65-F5344CB8AC3E}">
         <p14:creationId xmlns:p14="http://schemas.microsoft.com/office/powerpoint/2010/main" val="4210428131"/>
-      </p:ext>
-    </p:extLst>
-  </p:cSld>
-  <p:clrMapOvr>
-    <a:masterClrMapping/>
-  </p:clrMapOvr>
-</p:sld>
-</file>
-
-<file path=ppt/slides/slide8.xml><?xml version="1.0" encoding="utf-8"?>
-<p:sld xmlns:a="http://schemas.openxmlformats.org/drawingml/2006/main" xmlns:r="http://schemas.openxmlformats.org/officeDocument/2006/relationships" xmlns:p="http://schemas.openxmlformats.org/presentationml/2006/main">
-  <p:cSld>
-    <p:bg>
-      <p:bgPr>
-        <a:blipFill dpi="0" rotWithShape="1">
-          <a:blip r:embed="rId3">
-            <a:alphaModFix amt="99000"/>
-            <a:lum/>
-          </a:blip>
-          <a:srcRect/>
-          <a:stretch>
-            <a:fillRect t="89000" r="85000" b="-1000"/>
-          </a:stretch>
-        </a:blipFill>
-        <a:effectLst/>
-      </p:bgPr>
-    </p:bg>
-    <p:spTree>
-      <p:nvGrpSpPr>
-        <p:cNvPr id="1" name=""/>
-        <p:cNvGrpSpPr/>
-        <p:nvPr/>
-      </p:nvGrpSpPr>
-      <p:grpSpPr>
-        <a:xfrm>
-          <a:off x="0" y="0"/>
-          <a:ext cx="0" cy="0"/>
-          <a:chOff x="0" y="0"/>
-          <a:chExt cx="0" cy="0"/>
-        </a:xfrm>
-      </p:grpSpPr>
-      <p:sp>
-        <p:nvSpPr>
-          <p:cNvPr id="5" name="Title 1">
-            <a:extLst>
-              <a:ext uri="{FF2B5EF4-FFF2-40B4-BE49-F238E27FC236}">
-                <a16:creationId xmlns:a16="http://schemas.microsoft.com/office/drawing/2014/main" id="{3444037F-B658-D82C-5DCA-53E8AA1493D7}"/>
-              </a:ext>
-            </a:extLst>
-          </p:cNvPr>
-          <p:cNvSpPr txBox="1">
-            <a:spLocks/>
-          </p:cNvSpPr>
-          <p:nvPr/>
-        </p:nvSpPr>
-        <p:spPr>
-          <a:xfrm>
-            <a:off x="1524000" y="1516449"/>
-            <a:ext cx="9144000" cy="4290585"/>
-          </a:xfrm>
-          <a:prstGeom prst="rect">
-            <a:avLst/>
-          </a:prstGeom>
-        </p:spPr>
-        <p:txBody>
-          <a:bodyPr vert="horz" lIns="91440" tIns="45720" rIns="91440" bIns="45720" rtlCol="0" anchor="b">
-            <a:normAutofit fontScale="97500"/>
-          </a:bodyPr>
-          <a:lstStyle>
-            <a:lvl1pPr algn="ctr" defTabSz="914400" rtl="0" eaLnBrk="1" latinLnBrk="0" hangingPunct="1">
-              <a:lnSpc>
-                <a:spcPct val="90000"/>
-              </a:lnSpc>
-              <a:spcBef>
-                <a:spcPct val="0"/>
-              </a:spcBef>
-              <a:buNone/>
-              <a:defRPr sz="6000" kern="1200">
-                <a:solidFill>
-                  <a:schemeClr val="tx1"/>
-                </a:solidFill>
-                <a:latin typeface="+mj-lt"/>
-                <a:ea typeface="+mj-ea"/>
-                <a:cs typeface="+mj-cs"/>
-              </a:defRPr>
-            </a:lvl1pPr>
-          </a:lstStyle>
-          <a:p>
-            <a:pPr algn="l"/>
-            <a:endParaRPr lang="en-US" sz="3100" dirty="0"/>
-          </a:p>
-          <a:p>
-            <a:pPr algn="l"/>
-            <a:endParaRPr lang="en-US" sz="3100" dirty="0"/>
-          </a:p>
-          <a:p>
-            <a:pPr algn="l"/>
-            <a:endParaRPr lang="en-US" sz="3100" dirty="0"/>
-          </a:p>
-          <a:p>
-            <a:pPr algn="l"/>
-            <a:endParaRPr lang="en-US" sz="3100" dirty="0"/>
-          </a:p>
-          <a:p>
-            <a:pPr algn="l"/>
-            <a:endParaRPr lang="en-US" sz="3000" dirty="0"/>
-          </a:p>
-          <a:p>
-            <a:pPr algn="l"/>
-            <a:endParaRPr lang="en-US" sz="3000" dirty="0"/>
-          </a:p>
-        </p:txBody>
-      </p:sp>
-      <p:sp>
-        <p:nvSpPr>
-          <p:cNvPr id="39" name="Footer Placeholder 3">
-            <a:extLst>
-              <a:ext uri="{FF2B5EF4-FFF2-40B4-BE49-F238E27FC236}">
-                <a16:creationId xmlns:a16="http://schemas.microsoft.com/office/drawing/2014/main" id="{77EF4DA7-E5CF-896F-45E0-B1D58FD59B96}"/>
-              </a:ext>
-            </a:extLst>
-          </p:cNvPr>
-          <p:cNvSpPr>
-            <a:spLocks noGrp="1"/>
-          </p:cNvSpPr>
-          <p:nvPr>
-            <p:ph type="ftr" sz="quarter" idx="11"/>
-          </p:nvPr>
-        </p:nvSpPr>
-        <p:spPr>
-          <a:xfrm>
-            <a:off x="0" y="6139541"/>
-            <a:ext cx="12192000" cy="718459"/>
-          </a:xfrm>
-          <a:ln w="28575">
-            <a:solidFill>
-              <a:schemeClr val="accent5">
-                <a:lumMod val="50000"/>
-              </a:schemeClr>
-            </a:solidFill>
-          </a:ln>
-        </p:spPr>
-        <p:txBody>
-          <a:bodyPr/>
-          <a:lstStyle/>
-          <a:p>
-            <a:pPr lvl="1" algn="r"/>
-            <a:r>
-              <a:rPr lang="en-US" sz="1200" b="1" dirty="0"/>
-              <a:t>CCDATS1L</a:t>
-            </a:r>
-            <a:endParaRPr lang="en-PH" sz="1200" b="1" dirty="0"/>
-          </a:p>
-        </p:txBody>
-      </p:sp>
-      <p:pic>
-        <p:nvPicPr>
-          <p:cNvPr id="3" name="Picture 2" descr="A poster of a group of people playing music&#10;&#10;Description automatically generated with medium confidence">
-            <a:extLst>
-              <a:ext uri="{FF2B5EF4-FFF2-40B4-BE49-F238E27FC236}">
-                <a16:creationId xmlns:a16="http://schemas.microsoft.com/office/drawing/2014/main" id="{A2DF7275-E609-E593-DCE6-8831671226FB}"/>
-              </a:ext>
-            </a:extLst>
-          </p:cNvPr>
-          <p:cNvPicPr>
-            <a:picLocks noChangeAspect="1"/>
-          </p:cNvPicPr>
-          <p:nvPr/>
-        </p:nvPicPr>
-        <p:blipFill>
-          <a:blip r:embed="rId4">
-            <a:extLst>
-              <a:ext uri="{28A0092B-C50C-407E-A947-70E740481C1C}">
-                <a14:useLocalDpi xmlns:a14="http://schemas.microsoft.com/office/drawing/2010/main" val="0"/>
-              </a:ext>
-            </a:extLst>
-          </a:blip>
-          <a:stretch>
-            <a:fillRect/>
-          </a:stretch>
-        </p:blipFill>
-        <p:spPr>
-          <a:xfrm>
-            <a:off x="1812780" y="321706"/>
-            <a:ext cx="8566439" cy="5710959"/>
-          </a:xfrm>
-          <a:prstGeom prst="rect">
-            <a:avLst/>
-          </a:prstGeom>
-          <a:effectLst>
-            <a:outerShdw blurRad="50800" dist="38100" dir="2700000" algn="tl" rotWithShape="0">
-              <a:prstClr val="black">
-                <a:alpha val="40000"/>
-              </a:prstClr>
-            </a:outerShdw>
-          </a:effectLst>
-        </p:spPr>
-      </p:pic>
-    </p:spTree>
-    <p:extLst>
-      <p:ext uri="{BB962C8B-B14F-4D97-AF65-F5344CB8AC3E}">
-        <p14:creationId xmlns:p14="http://schemas.microsoft.com/office/powerpoint/2010/main" val="3265896283"/>
-      </p:ext>
-    </p:extLst>
-  </p:cSld>
-  <p:clrMapOvr>
-    <a:masterClrMapping/>
-  </p:clrMapOvr>
-</p:sld>
-</file>
-
-<file path=ppt/slides/slide9.xml><?xml version="1.0" encoding="utf-8"?>
-<p:sld xmlns:a="http://schemas.openxmlformats.org/drawingml/2006/main" xmlns:r="http://schemas.openxmlformats.org/officeDocument/2006/relationships" xmlns:p="http://schemas.openxmlformats.org/presentationml/2006/main">
-  <p:cSld>
-    <p:bg>
-      <p:bgPr>
-        <a:blipFill dpi="0" rotWithShape="1">
-          <a:blip r:embed="rId3">
-            <a:alphaModFix amt="99000"/>
-            <a:lum/>
-          </a:blip>
-          <a:srcRect/>
-          <a:stretch>
-            <a:fillRect t="89000" r="85000" b="-1000"/>
-          </a:stretch>
-        </a:blipFill>
-        <a:effectLst/>
-      </p:bgPr>
-    </p:bg>
-    <p:spTree>
-      <p:nvGrpSpPr>
-        <p:cNvPr id="1" name=""/>
-        <p:cNvGrpSpPr/>
-        <p:nvPr/>
-      </p:nvGrpSpPr>
-      <p:grpSpPr>
-        <a:xfrm>
-          <a:off x="0" y="0"/>
-          <a:ext cx="0" cy="0"/>
-          <a:chOff x="0" y="0"/>
-          <a:chExt cx="0" cy="0"/>
-        </a:xfrm>
-      </p:grpSpPr>
-      <p:sp>
-        <p:nvSpPr>
-          <p:cNvPr id="5" name="Title 1">
-            <a:extLst>
-              <a:ext uri="{FF2B5EF4-FFF2-40B4-BE49-F238E27FC236}">
-                <a16:creationId xmlns:a16="http://schemas.microsoft.com/office/drawing/2014/main" id="{3444037F-B658-D82C-5DCA-53E8AA1493D7}"/>
-              </a:ext>
-            </a:extLst>
-          </p:cNvPr>
-          <p:cNvSpPr txBox="1">
-            <a:spLocks/>
-          </p:cNvSpPr>
-          <p:nvPr/>
-        </p:nvSpPr>
-        <p:spPr>
-          <a:xfrm>
-            <a:off x="1524000" y="1516449"/>
-            <a:ext cx="9144000" cy="4290585"/>
-          </a:xfrm>
-          <a:prstGeom prst="rect">
-            <a:avLst/>
-          </a:prstGeom>
-        </p:spPr>
-        <p:txBody>
-          <a:bodyPr vert="horz" lIns="91440" tIns="45720" rIns="91440" bIns="45720" rtlCol="0" anchor="b">
-            <a:normAutofit fontScale="97500"/>
-          </a:bodyPr>
-          <a:lstStyle>
-            <a:lvl1pPr algn="ctr" defTabSz="914400" rtl="0" eaLnBrk="1" latinLnBrk="0" hangingPunct="1">
-              <a:lnSpc>
-                <a:spcPct val="90000"/>
-              </a:lnSpc>
-              <a:spcBef>
-                <a:spcPct val="0"/>
-              </a:spcBef>
-              <a:buNone/>
-              <a:defRPr sz="6000" kern="1200">
-                <a:solidFill>
-                  <a:schemeClr val="tx1"/>
-                </a:solidFill>
-                <a:latin typeface="+mj-lt"/>
-                <a:ea typeface="+mj-ea"/>
-                <a:cs typeface="+mj-cs"/>
-              </a:defRPr>
-            </a:lvl1pPr>
-          </a:lstStyle>
-          <a:p>
-            <a:pPr algn="l"/>
-            <a:endParaRPr lang="en-US" sz="3100" dirty="0"/>
-          </a:p>
-          <a:p>
-            <a:pPr algn="l"/>
-            <a:endParaRPr lang="en-US" sz="3100" dirty="0"/>
-          </a:p>
-          <a:p>
-            <a:pPr algn="l"/>
-            <a:endParaRPr lang="en-US" sz="3100" dirty="0"/>
-          </a:p>
-          <a:p>
-            <a:pPr algn="l"/>
-            <a:endParaRPr lang="en-US" sz="3100" dirty="0"/>
-          </a:p>
-          <a:p>
-            <a:pPr algn="l"/>
-            <a:endParaRPr lang="en-US" sz="3000" dirty="0"/>
-          </a:p>
-          <a:p>
-            <a:pPr algn="l"/>
-            <a:endParaRPr lang="en-US" sz="3000" dirty="0"/>
-          </a:p>
-        </p:txBody>
-      </p:sp>
-      <p:sp>
-        <p:nvSpPr>
-          <p:cNvPr id="38" name="Title 1">
-            <a:extLst>
-              <a:ext uri="{FF2B5EF4-FFF2-40B4-BE49-F238E27FC236}">
-                <a16:creationId xmlns:a16="http://schemas.microsoft.com/office/drawing/2014/main" id="{85194D96-4E26-6A5A-5AB5-02AFD53E7543}"/>
-              </a:ext>
-            </a:extLst>
-          </p:cNvPr>
-          <p:cNvSpPr>
-            <a:spLocks noGrp="1"/>
-          </p:cNvSpPr>
-          <p:nvPr>
-            <p:ph type="ctrTitle"/>
-          </p:nvPr>
-        </p:nvSpPr>
-        <p:spPr>
-          <a:xfrm>
-            <a:off x="1128386" y="415731"/>
-            <a:ext cx="9935227" cy="718459"/>
-          </a:xfrm>
-        </p:spPr>
-        <p:txBody>
-          <a:bodyPr>
-            <a:noAutofit/>
-          </a:bodyPr>
-          <a:lstStyle/>
-          <a:p>
-            <a:r>
-              <a:rPr lang="en-US" sz="5000" b="1" dirty="0"/>
-              <a:t>Alternative Hypothesis</a:t>
-            </a:r>
-            <a:endParaRPr lang="en-PH" sz="5000" b="1" dirty="0"/>
-          </a:p>
-        </p:txBody>
-      </p:sp>
-      <p:sp>
-        <p:nvSpPr>
-          <p:cNvPr id="39" name="Footer Placeholder 3">
-            <a:extLst>
-              <a:ext uri="{FF2B5EF4-FFF2-40B4-BE49-F238E27FC236}">
-                <a16:creationId xmlns:a16="http://schemas.microsoft.com/office/drawing/2014/main" id="{77EF4DA7-E5CF-896F-45E0-B1D58FD59B96}"/>
-              </a:ext>
-            </a:extLst>
-          </p:cNvPr>
-          <p:cNvSpPr>
-            <a:spLocks noGrp="1"/>
-          </p:cNvSpPr>
-          <p:nvPr>
-            <p:ph type="ftr" sz="quarter" idx="11"/>
-          </p:nvPr>
-        </p:nvSpPr>
-        <p:spPr>
-          <a:xfrm>
-            <a:off x="0" y="6139541"/>
-            <a:ext cx="12192000" cy="718459"/>
-          </a:xfrm>
-          <a:ln w="28575">
-            <a:solidFill>
-              <a:schemeClr val="accent5">
-                <a:lumMod val="50000"/>
-              </a:schemeClr>
-            </a:solidFill>
-          </a:ln>
-        </p:spPr>
-        <p:txBody>
-          <a:bodyPr/>
-          <a:lstStyle/>
-          <a:p>
-            <a:pPr lvl="1" algn="r"/>
-            <a:r>
-              <a:rPr lang="en-US" sz="1200" b="1" dirty="0"/>
-              <a:t>CCDATS1L</a:t>
-            </a:r>
-            <a:endParaRPr lang="en-PH" sz="1200" b="1" dirty="0"/>
-          </a:p>
-        </p:txBody>
-      </p:sp>
-      <mc:AlternateContent xmlns:mc="http://schemas.openxmlformats.org/markup-compatibility/2006" xmlns:a14="http://schemas.microsoft.com/office/drawing/2010/main">
-        <mc:Choice Requires="a14">
-          <p:sp>
-            <p:nvSpPr>
-              <p:cNvPr id="4" name="TextBox 3">
-                <a:extLst>
-                  <a:ext uri="{FF2B5EF4-FFF2-40B4-BE49-F238E27FC236}">
-                    <a16:creationId xmlns:a16="http://schemas.microsoft.com/office/drawing/2014/main" id="{4203C0C4-7C82-D208-A8B3-1AE6E9099A3C}"/>
-                  </a:ext>
-                </a:extLst>
-              </p:cNvPr>
-              <p:cNvSpPr txBox="1"/>
-              <p:nvPr/>
-            </p:nvSpPr>
-            <p:spPr>
-              <a:xfrm>
-                <a:off x="639918" y="1354768"/>
-                <a:ext cx="11140404" cy="2862322"/>
-              </a:xfrm>
-              <a:prstGeom prst="rect">
-                <a:avLst/>
-              </a:prstGeom>
-              <a:noFill/>
-            </p:spPr>
-            <p:txBody>
-              <a:bodyPr wrap="square" rtlCol="0">
-                <a:spAutoFit/>
-              </a:bodyPr>
-              <a:lstStyle/>
-              <a:p>
-                <a:r>
-                  <a:rPr lang="en-US" sz="3000" dirty="0"/>
-                  <a:t>The opposite of a null hypothesis is called the </a:t>
-                </a:r>
-                <a:r>
-                  <a:rPr lang="en-US" sz="3000" b="1" dirty="0">
-                    <a:solidFill>
-                      <a:srgbClr val="FF0000"/>
-                    </a:solidFill>
-                  </a:rPr>
-                  <a:t>alternative hypothesis</a:t>
-                </a:r>
-                <a:r>
-                  <a:rPr lang="en-US" sz="3000" dirty="0"/>
-                  <a:t>. </a:t>
-                </a:r>
-              </a:p>
-              <a:p>
-                <a:endParaRPr lang="en-US" sz="3000" dirty="0"/>
-              </a:p>
-              <a:p>
-                <a:r>
-                  <a:rPr lang="en-US" sz="3000" dirty="0"/>
-                  <a:t>The alternative hypothesis is the claim that researchers are actually trying to prove is true. </a:t>
-                </a:r>
-              </a:p>
-              <a:p>
-                <a:endParaRPr lang="en-US" sz="3000" dirty="0"/>
-              </a:p>
-              <a:p>
-                <a:r>
-                  <a:rPr lang="en-US" sz="3000" dirty="0"/>
-                  <a:t>The notation that is typically used for the alternative hypothesis is </a:t>
-                </a:r>
-                <a14:m>
-                  <m:oMath xmlns:m="http://schemas.openxmlformats.org/officeDocument/2006/math">
-                    <m:sSub>
-                      <m:sSubPr>
-                        <m:ctrlPr>
-                          <a:rPr lang="en-US" sz="3000" b="1" i="1" smtClean="0">
-                            <a:solidFill>
-                              <a:srgbClr val="FF0000"/>
-                            </a:solidFill>
-                            <a:latin typeface="Cambria Math" panose="02040503050406030204" pitchFamily="18" charset="0"/>
-                          </a:rPr>
-                        </m:ctrlPr>
-                      </m:sSubPr>
-                      <m:e>
-                        <m:r>
-                          <a:rPr lang="en-US" sz="3000" b="1" i="1" smtClean="0">
-                            <a:solidFill>
-                              <a:srgbClr val="FF0000"/>
-                            </a:solidFill>
-                            <a:latin typeface="Cambria Math" panose="02040503050406030204" pitchFamily="18" charset="0"/>
-                          </a:rPr>
-                          <m:t>𝑯</m:t>
-                        </m:r>
-                      </m:e>
-                      <m:sub>
-                        <m:r>
-                          <a:rPr lang="en-US" sz="3000" b="1" i="1" smtClean="0">
-                            <a:solidFill>
-                              <a:srgbClr val="FF0000"/>
-                            </a:solidFill>
-                            <a:latin typeface="Cambria Math" panose="02040503050406030204" pitchFamily="18" charset="0"/>
-                          </a:rPr>
-                          <m:t>𝒂</m:t>
-                        </m:r>
-                      </m:sub>
-                    </m:sSub>
-                  </m:oMath>
-                </a14:m>
-                <a:endParaRPr lang="en-PH" sz="3000" dirty="0"/>
-              </a:p>
-            </p:txBody>
-          </p:sp>
-        </mc:Choice>
-        <mc:Fallback xmlns="">
-          <p:sp>
-            <p:nvSpPr>
-              <p:cNvPr id="4" name="TextBox 3">
-                <a:extLst>
-                  <a:ext uri="{FF2B5EF4-FFF2-40B4-BE49-F238E27FC236}">
-                    <a16:creationId xmlns:a16="http://schemas.microsoft.com/office/drawing/2014/main" id="{4203C0C4-7C82-D208-A8B3-1AE6E9099A3C}"/>
-                  </a:ext>
-                </a:extLst>
-              </p:cNvPr>
-              <p:cNvSpPr txBox="1">
-                <a:spLocks noRot="1" noChangeAspect="1" noMove="1" noResize="1" noEditPoints="1" noAdjustHandles="1" noChangeArrowheads="1" noChangeShapeType="1" noTextEdit="1"/>
-              </p:cNvSpPr>
-              <p:nvPr/>
-            </p:nvSpPr>
-            <p:spPr>
-              <a:xfrm>
-                <a:off x="639918" y="1354768"/>
-                <a:ext cx="11140404" cy="2862322"/>
-              </a:xfrm>
-              <a:prstGeom prst="rect">
-                <a:avLst/>
-              </a:prstGeom>
-              <a:blipFill>
-                <a:blip r:embed="rId4"/>
-                <a:stretch>
-                  <a:fillRect l="-1314" t="-2553" b="-5745"/>
-                </a:stretch>
-              </a:blipFill>
-            </p:spPr>
-            <p:txBody>
-              <a:bodyPr/>
-              <a:lstStyle/>
-              <a:p>
-                <a:r>
-                  <a:rPr lang="en-PH">
-                    <a:noFill/>
-                  </a:rPr>
-                  <a:t> </a:t>
-                </a:r>
-              </a:p>
-            </p:txBody>
-          </p:sp>
-        </mc:Fallback>
-      </mc:AlternateContent>
-    </p:spTree>
-    <p:extLst>
-      <p:ext uri="{BB962C8B-B14F-4D97-AF65-F5344CB8AC3E}">
-        <p14:creationId xmlns:p14="http://schemas.microsoft.com/office/powerpoint/2010/main" val="1507725930"/>
       </p:ext>
     </p:extLst>
   </p:cSld>
@@ -12224,15 +15248,6 @@
 </file>
 
 <file path=customXml/item1.xml><?xml version="1.0" encoding="utf-8"?>
-<?mso-contentType ?>
-<FormTemplates xmlns="http://schemas.microsoft.com/sharepoint/v3/contenttype/forms">
-  <Display>DocumentLibraryForm</Display>
-  <Edit>DocumentLibraryForm</Edit>
-  <New>DocumentLibraryForm</New>
-</FormTemplates>
-</file>
-
-<file path=customXml/item2.xml><?xml version="1.0" encoding="utf-8"?>
 <ct:contentTypeSchema xmlns:ct="http://schemas.microsoft.com/office/2006/metadata/contentType" xmlns:ma="http://schemas.microsoft.com/office/2006/metadata/properties/metaAttributes" ct:_="" ma:_="" ma:contentTypeName="Document" ma:contentTypeID="0x0101007188BDCA587B344BBA6CB1A93FAE6998" ma:contentTypeVersion="2" ma:contentTypeDescription="Create a new document." ma:contentTypeScope="" ma:versionID="7a8e4b6720badb2566a0cfeddfaf2856">
   <xsd:schema xmlns:xsd="http://www.w3.org/2001/XMLSchema" xmlns:xs="http://www.w3.org/2001/XMLSchema" xmlns:p="http://schemas.microsoft.com/office/2006/metadata/properties" xmlns:ns2="ba111d12-426d-4af0-bcb6-460e36974645" targetNamespace="http://schemas.microsoft.com/office/2006/metadata/properties" ma:root="true" ma:fieldsID="989b05398519136c88ba0a8d54e3c3da" ns2:_="">
     <xsd:import namespace="ba111d12-426d-4af0-bcb6-460e36974645"/>
@@ -12364,6 +15379,15 @@
 </ct:contentTypeSchema>
 </file>
 
+<file path=customXml/item2.xml><?xml version="1.0" encoding="utf-8"?>
+<?mso-contentType ?>
+<FormTemplates xmlns="http://schemas.microsoft.com/sharepoint/v3/contenttype/forms">
+  <Display>DocumentLibraryForm</Display>
+  <Edit>DocumentLibraryForm</Edit>
+  <New>DocumentLibraryForm</New>
+</FormTemplates>
+</file>
+
 <file path=customXml/item3.xml><?xml version="1.0" encoding="utf-8"?>
 <p:properties xmlns:p="http://schemas.microsoft.com/office/2006/metadata/properties" xmlns:xsi="http://www.w3.org/2001/XMLSchema-instance" xmlns:pc="http://schemas.microsoft.com/office/infopath/2007/PartnerControls">
   <documentManagement/>
@@ -12371,14 +15395,6 @@
 </file>
 
 <file path=customXml/itemProps1.xml><?xml version="1.0" encoding="utf-8"?>
-<ds:datastoreItem xmlns:ds="http://schemas.openxmlformats.org/officeDocument/2006/customXml" ds:itemID="{651370AF-26B9-4AFA-BA9D-5D4A7E1A6722}">
-  <ds:schemaRefs>
-    <ds:schemaRef ds:uri="http://schemas.microsoft.com/sharepoint/v3/contenttype/forms"/>
-  </ds:schemaRefs>
-</ds:datastoreItem>
-</file>
-
-<file path=customXml/itemProps2.xml><?xml version="1.0" encoding="utf-8"?>
 <ds:datastoreItem xmlns:ds="http://schemas.openxmlformats.org/officeDocument/2006/customXml" ds:itemID="{3D61E20B-708A-4719-8C02-DA91A478A7AB}">
   <ds:schemaRefs>
     <ds:schemaRef ds:uri="http://schemas.microsoft.com/office/2006/metadata/contentType"/>
@@ -12396,6 +15412,14 @@
 </ds:datastoreItem>
 </file>
 
+<file path=customXml/itemProps2.xml><?xml version="1.0" encoding="utf-8"?>
+<ds:datastoreItem xmlns:ds="http://schemas.openxmlformats.org/officeDocument/2006/customXml" ds:itemID="{651370AF-26B9-4AFA-BA9D-5D4A7E1A6722}">
+  <ds:schemaRefs>
+    <ds:schemaRef ds:uri="http://schemas.microsoft.com/sharepoint/v3/contenttype/forms"/>
+  </ds:schemaRefs>
+</ds:datastoreItem>
+</file>
+
 <file path=customXml/itemProps3.xml><?xml version="1.0" encoding="utf-8"?>
 <ds:datastoreItem xmlns:ds="http://schemas.openxmlformats.org/officeDocument/2006/customXml" ds:itemID="{EA3362E2-FA54-4262-AE94-2FA98FF8142D}">
   <ds:schemaRefs>

--- a/week 10/Test of Significance.pptx
+++ b/week 10/Test of Significance.pptx
@@ -5,36 +5,39 @@
     <p:sldMasterId id="2147483648" r:id="rId4"/>
   </p:sldMasterIdLst>
   <p:notesMasterIdLst>
-    <p:notesMasterId r:id="rId32"/>
+    <p:notesMasterId r:id="rId35"/>
   </p:notesMasterIdLst>
   <p:sldIdLst>
     <p:sldId id="257" r:id="rId5"/>
     <p:sldId id="283" r:id="rId6"/>
     <p:sldId id="299" r:id="rId7"/>
     <p:sldId id="329" r:id="rId8"/>
-    <p:sldId id="330" r:id="rId9"/>
-    <p:sldId id="332" r:id="rId10"/>
-    <p:sldId id="348" r:id="rId11"/>
-    <p:sldId id="347" r:id="rId12"/>
-    <p:sldId id="333" r:id="rId13"/>
-    <p:sldId id="336" r:id="rId14"/>
-    <p:sldId id="335" r:id="rId15"/>
-    <p:sldId id="337" r:id="rId16"/>
-    <p:sldId id="339" r:id="rId17"/>
-    <p:sldId id="334" r:id="rId18"/>
-    <p:sldId id="338" r:id="rId19"/>
-    <p:sldId id="349" r:id="rId20"/>
-    <p:sldId id="331" r:id="rId21"/>
-    <p:sldId id="341" r:id="rId22"/>
-    <p:sldId id="350" r:id="rId23"/>
-    <p:sldId id="351" r:id="rId24"/>
-    <p:sldId id="352" r:id="rId25"/>
-    <p:sldId id="342" r:id="rId26"/>
-    <p:sldId id="343" r:id="rId27"/>
-    <p:sldId id="344" r:id="rId28"/>
-    <p:sldId id="346" r:id="rId29"/>
-    <p:sldId id="353" r:id="rId30"/>
-    <p:sldId id="354" r:id="rId31"/>
+    <p:sldId id="355" r:id="rId9"/>
+    <p:sldId id="330" r:id="rId10"/>
+    <p:sldId id="332" r:id="rId11"/>
+    <p:sldId id="348" r:id="rId12"/>
+    <p:sldId id="347" r:id="rId13"/>
+    <p:sldId id="356" r:id="rId14"/>
+    <p:sldId id="333" r:id="rId15"/>
+    <p:sldId id="336" r:id="rId16"/>
+    <p:sldId id="335" r:id="rId17"/>
+    <p:sldId id="337" r:id="rId18"/>
+    <p:sldId id="339" r:id="rId19"/>
+    <p:sldId id="334" r:id="rId20"/>
+    <p:sldId id="338" r:id="rId21"/>
+    <p:sldId id="349" r:id="rId22"/>
+    <p:sldId id="331" r:id="rId23"/>
+    <p:sldId id="357" r:id="rId24"/>
+    <p:sldId id="341" r:id="rId25"/>
+    <p:sldId id="350" r:id="rId26"/>
+    <p:sldId id="351" r:id="rId27"/>
+    <p:sldId id="352" r:id="rId28"/>
+    <p:sldId id="342" r:id="rId29"/>
+    <p:sldId id="343" r:id="rId30"/>
+    <p:sldId id="344" r:id="rId31"/>
+    <p:sldId id="346" r:id="rId32"/>
+    <p:sldId id="353" r:id="rId33"/>
+    <p:sldId id="354" r:id="rId34"/>
   </p:sldIdLst>
   <p:sldSz cx="12192000" cy="6858000"/>
   <p:notesSz cx="6858000" cy="9144000"/>
@@ -231,7 +234,7 @@
           <a:p>
             <a:fld id="{F666E1FD-E7A0-497B-BBC0-740BAAC97C64}" type="datetimeFigureOut">
               <a:rPr lang="en-PH" smtClean="0"/>
-              <a:t>11/3/23</a:t>
+              <a:t>11/4/23</a:t>
             </a:fld>
             <a:endParaRPr lang="en-PH"/>
           </a:p>
@@ -657,7 +660,7 @@
     </p:spTree>
     <p:extLst>
       <p:ext uri="{BB962C8B-B14F-4D97-AF65-F5344CB8AC3E}">
-        <p14:creationId xmlns:p14="http://schemas.microsoft.com/office/powerpoint/2010/main" val="1986353231"/>
+        <p14:creationId xmlns:p14="http://schemas.microsoft.com/office/powerpoint/2010/main" val="773395958"/>
       </p:ext>
     </p:extLst>
   </p:cSld>
@@ -741,7 +744,7 @@
     </p:spTree>
     <p:extLst>
       <p:ext uri="{BB962C8B-B14F-4D97-AF65-F5344CB8AC3E}">
-        <p14:creationId xmlns:p14="http://schemas.microsoft.com/office/powerpoint/2010/main" val="2671781897"/>
+        <p14:creationId xmlns:p14="http://schemas.microsoft.com/office/powerpoint/2010/main" val="3146837381"/>
       </p:ext>
     </p:extLst>
   </p:cSld>
@@ -825,7 +828,7 @@
     </p:spTree>
     <p:extLst>
       <p:ext uri="{BB962C8B-B14F-4D97-AF65-F5344CB8AC3E}">
-        <p14:creationId xmlns:p14="http://schemas.microsoft.com/office/powerpoint/2010/main" val="360354879"/>
+        <p14:creationId xmlns:p14="http://schemas.microsoft.com/office/powerpoint/2010/main" val="1986353231"/>
       </p:ext>
     </p:extLst>
   </p:cSld>
@@ -909,7 +912,7 @@
     </p:spTree>
     <p:extLst>
       <p:ext uri="{BB962C8B-B14F-4D97-AF65-F5344CB8AC3E}">
-        <p14:creationId xmlns:p14="http://schemas.microsoft.com/office/powerpoint/2010/main" val="1719743963"/>
+        <p14:creationId xmlns:p14="http://schemas.microsoft.com/office/powerpoint/2010/main" val="2671781897"/>
       </p:ext>
     </p:extLst>
   </p:cSld>
@@ -993,7 +996,7 @@
     </p:spTree>
     <p:extLst>
       <p:ext uri="{BB962C8B-B14F-4D97-AF65-F5344CB8AC3E}">
-        <p14:creationId xmlns:p14="http://schemas.microsoft.com/office/powerpoint/2010/main" val="1615291102"/>
+        <p14:creationId xmlns:p14="http://schemas.microsoft.com/office/powerpoint/2010/main" val="360354879"/>
       </p:ext>
     </p:extLst>
   </p:cSld>
@@ -1077,7 +1080,7 @@
     </p:spTree>
     <p:extLst>
       <p:ext uri="{BB962C8B-B14F-4D97-AF65-F5344CB8AC3E}">
-        <p14:creationId xmlns:p14="http://schemas.microsoft.com/office/powerpoint/2010/main" val="3361937685"/>
+        <p14:creationId xmlns:p14="http://schemas.microsoft.com/office/powerpoint/2010/main" val="1719743963"/>
       </p:ext>
     </p:extLst>
   </p:cSld>
@@ -1161,7 +1164,7 @@
     </p:spTree>
     <p:extLst>
       <p:ext uri="{BB962C8B-B14F-4D97-AF65-F5344CB8AC3E}">
-        <p14:creationId xmlns:p14="http://schemas.microsoft.com/office/powerpoint/2010/main" val="1595644056"/>
+        <p14:creationId xmlns:p14="http://schemas.microsoft.com/office/powerpoint/2010/main" val="1615291102"/>
       </p:ext>
     </p:extLst>
   </p:cSld>
@@ -1245,7 +1248,7 @@
     </p:spTree>
     <p:extLst>
       <p:ext uri="{BB962C8B-B14F-4D97-AF65-F5344CB8AC3E}">
-        <p14:creationId xmlns:p14="http://schemas.microsoft.com/office/powerpoint/2010/main" val="4241614334"/>
+        <p14:creationId xmlns:p14="http://schemas.microsoft.com/office/powerpoint/2010/main" val="3361937685"/>
       </p:ext>
     </p:extLst>
   </p:cSld>
@@ -1329,7 +1332,7 @@
     </p:spTree>
     <p:extLst>
       <p:ext uri="{BB962C8B-B14F-4D97-AF65-F5344CB8AC3E}">
-        <p14:creationId xmlns:p14="http://schemas.microsoft.com/office/powerpoint/2010/main" val="836921790"/>
+        <p14:creationId xmlns:p14="http://schemas.microsoft.com/office/powerpoint/2010/main" val="1595644056"/>
       </p:ext>
     </p:extLst>
   </p:cSld>
@@ -1413,7 +1416,7 @@
     </p:spTree>
     <p:extLst>
       <p:ext uri="{BB962C8B-B14F-4D97-AF65-F5344CB8AC3E}">
-        <p14:creationId xmlns:p14="http://schemas.microsoft.com/office/powerpoint/2010/main" val="845433612"/>
+        <p14:creationId xmlns:p14="http://schemas.microsoft.com/office/powerpoint/2010/main" val="4241614334"/>
       </p:ext>
     </p:extLst>
   </p:cSld>
@@ -1581,7 +1584,7 @@
     </p:spTree>
     <p:extLst>
       <p:ext uri="{BB962C8B-B14F-4D97-AF65-F5344CB8AC3E}">
-        <p14:creationId xmlns:p14="http://schemas.microsoft.com/office/powerpoint/2010/main" val="466560029"/>
+        <p14:creationId xmlns:p14="http://schemas.microsoft.com/office/powerpoint/2010/main" val="3877976224"/>
       </p:ext>
     </p:extLst>
   </p:cSld>
@@ -1665,7 +1668,7 @@
     </p:spTree>
     <p:extLst>
       <p:ext uri="{BB962C8B-B14F-4D97-AF65-F5344CB8AC3E}">
-        <p14:creationId xmlns:p14="http://schemas.microsoft.com/office/powerpoint/2010/main" val="1588583301"/>
+        <p14:creationId xmlns:p14="http://schemas.microsoft.com/office/powerpoint/2010/main" val="836921790"/>
       </p:ext>
     </p:extLst>
   </p:cSld>
@@ -1749,7 +1752,7 @@
     </p:spTree>
     <p:extLst>
       <p:ext uri="{BB962C8B-B14F-4D97-AF65-F5344CB8AC3E}">
-        <p14:creationId xmlns:p14="http://schemas.microsoft.com/office/powerpoint/2010/main" val="3070430770"/>
+        <p14:creationId xmlns:p14="http://schemas.microsoft.com/office/powerpoint/2010/main" val="845433612"/>
       </p:ext>
     </p:extLst>
   </p:cSld>
@@ -1833,7 +1836,7 @@
     </p:spTree>
     <p:extLst>
       <p:ext uri="{BB962C8B-B14F-4D97-AF65-F5344CB8AC3E}">
-        <p14:creationId xmlns:p14="http://schemas.microsoft.com/office/powerpoint/2010/main" val="4148544300"/>
+        <p14:creationId xmlns:p14="http://schemas.microsoft.com/office/powerpoint/2010/main" val="466560029"/>
       </p:ext>
     </p:extLst>
   </p:cSld>
@@ -1917,7 +1920,7 @@
     </p:spTree>
     <p:extLst>
       <p:ext uri="{BB962C8B-B14F-4D97-AF65-F5344CB8AC3E}">
-        <p14:creationId xmlns:p14="http://schemas.microsoft.com/office/powerpoint/2010/main" val="939303271"/>
+        <p14:creationId xmlns:p14="http://schemas.microsoft.com/office/powerpoint/2010/main" val="1588583301"/>
       </p:ext>
     </p:extLst>
   </p:cSld>
@@ -2001,7 +2004,7 @@
     </p:spTree>
     <p:extLst>
       <p:ext uri="{BB962C8B-B14F-4D97-AF65-F5344CB8AC3E}">
-        <p14:creationId xmlns:p14="http://schemas.microsoft.com/office/powerpoint/2010/main" val="895079208"/>
+        <p14:creationId xmlns:p14="http://schemas.microsoft.com/office/powerpoint/2010/main" val="3070430770"/>
       </p:ext>
     </p:extLst>
   </p:cSld>
@@ -2085,7 +2088,7 @@
     </p:spTree>
     <p:extLst>
       <p:ext uri="{BB962C8B-B14F-4D97-AF65-F5344CB8AC3E}">
-        <p14:creationId xmlns:p14="http://schemas.microsoft.com/office/powerpoint/2010/main" val="3415368175"/>
+        <p14:creationId xmlns:p14="http://schemas.microsoft.com/office/powerpoint/2010/main" val="4148544300"/>
       </p:ext>
     </p:extLst>
   </p:cSld>
@@ -2169,7 +2172,175 @@
     </p:spTree>
     <p:extLst>
       <p:ext uri="{BB962C8B-B14F-4D97-AF65-F5344CB8AC3E}">
-        <p14:creationId xmlns:p14="http://schemas.microsoft.com/office/powerpoint/2010/main" val="882353362"/>
+        <p14:creationId xmlns:p14="http://schemas.microsoft.com/office/powerpoint/2010/main" val="939303271"/>
+      </p:ext>
+    </p:extLst>
+  </p:cSld>
+  <p:clrMapOvr>
+    <a:masterClrMapping/>
+  </p:clrMapOvr>
+</p:notes>
+</file>
+
+<file path=ppt/notesSlides/notesSlide28.xml><?xml version="1.0" encoding="utf-8"?>
+<p:notes xmlns:a="http://schemas.openxmlformats.org/drawingml/2006/main" xmlns:r="http://schemas.openxmlformats.org/officeDocument/2006/relationships" xmlns:p="http://schemas.openxmlformats.org/presentationml/2006/main">
+  <p:cSld>
+    <p:spTree>
+      <p:nvGrpSpPr>
+        <p:cNvPr id="1" name=""/>
+        <p:cNvGrpSpPr/>
+        <p:nvPr/>
+      </p:nvGrpSpPr>
+      <p:grpSpPr>
+        <a:xfrm>
+          <a:off x="0" y="0"/>
+          <a:ext cx="0" cy="0"/>
+          <a:chOff x="0" y="0"/>
+          <a:chExt cx="0" cy="0"/>
+        </a:xfrm>
+      </p:grpSpPr>
+      <p:sp>
+        <p:nvSpPr>
+          <p:cNvPr id="2" name="Slide Image Placeholder 1"/>
+          <p:cNvSpPr>
+            <a:spLocks noGrp="1" noRot="1" noChangeAspect="1"/>
+          </p:cNvSpPr>
+          <p:nvPr>
+            <p:ph type="sldImg"/>
+          </p:nvPr>
+        </p:nvSpPr>
+        <p:spPr/>
+      </p:sp>
+      <p:sp>
+        <p:nvSpPr>
+          <p:cNvPr id="3" name="Notes Placeholder 2"/>
+          <p:cNvSpPr>
+            <a:spLocks noGrp="1"/>
+          </p:cNvSpPr>
+          <p:nvPr>
+            <p:ph type="body" idx="1"/>
+          </p:nvPr>
+        </p:nvSpPr>
+        <p:spPr/>
+        <p:txBody>
+          <a:bodyPr/>
+          <a:lstStyle/>
+          <a:p>
+            <a:endParaRPr lang="en-PH" dirty="0"/>
+          </a:p>
+        </p:txBody>
+      </p:sp>
+      <p:sp>
+        <p:nvSpPr>
+          <p:cNvPr id="4" name="Slide Number Placeholder 3"/>
+          <p:cNvSpPr>
+            <a:spLocks noGrp="1"/>
+          </p:cNvSpPr>
+          <p:nvPr>
+            <p:ph type="sldNum" sz="quarter" idx="5"/>
+          </p:nvPr>
+        </p:nvSpPr>
+        <p:spPr/>
+        <p:txBody>
+          <a:bodyPr/>
+          <a:lstStyle/>
+          <a:p>
+            <a:fld id="{FE90CCE9-4AAE-4E1F-85AD-521A406D6524}" type="slidenum">
+              <a:rPr lang="en-PH" smtClean="0"/>
+              <a:t>28</a:t>
+            </a:fld>
+            <a:endParaRPr lang="en-PH"/>
+          </a:p>
+        </p:txBody>
+      </p:sp>
+    </p:spTree>
+    <p:extLst>
+      <p:ext uri="{BB962C8B-B14F-4D97-AF65-F5344CB8AC3E}">
+        <p14:creationId xmlns:p14="http://schemas.microsoft.com/office/powerpoint/2010/main" val="895079208"/>
+      </p:ext>
+    </p:extLst>
+  </p:cSld>
+  <p:clrMapOvr>
+    <a:masterClrMapping/>
+  </p:clrMapOvr>
+</p:notes>
+</file>
+
+<file path=ppt/notesSlides/notesSlide29.xml><?xml version="1.0" encoding="utf-8"?>
+<p:notes xmlns:a="http://schemas.openxmlformats.org/drawingml/2006/main" xmlns:r="http://schemas.openxmlformats.org/officeDocument/2006/relationships" xmlns:p="http://schemas.openxmlformats.org/presentationml/2006/main">
+  <p:cSld>
+    <p:spTree>
+      <p:nvGrpSpPr>
+        <p:cNvPr id="1" name=""/>
+        <p:cNvGrpSpPr/>
+        <p:nvPr/>
+      </p:nvGrpSpPr>
+      <p:grpSpPr>
+        <a:xfrm>
+          <a:off x="0" y="0"/>
+          <a:ext cx="0" cy="0"/>
+          <a:chOff x="0" y="0"/>
+          <a:chExt cx="0" cy="0"/>
+        </a:xfrm>
+      </p:grpSpPr>
+      <p:sp>
+        <p:nvSpPr>
+          <p:cNvPr id="2" name="Slide Image Placeholder 1"/>
+          <p:cNvSpPr>
+            <a:spLocks noGrp="1" noRot="1" noChangeAspect="1"/>
+          </p:cNvSpPr>
+          <p:nvPr>
+            <p:ph type="sldImg"/>
+          </p:nvPr>
+        </p:nvSpPr>
+        <p:spPr/>
+      </p:sp>
+      <p:sp>
+        <p:nvSpPr>
+          <p:cNvPr id="3" name="Notes Placeholder 2"/>
+          <p:cNvSpPr>
+            <a:spLocks noGrp="1"/>
+          </p:cNvSpPr>
+          <p:nvPr>
+            <p:ph type="body" idx="1"/>
+          </p:nvPr>
+        </p:nvSpPr>
+        <p:spPr/>
+        <p:txBody>
+          <a:bodyPr/>
+          <a:lstStyle/>
+          <a:p>
+            <a:endParaRPr lang="en-PH" dirty="0"/>
+          </a:p>
+        </p:txBody>
+      </p:sp>
+      <p:sp>
+        <p:nvSpPr>
+          <p:cNvPr id="4" name="Slide Number Placeholder 3"/>
+          <p:cNvSpPr>
+            <a:spLocks noGrp="1"/>
+          </p:cNvSpPr>
+          <p:nvPr>
+            <p:ph type="sldNum" sz="quarter" idx="5"/>
+          </p:nvPr>
+        </p:nvSpPr>
+        <p:spPr/>
+        <p:txBody>
+          <a:bodyPr/>
+          <a:lstStyle/>
+          <a:p>
+            <a:fld id="{FE90CCE9-4AAE-4E1F-85AD-521A406D6524}" type="slidenum">
+              <a:rPr lang="en-PH" smtClean="0"/>
+              <a:t>29</a:t>
+            </a:fld>
+            <a:endParaRPr lang="en-PH"/>
+          </a:p>
+        </p:txBody>
+      </p:sp>
+    </p:spTree>
+    <p:extLst>
+      <p:ext uri="{BB962C8B-B14F-4D97-AF65-F5344CB8AC3E}">
+        <p14:creationId xmlns:p14="http://schemas.microsoft.com/office/powerpoint/2010/main" val="3415368175"/>
       </p:ext>
     </p:extLst>
   </p:cSld>
@@ -2254,6 +2425,90 @@
     <p:extLst>
       <p:ext uri="{BB962C8B-B14F-4D97-AF65-F5344CB8AC3E}">
         <p14:creationId xmlns:p14="http://schemas.microsoft.com/office/powerpoint/2010/main" val="173225601"/>
+      </p:ext>
+    </p:extLst>
+  </p:cSld>
+  <p:clrMapOvr>
+    <a:masterClrMapping/>
+  </p:clrMapOvr>
+</p:notes>
+</file>
+
+<file path=ppt/notesSlides/notesSlide30.xml><?xml version="1.0" encoding="utf-8"?>
+<p:notes xmlns:a="http://schemas.openxmlformats.org/drawingml/2006/main" xmlns:r="http://schemas.openxmlformats.org/officeDocument/2006/relationships" xmlns:p="http://schemas.openxmlformats.org/presentationml/2006/main">
+  <p:cSld>
+    <p:spTree>
+      <p:nvGrpSpPr>
+        <p:cNvPr id="1" name=""/>
+        <p:cNvGrpSpPr/>
+        <p:nvPr/>
+      </p:nvGrpSpPr>
+      <p:grpSpPr>
+        <a:xfrm>
+          <a:off x="0" y="0"/>
+          <a:ext cx="0" cy="0"/>
+          <a:chOff x="0" y="0"/>
+          <a:chExt cx="0" cy="0"/>
+        </a:xfrm>
+      </p:grpSpPr>
+      <p:sp>
+        <p:nvSpPr>
+          <p:cNvPr id="2" name="Slide Image Placeholder 1"/>
+          <p:cNvSpPr>
+            <a:spLocks noGrp="1" noRot="1" noChangeAspect="1"/>
+          </p:cNvSpPr>
+          <p:nvPr>
+            <p:ph type="sldImg"/>
+          </p:nvPr>
+        </p:nvSpPr>
+        <p:spPr/>
+      </p:sp>
+      <p:sp>
+        <p:nvSpPr>
+          <p:cNvPr id="3" name="Notes Placeholder 2"/>
+          <p:cNvSpPr>
+            <a:spLocks noGrp="1"/>
+          </p:cNvSpPr>
+          <p:nvPr>
+            <p:ph type="body" idx="1"/>
+          </p:nvPr>
+        </p:nvSpPr>
+        <p:spPr/>
+        <p:txBody>
+          <a:bodyPr/>
+          <a:lstStyle/>
+          <a:p>
+            <a:endParaRPr lang="en-PH" dirty="0"/>
+          </a:p>
+        </p:txBody>
+      </p:sp>
+      <p:sp>
+        <p:nvSpPr>
+          <p:cNvPr id="4" name="Slide Number Placeholder 3"/>
+          <p:cNvSpPr>
+            <a:spLocks noGrp="1"/>
+          </p:cNvSpPr>
+          <p:nvPr>
+            <p:ph type="sldNum" sz="quarter" idx="5"/>
+          </p:nvPr>
+        </p:nvSpPr>
+        <p:spPr/>
+        <p:txBody>
+          <a:bodyPr/>
+          <a:lstStyle/>
+          <a:p>
+            <a:fld id="{FE90CCE9-4AAE-4E1F-85AD-521A406D6524}" type="slidenum">
+              <a:rPr lang="en-PH" smtClean="0"/>
+              <a:t>30</a:t>
+            </a:fld>
+            <a:endParaRPr lang="en-PH"/>
+          </a:p>
+        </p:txBody>
+      </p:sp>
+    </p:spTree>
+    <p:extLst>
+      <p:ext uri="{BB962C8B-B14F-4D97-AF65-F5344CB8AC3E}">
+        <p14:creationId xmlns:p14="http://schemas.microsoft.com/office/powerpoint/2010/main" val="882353362"/>
       </p:ext>
     </p:extLst>
   </p:cSld>
@@ -2421,7 +2676,7 @@
     </p:spTree>
     <p:extLst>
       <p:ext uri="{BB962C8B-B14F-4D97-AF65-F5344CB8AC3E}">
-        <p14:creationId xmlns:p14="http://schemas.microsoft.com/office/powerpoint/2010/main" val="1169336545"/>
+        <p14:creationId xmlns:p14="http://schemas.microsoft.com/office/powerpoint/2010/main" val="2058726248"/>
       </p:ext>
     </p:extLst>
   </p:cSld>
@@ -2505,7 +2760,7 @@
     </p:spTree>
     <p:extLst>
       <p:ext uri="{BB962C8B-B14F-4D97-AF65-F5344CB8AC3E}">
-        <p14:creationId xmlns:p14="http://schemas.microsoft.com/office/powerpoint/2010/main" val="661832790"/>
+        <p14:creationId xmlns:p14="http://schemas.microsoft.com/office/powerpoint/2010/main" val="1169336545"/>
       </p:ext>
     </p:extLst>
   </p:cSld>
@@ -2589,7 +2844,7 @@
     </p:spTree>
     <p:extLst>
       <p:ext uri="{BB962C8B-B14F-4D97-AF65-F5344CB8AC3E}">
-        <p14:creationId xmlns:p14="http://schemas.microsoft.com/office/powerpoint/2010/main" val="3455880479"/>
+        <p14:creationId xmlns:p14="http://schemas.microsoft.com/office/powerpoint/2010/main" val="661832790"/>
       </p:ext>
     </p:extLst>
   </p:cSld>
@@ -2673,7 +2928,7 @@
     </p:spTree>
     <p:extLst>
       <p:ext uri="{BB962C8B-B14F-4D97-AF65-F5344CB8AC3E}">
-        <p14:creationId xmlns:p14="http://schemas.microsoft.com/office/powerpoint/2010/main" val="2673313443"/>
+        <p14:creationId xmlns:p14="http://schemas.microsoft.com/office/powerpoint/2010/main" val="3455880479"/>
       </p:ext>
     </p:extLst>
   </p:cSld>
@@ -2757,7 +3012,7 @@
     </p:spTree>
     <p:extLst>
       <p:ext uri="{BB962C8B-B14F-4D97-AF65-F5344CB8AC3E}">
-        <p14:creationId xmlns:p14="http://schemas.microsoft.com/office/powerpoint/2010/main" val="3146837381"/>
+        <p14:creationId xmlns:p14="http://schemas.microsoft.com/office/powerpoint/2010/main" val="2673313443"/>
       </p:ext>
     </p:extLst>
   </p:cSld>
@@ -2916,7 +3171,7 @@
           <a:p>
             <a:fld id="{0CCF0B81-6BD8-4C65-9459-815598C5F1F4}" type="datetimeFigureOut">
               <a:rPr lang="en-PH" smtClean="0"/>
-              <a:t>11/3/23</a:t>
+              <a:t>11/4/23</a:t>
             </a:fld>
             <a:endParaRPr lang="en-PH"/>
           </a:p>
@@ -3116,7 +3371,7 @@
           <a:p>
             <a:fld id="{0CCF0B81-6BD8-4C65-9459-815598C5F1F4}" type="datetimeFigureOut">
               <a:rPr lang="en-PH" smtClean="0"/>
-              <a:t>11/3/23</a:t>
+              <a:t>11/4/23</a:t>
             </a:fld>
             <a:endParaRPr lang="en-PH"/>
           </a:p>
@@ -3326,7 +3581,7 @@
           <a:p>
             <a:fld id="{0CCF0B81-6BD8-4C65-9459-815598C5F1F4}" type="datetimeFigureOut">
               <a:rPr lang="en-PH" smtClean="0"/>
-              <a:t>11/3/23</a:t>
+              <a:t>11/4/23</a:t>
             </a:fld>
             <a:endParaRPr lang="en-PH"/>
           </a:p>
@@ -3526,7 +3781,7 @@
           <a:p>
             <a:fld id="{0CCF0B81-6BD8-4C65-9459-815598C5F1F4}" type="datetimeFigureOut">
               <a:rPr lang="en-PH" smtClean="0"/>
-              <a:t>11/3/23</a:t>
+              <a:t>11/4/23</a:t>
             </a:fld>
             <a:endParaRPr lang="en-PH"/>
           </a:p>
@@ -3802,7 +4057,7 @@
           <a:p>
             <a:fld id="{0CCF0B81-6BD8-4C65-9459-815598C5F1F4}" type="datetimeFigureOut">
               <a:rPr lang="en-PH" smtClean="0"/>
-              <a:t>11/3/23</a:t>
+              <a:t>11/4/23</a:t>
             </a:fld>
             <a:endParaRPr lang="en-PH"/>
           </a:p>
@@ -4070,7 +4325,7 @@
           <a:p>
             <a:fld id="{0CCF0B81-6BD8-4C65-9459-815598C5F1F4}" type="datetimeFigureOut">
               <a:rPr lang="en-PH" smtClean="0"/>
-              <a:t>11/3/23</a:t>
+              <a:t>11/4/23</a:t>
             </a:fld>
             <a:endParaRPr lang="en-PH"/>
           </a:p>
@@ -4485,7 +4740,7 @@
           <a:p>
             <a:fld id="{0CCF0B81-6BD8-4C65-9459-815598C5F1F4}" type="datetimeFigureOut">
               <a:rPr lang="en-PH" smtClean="0"/>
-              <a:t>11/3/23</a:t>
+              <a:t>11/4/23</a:t>
             </a:fld>
             <a:endParaRPr lang="en-PH"/>
           </a:p>
@@ -4627,7 +4882,7 @@
           <a:p>
             <a:fld id="{0CCF0B81-6BD8-4C65-9459-815598C5F1F4}" type="datetimeFigureOut">
               <a:rPr lang="en-PH" smtClean="0"/>
-              <a:t>11/3/23</a:t>
+              <a:t>11/4/23</a:t>
             </a:fld>
             <a:endParaRPr lang="en-PH"/>
           </a:p>
@@ -4740,7 +4995,7 @@
           <a:p>
             <a:fld id="{0CCF0B81-6BD8-4C65-9459-815598C5F1F4}" type="datetimeFigureOut">
               <a:rPr lang="en-PH" smtClean="0"/>
-              <a:t>11/3/23</a:t>
+              <a:t>11/4/23</a:t>
             </a:fld>
             <a:endParaRPr lang="en-PH"/>
           </a:p>
@@ -5053,7 +5308,7 @@
           <a:p>
             <a:fld id="{0CCF0B81-6BD8-4C65-9459-815598C5F1F4}" type="datetimeFigureOut">
               <a:rPr lang="en-PH" smtClean="0"/>
-              <a:t>11/3/23</a:t>
+              <a:t>11/4/23</a:t>
             </a:fld>
             <a:endParaRPr lang="en-PH"/>
           </a:p>
@@ -5342,7 +5597,7 @@
           <a:p>
             <a:fld id="{0CCF0B81-6BD8-4C65-9459-815598C5F1F4}" type="datetimeFigureOut">
               <a:rPr lang="en-PH" smtClean="0"/>
-              <a:t>11/3/23</a:t>
+              <a:t>11/4/23</a:t>
             </a:fld>
             <a:endParaRPr lang="en-PH"/>
           </a:p>
@@ -5585,7 +5840,7 @@
           <a:p>
             <a:fld id="{0CCF0B81-6BD8-4C65-9459-815598C5F1F4}" type="datetimeFigureOut">
               <a:rPr lang="en-PH" smtClean="0"/>
-              <a:t>11/3/23</a:t>
+              <a:t>11/4/23</a:t>
             </a:fld>
             <a:endParaRPr lang="en-PH"/>
           </a:p>
@@ -6166,6 +6421,899 @@
 <file path=ppt/slides/slide10.xml><?xml version="1.0" encoding="utf-8"?>
 <p:sld xmlns:a="http://schemas.openxmlformats.org/drawingml/2006/main" xmlns:r="http://schemas.openxmlformats.org/officeDocument/2006/relationships" xmlns:p="http://schemas.openxmlformats.org/presentationml/2006/main">
   <p:cSld>
+    <p:spTree>
+      <p:nvGrpSpPr>
+        <p:cNvPr id="1" name=""/>
+        <p:cNvGrpSpPr/>
+        <p:nvPr/>
+      </p:nvGrpSpPr>
+      <p:grpSpPr>
+        <a:xfrm>
+          <a:off x="0" y="0"/>
+          <a:ext cx="0" cy="0"/>
+          <a:chOff x="0" y="0"/>
+          <a:chExt cx="0" cy="0"/>
+        </a:xfrm>
+      </p:grpSpPr>
+      <p:sp>
+        <p:nvSpPr>
+          <p:cNvPr id="5" name="Title 1">
+            <a:extLst>
+              <a:ext uri="{FF2B5EF4-FFF2-40B4-BE49-F238E27FC236}">
+                <a16:creationId xmlns:a16="http://schemas.microsoft.com/office/drawing/2014/main" id="{3444037F-B658-D82C-5DCA-53E8AA1493D7}"/>
+              </a:ext>
+            </a:extLst>
+          </p:cNvPr>
+          <p:cNvSpPr txBox="1">
+            <a:spLocks/>
+          </p:cNvSpPr>
+          <p:nvPr/>
+        </p:nvSpPr>
+        <p:spPr>
+          <a:xfrm>
+            <a:off x="1524000" y="1516449"/>
+            <a:ext cx="9144000" cy="4290585"/>
+          </a:xfrm>
+          <a:prstGeom prst="rect">
+            <a:avLst/>
+          </a:prstGeom>
+        </p:spPr>
+        <p:txBody>
+          <a:bodyPr vert="horz" lIns="91440" tIns="45720" rIns="91440" bIns="45720" rtlCol="0" anchor="b">
+            <a:normAutofit fontScale="97500"/>
+          </a:bodyPr>
+          <a:lstStyle>
+            <a:lvl1pPr algn="ctr" defTabSz="914400" rtl="0" eaLnBrk="1" latinLnBrk="0" hangingPunct="1">
+              <a:lnSpc>
+                <a:spcPct val="90000"/>
+              </a:lnSpc>
+              <a:spcBef>
+                <a:spcPct val="0"/>
+              </a:spcBef>
+              <a:buNone/>
+              <a:defRPr sz="6000" kern="1200">
+                <a:solidFill>
+                  <a:schemeClr val="tx1"/>
+                </a:solidFill>
+                <a:latin typeface="+mj-lt"/>
+                <a:ea typeface="+mj-ea"/>
+                <a:cs typeface="+mj-cs"/>
+              </a:defRPr>
+            </a:lvl1pPr>
+          </a:lstStyle>
+          <a:p>
+            <a:pPr algn="l"/>
+            <a:endParaRPr lang="en-US" sz="3100" dirty="0"/>
+          </a:p>
+          <a:p>
+            <a:pPr algn="l"/>
+            <a:endParaRPr lang="en-US" sz="3100" dirty="0"/>
+          </a:p>
+          <a:p>
+            <a:pPr algn="l"/>
+            <a:endParaRPr lang="en-US" sz="3100" dirty="0"/>
+          </a:p>
+          <a:p>
+            <a:pPr algn="l"/>
+            <a:endParaRPr lang="en-US" sz="3100" dirty="0"/>
+          </a:p>
+          <a:p>
+            <a:pPr algn="l"/>
+            <a:endParaRPr lang="en-US" sz="3000" dirty="0"/>
+          </a:p>
+          <a:p>
+            <a:pPr algn="l"/>
+            <a:endParaRPr lang="en-US" sz="3000" dirty="0"/>
+          </a:p>
+        </p:txBody>
+      </p:sp>
+      <p:sp>
+        <p:nvSpPr>
+          <p:cNvPr id="39" name="Footer Placeholder 3">
+            <a:extLst>
+              <a:ext uri="{FF2B5EF4-FFF2-40B4-BE49-F238E27FC236}">
+                <a16:creationId xmlns:a16="http://schemas.microsoft.com/office/drawing/2014/main" id="{77EF4DA7-E5CF-896F-45E0-B1D58FD59B96}"/>
+              </a:ext>
+            </a:extLst>
+          </p:cNvPr>
+          <p:cNvSpPr>
+            <a:spLocks noGrp="1"/>
+          </p:cNvSpPr>
+          <p:nvPr>
+            <p:ph type="ftr" sz="quarter" idx="11"/>
+          </p:nvPr>
+        </p:nvSpPr>
+        <p:spPr>
+          <a:xfrm>
+            <a:off x="0" y="6139541"/>
+            <a:ext cx="12192000" cy="718459"/>
+          </a:xfrm>
+          <a:ln w="28575">
+            <a:solidFill>
+              <a:schemeClr val="accent5">
+                <a:lumMod val="50000"/>
+              </a:schemeClr>
+            </a:solidFill>
+          </a:ln>
+        </p:spPr>
+        <p:txBody>
+          <a:bodyPr/>
+          <a:lstStyle/>
+          <a:p>
+            <a:pPr lvl="1" algn="r"/>
+            <a:r>
+              <a:rPr lang="en-US" sz="1200" b="1" dirty="0"/>
+              <a:t>CCDATS1L</a:t>
+            </a:r>
+            <a:endParaRPr lang="en-PH" sz="1200" b="1" dirty="0"/>
+          </a:p>
+        </p:txBody>
+      </p:sp>
+      <p:sp>
+        <p:nvSpPr>
+          <p:cNvPr id="2" name="Title 1">
+            <a:extLst>
+              <a:ext uri="{FF2B5EF4-FFF2-40B4-BE49-F238E27FC236}">
+                <a16:creationId xmlns:a16="http://schemas.microsoft.com/office/drawing/2014/main" id="{79EF1114-32BB-A28C-0B44-90073AA32F6C}"/>
+              </a:ext>
+            </a:extLst>
+          </p:cNvPr>
+          <p:cNvSpPr txBox="1">
+            <a:spLocks/>
+          </p:cNvSpPr>
+          <p:nvPr/>
+        </p:nvSpPr>
+        <p:spPr>
+          <a:xfrm>
+            <a:off x="459205" y="1283707"/>
+            <a:ext cx="11273589" cy="4290585"/>
+          </a:xfrm>
+          <a:prstGeom prst="rect">
+            <a:avLst/>
+          </a:prstGeom>
+        </p:spPr>
+        <p:txBody>
+          <a:bodyPr vert="horz" lIns="91440" tIns="45720" rIns="91440" bIns="45720" rtlCol="0" anchor="b">
+            <a:normAutofit fontScale="97500"/>
+          </a:bodyPr>
+          <a:lstStyle>
+            <a:lvl1pPr algn="ctr" defTabSz="914400" rtl="0" eaLnBrk="1" latinLnBrk="0" hangingPunct="1">
+              <a:lnSpc>
+                <a:spcPct val="90000"/>
+              </a:lnSpc>
+              <a:spcBef>
+                <a:spcPct val="0"/>
+              </a:spcBef>
+              <a:buNone/>
+              <a:defRPr sz="6000" kern="1200">
+                <a:solidFill>
+                  <a:schemeClr val="tx1"/>
+                </a:solidFill>
+                <a:latin typeface="+mj-lt"/>
+                <a:ea typeface="+mj-ea"/>
+                <a:cs typeface="+mj-cs"/>
+              </a:defRPr>
+            </a:lvl1pPr>
+          </a:lstStyle>
+          <a:p>
+            <a:pPr algn="l"/>
+            <a:endParaRPr lang="en-US" sz="2900" b="1" i="0" dirty="0">
+              <a:solidFill>
+                <a:srgbClr val="252C33"/>
+              </a:solidFill>
+              <a:effectLst/>
+              <a:latin typeface="Calibri Light (Headings)"/>
+            </a:endParaRPr>
+          </a:p>
+          <a:p>
+            <a:pPr marL="457200" indent="-457200" algn="l">
+              <a:buFont typeface="Wingdings" pitchFamily="2" charset="2"/>
+              <a:buChar char="Ø"/>
+            </a:pPr>
+            <a:r>
+              <a:rPr lang="en-US" sz="2900" b="1" dirty="0">
+                <a:latin typeface="Calibri Light (Headings)"/>
+              </a:rPr>
+              <a:t>Recap of Statistical Inference</a:t>
+            </a:r>
+          </a:p>
+          <a:p>
+            <a:pPr algn="l"/>
+            <a:endParaRPr lang="en-US" sz="2900" b="1" i="0" dirty="0">
+              <a:solidFill>
+                <a:schemeClr val="tx1">
+                  <a:lumMod val="50000"/>
+                  <a:lumOff val="50000"/>
+                </a:schemeClr>
+              </a:solidFill>
+              <a:effectLst/>
+              <a:latin typeface="Calibri Light (Headings)"/>
+            </a:endParaRPr>
+          </a:p>
+          <a:p>
+            <a:pPr marL="457200" indent="-457200" algn="l">
+              <a:buFont typeface="Wingdings" pitchFamily="2" charset="2"/>
+              <a:buChar char="Ø"/>
+            </a:pPr>
+            <a:r>
+              <a:rPr lang="en-US" sz="2900" b="1" i="0" dirty="0">
+                <a:solidFill>
+                  <a:schemeClr val="tx1">
+                    <a:lumMod val="50000"/>
+                    <a:lumOff val="50000"/>
+                  </a:schemeClr>
+                </a:solidFill>
+                <a:effectLst/>
+                <a:latin typeface="Calibri Light (Headings)"/>
+              </a:rPr>
+              <a:t>Test of Significance and Hypothesis Testing</a:t>
+            </a:r>
+          </a:p>
+          <a:p>
+            <a:pPr marL="457200" indent="-457200" algn="l">
+              <a:buFont typeface="Wingdings" pitchFamily="2" charset="2"/>
+              <a:buChar char="Ø"/>
+            </a:pPr>
+            <a:endParaRPr lang="en-US" sz="2900" b="1" dirty="0">
+              <a:solidFill>
+                <a:schemeClr val="tx1">
+                  <a:lumMod val="50000"/>
+                  <a:lumOff val="50000"/>
+                </a:schemeClr>
+              </a:solidFill>
+              <a:latin typeface="Calibri Light (Headings)"/>
+            </a:endParaRPr>
+          </a:p>
+          <a:p>
+            <a:pPr marL="457200" indent="-457200" algn="l">
+              <a:buFont typeface="Wingdings" pitchFamily="2" charset="2"/>
+              <a:buChar char="Ø"/>
+            </a:pPr>
+            <a:r>
+              <a:rPr lang="en-US" sz="2900" b="1" dirty="0">
+                <a:solidFill>
+                  <a:schemeClr val="tx1">
+                    <a:lumMod val="50000"/>
+                    <a:lumOff val="50000"/>
+                  </a:schemeClr>
+                </a:solidFill>
+                <a:latin typeface="Calibri Light (Headings)"/>
+              </a:rPr>
+              <a:t>Null and Alternate Hypothesis</a:t>
+            </a:r>
+          </a:p>
+          <a:p>
+            <a:pPr marL="457200" indent="-457200" algn="l">
+              <a:buFont typeface="Wingdings" pitchFamily="2" charset="2"/>
+              <a:buChar char="Ø"/>
+            </a:pPr>
+            <a:endParaRPr lang="en-US" sz="2900" b="1" dirty="0">
+              <a:solidFill>
+                <a:schemeClr val="tx1">
+                  <a:lumMod val="50000"/>
+                  <a:lumOff val="50000"/>
+                </a:schemeClr>
+              </a:solidFill>
+              <a:latin typeface="Calibri Light (Headings)"/>
+            </a:endParaRPr>
+          </a:p>
+          <a:p>
+            <a:pPr marL="457200" indent="-457200" algn="l">
+              <a:buFont typeface="Wingdings" pitchFamily="2" charset="2"/>
+              <a:buChar char="Ø"/>
+            </a:pPr>
+            <a:r>
+              <a:rPr lang="en-US" sz="2900" b="1" dirty="0">
+                <a:solidFill>
+                  <a:schemeClr val="tx1">
+                    <a:lumMod val="50000"/>
+                    <a:lumOff val="50000"/>
+                  </a:schemeClr>
+                </a:solidFill>
+                <a:latin typeface="Calibri Light (Headings)"/>
+              </a:rPr>
+              <a:t>Steps of Hypothesis Testing</a:t>
+            </a:r>
+          </a:p>
+          <a:p>
+            <a:pPr marL="457200" indent="-457200" algn="l">
+              <a:buFont typeface="Wingdings" pitchFamily="2" charset="2"/>
+              <a:buChar char="Ø"/>
+            </a:pPr>
+            <a:endParaRPr lang="en-US" sz="2900" b="1" dirty="0">
+              <a:solidFill>
+                <a:schemeClr val="tx1">
+                  <a:lumMod val="50000"/>
+                  <a:lumOff val="50000"/>
+                </a:schemeClr>
+              </a:solidFill>
+              <a:latin typeface="Calibri Light (Headings)"/>
+            </a:endParaRPr>
+          </a:p>
+          <a:p>
+            <a:pPr marL="457200" indent="-457200" algn="l">
+              <a:buFont typeface="Wingdings" pitchFamily="2" charset="2"/>
+              <a:buChar char="Ø"/>
+            </a:pPr>
+            <a:endParaRPr lang="en-US" sz="2900" b="1" dirty="0">
+              <a:solidFill>
+                <a:schemeClr val="tx1">
+                  <a:lumMod val="50000"/>
+                  <a:lumOff val="50000"/>
+                </a:schemeClr>
+              </a:solidFill>
+              <a:latin typeface="Calibri Light (Headings)"/>
+            </a:endParaRPr>
+          </a:p>
+          <a:p>
+            <a:pPr marL="457200" indent="-457200" algn="l">
+              <a:buFont typeface="Wingdings" pitchFamily="2" charset="2"/>
+              <a:buChar char="Ø"/>
+            </a:pPr>
+            <a:endParaRPr lang="en-US" sz="2900" b="1" dirty="0">
+              <a:solidFill>
+                <a:schemeClr val="tx1">
+                  <a:lumMod val="50000"/>
+                  <a:lumOff val="50000"/>
+                </a:schemeClr>
+              </a:solidFill>
+              <a:latin typeface="Calibri Light (Headings)"/>
+            </a:endParaRPr>
+          </a:p>
+          <a:p>
+            <a:pPr marL="457200" indent="-457200" algn="l">
+              <a:buFont typeface="Wingdings" pitchFamily="2" charset="2"/>
+              <a:buChar char="Ø"/>
+            </a:pPr>
+            <a:endParaRPr lang="en-US" sz="2900" b="1" dirty="0">
+              <a:solidFill>
+                <a:schemeClr val="tx1">
+                  <a:lumMod val="50000"/>
+                  <a:lumOff val="50000"/>
+                </a:schemeClr>
+              </a:solidFill>
+              <a:latin typeface="Calibri Light (Headings)"/>
+            </a:endParaRPr>
+          </a:p>
+        </p:txBody>
+      </p:sp>
+      <p:sp>
+        <p:nvSpPr>
+          <p:cNvPr id="7" name="Title 1">
+            <a:extLst>
+              <a:ext uri="{FF2B5EF4-FFF2-40B4-BE49-F238E27FC236}">
+                <a16:creationId xmlns:a16="http://schemas.microsoft.com/office/drawing/2014/main" id="{F9F68FD0-4734-F88A-26AE-8BD1D795B778}"/>
+              </a:ext>
+            </a:extLst>
+          </p:cNvPr>
+          <p:cNvSpPr>
+            <a:spLocks noGrp="1"/>
+          </p:cNvSpPr>
+          <p:nvPr>
+            <p:ph type="ctrTitle"/>
+          </p:nvPr>
+        </p:nvSpPr>
+        <p:spPr>
+          <a:xfrm>
+            <a:off x="459205" y="359228"/>
+            <a:ext cx="9935227" cy="718459"/>
+          </a:xfrm>
+        </p:spPr>
+        <p:txBody>
+          <a:bodyPr>
+            <a:noAutofit/>
+          </a:bodyPr>
+          <a:lstStyle/>
+          <a:p>
+            <a:pPr algn="l"/>
+            <a:endParaRPr lang="en-PH" sz="4500" b="1" dirty="0"/>
+          </a:p>
+        </p:txBody>
+      </p:sp>
+      <p:pic>
+        <p:nvPicPr>
+          <p:cNvPr id="3" name="Graphic 2" descr="Checkmark with solid fill">
+            <a:extLst>
+              <a:ext uri="{FF2B5EF4-FFF2-40B4-BE49-F238E27FC236}">
+                <a16:creationId xmlns:a16="http://schemas.microsoft.com/office/drawing/2014/main" id="{0FE95D5E-0829-27E7-2F47-74E6B14307D1}"/>
+              </a:ext>
+            </a:extLst>
+          </p:cNvPr>
+          <p:cNvPicPr>
+            <a:picLocks noChangeAspect="1"/>
+          </p:cNvPicPr>
+          <p:nvPr/>
+        </p:nvPicPr>
+        <p:blipFill>
+          <a:blip r:embed="rId3">
+            <a:extLst>
+              <a:ext uri="{28A0092B-C50C-407E-A947-70E740481C1C}">
+                <a14:useLocalDpi xmlns:a14="http://schemas.microsoft.com/office/drawing/2010/main" val="0"/>
+              </a:ext>
+              <a:ext uri="{96DAC541-7B7A-43D3-8B79-37D633B846F1}">
+                <asvg:svgBlip xmlns:asvg="http://schemas.microsoft.com/office/drawing/2016/SVG/main" r:embed="rId4"/>
+              </a:ext>
+            </a:extLst>
+          </a:blip>
+          <a:stretch>
+            <a:fillRect/>
+          </a:stretch>
+        </p:blipFill>
+        <p:spPr>
+          <a:xfrm>
+            <a:off x="5422664" y="1077687"/>
+            <a:ext cx="673335" cy="673335"/>
+          </a:xfrm>
+          <a:prstGeom prst="rect">
+            <a:avLst/>
+          </a:prstGeom>
+        </p:spPr>
+      </p:pic>
+      <p:pic>
+        <p:nvPicPr>
+          <p:cNvPr id="4" name="Graphic 3" descr="Checkmark with solid fill">
+            <a:extLst>
+              <a:ext uri="{FF2B5EF4-FFF2-40B4-BE49-F238E27FC236}">
+                <a16:creationId xmlns:a16="http://schemas.microsoft.com/office/drawing/2014/main" id="{17AA136F-88B5-E079-24E1-216818098500}"/>
+              </a:ext>
+            </a:extLst>
+          </p:cNvPr>
+          <p:cNvPicPr>
+            <a:picLocks noChangeAspect="1"/>
+          </p:cNvPicPr>
+          <p:nvPr/>
+        </p:nvPicPr>
+        <p:blipFill>
+          <a:blip r:embed="rId3">
+            <a:extLst>
+              <a:ext uri="{28A0092B-C50C-407E-A947-70E740481C1C}">
+                <a14:useLocalDpi xmlns:a14="http://schemas.microsoft.com/office/drawing/2010/main" val="0"/>
+              </a:ext>
+              <a:ext uri="{96DAC541-7B7A-43D3-8B79-37D633B846F1}">
+                <asvg:svgBlip xmlns:asvg="http://schemas.microsoft.com/office/drawing/2016/SVG/main" r:embed="rId4"/>
+              </a:ext>
+            </a:extLst>
+          </a:blip>
+          <a:stretch>
+            <a:fillRect/>
+          </a:stretch>
+        </p:blipFill>
+        <p:spPr>
+          <a:xfrm>
+            <a:off x="7589216" y="1834087"/>
+            <a:ext cx="673335" cy="673335"/>
+          </a:xfrm>
+          <a:prstGeom prst="rect">
+            <a:avLst/>
+          </a:prstGeom>
+        </p:spPr>
+      </p:pic>
+    </p:spTree>
+    <p:extLst>
+      <p:ext uri="{BB962C8B-B14F-4D97-AF65-F5344CB8AC3E}">
+        <p14:creationId xmlns:p14="http://schemas.microsoft.com/office/powerpoint/2010/main" val="2507242947"/>
+      </p:ext>
+    </p:extLst>
+  </p:cSld>
+  <p:clrMapOvr>
+    <a:masterClrMapping/>
+  </p:clrMapOvr>
+</p:sld>
+</file>
+
+<file path=ppt/slides/slide11.xml><?xml version="1.0" encoding="utf-8"?>
+<p:sld xmlns:a="http://schemas.openxmlformats.org/drawingml/2006/main" xmlns:r="http://schemas.openxmlformats.org/officeDocument/2006/relationships" xmlns:p="http://schemas.openxmlformats.org/presentationml/2006/main">
+  <p:cSld>
+    <p:bg>
+      <p:bgPr>
+        <a:blipFill dpi="0" rotWithShape="1">
+          <a:blip r:embed="rId3">
+            <a:alphaModFix amt="99000"/>
+            <a:lum/>
+          </a:blip>
+          <a:srcRect/>
+          <a:stretch>
+            <a:fillRect t="89000" r="85000" b="-1000"/>
+          </a:stretch>
+        </a:blipFill>
+        <a:effectLst/>
+      </p:bgPr>
+    </p:bg>
+    <p:spTree>
+      <p:nvGrpSpPr>
+        <p:cNvPr id="1" name=""/>
+        <p:cNvGrpSpPr/>
+        <p:nvPr/>
+      </p:nvGrpSpPr>
+      <p:grpSpPr>
+        <a:xfrm>
+          <a:off x="0" y="0"/>
+          <a:ext cx="0" cy="0"/>
+          <a:chOff x="0" y="0"/>
+          <a:chExt cx="0" cy="0"/>
+        </a:xfrm>
+      </p:grpSpPr>
+      <p:sp>
+        <p:nvSpPr>
+          <p:cNvPr id="5" name="Title 1">
+            <a:extLst>
+              <a:ext uri="{FF2B5EF4-FFF2-40B4-BE49-F238E27FC236}">
+                <a16:creationId xmlns:a16="http://schemas.microsoft.com/office/drawing/2014/main" id="{3444037F-B658-D82C-5DCA-53E8AA1493D7}"/>
+              </a:ext>
+            </a:extLst>
+          </p:cNvPr>
+          <p:cNvSpPr txBox="1">
+            <a:spLocks/>
+          </p:cNvSpPr>
+          <p:nvPr/>
+        </p:nvSpPr>
+        <p:spPr>
+          <a:xfrm>
+            <a:off x="1524000" y="1516449"/>
+            <a:ext cx="9144000" cy="4290585"/>
+          </a:xfrm>
+          <a:prstGeom prst="rect">
+            <a:avLst/>
+          </a:prstGeom>
+        </p:spPr>
+        <p:txBody>
+          <a:bodyPr vert="horz" lIns="91440" tIns="45720" rIns="91440" bIns="45720" rtlCol="0" anchor="b">
+            <a:normAutofit fontScale="97500"/>
+          </a:bodyPr>
+          <a:lstStyle>
+            <a:lvl1pPr algn="ctr" defTabSz="914400" rtl="0" eaLnBrk="1" latinLnBrk="0" hangingPunct="1">
+              <a:lnSpc>
+                <a:spcPct val="90000"/>
+              </a:lnSpc>
+              <a:spcBef>
+                <a:spcPct val="0"/>
+              </a:spcBef>
+              <a:buNone/>
+              <a:defRPr sz="6000" kern="1200">
+                <a:solidFill>
+                  <a:schemeClr val="tx1"/>
+                </a:solidFill>
+                <a:latin typeface="+mj-lt"/>
+                <a:ea typeface="+mj-ea"/>
+                <a:cs typeface="+mj-cs"/>
+              </a:defRPr>
+            </a:lvl1pPr>
+          </a:lstStyle>
+          <a:p>
+            <a:pPr algn="l"/>
+            <a:endParaRPr lang="en-US" sz="3100" dirty="0"/>
+          </a:p>
+          <a:p>
+            <a:pPr algn="l"/>
+            <a:endParaRPr lang="en-US" sz="3100" dirty="0"/>
+          </a:p>
+          <a:p>
+            <a:pPr algn="l"/>
+            <a:endParaRPr lang="en-US" sz="3100" dirty="0"/>
+          </a:p>
+          <a:p>
+            <a:pPr algn="l"/>
+            <a:endParaRPr lang="en-US" sz="3100" dirty="0"/>
+          </a:p>
+          <a:p>
+            <a:pPr algn="l"/>
+            <a:endParaRPr lang="en-US" sz="3000" dirty="0"/>
+          </a:p>
+          <a:p>
+            <a:pPr algn="l"/>
+            <a:endParaRPr lang="en-US" sz="3000" dirty="0"/>
+          </a:p>
+        </p:txBody>
+      </p:sp>
+      <p:sp>
+        <p:nvSpPr>
+          <p:cNvPr id="38" name="Title 1">
+            <a:extLst>
+              <a:ext uri="{FF2B5EF4-FFF2-40B4-BE49-F238E27FC236}">
+                <a16:creationId xmlns:a16="http://schemas.microsoft.com/office/drawing/2014/main" id="{85194D96-4E26-6A5A-5AB5-02AFD53E7543}"/>
+              </a:ext>
+            </a:extLst>
+          </p:cNvPr>
+          <p:cNvSpPr>
+            <a:spLocks noGrp="1"/>
+          </p:cNvSpPr>
+          <p:nvPr>
+            <p:ph type="ctrTitle"/>
+          </p:nvPr>
+        </p:nvSpPr>
+        <p:spPr>
+          <a:xfrm>
+            <a:off x="1128386" y="415731"/>
+            <a:ext cx="9935227" cy="718459"/>
+          </a:xfrm>
+        </p:spPr>
+        <p:txBody>
+          <a:bodyPr>
+            <a:noAutofit/>
+          </a:bodyPr>
+          <a:lstStyle/>
+          <a:p>
+            <a:r>
+              <a:rPr lang="en-US" sz="5000" b="1" dirty="0"/>
+              <a:t>Null Hypothesis</a:t>
+            </a:r>
+            <a:endParaRPr lang="en-PH" sz="5000" b="1" dirty="0"/>
+          </a:p>
+        </p:txBody>
+      </p:sp>
+      <p:sp>
+        <p:nvSpPr>
+          <p:cNvPr id="39" name="Footer Placeholder 3">
+            <a:extLst>
+              <a:ext uri="{FF2B5EF4-FFF2-40B4-BE49-F238E27FC236}">
+                <a16:creationId xmlns:a16="http://schemas.microsoft.com/office/drawing/2014/main" id="{77EF4DA7-E5CF-896F-45E0-B1D58FD59B96}"/>
+              </a:ext>
+            </a:extLst>
+          </p:cNvPr>
+          <p:cNvSpPr>
+            <a:spLocks noGrp="1"/>
+          </p:cNvSpPr>
+          <p:nvPr>
+            <p:ph type="ftr" sz="quarter" idx="11"/>
+          </p:nvPr>
+        </p:nvSpPr>
+        <p:spPr>
+          <a:xfrm>
+            <a:off x="0" y="6139541"/>
+            <a:ext cx="12192000" cy="718459"/>
+          </a:xfrm>
+          <a:ln w="28575">
+            <a:solidFill>
+              <a:schemeClr val="accent5">
+                <a:lumMod val="50000"/>
+              </a:schemeClr>
+            </a:solidFill>
+          </a:ln>
+        </p:spPr>
+        <p:txBody>
+          <a:bodyPr/>
+          <a:lstStyle/>
+          <a:p>
+            <a:pPr lvl="1" algn="r"/>
+            <a:r>
+              <a:rPr lang="en-US" sz="1200" b="1" dirty="0"/>
+              <a:t>CCDATS1L</a:t>
+            </a:r>
+            <a:endParaRPr lang="en-PH" sz="1200" b="1" dirty="0"/>
+          </a:p>
+        </p:txBody>
+      </p:sp>
+      <mc:AlternateContent xmlns:mc="http://schemas.openxmlformats.org/markup-compatibility/2006" xmlns:a14="http://schemas.microsoft.com/office/drawing/2010/main">
+        <mc:Choice Requires="a14">
+          <p:sp>
+            <p:nvSpPr>
+              <p:cNvPr id="4" name="TextBox 3">
+                <a:extLst>
+                  <a:ext uri="{FF2B5EF4-FFF2-40B4-BE49-F238E27FC236}">
+                    <a16:creationId xmlns:a16="http://schemas.microsoft.com/office/drawing/2014/main" id="{4203C0C4-7C82-D208-A8B3-1AE6E9099A3C}"/>
+                  </a:ext>
+                </a:extLst>
+              </p:cNvPr>
+              <p:cNvSpPr txBox="1"/>
+              <p:nvPr/>
+            </p:nvSpPr>
+            <p:spPr>
+              <a:xfrm>
+                <a:off x="639918" y="1354768"/>
+                <a:ext cx="11140404" cy="3785652"/>
+              </a:xfrm>
+              <a:prstGeom prst="rect">
+                <a:avLst/>
+              </a:prstGeom>
+              <a:noFill/>
+            </p:spPr>
+            <p:txBody>
+              <a:bodyPr wrap="square" rtlCol="0">
+                <a:spAutoFit/>
+              </a:bodyPr>
+              <a:lstStyle/>
+              <a:p>
+                <a:r>
+                  <a:rPr lang="en-US" sz="3000" dirty="0"/>
+                  <a:t>The </a:t>
+                </a:r>
+                <a:r>
+                  <a:rPr lang="en-US" sz="3000" b="1" dirty="0">
+                    <a:solidFill>
+                      <a:srgbClr val="00B050"/>
+                    </a:solidFill>
+                  </a:rPr>
+                  <a:t>null hypothesis </a:t>
+                </a:r>
+                <a:r>
+                  <a:rPr lang="en-US" sz="3000" dirty="0"/>
+                  <a:t>is a form of hypothesis that is deemed</a:t>
+                </a:r>
+                <a:r>
+                  <a:rPr lang="en-US" sz="3000" b="1" dirty="0">
+                    <a:solidFill>
+                      <a:srgbClr val="7030A0"/>
+                    </a:solidFill>
+                  </a:rPr>
+                  <a:t> “true” </a:t>
+                </a:r>
+                <a:r>
+                  <a:rPr lang="en-US" sz="3000" dirty="0"/>
+                  <a:t>until proven wrong based on experimental data</a:t>
+                </a:r>
+                <a:r>
+                  <a:rPr lang="en-US" sz="3000" b="1" dirty="0">
+                    <a:solidFill>
+                      <a:srgbClr val="7030A0"/>
+                    </a:solidFill>
+                  </a:rPr>
+                  <a:t>.</a:t>
+                </a:r>
+              </a:p>
+              <a:p>
+                <a:endParaRPr lang="en-US" sz="3000" b="1" dirty="0">
+                  <a:solidFill>
+                    <a:srgbClr val="7030A0"/>
+                  </a:solidFill>
+                </a:endParaRPr>
+              </a:p>
+              <a:p>
+                <a:r>
+                  <a:rPr lang="en-US" sz="3000" dirty="0"/>
+                  <a:t>It is defined as the </a:t>
+                </a:r>
+                <a:r>
+                  <a:rPr lang="en-US" sz="3000" b="1" dirty="0">
+                    <a:solidFill>
+                      <a:srgbClr val="7030A0"/>
+                    </a:solidFill>
+                  </a:rPr>
+                  <a:t>commonly accepted fact </a:t>
+                </a:r>
+                <a:r>
+                  <a:rPr lang="en-US" sz="3000" b="1" dirty="0"/>
+                  <a:t>(such as the sky is blue) </a:t>
+                </a:r>
+                <a:r>
+                  <a:rPr lang="en-US" sz="3000" dirty="0"/>
+                  <a:t>and the </a:t>
+                </a:r>
+                <a:r>
+                  <a:rPr lang="en-US" sz="3000" b="1" dirty="0">
+                    <a:solidFill>
+                      <a:srgbClr val="00B0F0"/>
+                    </a:solidFill>
+                  </a:rPr>
+                  <a:t>researcher’s aim is to reject or nullify this fact</a:t>
+                </a:r>
+                <a:r>
+                  <a:rPr lang="en-US" sz="3000" dirty="0"/>
+                  <a:t>.</a:t>
+                </a:r>
+              </a:p>
+              <a:p>
+                <a:endParaRPr lang="en-US" sz="3000" dirty="0"/>
+              </a:p>
+              <a:p>
+                <a:r>
+                  <a:rPr lang="en-US" sz="3000" dirty="0"/>
+                  <a:t>The notation that is typically used for the null hypothesis is </a:t>
+                </a:r>
+                <a14:m>
+                  <m:oMath xmlns:m="http://schemas.openxmlformats.org/officeDocument/2006/math">
+                    <m:sSub>
+                      <m:sSubPr>
+                        <m:ctrlPr>
+                          <a:rPr lang="en-US" sz="3000" b="1" i="1" smtClean="0">
+                            <a:solidFill>
+                              <a:srgbClr val="00B050"/>
+                            </a:solidFill>
+                            <a:latin typeface="Cambria Math" panose="02040503050406030204" pitchFamily="18" charset="0"/>
+                          </a:rPr>
+                        </m:ctrlPr>
+                      </m:sSubPr>
+                      <m:e>
+                        <m:r>
+                          <a:rPr lang="en-US" sz="3000" b="1" i="1" smtClean="0">
+                            <a:solidFill>
+                              <a:srgbClr val="00B050"/>
+                            </a:solidFill>
+                            <a:latin typeface="Cambria Math" panose="02040503050406030204" pitchFamily="18" charset="0"/>
+                          </a:rPr>
+                          <m:t>𝑯</m:t>
+                        </m:r>
+                      </m:e>
+                      <m:sub>
+                        <m:r>
+                          <a:rPr lang="en-US" sz="3000" b="1" i="1" smtClean="0">
+                            <a:solidFill>
+                              <a:srgbClr val="00B050"/>
+                            </a:solidFill>
+                            <a:latin typeface="Cambria Math" panose="02040503050406030204" pitchFamily="18" charset="0"/>
+                          </a:rPr>
+                          <m:t>𝒐</m:t>
+                        </m:r>
+                      </m:sub>
+                    </m:sSub>
+                  </m:oMath>
+                </a14:m>
+                <a:r>
+                  <a:rPr lang="en-US" sz="3000" dirty="0">
+                    <a:solidFill>
+                      <a:srgbClr val="00B050"/>
+                    </a:solidFill>
+                  </a:rPr>
+                  <a:t> </a:t>
+                </a:r>
+                <a:br>
+                  <a:rPr lang="en-US" sz="3000" dirty="0"/>
+                </a:br>
+                <a:endParaRPr lang="en-PH" sz="3000" dirty="0"/>
+              </a:p>
+            </p:txBody>
+          </p:sp>
+        </mc:Choice>
+        <mc:Fallback xmlns="">
+          <p:sp>
+            <p:nvSpPr>
+              <p:cNvPr id="4" name="TextBox 3">
+                <a:extLst>
+                  <a:ext uri="{FF2B5EF4-FFF2-40B4-BE49-F238E27FC236}">
+                    <a16:creationId xmlns:a16="http://schemas.microsoft.com/office/drawing/2014/main" id="{4203C0C4-7C82-D208-A8B3-1AE6E9099A3C}"/>
+                  </a:ext>
+                </a:extLst>
+              </p:cNvPr>
+              <p:cNvSpPr txBox="1">
+                <a:spLocks noRot="1" noChangeAspect="1" noMove="1" noResize="1" noEditPoints="1" noAdjustHandles="1" noChangeArrowheads="1" noChangeShapeType="1" noTextEdit="1"/>
+              </p:cNvSpPr>
+              <p:nvPr/>
+            </p:nvSpPr>
+            <p:spPr>
+              <a:xfrm>
+                <a:off x="639918" y="1354768"/>
+                <a:ext cx="11140404" cy="3785652"/>
+              </a:xfrm>
+              <a:prstGeom prst="rect">
+                <a:avLst/>
+              </a:prstGeom>
+              <a:blipFill>
+                <a:blip r:embed="rId4"/>
+                <a:stretch>
+                  <a:fillRect l="-1253" t="-2007" r="-1595"/>
+                </a:stretch>
+              </a:blipFill>
+            </p:spPr>
+            <p:txBody>
+              <a:bodyPr/>
+              <a:lstStyle/>
+              <a:p>
+                <a:r>
+                  <a:rPr lang="en-US">
+                    <a:noFill/>
+                  </a:rPr>
+                  <a:t> </a:t>
+                </a:r>
+              </a:p>
+            </p:txBody>
+          </p:sp>
+        </mc:Fallback>
+      </mc:AlternateContent>
+    </p:spTree>
+    <p:extLst>
+      <p:ext uri="{BB962C8B-B14F-4D97-AF65-F5344CB8AC3E}">
+        <p14:creationId xmlns:p14="http://schemas.microsoft.com/office/powerpoint/2010/main" val="4210428131"/>
+      </p:ext>
+    </p:extLst>
+  </p:cSld>
+  <p:clrMapOvr>
+    <a:masterClrMapping/>
+  </p:clrMapOvr>
+</p:sld>
+</file>
+
+<file path=ppt/slides/slide12.xml><?xml version="1.0" encoding="utf-8"?>
+<p:sld xmlns:a="http://schemas.openxmlformats.org/drawingml/2006/main" xmlns:r="http://schemas.openxmlformats.org/officeDocument/2006/relationships" xmlns:p="http://schemas.openxmlformats.org/presentationml/2006/main">
+  <p:cSld>
     <p:bg>
       <p:bgPr>
         <a:blipFill dpi="0" rotWithShape="1">
@@ -6365,7 +7513,7 @@
 </p:sld>
 </file>
 
-<file path=ppt/slides/slide11.xml><?xml version="1.0" encoding="utf-8"?>
+<file path=ppt/slides/slide13.xml><?xml version="1.0" encoding="utf-8"?>
 <p:sld xmlns:a="http://schemas.openxmlformats.org/drawingml/2006/main" xmlns:r="http://schemas.openxmlformats.org/officeDocument/2006/relationships" xmlns:p="http://schemas.openxmlformats.org/presentationml/2006/main">
   <p:cSld>
     <p:bg>
@@ -6724,483 +7872,6 @@
 </p:sld>
 </file>
 
-<file path=ppt/slides/slide12.xml><?xml version="1.0" encoding="utf-8"?>
-<p:sld xmlns:a="http://schemas.openxmlformats.org/drawingml/2006/main" xmlns:r="http://schemas.openxmlformats.org/officeDocument/2006/relationships" xmlns:p="http://schemas.openxmlformats.org/presentationml/2006/main">
-  <p:cSld>
-    <p:bg>
-      <p:bgPr>
-        <a:blipFill dpi="0" rotWithShape="1">
-          <a:blip r:embed="rId3">
-            <a:alphaModFix amt="99000"/>
-            <a:lum/>
-          </a:blip>
-          <a:srcRect/>
-          <a:stretch>
-            <a:fillRect t="89000" r="85000" b="-1000"/>
-          </a:stretch>
-        </a:blipFill>
-        <a:effectLst/>
-      </p:bgPr>
-    </p:bg>
-    <p:spTree>
-      <p:nvGrpSpPr>
-        <p:cNvPr id="1" name=""/>
-        <p:cNvGrpSpPr/>
-        <p:nvPr/>
-      </p:nvGrpSpPr>
-      <p:grpSpPr>
-        <a:xfrm>
-          <a:off x="0" y="0"/>
-          <a:ext cx="0" cy="0"/>
-          <a:chOff x="0" y="0"/>
-          <a:chExt cx="0" cy="0"/>
-        </a:xfrm>
-      </p:grpSpPr>
-      <p:sp>
-        <p:nvSpPr>
-          <p:cNvPr id="5" name="Title 1">
-            <a:extLst>
-              <a:ext uri="{FF2B5EF4-FFF2-40B4-BE49-F238E27FC236}">
-                <a16:creationId xmlns:a16="http://schemas.microsoft.com/office/drawing/2014/main" id="{3444037F-B658-D82C-5DCA-53E8AA1493D7}"/>
-              </a:ext>
-            </a:extLst>
-          </p:cNvPr>
-          <p:cNvSpPr txBox="1">
-            <a:spLocks/>
-          </p:cNvSpPr>
-          <p:nvPr/>
-        </p:nvSpPr>
-        <p:spPr>
-          <a:xfrm>
-            <a:off x="1524000" y="1516449"/>
-            <a:ext cx="9144000" cy="4290585"/>
-          </a:xfrm>
-          <a:prstGeom prst="rect">
-            <a:avLst/>
-          </a:prstGeom>
-        </p:spPr>
-        <p:txBody>
-          <a:bodyPr vert="horz" lIns="91440" tIns="45720" rIns="91440" bIns="45720" rtlCol="0" anchor="b">
-            <a:normAutofit fontScale="97500"/>
-          </a:bodyPr>
-          <a:lstStyle>
-            <a:lvl1pPr algn="ctr" defTabSz="914400" rtl="0" eaLnBrk="1" latinLnBrk="0" hangingPunct="1">
-              <a:lnSpc>
-                <a:spcPct val="90000"/>
-              </a:lnSpc>
-              <a:spcBef>
-                <a:spcPct val="0"/>
-              </a:spcBef>
-              <a:buNone/>
-              <a:defRPr sz="6000" kern="1200">
-                <a:solidFill>
-                  <a:schemeClr val="tx1"/>
-                </a:solidFill>
-                <a:latin typeface="+mj-lt"/>
-                <a:ea typeface="+mj-ea"/>
-                <a:cs typeface="+mj-cs"/>
-              </a:defRPr>
-            </a:lvl1pPr>
-          </a:lstStyle>
-          <a:p>
-            <a:pPr algn="l"/>
-            <a:endParaRPr lang="en-US" sz="3100" dirty="0"/>
-          </a:p>
-          <a:p>
-            <a:pPr algn="l"/>
-            <a:endParaRPr lang="en-US" sz="3100" dirty="0"/>
-          </a:p>
-          <a:p>
-            <a:pPr algn="l"/>
-            <a:endParaRPr lang="en-US" sz="3100" dirty="0"/>
-          </a:p>
-          <a:p>
-            <a:pPr algn="l"/>
-            <a:endParaRPr lang="en-US" sz="3100" dirty="0"/>
-          </a:p>
-          <a:p>
-            <a:pPr algn="l"/>
-            <a:endParaRPr lang="en-US" sz="3000" dirty="0"/>
-          </a:p>
-          <a:p>
-            <a:pPr algn="l"/>
-            <a:endParaRPr lang="en-US" sz="3000" dirty="0"/>
-          </a:p>
-        </p:txBody>
-      </p:sp>
-      <p:sp>
-        <p:nvSpPr>
-          <p:cNvPr id="39" name="Footer Placeholder 3">
-            <a:extLst>
-              <a:ext uri="{FF2B5EF4-FFF2-40B4-BE49-F238E27FC236}">
-                <a16:creationId xmlns:a16="http://schemas.microsoft.com/office/drawing/2014/main" id="{77EF4DA7-E5CF-896F-45E0-B1D58FD59B96}"/>
-              </a:ext>
-            </a:extLst>
-          </p:cNvPr>
-          <p:cNvSpPr>
-            <a:spLocks noGrp="1"/>
-          </p:cNvSpPr>
-          <p:nvPr>
-            <p:ph type="ftr" sz="quarter" idx="11"/>
-          </p:nvPr>
-        </p:nvSpPr>
-        <p:spPr>
-          <a:xfrm>
-            <a:off x="0" y="6139541"/>
-            <a:ext cx="12192000" cy="718459"/>
-          </a:xfrm>
-          <a:ln w="28575">
-            <a:solidFill>
-              <a:schemeClr val="accent5">
-                <a:lumMod val="50000"/>
-              </a:schemeClr>
-            </a:solidFill>
-          </a:ln>
-        </p:spPr>
-        <p:txBody>
-          <a:bodyPr/>
-          <a:lstStyle/>
-          <a:p>
-            <a:pPr lvl="1" algn="r"/>
-            <a:r>
-              <a:rPr lang="en-US" sz="1200" b="1" dirty="0"/>
-              <a:t>CCDATS1L</a:t>
-            </a:r>
-            <a:endParaRPr lang="en-PH" sz="1200" b="1" dirty="0"/>
-          </a:p>
-        </p:txBody>
-      </p:sp>
-      <p:pic>
-        <p:nvPicPr>
-          <p:cNvPr id="7" name="Picture 6" descr="A poster with a plant growing out of the ground&#10;&#10;Description automatically generated">
-            <a:extLst>
-              <a:ext uri="{FF2B5EF4-FFF2-40B4-BE49-F238E27FC236}">
-                <a16:creationId xmlns:a16="http://schemas.microsoft.com/office/drawing/2014/main" id="{BC2E7218-AC19-F130-0716-0305FA851E4B}"/>
-              </a:ext>
-            </a:extLst>
-          </p:cNvPr>
-          <p:cNvPicPr>
-            <a:picLocks noChangeAspect="1"/>
-          </p:cNvPicPr>
-          <p:nvPr/>
-        </p:nvPicPr>
-        <p:blipFill>
-          <a:blip r:embed="rId4">
-            <a:extLst>
-              <a:ext uri="{28A0092B-C50C-407E-A947-70E740481C1C}">
-                <a14:useLocalDpi xmlns:a14="http://schemas.microsoft.com/office/drawing/2010/main" val="0"/>
-              </a:ext>
-            </a:extLst>
-          </a:blip>
-          <a:stretch>
-            <a:fillRect/>
-          </a:stretch>
-        </p:blipFill>
-        <p:spPr>
-          <a:xfrm>
-            <a:off x="1996488" y="291210"/>
-            <a:ext cx="8199023" cy="5466015"/>
-          </a:xfrm>
-          <a:prstGeom prst="rect">
-            <a:avLst/>
-          </a:prstGeom>
-        </p:spPr>
-      </p:pic>
-    </p:spTree>
-    <p:extLst>
-      <p:ext uri="{BB962C8B-B14F-4D97-AF65-F5344CB8AC3E}">
-        <p14:creationId xmlns:p14="http://schemas.microsoft.com/office/powerpoint/2010/main" val="2185071703"/>
-      </p:ext>
-    </p:extLst>
-  </p:cSld>
-  <p:clrMapOvr>
-    <a:masterClrMapping/>
-  </p:clrMapOvr>
-</p:sld>
-</file>
-
-<file path=ppt/slides/slide13.xml><?xml version="1.0" encoding="utf-8"?>
-<p:sld xmlns:a="http://schemas.openxmlformats.org/drawingml/2006/main" xmlns:r="http://schemas.openxmlformats.org/officeDocument/2006/relationships" xmlns:p="http://schemas.openxmlformats.org/presentationml/2006/main">
-  <p:cSld>
-    <p:bg>
-      <p:bgPr>
-        <a:blipFill dpi="0" rotWithShape="1">
-          <a:blip r:embed="rId3">
-            <a:alphaModFix amt="99000"/>
-            <a:lum/>
-          </a:blip>
-          <a:srcRect/>
-          <a:stretch>
-            <a:fillRect t="89000" r="85000" b="-1000"/>
-          </a:stretch>
-        </a:blipFill>
-        <a:effectLst/>
-      </p:bgPr>
-    </p:bg>
-    <p:spTree>
-      <p:nvGrpSpPr>
-        <p:cNvPr id="1" name=""/>
-        <p:cNvGrpSpPr/>
-        <p:nvPr/>
-      </p:nvGrpSpPr>
-      <p:grpSpPr>
-        <a:xfrm>
-          <a:off x="0" y="0"/>
-          <a:ext cx="0" cy="0"/>
-          <a:chOff x="0" y="0"/>
-          <a:chExt cx="0" cy="0"/>
-        </a:xfrm>
-      </p:grpSpPr>
-      <p:sp>
-        <p:nvSpPr>
-          <p:cNvPr id="5" name="Title 1">
-            <a:extLst>
-              <a:ext uri="{FF2B5EF4-FFF2-40B4-BE49-F238E27FC236}">
-                <a16:creationId xmlns:a16="http://schemas.microsoft.com/office/drawing/2014/main" id="{3444037F-B658-D82C-5DCA-53E8AA1493D7}"/>
-              </a:ext>
-            </a:extLst>
-          </p:cNvPr>
-          <p:cNvSpPr txBox="1">
-            <a:spLocks/>
-          </p:cNvSpPr>
-          <p:nvPr/>
-        </p:nvSpPr>
-        <p:spPr>
-          <a:xfrm>
-            <a:off x="1524000" y="1516449"/>
-            <a:ext cx="9144000" cy="4290585"/>
-          </a:xfrm>
-          <a:prstGeom prst="rect">
-            <a:avLst/>
-          </a:prstGeom>
-        </p:spPr>
-        <p:txBody>
-          <a:bodyPr vert="horz" lIns="91440" tIns="45720" rIns="91440" bIns="45720" rtlCol="0" anchor="b">
-            <a:normAutofit fontScale="97500"/>
-          </a:bodyPr>
-          <a:lstStyle>
-            <a:lvl1pPr algn="ctr" defTabSz="914400" rtl="0" eaLnBrk="1" latinLnBrk="0" hangingPunct="1">
-              <a:lnSpc>
-                <a:spcPct val="90000"/>
-              </a:lnSpc>
-              <a:spcBef>
-                <a:spcPct val="0"/>
-              </a:spcBef>
-              <a:buNone/>
-              <a:defRPr sz="6000" kern="1200">
-                <a:solidFill>
-                  <a:schemeClr val="tx1"/>
-                </a:solidFill>
-                <a:latin typeface="+mj-lt"/>
-                <a:ea typeface="+mj-ea"/>
-                <a:cs typeface="+mj-cs"/>
-              </a:defRPr>
-            </a:lvl1pPr>
-          </a:lstStyle>
-          <a:p>
-            <a:pPr algn="l"/>
-            <a:endParaRPr lang="en-US" sz="3100" dirty="0"/>
-          </a:p>
-          <a:p>
-            <a:pPr algn="l"/>
-            <a:endParaRPr lang="en-US" sz="3100" dirty="0"/>
-          </a:p>
-          <a:p>
-            <a:pPr algn="l"/>
-            <a:endParaRPr lang="en-US" sz="3100" dirty="0"/>
-          </a:p>
-          <a:p>
-            <a:pPr algn="l"/>
-            <a:endParaRPr lang="en-US" sz="3100" dirty="0"/>
-          </a:p>
-          <a:p>
-            <a:pPr algn="l"/>
-            <a:endParaRPr lang="en-US" sz="3000" dirty="0"/>
-          </a:p>
-          <a:p>
-            <a:pPr algn="l"/>
-            <a:endParaRPr lang="en-US" sz="3000" dirty="0"/>
-          </a:p>
-        </p:txBody>
-      </p:sp>
-      <p:sp>
-        <p:nvSpPr>
-          <p:cNvPr id="38" name="Title 1">
-            <a:extLst>
-              <a:ext uri="{FF2B5EF4-FFF2-40B4-BE49-F238E27FC236}">
-                <a16:creationId xmlns:a16="http://schemas.microsoft.com/office/drawing/2014/main" id="{85194D96-4E26-6A5A-5AB5-02AFD53E7543}"/>
-              </a:ext>
-            </a:extLst>
-          </p:cNvPr>
-          <p:cNvSpPr>
-            <a:spLocks noGrp="1"/>
-          </p:cNvSpPr>
-          <p:nvPr>
-            <p:ph type="ctrTitle"/>
-          </p:nvPr>
-        </p:nvSpPr>
-        <p:spPr>
-          <a:xfrm>
-            <a:off x="1128386" y="415731"/>
-            <a:ext cx="9935227" cy="718459"/>
-          </a:xfrm>
-        </p:spPr>
-        <p:txBody>
-          <a:bodyPr>
-            <a:noAutofit/>
-          </a:bodyPr>
-          <a:lstStyle/>
-          <a:p>
-            <a:r>
-              <a:rPr lang="en-US" sz="5000" b="1" dirty="0"/>
-              <a:t>Court Trial Example</a:t>
-            </a:r>
-            <a:endParaRPr lang="en-PH" sz="5000" b="1" dirty="0"/>
-          </a:p>
-        </p:txBody>
-      </p:sp>
-      <p:sp>
-        <p:nvSpPr>
-          <p:cNvPr id="39" name="Footer Placeholder 3">
-            <a:extLst>
-              <a:ext uri="{FF2B5EF4-FFF2-40B4-BE49-F238E27FC236}">
-                <a16:creationId xmlns:a16="http://schemas.microsoft.com/office/drawing/2014/main" id="{77EF4DA7-E5CF-896F-45E0-B1D58FD59B96}"/>
-              </a:ext>
-            </a:extLst>
-          </p:cNvPr>
-          <p:cNvSpPr>
-            <a:spLocks noGrp="1"/>
-          </p:cNvSpPr>
-          <p:nvPr>
-            <p:ph type="ftr" sz="quarter" idx="11"/>
-          </p:nvPr>
-        </p:nvSpPr>
-        <p:spPr>
-          <a:xfrm>
-            <a:off x="0" y="6139541"/>
-            <a:ext cx="12192000" cy="718459"/>
-          </a:xfrm>
-          <a:ln w="28575">
-            <a:solidFill>
-              <a:schemeClr val="accent5">
-                <a:lumMod val="50000"/>
-              </a:schemeClr>
-            </a:solidFill>
-          </a:ln>
-        </p:spPr>
-        <p:txBody>
-          <a:bodyPr/>
-          <a:lstStyle/>
-          <a:p>
-            <a:pPr lvl="1" algn="r"/>
-            <a:r>
-              <a:rPr lang="en-US" sz="1200" b="1" dirty="0"/>
-              <a:t>CCDATS1L</a:t>
-            </a:r>
-            <a:endParaRPr lang="en-PH" sz="1200" b="1" dirty="0"/>
-          </a:p>
-        </p:txBody>
-      </p:sp>
-      <p:sp>
-        <p:nvSpPr>
-          <p:cNvPr id="4" name="TextBox 3">
-            <a:extLst>
-              <a:ext uri="{FF2B5EF4-FFF2-40B4-BE49-F238E27FC236}">
-                <a16:creationId xmlns:a16="http://schemas.microsoft.com/office/drawing/2014/main" id="{4203C0C4-7C82-D208-A8B3-1AE6E9099A3C}"/>
-              </a:ext>
-            </a:extLst>
-          </p:cNvPr>
-          <p:cNvSpPr txBox="1"/>
-          <p:nvPr/>
-        </p:nvSpPr>
-        <p:spPr>
-          <a:xfrm>
-            <a:off x="639918" y="1354768"/>
-            <a:ext cx="11140404" cy="1477328"/>
-          </a:xfrm>
-          <a:prstGeom prst="rect">
-            <a:avLst/>
-          </a:prstGeom>
-          <a:noFill/>
-        </p:spPr>
-        <p:txBody>
-          <a:bodyPr wrap="square" rtlCol="0">
-            <a:spAutoFit/>
-          </a:bodyPr>
-          <a:lstStyle/>
-          <a:p>
-            <a:r>
-              <a:rPr lang="en-US" sz="3000" dirty="0"/>
-              <a:t>The process of testing hypotheses can be compared to court trials.</a:t>
-            </a:r>
-          </a:p>
-          <a:p>
-            <a:r>
-              <a:rPr lang="en-US" sz="3000" dirty="0"/>
-              <a:t>A person comes into court charged with a crime. </a:t>
-            </a:r>
-          </a:p>
-          <a:p>
-            <a:endParaRPr lang="en-PH" sz="3000" dirty="0"/>
-          </a:p>
-        </p:txBody>
-      </p:sp>
-      <p:pic>
-        <p:nvPicPr>
-          <p:cNvPr id="3" name="Picture 2" descr="A person sitting at a desk&#10;&#10;Description automatically generated">
-            <a:extLst>
-              <a:ext uri="{FF2B5EF4-FFF2-40B4-BE49-F238E27FC236}">
-                <a16:creationId xmlns:a16="http://schemas.microsoft.com/office/drawing/2014/main" id="{EA82693E-380E-7EA1-CB9D-141726E57914}"/>
-              </a:ext>
-            </a:extLst>
-          </p:cNvPr>
-          <p:cNvPicPr>
-            <a:picLocks noChangeAspect="1"/>
-          </p:cNvPicPr>
-          <p:nvPr/>
-        </p:nvPicPr>
-        <p:blipFill>
-          <a:blip r:embed="rId4">
-            <a:extLst>
-              <a:ext uri="{28A0092B-C50C-407E-A947-70E740481C1C}">
-                <a14:useLocalDpi xmlns:a14="http://schemas.microsoft.com/office/drawing/2010/main" val="0"/>
-              </a:ext>
-            </a:extLst>
-          </a:blip>
-          <a:stretch>
-            <a:fillRect/>
-          </a:stretch>
-        </p:blipFill>
-        <p:spPr>
-          <a:xfrm>
-            <a:off x="4041738" y="2672733"/>
-            <a:ext cx="4108522" cy="3081392"/>
-          </a:xfrm>
-          <a:prstGeom prst="rect">
-            <a:avLst/>
-          </a:prstGeom>
-          <a:effectLst>
-            <a:outerShdw blurRad="50800" dist="38100" dir="2700000" algn="tl" rotWithShape="0">
-              <a:prstClr val="black">
-                <a:alpha val="40000"/>
-              </a:prstClr>
-            </a:outerShdw>
-          </a:effectLst>
-        </p:spPr>
-      </p:pic>
-    </p:spTree>
-    <p:extLst>
-      <p:ext uri="{BB962C8B-B14F-4D97-AF65-F5344CB8AC3E}">
-        <p14:creationId xmlns:p14="http://schemas.microsoft.com/office/powerpoint/2010/main" val="504419690"/>
-      </p:ext>
-    </p:extLst>
-  </p:cSld>
-  <p:clrMapOvr>
-    <a:masterClrMapping/>
-  </p:clrMapOvr>
-</p:sld>
-</file>
-
 <file path=ppt/slides/slide14.xml><?xml version="1.0" encoding="utf-8"?>
 <p:sld xmlns:a="http://schemas.openxmlformats.org/drawingml/2006/main" xmlns:r="http://schemas.openxmlformats.org/officeDocument/2006/relationships" xmlns:p="http://schemas.openxmlformats.org/presentationml/2006/main">
   <p:cSld>
@@ -7249,7 +7920,7 @@
         </p:nvSpPr>
         <p:spPr>
           <a:xfrm>
-            <a:off x="1524000" y="1528806"/>
+            <a:off x="1524000" y="1516449"/>
             <a:ext cx="9144000" cy="4290585"/>
           </a:xfrm>
           <a:prstGeom prst="rect">
@@ -7307,42 +7978,6 @@
       </p:sp>
       <p:sp>
         <p:nvSpPr>
-          <p:cNvPr id="38" name="Title 1">
-            <a:extLst>
-              <a:ext uri="{FF2B5EF4-FFF2-40B4-BE49-F238E27FC236}">
-                <a16:creationId xmlns:a16="http://schemas.microsoft.com/office/drawing/2014/main" id="{85194D96-4E26-6A5A-5AB5-02AFD53E7543}"/>
-              </a:ext>
-            </a:extLst>
-          </p:cNvPr>
-          <p:cNvSpPr>
-            <a:spLocks noGrp="1"/>
-          </p:cNvSpPr>
-          <p:nvPr>
-            <p:ph type="ctrTitle"/>
-          </p:nvPr>
-        </p:nvSpPr>
-        <p:spPr>
-          <a:xfrm>
-            <a:off x="1128386" y="415731"/>
-            <a:ext cx="9935227" cy="718459"/>
-          </a:xfrm>
-        </p:spPr>
-        <p:txBody>
-          <a:bodyPr>
-            <a:noAutofit/>
-          </a:bodyPr>
-          <a:lstStyle/>
-          <a:p>
-            <a:r>
-              <a:rPr lang="en-US" sz="5000" b="1" dirty="0"/>
-              <a:t>Court Trial Example</a:t>
-            </a:r>
-            <a:endParaRPr lang="en-PH" sz="5000" b="1" dirty="0"/>
-          </a:p>
-        </p:txBody>
-      </p:sp>
-      <p:sp>
-        <p:nvSpPr>
           <p:cNvPr id="39" name="Footer Placeholder 3">
             <a:extLst>
               <a:ext uri="{FF2B5EF4-FFF2-40B4-BE49-F238E27FC236}">
@@ -7383,72 +8018,12 @@
           </a:p>
         </p:txBody>
       </p:sp>
-      <p:sp>
-        <p:nvSpPr>
-          <p:cNvPr id="4" name="TextBox 3">
-            <a:extLst>
-              <a:ext uri="{FF2B5EF4-FFF2-40B4-BE49-F238E27FC236}">
-                <a16:creationId xmlns:a16="http://schemas.microsoft.com/office/drawing/2014/main" id="{4203C0C4-7C82-D208-A8B3-1AE6E9099A3C}"/>
-              </a:ext>
-            </a:extLst>
-          </p:cNvPr>
-          <p:cNvSpPr txBox="1"/>
-          <p:nvPr/>
-        </p:nvSpPr>
-        <p:spPr>
-          <a:xfrm>
-            <a:off x="639918" y="1354768"/>
-            <a:ext cx="11140404" cy="1015663"/>
-          </a:xfrm>
-          <a:prstGeom prst="rect">
-            <a:avLst/>
-          </a:prstGeom>
-          <a:noFill/>
-        </p:spPr>
-        <p:txBody>
-          <a:bodyPr wrap="square" rtlCol="0">
-            <a:spAutoFit/>
-          </a:bodyPr>
-          <a:lstStyle/>
-          <a:p>
-            <a:r>
-              <a:rPr lang="en-US" sz="3000" dirty="0"/>
-              <a:t>A jury must decide whether the person is </a:t>
-            </a:r>
-            <a:r>
-              <a:rPr lang="en-US" sz="3000" b="1" dirty="0">
-                <a:solidFill>
-                  <a:srgbClr val="00B050"/>
-                </a:solidFill>
-              </a:rPr>
-              <a:t>not guilty (null hypothesis) </a:t>
-            </a:r>
-            <a:r>
-              <a:rPr lang="en-US" sz="3000" dirty="0"/>
-              <a:t>or </a:t>
-            </a:r>
-            <a:r>
-              <a:rPr lang="en-US" sz="3000" b="1" dirty="0">
-                <a:solidFill>
-                  <a:srgbClr val="FF0000"/>
-                </a:solidFill>
-              </a:rPr>
-              <a:t>guilty (alternative hypothesis). </a:t>
-            </a:r>
-            <a:endParaRPr lang="en-PH" sz="3000" b="1" dirty="0">
-              <a:solidFill>
-                <a:srgbClr val="FF0000"/>
-              </a:solidFill>
-            </a:endParaRPr>
-          </a:p>
-        </p:txBody>
-      </p:sp>
       <p:pic>
         <p:nvPicPr>
-          <p:cNvPr id="9" name="Picture 8" descr="A person in a suit speaking into a microphone&#10;&#10;Description automatically generated">
-            <a:extLst>
-              <a:ext uri="{FF2B5EF4-FFF2-40B4-BE49-F238E27FC236}">
-                <a16:creationId xmlns:a16="http://schemas.microsoft.com/office/drawing/2014/main" id="{9F258C01-E13E-C655-B0D2-3A1DC30E3F58}"/>
+          <p:cNvPr id="7" name="Picture 6" descr="A poster with a plant growing out of the ground&#10;&#10;Description automatically generated">
+            <a:extLst>
+              <a:ext uri="{FF2B5EF4-FFF2-40B4-BE49-F238E27FC236}">
+                <a16:creationId xmlns:a16="http://schemas.microsoft.com/office/drawing/2014/main" id="{BC2E7218-AC19-F130-0716-0305FA851E4B}"/>
               </a:ext>
             </a:extLst>
           </p:cNvPr>
@@ -7471,25 +8046,18 @@
         </p:blipFill>
         <p:spPr>
           <a:xfrm>
-            <a:off x="3332166" y="2702938"/>
-            <a:ext cx="5527665" cy="2971120"/>
+            <a:off x="1996488" y="291210"/>
+            <a:ext cx="8199023" cy="5466015"/>
           </a:xfrm>
           <a:prstGeom prst="rect">
             <a:avLst/>
           </a:prstGeom>
-          <a:effectLst>
-            <a:outerShdw blurRad="50800" dist="38100" dir="2700000" algn="tl" rotWithShape="0">
-              <a:prstClr val="black">
-                <a:alpha val="40000"/>
-              </a:prstClr>
-            </a:outerShdw>
-          </a:effectLst>
         </p:spPr>
       </p:pic>
     </p:spTree>
     <p:extLst>
       <p:ext uri="{BB962C8B-B14F-4D97-AF65-F5344CB8AC3E}">
-        <p14:creationId xmlns:p14="http://schemas.microsoft.com/office/powerpoint/2010/main" val="2990961721"/>
+        <p14:creationId xmlns:p14="http://schemas.microsoft.com/office/powerpoint/2010/main" val="2185071703"/>
       </p:ext>
     </p:extLst>
   </p:cSld>
@@ -7696,6 +8264,586 @@
         <p:spPr>
           <a:xfrm>
             <a:off x="639918" y="1354768"/>
+            <a:ext cx="11140404" cy="1477328"/>
+          </a:xfrm>
+          <a:prstGeom prst="rect">
+            <a:avLst/>
+          </a:prstGeom>
+          <a:noFill/>
+        </p:spPr>
+        <p:txBody>
+          <a:bodyPr wrap="square" rtlCol="0">
+            <a:spAutoFit/>
+          </a:bodyPr>
+          <a:lstStyle/>
+          <a:p>
+            <a:r>
+              <a:rPr lang="en-US" sz="3000" dirty="0"/>
+              <a:t>The process of testing hypotheses can be compared to court trials.</a:t>
+            </a:r>
+          </a:p>
+          <a:p>
+            <a:r>
+              <a:rPr lang="en-US" sz="3000" dirty="0"/>
+              <a:t>A person comes into court charged with a crime. </a:t>
+            </a:r>
+          </a:p>
+          <a:p>
+            <a:endParaRPr lang="en-PH" sz="3000" dirty="0"/>
+          </a:p>
+        </p:txBody>
+      </p:sp>
+      <p:pic>
+        <p:nvPicPr>
+          <p:cNvPr id="3" name="Picture 2" descr="A person sitting at a desk&#10;&#10;Description automatically generated">
+            <a:extLst>
+              <a:ext uri="{FF2B5EF4-FFF2-40B4-BE49-F238E27FC236}">
+                <a16:creationId xmlns:a16="http://schemas.microsoft.com/office/drawing/2014/main" id="{EA82693E-380E-7EA1-CB9D-141726E57914}"/>
+              </a:ext>
+            </a:extLst>
+          </p:cNvPr>
+          <p:cNvPicPr>
+            <a:picLocks noChangeAspect="1"/>
+          </p:cNvPicPr>
+          <p:nvPr/>
+        </p:nvPicPr>
+        <p:blipFill>
+          <a:blip r:embed="rId4">
+            <a:extLst>
+              <a:ext uri="{28A0092B-C50C-407E-A947-70E740481C1C}">
+                <a14:useLocalDpi xmlns:a14="http://schemas.microsoft.com/office/drawing/2010/main" val="0"/>
+              </a:ext>
+            </a:extLst>
+          </a:blip>
+          <a:stretch>
+            <a:fillRect/>
+          </a:stretch>
+        </p:blipFill>
+        <p:spPr>
+          <a:xfrm>
+            <a:off x="4041738" y="2672733"/>
+            <a:ext cx="4108522" cy="3081392"/>
+          </a:xfrm>
+          <a:prstGeom prst="rect">
+            <a:avLst/>
+          </a:prstGeom>
+          <a:effectLst>
+            <a:outerShdw blurRad="50800" dist="38100" dir="2700000" algn="tl" rotWithShape="0">
+              <a:prstClr val="black">
+                <a:alpha val="40000"/>
+              </a:prstClr>
+            </a:outerShdw>
+          </a:effectLst>
+        </p:spPr>
+      </p:pic>
+    </p:spTree>
+    <p:extLst>
+      <p:ext uri="{BB962C8B-B14F-4D97-AF65-F5344CB8AC3E}">
+        <p14:creationId xmlns:p14="http://schemas.microsoft.com/office/powerpoint/2010/main" val="504419690"/>
+      </p:ext>
+    </p:extLst>
+  </p:cSld>
+  <p:clrMapOvr>
+    <a:masterClrMapping/>
+  </p:clrMapOvr>
+</p:sld>
+</file>
+
+<file path=ppt/slides/slide16.xml><?xml version="1.0" encoding="utf-8"?>
+<p:sld xmlns:a="http://schemas.openxmlformats.org/drawingml/2006/main" xmlns:r="http://schemas.openxmlformats.org/officeDocument/2006/relationships" xmlns:p="http://schemas.openxmlformats.org/presentationml/2006/main">
+  <p:cSld>
+    <p:bg>
+      <p:bgPr>
+        <a:blipFill dpi="0" rotWithShape="1">
+          <a:blip r:embed="rId3">
+            <a:alphaModFix amt="99000"/>
+            <a:lum/>
+          </a:blip>
+          <a:srcRect/>
+          <a:stretch>
+            <a:fillRect t="89000" r="85000" b="-1000"/>
+          </a:stretch>
+        </a:blipFill>
+        <a:effectLst/>
+      </p:bgPr>
+    </p:bg>
+    <p:spTree>
+      <p:nvGrpSpPr>
+        <p:cNvPr id="1" name=""/>
+        <p:cNvGrpSpPr/>
+        <p:nvPr/>
+      </p:nvGrpSpPr>
+      <p:grpSpPr>
+        <a:xfrm>
+          <a:off x="0" y="0"/>
+          <a:ext cx="0" cy="0"/>
+          <a:chOff x="0" y="0"/>
+          <a:chExt cx="0" cy="0"/>
+        </a:xfrm>
+      </p:grpSpPr>
+      <p:sp>
+        <p:nvSpPr>
+          <p:cNvPr id="5" name="Title 1">
+            <a:extLst>
+              <a:ext uri="{FF2B5EF4-FFF2-40B4-BE49-F238E27FC236}">
+                <a16:creationId xmlns:a16="http://schemas.microsoft.com/office/drawing/2014/main" id="{3444037F-B658-D82C-5DCA-53E8AA1493D7}"/>
+              </a:ext>
+            </a:extLst>
+          </p:cNvPr>
+          <p:cNvSpPr txBox="1">
+            <a:spLocks/>
+          </p:cNvSpPr>
+          <p:nvPr/>
+        </p:nvSpPr>
+        <p:spPr>
+          <a:xfrm>
+            <a:off x="1524000" y="1528806"/>
+            <a:ext cx="9144000" cy="4290585"/>
+          </a:xfrm>
+          <a:prstGeom prst="rect">
+            <a:avLst/>
+          </a:prstGeom>
+        </p:spPr>
+        <p:txBody>
+          <a:bodyPr vert="horz" lIns="91440" tIns="45720" rIns="91440" bIns="45720" rtlCol="0" anchor="b">
+            <a:normAutofit fontScale="97500"/>
+          </a:bodyPr>
+          <a:lstStyle>
+            <a:lvl1pPr algn="ctr" defTabSz="914400" rtl="0" eaLnBrk="1" latinLnBrk="0" hangingPunct="1">
+              <a:lnSpc>
+                <a:spcPct val="90000"/>
+              </a:lnSpc>
+              <a:spcBef>
+                <a:spcPct val="0"/>
+              </a:spcBef>
+              <a:buNone/>
+              <a:defRPr sz="6000" kern="1200">
+                <a:solidFill>
+                  <a:schemeClr val="tx1"/>
+                </a:solidFill>
+                <a:latin typeface="+mj-lt"/>
+                <a:ea typeface="+mj-ea"/>
+                <a:cs typeface="+mj-cs"/>
+              </a:defRPr>
+            </a:lvl1pPr>
+          </a:lstStyle>
+          <a:p>
+            <a:pPr algn="l"/>
+            <a:endParaRPr lang="en-US" sz="3100" dirty="0"/>
+          </a:p>
+          <a:p>
+            <a:pPr algn="l"/>
+            <a:endParaRPr lang="en-US" sz="3100" dirty="0"/>
+          </a:p>
+          <a:p>
+            <a:pPr algn="l"/>
+            <a:endParaRPr lang="en-US" sz="3100" dirty="0"/>
+          </a:p>
+          <a:p>
+            <a:pPr algn="l"/>
+            <a:endParaRPr lang="en-US" sz="3100" dirty="0"/>
+          </a:p>
+          <a:p>
+            <a:pPr algn="l"/>
+            <a:endParaRPr lang="en-US" sz="3000" dirty="0"/>
+          </a:p>
+          <a:p>
+            <a:pPr algn="l"/>
+            <a:endParaRPr lang="en-US" sz="3000" dirty="0"/>
+          </a:p>
+        </p:txBody>
+      </p:sp>
+      <p:sp>
+        <p:nvSpPr>
+          <p:cNvPr id="38" name="Title 1">
+            <a:extLst>
+              <a:ext uri="{FF2B5EF4-FFF2-40B4-BE49-F238E27FC236}">
+                <a16:creationId xmlns:a16="http://schemas.microsoft.com/office/drawing/2014/main" id="{85194D96-4E26-6A5A-5AB5-02AFD53E7543}"/>
+              </a:ext>
+            </a:extLst>
+          </p:cNvPr>
+          <p:cNvSpPr>
+            <a:spLocks noGrp="1"/>
+          </p:cNvSpPr>
+          <p:nvPr>
+            <p:ph type="ctrTitle"/>
+          </p:nvPr>
+        </p:nvSpPr>
+        <p:spPr>
+          <a:xfrm>
+            <a:off x="1128386" y="415731"/>
+            <a:ext cx="9935227" cy="718459"/>
+          </a:xfrm>
+        </p:spPr>
+        <p:txBody>
+          <a:bodyPr>
+            <a:noAutofit/>
+          </a:bodyPr>
+          <a:lstStyle/>
+          <a:p>
+            <a:r>
+              <a:rPr lang="en-US" sz="5000" b="1" dirty="0"/>
+              <a:t>Court Trial Example</a:t>
+            </a:r>
+            <a:endParaRPr lang="en-PH" sz="5000" b="1" dirty="0"/>
+          </a:p>
+        </p:txBody>
+      </p:sp>
+      <p:sp>
+        <p:nvSpPr>
+          <p:cNvPr id="39" name="Footer Placeholder 3">
+            <a:extLst>
+              <a:ext uri="{FF2B5EF4-FFF2-40B4-BE49-F238E27FC236}">
+                <a16:creationId xmlns:a16="http://schemas.microsoft.com/office/drawing/2014/main" id="{77EF4DA7-E5CF-896F-45E0-B1D58FD59B96}"/>
+              </a:ext>
+            </a:extLst>
+          </p:cNvPr>
+          <p:cNvSpPr>
+            <a:spLocks noGrp="1"/>
+          </p:cNvSpPr>
+          <p:nvPr>
+            <p:ph type="ftr" sz="quarter" idx="11"/>
+          </p:nvPr>
+        </p:nvSpPr>
+        <p:spPr>
+          <a:xfrm>
+            <a:off x="0" y="6139541"/>
+            <a:ext cx="12192000" cy="718459"/>
+          </a:xfrm>
+          <a:ln w="28575">
+            <a:solidFill>
+              <a:schemeClr val="accent5">
+                <a:lumMod val="50000"/>
+              </a:schemeClr>
+            </a:solidFill>
+          </a:ln>
+        </p:spPr>
+        <p:txBody>
+          <a:bodyPr/>
+          <a:lstStyle/>
+          <a:p>
+            <a:pPr lvl="1" algn="r"/>
+            <a:r>
+              <a:rPr lang="en-US" sz="1200" b="1" dirty="0"/>
+              <a:t>CCDATS1L</a:t>
+            </a:r>
+            <a:endParaRPr lang="en-PH" sz="1200" b="1" dirty="0"/>
+          </a:p>
+        </p:txBody>
+      </p:sp>
+      <p:sp>
+        <p:nvSpPr>
+          <p:cNvPr id="4" name="TextBox 3">
+            <a:extLst>
+              <a:ext uri="{FF2B5EF4-FFF2-40B4-BE49-F238E27FC236}">
+                <a16:creationId xmlns:a16="http://schemas.microsoft.com/office/drawing/2014/main" id="{4203C0C4-7C82-D208-A8B3-1AE6E9099A3C}"/>
+              </a:ext>
+            </a:extLst>
+          </p:cNvPr>
+          <p:cNvSpPr txBox="1"/>
+          <p:nvPr/>
+        </p:nvSpPr>
+        <p:spPr>
+          <a:xfrm>
+            <a:off x="639918" y="1354768"/>
+            <a:ext cx="11140404" cy="1015663"/>
+          </a:xfrm>
+          <a:prstGeom prst="rect">
+            <a:avLst/>
+          </a:prstGeom>
+          <a:noFill/>
+        </p:spPr>
+        <p:txBody>
+          <a:bodyPr wrap="square" rtlCol="0">
+            <a:spAutoFit/>
+          </a:bodyPr>
+          <a:lstStyle/>
+          <a:p>
+            <a:r>
+              <a:rPr lang="en-US" sz="3000" dirty="0"/>
+              <a:t>A jury must decide whether the person is </a:t>
+            </a:r>
+            <a:r>
+              <a:rPr lang="en-US" sz="3000" b="1" dirty="0">
+                <a:solidFill>
+                  <a:srgbClr val="00B050"/>
+                </a:solidFill>
+              </a:rPr>
+              <a:t>not guilty (null hypothesis) </a:t>
+            </a:r>
+            <a:r>
+              <a:rPr lang="en-US" sz="3000" dirty="0"/>
+              <a:t>or </a:t>
+            </a:r>
+            <a:r>
+              <a:rPr lang="en-US" sz="3000" b="1" dirty="0">
+                <a:solidFill>
+                  <a:srgbClr val="FF0000"/>
+                </a:solidFill>
+              </a:rPr>
+              <a:t>guilty (alternative hypothesis). </a:t>
+            </a:r>
+            <a:endParaRPr lang="en-PH" sz="3000" b="1" dirty="0">
+              <a:solidFill>
+                <a:srgbClr val="FF0000"/>
+              </a:solidFill>
+            </a:endParaRPr>
+          </a:p>
+        </p:txBody>
+      </p:sp>
+      <p:pic>
+        <p:nvPicPr>
+          <p:cNvPr id="9" name="Picture 8" descr="A person in a suit speaking into a microphone&#10;&#10;Description automatically generated">
+            <a:extLst>
+              <a:ext uri="{FF2B5EF4-FFF2-40B4-BE49-F238E27FC236}">
+                <a16:creationId xmlns:a16="http://schemas.microsoft.com/office/drawing/2014/main" id="{9F258C01-E13E-C655-B0D2-3A1DC30E3F58}"/>
+              </a:ext>
+            </a:extLst>
+          </p:cNvPr>
+          <p:cNvPicPr>
+            <a:picLocks noChangeAspect="1"/>
+          </p:cNvPicPr>
+          <p:nvPr/>
+        </p:nvPicPr>
+        <p:blipFill>
+          <a:blip r:embed="rId4">
+            <a:extLst>
+              <a:ext uri="{28A0092B-C50C-407E-A947-70E740481C1C}">
+                <a14:useLocalDpi xmlns:a14="http://schemas.microsoft.com/office/drawing/2010/main" val="0"/>
+              </a:ext>
+            </a:extLst>
+          </a:blip>
+          <a:stretch>
+            <a:fillRect/>
+          </a:stretch>
+        </p:blipFill>
+        <p:spPr>
+          <a:xfrm>
+            <a:off x="3332166" y="2702938"/>
+            <a:ext cx="5527665" cy="2971120"/>
+          </a:xfrm>
+          <a:prstGeom prst="rect">
+            <a:avLst/>
+          </a:prstGeom>
+          <a:effectLst>
+            <a:outerShdw blurRad="50800" dist="38100" dir="2700000" algn="tl" rotWithShape="0">
+              <a:prstClr val="black">
+                <a:alpha val="40000"/>
+              </a:prstClr>
+            </a:outerShdw>
+          </a:effectLst>
+        </p:spPr>
+      </p:pic>
+    </p:spTree>
+    <p:extLst>
+      <p:ext uri="{BB962C8B-B14F-4D97-AF65-F5344CB8AC3E}">
+        <p14:creationId xmlns:p14="http://schemas.microsoft.com/office/powerpoint/2010/main" val="2990961721"/>
+      </p:ext>
+    </p:extLst>
+  </p:cSld>
+  <p:clrMapOvr>
+    <a:masterClrMapping/>
+  </p:clrMapOvr>
+</p:sld>
+</file>
+
+<file path=ppt/slides/slide17.xml><?xml version="1.0" encoding="utf-8"?>
+<p:sld xmlns:a="http://schemas.openxmlformats.org/drawingml/2006/main" xmlns:r="http://schemas.openxmlformats.org/officeDocument/2006/relationships" xmlns:p="http://schemas.openxmlformats.org/presentationml/2006/main">
+  <p:cSld>
+    <p:bg>
+      <p:bgPr>
+        <a:blipFill dpi="0" rotWithShape="1">
+          <a:blip r:embed="rId3">
+            <a:alphaModFix amt="99000"/>
+            <a:lum/>
+          </a:blip>
+          <a:srcRect/>
+          <a:stretch>
+            <a:fillRect t="89000" r="85000" b="-1000"/>
+          </a:stretch>
+        </a:blipFill>
+        <a:effectLst/>
+      </p:bgPr>
+    </p:bg>
+    <p:spTree>
+      <p:nvGrpSpPr>
+        <p:cNvPr id="1" name=""/>
+        <p:cNvGrpSpPr/>
+        <p:nvPr/>
+      </p:nvGrpSpPr>
+      <p:grpSpPr>
+        <a:xfrm>
+          <a:off x="0" y="0"/>
+          <a:ext cx="0" cy="0"/>
+          <a:chOff x="0" y="0"/>
+          <a:chExt cx="0" cy="0"/>
+        </a:xfrm>
+      </p:grpSpPr>
+      <p:sp>
+        <p:nvSpPr>
+          <p:cNvPr id="5" name="Title 1">
+            <a:extLst>
+              <a:ext uri="{FF2B5EF4-FFF2-40B4-BE49-F238E27FC236}">
+                <a16:creationId xmlns:a16="http://schemas.microsoft.com/office/drawing/2014/main" id="{3444037F-B658-D82C-5DCA-53E8AA1493D7}"/>
+              </a:ext>
+            </a:extLst>
+          </p:cNvPr>
+          <p:cNvSpPr txBox="1">
+            <a:spLocks/>
+          </p:cNvSpPr>
+          <p:nvPr/>
+        </p:nvSpPr>
+        <p:spPr>
+          <a:xfrm>
+            <a:off x="1524000" y="1516449"/>
+            <a:ext cx="9144000" cy="4290585"/>
+          </a:xfrm>
+          <a:prstGeom prst="rect">
+            <a:avLst/>
+          </a:prstGeom>
+        </p:spPr>
+        <p:txBody>
+          <a:bodyPr vert="horz" lIns="91440" tIns="45720" rIns="91440" bIns="45720" rtlCol="0" anchor="b">
+            <a:normAutofit fontScale="97500"/>
+          </a:bodyPr>
+          <a:lstStyle>
+            <a:lvl1pPr algn="ctr" defTabSz="914400" rtl="0" eaLnBrk="1" latinLnBrk="0" hangingPunct="1">
+              <a:lnSpc>
+                <a:spcPct val="90000"/>
+              </a:lnSpc>
+              <a:spcBef>
+                <a:spcPct val="0"/>
+              </a:spcBef>
+              <a:buNone/>
+              <a:defRPr sz="6000" kern="1200">
+                <a:solidFill>
+                  <a:schemeClr val="tx1"/>
+                </a:solidFill>
+                <a:latin typeface="+mj-lt"/>
+                <a:ea typeface="+mj-ea"/>
+                <a:cs typeface="+mj-cs"/>
+              </a:defRPr>
+            </a:lvl1pPr>
+          </a:lstStyle>
+          <a:p>
+            <a:pPr algn="l"/>
+            <a:endParaRPr lang="en-US" sz="3100" dirty="0"/>
+          </a:p>
+          <a:p>
+            <a:pPr algn="l"/>
+            <a:endParaRPr lang="en-US" sz="3100" dirty="0"/>
+          </a:p>
+          <a:p>
+            <a:pPr algn="l"/>
+            <a:endParaRPr lang="en-US" sz="3100" dirty="0"/>
+          </a:p>
+          <a:p>
+            <a:pPr algn="l"/>
+            <a:endParaRPr lang="en-US" sz="3100" dirty="0"/>
+          </a:p>
+          <a:p>
+            <a:pPr algn="l"/>
+            <a:endParaRPr lang="en-US" sz="3000" dirty="0"/>
+          </a:p>
+          <a:p>
+            <a:pPr algn="l"/>
+            <a:endParaRPr lang="en-US" sz="3000" dirty="0"/>
+          </a:p>
+        </p:txBody>
+      </p:sp>
+      <p:sp>
+        <p:nvSpPr>
+          <p:cNvPr id="38" name="Title 1">
+            <a:extLst>
+              <a:ext uri="{FF2B5EF4-FFF2-40B4-BE49-F238E27FC236}">
+                <a16:creationId xmlns:a16="http://schemas.microsoft.com/office/drawing/2014/main" id="{85194D96-4E26-6A5A-5AB5-02AFD53E7543}"/>
+              </a:ext>
+            </a:extLst>
+          </p:cNvPr>
+          <p:cNvSpPr>
+            <a:spLocks noGrp="1"/>
+          </p:cNvSpPr>
+          <p:nvPr>
+            <p:ph type="ctrTitle"/>
+          </p:nvPr>
+        </p:nvSpPr>
+        <p:spPr>
+          <a:xfrm>
+            <a:off x="1128386" y="415731"/>
+            <a:ext cx="9935227" cy="718459"/>
+          </a:xfrm>
+        </p:spPr>
+        <p:txBody>
+          <a:bodyPr>
+            <a:noAutofit/>
+          </a:bodyPr>
+          <a:lstStyle/>
+          <a:p>
+            <a:r>
+              <a:rPr lang="en-US" sz="5000" b="1" dirty="0"/>
+              <a:t>Court Trial Example</a:t>
+            </a:r>
+            <a:endParaRPr lang="en-PH" sz="5000" b="1" dirty="0"/>
+          </a:p>
+        </p:txBody>
+      </p:sp>
+      <p:sp>
+        <p:nvSpPr>
+          <p:cNvPr id="39" name="Footer Placeholder 3">
+            <a:extLst>
+              <a:ext uri="{FF2B5EF4-FFF2-40B4-BE49-F238E27FC236}">
+                <a16:creationId xmlns:a16="http://schemas.microsoft.com/office/drawing/2014/main" id="{77EF4DA7-E5CF-896F-45E0-B1D58FD59B96}"/>
+              </a:ext>
+            </a:extLst>
+          </p:cNvPr>
+          <p:cNvSpPr>
+            <a:spLocks noGrp="1"/>
+          </p:cNvSpPr>
+          <p:nvPr>
+            <p:ph type="ftr" sz="quarter" idx="11"/>
+          </p:nvPr>
+        </p:nvSpPr>
+        <p:spPr>
+          <a:xfrm>
+            <a:off x="0" y="6139541"/>
+            <a:ext cx="12192000" cy="718459"/>
+          </a:xfrm>
+          <a:ln w="28575">
+            <a:solidFill>
+              <a:schemeClr val="accent5">
+                <a:lumMod val="50000"/>
+              </a:schemeClr>
+            </a:solidFill>
+          </a:ln>
+        </p:spPr>
+        <p:txBody>
+          <a:bodyPr/>
+          <a:lstStyle/>
+          <a:p>
+            <a:pPr lvl="1" algn="r"/>
+            <a:r>
+              <a:rPr lang="en-US" sz="1200" b="1" dirty="0"/>
+              <a:t>CCDATS1L</a:t>
+            </a:r>
+            <a:endParaRPr lang="en-PH" sz="1200" b="1" dirty="0"/>
+          </a:p>
+        </p:txBody>
+      </p:sp>
+      <p:sp>
+        <p:nvSpPr>
+          <p:cNvPr id="4" name="TextBox 3">
+            <a:extLst>
+              <a:ext uri="{FF2B5EF4-FFF2-40B4-BE49-F238E27FC236}">
+                <a16:creationId xmlns:a16="http://schemas.microsoft.com/office/drawing/2014/main" id="{4203C0C4-7C82-D208-A8B3-1AE6E9099A3C}"/>
+              </a:ext>
+            </a:extLst>
+          </p:cNvPr>
+          <p:cNvSpPr txBox="1"/>
+          <p:nvPr/>
+        </p:nvSpPr>
+        <p:spPr>
+          <a:xfrm>
+            <a:off x="639918" y="1354768"/>
             <a:ext cx="11140404" cy="3785652"/>
           </a:xfrm>
           <a:prstGeom prst="rect">
@@ -7778,7 +8926,7 @@
 </p:sld>
 </file>
 
-<file path=ppt/slides/slide16.xml><?xml version="1.0" encoding="utf-8"?>
+<file path=ppt/slides/slide18.xml><?xml version="1.0" encoding="utf-8"?>
 <p:sld xmlns:a="http://schemas.openxmlformats.org/drawingml/2006/main" xmlns:r="http://schemas.openxmlformats.org/officeDocument/2006/relationships" xmlns:p="http://schemas.openxmlformats.org/presentationml/2006/main">
   <p:cSld>
     <p:bg>
@@ -8223,7 +9371,7 @@
 </p:sld>
 </file>
 
-<file path=ppt/slides/slide17.xml><?xml version="1.0" encoding="utf-8"?>
+<file path=ppt/slides/slide19.xml><?xml version="1.0" encoding="utf-8"?>
 <p:sld xmlns:a="http://schemas.openxmlformats.org/drawingml/2006/main" xmlns:r="http://schemas.openxmlformats.org/officeDocument/2006/relationships" xmlns:p="http://schemas.openxmlformats.org/presentationml/2006/main">
   <p:cSld>
     <p:bg>
@@ -8523,7 +9671,7 @@
 </p:sld>
 </file>
 
-<file path=ppt/slides/slide18.xml><?xml version="1.0" encoding="utf-8"?>
+<file path=ppt/slides/slide2.xml><?xml version="1.0" encoding="utf-8"?>
 <p:sld xmlns:a="http://schemas.openxmlformats.org/drawingml/2006/main" xmlns:r="http://schemas.openxmlformats.org/officeDocument/2006/relationships" xmlns:p="http://schemas.openxmlformats.org/presentationml/2006/main">
   <p:cSld>
     <p:bg>
@@ -8629,42 +9777,6 @@
       </p:sp>
       <p:sp>
         <p:nvSpPr>
-          <p:cNvPr id="38" name="Title 1">
-            <a:extLst>
-              <a:ext uri="{FF2B5EF4-FFF2-40B4-BE49-F238E27FC236}">
-                <a16:creationId xmlns:a16="http://schemas.microsoft.com/office/drawing/2014/main" id="{85194D96-4E26-6A5A-5AB5-02AFD53E7543}"/>
-              </a:ext>
-            </a:extLst>
-          </p:cNvPr>
-          <p:cNvSpPr>
-            <a:spLocks noGrp="1"/>
-          </p:cNvSpPr>
-          <p:nvPr>
-            <p:ph type="ctrTitle"/>
-          </p:nvPr>
-        </p:nvSpPr>
-        <p:spPr>
-          <a:xfrm>
-            <a:off x="1128386" y="415731"/>
-            <a:ext cx="9935227" cy="718459"/>
-          </a:xfrm>
-        </p:spPr>
-        <p:txBody>
-          <a:bodyPr>
-            <a:noAutofit/>
-          </a:bodyPr>
-          <a:lstStyle/>
-          <a:p>
-            <a:r>
-              <a:rPr lang="en-US" sz="5000" b="1" dirty="0"/>
-              <a:t>Steps of Hypothesis Testing</a:t>
-            </a:r>
-            <a:endParaRPr lang="en-PH" sz="5000" b="1" dirty="0"/>
-          </a:p>
-        </p:txBody>
-      </p:sp>
-      <p:sp>
-        <p:nvSpPr>
           <p:cNvPr id="39" name="Footer Placeholder 3">
             <a:extLst>
               <a:ext uri="{FF2B5EF4-FFF2-40B4-BE49-F238E27FC236}">
@@ -8707,6 +9819,988 @@
       </p:sp>
       <p:sp>
         <p:nvSpPr>
+          <p:cNvPr id="2" name="Title 1">
+            <a:extLst>
+              <a:ext uri="{FF2B5EF4-FFF2-40B4-BE49-F238E27FC236}">
+                <a16:creationId xmlns:a16="http://schemas.microsoft.com/office/drawing/2014/main" id="{79EF1114-32BB-A28C-0B44-90073AA32F6C}"/>
+              </a:ext>
+            </a:extLst>
+          </p:cNvPr>
+          <p:cNvSpPr txBox="1">
+            <a:spLocks/>
+          </p:cNvSpPr>
+          <p:nvPr/>
+        </p:nvSpPr>
+        <p:spPr>
+          <a:xfrm>
+            <a:off x="459205" y="1283707"/>
+            <a:ext cx="11273589" cy="4290585"/>
+          </a:xfrm>
+          <a:prstGeom prst="rect">
+            <a:avLst/>
+          </a:prstGeom>
+        </p:spPr>
+        <p:txBody>
+          <a:bodyPr vert="horz" lIns="91440" tIns="45720" rIns="91440" bIns="45720" rtlCol="0" anchor="b">
+            <a:normAutofit fontScale="97500"/>
+          </a:bodyPr>
+          <a:lstStyle>
+            <a:lvl1pPr algn="ctr" defTabSz="914400" rtl="0" eaLnBrk="1" latinLnBrk="0" hangingPunct="1">
+              <a:lnSpc>
+                <a:spcPct val="90000"/>
+              </a:lnSpc>
+              <a:spcBef>
+                <a:spcPct val="0"/>
+              </a:spcBef>
+              <a:buNone/>
+              <a:defRPr sz="6000" kern="1200">
+                <a:solidFill>
+                  <a:schemeClr val="tx1"/>
+                </a:solidFill>
+                <a:latin typeface="+mj-lt"/>
+                <a:ea typeface="+mj-ea"/>
+                <a:cs typeface="+mj-cs"/>
+              </a:defRPr>
+            </a:lvl1pPr>
+          </a:lstStyle>
+          <a:p>
+            <a:pPr algn="l"/>
+            <a:endParaRPr lang="en-US" sz="2900" b="1" i="0" dirty="0">
+              <a:solidFill>
+                <a:srgbClr val="252C33"/>
+              </a:solidFill>
+              <a:effectLst/>
+              <a:latin typeface="Calibri Light (Headings)"/>
+            </a:endParaRPr>
+          </a:p>
+          <a:p>
+            <a:pPr marL="457200" indent="-457200" algn="l">
+              <a:buFont typeface="Wingdings" pitchFamily="2" charset="2"/>
+              <a:buChar char="Ø"/>
+            </a:pPr>
+            <a:r>
+              <a:rPr lang="en-US" sz="2900" b="1" dirty="0">
+                <a:latin typeface="Calibri Light (Headings)"/>
+              </a:rPr>
+              <a:t>Recap of Statistical Inference</a:t>
+            </a:r>
+          </a:p>
+          <a:p>
+            <a:pPr algn="l"/>
+            <a:endParaRPr lang="en-US" sz="2900" b="1" i="0" dirty="0">
+              <a:solidFill>
+                <a:schemeClr val="tx1">
+                  <a:lumMod val="50000"/>
+                  <a:lumOff val="50000"/>
+                </a:schemeClr>
+              </a:solidFill>
+              <a:effectLst/>
+              <a:latin typeface="Calibri Light (Headings)"/>
+            </a:endParaRPr>
+          </a:p>
+          <a:p>
+            <a:pPr marL="457200" indent="-457200" algn="l">
+              <a:buFont typeface="Wingdings" pitchFamily="2" charset="2"/>
+              <a:buChar char="Ø"/>
+            </a:pPr>
+            <a:r>
+              <a:rPr lang="en-US" sz="2900" b="1" i="0" dirty="0">
+                <a:solidFill>
+                  <a:schemeClr val="tx1">
+                    <a:lumMod val="50000"/>
+                    <a:lumOff val="50000"/>
+                  </a:schemeClr>
+                </a:solidFill>
+                <a:effectLst/>
+                <a:latin typeface="Calibri Light (Headings)"/>
+              </a:rPr>
+              <a:t>Test of Significance and Hypothesis Testing</a:t>
+            </a:r>
+          </a:p>
+          <a:p>
+            <a:pPr marL="457200" indent="-457200" algn="l">
+              <a:buFont typeface="Wingdings" pitchFamily="2" charset="2"/>
+              <a:buChar char="Ø"/>
+            </a:pPr>
+            <a:endParaRPr lang="en-US" sz="2900" b="1" dirty="0">
+              <a:solidFill>
+                <a:schemeClr val="tx1">
+                  <a:lumMod val="50000"/>
+                  <a:lumOff val="50000"/>
+                </a:schemeClr>
+              </a:solidFill>
+              <a:latin typeface="Calibri Light (Headings)"/>
+            </a:endParaRPr>
+          </a:p>
+          <a:p>
+            <a:pPr marL="457200" indent="-457200" algn="l">
+              <a:buFont typeface="Wingdings" pitchFamily="2" charset="2"/>
+              <a:buChar char="Ø"/>
+            </a:pPr>
+            <a:r>
+              <a:rPr lang="en-US" sz="2900" b="1" dirty="0">
+                <a:solidFill>
+                  <a:schemeClr val="tx1">
+                    <a:lumMod val="50000"/>
+                    <a:lumOff val="50000"/>
+                  </a:schemeClr>
+                </a:solidFill>
+                <a:latin typeface="Calibri Light (Headings)"/>
+              </a:rPr>
+              <a:t>Null and Alternate Hypothesis</a:t>
+            </a:r>
+          </a:p>
+          <a:p>
+            <a:pPr marL="457200" indent="-457200" algn="l">
+              <a:buFont typeface="Wingdings" pitchFamily="2" charset="2"/>
+              <a:buChar char="Ø"/>
+            </a:pPr>
+            <a:endParaRPr lang="en-US" sz="2900" b="1" dirty="0">
+              <a:solidFill>
+                <a:schemeClr val="tx1">
+                  <a:lumMod val="50000"/>
+                  <a:lumOff val="50000"/>
+                </a:schemeClr>
+              </a:solidFill>
+              <a:latin typeface="Calibri Light (Headings)"/>
+            </a:endParaRPr>
+          </a:p>
+          <a:p>
+            <a:pPr marL="457200" indent="-457200" algn="l">
+              <a:buFont typeface="Wingdings" pitchFamily="2" charset="2"/>
+              <a:buChar char="Ø"/>
+            </a:pPr>
+            <a:r>
+              <a:rPr lang="en-US" sz="2900" b="1" dirty="0">
+                <a:solidFill>
+                  <a:schemeClr val="tx1">
+                    <a:lumMod val="50000"/>
+                    <a:lumOff val="50000"/>
+                  </a:schemeClr>
+                </a:solidFill>
+                <a:latin typeface="Calibri Light (Headings)"/>
+              </a:rPr>
+              <a:t>Steps of Hypothesis Testing</a:t>
+            </a:r>
+          </a:p>
+          <a:p>
+            <a:pPr marL="457200" indent="-457200" algn="l">
+              <a:buFont typeface="Wingdings" pitchFamily="2" charset="2"/>
+              <a:buChar char="Ø"/>
+            </a:pPr>
+            <a:endParaRPr lang="en-US" sz="2900" b="1" dirty="0">
+              <a:solidFill>
+                <a:schemeClr val="tx1">
+                  <a:lumMod val="50000"/>
+                  <a:lumOff val="50000"/>
+                </a:schemeClr>
+              </a:solidFill>
+              <a:latin typeface="Calibri Light (Headings)"/>
+            </a:endParaRPr>
+          </a:p>
+          <a:p>
+            <a:pPr marL="457200" indent="-457200" algn="l">
+              <a:buFont typeface="Wingdings" pitchFamily="2" charset="2"/>
+              <a:buChar char="Ø"/>
+            </a:pPr>
+            <a:endParaRPr lang="en-US" sz="2900" b="1" dirty="0">
+              <a:solidFill>
+                <a:schemeClr val="tx1">
+                  <a:lumMod val="50000"/>
+                  <a:lumOff val="50000"/>
+                </a:schemeClr>
+              </a:solidFill>
+              <a:latin typeface="Calibri Light (Headings)"/>
+            </a:endParaRPr>
+          </a:p>
+          <a:p>
+            <a:pPr marL="457200" indent="-457200" algn="l">
+              <a:buFont typeface="Wingdings" pitchFamily="2" charset="2"/>
+              <a:buChar char="Ø"/>
+            </a:pPr>
+            <a:endParaRPr lang="en-US" sz="2900" b="1" dirty="0">
+              <a:solidFill>
+                <a:schemeClr val="tx1">
+                  <a:lumMod val="50000"/>
+                  <a:lumOff val="50000"/>
+                </a:schemeClr>
+              </a:solidFill>
+              <a:latin typeface="Calibri Light (Headings)"/>
+            </a:endParaRPr>
+          </a:p>
+          <a:p>
+            <a:pPr marL="457200" indent="-457200" algn="l">
+              <a:buFont typeface="Wingdings" pitchFamily="2" charset="2"/>
+              <a:buChar char="Ø"/>
+            </a:pPr>
+            <a:endParaRPr lang="en-US" sz="2900" b="1" dirty="0">
+              <a:solidFill>
+                <a:schemeClr val="tx1">
+                  <a:lumMod val="50000"/>
+                  <a:lumOff val="50000"/>
+                </a:schemeClr>
+              </a:solidFill>
+              <a:latin typeface="Calibri Light (Headings)"/>
+            </a:endParaRPr>
+          </a:p>
+        </p:txBody>
+      </p:sp>
+      <p:sp>
+        <p:nvSpPr>
+          <p:cNvPr id="7" name="Title 1">
+            <a:extLst>
+              <a:ext uri="{FF2B5EF4-FFF2-40B4-BE49-F238E27FC236}">
+                <a16:creationId xmlns:a16="http://schemas.microsoft.com/office/drawing/2014/main" id="{F9F68FD0-4734-F88A-26AE-8BD1D795B778}"/>
+              </a:ext>
+            </a:extLst>
+          </p:cNvPr>
+          <p:cNvSpPr>
+            <a:spLocks noGrp="1"/>
+          </p:cNvSpPr>
+          <p:nvPr>
+            <p:ph type="ctrTitle"/>
+          </p:nvPr>
+        </p:nvSpPr>
+        <p:spPr>
+          <a:xfrm>
+            <a:off x="459205" y="359228"/>
+            <a:ext cx="9935227" cy="718459"/>
+          </a:xfrm>
+        </p:spPr>
+        <p:txBody>
+          <a:bodyPr>
+            <a:noAutofit/>
+          </a:bodyPr>
+          <a:lstStyle/>
+          <a:p>
+            <a:pPr algn="l"/>
+            <a:r>
+              <a:rPr lang="en-US" sz="4500" b="1" dirty="0"/>
+              <a:t>Outline</a:t>
+            </a:r>
+            <a:endParaRPr lang="en-PH" sz="4500" b="1" dirty="0"/>
+          </a:p>
+        </p:txBody>
+      </p:sp>
+    </p:spTree>
+    <p:extLst>
+      <p:ext uri="{BB962C8B-B14F-4D97-AF65-F5344CB8AC3E}">
+        <p14:creationId xmlns:p14="http://schemas.microsoft.com/office/powerpoint/2010/main" val="1181416942"/>
+      </p:ext>
+    </p:extLst>
+  </p:cSld>
+  <p:clrMapOvr>
+    <a:masterClrMapping/>
+  </p:clrMapOvr>
+</p:sld>
+</file>
+
+<file path=ppt/slides/slide20.xml><?xml version="1.0" encoding="utf-8"?>
+<p:sld xmlns:a="http://schemas.openxmlformats.org/drawingml/2006/main" xmlns:r="http://schemas.openxmlformats.org/officeDocument/2006/relationships" xmlns:p="http://schemas.openxmlformats.org/presentationml/2006/main">
+  <p:cSld>
+    <p:spTree>
+      <p:nvGrpSpPr>
+        <p:cNvPr id="1" name=""/>
+        <p:cNvGrpSpPr/>
+        <p:nvPr/>
+      </p:nvGrpSpPr>
+      <p:grpSpPr>
+        <a:xfrm>
+          <a:off x="0" y="0"/>
+          <a:ext cx="0" cy="0"/>
+          <a:chOff x="0" y="0"/>
+          <a:chExt cx="0" cy="0"/>
+        </a:xfrm>
+      </p:grpSpPr>
+      <p:sp>
+        <p:nvSpPr>
+          <p:cNvPr id="5" name="Title 1">
+            <a:extLst>
+              <a:ext uri="{FF2B5EF4-FFF2-40B4-BE49-F238E27FC236}">
+                <a16:creationId xmlns:a16="http://schemas.microsoft.com/office/drawing/2014/main" id="{3444037F-B658-D82C-5DCA-53E8AA1493D7}"/>
+              </a:ext>
+            </a:extLst>
+          </p:cNvPr>
+          <p:cNvSpPr txBox="1">
+            <a:spLocks/>
+          </p:cNvSpPr>
+          <p:nvPr/>
+        </p:nvSpPr>
+        <p:spPr>
+          <a:xfrm>
+            <a:off x="1524000" y="1516449"/>
+            <a:ext cx="9144000" cy="4290585"/>
+          </a:xfrm>
+          <a:prstGeom prst="rect">
+            <a:avLst/>
+          </a:prstGeom>
+        </p:spPr>
+        <p:txBody>
+          <a:bodyPr vert="horz" lIns="91440" tIns="45720" rIns="91440" bIns="45720" rtlCol="0" anchor="b">
+            <a:normAutofit fontScale="97500"/>
+          </a:bodyPr>
+          <a:lstStyle>
+            <a:lvl1pPr algn="ctr" defTabSz="914400" rtl="0" eaLnBrk="1" latinLnBrk="0" hangingPunct="1">
+              <a:lnSpc>
+                <a:spcPct val="90000"/>
+              </a:lnSpc>
+              <a:spcBef>
+                <a:spcPct val="0"/>
+              </a:spcBef>
+              <a:buNone/>
+              <a:defRPr sz="6000" kern="1200">
+                <a:solidFill>
+                  <a:schemeClr val="tx1"/>
+                </a:solidFill>
+                <a:latin typeface="+mj-lt"/>
+                <a:ea typeface="+mj-ea"/>
+                <a:cs typeface="+mj-cs"/>
+              </a:defRPr>
+            </a:lvl1pPr>
+          </a:lstStyle>
+          <a:p>
+            <a:pPr algn="l"/>
+            <a:endParaRPr lang="en-US" sz="3100" dirty="0"/>
+          </a:p>
+          <a:p>
+            <a:pPr algn="l"/>
+            <a:endParaRPr lang="en-US" sz="3100" dirty="0"/>
+          </a:p>
+          <a:p>
+            <a:pPr algn="l"/>
+            <a:endParaRPr lang="en-US" sz="3100" dirty="0"/>
+          </a:p>
+          <a:p>
+            <a:pPr algn="l"/>
+            <a:endParaRPr lang="en-US" sz="3100" dirty="0"/>
+          </a:p>
+          <a:p>
+            <a:pPr algn="l"/>
+            <a:endParaRPr lang="en-US" sz="3000" dirty="0"/>
+          </a:p>
+          <a:p>
+            <a:pPr algn="l"/>
+            <a:endParaRPr lang="en-US" sz="3000" dirty="0"/>
+          </a:p>
+        </p:txBody>
+      </p:sp>
+      <p:sp>
+        <p:nvSpPr>
+          <p:cNvPr id="39" name="Footer Placeholder 3">
+            <a:extLst>
+              <a:ext uri="{FF2B5EF4-FFF2-40B4-BE49-F238E27FC236}">
+                <a16:creationId xmlns:a16="http://schemas.microsoft.com/office/drawing/2014/main" id="{77EF4DA7-E5CF-896F-45E0-B1D58FD59B96}"/>
+              </a:ext>
+            </a:extLst>
+          </p:cNvPr>
+          <p:cNvSpPr>
+            <a:spLocks noGrp="1"/>
+          </p:cNvSpPr>
+          <p:nvPr>
+            <p:ph type="ftr" sz="quarter" idx="11"/>
+          </p:nvPr>
+        </p:nvSpPr>
+        <p:spPr>
+          <a:xfrm>
+            <a:off x="0" y="6139541"/>
+            <a:ext cx="12192000" cy="718459"/>
+          </a:xfrm>
+          <a:ln w="28575">
+            <a:solidFill>
+              <a:schemeClr val="accent5">
+                <a:lumMod val="50000"/>
+              </a:schemeClr>
+            </a:solidFill>
+          </a:ln>
+        </p:spPr>
+        <p:txBody>
+          <a:bodyPr/>
+          <a:lstStyle/>
+          <a:p>
+            <a:pPr lvl="1" algn="r"/>
+            <a:r>
+              <a:rPr lang="en-US" sz="1200" b="1" dirty="0"/>
+              <a:t>CCDATS1L</a:t>
+            </a:r>
+            <a:endParaRPr lang="en-PH" sz="1200" b="1" dirty="0"/>
+          </a:p>
+        </p:txBody>
+      </p:sp>
+      <p:sp>
+        <p:nvSpPr>
+          <p:cNvPr id="2" name="Title 1">
+            <a:extLst>
+              <a:ext uri="{FF2B5EF4-FFF2-40B4-BE49-F238E27FC236}">
+                <a16:creationId xmlns:a16="http://schemas.microsoft.com/office/drawing/2014/main" id="{79EF1114-32BB-A28C-0B44-90073AA32F6C}"/>
+              </a:ext>
+            </a:extLst>
+          </p:cNvPr>
+          <p:cNvSpPr txBox="1">
+            <a:spLocks/>
+          </p:cNvSpPr>
+          <p:nvPr/>
+        </p:nvSpPr>
+        <p:spPr>
+          <a:xfrm>
+            <a:off x="459205" y="1283707"/>
+            <a:ext cx="11273589" cy="4290585"/>
+          </a:xfrm>
+          <a:prstGeom prst="rect">
+            <a:avLst/>
+          </a:prstGeom>
+        </p:spPr>
+        <p:txBody>
+          <a:bodyPr vert="horz" lIns="91440" tIns="45720" rIns="91440" bIns="45720" rtlCol="0" anchor="b">
+            <a:normAutofit fontScale="97500"/>
+          </a:bodyPr>
+          <a:lstStyle>
+            <a:lvl1pPr algn="ctr" defTabSz="914400" rtl="0" eaLnBrk="1" latinLnBrk="0" hangingPunct="1">
+              <a:lnSpc>
+                <a:spcPct val="90000"/>
+              </a:lnSpc>
+              <a:spcBef>
+                <a:spcPct val="0"/>
+              </a:spcBef>
+              <a:buNone/>
+              <a:defRPr sz="6000" kern="1200">
+                <a:solidFill>
+                  <a:schemeClr val="tx1"/>
+                </a:solidFill>
+                <a:latin typeface="+mj-lt"/>
+                <a:ea typeface="+mj-ea"/>
+                <a:cs typeface="+mj-cs"/>
+              </a:defRPr>
+            </a:lvl1pPr>
+          </a:lstStyle>
+          <a:p>
+            <a:pPr algn="l"/>
+            <a:endParaRPr lang="en-US" sz="2900" b="1" i="0" dirty="0">
+              <a:solidFill>
+                <a:srgbClr val="252C33"/>
+              </a:solidFill>
+              <a:effectLst/>
+              <a:latin typeface="Calibri Light (Headings)"/>
+            </a:endParaRPr>
+          </a:p>
+          <a:p>
+            <a:pPr marL="457200" indent="-457200" algn="l">
+              <a:buFont typeface="Wingdings" pitchFamily="2" charset="2"/>
+              <a:buChar char="Ø"/>
+            </a:pPr>
+            <a:r>
+              <a:rPr lang="en-US" sz="2900" b="1" dirty="0">
+                <a:latin typeface="Calibri Light (Headings)"/>
+              </a:rPr>
+              <a:t>Recap of Statistical Inference</a:t>
+            </a:r>
+          </a:p>
+          <a:p>
+            <a:pPr algn="l"/>
+            <a:endParaRPr lang="en-US" sz="2900" b="1" i="0" dirty="0">
+              <a:solidFill>
+                <a:schemeClr val="tx1">
+                  <a:lumMod val="50000"/>
+                  <a:lumOff val="50000"/>
+                </a:schemeClr>
+              </a:solidFill>
+              <a:effectLst/>
+              <a:latin typeface="Calibri Light (Headings)"/>
+            </a:endParaRPr>
+          </a:p>
+          <a:p>
+            <a:pPr marL="457200" indent="-457200" algn="l">
+              <a:buFont typeface="Wingdings" pitchFamily="2" charset="2"/>
+              <a:buChar char="Ø"/>
+            </a:pPr>
+            <a:r>
+              <a:rPr lang="en-US" sz="2900" b="1" i="0" dirty="0">
+                <a:solidFill>
+                  <a:schemeClr val="tx1">
+                    <a:lumMod val="50000"/>
+                    <a:lumOff val="50000"/>
+                  </a:schemeClr>
+                </a:solidFill>
+                <a:effectLst/>
+                <a:latin typeface="Calibri Light (Headings)"/>
+              </a:rPr>
+              <a:t>Test of Significance and Hypothesis Testing</a:t>
+            </a:r>
+          </a:p>
+          <a:p>
+            <a:pPr marL="457200" indent="-457200" algn="l">
+              <a:buFont typeface="Wingdings" pitchFamily="2" charset="2"/>
+              <a:buChar char="Ø"/>
+            </a:pPr>
+            <a:endParaRPr lang="en-US" sz="2900" b="1" dirty="0">
+              <a:solidFill>
+                <a:schemeClr val="tx1">
+                  <a:lumMod val="50000"/>
+                  <a:lumOff val="50000"/>
+                </a:schemeClr>
+              </a:solidFill>
+              <a:latin typeface="Calibri Light (Headings)"/>
+            </a:endParaRPr>
+          </a:p>
+          <a:p>
+            <a:pPr marL="457200" indent="-457200" algn="l">
+              <a:buFont typeface="Wingdings" pitchFamily="2" charset="2"/>
+              <a:buChar char="Ø"/>
+            </a:pPr>
+            <a:r>
+              <a:rPr lang="en-US" sz="2900" b="1" dirty="0">
+                <a:solidFill>
+                  <a:schemeClr val="tx1">
+                    <a:lumMod val="50000"/>
+                    <a:lumOff val="50000"/>
+                  </a:schemeClr>
+                </a:solidFill>
+                <a:latin typeface="Calibri Light (Headings)"/>
+              </a:rPr>
+              <a:t>Null and Alternate Hypothesis</a:t>
+            </a:r>
+          </a:p>
+          <a:p>
+            <a:pPr marL="457200" indent="-457200" algn="l">
+              <a:buFont typeface="Wingdings" pitchFamily="2" charset="2"/>
+              <a:buChar char="Ø"/>
+            </a:pPr>
+            <a:endParaRPr lang="en-US" sz="2900" b="1" dirty="0">
+              <a:solidFill>
+                <a:schemeClr val="tx1">
+                  <a:lumMod val="50000"/>
+                  <a:lumOff val="50000"/>
+                </a:schemeClr>
+              </a:solidFill>
+              <a:latin typeface="Calibri Light (Headings)"/>
+            </a:endParaRPr>
+          </a:p>
+          <a:p>
+            <a:pPr marL="457200" indent="-457200" algn="l">
+              <a:buFont typeface="Wingdings" pitchFamily="2" charset="2"/>
+              <a:buChar char="Ø"/>
+            </a:pPr>
+            <a:r>
+              <a:rPr lang="en-US" sz="2900" b="1" dirty="0">
+                <a:solidFill>
+                  <a:schemeClr val="tx1">
+                    <a:lumMod val="50000"/>
+                    <a:lumOff val="50000"/>
+                  </a:schemeClr>
+                </a:solidFill>
+                <a:latin typeface="Calibri Light (Headings)"/>
+              </a:rPr>
+              <a:t>Steps of Hypothesis Testing</a:t>
+            </a:r>
+          </a:p>
+          <a:p>
+            <a:pPr marL="457200" indent="-457200" algn="l">
+              <a:buFont typeface="Wingdings" pitchFamily="2" charset="2"/>
+              <a:buChar char="Ø"/>
+            </a:pPr>
+            <a:endParaRPr lang="en-US" sz="2900" b="1" dirty="0">
+              <a:solidFill>
+                <a:schemeClr val="tx1">
+                  <a:lumMod val="50000"/>
+                  <a:lumOff val="50000"/>
+                </a:schemeClr>
+              </a:solidFill>
+              <a:latin typeface="Calibri Light (Headings)"/>
+            </a:endParaRPr>
+          </a:p>
+          <a:p>
+            <a:pPr marL="457200" indent="-457200" algn="l">
+              <a:buFont typeface="Wingdings" pitchFamily="2" charset="2"/>
+              <a:buChar char="Ø"/>
+            </a:pPr>
+            <a:endParaRPr lang="en-US" sz="2900" b="1" dirty="0">
+              <a:solidFill>
+                <a:schemeClr val="tx1">
+                  <a:lumMod val="50000"/>
+                  <a:lumOff val="50000"/>
+                </a:schemeClr>
+              </a:solidFill>
+              <a:latin typeface="Calibri Light (Headings)"/>
+            </a:endParaRPr>
+          </a:p>
+          <a:p>
+            <a:pPr marL="457200" indent="-457200" algn="l">
+              <a:buFont typeface="Wingdings" pitchFamily="2" charset="2"/>
+              <a:buChar char="Ø"/>
+            </a:pPr>
+            <a:endParaRPr lang="en-US" sz="2900" b="1" dirty="0">
+              <a:solidFill>
+                <a:schemeClr val="tx1">
+                  <a:lumMod val="50000"/>
+                  <a:lumOff val="50000"/>
+                </a:schemeClr>
+              </a:solidFill>
+              <a:latin typeface="Calibri Light (Headings)"/>
+            </a:endParaRPr>
+          </a:p>
+          <a:p>
+            <a:pPr marL="457200" indent="-457200" algn="l">
+              <a:buFont typeface="Wingdings" pitchFamily="2" charset="2"/>
+              <a:buChar char="Ø"/>
+            </a:pPr>
+            <a:endParaRPr lang="en-US" sz="2900" b="1" dirty="0">
+              <a:solidFill>
+                <a:schemeClr val="tx1">
+                  <a:lumMod val="50000"/>
+                  <a:lumOff val="50000"/>
+                </a:schemeClr>
+              </a:solidFill>
+              <a:latin typeface="Calibri Light (Headings)"/>
+            </a:endParaRPr>
+          </a:p>
+        </p:txBody>
+      </p:sp>
+      <p:sp>
+        <p:nvSpPr>
+          <p:cNvPr id="7" name="Title 1">
+            <a:extLst>
+              <a:ext uri="{FF2B5EF4-FFF2-40B4-BE49-F238E27FC236}">
+                <a16:creationId xmlns:a16="http://schemas.microsoft.com/office/drawing/2014/main" id="{F9F68FD0-4734-F88A-26AE-8BD1D795B778}"/>
+              </a:ext>
+            </a:extLst>
+          </p:cNvPr>
+          <p:cNvSpPr>
+            <a:spLocks noGrp="1"/>
+          </p:cNvSpPr>
+          <p:nvPr>
+            <p:ph type="ctrTitle"/>
+          </p:nvPr>
+        </p:nvSpPr>
+        <p:spPr>
+          <a:xfrm>
+            <a:off x="459205" y="359228"/>
+            <a:ext cx="9935227" cy="718459"/>
+          </a:xfrm>
+        </p:spPr>
+        <p:txBody>
+          <a:bodyPr>
+            <a:noAutofit/>
+          </a:bodyPr>
+          <a:lstStyle/>
+          <a:p>
+            <a:pPr algn="l"/>
+            <a:endParaRPr lang="en-PH" sz="4500" b="1" dirty="0"/>
+          </a:p>
+        </p:txBody>
+      </p:sp>
+      <p:pic>
+        <p:nvPicPr>
+          <p:cNvPr id="3" name="Graphic 2" descr="Checkmark with solid fill">
+            <a:extLst>
+              <a:ext uri="{FF2B5EF4-FFF2-40B4-BE49-F238E27FC236}">
+                <a16:creationId xmlns:a16="http://schemas.microsoft.com/office/drawing/2014/main" id="{0FE95D5E-0829-27E7-2F47-74E6B14307D1}"/>
+              </a:ext>
+            </a:extLst>
+          </p:cNvPr>
+          <p:cNvPicPr>
+            <a:picLocks noChangeAspect="1"/>
+          </p:cNvPicPr>
+          <p:nvPr/>
+        </p:nvPicPr>
+        <p:blipFill>
+          <a:blip r:embed="rId3">
+            <a:extLst>
+              <a:ext uri="{28A0092B-C50C-407E-A947-70E740481C1C}">
+                <a14:useLocalDpi xmlns:a14="http://schemas.microsoft.com/office/drawing/2010/main" val="0"/>
+              </a:ext>
+              <a:ext uri="{96DAC541-7B7A-43D3-8B79-37D633B846F1}">
+                <asvg:svgBlip xmlns:asvg="http://schemas.microsoft.com/office/drawing/2016/SVG/main" r:embed="rId4"/>
+              </a:ext>
+            </a:extLst>
+          </a:blip>
+          <a:stretch>
+            <a:fillRect/>
+          </a:stretch>
+        </p:blipFill>
+        <p:spPr>
+          <a:xfrm>
+            <a:off x="5422664" y="1077687"/>
+            <a:ext cx="673335" cy="673335"/>
+          </a:xfrm>
+          <a:prstGeom prst="rect">
+            <a:avLst/>
+          </a:prstGeom>
+        </p:spPr>
+      </p:pic>
+      <p:pic>
+        <p:nvPicPr>
+          <p:cNvPr id="4" name="Graphic 3" descr="Checkmark with solid fill">
+            <a:extLst>
+              <a:ext uri="{FF2B5EF4-FFF2-40B4-BE49-F238E27FC236}">
+                <a16:creationId xmlns:a16="http://schemas.microsoft.com/office/drawing/2014/main" id="{17AA136F-88B5-E079-24E1-216818098500}"/>
+              </a:ext>
+            </a:extLst>
+          </p:cNvPr>
+          <p:cNvPicPr>
+            <a:picLocks noChangeAspect="1"/>
+          </p:cNvPicPr>
+          <p:nvPr/>
+        </p:nvPicPr>
+        <p:blipFill>
+          <a:blip r:embed="rId3">
+            <a:extLst>
+              <a:ext uri="{28A0092B-C50C-407E-A947-70E740481C1C}">
+                <a14:useLocalDpi xmlns:a14="http://schemas.microsoft.com/office/drawing/2010/main" val="0"/>
+              </a:ext>
+              <a:ext uri="{96DAC541-7B7A-43D3-8B79-37D633B846F1}">
+                <asvg:svgBlip xmlns:asvg="http://schemas.microsoft.com/office/drawing/2016/SVG/main" r:embed="rId4"/>
+              </a:ext>
+            </a:extLst>
+          </a:blip>
+          <a:stretch>
+            <a:fillRect/>
+          </a:stretch>
+        </p:blipFill>
+        <p:spPr>
+          <a:xfrm>
+            <a:off x="7589216" y="1834087"/>
+            <a:ext cx="673335" cy="673335"/>
+          </a:xfrm>
+          <a:prstGeom prst="rect">
+            <a:avLst/>
+          </a:prstGeom>
+        </p:spPr>
+      </p:pic>
+      <p:pic>
+        <p:nvPicPr>
+          <p:cNvPr id="6" name="Graphic 5" descr="Checkmark with solid fill">
+            <a:extLst>
+              <a:ext uri="{FF2B5EF4-FFF2-40B4-BE49-F238E27FC236}">
+                <a16:creationId xmlns:a16="http://schemas.microsoft.com/office/drawing/2014/main" id="{26BCBDC8-05CD-A125-7210-06E7CF6A6328}"/>
+              </a:ext>
+            </a:extLst>
+          </p:cNvPr>
+          <p:cNvPicPr>
+            <a:picLocks noChangeAspect="1"/>
+          </p:cNvPicPr>
+          <p:nvPr/>
+        </p:nvPicPr>
+        <p:blipFill>
+          <a:blip r:embed="rId3">
+            <a:extLst>
+              <a:ext uri="{28A0092B-C50C-407E-A947-70E740481C1C}">
+                <a14:useLocalDpi xmlns:a14="http://schemas.microsoft.com/office/drawing/2010/main" val="0"/>
+              </a:ext>
+              <a:ext uri="{96DAC541-7B7A-43D3-8B79-37D633B846F1}">
+                <asvg:svgBlip xmlns:asvg="http://schemas.microsoft.com/office/drawing/2016/SVG/main" r:embed="rId4"/>
+              </a:ext>
+            </a:extLst>
+          </a:blip>
+          <a:stretch>
+            <a:fillRect/>
+          </a:stretch>
+        </p:blipFill>
+        <p:spPr>
+          <a:xfrm>
+            <a:off x="5759331" y="2598612"/>
+            <a:ext cx="673335" cy="673335"/>
+          </a:xfrm>
+          <a:prstGeom prst="rect">
+            <a:avLst/>
+          </a:prstGeom>
+        </p:spPr>
+      </p:pic>
+    </p:spTree>
+    <p:extLst>
+      <p:ext uri="{BB962C8B-B14F-4D97-AF65-F5344CB8AC3E}">
+        <p14:creationId xmlns:p14="http://schemas.microsoft.com/office/powerpoint/2010/main" val="2896125355"/>
+      </p:ext>
+    </p:extLst>
+  </p:cSld>
+  <p:clrMapOvr>
+    <a:masterClrMapping/>
+  </p:clrMapOvr>
+</p:sld>
+</file>
+
+<file path=ppt/slides/slide21.xml><?xml version="1.0" encoding="utf-8"?>
+<p:sld xmlns:a="http://schemas.openxmlformats.org/drawingml/2006/main" xmlns:r="http://schemas.openxmlformats.org/officeDocument/2006/relationships" xmlns:p="http://schemas.openxmlformats.org/presentationml/2006/main">
+  <p:cSld>
+    <p:bg>
+      <p:bgPr>
+        <a:blipFill dpi="0" rotWithShape="1">
+          <a:blip r:embed="rId3">
+            <a:alphaModFix amt="99000"/>
+            <a:lum/>
+          </a:blip>
+          <a:srcRect/>
+          <a:stretch>
+            <a:fillRect t="89000" r="85000" b="-1000"/>
+          </a:stretch>
+        </a:blipFill>
+        <a:effectLst/>
+      </p:bgPr>
+    </p:bg>
+    <p:spTree>
+      <p:nvGrpSpPr>
+        <p:cNvPr id="1" name=""/>
+        <p:cNvGrpSpPr/>
+        <p:nvPr/>
+      </p:nvGrpSpPr>
+      <p:grpSpPr>
+        <a:xfrm>
+          <a:off x="0" y="0"/>
+          <a:ext cx="0" cy="0"/>
+          <a:chOff x="0" y="0"/>
+          <a:chExt cx="0" cy="0"/>
+        </a:xfrm>
+      </p:grpSpPr>
+      <p:sp>
+        <p:nvSpPr>
+          <p:cNvPr id="5" name="Title 1">
+            <a:extLst>
+              <a:ext uri="{FF2B5EF4-FFF2-40B4-BE49-F238E27FC236}">
+                <a16:creationId xmlns:a16="http://schemas.microsoft.com/office/drawing/2014/main" id="{3444037F-B658-D82C-5DCA-53E8AA1493D7}"/>
+              </a:ext>
+            </a:extLst>
+          </p:cNvPr>
+          <p:cNvSpPr txBox="1">
+            <a:spLocks/>
+          </p:cNvSpPr>
+          <p:nvPr/>
+        </p:nvSpPr>
+        <p:spPr>
+          <a:xfrm>
+            <a:off x="1524000" y="1516449"/>
+            <a:ext cx="9144000" cy="4290585"/>
+          </a:xfrm>
+          <a:prstGeom prst="rect">
+            <a:avLst/>
+          </a:prstGeom>
+        </p:spPr>
+        <p:txBody>
+          <a:bodyPr vert="horz" lIns="91440" tIns="45720" rIns="91440" bIns="45720" rtlCol="0" anchor="b">
+            <a:normAutofit fontScale="97500"/>
+          </a:bodyPr>
+          <a:lstStyle>
+            <a:lvl1pPr algn="ctr" defTabSz="914400" rtl="0" eaLnBrk="1" latinLnBrk="0" hangingPunct="1">
+              <a:lnSpc>
+                <a:spcPct val="90000"/>
+              </a:lnSpc>
+              <a:spcBef>
+                <a:spcPct val="0"/>
+              </a:spcBef>
+              <a:buNone/>
+              <a:defRPr sz="6000" kern="1200">
+                <a:solidFill>
+                  <a:schemeClr val="tx1"/>
+                </a:solidFill>
+                <a:latin typeface="+mj-lt"/>
+                <a:ea typeface="+mj-ea"/>
+                <a:cs typeface="+mj-cs"/>
+              </a:defRPr>
+            </a:lvl1pPr>
+          </a:lstStyle>
+          <a:p>
+            <a:pPr algn="l"/>
+            <a:endParaRPr lang="en-US" sz="3100" dirty="0"/>
+          </a:p>
+          <a:p>
+            <a:pPr algn="l"/>
+            <a:endParaRPr lang="en-US" sz="3100" dirty="0"/>
+          </a:p>
+          <a:p>
+            <a:pPr algn="l"/>
+            <a:endParaRPr lang="en-US" sz="3100" dirty="0"/>
+          </a:p>
+          <a:p>
+            <a:pPr algn="l"/>
+            <a:endParaRPr lang="en-US" sz="3100" dirty="0"/>
+          </a:p>
+          <a:p>
+            <a:pPr algn="l"/>
+            <a:endParaRPr lang="en-US" sz="3000" dirty="0"/>
+          </a:p>
+          <a:p>
+            <a:pPr algn="l"/>
+            <a:endParaRPr lang="en-US" sz="3000" dirty="0"/>
+          </a:p>
+        </p:txBody>
+      </p:sp>
+      <p:sp>
+        <p:nvSpPr>
+          <p:cNvPr id="38" name="Title 1">
+            <a:extLst>
+              <a:ext uri="{FF2B5EF4-FFF2-40B4-BE49-F238E27FC236}">
+                <a16:creationId xmlns:a16="http://schemas.microsoft.com/office/drawing/2014/main" id="{85194D96-4E26-6A5A-5AB5-02AFD53E7543}"/>
+              </a:ext>
+            </a:extLst>
+          </p:cNvPr>
+          <p:cNvSpPr>
+            <a:spLocks noGrp="1"/>
+          </p:cNvSpPr>
+          <p:nvPr>
+            <p:ph type="ctrTitle"/>
+          </p:nvPr>
+        </p:nvSpPr>
+        <p:spPr>
+          <a:xfrm>
+            <a:off x="1128386" y="415731"/>
+            <a:ext cx="9935227" cy="718459"/>
+          </a:xfrm>
+        </p:spPr>
+        <p:txBody>
+          <a:bodyPr>
+            <a:noAutofit/>
+          </a:bodyPr>
+          <a:lstStyle/>
+          <a:p>
+            <a:r>
+              <a:rPr lang="en-US" sz="5000" b="1" dirty="0"/>
+              <a:t>Steps of Hypothesis Testing</a:t>
+            </a:r>
+            <a:endParaRPr lang="en-PH" sz="5000" b="1" dirty="0"/>
+          </a:p>
+        </p:txBody>
+      </p:sp>
+      <p:sp>
+        <p:nvSpPr>
+          <p:cNvPr id="39" name="Footer Placeholder 3">
+            <a:extLst>
+              <a:ext uri="{FF2B5EF4-FFF2-40B4-BE49-F238E27FC236}">
+                <a16:creationId xmlns:a16="http://schemas.microsoft.com/office/drawing/2014/main" id="{77EF4DA7-E5CF-896F-45E0-B1D58FD59B96}"/>
+              </a:ext>
+            </a:extLst>
+          </p:cNvPr>
+          <p:cNvSpPr>
+            <a:spLocks noGrp="1"/>
+          </p:cNvSpPr>
+          <p:nvPr>
+            <p:ph type="ftr" sz="quarter" idx="11"/>
+          </p:nvPr>
+        </p:nvSpPr>
+        <p:spPr>
+          <a:xfrm>
+            <a:off x="0" y="6139541"/>
+            <a:ext cx="12192000" cy="718459"/>
+          </a:xfrm>
+          <a:ln w="28575">
+            <a:solidFill>
+              <a:schemeClr val="accent5">
+                <a:lumMod val="50000"/>
+              </a:schemeClr>
+            </a:solidFill>
+          </a:ln>
+        </p:spPr>
+        <p:txBody>
+          <a:bodyPr/>
+          <a:lstStyle/>
+          <a:p>
+            <a:pPr lvl="1" algn="r"/>
+            <a:r>
+              <a:rPr lang="en-US" sz="1200" b="1" dirty="0"/>
+              <a:t>CCDATS1L</a:t>
+            </a:r>
+            <a:endParaRPr lang="en-PH" sz="1200" b="1" dirty="0"/>
+          </a:p>
+        </p:txBody>
+      </p:sp>
+      <p:sp>
+        <p:nvSpPr>
           <p:cNvPr id="4" name="TextBox 3">
             <a:extLst>
               <a:ext uri="{FF2B5EF4-FFF2-40B4-BE49-F238E27FC236}">
@@ -8807,7 +10901,7 @@
 </p:sld>
 </file>
 
-<file path=ppt/slides/slide19.xml><?xml version="1.0" encoding="utf-8"?>
+<file path=ppt/slides/slide22.xml><?xml version="1.0" encoding="utf-8"?>
 <p:sld xmlns:a="http://schemas.openxmlformats.org/drawingml/2006/main" xmlns:r="http://schemas.openxmlformats.org/officeDocument/2006/relationships" xmlns:p="http://schemas.openxmlformats.org/presentationml/2006/main">
   <p:cSld>
     <p:bg>
@@ -9197,7 +11291,7 @@
 </p:sld>
 </file>
 
-<file path=ppt/slides/slide2.xml><?xml version="1.0" encoding="utf-8"?>
+<file path=ppt/slides/slide23.xml><?xml version="1.0" encoding="utf-8"?>
 <p:sld xmlns:a="http://schemas.openxmlformats.org/drawingml/2006/main" xmlns:r="http://schemas.openxmlformats.org/officeDocument/2006/relationships" xmlns:p="http://schemas.openxmlformats.org/presentationml/2006/main">
   <p:cSld>
     <p:bg>
@@ -9303,6 +11397,42 @@
       </p:sp>
       <p:sp>
         <p:nvSpPr>
+          <p:cNvPr id="38" name="Title 1">
+            <a:extLst>
+              <a:ext uri="{FF2B5EF4-FFF2-40B4-BE49-F238E27FC236}">
+                <a16:creationId xmlns:a16="http://schemas.microsoft.com/office/drawing/2014/main" id="{85194D96-4E26-6A5A-5AB5-02AFD53E7543}"/>
+              </a:ext>
+            </a:extLst>
+          </p:cNvPr>
+          <p:cNvSpPr>
+            <a:spLocks noGrp="1"/>
+          </p:cNvSpPr>
+          <p:nvPr>
+            <p:ph type="ctrTitle"/>
+          </p:nvPr>
+        </p:nvSpPr>
+        <p:spPr>
+          <a:xfrm>
+            <a:off x="1128386" y="415731"/>
+            <a:ext cx="9935227" cy="718459"/>
+          </a:xfrm>
+        </p:spPr>
+        <p:txBody>
+          <a:bodyPr>
+            <a:noAutofit/>
+          </a:bodyPr>
+          <a:lstStyle/>
+          <a:p>
+            <a:r>
+              <a:rPr lang="en-US" sz="3500" b="1" dirty="0"/>
+              <a:t>Step 2: Gather your data</a:t>
+            </a:r>
+            <a:endParaRPr lang="en-PH" sz="3500" b="1" dirty="0"/>
+          </a:p>
+        </p:txBody>
+      </p:sp>
+      <p:sp>
+        <p:nvSpPr>
           <p:cNvPr id="39" name="Footer Placeholder 3">
             <a:extLst>
               <a:ext uri="{FF2B5EF4-FFF2-40B4-BE49-F238E27FC236}">
@@ -9345,273 +11475,91 @@
       </p:sp>
       <p:sp>
         <p:nvSpPr>
-          <p:cNvPr id="2" name="Title 1">
-            <a:extLst>
-              <a:ext uri="{FF2B5EF4-FFF2-40B4-BE49-F238E27FC236}">
-                <a16:creationId xmlns:a16="http://schemas.microsoft.com/office/drawing/2014/main" id="{79EF1114-32BB-A28C-0B44-90073AA32F6C}"/>
-              </a:ext>
-            </a:extLst>
-          </p:cNvPr>
-          <p:cNvSpPr txBox="1">
-            <a:spLocks/>
-          </p:cNvSpPr>
+          <p:cNvPr id="4" name="TextBox 3">
+            <a:extLst>
+              <a:ext uri="{FF2B5EF4-FFF2-40B4-BE49-F238E27FC236}">
+                <a16:creationId xmlns:a16="http://schemas.microsoft.com/office/drawing/2014/main" id="{4203C0C4-7C82-D208-A8B3-1AE6E9099A3C}"/>
+              </a:ext>
+            </a:extLst>
+          </p:cNvPr>
+          <p:cNvSpPr txBox="1"/>
           <p:nvPr/>
         </p:nvSpPr>
         <p:spPr>
           <a:xfrm>
-            <a:off x="459205" y="1283707"/>
-            <a:ext cx="11273589" cy="4290585"/>
+            <a:off x="639918" y="1354768"/>
+            <a:ext cx="10912162" cy="3323987"/>
           </a:xfrm>
           <a:prstGeom prst="rect">
             <a:avLst/>
           </a:prstGeom>
+          <a:noFill/>
         </p:spPr>
         <p:txBody>
-          <a:bodyPr vert="horz" lIns="91440" tIns="45720" rIns="91440" bIns="45720" rtlCol="0" anchor="b">
-            <a:normAutofit fontScale="97500"/>
+          <a:bodyPr wrap="square" rtlCol="0">
+            <a:spAutoFit/>
           </a:bodyPr>
-          <a:lstStyle>
-            <a:lvl1pPr algn="ctr" defTabSz="914400" rtl="0" eaLnBrk="1" latinLnBrk="0" hangingPunct="1">
-              <a:lnSpc>
-                <a:spcPct val="90000"/>
-              </a:lnSpc>
-              <a:spcBef>
-                <a:spcPct val="0"/>
-              </a:spcBef>
-              <a:buNone/>
-              <a:defRPr sz="6000" kern="1200">
+          <a:lstStyle/>
+          <a:p>
+            <a:pPr algn="l"/>
+            <a:r>
+              <a:rPr lang="en-US" sz="3000" dirty="0"/>
+              <a:t>After specifying our null and alternate hypothesis, we must gather data. </a:t>
+            </a:r>
+          </a:p>
+          <a:p>
+            <a:pPr algn="l"/>
+            <a:endParaRPr lang="en-US" sz="3000" dirty="0"/>
+          </a:p>
+          <a:p>
+            <a:pPr algn="l"/>
+            <a:r>
+              <a:rPr lang="en-US" sz="3000" dirty="0"/>
+              <a:t>In a real world setting, sampling must be done </a:t>
+            </a:r>
+            <a:r>
+              <a:rPr lang="en-US" sz="3000" b="1" dirty="0">
                 <a:solidFill>
-                  <a:schemeClr val="tx1"/>
+                  <a:srgbClr val="00B0F0"/>
                 </a:solidFill>
-                <a:latin typeface="+mj-lt"/>
-                <a:ea typeface="+mj-ea"/>
-                <a:cs typeface="+mj-cs"/>
-              </a:defRPr>
-            </a:lvl1pPr>
-          </a:lstStyle>
-          <a:p>
-            <a:pPr algn="l"/>
-            <a:endParaRPr lang="en-US" sz="2900" b="1" i="0" dirty="0">
+              </a:rPr>
+              <a:t>randomly</a:t>
+            </a:r>
+            <a:r>
+              <a:rPr lang="en-US" sz="3000" dirty="0"/>
+              <a:t>. </a:t>
+            </a:r>
+          </a:p>
+          <a:p>
+            <a:pPr algn="l"/>
+            <a:endParaRPr lang="en-US" sz="3000" dirty="0"/>
+          </a:p>
+          <a:p>
+            <a:pPr algn="l"/>
+            <a:r>
+              <a:rPr lang="en-US" sz="3000" dirty="0"/>
+              <a:t>This refers to recording the height of 100 males from </a:t>
+            </a:r>
+            <a:r>
+              <a:rPr lang="en-US" sz="3000" b="1" dirty="0">
+                <a:solidFill>
+                  <a:srgbClr val="00B0F0"/>
+                </a:solidFill>
+              </a:rPr>
+              <a:t>different parts of the country.</a:t>
+            </a:r>
+            <a:endParaRPr lang="en-PH" sz="3000" b="1" dirty="0">
               <a:solidFill>
-                <a:srgbClr val="252C33"/>
+                <a:srgbClr val="00B0F0"/>
               </a:solidFill>
-              <a:effectLst/>
-              <a:latin typeface="Calibri Light (Headings)"/>
             </a:endParaRPr>
-          </a:p>
-          <a:p>
-            <a:pPr marL="457200" indent="-457200" algn="l">
-              <a:buFont typeface="Wingdings" pitchFamily="2" charset="2"/>
-              <a:buChar char="Ø"/>
-            </a:pPr>
-            <a:r>
-              <a:rPr lang="en-US" sz="2900" b="1" dirty="0">
-                <a:latin typeface="Calibri Light (Headings)"/>
-              </a:rPr>
-              <a:t>Recap of Statistical Inference</a:t>
-            </a:r>
-          </a:p>
-          <a:p>
-            <a:pPr algn="l"/>
-            <a:endParaRPr lang="en-US" sz="2900" b="1" i="0" dirty="0">
-              <a:solidFill>
-                <a:schemeClr val="tx1">
-                  <a:lumMod val="50000"/>
-                  <a:lumOff val="50000"/>
-                </a:schemeClr>
-              </a:solidFill>
-              <a:effectLst/>
-              <a:latin typeface="Calibri Light (Headings)"/>
-            </a:endParaRPr>
-          </a:p>
-          <a:p>
-            <a:pPr marL="457200" indent="-457200" algn="l">
-              <a:buFont typeface="Wingdings" pitchFamily="2" charset="2"/>
-              <a:buChar char="Ø"/>
-            </a:pPr>
-            <a:r>
-              <a:rPr lang="en-US" sz="2900" b="1" i="0" dirty="0">
-                <a:solidFill>
-                  <a:schemeClr val="tx1">
-                    <a:lumMod val="50000"/>
-                    <a:lumOff val="50000"/>
-                  </a:schemeClr>
-                </a:solidFill>
-                <a:effectLst/>
-                <a:latin typeface="Calibri Light (Headings)"/>
-              </a:rPr>
-              <a:t>Test of Significance and Hypothesis Testing</a:t>
-            </a:r>
-          </a:p>
-          <a:p>
-            <a:pPr marL="457200" indent="-457200" algn="l">
-              <a:buFont typeface="Wingdings" pitchFamily="2" charset="2"/>
-              <a:buChar char="Ø"/>
-            </a:pPr>
-            <a:endParaRPr lang="en-US" sz="2900" b="1" dirty="0">
-              <a:solidFill>
-                <a:schemeClr val="tx1">
-                  <a:lumMod val="50000"/>
-                  <a:lumOff val="50000"/>
-                </a:schemeClr>
-              </a:solidFill>
-              <a:latin typeface="Calibri Light (Headings)"/>
-            </a:endParaRPr>
-          </a:p>
-          <a:p>
-            <a:pPr marL="457200" indent="-457200" algn="l">
-              <a:buFont typeface="Wingdings" pitchFamily="2" charset="2"/>
-              <a:buChar char="Ø"/>
-            </a:pPr>
-            <a:r>
-              <a:rPr lang="en-US" sz="2900" b="1" dirty="0">
-                <a:solidFill>
-                  <a:schemeClr val="tx1">
-                    <a:lumMod val="50000"/>
-                    <a:lumOff val="50000"/>
-                  </a:schemeClr>
-                </a:solidFill>
-                <a:latin typeface="Calibri Light (Headings)"/>
-              </a:rPr>
-              <a:t>Null and Alternate Hypothesis</a:t>
-            </a:r>
-          </a:p>
-          <a:p>
-            <a:pPr marL="457200" indent="-457200" algn="l">
-              <a:buFont typeface="Wingdings" pitchFamily="2" charset="2"/>
-              <a:buChar char="Ø"/>
-            </a:pPr>
-            <a:endParaRPr lang="en-US" sz="2900" b="1" dirty="0">
-              <a:solidFill>
-                <a:schemeClr val="tx1">
-                  <a:lumMod val="50000"/>
-                  <a:lumOff val="50000"/>
-                </a:schemeClr>
-              </a:solidFill>
-              <a:latin typeface="Calibri Light (Headings)"/>
-            </a:endParaRPr>
-          </a:p>
-          <a:p>
-            <a:pPr marL="457200" indent="-457200" algn="l">
-              <a:buFont typeface="Wingdings" pitchFamily="2" charset="2"/>
-              <a:buChar char="Ø"/>
-            </a:pPr>
-            <a:r>
-              <a:rPr lang="en-US" sz="2900" b="1" dirty="0">
-                <a:solidFill>
-                  <a:schemeClr val="tx1">
-                    <a:lumMod val="50000"/>
-                    <a:lumOff val="50000"/>
-                  </a:schemeClr>
-                </a:solidFill>
-                <a:latin typeface="Calibri Light (Headings)"/>
-              </a:rPr>
-              <a:t>Steps of Hypothesis Testing</a:t>
-            </a:r>
-          </a:p>
-          <a:p>
-            <a:pPr marL="457200" indent="-457200" algn="l">
-              <a:buFont typeface="Wingdings" pitchFamily="2" charset="2"/>
-              <a:buChar char="Ø"/>
-            </a:pPr>
-            <a:endParaRPr lang="en-US" sz="2900" b="1" dirty="0">
-              <a:solidFill>
-                <a:schemeClr val="tx1">
-                  <a:lumMod val="50000"/>
-                  <a:lumOff val="50000"/>
-                </a:schemeClr>
-              </a:solidFill>
-              <a:latin typeface="Calibri Light (Headings)"/>
-            </a:endParaRPr>
-          </a:p>
-          <a:p>
-            <a:pPr marL="457200" indent="-457200" algn="l">
-              <a:buFont typeface="Wingdings" pitchFamily="2" charset="2"/>
-              <a:buChar char="Ø"/>
-            </a:pPr>
-            <a:endParaRPr lang="en-US" sz="2900" b="1" dirty="0">
-              <a:solidFill>
-                <a:schemeClr val="tx1">
-                  <a:lumMod val="50000"/>
-                  <a:lumOff val="50000"/>
-                </a:schemeClr>
-              </a:solidFill>
-              <a:latin typeface="Calibri Light (Headings)"/>
-            </a:endParaRPr>
-          </a:p>
-          <a:p>
-            <a:pPr marL="457200" indent="-457200" algn="l">
-              <a:buFont typeface="Wingdings" pitchFamily="2" charset="2"/>
-              <a:buChar char="Ø"/>
-            </a:pPr>
-            <a:endParaRPr lang="en-US" sz="2900" b="1" dirty="0">
-              <a:solidFill>
-                <a:schemeClr val="tx1">
-                  <a:lumMod val="50000"/>
-                  <a:lumOff val="50000"/>
-                </a:schemeClr>
-              </a:solidFill>
-              <a:latin typeface="Calibri Light (Headings)"/>
-            </a:endParaRPr>
-          </a:p>
-          <a:p>
-            <a:pPr marL="457200" indent="-457200" algn="l">
-              <a:buFont typeface="Wingdings" pitchFamily="2" charset="2"/>
-              <a:buChar char="Ø"/>
-            </a:pPr>
-            <a:endParaRPr lang="en-US" sz="2900" b="1" dirty="0">
-              <a:solidFill>
-                <a:schemeClr val="tx1">
-                  <a:lumMod val="50000"/>
-                  <a:lumOff val="50000"/>
-                </a:schemeClr>
-              </a:solidFill>
-              <a:latin typeface="Calibri Light (Headings)"/>
-            </a:endParaRPr>
-          </a:p>
-        </p:txBody>
-      </p:sp>
-      <p:sp>
-        <p:nvSpPr>
-          <p:cNvPr id="7" name="Title 1">
-            <a:extLst>
-              <a:ext uri="{FF2B5EF4-FFF2-40B4-BE49-F238E27FC236}">
-                <a16:creationId xmlns:a16="http://schemas.microsoft.com/office/drawing/2014/main" id="{F9F68FD0-4734-F88A-26AE-8BD1D795B778}"/>
-              </a:ext>
-            </a:extLst>
-          </p:cNvPr>
-          <p:cNvSpPr>
-            <a:spLocks noGrp="1"/>
-          </p:cNvSpPr>
-          <p:nvPr>
-            <p:ph type="ctrTitle"/>
-          </p:nvPr>
-        </p:nvSpPr>
-        <p:spPr>
-          <a:xfrm>
-            <a:off x="459205" y="359228"/>
-            <a:ext cx="9935227" cy="718459"/>
-          </a:xfrm>
-        </p:spPr>
-        <p:txBody>
-          <a:bodyPr>
-            <a:noAutofit/>
-          </a:bodyPr>
-          <a:lstStyle/>
-          <a:p>
-            <a:pPr algn="l"/>
-            <a:r>
-              <a:rPr lang="en-US" sz="4500" b="1" dirty="0"/>
-              <a:t>Outline</a:t>
-            </a:r>
-            <a:endParaRPr lang="en-PH" sz="4500" b="1" dirty="0"/>
           </a:p>
         </p:txBody>
       </p:sp>
     </p:spTree>
     <p:extLst>
       <p:ext uri="{BB962C8B-B14F-4D97-AF65-F5344CB8AC3E}">
-        <p14:creationId xmlns:p14="http://schemas.microsoft.com/office/powerpoint/2010/main" val="1181416942"/>
+        <p14:creationId xmlns:p14="http://schemas.microsoft.com/office/powerpoint/2010/main" val="298144205"/>
       </p:ext>
     </p:extLst>
   </p:cSld>
@@ -9621,7 +11569,7 @@
 </p:sld>
 </file>
 
-<file path=ppt/slides/slide20.xml><?xml version="1.0" encoding="utf-8"?>
+<file path=ppt/slides/slide24.xml><?xml version="1.0" encoding="utf-8"?>
 <p:sld xmlns:a="http://schemas.openxmlformats.org/drawingml/2006/main" xmlns:r="http://schemas.openxmlformats.org/officeDocument/2006/relationships" xmlns:p="http://schemas.openxmlformats.org/presentationml/2006/main">
   <p:cSld>
     <p:bg>
@@ -9755,7 +11703,7 @@
           <a:p>
             <a:r>
               <a:rPr lang="en-US" sz="3500" b="1" dirty="0"/>
-              <a:t>Step 2: Gather your data</a:t>
+              <a:t>Step 3: Conduct a statistical test</a:t>
             </a:r>
             <a:endParaRPr lang="en-PH" sz="3500" b="1" dirty="0"/>
           </a:p>
@@ -9818,284 +11766,6 @@
         <p:spPr>
           <a:xfrm>
             <a:off x="639918" y="1354768"/>
-            <a:ext cx="10912162" cy="3323987"/>
-          </a:xfrm>
-          <a:prstGeom prst="rect">
-            <a:avLst/>
-          </a:prstGeom>
-          <a:noFill/>
-        </p:spPr>
-        <p:txBody>
-          <a:bodyPr wrap="square" rtlCol="0">
-            <a:spAutoFit/>
-          </a:bodyPr>
-          <a:lstStyle/>
-          <a:p>
-            <a:pPr algn="l"/>
-            <a:r>
-              <a:rPr lang="en-US" sz="3000" dirty="0"/>
-              <a:t>After specifying our null and alternate hypothesis, we must gather data. </a:t>
-            </a:r>
-          </a:p>
-          <a:p>
-            <a:pPr algn="l"/>
-            <a:endParaRPr lang="en-US" sz="3000" dirty="0"/>
-          </a:p>
-          <a:p>
-            <a:pPr algn="l"/>
-            <a:r>
-              <a:rPr lang="en-US" sz="3000" dirty="0"/>
-              <a:t>In a real world setting, sampling must be done </a:t>
-            </a:r>
-            <a:r>
-              <a:rPr lang="en-US" sz="3000" b="1" dirty="0">
-                <a:solidFill>
-                  <a:srgbClr val="00B0F0"/>
-                </a:solidFill>
-              </a:rPr>
-              <a:t>randomly</a:t>
-            </a:r>
-            <a:r>
-              <a:rPr lang="en-US" sz="3000" dirty="0"/>
-              <a:t>. </a:t>
-            </a:r>
-          </a:p>
-          <a:p>
-            <a:pPr algn="l"/>
-            <a:endParaRPr lang="en-US" sz="3000" dirty="0"/>
-          </a:p>
-          <a:p>
-            <a:pPr algn="l"/>
-            <a:r>
-              <a:rPr lang="en-US" sz="3000" dirty="0"/>
-              <a:t>This refers to recording the height of 100 males from </a:t>
-            </a:r>
-            <a:r>
-              <a:rPr lang="en-US" sz="3000" b="1" dirty="0">
-                <a:solidFill>
-                  <a:srgbClr val="00B0F0"/>
-                </a:solidFill>
-              </a:rPr>
-              <a:t>different parts of the country.</a:t>
-            </a:r>
-            <a:endParaRPr lang="en-PH" sz="3000" b="1" dirty="0">
-              <a:solidFill>
-                <a:srgbClr val="00B0F0"/>
-              </a:solidFill>
-            </a:endParaRPr>
-          </a:p>
-        </p:txBody>
-      </p:sp>
-    </p:spTree>
-    <p:extLst>
-      <p:ext uri="{BB962C8B-B14F-4D97-AF65-F5344CB8AC3E}">
-        <p14:creationId xmlns:p14="http://schemas.microsoft.com/office/powerpoint/2010/main" val="298144205"/>
-      </p:ext>
-    </p:extLst>
-  </p:cSld>
-  <p:clrMapOvr>
-    <a:masterClrMapping/>
-  </p:clrMapOvr>
-</p:sld>
-</file>
-
-<file path=ppt/slides/slide21.xml><?xml version="1.0" encoding="utf-8"?>
-<p:sld xmlns:a="http://schemas.openxmlformats.org/drawingml/2006/main" xmlns:r="http://schemas.openxmlformats.org/officeDocument/2006/relationships" xmlns:p="http://schemas.openxmlformats.org/presentationml/2006/main">
-  <p:cSld>
-    <p:bg>
-      <p:bgPr>
-        <a:blipFill dpi="0" rotWithShape="1">
-          <a:blip r:embed="rId3">
-            <a:alphaModFix amt="99000"/>
-            <a:lum/>
-          </a:blip>
-          <a:srcRect/>
-          <a:stretch>
-            <a:fillRect t="89000" r="85000" b="-1000"/>
-          </a:stretch>
-        </a:blipFill>
-        <a:effectLst/>
-      </p:bgPr>
-    </p:bg>
-    <p:spTree>
-      <p:nvGrpSpPr>
-        <p:cNvPr id="1" name=""/>
-        <p:cNvGrpSpPr/>
-        <p:nvPr/>
-      </p:nvGrpSpPr>
-      <p:grpSpPr>
-        <a:xfrm>
-          <a:off x="0" y="0"/>
-          <a:ext cx="0" cy="0"/>
-          <a:chOff x="0" y="0"/>
-          <a:chExt cx="0" cy="0"/>
-        </a:xfrm>
-      </p:grpSpPr>
-      <p:sp>
-        <p:nvSpPr>
-          <p:cNvPr id="5" name="Title 1">
-            <a:extLst>
-              <a:ext uri="{FF2B5EF4-FFF2-40B4-BE49-F238E27FC236}">
-                <a16:creationId xmlns:a16="http://schemas.microsoft.com/office/drawing/2014/main" id="{3444037F-B658-D82C-5DCA-53E8AA1493D7}"/>
-              </a:ext>
-            </a:extLst>
-          </p:cNvPr>
-          <p:cNvSpPr txBox="1">
-            <a:spLocks/>
-          </p:cNvSpPr>
-          <p:nvPr/>
-        </p:nvSpPr>
-        <p:spPr>
-          <a:xfrm>
-            <a:off x="1524000" y="1516449"/>
-            <a:ext cx="9144000" cy="4290585"/>
-          </a:xfrm>
-          <a:prstGeom prst="rect">
-            <a:avLst/>
-          </a:prstGeom>
-        </p:spPr>
-        <p:txBody>
-          <a:bodyPr vert="horz" lIns="91440" tIns="45720" rIns="91440" bIns="45720" rtlCol="0" anchor="b">
-            <a:normAutofit fontScale="97500"/>
-          </a:bodyPr>
-          <a:lstStyle>
-            <a:lvl1pPr algn="ctr" defTabSz="914400" rtl="0" eaLnBrk="1" latinLnBrk="0" hangingPunct="1">
-              <a:lnSpc>
-                <a:spcPct val="90000"/>
-              </a:lnSpc>
-              <a:spcBef>
-                <a:spcPct val="0"/>
-              </a:spcBef>
-              <a:buNone/>
-              <a:defRPr sz="6000" kern="1200">
-                <a:solidFill>
-                  <a:schemeClr val="tx1"/>
-                </a:solidFill>
-                <a:latin typeface="+mj-lt"/>
-                <a:ea typeface="+mj-ea"/>
-                <a:cs typeface="+mj-cs"/>
-              </a:defRPr>
-            </a:lvl1pPr>
-          </a:lstStyle>
-          <a:p>
-            <a:pPr algn="l"/>
-            <a:endParaRPr lang="en-US" sz="3100" dirty="0"/>
-          </a:p>
-          <a:p>
-            <a:pPr algn="l"/>
-            <a:endParaRPr lang="en-US" sz="3100" dirty="0"/>
-          </a:p>
-          <a:p>
-            <a:pPr algn="l"/>
-            <a:endParaRPr lang="en-US" sz="3100" dirty="0"/>
-          </a:p>
-          <a:p>
-            <a:pPr algn="l"/>
-            <a:endParaRPr lang="en-US" sz="3100" dirty="0"/>
-          </a:p>
-          <a:p>
-            <a:pPr algn="l"/>
-            <a:endParaRPr lang="en-US" sz="3000" dirty="0"/>
-          </a:p>
-          <a:p>
-            <a:pPr algn="l"/>
-            <a:endParaRPr lang="en-US" sz="3000" dirty="0"/>
-          </a:p>
-        </p:txBody>
-      </p:sp>
-      <p:sp>
-        <p:nvSpPr>
-          <p:cNvPr id="38" name="Title 1">
-            <a:extLst>
-              <a:ext uri="{FF2B5EF4-FFF2-40B4-BE49-F238E27FC236}">
-                <a16:creationId xmlns:a16="http://schemas.microsoft.com/office/drawing/2014/main" id="{85194D96-4E26-6A5A-5AB5-02AFD53E7543}"/>
-              </a:ext>
-            </a:extLst>
-          </p:cNvPr>
-          <p:cNvSpPr>
-            <a:spLocks noGrp="1"/>
-          </p:cNvSpPr>
-          <p:nvPr>
-            <p:ph type="ctrTitle"/>
-          </p:nvPr>
-        </p:nvSpPr>
-        <p:spPr>
-          <a:xfrm>
-            <a:off x="1128386" y="415731"/>
-            <a:ext cx="9935227" cy="718459"/>
-          </a:xfrm>
-        </p:spPr>
-        <p:txBody>
-          <a:bodyPr>
-            <a:noAutofit/>
-          </a:bodyPr>
-          <a:lstStyle/>
-          <a:p>
-            <a:r>
-              <a:rPr lang="en-US" sz="3500" b="1" dirty="0"/>
-              <a:t>Step 3: Conduct a statistical test</a:t>
-            </a:r>
-            <a:endParaRPr lang="en-PH" sz="3500" b="1" dirty="0"/>
-          </a:p>
-        </p:txBody>
-      </p:sp>
-      <p:sp>
-        <p:nvSpPr>
-          <p:cNvPr id="39" name="Footer Placeholder 3">
-            <a:extLst>
-              <a:ext uri="{FF2B5EF4-FFF2-40B4-BE49-F238E27FC236}">
-                <a16:creationId xmlns:a16="http://schemas.microsoft.com/office/drawing/2014/main" id="{77EF4DA7-E5CF-896F-45E0-B1D58FD59B96}"/>
-              </a:ext>
-            </a:extLst>
-          </p:cNvPr>
-          <p:cNvSpPr>
-            <a:spLocks noGrp="1"/>
-          </p:cNvSpPr>
-          <p:nvPr>
-            <p:ph type="ftr" sz="quarter" idx="11"/>
-          </p:nvPr>
-        </p:nvSpPr>
-        <p:spPr>
-          <a:xfrm>
-            <a:off x="0" y="6139541"/>
-            <a:ext cx="12192000" cy="718459"/>
-          </a:xfrm>
-          <a:ln w="28575">
-            <a:solidFill>
-              <a:schemeClr val="accent5">
-                <a:lumMod val="50000"/>
-              </a:schemeClr>
-            </a:solidFill>
-          </a:ln>
-        </p:spPr>
-        <p:txBody>
-          <a:bodyPr/>
-          <a:lstStyle/>
-          <a:p>
-            <a:pPr lvl="1" algn="r"/>
-            <a:r>
-              <a:rPr lang="en-US" sz="1200" b="1" dirty="0"/>
-              <a:t>CCDATS1L</a:t>
-            </a:r>
-            <a:endParaRPr lang="en-PH" sz="1200" b="1" dirty="0"/>
-          </a:p>
-        </p:txBody>
-      </p:sp>
-      <p:sp>
-        <p:nvSpPr>
-          <p:cNvPr id="4" name="TextBox 3">
-            <a:extLst>
-              <a:ext uri="{FF2B5EF4-FFF2-40B4-BE49-F238E27FC236}">
-                <a16:creationId xmlns:a16="http://schemas.microsoft.com/office/drawing/2014/main" id="{4203C0C4-7C82-D208-A8B3-1AE6E9099A3C}"/>
-              </a:ext>
-            </a:extLst>
-          </p:cNvPr>
-          <p:cNvSpPr txBox="1"/>
-          <p:nvPr/>
-        </p:nvSpPr>
-        <p:spPr>
-          <a:xfrm>
-            <a:off x="639918" y="1354768"/>
             <a:ext cx="10912162" cy="3785652"/>
           </a:xfrm>
           <a:prstGeom prst="rect">
@@ -10227,7 +11897,7 @@
 </p:sld>
 </file>
 
-<file path=ppt/slides/slide22.xml><?xml version="1.0" encoding="utf-8"?>
+<file path=ppt/slides/slide25.xml><?xml version="1.0" encoding="utf-8"?>
 <p:sld xmlns:a="http://schemas.openxmlformats.org/drawingml/2006/main" xmlns:r="http://schemas.openxmlformats.org/officeDocument/2006/relationships" xmlns:p="http://schemas.openxmlformats.org/presentationml/2006/main">
   <p:cSld>
     <p:bg>
@@ -10815,7 +12485,7 @@
 </p:sld>
 </file>
 
-<file path=ppt/slides/slide23.xml><?xml version="1.0" encoding="utf-8"?>
+<file path=ppt/slides/slide26.xml><?xml version="1.0" encoding="utf-8"?>
 <p:sld xmlns:a="http://schemas.openxmlformats.org/drawingml/2006/main" xmlns:r="http://schemas.openxmlformats.org/officeDocument/2006/relationships" xmlns:p="http://schemas.openxmlformats.org/presentationml/2006/main">
   <p:cSld>
     <p:bg>
@@ -11462,945 +13132,6 @@
 </p:sld>
 </file>
 
-<file path=ppt/slides/slide24.xml><?xml version="1.0" encoding="utf-8"?>
-<p:sld xmlns:a="http://schemas.openxmlformats.org/drawingml/2006/main" xmlns:r="http://schemas.openxmlformats.org/officeDocument/2006/relationships" xmlns:p="http://schemas.openxmlformats.org/presentationml/2006/main">
-  <p:cSld>
-    <p:bg>
-      <p:bgPr>
-        <a:blipFill dpi="0" rotWithShape="1">
-          <a:blip r:embed="rId3">
-            <a:alphaModFix amt="99000"/>
-            <a:lum/>
-          </a:blip>
-          <a:srcRect/>
-          <a:stretch>
-            <a:fillRect t="89000" r="85000" b="-1000"/>
-          </a:stretch>
-        </a:blipFill>
-        <a:effectLst/>
-      </p:bgPr>
-    </p:bg>
-    <p:spTree>
-      <p:nvGrpSpPr>
-        <p:cNvPr id="1" name=""/>
-        <p:cNvGrpSpPr/>
-        <p:nvPr/>
-      </p:nvGrpSpPr>
-      <p:grpSpPr>
-        <a:xfrm>
-          <a:off x="0" y="0"/>
-          <a:ext cx="0" cy="0"/>
-          <a:chOff x="0" y="0"/>
-          <a:chExt cx="0" cy="0"/>
-        </a:xfrm>
-      </p:grpSpPr>
-      <p:sp>
-        <p:nvSpPr>
-          <p:cNvPr id="5" name="Title 1">
-            <a:extLst>
-              <a:ext uri="{FF2B5EF4-FFF2-40B4-BE49-F238E27FC236}">
-                <a16:creationId xmlns:a16="http://schemas.microsoft.com/office/drawing/2014/main" id="{3444037F-B658-D82C-5DCA-53E8AA1493D7}"/>
-              </a:ext>
-            </a:extLst>
-          </p:cNvPr>
-          <p:cNvSpPr txBox="1">
-            <a:spLocks/>
-          </p:cNvSpPr>
-          <p:nvPr/>
-        </p:nvSpPr>
-        <p:spPr>
-          <a:xfrm>
-            <a:off x="1524000" y="1516449"/>
-            <a:ext cx="9144000" cy="4290585"/>
-          </a:xfrm>
-          <a:prstGeom prst="rect">
-            <a:avLst/>
-          </a:prstGeom>
-        </p:spPr>
-        <p:txBody>
-          <a:bodyPr vert="horz" lIns="91440" tIns="45720" rIns="91440" bIns="45720" rtlCol="0" anchor="b">
-            <a:normAutofit fontScale="97500"/>
-          </a:bodyPr>
-          <a:lstStyle>
-            <a:lvl1pPr algn="ctr" defTabSz="914400" rtl="0" eaLnBrk="1" latinLnBrk="0" hangingPunct="1">
-              <a:lnSpc>
-                <a:spcPct val="90000"/>
-              </a:lnSpc>
-              <a:spcBef>
-                <a:spcPct val="0"/>
-              </a:spcBef>
-              <a:buNone/>
-              <a:defRPr sz="6000" kern="1200">
-                <a:solidFill>
-                  <a:schemeClr val="tx1"/>
-                </a:solidFill>
-                <a:latin typeface="+mj-lt"/>
-                <a:ea typeface="+mj-ea"/>
-                <a:cs typeface="+mj-cs"/>
-              </a:defRPr>
-            </a:lvl1pPr>
-          </a:lstStyle>
-          <a:p>
-            <a:pPr algn="l"/>
-            <a:endParaRPr lang="en-US" sz="3100" dirty="0"/>
-          </a:p>
-          <a:p>
-            <a:pPr algn="l"/>
-            <a:endParaRPr lang="en-US" sz="3100" dirty="0"/>
-          </a:p>
-          <a:p>
-            <a:pPr algn="l"/>
-            <a:endParaRPr lang="en-US" sz="3100" dirty="0"/>
-          </a:p>
-          <a:p>
-            <a:pPr algn="l"/>
-            <a:endParaRPr lang="en-US" sz="3100" dirty="0"/>
-          </a:p>
-          <a:p>
-            <a:pPr algn="l"/>
-            <a:endParaRPr lang="en-US" sz="3000" dirty="0"/>
-          </a:p>
-          <a:p>
-            <a:pPr algn="l"/>
-            <a:endParaRPr lang="en-US" sz="3000" dirty="0"/>
-          </a:p>
-        </p:txBody>
-      </p:sp>
-      <p:sp>
-        <p:nvSpPr>
-          <p:cNvPr id="38" name="Title 1">
-            <a:extLst>
-              <a:ext uri="{FF2B5EF4-FFF2-40B4-BE49-F238E27FC236}">
-                <a16:creationId xmlns:a16="http://schemas.microsoft.com/office/drawing/2014/main" id="{85194D96-4E26-6A5A-5AB5-02AFD53E7543}"/>
-              </a:ext>
-            </a:extLst>
-          </p:cNvPr>
-          <p:cNvSpPr>
-            <a:spLocks noGrp="1"/>
-          </p:cNvSpPr>
-          <p:nvPr>
-            <p:ph type="ctrTitle"/>
-          </p:nvPr>
-        </p:nvSpPr>
-        <p:spPr>
-          <a:xfrm>
-            <a:off x="1128386" y="415731"/>
-            <a:ext cx="9935227" cy="718459"/>
-          </a:xfrm>
-        </p:spPr>
-        <p:txBody>
-          <a:bodyPr>
-            <a:noAutofit/>
-          </a:bodyPr>
-          <a:lstStyle/>
-          <a:p>
-            <a:pPr algn="l"/>
-            <a:r>
-              <a:rPr lang="en-US" sz="3500" b="1" dirty="0"/>
-              <a:t>Step 4: </a:t>
-            </a:r>
-            <a:r>
-              <a:rPr lang="en-PH" sz="3500" b="1" i="0" u="none" strike="noStrike" dirty="0">
-                <a:solidFill>
-                  <a:srgbClr val="272C37"/>
-                </a:solidFill>
-                <a:effectLst/>
-              </a:rPr>
-              <a:t>Determine Rejection Of Your Null Hypothesis</a:t>
-            </a:r>
-          </a:p>
-        </p:txBody>
-      </p:sp>
-      <p:sp>
-        <p:nvSpPr>
-          <p:cNvPr id="39" name="Footer Placeholder 3">
-            <a:extLst>
-              <a:ext uri="{FF2B5EF4-FFF2-40B4-BE49-F238E27FC236}">
-                <a16:creationId xmlns:a16="http://schemas.microsoft.com/office/drawing/2014/main" id="{77EF4DA7-E5CF-896F-45E0-B1D58FD59B96}"/>
-              </a:ext>
-            </a:extLst>
-          </p:cNvPr>
-          <p:cNvSpPr>
-            <a:spLocks noGrp="1"/>
-          </p:cNvSpPr>
-          <p:nvPr>
-            <p:ph type="ftr" sz="quarter" idx="11"/>
-          </p:nvPr>
-        </p:nvSpPr>
-        <p:spPr>
-          <a:xfrm>
-            <a:off x="0" y="6139541"/>
-            <a:ext cx="12192000" cy="718459"/>
-          </a:xfrm>
-          <a:ln w="28575">
-            <a:solidFill>
-              <a:schemeClr val="accent5">
-                <a:lumMod val="50000"/>
-              </a:schemeClr>
-            </a:solidFill>
-          </a:ln>
-        </p:spPr>
-        <p:txBody>
-          <a:bodyPr/>
-          <a:lstStyle/>
-          <a:p>
-            <a:pPr lvl="1" algn="r"/>
-            <a:r>
-              <a:rPr lang="en-US" sz="1200" b="1" dirty="0"/>
-              <a:t>CCDATS1L</a:t>
-            </a:r>
-            <a:endParaRPr lang="en-PH" sz="1200" b="1" dirty="0"/>
-          </a:p>
-        </p:txBody>
-      </p:sp>
-      <p:sp>
-        <p:nvSpPr>
-          <p:cNvPr id="6" name="TextBox 5">
-            <a:extLst>
-              <a:ext uri="{FF2B5EF4-FFF2-40B4-BE49-F238E27FC236}">
-                <a16:creationId xmlns:a16="http://schemas.microsoft.com/office/drawing/2014/main" id="{CC78F53B-24F1-300B-1CC2-4CFB2B613806}"/>
-              </a:ext>
-            </a:extLst>
-          </p:cNvPr>
-          <p:cNvSpPr txBox="1"/>
-          <p:nvPr/>
-        </p:nvSpPr>
-        <p:spPr>
-          <a:xfrm>
-            <a:off x="429109" y="1271623"/>
-            <a:ext cx="11333779" cy="5170646"/>
-          </a:xfrm>
-          <a:prstGeom prst="rect">
-            <a:avLst/>
-          </a:prstGeom>
-          <a:noFill/>
-        </p:spPr>
-        <p:txBody>
-          <a:bodyPr wrap="square" rtlCol="0">
-            <a:spAutoFit/>
-          </a:bodyPr>
-          <a:lstStyle/>
-          <a:p>
-            <a:pPr algn="l"/>
-            <a:r>
-              <a:rPr lang="en-PH" sz="3000" dirty="0"/>
-              <a:t>A </a:t>
-            </a:r>
-            <a:r>
-              <a:rPr lang="en-PH" sz="3000" b="1" dirty="0"/>
-              <a:t>p-value </a:t>
-            </a:r>
-            <a:r>
-              <a:rPr lang="en-PH" sz="3000" dirty="0"/>
-              <a:t>is</a:t>
-            </a:r>
-            <a:r>
-              <a:rPr lang="en-PH" sz="3000" b="1" dirty="0"/>
-              <a:t> </a:t>
-            </a:r>
-            <a:r>
-              <a:rPr lang="en-PH" sz="3000" dirty="0"/>
-              <a:t>used in hypothesis testing to help you </a:t>
-            </a:r>
-            <a:r>
-              <a:rPr lang="en-PH" sz="3000" b="1" dirty="0">
-                <a:solidFill>
-                  <a:srgbClr val="00B050"/>
-                </a:solidFill>
-              </a:rPr>
-              <a:t>support</a:t>
-            </a:r>
-            <a:r>
-              <a:rPr lang="en-PH" sz="3000" dirty="0"/>
-              <a:t> or </a:t>
-            </a:r>
-            <a:r>
-              <a:rPr lang="en-PH" sz="3000" b="1" dirty="0">
-                <a:solidFill>
-                  <a:srgbClr val="FF0000"/>
-                </a:solidFill>
-              </a:rPr>
-              <a:t>reject</a:t>
-            </a:r>
-            <a:r>
-              <a:rPr lang="en-PH" sz="3000" dirty="0"/>
-              <a:t> the </a:t>
-            </a:r>
-            <a:r>
-              <a:rPr lang="en-PH" sz="3000" b="1" dirty="0">
-                <a:solidFill>
-                  <a:srgbClr val="00B0F0"/>
-                </a:solidFill>
-              </a:rPr>
-              <a:t>null hypothesis</a:t>
-            </a:r>
-            <a:r>
-              <a:rPr lang="en-PH" sz="3000" dirty="0"/>
-              <a:t>. </a:t>
-            </a:r>
-          </a:p>
-          <a:p>
-            <a:pPr algn="l"/>
-            <a:endParaRPr lang="en-PH" sz="3000" dirty="0"/>
-          </a:p>
-          <a:p>
-            <a:pPr algn="l"/>
-            <a:r>
-              <a:rPr lang="en-PH" sz="3000" dirty="0"/>
-              <a:t>The </a:t>
-            </a:r>
-            <a:r>
-              <a:rPr lang="en-PH" sz="3000" b="1" dirty="0"/>
-              <a:t>p-value</a:t>
-            </a:r>
-            <a:r>
-              <a:rPr lang="en-PH" sz="3000" dirty="0"/>
-              <a:t> is the evidence against a null hypothesis. </a:t>
-            </a:r>
-            <a:r>
-              <a:rPr lang="en-PH" sz="3000" b="1" dirty="0">
-                <a:solidFill>
-                  <a:srgbClr val="00B0F0"/>
-                </a:solidFill>
-              </a:rPr>
-              <a:t>The smaller the p-value</a:t>
-            </a:r>
-            <a:r>
-              <a:rPr lang="en-PH" sz="3000" dirty="0"/>
-              <a:t>, the stronger the evidence that you should </a:t>
-            </a:r>
-            <a:r>
-              <a:rPr lang="en-PH" sz="3000" b="1" dirty="0">
-                <a:solidFill>
-                  <a:srgbClr val="FF0000"/>
-                </a:solidFill>
-              </a:rPr>
-              <a:t>reject the null hypothesis</a:t>
-            </a:r>
-            <a:r>
-              <a:rPr lang="en-PH" sz="3000" dirty="0"/>
-              <a:t>.</a:t>
-            </a:r>
-          </a:p>
-          <a:p>
-            <a:pPr algn="l"/>
-            <a:endParaRPr lang="en-PH" sz="3000" dirty="0"/>
-          </a:p>
-          <a:p>
-            <a:pPr algn="l"/>
-            <a:r>
-              <a:rPr lang="en-PH" sz="3000" dirty="0"/>
-              <a:t>p-values are expressed as decimals although it may be easier to understand what they are if you convert them to a percentage. For example, a p value of </a:t>
-            </a:r>
-            <a:r>
-              <a:rPr lang="en-PH" sz="3000" b="1" dirty="0"/>
-              <a:t>0.0254</a:t>
-            </a:r>
-            <a:r>
-              <a:rPr lang="en-PH" sz="3000" dirty="0"/>
-              <a:t> is </a:t>
-            </a:r>
-            <a:r>
-              <a:rPr lang="en-PH" sz="3000" b="1" dirty="0"/>
-              <a:t>2.54%</a:t>
-            </a:r>
-            <a:r>
-              <a:rPr lang="en-PH" sz="3000" dirty="0"/>
-              <a:t>.</a:t>
-            </a:r>
-          </a:p>
-          <a:p>
-            <a:endParaRPr lang="en-PH" sz="3000" dirty="0"/>
-          </a:p>
-        </p:txBody>
-      </p:sp>
-    </p:spTree>
-    <p:extLst>
-      <p:ext uri="{BB962C8B-B14F-4D97-AF65-F5344CB8AC3E}">
-        <p14:creationId xmlns:p14="http://schemas.microsoft.com/office/powerpoint/2010/main" val="3172986339"/>
-      </p:ext>
-    </p:extLst>
-  </p:cSld>
-  <p:clrMapOvr>
-    <a:masterClrMapping/>
-  </p:clrMapOvr>
-</p:sld>
-</file>
-
-<file path=ppt/slides/slide25.xml><?xml version="1.0" encoding="utf-8"?>
-<p:sld xmlns:a="http://schemas.openxmlformats.org/drawingml/2006/main" xmlns:r="http://schemas.openxmlformats.org/officeDocument/2006/relationships" xmlns:p="http://schemas.openxmlformats.org/presentationml/2006/main">
-  <p:cSld>
-    <p:bg>
-      <p:bgPr>
-        <a:blipFill dpi="0" rotWithShape="1">
-          <a:blip r:embed="rId3">
-            <a:alphaModFix amt="99000"/>
-            <a:lum/>
-          </a:blip>
-          <a:srcRect/>
-          <a:stretch>
-            <a:fillRect t="89000" r="85000" b="-1000"/>
-          </a:stretch>
-        </a:blipFill>
-        <a:effectLst/>
-      </p:bgPr>
-    </p:bg>
-    <p:spTree>
-      <p:nvGrpSpPr>
-        <p:cNvPr id="1" name=""/>
-        <p:cNvGrpSpPr/>
-        <p:nvPr/>
-      </p:nvGrpSpPr>
-      <p:grpSpPr>
-        <a:xfrm>
-          <a:off x="0" y="0"/>
-          <a:ext cx="0" cy="0"/>
-          <a:chOff x="0" y="0"/>
-          <a:chExt cx="0" cy="0"/>
-        </a:xfrm>
-      </p:grpSpPr>
-      <p:sp>
-        <p:nvSpPr>
-          <p:cNvPr id="5" name="Title 1">
-            <a:extLst>
-              <a:ext uri="{FF2B5EF4-FFF2-40B4-BE49-F238E27FC236}">
-                <a16:creationId xmlns:a16="http://schemas.microsoft.com/office/drawing/2014/main" id="{3444037F-B658-D82C-5DCA-53E8AA1493D7}"/>
-              </a:ext>
-            </a:extLst>
-          </p:cNvPr>
-          <p:cNvSpPr txBox="1">
-            <a:spLocks/>
-          </p:cNvSpPr>
-          <p:nvPr/>
-        </p:nvSpPr>
-        <p:spPr>
-          <a:xfrm>
-            <a:off x="1524000" y="1516449"/>
-            <a:ext cx="9144000" cy="4290585"/>
-          </a:xfrm>
-          <a:prstGeom prst="rect">
-            <a:avLst/>
-          </a:prstGeom>
-        </p:spPr>
-        <p:txBody>
-          <a:bodyPr vert="horz" lIns="91440" tIns="45720" rIns="91440" bIns="45720" rtlCol="0" anchor="b">
-            <a:normAutofit fontScale="97500"/>
-          </a:bodyPr>
-          <a:lstStyle>
-            <a:lvl1pPr algn="ctr" defTabSz="914400" rtl="0" eaLnBrk="1" latinLnBrk="0" hangingPunct="1">
-              <a:lnSpc>
-                <a:spcPct val="90000"/>
-              </a:lnSpc>
-              <a:spcBef>
-                <a:spcPct val="0"/>
-              </a:spcBef>
-              <a:buNone/>
-              <a:defRPr sz="6000" kern="1200">
-                <a:solidFill>
-                  <a:schemeClr val="tx1"/>
-                </a:solidFill>
-                <a:latin typeface="+mj-lt"/>
-                <a:ea typeface="+mj-ea"/>
-                <a:cs typeface="+mj-cs"/>
-              </a:defRPr>
-            </a:lvl1pPr>
-          </a:lstStyle>
-          <a:p>
-            <a:pPr algn="l"/>
-            <a:endParaRPr lang="en-US" sz="3100" dirty="0"/>
-          </a:p>
-          <a:p>
-            <a:pPr algn="l"/>
-            <a:endParaRPr lang="en-US" sz="3100" dirty="0"/>
-          </a:p>
-          <a:p>
-            <a:pPr algn="l"/>
-            <a:endParaRPr lang="en-US" sz="3100" dirty="0"/>
-          </a:p>
-          <a:p>
-            <a:pPr algn="l"/>
-            <a:endParaRPr lang="en-US" sz="3100" dirty="0"/>
-          </a:p>
-          <a:p>
-            <a:pPr algn="l"/>
-            <a:endParaRPr lang="en-US" sz="3000" dirty="0"/>
-          </a:p>
-          <a:p>
-            <a:pPr algn="l"/>
-            <a:endParaRPr lang="en-US" sz="3000" dirty="0"/>
-          </a:p>
-        </p:txBody>
-      </p:sp>
-      <p:sp>
-        <p:nvSpPr>
-          <p:cNvPr id="38" name="Title 1">
-            <a:extLst>
-              <a:ext uri="{FF2B5EF4-FFF2-40B4-BE49-F238E27FC236}">
-                <a16:creationId xmlns:a16="http://schemas.microsoft.com/office/drawing/2014/main" id="{85194D96-4E26-6A5A-5AB5-02AFD53E7543}"/>
-              </a:ext>
-            </a:extLst>
-          </p:cNvPr>
-          <p:cNvSpPr>
-            <a:spLocks noGrp="1"/>
-          </p:cNvSpPr>
-          <p:nvPr>
-            <p:ph type="ctrTitle"/>
-          </p:nvPr>
-        </p:nvSpPr>
-        <p:spPr>
-          <a:xfrm>
-            <a:off x="1128386" y="415731"/>
-            <a:ext cx="9935227" cy="718459"/>
-          </a:xfrm>
-        </p:spPr>
-        <p:txBody>
-          <a:bodyPr>
-            <a:noAutofit/>
-          </a:bodyPr>
-          <a:lstStyle/>
-          <a:p>
-            <a:r>
-              <a:rPr lang="en-US" sz="3500" b="1" dirty="0"/>
-              <a:t>Step 4: </a:t>
-            </a:r>
-            <a:r>
-              <a:rPr lang="en-PH" sz="3500" b="1" i="0" u="none" strike="noStrike" dirty="0">
-                <a:solidFill>
-                  <a:srgbClr val="272C37"/>
-                </a:solidFill>
-                <a:effectLst/>
-              </a:rPr>
-              <a:t>Determine Rejection Of Your Null Hypothesis</a:t>
-            </a:r>
-            <a:endParaRPr lang="en-PH" sz="3500" b="1" dirty="0"/>
-          </a:p>
-        </p:txBody>
-      </p:sp>
-      <p:sp>
-        <p:nvSpPr>
-          <p:cNvPr id="39" name="Footer Placeholder 3">
-            <a:extLst>
-              <a:ext uri="{FF2B5EF4-FFF2-40B4-BE49-F238E27FC236}">
-                <a16:creationId xmlns:a16="http://schemas.microsoft.com/office/drawing/2014/main" id="{77EF4DA7-E5CF-896F-45E0-B1D58FD59B96}"/>
-              </a:ext>
-            </a:extLst>
-          </p:cNvPr>
-          <p:cNvSpPr>
-            <a:spLocks noGrp="1"/>
-          </p:cNvSpPr>
-          <p:nvPr>
-            <p:ph type="ftr" sz="quarter" idx="11"/>
-          </p:nvPr>
-        </p:nvSpPr>
-        <p:spPr>
-          <a:xfrm>
-            <a:off x="0" y="6139541"/>
-            <a:ext cx="12192000" cy="718459"/>
-          </a:xfrm>
-          <a:ln w="28575">
-            <a:solidFill>
-              <a:schemeClr val="accent5">
-                <a:lumMod val="50000"/>
-              </a:schemeClr>
-            </a:solidFill>
-          </a:ln>
-        </p:spPr>
-        <p:txBody>
-          <a:bodyPr/>
-          <a:lstStyle/>
-          <a:p>
-            <a:pPr lvl="1" algn="r"/>
-            <a:r>
-              <a:rPr lang="en-US" sz="1200" b="1" dirty="0"/>
-              <a:t>CCDATS1L</a:t>
-            </a:r>
-            <a:endParaRPr lang="en-PH" sz="1200" b="1" dirty="0"/>
-          </a:p>
-        </p:txBody>
-      </p:sp>
-      <p:sp>
-        <p:nvSpPr>
-          <p:cNvPr id="4" name="TextBox 3">
-            <a:extLst>
-              <a:ext uri="{FF2B5EF4-FFF2-40B4-BE49-F238E27FC236}">
-                <a16:creationId xmlns:a16="http://schemas.microsoft.com/office/drawing/2014/main" id="{4203C0C4-7C82-D208-A8B3-1AE6E9099A3C}"/>
-              </a:ext>
-            </a:extLst>
-          </p:cNvPr>
-          <p:cNvSpPr txBox="1"/>
-          <p:nvPr/>
-        </p:nvSpPr>
-        <p:spPr>
-          <a:xfrm>
-            <a:off x="639917" y="1354768"/>
-            <a:ext cx="11333779" cy="2400657"/>
-          </a:xfrm>
-          <a:prstGeom prst="rect">
-            <a:avLst/>
-          </a:prstGeom>
-          <a:noFill/>
-        </p:spPr>
-        <p:txBody>
-          <a:bodyPr wrap="square" rtlCol="0">
-            <a:spAutoFit/>
-          </a:bodyPr>
-          <a:lstStyle/>
-          <a:p>
-            <a:pPr algn="l"/>
-            <a:r>
-              <a:rPr lang="en-PH" sz="3000" dirty="0"/>
-              <a:t>A </a:t>
-            </a:r>
-            <a:r>
-              <a:rPr lang="en-PH" sz="3000" b="1" dirty="0"/>
-              <a:t>small p (≤ 0.05), </a:t>
-            </a:r>
-            <a:r>
-              <a:rPr lang="en-PH" sz="3000" dirty="0"/>
-              <a:t>reject the </a:t>
-            </a:r>
-            <a:r>
-              <a:rPr lang="en-PH" sz="3000" b="1" dirty="0">
-                <a:solidFill>
-                  <a:srgbClr val="FF0000"/>
-                </a:solidFill>
-              </a:rPr>
-              <a:t>null hypothesis</a:t>
-            </a:r>
-            <a:r>
-              <a:rPr lang="en-PH" sz="3000" dirty="0"/>
-              <a:t>. This is strong evidence that the null hypothesis is invalid.</a:t>
-            </a:r>
-          </a:p>
-          <a:p>
-            <a:pPr algn="l"/>
-            <a:endParaRPr lang="en-PH" sz="3000" dirty="0"/>
-          </a:p>
-          <a:p>
-            <a:pPr algn="l"/>
-            <a:r>
-              <a:rPr lang="en-PH" sz="3000" dirty="0"/>
-              <a:t>A </a:t>
-            </a:r>
-            <a:r>
-              <a:rPr lang="en-PH" sz="3000" b="1" dirty="0"/>
-              <a:t>large p (&gt; 0.05) </a:t>
-            </a:r>
-            <a:r>
-              <a:rPr lang="en-PH" sz="3000" dirty="0"/>
-              <a:t>means the </a:t>
-            </a:r>
-            <a:r>
-              <a:rPr lang="en-PH" sz="3000" b="1" dirty="0">
-                <a:solidFill>
-                  <a:srgbClr val="00B050"/>
-                </a:solidFill>
-              </a:rPr>
-              <a:t>alternate hypothesis </a:t>
-            </a:r>
-            <a:r>
-              <a:rPr lang="en-PH" sz="3000" dirty="0"/>
-              <a:t>is weak, so you do not reject the null hypothesis.</a:t>
-            </a:r>
-          </a:p>
-        </p:txBody>
-      </p:sp>
-    </p:spTree>
-    <p:extLst>
-      <p:ext uri="{BB962C8B-B14F-4D97-AF65-F5344CB8AC3E}">
-        <p14:creationId xmlns:p14="http://schemas.microsoft.com/office/powerpoint/2010/main" val="1642260779"/>
-      </p:ext>
-    </p:extLst>
-  </p:cSld>
-  <p:clrMapOvr>
-    <a:masterClrMapping/>
-  </p:clrMapOvr>
-</p:sld>
-</file>
-
-<file path=ppt/slides/slide26.xml><?xml version="1.0" encoding="utf-8"?>
-<p:sld xmlns:a="http://schemas.openxmlformats.org/drawingml/2006/main" xmlns:r="http://schemas.openxmlformats.org/officeDocument/2006/relationships" xmlns:p="http://schemas.openxmlformats.org/presentationml/2006/main">
-  <p:cSld>
-    <p:bg>
-      <p:bgPr>
-        <a:blipFill dpi="0" rotWithShape="1">
-          <a:blip r:embed="rId3">
-            <a:alphaModFix amt="99000"/>
-            <a:lum/>
-          </a:blip>
-          <a:srcRect/>
-          <a:stretch>
-            <a:fillRect t="89000" r="85000" b="-1000"/>
-          </a:stretch>
-        </a:blipFill>
-        <a:effectLst/>
-      </p:bgPr>
-    </p:bg>
-    <p:spTree>
-      <p:nvGrpSpPr>
-        <p:cNvPr id="1" name=""/>
-        <p:cNvGrpSpPr/>
-        <p:nvPr/>
-      </p:nvGrpSpPr>
-      <p:grpSpPr>
-        <a:xfrm>
-          <a:off x="0" y="0"/>
-          <a:ext cx="0" cy="0"/>
-          <a:chOff x="0" y="0"/>
-          <a:chExt cx="0" cy="0"/>
-        </a:xfrm>
-      </p:grpSpPr>
-      <p:sp>
-        <p:nvSpPr>
-          <p:cNvPr id="5" name="Title 1">
-            <a:extLst>
-              <a:ext uri="{FF2B5EF4-FFF2-40B4-BE49-F238E27FC236}">
-                <a16:creationId xmlns:a16="http://schemas.microsoft.com/office/drawing/2014/main" id="{3444037F-B658-D82C-5DCA-53E8AA1493D7}"/>
-              </a:ext>
-            </a:extLst>
-          </p:cNvPr>
-          <p:cNvSpPr txBox="1">
-            <a:spLocks/>
-          </p:cNvSpPr>
-          <p:nvPr/>
-        </p:nvSpPr>
-        <p:spPr>
-          <a:xfrm>
-            <a:off x="1524000" y="1516449"/>
-            <a:ext cx="9144000" cy="4290585"/>
-          </a:xfrm>
-          <a:prstGeom prst="rect">
-            <a:avLst/>
-          </a:prstGeom>
-        </p:spPr>
-        <p:txBody>
-          <a:bodyPr vert="horz" lIns="91440" tIns="45720" rIns="91440" bIns="45720" rtlCol="0" anchor="b">
-            <a:normAutofit fontScale="97500"/>
-          </a:bodyPr>
-          <a:lstStyle>
-            <a:lvl1pPr algn="ctr" defTabSz="914400" rtl="0" eaLnBrk="1" latinLnBrk="0" hangingPunct="1">
-              <a:lnSpc>
-                <a:spcPct val="90000"/>
-              </a:lnSpc>
-              <a:spcBef>
-                <a:spcPct val="0"/>
-              </a:spcBef>
-              <a:buNone/>
-              <a:defRPr sz="6000" kern="1200">
-                <a:solidFill>
-                  <a:schemeClr val="tx1"/>
-                </a:solidFill>
-                <a:latin typeface="+mj-lt"/>
-                <a:ea typeface="+mj-ea"/>
-                <a:cs typeface="+mj-cs"/>
-              </a:defRPr>
-            </a:lvl1pPr>
-          </a:lstStyle>
-          <a:p>
-            <a:pPr algn="l"/>
-            <a:endParaRPr lang="en-US" sz="3100" dirty="0"/>
-          </a:p>
-          <a:p>
-            <a:pPr algn="l"/>
-            <a:endParaRPr lang="en-US" sz="3100" dirty="0"/>
-          </a:p>
-          <a:p>
-            <a:pPr algn="l"/>
-            <a:endParaRPr lang="en-US" sz="3100" dirty="0"/>
-          </a:p>
-          <a:p>
-            <a:pPr algn="l"/>
-            <a:endParaRPr lang="en-US" sz="3100" dirty="0"/>
-          </a:p>
-          <a:p>
-            <a:pPr algn="l"/>
-            <a:endParaRPr lang="en-US" sz="3000" dirty="0"/>
-          </a:p>
-          <a:p>
-            <a:pPr algn="l"/>
-            <a:endParaRPr lang="en-US" sz="3000" dirty="0"/>
-          </a:p>
-        </p:txBody>
-      </p:sp>
-      <p:sp>
-        <p:nvSpPr>
-          <p:cNvPr id="38" name="Title 1">
-            <a:extLst>
-              <a:ext uri="{FF2B5EF4-FFF2-40B4-BE49-F238E27FC236}">
-                <a16:creationId xmlns:a16="http://schemas.microsoft.com/office/drawing/2014/main" id="{85194D96-4E26-6A5A-5AB5-02AFD53E7543}"/>
-              </a:ext>
-            </a:extLst>
-          </p:cNvPr>
-          <p:cNvSpPr>
-            <a:spLocks noGrp="1"/>
-          </p:cNvSpPr>
-          <p:nvPr>
-            <p:ph type="ctrTitle"/>
-          </p:nvPr>
-        </p:nvSpPr>
-        <p:spPr>
-          <a:xfrm>
-            <a:off x="1128386" y="415731"/>
-            <a:ext cx="9935227" cy="718459"/>
-          </a:xfrm>
-        </p:spPr>
-        <p:txBody>
-          <a:bodyPr>
-            <a:noAutofit/>
-          </a:bodyPr>
-          <a:lstStyle/>
-          <a:p>
-            <a:r>
-              <a:rPr lang="en-US" sz="3500" b="1" dirty="0"/>
-              <a:t>Step 4: </a:t>
-            </a:r>
-            <a:r>
-              <a:rPr lang="en-PH" sz="3500" b="1" i="0" u="none" strike="noStrike" dirty="0">
-                <a:solidFill>
-                  <a:srgbClr val="272C37"/>
-                </a:solidFill>
-                <a:effectLst/>
-              </a:rPr>
-              <a:t>Present your Results</a:t>
-            </a:r>
-            <a:endParaRPr lang="en-PH" sz="3500" b="1" dirty="0"/>
-          </a:p>
-        </p:txBody>
-      </p:sp>
-      <p:sp>
-        <p:nvSpPr>
-          <p:cNvPr id="39" name="Footer Placeholder 3">
-            <a:extLst>
-              <a:ext uri="{FF2B5EF4-FFF2-40B4-BE49-F238E27FC236}">
-                <a16:creationId xmlns:a16="http://schemas.microsoft.com/office/drawing/2014/main" id="{77EF4DA7-E5CF-896F-45E0-B1D58FD59B96}"/>
-              </a:ext>
-            </a:extLst>
-          </p:cNvPr>
-          <p:cNvSpPr>
-            <a:spLocks noGrp="1"/>
-          </p:cNvSpPr>
-          <p:nvPr>
-            <p:ph type="ftr" sz="quarter" idx="11"/>
-          </p:nvPr>
-        </p:nvSpPr>
-        <p:spPr>
-          <a:xfrm>
-            <a:off x="0" y="6139541"/>
-            <a:ext cx="12192000" cy="718459"/>
-          </a:xfrm>
-          <a:ln w="28575">
-            <a:solidFill>
-              <a:schemeClr val="accent5">
-                <a:lumMod val="50000"/>
-              </a:schemeClr>
-            </a:solidFill>
-          </a:ln>
-        </p:spPr>
-        <p:txBody>
-          <a:bodyPr/>
-          <a:lstStyle/>
-          <a:p>
-            <a:pPr lvl="1" algn="r"/>
-            <a:r>
-              <a:rPr lang="en-US" sz="1200" b="1" dirty="0"/>
-              <a:t>CCDATS1L</a:t>
-            </a:r>
-            <a:endParaRPr lang="en-PH" sz="1200" b="1" dirty="0"/>
-          </a:p>
-        </p:txBody>
-      </p:sp>
-      <p:sp>
-        <p:nvSpPr>
-          <p:cNvPr id="4" name="TextBox 3">
-            <a:extLst>
-              <a:ext uri="{FF2B5EF4-FFF2-40B4-BE49-F238E27FC236}">
-                <a16:creationId xmlns:a16="http://schemas.microsoft.com/office/drawing/2014/main" id="{4203C0C4-7C82-D208-A8B3-1AE6E9099A3C}"/>
-              </a:ext>
-            </a:extLst>
-          </p:cNvPr>
-          <p:cNvSpPr txBox="1"/>
-          <p:nvPr/>
-        </p:nvSpPr>
-        <p:spPr>
-          <a:xfrm>
-            <a:off x="639917" y="1354768"/>
-            <a:ext cx="11333779" cy="1477328"/>
-          </a:xfrm>
-          <a:prstGeom prst="rect">
-            <a:avLst/>
-          </a:prstGeom>
-          <a:noFill/>
-        </p:spPr>
-        <p:txBody>
-          <a:bodyPr wrap="square" rtlCol="0">
-            <a:spAutoFit/>
-          </a:bodyPr>
-          <a:lstStyle/>
-          <a:p>
-            <a:pPr algn="l"/>
-            <a:r>
-              <a:rPr lang="en-PH" sz="3000" dirty="0"/>
-              <a:t>We will reject the </a:t>
-            </a:r>
-            <a:r>
-              <a:rPr lang="en-PH" sz="3000" b="1" dirty="0">
-                <a:solidFill>
-                  <a:srgbClr val="00B050"/>
-                </a:solidFill>
-              </a:rPr>
-              <a:t>null hypothesis </a:t>
-            </a:r>
-            <a:r>
-              <a:rPr lang="en-PH" sz="3000" dirty="0"/>
-              <a:t>as the </a:t>
-            </a:r>
-            <a:r>
-              <a:rPr lang="en-PH" sz="3000" b="1" dirty="0">
-                <a:solidFill>
-                  <a:srgbClr val="7030A0"/>
-                </a:solidFill>
-              </a:rPr>
-              <a:t>p-value</a:t>
-            </a:r>
-            <a:r>
-              <a:rPr lang="en-PH" sz="3000" dirty="0"/>
-              <a:t> of is </a:t>
-            </a:r>
-            <a:r>
-              <a:rPr lang="en-PH" sz="3000" b="1" dirty="0">
-                <a:solidFill>
-                  <a:srgbClr val="00B0F0"/>
-                </a:solidFill>
-              </a:rPr>
-              <a:t>less than 0.0001 </a:t>
-            </a:r>
-          </a:p>
-          <a:p>
-            <a:pPr algn="l"/>
-            <a:r>
-              <a:rPr lang="en-PH" sz="3000" dirty="0"/>
-              <a:t>and conclude that there is evidence to suggest that the average height of men in the Philippines is greater than </a:t>
-            </a:r>
-            <a:r>
-              <a:rPr lang="en-PH" sz="3000" b="1" dirty="0"/>
-              <a:t>5'4".</a:t>
-            </a:r>
-          </a:p>
-        </p:txBody>
-      </p:sp>
-    </p:spTree>
-    <p:extLst>
-      <p:ext uri="{BB962C8B-B14F-4D97-AF65-F5344CB8AC3E}">
-        <p14:creationId xmlns:p14="http://schemas.microsoft.com/office/powerpoint/2010/main" val="543884130"/>
-      </p:ext>
-    </p:extLst>
-  </p:cSld>
-  <p:clrMapOvr>
-    <a:masterClrMapping/>
-  </p:clrMapOvr>
-</p:sld>
-</file>
-
 <file path=ppt/slides/slide27.xml><?xml version="1.0" encoding="utf-8"?>
 <p:sld xmlns:a="http://schemas.openxmlformats.org/drawingml/2006/main" xmlns:r="http://schemas.openxmlformats.org/officeDocument/2006/relationships" xmlns:p="http://schemas.openxmlformats.org/presentationml/2006/main">
   <p:cSld>
@@ -12533,11 +13264,20 @@
           </a:bodyPr>
           <a:lstStyle/>
           <a:p>
-            <a:r>
-              <a:rPr lang="en-US" sz="5000" b="1" dirty="0"/>
-              <a:t>Other Examples</a:t>
-            </a:r>
-            <a:endParaRPr lang="en-PH" sz="5000" b="1" dirty="0"/>
+            <a:pPr algn="l"/>
+            <a:r>
+              <a:rPr lang="en-US" sz="3500" b="1" dirty="0"/>
+              <a:t>Step 4: </a:t>
+            </a:r>
+            <a:r>
+              <a:rPr lang="en-PH" sz="3500" b="1" i="0" u="none" strike="noStrike" dirty="0">
+                <a:solidFill>
+                  <a:srgbClr val="272C37"/>
+                </a:solidFill>
+                <a:effectLst/>
+              </a:rPr>
+              <a:t>Determine Rejection Of Your Null Hypothesis</a:t>
+            </a:r>
           </a:p>
         </p:txBody>
       </p:sp>
@@ -12585,10 +13325,10 @@
       </p:sp>
       <p:sp>
         <p:nvSpPr>
-          <p:cNvPr id="4" name="TextBox 3">
-            <a:extLst>
-              <a:ext uri="{FF2B5EF4-FFF2-40B4-BE49-F238E27FC236}">
-                <a16:creationId xmlns:a16="http://schemas.microsoft.com/office/drawing/2014/main" id="{4203C0C4-7C82-D208-A8B3-1AE6E9099A3C}"/>
+          <p:cNvPr id="6" name="TextBox 5">
+            <a:extLst>
+              <a:ext uri="{FF2B5EF4-FFF2-40B4-BE49-F238E27FC236}">
+                <a16:creationId xmlns:a16="http://schemas.microsoft.com/office/drawing/2014/main" id="{CC78F53B-24F1-300B-1CC2-4CFB2B613806}"/>
               </a:ext>
             </a:extLst>
           </p:cNvPr>
@@ -12597,8 +13337,8 @@
         </p:nvSpPr>
         <p:spPr>
           <a:xfrm>
-            <a:off x="639917" y="1354768"/>
-            <a:ext cx="11333779" cy="1015663"/>
+            <a:off x="429109" y="1271623"/>
+            <a:ext cx="11333779" cy="5170646"/>
           </a:xfrm>
           <a:prstGeom prst="rect">
             <a:avLst/>
@@ -12614,24 +13354,714 @@
             <a:pPr algn="l"/>
             <a:r>
               <a:rPr lang="en-PH" sz="3000" dirty="0"/>
-              <a:t>https://</a:t>
-            </a:r>
-            <a:r>
-              <a:rPr lang="en-PH" sz="3000" dirty="0" err="1"/>
-              <a:t>online.stat.psu.edu</a:t>
+              <a:t>A </a:t>
+            </a:r>
+            <a:r>
+              <a:rPr lang="en-PH" sz="3000" b="1" dirty="0"/>
+              <a:t>p-value </a:t>
             </a:r>
             <a:r>
               <a:rPr lang="en-PH" sz="3000" dirty="0"/>
-              <a:t>/stat200/lesson/9/9.2/9.2.2/9.2.2.1/9.2.2.1.3</a:t>
-            </a:r>
-            <a:endParaRPr lang="en-PH" sz="3000" b="1" dirty="0"/>
+              <a:t>is</a:t>
+            </a:r>
+            <a:r>
+              <a:rPr lang="en-PH" sz="3000" b="1" dirty="0"/>
+              <a:t> </a:t>
+            </a:r>
+            <a:r>
+              <a:rPr lang="en-PH" sz="3000" dirty="0"/>
+              <a:t>used in hypothesis testing to help you </a:t>
+            </a:r>
+            <a:r>
+              <a:rPr lang="en-PH" sz="3000" b="1" dirty="0">
+                <a:solidFill>
+                  <a:srgbClr val="00B050"/>
+                </a:solidFill>
+              </a:rPr>
+              <a:t>support</a:t>
+            </a:r>
+            <a:r>
+              <a:rPr lang="en-PH" sz="3000" dirty="0"/>
+              <a:t> or </a:t>
+            </a:r>
+            <a:r>
+              <a:rPr lang="en-PH" sz="3000" b="1" dirty="0">
+                <a:solidFill>
+                  <a:srgbClr val="FF0000"/>
+                </a:solidFill>
+              </a:rPr>
+              <a:t>reject</a:t>
+            </a:r>
+            <a:r>
+              <a:rPr lang="en-PH" sz="3000" dirty="0"/>
+              <a:t> the </a:t>
+            </a:r>
+            <a:r>
+              <a:rPr lang="en-PH" sz="3000" b="1" dirty="0">
+                <a:solidFill>
+                  <a:srgbClr val="00B0F0"/>
+                </a:solidFill>
+              </a:rPr>
+              <a:t>null hypothesis</a:t>
+            </a:r>
+            <a:r>
+              <a:rPr lang="en-PH" sz="3000" dirty="0"/>
+              <a:t>. </a:t>
+            </a:r>
+          </a:p>
+          <a:p>
+            <a:pPr algn="l"/>
+            <a:endParaRPr lang="en-PH" sz="3000" dirty="0"/>
+          </a:p>
+          <a:p>
+            <a:pPr algn="l"/>
+            <a:r>
+              <a:rPr lang="en-PH" sz="3000" dirty="0"/>
+              <a:t>The </a:t>
+            </a:r>
+            <a:r>
+              <a:rPr lang="en-PH" sz="3000" b="1" dirty="0"/>
+              <a:t>p-value</a:t>
+            </a:r>
+            <a:r>
+              <a:rPr lang="en-PH" sz="3000" dirty="0"/>
+              <a:t> is the evidence against a null hypothesis. </a:t>
+            </a:r>
+            <a:r>
+              <a:rPr lang="en-PH" sz="3000" b="1" dirty="0">
+                <a:solidFill>
+                  <a:srgbClr val="00B0F0"/>
+                </a:solidFill>
+              </a:rPr>
+              <a:t>The smaller the p-value</a:t>
+            </a:r>
+            <a:r>
+              <a:rPr lang="en-PH" sz="3000" dirty="0"/>
+              <a:t>, the stronger the evidence that you should </a:t>
+            </a:r>
+            <a:r>
+              <a:rPr lang="en-PH" sz="3000" b="1" dirty="0">
+                <a:solidFill>
+                  <a:srgbClr val="FF0000"/>
+                </a:solidFill>
+              </a:rPr>
+              <a:t>reject the null hypothesis</a:t>
+            </a:r>
+            <a:r>
+              <a:rPr lang="en-PH" sz="3000" dirty="0"/>
+              <a:t>.</a:t>
+            </a:r>
+          </a:p>
+          <a:p>
+            <a:pPr algn="l"/>
+            <a:endParaRPr lang="en-PH" sz="3000" dirty="0"/>
+          </a:p>
+          <a:p>
+            <a:pPr algn="l"/>
+            <a:r>
+              <a:rPr lang="en-PH" sz="3000" dirty="0"/>
+              <a:t>p-values are expressed as decimals although it may be easier to understand what they are if you convert them to a percentage. For example, a p value of </a:t>
+            </a:r>
+            <a:r>
+              <a:rPr lang="en-PH" sz="3000" b="1" dirty="0"/>
+              <a:t>0.0254</a:t>
+            </a:r>
+            <a:r>
+              <a:rPr lang="en-PH" sz="3000" dirty="0"/>
+              <a:t> is </a:t>
+            </a:r>
+            <a:r>
+              <a:rPr lang="en-PH" sz="3000" b="1" dirty="0"/>
+              <a:t>2.54%</a:t>
+            </a:r>
+            <a:r>
+              <a:rPr lang="en-PH" sz="3000" dirty="0"/>
+              <a:t>.</a:t>
+            </a:r>
+          </a:p>
+          <a:p>
+            <a:endParaRPr lang="en-PH" sz="3000" dirty="0"/>
           </a:p>
         </p:txBody>
       </p:sp>
     </p:spTree>
     <p:extLst>
       <p:ext uri="{BB962C8B-B14F-4D97-AF65-F5344CB8AC3E}">
-        <p14:creationId xmlns:p14="http://schemas.microsoft.com/office/powerpoint/2010/main" val="3993707324"/>
+        <p14:creationId xmlns:p14="http://schemas.microsoft.com/office/powerpoint/2010/main" val="3172986339"/>
+      </p:ext>
+    </p:extLst>
+  </p:cSld>
+  <p:clrMapOvr>
+    <a:masterClrMapping/>
+  </p:clrMapOvr>
+</p:sld>
+</file>
+
+<file path=ppt/slides/slide28.xml><?xml version="1.0" encoding="utf-8"?>
+<p:sld xmlns:a="http://schemas.openxmlformats.org/drawingml/2006/main" xmlns:r="http://schemas.openxmlformats.org/officeDocument/2006/relationships" xmlns:p="http://schemas.openxmlformats.org/presentationml/2006/main">
+  <p:cSld>
+    <p:bg>
+      <p:bgPr>
+        <a:blipFill dpi="0" rotWithShape="1">
+          <a:blip r:embed="rId3">
+            <a:alphaModFix amt="99000"/>
+            <a:lum/>
+          </a:blip>
+          <a:srcRect/>
+          <a:stretch>
+            <a:fillRect t="89000" r="85000" b="-1000"/>
+          </a:stretch>
+        </a:blipFill>
+        <a:effectLst/>
+      </p:bgPr>
+    </p:bg>
+    <p:spTree>
+      <p:nvGrpSpPr>
+        <p:cNvPr id="1" name=""/>
+        <p:cNvGrpSpPr/>
+        <p:nvPr/>
+      </p:nvGrpSpPr>
+      <p:grpSpPr>
+        <a:xfrm>
+          <a:off x="0" y="0"/>
+          <a:ext cx="0" cy="0"/>
+          <a:chOff x="0" y="0"/>
+          <a:chExt cx="0" cy="0"/>
+        </a:xfrm>
+      </p:grpSpPr>
+      <p:sp>
+        <p:nvSpPr>
+          <p:cNvPr id="5" name="Title 1">
+            <a:extLst>
+              <a:ext uri="{FF2B5EF4-FFF2-40B4-BE49-F238E27FC236}">
+                <a16:creationId xmlns:a16="http://schemas.microsoft.com/office/drawing/2014/main" id="{3444037F-B658-D82C-5DCA-53E8AA1493D7}"/>
+              </a:ext>
+            </a:extLst>
+          </p:cNvPr>
+          <p:cNvSpPr txBox="1">
+            <a:spLocks/>
+          </p:cNvSpPr>
+          <p:nvPr/>
+        </p:nvSpPr>
+        <p:spPr>
+          <a:xfrm>
+            <a:off x="1524000" y="1516449"/>
+            <a:ext cx="9144000" cy="4290585"/>
+          </a:xfrm>
+          <a:prstGeom prst="rect">
+            <a:avLst/>
+          </a:prstGeom>
+        </p:spPr>
+        <p:txBody>
+          <a:bodyPr vert="horz" lIns="91440" tIns="45720" rIns="91440" bIns="45720" rtlCol="0" anchor="b">
+            <a:normAutofit fontScale="97500"/>
+          </a:bodyPr>
+          <a:lstStyle>
+            <a:lvl1pPr algn="ctr" defTabSz="914400" rtl="0" eaLnBrk="1" latinLnBrk="0" hangingPunct="1">
+              <a:lnSpc>
+                <a:spcPct val="90000"/>
+              </a:lnSpc>
+              <a:spcBef>
+                <a:spcPct val="0"/>
+              </a:spcBef>
+              <a:buNone/>
+              <a:defRPr sz="6000" kern="1200">
+                <a:solidFill>
+                  <a:schemeClr val="tx1"/>
+                </a:solidFill>
+                <a:latin typeface="+mj-lt"/>
+                <a:ea typeface="+mj-ea"/>
+                <a:cs typeface="+mj-cs"/>
+              </a:defRPr>
+            </a:lvl1pPr>
+          </a:lstStyle>
+          <a:p>
+            <a:pPr algn="l"/>
+            <a:endParaRPr lang="en-US" sz="3100" dirty="0"/>
+          </a:p>
+          <a:p>
+            <a:pPr algn="l"/>
+            <a:endParaRPr lang="en-US" sz="3100" dirty="0"/>
+          </a:p>
+          <a:p>
+            <a:pPr algn="l"/>
+            <a:endParaRPr lang="en-US" sz="3100" dirty="0"/>
+          </a:p>
+          <a:p>
+            <a:pPr algn="l"/>
+            <a:endParaRPr lang="en-US" sz="3100" dirty="0"/>
+          </a:p>
+          <a:p>
+            <a:pPr algn="l"/>
+            <a:endParaRPr lang="en-US" sz="3000" dirty="0"/>
+          </a:p>
+          <a:p>
+            <a:pPr algn="l"/>
+            <a:endParaRPr lang="en-US" sz="3000" dirty="0"/>
+          </a:p>
+        </p:txBody>
+      </p:sp>
+      <p:sp>
+        <p:nvSpPr>
+          <p:cNvPr id="38" name="Title 1">
+            <a:extLst>
+              <a:ext uri="{FF2B5EF4-FFF2-40B4-BE49-F238E27FC236}">
+                <a16:creationId xmlns:a16="http://schemas.microsoft.com/office/drawing/2014/main" id="{85194D96-4E26-6A5A-5AB5-02AFD53E7543}"/>
+              </a:ext>
+            </a:extLst>
+          </p:cNvPr>
+          <p:cNvSpPr>
+            <a:spLocks noGrp="1"/>
+          </p:cNvSpPr>
+          <p:nvPr>
+            <p:ph type="ctrTitle"/>
+          </p:nvPr>
+        </p:nvSpPr>
+        <p:spPr>
+          <a:xfrm>
+            <a:off x="1128386" y="415731"/>
+            <a:ext cx="9935227" cy="718459"/>
+          </a:xfrm>
+        </p:spPr>
+        <p:txBody>
+          <a:bodyPr>
+            <a:noAutofit/>
+          </a:bodyPr>
+          <a:lstStyle/>
+          <a:p>
+            <a:r>
+              <a:rPr lang="en-US" sz="3500" b="1" dirty="0"/>
+              <a:t>Step 4: </a:t>
+            </a:r>
+            <a:r>
+              <a:rPr lang="en-PH" sz="3500" b="1" i="0" u="none" strike="noStrike" dirty="0">
+                <a:solidFill>
+                  <a:srgbClr val="272C37"/>
+                </a:solidFill>
+                <a:effectLst/>
+              </a:rPr>
+              <a:t>Determine Rejection Of Your Null Hypothesis</a:t>
+            </a:r>
+            <a:endParaRPr lang="en-PH" sz="3500" b="1" dirty="0"/>
+          </a:p>
+        </p:txBody>
+      </p:sp>
+      <p:sp>
+        <p:nvSpPr>
+          <p:cNvPr id="39" name="Footer Placeholder 3">
+            <a:extLst>
+              <a:ext uri="{FF2B5EF4-FFF2-40B4-BE49-F238E27FC236}">
+                <a16:creationId xmlns:a16="http://schemas.microsoft.com/office/drawing/2014/main" id="{77EF4DA7-E5CF-896F-45E0-B1D58FD59B96}"/>
+              </a:ext>
+            </a:extLst>
+          </p:cNvPr>
+          <p:cNvSpPr>
+            <a:spLocks noGrp="1"/>
+          </p:cNvSpPr>
+          <p:nvPr>
+            <p:ph type="ftr" sz="quarter" idx="11"/>
+          </p:nvPr>
+        </p:nvSpPr>
+        <p:spPr>
+          <a:xfrm>
+            <a:off x="0" y="6139541"/>
+            <a:ext cx="12192000" cy="718459"/>
+          </a:xfrm>
+          <a:ln w="28575">
+            <a:solidFill>
+              <a:schemeClr val="accent5">
+                <a:lumMod val="50000"/>
+              </a:schemeClr>
+            </a:solidFill>
+          </a:ln>
+        </p:spPr>
+        <p:txBody>
+          <a:bodyPr/>
+          <a:lstStyle/>
+          <a:p>
+            <a:pPr lvl="1" algn="r"/>
+            <a:r>
+              <a:rPr lang="en-US" sz="1200" b="1" dirty="0"/>
+              <a:t>CCDATS1L</a:t>
+            </a:r>
+            <a:endParaRPr lang="en-PH" sz="1200" b="1" dirty="0"/>
+          </a:p>
+        </p:txBody>
+      </p:sp>
+      <p:sp>
+        <p:nvSpPr>
+          <p:cNvPr id="4" name="TextBox 3">
+            <a:extLst>
+              <a:ext uri="{FF2B5EF4-FFF2-40B4-BE49-F238E27FC236}">
+                <a16:creationId xmlns:a16="http://schemas.microsoft.com/office/drawing/2014/main" id="{4203C0C4-7C82-D208-A8B3-1AE6E9099A3C}"/>
+              </a:ext>
+            </a:extLst>
+          </p:cNvPr>
+          <p:cNvSpPr txBox="1"/>
+          <p:nvPr/>
+        </p:nvSpPr>
+        <p:spPr>
+          <a:xfrm>
+            <a:off x="639917" y="1354768"/>
+            <a:ext cx="11333779" cy="2400657"/>
+          </a:xfrm>
+          <a:prstGeom prst="rect">
+            <a:avLst/>
+          </a:prstGeom>
+          <a:noFill/>
+        </p:spPr>
+        <p:txBody>
+          <a:bodyPr wrap="square" rtlCol="0">
+            <a:spAutoFit/>
+          </a:bodyPr>
+          <a:lstStyle/>
+          <a:p>
+            <a:pPr algn="l"/>
+            <a:r>
+              <a:rPr lang="en-PH" sz="3000" dirty="0"/>
+              <a:t>A </a:t>
+            </a:r>
+            <a:r>
+              <a:rPr lang="en-PH" sz="3000" b="1" dirty="0"/>
+              <a:t>small p (≤ 0.05), </a:t>
+            </a:r>
+            <a:r>
+              <a:rPr lang="en-PH" sz="3000" dirty="0"/>
+              <a:t>reject the </a:t>
+            </a:r>
+            <a:r>
+              <a:rPr lang="en-PH" sz="3000" b="1" dirty="0">
+                <a:solidFill>
+                  <a:srgbClr val="FF0000"/>
+                </a:solidFill>
+              </a:rPr>
+              <a:t>null hypothesis</a:t>
+            </a:r>
+            <a:r>
+              <a:rPr lang="en-PH" sz="3000" dirty="0"/>
+              <a:t>. This is strong evidence that the null hypothesis is invalid.</a:t>
+            </a:r>
+          </a:p>
+          <a:p>
+            <a:pPr algn="l"/>
+            <a:endParaRPr lang="en-PH" sz="3000" dirty="0"/>
+          </a:p>
+          <a:p>
+            <a:pPr algn="l"/>
+            <a:r>
+              <a:rPr lang="en-PH" sz="3000" dirty="0"/>
+              <a:t>A </a:t>
+            </a:r>
+            <a:r>
+              <a:rPr lang="en-PH" sz="3000" b="1" dirty="0"/>
+              <a:t>large p (&gt; 0.05) </a:t>
+            </a:r>
+            <a:r>
+              <a:rPr lang="en-PH" sz="3000" dirty="0"/>
+              <a:t>means the </a:t>
+            </a:r>
+            <a:r>
+              <a:rPr lang="en-PH" sz="3000" b="1" dirty="0">
+                <a:solidFill>
+                  <a:srgbClr val="00B050"/>
+                </a:solidFill>
+              </a:rPr>
+              <a:t>alternate hypothesis </a:t>
+            </a:r>
+            <a:r>
+              <a:rPr lang="en-PH" sz="3000" dirty="0"/>
+              <a:t>is weak, so you do not reject the null hypothesis.</a:t>
+            </a:r>
+          </a:p>
+        </p:txBody>
+      </p:sp>
+    </p:spTree>
+    <p:extLst>
+      <p:ext uri="{BB962C8B-B14F-4D97-AF65-F5344CB8AC3E}">
+        <p14:creationId xmlns:p14="http://schemas.microsoft.com/office/powerpoint/2010/main" val="1642260779"/>
+      </p:ext>
+    </p:extLst>
+  </p:cSld>
+  <p:clrMapOvr>
+    <a:masterClrMapping/>
+  </p:clrMapOvr>
+</p:sld>
+</file>
+
+<file path=ppt/slides/slide29.xml><?xml version="1.0" encoding="utf-8"?>
+<p:sld xmlns:a="http://schemas.openxmlformats.org/drawingml/2006/main" xmlns:r="http://schemas.openxmlformats.org/officeDocument/2006/relationships" xmlns:p="http://schemas.openxmlformats.org/presentationml/2006/main">
+  <p:cSld>
+    <p:bg>
+      <p:bgPr>
+        <a:blipFill dpi="0" rotWithShape="1">
+          <a:blip r:embed="rId3">
+            <a:alphaModFix amt="99000"/>
+            <a:lum/>
+          </a:blip>
+          <a:srcRect/>
+          <a:stretch>
+            <a:fillRect t="89000" r="85000" b="-1000"/>
+          </a:stretch>
+        </a:blipFill>
+        <a:effectLst/>
+      </p:bgPr>
+    </p:bg>
+    <p:spTree>
+      <p:nvGrpSpPr>
+        <p:cNvPr id="1" name=""/>
+        <p:cNvGrpSpPr/>
+        <p:nvPr/>
+      </p:nvGrpSpPr>
+      <p:grpSpPr>
+        <a:xfrm>
+          <a:off x="0" y="0"/>
+          <a:ext cx="0" cy="0"/>
+          <a:chOff x="0" y="0"/>
+          <a:chExt cx="0" cy="0"/>
+        </a:xfrm>
+      </p:grpSpPr>
+      <p:sp>
+        <p:nvSpPr>
+          <p:cNvPr id="5" name="Title 1">
+            <a:extLst>
+              <a:ext uri="{FF2B5EF4-FFF2-40B4-BE49-F238E27FC236}">
+                <a16:creationId xmlns:a16="http://schemas.microsoft.com/office/drawing/2014/main" id="{3444037F-B658-D82C-5DCA-53E8AA1493D7}"/>
+              </a:ext>
+            </a:extLst>
+          </p:cNvPr>
+          <p:cNvSpPr txBox="1">
+            <a:spLocks/>
+          </p:cNvSpPr>
+          <p:nvPr/>
+        </p:nvSpPr>
+        <p:spPr>
+          <a:xfrm>
+            <a:off x="1524000" y="1516449"/>
+            <a:ext cx="9144000" cy="4290585"/>
+          </a:xfrm>
+          <a:prstGeom prst="rect">
+            <a:avLst/>
+          </a:prstGeom>
+        </p:spPr>
+        <p:txBody>
+          <a:bodyPr vert="horz" lIns="91440" tIns="45720" rIns="91440" bIns="45720" rtlCol="0" anchor="b">
+            <a:normAutofit fontScale="97500"/>
+          </a:bodyPr>
+          <a:lstStyle>
+            <a:lvl1pPr algn="ctr" defTabSz="914400" rtl="0" eaLnBrk="1" latinLnBrk="0" hangingPunct="1">
+              <a:lnSpc>
+                <a:spcPct val="90000"/>
+              </a:lnSpc>
+              <a:spcBef>
+                <a:spcPct val="0"/>
+              </a:spcBef>
+              <a:buNone/>
+              <a:defRPr sz="6000" kern="1200">
+                <a:solidFill>
+                  <a:schemeClr val="tx1"/>
+                </a:solidFill>
+                <a:latin typeface="+mj-lt"/>
+                <a:ea typeface="+mj-ea"/>
+                <a:cs typeface="+mj-cs"/>
+              </a:defRPr>
+            </a:lvl1pPr>
+          </a:lstStyle>
+          <a:p>
+            <a:pPr algn="l"/>
+            <a:endParaRPr lang="en-US" sz="3100" dirty="0"/>
+          </a:p>
+          <a:p>
+            <a:pPr algn="l"/>
+            <a:endParaRPr lang="en-US" sz="3100" dirty="0"/>
+          </a:p>
+          <a:p>
+            <a:pPr algn="l"/>
+            <a:endParaRPr lang="en-US" sz="3100" dirty="0"/>
+          </a:p>
+          <a:p>
+            <a:pPr algn="l"/>
+            <a:endParaRPr lang="en-US" sz="3100" dirty="0"/>
+          </a:p>
+          <a:p>
+            <a:pPr algn="l"/>
+            <a:endParaRPr lang="en-US" sz="3000" dirty="0"/>
+          </a:p>
+          <a:p>
+            <a:pPr algn="l"/>
+            <a:endParaRPr lang="en-US" sz="3000" dirty="0"/>
+          </a:p>
+        </p:txBody>
+      </p:sp>
+      <p:sp>
+        <p:nvSpPr>
+          <p:cNvPr id="38" name="Title 1">
+            <a:extLst>
+              <a:ext uri="{FF2B5EF4-FFF2-40B4-BE49-F238E27FC236}">
+                <a16:creationId xmlns:a16="http://schemas.microsoft.com/office/drawing/2014/main" id="{85194D96-4E26-6A5A-5AB5-02AFD53E7543}"/>
+              </a:ext>
+            </a:extLst>
+          </p:cNvPr>
+          <p:cNvSpPr>
+            <a:spLocks noGrp="1"/>
+          </p:cNvSpPr>
+          <p:nvPr>
+            <p:ph type="ctrTitle"/>
+          </p:nvPr>
+        </p:nvSpPr>
+        <p:spPr>
+          <a:xfrm>
+            <a:off x="1128386" y="415731"/>
+            <a:ext cx="9935227" cy="718459"/>
+          </a:xfrm>
+        </p:spPr>
+        <p:txBody>
+          <a:bodyPr>
+            <a:noAutofit/>
+          </a:bodyPr>
+          <a:lstStyle/>
+          <a:p>
+            <a:r>
+              <a:rPr lang="en-US" sz="3500" b="1" dirty="0"/>
+              <a:t>Step 4: </a:t>
+            </a:r>
+            <a:r>
+              <a:rPr lang="en-PH" sz="3500" b="1" i="0" u="none" strike="noStrike" dirty="0">
+                <a:solidFill>
+                  <a:srgbClr val="272C37"/>
+                </a:solidFill>
+                <a:effectLst/>
+              </a:rPr>
+              <a:t>Present your Results</a:t>
+            </a:r>
+            <a:endParaRPr lang="en-PH" sz="3500" b="1" dirty="0"/>
+          </a:p>
+        </p:txBody>
+      </p:sp>
+      <p:sp>
+        <p:nvSpPr>
+          <p:cNvPr id="39" name="Footer Placeholder 3">
+            <a:extLst>
+              <a:ext uri="{FF2B5EF4-FFF2-40B4-BE49-F238E27FC236}">
+                <a16:creationId xmlns:a16="http://schemas.microsoft.com/office/drawing/2014/main" id="{77EF4DA7-E5CF-896F-45E0-B1D58FD59B96}"/>
+              </a:ext>
+            </a:extLst>
+          </p:cNvPr>
+          <p:cNvSpPr>
+            <a:spLocks noGrp="1"/>
+          </p:cNvSpPr>
+          <p:nvPr>
+            <p:ph type="ftr" sz="quarter" idx="11"/>
+          </p:nvPr>
+        </p:nvSpPr>
+        <p:spPr>
+          <a:xfrm>
+            <a:off x="0" y="6139541"/>
+            <a:ext cx="12192000" cy="718459"/>
+          </a:xfrm>
+          <a:ln w="28575">
+            <a:solidFill>
+              <a:schemeClr val="accent5">
+                <a:lumMod val="50000"/>
+              </a:schemeClr>
+            </a:solidFill>
+          </a:ln>
+        </p:spPr>
+        <p:txBody>
+          <a:bodyPr/>
+          <a:lstStyle/>
+          <a:p>
+            <a:pPr lvl="1" algn="r"/>
+            <a:r>
+              <a:rPr lang="en-US" sz="1200" b="1" dirty="0"/>
+              <a:t>CCDATS1L</a:t>
+            </a:r>
+            <a:endParaRPr lang="en-PH" sz="1200" b="1" dirty="0"/>
+          </a:p>
+        </p:txBody>
+      </p:sp>
+      <p:sp>
+        <p:nvSpPr>
+          <p:cNvPr id="4" name="TextBox 3">
+            <a:extLst>
+              <a:ext uri="{FF2B5EF4-FFF2-40B4-BE49-F238E27FC236}">
+                <a16:creationId xmlns:a16="http://schemas.microsoft.com/office/drawing/2014/main" id="{4203C0C4-7C82-D208-A8B3-1AE6E9099A3C}"/>
+              </a:ext>
+            </a:extLst>
+          </p:cNvPr>
+          <p:cNvSpPr txBox="1"/>
+          <p:nvPr/>
+        </p:nvSpPr>
+        <p:spPr>
+          <a:xfrm>
+            <a:off x="639917" y="1354768"/>
+            <a:ext cx="11333779" cy="1477328"/>
+          </a:xfrm>
+          <a:prstGeom prst="rect">
+            <a:avLst/>
+          </a:prstGeom>
+          <a:noFill/>
+        </p:spPr>
+        <p:txBody>
+          <a:bodyPr wrap="square" rtlCol="0">
+            <a:spAutoFit/>
+          </a:bodyPr>
+          <a:lstStyle/>
+          <a:p>
+            <a:pPr algn="l"/>
+            <a:r>
+              <a:rPr lang="en-PH" sz="3000" dirty="0"/>
+              <a:t>We will reject the </a:t>
+            </a:r>
+            <a:r>
+              <a:rPr lang="en-PH" sz="3000" b="1" dirty="0">
+                <a:solidFill>
+                  <a:srgbClr val="00B050"/>
+                </a:solidFill>
+              </a:rPr>
+              <a:t>null hypothesis </a:t>
+            </a:r>
+            <a:r>
+              <a:rPr lang="en-PH" sz="3000" dirty="0"/>
+              <a:t>as the </a:t>
+            </a:r>
+            <a:r>
+              <a:rPr lang="en-PH" sz="3000" b="1" dirty="0">
+                <a:solidFill>
+                  <a:srgbClr val="7030A0"/>
+                </a:solidFill>
+              </a:rPr>
+              <a:t>p-value</a:t>
+            </a:r>
+            <a:r>
+              <a:rPr lang="en-PH" sz="3000" dirty="0"/>
+              <a:t> of is </a:t>
+            </a:r>
+            <a:r>
+              <a:rPr lang="en-PH" sz="3000" b="1" dirty="0">
+                <a:solidFill>
+                  <a:srgbClr val="00B0F0"/>
+                </a:solidFill>
+              </a:rPr>
+              <a:t>less than 0.0001 </a:t>
+            </a:r>
+          </a:p>
+          <a:p>
+            <a:pPr algn="l"/>
+            <a:r>
+              <a:rPr lang="en-PH" sz="3000" dirty="0"/>
+              <a:t>and conclude that there is evidence to suggest that the average height of men in the Philippines is greater than </a:t>
+            </a:r>
+            <a:r>
+              <a:rPr lang="en-PH" sz="3000" b="1" dirty="0"/>
+              <a:t>5'4".</a:t>
+            </a:r>
+          </a:p>
+        </p:txBody>
+      </p:sp>
+    </p:spTree>
+    <p:extLst>
+      <p:ext uri="{BB962C8B-B14F-4D97-AF65-F5344CB8AC3E}">
+        <p14:creationId xmlns:p14="http://schemas.microsoft.com/office/powerpoint/2010/main" val="543884130"/>
       </p:ext>
     </p:extLst>
   </p:cSld>
@@ -12900,6 +14330,246 @@
 </p:sld>
 </file>
 
+<file path=ppt/slides/slide30.xml><?xml version="1.0" encoding="utf-8"?>
+<p:sld xmlns:a="http://schemas.openxmlformats.org/drawingml/2006/main" xmlns:r="http://schemas.openxmlformats.org/officeDocument/2006/relationships" xmlns:p="http://schemas.openxmlformats.org/presentationml/2006/main">
+  <p:cSld>
+    <p:bg>
+      <p:bgPr>
+        <a:blipFill dpi="0" rotWithShape="1">
+          <a:blip r:embed="rId3">
+            <a:alphaModFix amt="99000"/>
+            <a:lum/>
+          </a:blip>
+          <a:srcRect/>
+          <a:stretch>
+            <a:fillRect t="89000" r="85000" b="-1000"/>
+          </a:stretch>
+        </a:blipFill>
+        <a:effectLst/>
+      </p:bgPr>
+    </p:bg>
+    <p:spTree>
+      <p:nvGrpSpPr>
+        <p:cNvPr id="1" name=""/>
+        <p:cNvGrpSpPr/>
+        <p:nvPr/>
+      </p:nvGrpSpPr>
+      <p:grpSpPr>
+        <a:xfrm>
+          <a:off x="0" y="0"/>
+          <a:ext cx="0" cy="0"/>
+          <a:chOff x="0" y="0"/>
+          <a:chExt cx="0" cy="0"/>
+        </a:xfrm>
+      </p:grpSpPr>
+      <p:sp>
+        <p:nvSpPr>
+          <p:cNvPr id="5" name="Title 1">
+            <a:extLst>
+              <a:ext uri="{FF2B5EF4-FFF2-40B4-BE49-F238E27FC236}">
+                <a16:creationId xmlns:a16="http://schemas.microsoft.com/office/drawing/2014/main" id="{3444037F-B658-D82C-5DCA-53E8AA1493D7}"/>
+              </a:ext>
+            </a:extLst>
+          </p:cNvPr>
+          <p:cNvSpPr txBox="1">
+            <a:spLocks/>
+          </p:cNvSpPr>
+          <p:nvPr/>
+        </p:nvSpPr>
+        <p:spPr>
+          <a:xfrm>
+            <a:off x="1524000" y="1516449"/>
+            <a:ext cx="9144000" cy="4290585"/>
+          </a:xfrm>
+          <a:prstGeom prst="rect">
+            <a:avLst/>
+          </a:prstGeom>
+        </p:spPr>
+        <p:txBody>
+          <a:bodyPr vert="horz" lIns="91440" tIns="45720" rIns="91440" bIns="45720" rtlCol="0" anchor="b">
+            <a:normAutofit fontScale="97500"/>
+          </a:bodyPr>
+          <a:lstStyle>
+            <a:lvl1pPr algn="ctr" defTabSz="914400" rtl="0" eaLnBrk="1" latinLnBrk="0" hangingPunct="1">
+              <a:lnSpc>
+                <a:spcPct val="90000"/>
+              </a:lnSpc>
+              <a:spcBef>
+                <a:spcPct val="0"/>
+              </a:spcBef>
+              <a:buNone/>
+              <a:defRPr sz="6000" kern="1200">
+                <a:solidFill>
+                  <a:schemeClr val="tx1"/>
+                </a:solidFill>
+                <a:latin typeface="+mj-lt"/>
+                <a:ea typeface="+mj-ea"/>
+                <a:cs typeface="+mj-cs"/>
+              </a:defRPr>
+            </a:lvl1pPr>
+          </a:lstStyle>
+          <a:p>
+            <a:pPr algn="l"/>
+            <a:endParaRPr lang="en-US" sz="3100" dirty="0"/>
+          </a:p>
+          <a:p>
+            <a:pPr algn="l"/>
+            <a:endParaRPr lang="en-US" sz="3100" dirty="0"/>
+          </a:p>
+          <a:p>
+            <a:pPr algn="l"/>
+            <a:endParaRPr lang="en-US" sz="3100" dirty="0"/>
+          </a:p>
+          <a:p>
+            <a:pPr algn="l"/>
+            <a:endParaRPr lang="en-US" sz="3100" dirty="0"/>
+          </a:p>
+          <a:p>
+            <a:pPr algn="l"/>
+            <a:endParaRPr lang="en-US" sz="3000" dirty="0"/>
+          </a:p>
+          <a:p>
+            <a:pPr algn="l"/>
+            <a:endParaRPr lang="en-US" sz="3000" dirty="0"/>
+          </a:p>
+        </p:txBody>
+      </p:sp>
+      <p:sp>
+        <p:nvSpPr>
+          <p:cNvPr id="38" name="Title 1">
+            <a:extLst>
+              <a:ext uri="{FF2B5EF4-FFF2-40B4-BE49-F238E27FC236}">
+                <a16:creationId xmlns:a16="http://schemas.microsoft.com/office/drawing/2014/main" id="{85194D96-4E26-6A5A-5AB5-02AFD53E7543}"/>
+              </a:ext>
+            </a:extLst>
+          </p:cNvPr>
+          <p:cNvSpPr>
+            <a:spLocks noGrp="1"/>
+          </p:cNvSpPr>
+          <p:nvPr>
+            <p:ph type="ctrTitle"/>
+          </p:nvPr>
+        </p:nvSpPr>
+        <p:spPr>
+          <a:xfrm>
+            <a:off x="1128386" y="415731"/>
+            <a:ext cx="9935227" cy="718459"/>
+          </a:xfrm>
+        </p:spPr>
+        <p:txBody>
+          <a:bodyPr>
+            <a:noAutofit/>
+          </a:bodyPr>
+          <a:lstStyle/>
+          <a:p>
+            <a:r>
+              <a:rPr lang="en-US" sz="5000" b="1" dirty="0"/>
+              <a:t>Other Examples</a:t>
+            </a:r>
+            <a:endParaRPr lang="en-PH" sz="5000" b="1" dirty="0"/>
+          </a:p>
+        </p:txBody>
+      </p:sp>
+      <p:sp>
+        <p:nvSpPr>
+          <p:cNvPr id="39" name="Footer Placeholder 3">
+            <a:extLst>
+              <a:ext uri="{FF2B5EF4-FFF2-40B4-BE49-F238E27FC236}">
+                <a16:creationId xmlns:a16="http://schemas.microsoft.com/office/drawing/2014/main" id="{77EF4DA7-E5CF-896F-45E0-B1D58FD59B96}"/>
+              </a:ext>
+            </a:extLst>
+          </p:cNvPr>
+          <p:cNvSpPr>
+            <a:spLocks noGrp="1"/>
+          </p:cNvSpPr>
+          <p:nvPr>
+            <p:ph type="ftr" sz="quarter" idx="11"/>
+          </p:nvPr>
+        </p:nvSpPr>
+        <p:spPr>
+          <a:xfrm>
+            <a:off x="0" y="6139541"/>
+            <a:ext cx="12192000" cy="718459"/>
+          </a:xfrm>
+          <a:ln w="28575">
+            <a:solidFill>
+              <a:schemeClr val="accent5">
+                <a:lumMod val="50000"/>
+              </a:schemeClr>
+            </a:solidFill>
+          </a:ln>
+        </p:spPr>
+        <p:txBody>
+          <a:bodyPr/>
+          <a:lstStyle/>
+          <a:p>
+            <a:pPr lvl="1" algn="r"/>
+            <a:r>
+              <a:rPr lang="en-US" sz="1200" b="1" dirty="0"/>
+              <a:t>CCDATS1L</a:t>
+            </a:r>
+            <a:endParaRPr lang="en-PH" sz="1200" b="1" dirty="0"/>
+          </a:p>
+        </p:txBody>
+      </p:sp>
+      <p:sp>
+        <p:nvSpPr>
+          <p:cNvPr id="4" name="TextBox 3">
+            <a:extLst>
+              <a:ext uri="{FF2B5EF4-FFF2-40B4-BE49-F238E27FC236}">
+                <a16:creationId xmlns:a16="http://schemas.microsoft.com/office/drawing/2014/main" id="{4203C0C4-7C82-D208-A8B3-1AE6E9099A3C}"/>
+              </a:ext>
+            </a:extLst>
+          </p:cNvPr>
+          <p:cNvSpPr txBox="1"/>
+          <p:nvPr/>
+        </p:nvSpPr>
+        <p:spPr>
+          <a:xfrm>
+            <a:off x="639917" y="1354768"/>
+            <a:ext cx="11333779" cy="1015663"/>
+          </a:xfrm>
+          <a:prstGeom prst="rect">
+            <a:avLst/>
+          </a:prstGeom>
+          <a:noFill/>
+        </p:spPr>
+        <p:txBody>
+          <a:bodyPr wrap="square" rtlCol="0">
+            <a:spAutoFit/>
+          </a:bodyPr>
+          <a:lstStyle/>
+          <a:p>
+            <a:pPr algn="l"/>
+            <a:r>
+              <a:rPr lang="en-PH" sz="3000" dirty="0"/>
+              <a:t>https://</a:t>
+            </a:r>
+            <a:r>
+              <a:rPr lang="en-PH" sz="3000" dirty="0" err="1"/>
+              <a:t>online.stat.psu.edu</a:t>
+            </a:r>
+            <a:r>
+              <a:rPr lang="en-PH" sz="3000" dirty="0"/>
+              <a:t>/stat200/lesson/9/9.2/9.2.2/9.2.2.1/9.2.2.1.3</a:t>
+            </a:r>
+            <a:endParaRPr lang="en-PH" sz="3000" b="1" dirty="0"/>
+          </a:p>
+        </p:txBody>
+      </p:sp>
+    </p:spTree>
+    <p:extLst>
+      <p:ext uri="{BB962C8B-B14F-4D97-AF65-F5344CB8AC3E}">
+        <p14:creationId xmlns:p14="http://schemas.microsoft.com/office/powerpoint/2010/main" val="3993707324"/>
+      </p:ext>
+    </p:extLst>
+  </p:cSld>
+  <p:clrMapOvr>
+    <a:masterClrMapping/>
+  </p:clrMapOvr>
+</p:sld>
+</file>
+
 <file path=ppt/slides/slide4.xml><?xml version="1.0" encoding="utf-8"?>
 <p:sld xmlns:a="http://schemas.openxmlformats.org/drawingml/2006/main" xmlns:r="http://schemas.openxmlformats.org/officeDocument/2006/relationships" xmlns:p="http://schemas.openxmlformats.org/presentationml/2006/main">
   <p:cSld>
@@ -13162,21 +14832,6 @@
 <file path=ppt/slides/slide5.xml><?xml version="1.0" encoding="utf-8"?>
 <p:sld xmlns:a="http://schemas.openxmlformats.org/drawingml/2006/main" xmlns:r="http://schemas.openxmlformats.org/officeDocument/2006/relationships" xmlns:p="http://schemas.openxmlformats.org/presentationml/2006/main">
   <p:cSld>
-    <p:bg>
-      <p:bgPr>
-        <a:blipFill dpi="0" rotWithShape="1">
-          <a:blip r:embed="rId3">
-            <a:alphaModFix amt="99000"/>
-            <a:lum/>
-          </a:blip>
-          <a:srcRect/>
-          <a:stretch>
-            <a:fillRect t="89000" r="85000" b="-1000"/>
-          </a:stretch>
-        </a:blipFill>
-        <a:effectLst/>
-      </p:bgPr>
-    </p:bg>
     <p:spTree>
       <p:nvGrpSpPr>
         <p:cNvPr id="1" name=""/>
@@ -13265,42 +14920,6 @@
       </p:sp>
       <p:sp>
         <p:nvSpPr>
-          <p:cNvPr id="38" name="Title 1">
-            <a:extLst>
-              <a:ext uri="{FF2B5EF4-FFF2-40B4-BE49-F238E27FC236}">
-                <a16:creationId xmlns:a16="http://schemas.microsoft.com/office/drawing/2014/main" id="{85194D96-4E26-6A5A-5AB5-02AFD53E7543}"/>
-              </a:ext>
-            </a:extLst>
-          </p:cNvPr>
-          <p:cNvSpPr>
-            <a:spLocks noGrp="1"/>
-          </p:cNvSpPr>
-          <p:nvPr>
-            <p:ph type="ctrTitle"/>
-          </p:nvPr>
-        </p:nvSpPr>
-        <p:spPr>
-          <a:xfrm>
-            <a:off x="1128386" y="415731"/>
-            <a:ext cx="9935227" cy="718459"/>
-          </a:xfrm>
-        </p:spPr>
-        <p:txBody>
-          <a:bodyPr>
-            <a:noAutofit/>
-          </a:bodyPr>
-          <a:lstStyle/>
-          <a:p>
-            <a:r>
-              <a:rPr lang="en-US" sz="5000" b="1" dirty="0"/>
-              <a:t>Test of Significance</a:t>
-            </a:r>
-            <a:endParaRPr lang="en-PH" sz="5000" b="1" dirty="0"/>
-          </a:p>
-        </p:txBody>
-      </p:sp>
-      <p:sp>
-        <p:nvSpPr>
           <p:cNvPr id="39" name="Footer Placeholder 3">
             <a:extLst>
               <a:ext uri="{FF2B5EF4-FFF2-40B4-BE49-F238E27FC236}">
@@ -13343,76 +14962,308 @@
       </p:sp>
       <p:sp>
         <p:nvSpPr>
-          <p:cNvPr id="4" name="TextBox 3">
-            <a:extLst>
-              <a:ext uri="{FF2B5EF4-FFF2-40B4-BE49-F238E27FC236}">
-                <a16:creationId xmlns:a16="http://schemas.microsoft.com/office/drawing/2014/main" id="{4203C0C4-7C82-D208-A8B3-1AE6E9099A3C}"/>
-              </a:ext>
-            </a:extLst>
-          </p:cNvPr>
-          <p:cNvSpPr txBox="1"/>
+          <p:cNvPr id="2" name="Title 1">
+            <a:extLst>
+              <a:ext uri="{FF2B5EF4-FFF2-40B4-BE49-F238E27FC236}">
+                <a16:creationId xmlns:a16="http://schemas.microsoft.com/office/drawing/2014/main" id="{79EF1114-32BB-A28C-0B44-90073AA32F6C}"/>
+              </a:ext>
+            </a:extLst>
+          </p:cNvPr>
+          <p:cNvSpPr txBox="1">
+            <a:spLocks/>
+          </p:cNvSpPr>
           <p:nvPr/>
         </p:nvSpPr>
         <p:spPr>
           <a:xfrm>
-            <a:off x="639918" y="1354768"/>
-            <a:ext cx="10912162" cy="3323987"/>
+            <a:off x="459205" y="1050967"/>
+            <a:ext cx="11273589" cy="4523326"/>
           </a:xfrm>
           <a:prstGeom prst="rect">
             <a:avLst/>
           </a:prstGeom>
-          <a:noFill/>
         </p:spPr>
         <p:txBody>
-          <a:bodyPr wrap="square" rtlCol="0">
-            <a:spAutoFit/>
+          <a:bodyPr vert="horz" lIns="91440" tIns="45720" rIns="91440" bIns="45720" rtlCol="0" anchor="b">
+            <a:normAutofit fontScale="97500"/>
           </a:bodyPr>
-          <a:lstStyle/>
-          <a:p>
-            <a:r>
-              <a:rPr lang="en-PH" sz="3000" dirty="0"/>
-              <a:t>A test of significance is a formal procedure for comparing observed data with a claim (</a:t>
-            </a:r>
-            <a:r>
-              <a:rPr lang="en-PH" sz="3000" b="1" dirty="0">
+          <a:lstStyle>
+            <a:lvl1pPr algn="ctr" defTabSz="914400" rtl="0" eaLnBrk="1" latinLnBrk="0" hangingPunct="1">
+              <a:lnSpc>
+                <a:spcPct val="90000"/>
+              </a:lnSpc>
+              <a:spcBef>
+                <a:spcPct val="0"/>
+              </a:spcBef>
+              <a:buNone/>
+              <a:defRPr sz="6000" kern="1200">
                 <a:solidFill>
-                  <a:srgbClr val="00B0F0"/>
+                  <a:schemeClr val="tx1"/>
                 </a:solidFill>
+                <a:latin typeface="+mj-lt"/>
+                <a:ea typeface="+mj-ea"/>
+                <a:cs typeface="+mj-cs"/>
+              </a:defRPr>
+            </a:lvl1pPr>
+          </a:lstStyle>
+          <a:p>
+            <a:pPr algn="l"/>
+            <a:endParaRPr lang="en-US" sz="2900" b="1" i="0" dirty="0">
+              <a:solidFill>
+                <a:srgbClr val="252C33"/>
+              </a:solidFill>
+              <a:effectLst/>
+              <a:latin typeface="Calibri Light (Headings)"/>
+            </a:endParaRPr>
+          </a:p>
+          <a:p>
+            <a:pPr marL="457200" indent="-457200" algn="l">
+              <a:buFont typeface="Wingdings" pitchFamily="2" charset="2"/>
+              <a:buChar char="Ø"/>
+            </a:pPr>
+            <a:r>
+              <a:rPr lang="en-US" sz="2900" b="1" dirty="0">
+                <a:latin typeface="Calibri Light (Headings)"/>
               </a:rPr>
-              <a:t>also called a hypothesis</a:t>
-            </a:r>
-            <a:r>
-              <a:rPr lang="en-PH" sz="3000" dirty="0"/>
-              <a:t>), the truth of which is being assessed. </a:t>
-            </a:r>
-          </a:p>
-          <a:p>
-            <a:endParaRPr lang="en-PH" sz="3000" dirty="0"/>
-          </a:p>
-          <a:p>
-            <a:r>
-              <a:rPr lang="en-US" sz="3000" dirty="0"/>
-              <a:t>The first step in conducting a test of statistical significance is to </a:t>
-            </a:r>
-            <a:r>
-              <a:rPr lang="en-US" sz="3000" b="1" dirty="0">
+              <a:t>Recap of Statistical Inference</a:t>
+            </a:r>
+          </a:p>
+          <a:p>
+            <a:pPr algn="l"/>
+            <a:endParaRPr lang="en-US" sz="2900" b="1" i="0" dirty="0">
+              <a:solidFill>
+                <a:schemeClr val="tx1">
+                  <a:lumMod val="50000"/>
+                  <a:lumOff val="50000"/>
+                </a:schemeClr>
+              </a:solidFill>
+              <a:effectLst/>
+              <a:latin typeface="Calibri Light (Headings)"/>
+            </a:endParaRPr>
+          </a:p>
+          <a:p>
+            <a:pPr marL="457200" indent="-457200" algn="l">
+              <a:buFont typeface="Wingdings" pitchFamily="2" charset="2"/>
+              <a:buChar char="Ø"/>
+            </a:pPr>
+            <a:r>
+              <a:rPr lang="en-US" sz="2900" b="1" i="0" dirty="0">
                 <a:solidFill>
-                  <a:srgbClr val="7030A0"/>
+                  <a:schemeClr val="tx1">
+                    <a:lumMod val="50000"/>
+                    <a:lumOff val="50000"/>
+                  </a:schemeClr>
                 </a:solidFill>
+                <a:effectLst/>
+                <a:latin typeface="Calibri Light (Headings)"/>
               </a:rPr>
-              <a:t>state the hypothesis. </a:t>
-            </a:r>
-            <a:br>
-              <a:rPr lang="en-US" sz="3000" dirty="0"/>
-            </a:br>
-            <a:endParaRPr lang="en-PH" sz="3000" dirty="0"/>
-          </a:p>
-        </p:txBody>
-      </p:sp>
+              <a:t>Test of Significance and Hypothesis Testing</a:t>
+            </a:r>
+          </a:p>
+          <a:p>
+            <a:pPr marL="457200" indent="-457200" algn="l">
+              <a:buFont typeface="Wingdings" pitchFamily="2" charset="2"/>
+              <a:buChar char="Ø"/>
+            </a:pPr>
+            <a:endParaRPr lang="en-US" sz="2900" b="1" dirty="0">
+              <a:solidFill>
+                <a:schemeClr val="tx1">
+                  <a:lumMod val="50000"/>
+                  <a:lumOff val="50000"/>
+                </a:schemeClr>
+              </a:solidFill>
+              <a:latin typeface="Calibri Light (Headings)"/>
+            </a:endParaRPr>
+          </a:p>
+          <a:p>
+            <a:pPr marL="457200" indent="-457200" algn="l">
+              <a:buFont typeface="Wingdings" pitchFamily="2" charset="2"/>
+              <a:buChar char="Ø"/>
+            </a:pPr>
+            <a:r>
+              <a:rPr lang="en-US" sz="2900" b="1" dirty="0">
+                <a:solidFill>
+                  <a:schemeClr val="tx1">
+                    <a:lumMod val="50000"/>
+                    <a:lumOff val="50000"/>
+                  </a:schemeClr>
+                </a:solidFill>
+                <a:latin typeface="Calibri Light (Headings)"/>
+              </a:rPr>
+              <a:t>Null and Alternate Hypothesis</a:t>
+            </a:r>
+          </a:p>
+          <a:p>
+            <a:pPr marL="457200" indent="-457200" algn="l">
+              <a:buFont typeface="Wingdings" pitchFamily="2" charset="2"/>
+              <a:buChar char="Ø"/>
+            </a:pPr>
+            <a:endParaRPr lang="en-US" sz="2900" b="1" dirty="0">
+              <a:solidFill>
+                <a:schemeClr val="tx1">
+                  <a:lumMod val="50000"/>
+                  <a:lumOff val="50000"/>
+                </a:schemeClr>
+              </a:solidFill>
+              <a:latin typeface="Calibri Light (Headings)"/>
+            </a:endParaRPr>
+          </a:p>
+          <a:p>
+            <a:pPr marL="457200" indent="-457200" algn="l">
+              <a:buFont typeface="Wingdings" pitchFamily="2" charset="2"/>
+              <a:buChar char="Ø"/>
+            </a:pPr>
+            <a:r>
+              <a:rPr lang="en-US" sz="2900" b="1" dirty="0">
+                <a:solidFill>
+                  <a:schemeClr val="tx1">
+                    <a:lumMod val="50000"/>
+                    <a:lumOff val="50000"/>
+                  </a:schemeClr>
+                </a:solidFill>
+                <a:latin typeface="Calibri Light (Headings)"/>
+              </a:rPr>
+              <a:t>Steps of Hypothesis Testing</a:t>
+            </a:r>
+          </a:p>
+          <a:p>
+            <a:pPr marL="457200" indent="-457200" algn="l">
+              <a:buFont typeface="Wingdings" pitchFamily="2" charset="2"/>
+              <a:buChar char="Ø"/>
+            </a:pPr>
+            <a:endParaRPr lang="en-US" sz="2900" b="1" dirty="0">
+              <a:solidFill>
+                <a:schemeClr val="tx1">
+                  <a:lumMod val="50000"/>
+                  <a:lumOff val="50000"/>
+                </a:schemeClr>
+              </a:solidFill>
+              <a:latin typeface="Calibri Light (Headings)"/>
+            </a:endParaRPr>
+          </a:p>
+          <a:p>
+            <a:pPr marL="457200" indent="-457200" algn="l">
+              <a:buFont typeface="Wingdings" pitchFamily="2" charset="2"/>
+              <a:buChar char="Ø"/>
+            </a:pPr>
+            <a:endParaRPr lang="en-US" sz="2900" b="1" dirty="0">
+              <a:solidFill>
+                <a:schemeClr val="tx1">
+                  <a:lumMod val="50000"/>
+                  <a:lumOff val="50000"/>
+                </a:schemeClr>
+              </a:solidFill>
+              <a:latin typeface="Calibri Light (Headings)"/>
+            </a:endParaRPr>
+          </a:p>
+          <a:p>
+            <a:pPr marL="457200" indent="-457200" algn="l">
+              <a:buFont typeface="Wingdings" pitchFamily="2" charset="2"/>
+              <a:buChar char="Ø"/>
+            </a:pPr>
+            <a:endParaRPr lang="en-US" sz="2900" b="1" dirty="0">
+              <a:solidFill>
+                <a:schemeClr val="tx1">
+                  <a:lumMod val="50000"/>
+                  <a:lumOff val="50000"/>
+                </a:schemeClr>
+              </a:solidFill>
+              <a:latin typeface="Calibri Light (Headings)"/>
+            </a:endParaRPr>
+          </a:p>
+          <a:p>
+            <a:pPr marL="457200" indent="-457200" algn="l">
+              <a:buFont typeface="Wingdings" pitchFamily="2" charset="2"/>
+              <a:buChar char="Ø"/>
+            </a:pPr>
+            <a:endParaRPr lang="en-US" sz="2900" b="1" dirty="0">
+              <a:solidFill>
+                <a:schemeClr val="tx1">
+                  <a:lumMod val="50000"/>
+                  <a:lumOff val="50000"/>
+                </a:schemeClr>
+              </a:solidFill>
+              <a:latin typeface="Calibri Light (Headings)"/>
+            </a:endParaRPr>
+          </a:p>
+        </p:txBody>
+      </p:sp>
+      <p:sp>
+        <p:nvSpPr>
+          <p:cNvPr id="7" name="Title 1">
+            <a:extLst>
+              <a:ext uri="{FF2B5EF4-FFF2-40B4-BE49-F238E27FC236}">
+                <a16:creationId xmlns:a16="http://schemas.microsoft.com/office/drawing/2014/main" id="{F9F68FD0-4734-F88A-26AE-8BD1D795B778}"/>
+              </a:ext>
+            </a:extLst>
+          </p:cNvPr>
+          <p:cNvSpPr>
+            <a:spLocks noGrp="1"/>
+          </p:cNvSpPr>
+          <p:nvPr>
+            <p:ph type="ctrTitle"/>
+          </p:nvPr>
+        </p:nvSpPr>
+        <p:spPr>
+          <a:xfrm>
+            <a:off x="459205" y="359228"/>
+            <a:ext cx="9935227" cy="718459"/>
+          </a:xfrm>
+        </p:spPr>
+        <p:txBody>
+          <a:bodyPr>
+            <a:noAutofit/>
+          </a:bodyPr>
+          <a:lstStyle/>
+          <a:p>
+            <a:pPr algn="l"/>
+            <a:endParaRPr lang="en-PH" sz="4500" b="1" dirty="0"/>
+          </a:p>
+        </p:txBody>
+      </p:sp>
+      <p:pic>
+        <p:nvPicPr>
+          <p:cNvPr id="3" name="Graphic 2" descr="Checkmark with solid fill">
+            <a:extLst>
+              <a:ext uri="{FF2B5EF4-FFF2-40B4-BE49-F238E27FC236}">
+                <a16:creationId xmlns:a16="http://schemas.microsoft.com/office/drawing/2014/main" id="{0FE95D5E-0829-27E7-2F47-74E6B14307D1}"/>
+              </a:ext>
+            </a:extLst>
+          </p:cNvPr>
+          <p:cNvPicPr>
+            <a:picLocks noChangeAspect="1"/>
+          </p:cNvPicPr>
+          <p:nvPr/>
+        </p:nvPicPr>
+        <p:blipFill>
+          <a:blip r:embed="rId3">
+            <a:extLst>
+              <a:ext uri="{28A0092B-C50C-407E-A947-70E740481C1C}">
+                <a14:useLocalDpi xmlns:a14="http://schemas.microsoft.com/office/drawing/2010/main" val="0"/>
+              </a:ext>
+              <a:ext uri="{96DAC541-7B7A-43D3-8B79-37D633B846F1}">
+                <asvg:svgBlip xmlns:asvg="http://schemas.microsoft.com/office/drawing/2016/SVG/main" r:embed="rId4"/>
+              </a:ext>
+            </a:extLst>
+          </a:blip>
+          <a:stretch>
+            <a:fillRect/>
+          </a:stretch>
+        </p:blipFill>
+        <p:spPr>
+          <a:xfrm>
+            <a:off x="5422664" y="1077687"/>
+            <a:ext cx="673335" cy="673335"/>
+          </a:xfrm>
+          <a:prstGeom prst="rect">
+            <a:avLst/>
+          </a:prstGeom>
+        </p:spPr>
+      </p:pic>
     </p:spTree>
     <p:extLst>
       <p:ext uri="{BB962C8B-B14F-4D97-AF65-F5344CB8AC3E}">
-        <p14:creationId xmlns:p14="http://schemas.microsoft.com/office/powerpoint/2010/main" val="2006914654"/>
+        <p14:creationId xmlns:p14="http://schemas.microsoft.com/office/powerpoint/2010/main" val="406870033"/>
       </p:ext>
     </p:extLst>
   </p:cSld>
@@ -13556,7 +15407,7 @@
           <a:p>
             <a:r>
               <a:rPr lang="en-US" sz="5000" b="1" dirty="0"/>
-              <a:t>Hypothesis Testing</a:t>
+              <a:t>Test of Significance</a:t>
             </a:r>
             <a:endParaRPr lang="en-PH" sz="5000" b="1" dirty="0"/>
           </a:p>
@@ -13619,7 +15470,7 @@
         <p:spPr>
           <a:xfrm>
             <a:off x="639918" y="1354768"/>
-            <a:ext cx="11140404" cy="3785652"/>
+            <a:ext cx="10912162" cy="3323987"/>
           </a:xfrm>
           <a:prstGeom prst="rect">
             <a:avLst/>
@@ -13634,57 +15485,48 @@
           <a:p>
             <a:r>
               <a:rPr lang="en-PH" sz="3000" dirty="0"/>
-              <a:t>In today’s data-driven world, decisions are based on data all the time</a:t>
-            </a:r>
-          </a:p>
-          <a:p>
-            <a:endParaRPr lang="en-PH" sz="3000" dirty="0"/>
-          </a:p>
-          <a:p>
-            <a:r>
-              <a:rPr lang="en-PH" sz="3000" dirty="0"/>
-              <a:t>Hypothesis plays a crucial role in that process, whether it may be making business decisions, in the health sector, academia, or in quality improvement. </a:t>
-            </a:r>
-          </a:p>
-          <a:p>
-            <a:endParaRPr lang="en-PH" sz="3000" dirty="0"/>
-          </a:p>
-          <a:p>
-            <a:r>
-              <a:rPr lang="en-PH" sz="3000" dirty="0"/>
-              <a:t>Without hypothesis and hypothesis tests, you risk drawing the </a:t>
+              <a:t>A test of significance is a formal procedure for comparing observed data with a claim (</a:t>
             </a:r>
             <a:r>
               <a:rPr lang="en-PH" sz="3000" b="1" dirty="0">
                 <a:solidFill>
-                  <a:srgbClr val="FF0000"/>
+                  <a:srgbClr val="00B0F0"/>
                 </a:solidFill>
               </a:rPr>
-              <a:t>wrong conclusions </a:t>
+              <a:t>also called a hypothesis</a:t>
             </a:r>
             <a:r>
               <a:rPr lang="en-PH" sz="3000" dirty="0"/>
-              <a:t>and </a:t>
-            </a:r>
-            <a:r>
-              <a:rPr lang="en-PH" sz="3000" b="1" dirty="0">
+              <a:t>), the truth of which is being assessed. </a:t>
+            </a:r>
+          </a:p>
+          <a:p>
+            <a:endParaRPr lang="en-PH" sz="3000" dirty="0"/>
+          </a:p>
+          <a:p>
+            <a:r>
+              <a:rPr lang="en-US" sz="3000" dirty="0"/>
+              <a:t>The first step in conducting a test of statistical significance is to </a:t>
+            </a:r>
+            <a:r>
+              <a:rPr lang="en-US" sz="3000" b="1" dirty="0">
                 <a:solidFill>
-                  <a:srgbClr val="FF0000"/>
+                  <a:srgbClr val="7030A0"/>
                 </a:solidFill>
               </a:rPr>
-              <a:t>making bad decisions</a:t>
-            </a:r>
-            <a:r>
-              <a:rPr lang="en-PH" sz="3000" dirty="0"/>
-              <a:t>.</a:t>
-            </a:r>
+              <a:t>state the hypothesis. </a:t>
+            </a:r>
+            <a:br>
+              <a:rPr lang="en-US" sz="3000" dirty="0"/>
+            </a:br>
+            <a:endParaRPr lang="en-PH" sz="3000" dirty="0"/>
           </a:p>
         </p:txBody>
       </p:sp>
     </p:spTree>
     <p:extLst>
       <p:ext uri="{BB962C8B-B14F-4D97-AF65-F5344CB8AC3E}">
-        <p14:creationId xmlns:p14="http://schemas.microsoft.com/office/powerpoint/2010/main" val="3258874737"/>
+        <p14:creationId xmlns:p14="http://schemas.microsoft.com/office/powerpoint/2010/main" val="2006914654"/>
       </p:ext>
     </p:extLst>
   </p:cSld>
@@ -13891,7 +15733,7 @@
         <p:spPr>
           <a:xfrm>
             <a:off x="639918" y="1354768"/>
-            <a:ext cx="11140404" cy="5170646"/>
+            <a:ext cx="11140404" cy="3785652"/>
           </a:xfrm>
           <a:prstGeom prst="rect">
             <a:avLst/>
@@ -13906,15 +15748,16 @@
           <a:p>
             <a:r>
               <a:rPr lang="en-PH" sz="3000" dirty="0"/>
-              <a:t>Hypothesis Testing </a:t>
-            </a:r>
-            <a:r>
-              <a:rPr lang="en-PH" sz="3000" b="1" dirty="0"/>
-              <a:t>puts our assumptions about a population parameter to the test</a:t>
-            </a:r>
+              <a:t>In today’s data-driven world, decisions are based on data all the time</a:t>
+            </a:r>
+          </a:p>
+          <a:p>
+            <a:endParaRPr lang="en-PH" sz="3000" dirty="0"/>
+          </a:p>
+          <a:p>
             <a:r>
               <a:rPr lang="en-PH" sz="3000" dirty="0"/>
-              <a:t>. </a:t>
+              <a:t>Hypothesis plays a crucial role in that process, whether it may be making business decisions, in the health sector, academia, or in quality improvement. </a:t>
             </a:r>
           </a:p>
           <a:p>
@@ -13923,41 +15766,39 @@
           <a:p>
             <a:r>
               <a:rPr lang="en-PH" sz="3000" dirty="0"/>
-              <a:t>It is used to estimate the relationship between two statistical variables. Real life examples include:</a:t>
-            </a:r>
-          </a:p>
-          <a:p>
-            <a:endParaRPr lang="en-PH" sz="3000" dirty="0"/>
-          </a:p>
-          <a:p>
-            <a:pPr marL="457200" indent="-457200" algn="l">
-              <a:buFont typeface="Arial" panose="020B0604020202020204" pitchFamily="34" charset="0"/>
-              <a:buChar char="•"/>
-            </a:pPr>
+              <a:t>Without hypothesis and hypothesis tests, you risk drawing the </a:t>
+            </a:r>
+            <a:r>
+              <a:rPr lang="en-PH" sz="3000" b="1" dirty="0">
+                <a:solidFill>
+                  <a:srgbClr val="FF0000"/>
+                </a:solidFill>
+              </a:rPr>
+              <a:t>wrong conclusions </a:t>
+            </a:r>
             <a:r>
               <a:rPr lang="en-PH" sz="3000" dirty="0"/>
-              <a:t>A teacher assumes that 60% of his college's students come from lower-middle-class families.</a:t>
-            </a:r>
-          </a:p>
-          <a:p>
-            <a:pPr marL="457200" indent="-457200" algn="l">
-              <a:buFont typeface="Arial" panose="020B0604020202020204" pitchFamily="34" charset="0"/>
-              <a:buChar char="•"/>
-            </a:pPr>
+              <a:t>and </a:t>
+            </a:r>
+            <a:r>
+              <a:rPr lang="en-PH" sz="3000" b="1" dirty="0">
+                <a:solidFill>
+                  <a:srgbClr val="FF0000"/>
+                </a:solidFill>
+              </a:rPr>
+              <a:t>making bad decisions</a:t>
+            </a:r>
             <a:r>
               <a:rPr lang="en-PH" sz="3000" dirty="0"/>
-              <a:t>A doctor believes that 3D (Diet, Dose, and Discipline) is 90% effective for diabetic patients.</a:t>
-            </a:r>
-          </a:p>
-          <a:p>
-            <a:endParaRPr lang="en-PH" sz="3000" dirty="0"/>
+              <a:t>.</a:t>
+            </a:r>
           </a:p>
         </p:txBody>
       </p:sp>
     </p:spTree>
     <p:extLst>
       <p:ext uri="{BB962C8B-B14F-4D97-AF65-F5344CB8AC3E}">
-        <p14:creationId xmlns:p14="http://schemas.microsoft.com/office/powerpoint/2010/main" val="3120370545"/>
+        <p14:creationId xmlns:p14="http://schemas.microsoft.com/office/powerpoint/2010/main" val="3258874737"/>
       </p:ext>
     </p:extLst>
   </p:cSld>
@@ -14101,7 +15942,7 @@
           <a:p>
             <a:r>
               <a:rPr lang="en-US" sz="5000" b="1" dirty="0"/>
-              <a:t>How Hypothesis Testing Works?</a:t>
+              <a:t>Hypothesis Testing</a:t>
             </a:r>
             <a:endParaRPr lang="en-PH" sz="5000" b="1" dirty="0"/>
           </a:p>
@@ -14164,7 +16005,7 @@
         <p:spPr>
           <a:xfrm>
             <a:off x="639918" y="1354768"/>
-            <a:ext cx="11140404" cy="3785652"/>
+            <a:ext cx="11140404" cy="5170646"/>
           </a:xfrm>
           <a:prstGeom prst="rect">
             <a:avLst/>
@@ -14179,19 +16020,15 @@
           <a:p>
             <a:r>
               <a:rPr lang="en-PH" sz="3000" dirty="0"/>
-              <a:t>Measurements and analyses are conducted on a </a:t>
-            </a:r>
-            <a:r>
-              <a:rPr lang="en-PH" sz="3000" b="1" dirty="0">
-                <a:solidFill>
-                  <a:srgbClr val="00B0F0"/>
-                </a:solidFill>
-              </a:rPr>
-              <a:t>random sample </a:t>
+              <a:t>Hypothesis Testing </a:t>
+            </a:r>
+            <a:r>
+              <a:rPr lang="en-PH" sz="3000" b="1" dirty="0"/>
+              <a:t>puts our assumptions about a population parameter to the test</a:t>
             </a:r>
             <a:r>
               <a:rPr lang="en-PH" sz="3000" dirty="0"/>
-              <a:t>of the population to test a theory.</a:t>
+              <a:t>. </a:t>
             </a:r>
           </a:p>
           <a:p>
@@ -14199,45 +16036,42 @@
           </a:p>
           <a:p>
             <a:r>
-              <a:rPr lang="en-US" sz="3000" dirty="0"/>
-              <a:t>In hypothesis testing, a decision between two alternatives must be made. </a:t>
-            </a:r>
-          </a:p>
-          <a:p>
-            <a:endParaRPr lang="en-US" sz="3000" dirty="0"/>
-          </a:p>
-          <a:p>
-            <a:r>
-              <a:rPr lang="en-US" sz="3000" dirty="0"/>
-              <a:t>One of which is called the </a:t>
-            </a:r>
-            <a:r>
-              <a:rPr lang="en-US" sz="3000" b="1" dirty="0">
-                <a:solidFill>
-                  <a:srgbClr val="00B050"/>
-                </a:solidFill>
-              </a:rPr>
-              <a:t>null hypothesis </a:t>
-            </a:r>
-            <a:r>
-              <a:rPr lang="en-US" sz="3000" dirty="0"/>
-              <a:t>and the other the </a:t>
-            </a:r>
-            <a:r>
-              <a:rPr lang="en-US" sz="3000" b="1" dirty="0">
-                <a:solidFill>
-                  <a:srgbClr val="FF0000"/>
-                </a:solidFill>
-              </a:rPr>
-              <a:t>alternative hypothesis</a:t>
-            </a:r>
+              <a:rPr lang="en-PH" sz="3000" dirty="0"/>
+              <a:t>It is used to estimate the relationship between two statistical variables. Real life examples include:</a:t>
+            </a:r>
+          </a:p>
+          <a:p>
+            <a:endParaRPr lang="en-PH" sz="3000" dirty="0"/>
+          </a:p>
+          <a:p>
+            <a:pPr marL="457200" indent="-457200" algn="l">
+              <a:buFont typeface="Arial" panose="020B0604020202020204" pitchFamily="34" charset="0"/>
+              <a:buChar char="•"/>
+            </a:pPr>
+            <a:r>
+              <a:rPr lang="en-PH" sz="3000" dirty="0"/>
+              <a:t>A teacher assumes that 60% of his college's students come from lower-middle-class families.</a:t>
+            </a:r>
+          </a:p>
+          <a:p>
+            <a:pPr marL="457200" indent="-457200" algn="l">
+              <a:buFont typeface="Arial" panose="020B0604020202020204" pitchFamily="34" charset="0"/>
+              <a:buChar char="•"/>
+            </a:pPr>
+            <a:r>
+              <a:rPr lang="en-PH" sz="3000" dirty="0"/>
+              <a:t>A doctor believes that 3D (Diet, Dose, and Discipline) is 90% effective for diabetic patients.</a:t>
+            </a:r>
+          </a:p>
+          <a:p>
+            <a:endParaRPr lang="en-PH" sz="3000" dirty="0"/>
           </a:p>
         </p:txBody>
       </p:sp>
     </p:spTree>
     <p:extLst>
       <p:ext uri="{BB962C8B-B14F-4D97-AF65-F5344CB8AC3E}">
-        <p14:creationId xmlns:p14="http://schemas.microsoft.com/office/powerpoint/2010/main" val="193917823"/>
+        <p14:creationId xmlns:p14="http://schemas.microsoft.com/office/powerpoint/2010/main" val="3120370545"/>
       </p:ext>
     </p:extLst>
   </p:cSld>
@@ -14381,7 +16215,7 @@
           <a:p>
             <a:r>
               <a:rPr lang="en-US" sz="5000" b="1" dirty="0"/>
-              <a:t>Null Hypothesis</a:t>
+              <a:t>How Hypothesis Testing Works?</a:t>
             </a:r>
             <a:endParaRPr lang="en-PH" sz="5000" b="1" dirty="0"/>
           </a:p>
@@ -14429,225 +16263,95 @@
           </a:p>
         </p:txBody>
       </p:sp>
-      <mc:AlternateContent xmlns:mc="http://schemas.openxmlformats.org/markup-compatibility/2006" xmlns:a14="http://schemas.microsoft.com/office/drawing/2010/main">
-        <mc:Choice Requires="a14">
-          <p:sp>
-            <p:nvSpPr>
-              <p:cNvPr id="4" name="TextBox 3">
-                <a:extLst>
-                  <a:ext uri="{FF2B5EF4-FFF2-40B4-BE49-F238E27FC236}">
-                    <a16:creationId xmlns:a16="http://schemas.microsoft.com/office/drawing/2014/main" id="{4203C0C4-7C82-D208-A8B3-1AE6E9099A3C}"/>
-                  </a:ext>
-                </a:extLst>
-              </p:cNvPr>
-              <p:cNvSpPr txBox="1"/>
-              <p:nvPr/>
-            </p:nvSpPr>
-            <p:spPr>
-              <a:xfrm>
-                <a:off x="639918" y="1354768"/>
-                <a:ext cx="11140404" cy="3785652"/>
-              </a:xfrm>
-              <a:prstGeom prst="rect">
-                <a:avLst/>
-              </a:prstGeom>
-              <a:noFill/>
-            </p:spPr>
-            <p:txBody>
-              <a:bodyPr wrap="square" rtlCol="0">
-                <a:spAutoFit/>
-              </a:bodyPr>
-              <a:lstStyle/>
-              <a:p>
-                <a:r>
-                  <a:rPr lang="en-US" sz="3000" dirty="0"/>
-                  <a:t>The </a:t>
-                </a:r>
-                <a:r>
-                  <a:rPr lang="en-US" sz="3000" b="1" dirty="0">
-                    <a:solidFill>
-                      <a:srgbClr val="00B050"/>
-                    </a:solidFill>
-                  </a:rPr>
-                  <a:t>null hypothesis </a:t>
-                </a:r>
-                <a:r>
-                  <a:rPr lang="en-US" sz="3000" dirty="0"/>
-                  <a:t>is a form of hypothesis that is deemed</a:t>
-                </a:r>
-                <a:r>
-                  <a:rPr lang="en-US" sz="3000" b="1" dirty="0">
-                    <a:solidFill>
-                      <a:srgbClr val="7030A0"/>
-                    </a:solidFill>
-                  </a:rPr>
-                  <a:t> “true” </a:t>
-                </a:r>
-                <a:r>
-                  <a:rPr lang="en-US" sz="3000" dirty="0"/>
-                  <a:t>until proven wrong based on experimental data</a:t>
-                </a:r>
-                <a:r>
-                  <a:rPr lang="en-US" sz="3000" b="1" dirty="0">
-                    <a:solidFill>
-                      <a:srgbClr val="7030A0"/>
-                    </a:solidFill>
-                  </a:rPr>
-                  <a:t>.</a:t>
-                </a:r>
-              </a:p>
-              <a:p>
-                <a:endParaRPr lang="en-US" sz="3000" b="1" dirty="0">
-                  <a:solidFill>
-                    <a:srgbClr val="7030A0"/>
-                  </a:solidFill>
-                </a:endParaRPr>
-              </a:p>
-              <a:p>
-                <a:r>
-                  <a:rPr lang="en-US" sz="3000" dirty="0"/>
-                  <a:t>It is defined as the </a:t>
-                </a:r>
-                <a:r>
-                  <a:rPr lang="en-US" sz="3000" b="1" dirty="0">
-                    <a:solidFill>
-                      <a:srgbClr val="7030A0"/>
-                    </a:solidFill>
-                  </a:rPr>
-                  <a:t>commonly accepted fact </a:t>
-                </a:r>
-                <a:r>
-                  <a:rPr lang="en-US" sz="3000" b="1" dirty="0"/>
-                  <a:t>(such as the sky is blue) </a:t>
-                </a:r>
-                <a:r>
-                  <a:rPr lang="en-US" sz="3000" dirty="0"/>
-                  <a:t>and the </a:t>
-                </a:r>
-                <a:r>
-                  <a:rPr lang="en-US" sz="3000" b="1" dirty="0">
-                    <a:solidFill>
-                      <a:srgbClr val="00B0F0"/>
-                    </a:solidFill>
-                  </a:rPr>
-                  <a:t>researcher’s aim is to reject or nullify this fact</a:t>
-                </a:r>
-                <a:r>
-                  <a:rPr lang="en-US" sz="3000" dirty="0"/>
-                  <a:t>.</a:t>
-                </a:r>
-              </a:p>
-              <a:p>
-                <a:endParaRPr lang="en-US" sz="3000" dirty="0"/>
-              </a:p>
-              <a:p>
-                <a:r>
-                  <a:rPr lang="en-US" sz="3000" dirty="0"/>
-                  <a:t>The notation that is typically used for the null hypothesis is </a:t>
-                </a:r>
-                <a14:m>
-                  <m:oMath xmlns:m="http://schemas.openxmlformats.org/officeDocument/2006/math">
-                    <m:sSub>
-                      <m:sSubPr>
-                        <m:ctrlPr>
-                          <a:rPr lang="en-US" sz="3000" b="1" i="1" smtClean="0">
-                            <a:solidFill>
-                              <a:srgbClr val="00B050"/>
-                            </a:solidFill>
-                            <a:latin typeface="Cambria Math" panose="02040503050406030204" pitchFamily="18" charset="0"/>
-                          </a:rPr>
-                        </m:ctrlPr>
-                      </m:sSubPr>
-                      <m:e>
-                        <m:r>
-                          <a:rPr lang="en-US" sz="3000" b="1" i="1" smtClean="0">
-                            <a:solidFill>
-                              <a:srgbClr val="00B050"/>
-                            </a:solidFill>
-                            <a:latin typeface="Cambria Math" panose="02040503050406030204" pitchFamily="18" charset="0"/>
-                          </a:rPr>
-                          <m:t>𝑯</m:t>
-                        </m:r>
-                      </m:e>
-                      <m:sub>
-                        <m:r>
-                          <a:rPr lang="en-US" sz="3000" b="1" i="1" smtClean="0">
-                            <a:solidFill>
-                              <a:srgbClr val="00B050"/>
-                            </a:solidFill>
-                            <a:latin typeface="Cambria Math" panose="02040503050406030204" pitchFamily="18" charset="0"/>
-                          </a:rPr>
-                          <m:t>𝒐</m:t>
-                        </m:r>
-                      </m:sub>
-                    </m:sSub>
-                  </m:oMath>
-                </a14:m>
-                <a:r>
-                  <a:rPr lang="en-US" sz="3000" dirty="0">
-                    <a:solidFill>
-                      <a:srgbClr val="00B050"/>
-                    </a:solidFill>
-                  </a:rPr>
-                  <a:t> </a:t>
-                </a:r>
-                <a:br>
-                  <a:rPr lang="en-US" sz="3000" dirty="0"/>
-                </a:br>
-                <a:endParaRPr lang="en-PH" sz="3000" dirty="0"/>
-              </a:p>
-            </p:txBody>
-          </p:sp>
-        </mc:Choice>
-        <mc:Fallback xmlns="">
-          <p:sp>
-            <p:nvSpPr>
-              <p:cNvPr id="4" name="TextBox 3">
-                <a:extLst>
-                  <a:ext uri="{FF2B5EF4-FFF2-40B4-BE49-F238E27FC236}">
-                    <a16:creationId xmlns:a16="http://schemas.microsoft.com/office/drawing/2014/main" id="{4203C0C4-7C82-D208-A8B3-1AE6E9099A3C}"/>
-                  </a:ext>
-                </a:extLst>
-              </p:cNvPr>
-              <p:cNvSpPr txBox="1">
-                <a:spLocks noRot="1" noChangeAspect="1" noMove="1" noResize="1" noEditPoints="1" noAdjustHandles="1" noChangeArrowheads="1" noChangeShapeType="1" noTextEdit="1"/>
-              </p:cNvSpPr>
-              <p:nvPr/>
-            </p:nvSpPr>
-            <p:spPr>
-              <a:xfrm>
-                <a:off x="639918" y="1354768"/>
-                <a:ext cx="11140404" cy="3785652"/>
-              </a:xfrm>
-              <a:prstGeom prst="rect">
-                <a:avLst/>
-              </a:prstGeom>
-              <a:blipFill>
-                <a:blip r:embed="rId4"/>
-                <a:stretch>
-                  <a:fillRect l="-1253" t="-2007" r="-1595"/>
-                </a:stretch>
-              </a:blipFill>
-            </p:spPr>
-            <p:txBody>
-              <a:bodyPr/>
-              <a:lstStyle/>
-              <a:p>
-                <a:r>
-                  <a:rPr lang="en-US">
-                    <a:noFill/>
-                  </a:rPr>
-                  <a:t> </a:t>
-                </a:r>
-              </a:p>
-            </p:txBody>
-          </p:sp>
-        </mc:Fallback>
-      </mc:AlternateContent>
+      <p:sp>
+        <p:nvSpPr>
+          <p:cNvPr id="4" name="TextBox 3">
+            <a:extLst>
+              <a:ext uri="{FF2B5EF4-FFF2-40B4-BE49-F238E27FC236}">
+                <a16:creationId xmlns:a16="http://schemas.microsoft.com/office/drawing/2014/main" id="{4203C0C4-7C82-D208-A8B3-1AE6E9099A3C}"/>
+              </a:ext>
+            </a:extLst>
+          </p:cNvPr>
+          <p:cNvSpPr txBox="1"/>
+          <p:nvPr/>
+        </p:nvSpPr>
+        <p:spPr>
+          <a:xfrm>
+            <a:off x="639918" y="1354768"/>
+            <a:ext cx="11140404" cy="3785652"/>
+          </a:xfrm>
+          <a:prstGeom prst="rect">
+            <a:avLst/>
+          </a:prstGeom>
+          <a:noFill/>
+        </p:spPr>
+        <p:txBody>
+          <a:bodyPr wrap="square" rtlCol="0">
+            <a:spAutoFit/>
+          </a:bodyPr>
+          <a:lstStyle/>
+          <a:p>
+            <a:r>
+              <a:rPr lang="en-PH" sz="3000" dirty="0"/>
+              <a:t>Measurements and analyses are conducted on a </a:t>
+            </a:r>
+            <a:r>
+              <a:rPr lang="en-PH" sz="3000" b="1" dirty="0">
+                <a:solidFill>
+                  <a:srgbClr val="00B0F0"/>
+                </a:solidFill>
+              </a:rPr>
+              <a:t>random sample </a:t>
+            </a:r>
+            <a:r>
+              <a:rPr lang="en-PH" sz="3000" dirty="0"/>
+              <a:t>of the population to test a theory.</a:t>
+            </a:r>
+          </a:p>
+          <a:p>
+            <a:endParaRPr lang="en-PH" sz="3000" dirty="0"/>
+          </a:p>
+          <a:p>
+            <a:r>
+              <a:rPr lang="en-US" sz="3000" dirty="0"/>
+              <a:t>In hypothesis testing, a decision between two alternatives must be made. </a:t>
+            </a:r>
+          </a:p>
+          <a:p>
+            <a:endParaRPr lang="en-US" sz="3000" dirty="0"/>
+          </a:p>
+          <a:p>
+            <a:r>
+              <a:rPr lang="en-US" sz="3000" dirty="0"/>
+              <a:t>One of which is called the </a:t>
+            </a:r>
+            <a:r>
+              <a:rPr lang="en-US" sz="3000" b="1" dirty="0">
+                <a:solidFill>
+                  <a:srgbClr val="00B050"/>
+                </a:solidFill>
+              </a:rPr>
+              <a:t>null hypothesis </a:t>
+            </a:r>
+            <a:r>
+              <a:rPr lang="en-US" sz="3000" dirty="0"/>
+              <a:t>and the other the </a:t>
+            </a:r>
+            <a:r>
+              <a:rPr lang="en-US" sz="3000" b="1" dirty="0">
+                <a:solidFill>
+                  <a:srgbClr val="FF0000"/>
+                </a:solidFill>
+              </a:rPr>
+              <a:t>alternative hypothesis</a:t>
+            </a:r>
+          </a:p>
+        </p:txBody>
+      </p:sp>
     </p:spTree>
     <p:extLst>
       <p:ext uri="{BB962C8B-B14F-4D97-AF65-F5344CB8AC3E}">
-        <p14:creationId xmlns:p14="http://schemas.microsoft.com/office/powerpoint/2010/main" val="4210428131"/>
+        <p14:creationId xmlns:p14="http://schemas.microsoft.com/office/powerpoint/2010/main" val="193917823"/>
       </p:ext>
     </p:extLst>
   </p:cSld>
@@ -15248,6 +16952,15 @@
 </file>
 
 <file path=customXml/item1.xml><?xml version="1.0" encoding="utf-8"?>
+<?mso-contentType ?>
+<FormTemplates xmlns="http://schemas.microsoft.com/sharepoint/v3/contenttype/forms">
+  <Display>DocumentLibraryForm</Display>
+  <Edit>DocumentLibraryForm</Edit>
+  <New>DocumentLibraryForm</New>
+</FormTemplates>
+</file>
+
+<file path=customXml/item2.xml><?xml version="1.0" encoding="utf-8"?>
 <ct:contentTypeSchema xmlns:ct="http://schemas.microsoft.com/office/2006/metadata/contentType" xmlns:ma="http://schemas.microsoft.com/office/2006/metadata/properties/metaAttributes" ct:_="" ma:_="" ma:contentTypeName="Document" ma:contentTypeID="0x0101007188BDCA587B344BBA6CB1A93FAE6998" ma:contentTypeVersion="2" ma:contentTypeDescription="Create a new document." ma:contentTypeScope="" ma:versionID="7a8e4b6720badb2566a0cfeddfaf2856">
   <xsd:schema xmlns:xsd="http://www.w3.org/2001/XMLSchema" xmlns:xs="http://www.w3.org/2001/XMLSchema" xmlns:p="http://schemas.microsoft.com/office/2006/metadata/properties" xmlns:ns2="ba111d12-426d-4af0-bcb6-460e36974645" targetNamespace="http://schemas.microsoft.com/office/2006/metadata/properties" ma:root="true" ma:fieldsID="989b05398519136c88ba0a8d54e3c3da" ns2:_="">
     <xsd:import namespace="ba111d12-426d-4af0-bcb6-460e36974645"/>
@@ -15379,15 +17092,6 @@
 </ct:contentTypeSchema>
 </file>
 
-<file path=customXml/item2.xml><?xml version="1.0" encoding="utf-8"?>
-<?mso-contentType ?>
-<FormTemplates xmlns="http://schemas.microsoft.com/sharepoint/v3/contenttype/forms">
-  <Display>DocumentLibraryForm</Display>
-  <Edit>DocumentLibraryForm</Edit>
-  <New>DocumentLibraryForm</New>
-</FormTemplates>
-</file>
-
 <file path=customXml/item3.xml><?xml version="1.0" encoding="utf-8"?>
 <p:properties xmlns:p="http://schemas.microsoft.com/office/2006/metadata/properties" xmlns:xsi="http://www.w3.org/2001/XMLSchema-instance" xmlns:pc="http://schemas.microsoft.com/office/infopath/2007/PartnerControls">
   <documentManagement/>
@@ -15395,6 +17099,14 @@
 </file>
 
 <file path=customXml/itemProps1.xml><?xml version="1.0" encoding="utf-8"?>
+<ds:datastoreItem xmlns:ds="http://schemas.openxmlformats.org/officeDocument/2006/customXml" ds:itemID="{651370AF-26B9-4AFA-BA9D-5D4A7E1A6722}">
+  <ds:schemaRefs>
+    <ds:schemaRef ds:uri="http://schemas.microsoft.com/sharepoint/v3/contenttype/forms"/>
+  </ds:schemaRefs>
+</ds:datastoreItem>
+</file>
+
+<file path=customXml/itemProps2.xml><?xml version="1.0" encoding="utf-8"?>
 <ds:datastoreItem xmlns:ds="http://schemas.openxmlformats.org/officeDocument/2006/customXml" ds:itemID="{3D61E20B-708A-4719-8C02-DA91A478A7AB}">
   <ds:schemaRefs>
     <ds:schemaRef ds:uri="http://schemas.microsoft.com/office/2006/metadata/contentType"/>
@@ -15412,14 +17124,6 @@
 </ds:datastoreItem>
 </file>
 
-<file path=customXml/itemProps2.xml><?xml version="1.0" encoding="utf-8"?>
-<ds:datastoreItem xmlns:ds="http://schemas.openxmlformats.org/officeDocument/2006/customXml" ds:itemID="{651370AF-26B9-4AFA-BA9D-5D4A7E1A6722}">
-  <ds:schemaRefs>
-    <ds:schemaRef ds:uri="http://schemas.microsoft.com/sharepoint/v3/contenttype/forms"/>
-  </ds:schemaRefs>
-</ds:datastoreItem>
-</file>
-
 <file path=customXml/itemProps3.xml><?xml version="1.0" encoding="utf-8"?>
 <ds:datastoreItem xmlns:ds="http://schemas.openxmlformats.org/officeDocument/2006/customXml" ds:itemID="{EA3362E2-FA54-4262-AE94-2FA98FF8142D}">
   <ds:schemaRefs>
